--- a/ppt.pptx
+++ b/ppt.pptx
@@ -5,7 +5,7 @@
     <p:sldMasterId id="2147483648" r:id="rId1"/>
   </p:sldMasterIdLst>
   <p:notesMasterIdLst>
-    <p:notesMasterId r:id="rId13"/>
+    <p:notesMasterId r:id="rId20"/>
   </p:notesMasterIdLst>
   <p:sldIdLst>
     <p:sldId id="256" r:id="rId2"/>
@@ -16,41 +16,48 @@
     <p:sldId id="263" r:id="rId7"/>
     <p:sldId id="269" r:id="rId8"/>
     <p:sldId id="270" r:id="rId9"/>
-    <p:sldId id="271" r:id="rId10"/>
-    <p:sldId id="259" r:id="rId11"/>
-    <p:sldId id="258" r:id="rId12"/>
+    <p:sldId id="259" r:id="rId10"/>
+    <p:sldId id="271" r:id="rId11"/>
+    <p:sldId id="273" r:id="rId12"/>
+    <p:sldId id="274" r:id="rId13"/>
+    <p:sldId id="275" r:id="rId14"/>
+    <p:sldId id="276" r:id="rId15"/>
+    <p:sldId id="277" r:id="rId16"/>
+    <p:sldId id="278" r:id="rId17"/>
+    <p:sldId id="272" r:id="rId18"/>
+    <p:sldId id="258" r:id="rId19"/>
   </p:sldIdLst>
   <p:sldSz cx="9144000" cy="6858000" type="screen4x3"/>
   <p:notesSz cx="6858000" cy="9144000"/>
   <p:embeddedFontLst>
     <p:embeddedFont>
-      <p:font typeface="나눔고딕 ExtraBold" panose="020B0600000101010101" charset="-127"/>
-      <p:bold r:id="rId14"/>
+      <p:font typeface="나눔고딕 ExtraBold" panose="020D0904000000000000" charset="-127"/>
+      <p:bold r:id="rId21"/>
     </p:embeddedFont>
     <p:embeddedFont>
       <p:font typeface="Verdana" panose="020B0604030504040204" pitchFamily="34" charset="0"/>
-      <p:regular r:id="rId15"/>
-      <p:bold r:id="rId16"/>
-      <p:italic r:id="rId17"/>
-      <p:boldItalic r:id="rId18"/>
+      <p:regular r:id="rId22"/>
+      <p:bold r:id="rId23"/>
+      <p:italic r:id="rId24"/>
+      <p:boldItalic r:id="rId25"/>
     </p:embeddedFont>
     <p:embeddedFont>
       <p:font typeface="다음_SemiBold" panose="02000700060000000000" pitchFamily="2" charset="-127"/>
-      <p:regular r:id="rId19"/>
+      <p:regular r:id="rId26"/>
     </p:embeddedFont>
     <p:embeddedFont>
       <p:font typeface="나눔바른고딕" panose="020B0603020101020101" pitchFamily="50" charset="-127"/>
-      <p:regular r:id="rId20"/>
-      <p:bold r:id="rId21"/>
+      <p:regular r:id="rId27"/>
+      <p:bold r:id="rId28"/>
     </p:embeddedFont>
     <p:embeddedFont>
       <p:font typeface="다음_Regular" panose="02000603060000000000" pitchFamily="2" charset="-127"/>
-      <p:regular r:id="rId22"/>
+      <p:regular r:id="rId29"/>
     </p:embeddedFont>
     <p:embeddedFont>
       <p:font typeface="맑은 고딕" panose="020B0503020000020004" pitchFamily="50" charset="-127"/>
-      <p:regular r:id="rId23"/>
-      <p:bold r:id="rId24"/>
+      <p:regular r:id="rId30"/>
+      <p:bold r:id="rId31"/>
     </p:embeddedFont>
   </p:embeddedFontLst>
   <p:defaultTextStyle>
@@ -3967,151 +3974,138 @@
       </p:grpSpPr>
       <p:sp>
         <p:nvSpPr>
-          <p:cNvPr id="11" name="타원 10"/>
-          <p:cNvSpPr/>
-          <p:nvPr/>
+          <p:cNvPr id="5" name="내용 개체 틀 4"/>
+          <p:cNvSpPr>
+            <a:spLocks noGrp="1"/>
+          </p:cNvSpPr>
+          <p:nvPr>
+            <p:ph sz="half" idx="1"/>
+          </p:nvPr>
+        </p:nvSpPr>
+        <p:spPr/>
+        <p:txBody>
+          <a:bodyPr/>
+          <a:lstStyle/>
+          <a:p>
+            <a:endParaRPr lang="en-US" altLang="ko-KR" dirty="0" smtClean="0"/>
+          </a:p>
+          <a:p>
+            <a:endParaRPr lang="en-US" altLang="ko-KR" dirty="0"/>
+          </a:p>
+          <a:p>
+            <a:endParaRPr lang="ko-KR" altLang="en-US" dirty="0"/>
+          </a:p>
+        </p:txBody>
+      </p:sp>
+      <p:sp>
+        <p:nvSpPr>
+          <p:cNvPr id="6" name="내용 개체 틀 5"/>
+          <p:cNvSpPr>
+            <a:spLocks noGrp="1"/>
+          </p:cNvSpPr>
+          <p:nvPr>
+            <p:ph sz="half" idx="2"/>
+          </p:nvPr>
         </p:nvSpPr>
         <p:spPr>
           <a:xfrm>
-            <a:off x="606579" y="3137146"/>
-            <a:ext cx="681438" cy="681438"/>
-          </a:xfrm>
-          <a:prstGeom prst="ellipse">
-            <a:avLst/>
-          </a:prstGeom>
-          <a:solidFill>
-            <a:srgbClr val="4C93C7">
-              <a:alpha val="23000"/>
-            </a:srgbClr>
-          </a:solidFill>
-          <a:ln>
-            <a:noFill/>
-          </a:ln>
-        </p:spPr>
-        <p:style>
-          <a:lnRef idx="2">
-            <a:schemeClr val="accent1">
-              <a:shade val="50000"/>
-            </a:schemeClr>
-          </a:lnRef>
-          <a:fillRef idx="1">
-            <a:schemeClr val="accent1"/>
-          </a:fillRef>
-          <a:effectRef idx="0">
-            <a:schemeClr val="accent1"/>
-          </a:effectRef>
-          <a:fontRef idx="minor">
-            <a:schemeClr val="lt1"/>
-          </a:fontRef>
-        </p:style>
-        <p:txBody>
-          <a:bodyPr rtlCol="0" anchor="ctr"/>
-          <a:lstStyle/>
-          <a:p>
-            <a:pPr algn="ctr"/>
-            <a:endParaRPr lang="ko-KR" altLang="en-US"/>
-          </a:p>
-        </p:txBody>
-      </p:sp>
-      <p:sp>
-        <p:nvSpPr>
-          <p:cNvPr id="54" name="타원 53"/>
-          <p:cNvSpPr/>
-          <p:nvPr/>
-        </p:nvSpPr>
-        <p:spPr>
-          <a:xfrm>
-            <a:off x="3394819" y="3137146"/>
-            <a:ext cx="681438" cy="681438"/>
-          </a:xfrm>
-          <a:prstGeom prst="ellipse">
-            <a:avLst/>
-          </a:prstGeom>
-          <a:solidFill>
-            <a:srgbClr val="4C93C7">
-              <a:alpha val="23000"/>
-            </a:srgbClr>
-          </a:solidFill>
-          <a:ln>
-            <a:noFill/>
-          </a:ln>
-        </p:spPr>
-        <p:style>
-          <a:lnRef idx="2">
-            <a:schemeClr val="accent1">
-              <a:shade val="50000"/>
-            </a:schemeClr>
-          </a:lnRef>
-          <a:fillRef idx="1">
-            <a:schemeClr val="accent1"/>
-          </a:fillRef>
-          <a:effectRef idx="0">
-            <a:schemeClr val="accent1"/>
-          </a:effectRef>
-          <a:fontRef idx="minor">
-            <a:schemeClr val="lt1"/>
-          </a:fontRef>
-        </p:style>
-        <p:txBody>
-          <a:bodyPr rtlCol="0" anchor="ctr"/>
-          <a:lstStyle/>
-          <a:p>
-            <a:pPr algn="ctr"/>
-            <a:endParaRPr lang="ko-KR" altLang="en-US"/>
-          </a:p>
-        </p:txBody>
-      </p:sp>
-      <p:sp>
-        <p:nvSpPr>
-          <p:cNvPr id="55" name="타원 54"/>
-          <p:cNvSpPr/>
-          <p:nvPr/>
-        </p:nvSpPr>
-        <p:spPr>
-          <a:xfrm>
-            <a:off x="6011771" y="3137146"/>
-            <a:ext cx="681438" cy="681438"/>
-          </a:xfrm>
-          <a:prstGeom prst="ellipse">
-            <a:avLst/>
-          </a:prstGeom>
-          <a:solidFill>
-            <a:srgbClr val="4C93C7">
-              <a:alpha val="23000"/>
-            </a:srgbClr>
-          </a:solidFill>
-          <a:ln>
-            <a:noFill/>
-          </a:ln>
-        </p:spPr>
-        <p:style>
-          <a:lnRef idx="2">
-            <a:schemeClr val="accent1">
-              <a:shade val="50000"/>
-            </a:schemeClr>
-          </a:lnRef>
-          <a:fillRef idx="1">
-            <a:schemeClr val="accent1"/>
-          </a:fillRef>
-          <a:effectRef idx="0">
-            <a:schemeClr val="accent1"/>
-          </a:effectRef>
-          <a:fontRef idx="minor">
-            <a:schemeClr val="lt1"/>
-          </a:fontRef>
-        </p:style>
-        <p:txBody>
-          <a:bodyPr rtlCol="0" anchor="ctr"/>
-          <a:lstStyle/>
-          <a:p>
-            <a:pPr algn="ctr"/>
-            <a:endParaRPr lang="ko-KR" altLang="en-US"/>
-          </a:p>
-        </p:txBody>
-      </p:sp>
-      <p:sp>
-        <p:nvSpPr>
-          <p:cNvPr id="5" name="TextBox 25"/>
+            <a:off x="457200" y="1600200"/>
+            <a:ext cx="8229600" cy="4525963"/>
+          </a:xfrm>
+        </p:spPr>
+        <p:txBody>
+          <a:bodyPr>
+            <a:normAutofit/>
+          </a:bodyPr>
+          <a:lstStyle/>
+          <a:p>
+            <a:r>
+              <a:rPr lang="en-US" altLang="ko-KR" sz="2000" dirty="0">
+                <a:hlinkClick r:id="rId2"/>
+              </a:rPr>
+              <a:t>https://</a:t>
+            </a:r>
+            <a:r>
+              <a:rPr lang="en-US" altLang="ko-KR" sz="2000" dirty="0" smtClean="0">
+                <a:hlinkClick r:id="rId2"/>
+              </a:rPr>
+              <a:t>gist.github.com/ihoneymon/652be052a0727ad59601</a:t>
+            </a:r>
+            <a:endParaRPr lang="en-US" altLang="ko-KR" sz="2000" dirty="0" smtClean="0"/>
+          </a:p>
+          <a:p>
+            <a:r>
+              <a:rPr lang="en-US" altLang="ko-KR" sz="2000" dirty="0" smtClean="0"/>
+              <a:t>Markdown</a:t>
+            </a:r>
+            <a:r>
+              <a:rPr lang="ko-KR" altLang="en-US" sz="2000" dirty="0" smtClean="0"/>
+              <a:t>은 </a:t>
+            </a:r>
+            <a:r>
+              <a:rPr lang="ko-KR" altLang="en-US" sz="2000" dirty="0"/>
+              <a:t>텍스트 기반의 </a:t>
+            </a:r>
+            <a:r>
+              <a:rPr lang="ko-KR" altLang="en-US" sz="2000" dirty="0" err="1" smtClean="0"/>
+              <a:t>마크업언어</a:t>
+            </a:r>
+            <a:r>
+              <a:rPr lang="en-US" altLang="ko-KR" sz="2000" dirty="0" smtClean="0"/>
+              <a:t>(</a:t>
+            </a:r>
+            <a:r>
+              <a:rPr lang="ko-KR" altLang="en-US" sz="2000" dirty="0" err="1" smtClean="0"/>
+              <a:t>존그루버</a:t>
+            </a:r>
+            <a:r>
+              <a:rPr lang="en-US" altLang="ko-KR" sz="2000" dirty="0" smtClean="0"/>
+              <a:t>, 2004)</a:t>
+            </a:r>
+          </a:p>
+          <a:p>
+            <a:r>
+              <a:rPr lang="ko-KR" altLang="en-US" sz="2000" dirty="0" smtClean="0"/>
+              <a:t>쉽게 </a:t>
+            </a:r>
+            <a:r>
+              <a:rPr lang="ko-KR" altLang="en-US" sz="2000" dirty="0"/>
+              <a:t>쓰고 읽을 수 있으며 </a:t>
+            </a:r>
+            <a:r>
+              <a:rPr lang="en-US" altLang="ko-KR" sz="2000" dirty="0"/>
+              <a:t>HTML</a:t>
+            </a:r>
+            <a:r>
+              <a:rPr lang="ko-KR" altLang="en-US" sz="2000" dirty="0"/>
+              <a:t>로 변환이 </a:t>
+            </a:r>
+            <a:r>
+              <a:rPr lang="ko-KR" altLang="en-US" sz="2000" dirty="0" smtClean="0"/>
+              <a:t>가능</a:t>
+            </a:r>
+            <a:endParaRPr lang="en-US" altLang="ko-KR" sz="2000" dirty="0" smtClean="0"/>
+          </a:p>
+          <a:p>
+            <a:r>
+              <a:rPr lang="ko-KR" altLang="en-US" sz="2000" dirty="0" smtClean="0"/>
+              <a:t>특수기호와 </a:t>
+            </a:r>
+            <a:r>
+              <a:rPr lang="ko-KR" altLang="en-US" sz="2000" dirty="0"/>
+              <a:t>문자를 이용한 매우 간단한 구조의 문법을 </a:t>
+            </a:r>
+            <a:r>
+              <a:rPr lang="ko-KR" altLang="en-US" sz="2000" dirty="0" smtClean="0"/>
+              <a:t>사용</a:t>
+            </a:r>
+            <a:endParaRPr lang="ko-KR" altLang="en-US" sz="2000" dirty="0"/>
+          </a:p>
+        </p:txBody>
+      </p:sp>
+      <p:sp>
+        <p:nvSpPr>
+          <p:cNvPr id="7" name="TextBox 25"/>
           <p:cNvSpPr txBox="1">
             <a:spLocks noChangeArrowheads="1"/>
           </p:cNvSpPr>
@@ -4120,7 +4114,7 @@
         <p:spPr bwMode="auto">
           <a:xfrm>
             <a:off x="323528" y="603121"/>
-            <a:ext cx="5112568" cy="523220"/>
+            <a:ext cx="5184576" cy="523220"/>
           </a:xfrm>
           <a:prstGeom prst="rect">
             <a:avLst/>
@@ -4141,7 +4135,7 @@
           <a:p>
             <a:pPr lvl="0"/>
             <a:r>
-              <a:rPr lang="ko-KR" altLang="en-US" sz="2800" dirty="0" smtClean="0">
+              <a:rPr lang="en-US" altLang="ko-KR" sz="2800" dirty="0" smtClean="0">
                 <a:solidFill>
                   <a:prstClr val="black">
                     <a:lumMod val="65000"/>
@@ -4151,20 +4145,7 @@
                 <a:latin typeface="다음_SemiBold" pitchFamily="2" charset="-127"/>
                 <a:ea typeface="다음_SemiBold" pitchFamily="2" charset="-127"/>
               </a:rPr>
-              <a:t>소책자 소개</a:t>
-            </a:r>
-            <a:r>
-              <a:rPr lang="en-US" altLang="ko-KR" sz="2800" dirty="0" smtClean="0">
-                <a:solidFill>
-                  <a:prstClr val="black">
-                    <a:lumMod val="65000"/>
-                    <a:lumOff val="35000"/>
-                  </a:prstClr>
-                </a:solidFill>
-                <a:latin typeface="다음_SemiBold" pitchFamily="2" charset="-127"/>
-                <a:ea typeface="다음_SemiBold" pitchFamily="2" charset="-127"/>
-              </a:rPr>
-              <a:t> </a:t>
+              <a:t>Markdown(-.md)</a:t>
             </a:r>
             <a:endParaRPr lang="en-US" altLang="ko-KR" sz="2800" dirty="0" smtClean="0">
               <a:solidFill>
@@ -4181,7 +4162,7 @@
       </p:sp>
       <p:sp>
         <p:nvSpPr>
-          <p:cNvPr id="9" name="TextBox 25"/>
+          <p:cNvPr id="8" name="TextBox 25"/>
           <p:cNvSpPr txBox="1">
             <a:spLocks noChangeArrowheads="1"/>
           </p:cNvSpPr>
@@ -4190,7 +4171,7 @@
         <p:spPr bwMode="auto">
           <a:xfrm>
             <a:off x="323528" y="1195735"/>
-            <a:ext cx="5112568" cy="307777"/>
+            <a:ext cx="5184576" cy="338554"/>
           </a:xfrm>
           <a:prstGeom prst="rect">
             <a:avLst/>
@@ -4211,7 +4192,7 @@
           <a:p>
             <a:pPr lvl="0"/>
             <a:r>
-              <a:rPr lang="en-US" altLang="ko-KR" sz="1400" dirty="0" smtClean="0">
+              <a:rPr lang="ko-KR" altLang="en-US" sz="1600" dirty="0" smtClean="0">
                 <a:solidFill>
                   <a:prstClr val="black">
                     <a:lumMod val="65000"/>
@@ -4221,9 +4202,9 @@
                 <a:latin typeface="나눔바른고딕" pitchFamily="50" charset="-127"/>
                 <a:ea typeface="나눔바른고딕" pitchFamily="50" charset="-127"/>
               </a:rPr>
-              <a:t>1. --</a:t>
-            </a:r>
-            <a:endParaRPr lang="en-US" altLang="ko-KR" sz="1400" dirty="0" smtClean="0">
+              <a:t> </a:t>
+            </a:r>
+            <a:endParaRPr lang="en-US" altLang="ko-KR" sz="1600" dirty="0" smtClean="0">
               <a:solidFill>
                 <a:prstClr val="black">
                   <a:lumMod val="65000"/>
@@ -4238,7 +4219,7 @@
       </p:sp>
       <p:cxnSp>
         <p:nvCxnSpPr>
-          <p:cNvPr id="10" name="직선 연결선 9"/>
+          <p:cNvPr id="9" name="직선 연결선 8"/>
           <p:cNvCxnSpPr/>
           <p:nvPr/>
         </p:nvCxnSpPr>
@@ -4274,637 +4255,51 @@
           </a:fontRef>
         </p:style>
       </p:cxnSp>
-      <p:sp>
-        <p:nvSpPr>
-          <p:cNvPr id="37" name="TextBox 25"/>
-          <p:cNvSpPr txBox="1">
-            <a:spLocks noChangeArrowheads="1"/>
-          </p:cNvSpPr>
+      <p:pic>
+        <p:nvPicPr>
+          <p:cNvPr id="1026" name="Picture 2" descr="John Gruber.jpeg"/>
+          <p:cNvPicPr>
+            <a:picLocks noChangeAspect="1" noChangeArrowheads="1"/>
+          </p:cNvPicPr>
           <p:nvPr/>
-        </p:nvSpPr>
+        </p:nvPicPr>
+        <p:blipFill>
+          <a:blip r:embed="rId3">
+            <a:extLst>
+              <a:ext uri="{28A0092B-C50C-407E-A947-70E740481C1C}">
+                <a14:useLocalDpi xmlns:a14="http://schemas.microsoft.com/office/drawing/2010/main" val="0"/>
+              </a:ext>
+            </a:extLst>
+          </a:blip>
+          <a:srcRect/>
+          <a:stretch>
+            <a:fillRect/>
+          </a:stretch>
+        </p:blipFill>
         <p:spPr bwMode="auto">
           <a:xfrm>
-            <a:off x="843618" y="3428407"/>
-            <a:ext cx="1080120" cy="400110"/>
+            <a:off x="755576" y="3553120"/>
+            <a:ext cx="3840361" cy="2573043"/>
           </a:xfrm>
           <a:prstGeom prst="rect">
             <a:avLst/>
           </a:prstGeom>
           <a:noFill/>
-          <a:ln w="9525">
-            <a:noFill/>
-            <a:miter lim="800000"/>
-            <a:headEnd/>
-            <a:tailEnd/>
-          </a:ln>
-        </p:spPr>
-        <p:txBody>
-          <a:bodyPr wrap="square">
-            <a:spAutoFit/>
-          </a:bodyPr>
-          <a:lstStyle/>
-          <a:p>
-            <a:pPr lvl="0"/>
-            <a:r>
-              <a:rPr lang="en-US" altLang="ko-KR" sz="2000" b="1" dirty="0" smtClean="0">
-                <a:solidFill>
-                  <a:srgbClr val="4C93C7"/>
-                </a:solidFill>
-                <a:latin typeface="다음_Regular" panose="02000603060000000000" pitchFamily="2" charset="-127"/>
-                <a:ea typeface="다음_Regular" panose="02000603060000000000" pitchFamily="2" charset="-127"/>
-              </a:rPr>
-              <a:t>1. </a:t>
-            </a:r>
-            <a:r>
-              <a:rPr lang="ko-KR" altLang="en-US" sz="2000" b="1" dirty="0" smtClean="0">
-                <a:solidFill>
-                  <a:srgbClr val="4C93C7"/>
-                </a:solidFill>
-                <a:latin typeface="다음_Regular" panose="02000603060000000000" pitchFamily="2" charset="-127"/>
-                <a:ea typeface="다음_Regular" panose="02000603060000000000" pitchFamily="2" charset="-127"/>
-              </a:rPr>
-              <a:t>기간</a:t>
-            </a:r>
-            <a:endParaRPr lang="en-US" altLang="ko-KR" sz="2000" b="1" dirty="0" smtClean="0">
-              <a:solidFill>
-                <a:srgbClr val="4C93C7"/>
-              </a:solidFill>
-              <a:latin typeface="다음_Regular" panose="02000603060000000000" pitchFamily="2" charset="-127"/>
-              <a:ea typeface="다음_Regular" panose="02000603060000000000" pitchFamily="2" charset="-127"/>
-            </a:endParaRPr>
-          </a:p>
-        </p:txBody>
-      </p:sp>
-      <p:cxnSp>
-        <p:nvCxnSpPr>
-          <p:cNvPr id="38" name="직선 연결선 37"/>
-          <p:cNvCxnSpPr/>
-          <p:nvPr/>
-        </p:nvCxnSpPr>
-        <p:spPr>
-          <a:xfrm>
-            <a:off x="915626" y="3826842"/>
-            <a:ext cx="936000" cy="0"/>
-          </a:xfrm>
-          <a:prstGeom prst="line">
-            <a:avLst/>
-          </a:prstGeom>
-          <a:ln>
-            <a:solidFill>
-              <a:srgbClr val="4C93C7"/>
-            </a:solidFill>
-            <a:prstDash val="dash"/>
-          </a:ln>
-        </p:spPr>
-        <p:style>
-          <a:lnRef idx="1">
-            <a:schemeClr val="accent1"/>
-          </a:lnRef>
-          <a:fillRef idx="0">
-            <a:schemeClr val="accent1"/>
-          </a:fillRef>
-          <a:effectRef idx="0">
-            <a:schemeClr val="accent1"/>
-          </a:effectRef>
-          <a:fontRef idx="minor">
-            <a:schemeClr val="tx1"/>
-          </a:fontRef>
-        </p:style>
-      </p:cxnSp>
-      <p:sp>
-        <p:nvSpPr>
-          <p:cNvPr id="41" name="TextBox 25"/>
-          <p:cNvSpPr txBox="1">
-            <a:spLocks noChangeArrowheads="1"/>
-          </p:cNvSpPr>
-          <p:nvPr/>
-        </p:nvSpPr>
-        <p:spPr bwMode="auto">
-          <a:xfrm>
-            <a:off x="3651930" y="3428407"/>
-            <a:ext cx="1080120" cy="400110"/>
-          </a:xfrm>
-          <a:prstGeom prst="rect">
-            <a:avLst/>
-          </a:prstGeom>
-          <a:noFill/>
-          <a:ln w="9525">
-            <a:noFill/>
-            <a:miter lim="800000"/>
-            <a:headEnd/>
-            <a:tailEnd/>
-          </a:ln>
-        </p:spPr>
-        <p:txBody>
-          <a:bodyPr wrap="square">
-            <a:spAutoFit/>
-          </a:bodyPr>
-          <a:lstStyle/>
-          <a:p>
-            <a:pPr lvl="0"/>
-            <a:r>
-              <a:rPr lang="en-US" altLang="ko-KR" sz="2000" b="1" dirty="0" smtClean="0">
-                <a:solidFill>
-                  <a:srgbClr val="4C93C7"/>
-                </a:solidFill>
-                <a:latin typeface="다음_Regular" panose="02000603060000000000" pitchFamily="2" charset="-127"/>
-                <a:ea typeface="다음_Regular" panose="02000603060000000000" pitchFamily="2" charset="-127"/>
-              </a:rPr>
-              <a:t>2. </a:t>
-            </a:r>
-            <a:r>
-              <a:rPr lang="ko-KR" altLang="en-US" sz="2000" b="1" dirty="0" smtClean="0">
-                <a:solidFill>
-                  <a:srgbClr val="4C93C7"/>
-                </a:solidFill>
-                <a:latin typeface="다음_Regular" panose="02000603060000000000" pitchFamily="2" charset="-127"/>
-                <a:ea typeface="다음_Regular" panose="02000603060000000000" pitchFamily="2" charset="-127"/>
-              </a:rPr>
-              <a:t>목적</a:t>
-            </a:r>
-            <a:endParaRPr lang="en-US" altLang="ko-KR" sz="2000" b="1" dirty="0" smtClean="0">
-              <a:solidFill>
-                <a:srgbClr val="4C93C7"/>
-              </a:solidFill>
-              <a:latin typeface="다음_Regular" panose="02000603060000000000" pitchFamily="2" charset="-127"/>
-              <a:ea typeface="다음_Regular" panose="02000603060000000000" pitchFamily="2" charset="-127"/>
-            </a:endParaRPr>
-          </a:p>
-        </p:txBody>
-      </p:sp>
-      <p:cxnSp>
-        <p:nvCxnSpPr>
-          <p:cNvPr id="45" name="직선 연결선 44"/>
-          <p:cNvCxnSpPr/>
-          <p:nvPr/>
-        </p:nvCxnSpPr>
-        <p:spPr>
-          <a:xfrm>
-            <a:off x="3723938" y="3826842"/>
-            <a:ext cx="936000" cy="0"/>
-          </a:xfrm>
-          <a:prstGeom prst="line">
-            <a:avLst/>
-          </a:prstGeom>
-          <a:ln>
-            <a:solidFill>
-              <a:srgbClr val="4C93C7"/>
-            </a:solidFill>
-            <a:prstDash val="dash"/>
-          </a:ln>
-        </p:spPr>
-        <p:style>
-          <a:lnRef idx="1">
-            <a:schemeClr val="accent1"/>
-          </a:lnRef>
-          <a:fillRef idx="0">
-            <a:schemeClr val="accent1"/>
-          </a:fillRef>
-          <a:effectRef idx="0">
-            <a:schemeClr val="accent1"/>
-          </a:effectRef>
-          <a:fontRef idx="minor">
-            <a:schemeClr val="tx1"/>
-          </a:fontRef>
-        </p:style>
-      </p:cxnSp>
-      <p:sp>
-        <p:nvSpPr>
-          <p:cNvPr id="46" name="TextBox 25"/>
-          <p:cNvSpPr txBox="1">
-            <a:spLocks noChangeArrowheads="1"/>
-          </p:cNvSpPr>
-          <p:nvPr/>
-        </p:nvSpPr>
-        <p:spPr bwMode="auto">
-          <a:xfrm>
-            <a:off x="6280482" y="3428407"/>
-            <a:ext cx="1819910" cy="400110"/>
-          </a:xfrm>
-          <a:prstGeom prst="rect">
-            <a:avLst/>
-          </a:prstGeom>
-          <a:noFill/>
-          <a:ln w="9525">
-            <a:noFill/>
-            <a:miter lim="800000"/>
-            <a:headEnd/>
-            <a:tailEnd/>
-          </a:ln>
-        </p:spPr>
-        <p:txBody>
-          <a:bodyPr wrap="square">
-            <a:spAutoFit/>
-          </a:bodyPr>
-          <a:lstStyle/>
-          <a:p>
-            <a:pPr lvl="0"/>
-            <a:r>
-              <a:rPr lang="en-US" altLang="ko-KR" sz="2000" b="1" dirty="0" smtClean="0">
-                <a:solidFill>
-                  <a:srgbClr val="4C93C7"/>
-                </a:solidFill>
-                <a:latin typeface="다음_Regular" panose="02000603060000000000" pitchFamily="2" charset="-127"/>
-                <a:ea typeface="다음_Regular" panose="02000603060000000000" pitchFamily="2" charset="-127"/>
-              </a:rPr>
-              <a:t>3. </a:t>
-            </a:r>
-            <a:r>
-              <a:rPr lang="ko-KR" altLang="en-US" sz="2000" b="1" dirty="0" smtClean="0">
-                <a:solidFill>
-                  <a:srgbClr val="4C93C7"/>
-                </a:solidFill>
-                <a:latin typeface="다음_Regular" panose="02000603060000000000" pitchFamily="2" charset="-127"/>
-                <a:ea typeface="다음_Regular" panose="02000603060000000000" pitchFamily="2" charset="-127"/>
-              </a:rPr>
-              <a:t>기대효과</a:t>
-            </a:r>
-            <a:endParaRPr lang="en-US" altLang="ko-KR" sz="2000" b="1" dirty="0" smtClean="0">
-              <a:solidFill>
-                <a:srgbClr val="4C93C7"/>
-              </a:solidFill>
-              <a:latin typeface="다음_Regular" panose="02000603060000000000" pitchFamily="2" charset="-127"/>
-              <a:ea typeface="다음_Regular" panose="02000603060000000000" pitchFamily="2" charset="-127"/>
-            </a:endParaRPr>
-          </a:p>
-        </p:txBody>
-      </p:sp>
-      <p:cxnSp>
-        <p:nvCxnSpPr>
-          <p:cNvPr id="47" name="직선 연결선 46"/>
-          <p:cNvCxnSpPr/>
-          <p:nvPr/>
-        </p:nvCxnSpPr>
-        <p:spPr>
-          <a:xfrm>
-            <a:off x="6352490" y="3826842"/>
-            <a:ext cx="1476000" cy="0"/>
-          </a:xfrm>
-          <a:prstGeom prst="line">
-            <a:avLst/>
-          </a:prstGeom>
-          <a:ln>
-            <a:solidFill>
-              <a:srgbClr val="4C93C7"/>
-            </a:solidFill>
-            <a:prstDash val="dash"/>
-          </a:ln>
-        </p:spPr>
-        <p:style>
-          <a:lnRef idx="1">
-            <a:schemeClr val="accent1"/>
-          </a:lnRef>
-          <a:fillRef idx="0">
-            <a:schemeClr val="accent1"/>
-          </a:fillRef>
-          <a:effectRef idx="0">
-            <a:schemeClr val="accent1"/>
-          </a:effectRef>
-          <a:fontRef idx="minor">
-            <a:schemeClr val="tx1"/>
-          </a:fontRef>
-        </p:style>
-      </p:cxnSp>
-      <p:sp>
-        <p:nvSpPr>
-          <p:cNvPr id="48" name="TextBox 25"/>
-          <p:cNvSpPr txBox="1">
-            <a:spLocks noChangeArrowheads="1"/>
-          </p:cNvSpPr>
-          <p:nvPr/>
-        </p:nvSpPr>
-        <p:spPr bwMode="auto">
-          <a:xfrm>
-            <a:off x="827584" y="3947423"/>
-            <a:ext cx="2340000" cy="461665"/>
-          </a:xfrm>
-          <a:prstGeom prst="rect">
-            <a:avLst/>
-          </a:prstGeom>
-          <a:noFill/>
-          <a:ln w="9525">
-            <a:noFill/>
-            <a:miter lim="800000"/>
-            <a:headEnd/>
-            <a:tailEnd/>
-          </a:ln>
-        </p:spPr>
-        <p:txBody>
-          <a:bodyPr wrap="square">
-            <a:spAutoFit/>
-          </a:bodyPr>
-          <a:lstStyle/>
-          <a:p>
-            <a:pPr lvl="0"/>
-            <a:r>
-              <a:rPr lang="ko-KR" altLang="en-US" sz="1200" dirty="0" smtClean="0">
-                <a:solidFill>
-                  <a:prstClr val="black">
-                    <a:lumMod val="65000"/>
-                    <a:lumOff val="35000"/>
-                  </a:prstClr>
-                </a:solidFill>
-                <a:latin typeface="나눔바른고딕" pitchFamily="50" charset="-127"/>
-                <a:ea typeface="나눔바른고딕" pitchFamily="50" charset="-127"/>
-              </a:rPr>
-              <a:t>여기에는 한 두 줄 정도 넣어주세요</a:t>
-            </a:r>
-            <a:r>
-              <a:rPr lang="en-US" altLang="ko-KR" sz="1200" dirty="0" smtClean="0">
-                <a:solidFill>
-                  <a:prstClr val="black">
-                    <a:lumMod val="65000"/>
-                    <a:lumOff val="35000"/>
-                  </a:prstClr>
-                </a:solidFill>
-                <a:latin typeface="나눔바른고딕" pitchFamily="50" charset="-127"/>
-                <a:ea typeface="나눔바른고딕" pitchFamily="50" charset="-127"/>
-              </a:rPr>
-              <a:t>.</a:t>
-            </a:r>
-          </a:p>
-          <a:p>
-            <a:pPr lvl="0"/>
-            <a:r>
-              <a:rPr lang="ko-KR" altLang="en-US" sz="1200" dirty="0" err="1" smtClean="0">
-                <a:solidFill>
-                  <a:prstClr val="black">
-                    <a:lumMod val="65000"/>
-                    <a:lumOff val="35000"/>
-                  </a:prstClr>
-                </a:solidFill>
-                <a:latin typeface="나눔바른고딕" pitchFamily="50" charset="-127"/>
-                <a:ea typeface="나눔바른고딕" pitchFamily="50" charset="-127"/>
-              </a:rPr>
-              <a:t>랄랄라</a:t>
-            </a:r>
-            <a:r>
-              <a:rPr lang="ko-KR" altLang="en-US" sz="1200" dirty="0" smtClean="0">
-                <a:solidFill>
-                  <a:prstClr val="black">
-                    <a:lumMod val="65000"/>
-                    <a:lumOff val="35000"/>
-                  </a:prstClr>
-                </a:solidFill>
-                <a:latin typeface="나눔바른고딕" pitchFamily="50" charset="-127"/>
-                <a:ea typeface="나눔바른고딕" pitchFamily="50" charset="-127"/>
-              </a:rPr>
-              <a:t> </a:t>
-            </a:r>
-            <a:r>
-              <a:rPr lang="ko-KR" altLang="en-US" sz="1200" dirty="0" err="1" smtClean="0">
-                <a:solidFill>
-                  <a:prstClr val="black">
-                    <a:lumMod val="65000"/>
-                    <a:lumOff val="35000"/>
-                  </a:prstClr>
-                </a:solidFill>
-                <a:latin typeface="나눔바른고딕" pitchFamily="50" charset="-127"/>
-                <a:ea typeface="나눔바른고딕" pitchFamily="50" charset="-127"/>
-              </a:rPr>
-              <a:t>스랄랄라</a:t>
-            </a:r>
-            <a:endParaRPr lang="en-US" altLang="ko-KR" sz="1200" dirty="0">
-              <a:solidFill>
-                <a:prstClr val="black">
-                  <a:lumMod val="65000"/>
-                  <a:lumOff val="35000"/>
-                </a:prstClr>
-              </a:solidFill>
-              <a:latin typeface="나눔바른고딕" pitchFamily="50" charset="-127"/>
-              <a:ea typeface="나눔바른고딕" pitchFamily="50" charset="-127"/>
-            </a:endParaRPr>
-          </a:p>
-        </p:txBody>
-      </p:sp>
-      <p:sp>
-        <p:nvSpPr>
-          <p:cNvPr id="51" name="TextBox 25"/>
-          <p:cNvSpPr txBox="1">
-            <a:spLocks noChangeArrowheads="1"/>
-          </p:cNvSpPr>
-          <p:nvPr/>
-        </p:nvSpPr>
-        <p:spPr bwMode="auto">
-          <a:xfrm>
-            <a:off x="3635896" y="3975447"/>
-            <a:ext cx="2340000" cy="461665"/>
-          </a:xfrm>
-          <a:prstGeom prst="rect">
-            <a:avLst/>
-          </a:prstGeom>
-          <a:noFill/>
-          <a:ln w="9525">
-            <a:noFill/>
-            <a:miter lim="800000"/>
-            <a:headEnd/>
-            <a:tailEnd/>
-          </a:ln>
-        </p:spPr>
-        <p:txBody>
-          <a:bodyPr wrap="square">
-            <a:spAutoFit/>
-          </a:bodyPr>
-          <a:lstStyle/>
-          <a:p>
-            <a:pPr lvl="0"/>
-            <a:r>
-              <a:rPr lang="ko-KR" altLang="en-US" sz="1200" dirty="0">
-                <a:solidFill>
-                  <a:prstClr val="black">
-                    <a:lumMod val="65000"/>
-                    <a:lumOff val="35000"/>
-                  </a:prstClr>
-                </a:solidFill>
-                <a:latin typeface="나눔바른고딕" pitchFamily="50" charset="-127"/>
-                <a:ea typeface="나눔바른고딕" pitchFamily="50" charset="-127"/>
-              </a:rPr>
-              <a:t>여기에는 한 두 줄 정도 넣어주세요</a:t>
-            </a:r>
-            <a:r>
-              <a:rPr lang="en-US" altLang="ko-KR" sz="1200" dirty="0">
-                <a:solidFill>
-                  <a:prstClr val="black">
-                    <a:lumMod val="65000"/>
-                    <a:lumOff val="35000"/>
-                  </a:prstClr>
-                </a:solidFill>
-                <a:latin typeface="나눔바른고딕" pitchFamily="50" charset="-127"/>
-                <a:ea typeface="나눔바른고딕" pitchFamily="50" charset="-127"/>
-              </a:rPr>
-              <a:t>.</a:t>
-            </a:r>
-          </a:p>
-          <a:p>
-            <a:pPr lvl="0"/>
-            <a:r>
-              <a:rPr lang="ko-KR" altLang="en-US" sz="1200" dirty="0" err="1">
-                <a:solidFill>
-                  <a:prstClr val="black">
-                    <a:lumMod val="65000"/>
-                    <a:lumOff val="35000"/>
-                  </a:prstClr>
-                </a:solidFill>
-                <a:latin typeface="나눔바른고딕" pitchFamily="50" charset="-127"/>
-                <a:ea typeface="나눔바른고딕" pitchFamily="50" charset="-127"/>
-              </a:rPr>
-              <a:t>랄랄라</a:t>
-            </a:r>
-            <a:r>
-              <a:rPr lang="ko-KR" altLang="en-US" sz="1200" dirty="0">
-                <a:solidFill>
-                  <a:prstClr val="black">
-                    <a:lumMod val="65000"/>
-                    <a:lumOff val="35000"/>
-                  </a:prstClr>
-                </a:solidFill>
-                <a:latin typeface="나눔바른고딕" pitchFamily="50" charset="-127"/>
-                <a:ea typeface="나눔바른고딕" pitchFamily="50" charset="-127"/>
-              </a:rPr>
-              <a:t> </a:t>
-            </a:r>
-            <a:r>
-              <a:rPr lang="ko-KR" altLang="en-US" sz="1200" dirty="0" err="1">
-                <a:solidFill>
-                  <a:prstClr val="black">
-                    <a:lumMod val="65000"/>
-                    <a:lumOff val="35000"/>
-                  </a:prstClr>
-                </a:solidFill>
-                <a:latin typeface="나눔바른고딕" pitchFamily="50" charset="-127"/>
-                <a:ea typeface="나눔바른고딕" pitchFamily="50" charset="-127"/>
-              </a:rPr>
-              <a:t>스랄랄라</a:t>
-            </a:r>
-            <a:endParaRPr lang="en-US" altLang="ko-KR" sz="1200" dirty="0">
-              <a:solidFill>
-                <a:prstClr val="black">
-                  <a:lumMod val="65000"/>
-                  <a:lumOff val="35000"/>
-                </a:prstClr>
-              </a:solidFill>
-              <a:latin typeface="나눔바른고딕" pitchFamily="50" charset="-127"/>
-              <a:ea typeface="나눔바른고딕" pitchFamily="50" charset="-127"/>
-            </a:endParaRPr>
-          </a:p>
-        </p:txBody>
-      </p:sp>
-      <p:sp>
-        <p:nvSpPr>
-          <p:cNvPr id="53" name="TextBox 25"/>
-          <p:cNvSpPr txBox="1">
-            <a:spLocks noChangeArrowheads="1"/>
-          </p:cNvSpPr>
-          <p:nvPr/>
-        </p:nvSpPr>
-        <p:spPr bwMode="auto">
-          <a:xfrm>
-            <a:off x="6264448" y="3975447"/>
-            <a:ext cx="2340000" cy="461665"/>
-          </a:xfrm>
-          <a:prstGeom prst="rect">
-            <a:avLst/>
-          </a:prstGeom>
-          <a:noFill/>
-          <a:ln w="9525">
-            <a:noFill/>
-            <a:miter lim="800000"/>
-            <a:headEnd/>
-            <a:tailEnd/>
-          </a:ln>
-        </p:spPr>
-        <p:txBody>
-          <a:bodyPr wrap="square">
-            <a:spAutoFit/>
-          </a:bodyPr>
-          <a:lstStyle/>
-          <a:p>
-            <a:pPr lvl="0"/>
-            <a:r>
-              <a:rPr lang="ko-KR" altLang="en-US" sz="1200" dirty="0">
-                <a:solidFill>
-                  <a:prstClr val="black">
-                    <a:lumMod val="65000"/>
-                    <a:lumOff val="35000"/>
-                  </a:prstClr>
-                </a:solidFill>
-                <a:latin typeface="나눔바른고딕" pitchFamily="50" charset="-127"/>
-                <a:ea typeface="나눔바른고딕" pitchFamily="50" charset="-127"/>
-              </a:rPr>
-              <a:t>여기에는 한 두 줄 정도 넣어주세요</a:t>
-            </a:r>
-            <a:r>
-              <a:rPr lang="en-US" altLang="ko-KR" sz="1200" dirty="0">
-                <a:solidFill>
-                  <a:prstClr val="black">
-                    <a:lumMod val="65000"/>
-                    <a:lumOff val="35000"/>
-                  </a:prstClr>
-                </a:solidFill>
-                <a:latin typeface="나눔바른고딕" pitchFamily="50" charset="-127"/>
-                <a:ea typeface="나눔바른고딕" pitchFamily="50" charset="-127"/>
-              </a:rPr>
-              <a:t>.</a:t>
-            </a:r>
-          </a:p>
-          <a:p>
-            <a:pPr lvl="0"/>
-            <a:r>
-              <a:rPr lang="ko-KR" altLang="en-US" sz="1200" dirty="0" err="1">
-                <a:solidFill>
-                  <a:prstClr val="black">
-                    <a:lumMod val="65000"/>
-                    <a:lumOff val="35000"/>
-                  </a:prstClr>
-                </a:solidFill>
-                <a:latin typeface="나눔바른고딕" pitchFamily="50" charset="-127"/>
-                <a:ea typeface="나눔바른고딕" pitchFamily="50" charset="-127"/>
-              </a:rPr>
-              <a:t>랄랄라</a:t>
-            </a:r>
-            <a:r>
-              <a:rPr lang="ko-KR" altLang="en-US" sz="1200" dirty="0">
-                <a:solidFill>
-                  <a:prstClr val="black">
-                    <a:lumMod val="65000"/>
-                    <a:lumOff val="35000"/>
-                  </a:prstClr>
-                </a:solidFill>
-                <a:latin typeface="나눔바른고딕" pitchFamily="50" charset="-127"/>
-                <a:ea typeface="나눔바른고딕" pitchFamily="50" charset="-127"/>
-              </a:rPr>
-              <a:t> </a:t>
-            </a:r>
-            <a:r>
-              <a:rPr lang="ko-KR" altLang="en-US" sz="1200" dirty="0" err="1">
-                <a:solidFill>
-                  <a:prstClr val="black">
-                    <a:lumMod val="65000"/>
-                    <a:lumOff val="35000"/>
-                  </a:prstClr>
-                </a:solidFill>
-                <a:latin typeface="나눔바른고딕" pitchFamily="50" charset="-127"/>
-                <a:ea typeface="나눔바른고딕" pitchFamily="50" charset="-127"/>
-              </a:rPr>
-              <a:t>스랄랄라</a:t>
-            </a:r>
-            <a:endParaRPr lang="en-US" altLang="ko-KR" sz="1200" dirty="0">
-              <a:solidFill>
-                <a:prstClr val="black">
-                  <a:lumMod val="65000"/>
-                  <a:lumOff val="35000"/>
-                </a:prstClr>
-              </a:solidFill>
-              <a:latin typeface="나눔바른고딕" pitchFamily="50" charset="-127"/>
-              <a:ea typeface="나눔바른고딕" pitchFamily="50" charset="-127"/>
-            </a:endParaRPr>
-          </a:p>
-        </p:txBody>
-      </p:sp>
+          <a:extLst>
+            <a:ext uri="{909E8E84-426E-40DD-AFC4-6F175D3DCCD1}">
+              <a14:hiddenFill xmlns:a14="http://schemas.microsoft.com/office/drawing/2010/main">
+                <a:solidFill>
+                  <a:srgbClr val="FFFFFF"/>
+                </a:solidFill>
+              </a14:hiddenFill>
+            </a:ext>
+          </a:extLst>
+        </p:spPr>
+      </p:pic>
     </p:spTree>
     <p:extLst>
       <p:ext uri="{BB962C8B-B14F-4D97-AF65-F5344CB8AC3E}">
-        <p14:creationId xmlns:p14="http://schemas.microsoft.com/office/powerpoint/2010/main" val="4027505701"/>
+        <p14:creationId xmlns:p14="http://schemas.microsoft.com/office/powerpoint/2010/main" val="3756803566"/>
       </p:ext>
     </p:extLst>
   </p:cSld>
@@ -4922,6 +4317,3594 @@
 </file>
 
 <file path=ppt/slides/slide11.xml><?xml version="1.0" encoding="utf-8"?>
+<p:sld xmlns:a="http://schemas.openxmlformats.org/drawingml/2006/main" xmlns:r="http://schemas.openxmlformats.org/officeDocument/2006/relationships" xmlns:p="http://schemas.openxmlformats.org/presentationml/2006/main">
+  <p:cSld>
+    <p:spTree>
+      <p:nvGrpSpPr>
+        <p:cNvPr id="1" name=""/>
+        <p:cNvGrpSpPr/>
+        <p:nvPr/>
+      </p:nvGrpSpPr>
+      <p:grpSpPr>
+        <a:xfrm>
+          <a:off x="0" y="0"/>
+          <a:ext cx="0" cy="0"/>
+          <a:chOff x="0" y="0"/>
+          <a:chExt cx="0" cy="0"/>
+        </a:xfrm>
+      </p:grpSpPr>
+      <p:sp>
+        <p:nvSpPr>
+          <p:cNvPr id="5" name="내용 개체 틀 4"/>
+          <p:cNvSpPr>
+            <a:spLocks noGrp="1"/>
+          </p:cNvSpPr>
+          <p:nvPr>
+            <p:ph sz="half" idx="1"/>
+          </p:nvPr>
+        </p:nvSpPr>
+        <p:spPr/>
+        <p:txBody>
+          <a:bodyPr/>
+          <a:lstStyle/>
+          <a:p>
+            <a:r>
+              <a:rPr lang="en-US" altLang="ko-KR" dirty="0" smtClean="0">
+                <a:solidFill>
+                  <a:schemeClr val="accent3">
+                    <a:lumMod val="50000"/>
+                  </a:schemeClr>
+                </a:solidFill>
+                <a:latin typeface="다음_Regular" panose="02000603060000000000" pitchFamily="2" charset="-127"/>
+                <a:ea typeface="다음_Regular" panose="02000603060000000000" pitchFamily="2" charset="-127"/>
+              </a:rPr>
+              <a:t>1. </a:t>
+            </a:r>
+            <a:r>
+              <a:rPr lang="ko-KR" altLang="en-US" dirty="0" smtClean="0">
+                <a:solidFill>
+                  <a:schemeClr val="accent3">
+                    <a:lumMod val="50000"/>
+                  </a:schemeClr>
+                </a:solidFill>
+                <a:latin typeface="다음_Regular" panose="02000603060000000000" pitchFamily="2" charset="-127"/>
+                <a:ea typeface="다음_Regular" panose="02000603060000000000" pitchFamily="2" charset="-127"/>
+              </a:rPr>
+              <a:t>제목 달기 </a:t>
+            </a:r>
+            <a:r>
+              <a:rPr lang="en-US" altLang="ko-KR" dirty="0" smtClean="0">
+                <a:solidFill>
+                  <a:schemeClr val="accent3">
+                    <a:lumMod val="50000"/>
+                  </a:schemeClr>
+                </a:solidFill>
+                <a:latin typeface="다음_Regular" panose="02000603060000000000" pitchFamily="2" charset="-127"/>
+                <a:ea typeface="다음_Regular" panose="02000603060000000000" pitchFamily="2" charset="-127"/>
+              </a:rPr>
+              <a:t>#</a:t>
+            </a:r>
+            <a:r>
+              <a:rPr lang="en-US" altLang="ko-KR" dirty="0" smtClean="0"/>
+              <a:t/>
+            </a:r>
+            <a:br>
+              <a:rPr lang="en-US" altLang="ko-KR" dirty="0" smtClean="0"/>
+            </a:br>
+            <a:r>
+              <a:rPr lang="en-US" altLang="ko-KR" dirty="0" smtClean="0"/>
+              <a:t/>
+            </a:r>
+            <a:br>
+              <a:rPr lang="en-US" altLang="ko-KR" dirty="0" smtClean="0"/>
+            </a:br>
+            <a:r>
+              <a:rPr lang="en-US" altLang="ko-KR" dirty="0" smtClean="0"/>
+              <a:t/>
+            </a:r>
+            <a:br>
+              <a:rPr lang="en-US" altLang="ko-KR" dirty="0" smtClean="0"/>
+            </a:br>
+            <a:endParaRPr lang="en-US" altLang="ko-KR" dirty="0" smtClean="0"/>
+          </a:p>
+          <a:p>
+            <a:r>
+              <a:rPr lang="en-US" altLang="ko-KR" dirty="0" smtClean="0">
+                <a:solidFill>
+                  <a:schemeClr val="accent3">
+                    <a:lumMod val="50000"/>
+                  </a:schemeClr>
+                </a:solidFill>
+                <a:latin typeface="다음_Regular" panose="02000603060000000000" pitchFamily="2" charset="-127"/>
+                <a:ea typeface="다음_Regular" panose="02000603060000000000" pitchFamily="2" charset="-127"/>
+              </a:rPr>
+              <a:t>2. </a:t>
+            </a:r>
+            <a:r>
+              <a:rPr lang="ko-KR" altLang="en-US" dirty="0" smtClean="0">
+                <a:solidFill>
+                  <a:schemeClr val="accent3">
+                    <a:lumMod val="50000"/>
+                  </a:schemeClr>
+                </a:solidFill>
+                <a:latin typeface="다음_Regular" panose="02000603060000000000" pitchFamily="2" charset="-127"/>
+                <a:ea typeface="다음_Regular" panose="02000603060000000000" pitchFamily="2" charset="-127"/>
+              </a:rPr>
+              <a:t>밑줄</a:t>
+            </a:r>
+            <a:endParaRPr lang="en-US" altLang="ko-KR" sz="1800" dirty="0" smtClean="0">
+              <a:solidFill>
+                <a:schemeClr val="accent3">
+                  <a:lumMod val="50000"/>
+                </a:schemeClr>
+              </a:solidFill>
+              <a:latin typeface="다음_Regular" panose="02000603060000000000" pitchFamily="2" charset="-127"/>
+              <a:ea typeface="다음_Regular" panose="02000603060000000000" pitchFamily="2" charset="-127"/>
+            </a:endParaRPr>
+          </a:p>
+          <a:p>
+            <a:r>
+              <a:rPr lang="en-US" altLang="ko-KR" sz="1800" dirty="0" smtClean="0"/>
+              <a:t>*  *  *</a:t>
+            </a:r>
+            <a:br>
+              <a:rPr lang="en-US" altLang="ko-KR" sz="1800" dirty="0" smtClean="0"/>
+            </a:br>
+            <a:r>
+              <a:rPr lang="en-US" altLang="ko-KR" sz="1800" dirty="0" smtClean="0"/>
+              <a:t>***</a:t>
+            </a:r>
+            <a:br>
+              <a:rPr lang="en-US" altLang="ko-KR" sz="1800" dirty="0" smtClean="0"/>
+            </a:br>
+            <a:r>
+              <a:rPr lang="en-US" altLang="ko-KR" sz="1800" dirty="0" smtClean="0"/>
+              <a:t>*****</a:t>
+            </a:r>
+            <a:br>
+              <a:rPr lang="en-US" altLang="ko-KR" sz="1800" dirty="0" smtClean="0"/>
+            </a:br>
+            <a:r>
+              <a:rPr lang="en-US" altLang="ko-KR" sz="1800" dirty="0" smtClean="0"/>
+              <a:t>- - -</a:t>
+            </a:r>
+            <a:br>
+              <a:rPr lang="en-US" altLang="ko-KR" sz="1800" dirty="0" smtClean="0"/>
+            </a:br>
+            <a:r>
+              <a:rPr lang="en-US" altLang="ko-KR" sz="1800" dirty="0" smtClean="0"/>
+              <a:t>--------------</a:t>
+            </a:r>
+            <a:endParaRPr lang="en-US" altLang="ko-KR" sz="1800" dirty="0"/>
+          </a:p>
+          <a:p>
+            <a:endParaRPr lang="en-US" altLang="ko-KR" sz="1800" dirty="0" smtClean="0"/>
+          </a:p>
+          <a:p>
+            <a:endParaRPr lang="en-US" altLang="ko-KR" sz="1800" dirty="0"/>
+          </a:p>
+          <a:p>
+            <a:endParaRPr lang="ko-KR" altLang="en-US" dirty="0"/>
+          </a:p>
+        </p:txBody>
+      </p:sp>
+      <p:pic>
+        <p:nvPicPr>
+          <p:cNvPr id="4" name="내용 개체 틀 3"/>
+          <p:cNvPicPr>
+            <a:picLocks noGrp="1" noChangeAspect="1"/>
+          </p:cNvPicPr>
+          <p:nvPr>
+            <p:ph sz="half" idx="2"/>
+          </p:nvPr>
+        </p:nvPicPr>
+        <p:blipFill>
+          <a:blip r:embed="rId2" cstate="print">
+            <a:extLst>
+              <a:ext uri="{28A0092B-C50C-407E-A947-70E740481C1C}">
+                <a14:useLocalDpi xmlns:a14="http://schemas.microsoft.com/office/drawing/2010/main" val="0"/>
+              </a:ext>
+            </a:extLst>
+          </a:blip>
+          <a:stretch>
+            <a:fillRect/>
+          </a:stretch>
+        </p:blipFill>
+        <p:spPr>
+          <a:xfrm>
+            <a:off x="3491880" y="1199683"/>
+            <a:ext cx="5522440" cy="5326995"/>
+          </a:xfrm>
+        </p:spPr>
+      </p:pic>
+      <p:sp>
+        <p:nvSpPr>
+          <p:cNvPr id="7" name="TextBox 25"/>
+          <p:cNvSpPr txBox="1">
+            <a:spLocks noChangeArrowheads="1"/>
+          </p:cNvSpPr>
+          <p:nvPr/>
+        </p:nvSpPr>
+        <p:spPr bwMode="auto">
+          <a:xfrm>
+            <a:off x="323528" y="603121"/>
+            <a:ext cx="5184576" cy="523220"/>
+          </a:xfrm>
+          <a:prstGeom prst="rect">
+            <a:avLst/>
+          </a:prstGeom>
+          <a:noFill/>
+          <a:ln w="9525">
+            <a:noFill/>
+            <a:miter lim="800000"/>
+            <a:headEnd/>
+            <a:tailEnd/>
+          </a:ln>
+        </p:spPr>
+        <p:txBody>
+          <a:bodyPr wrap="square">
+            <a:spAutoFit/>
+          </a:bodyPr>
+          <a:lstStyle/>
+          <a:p>
+            <a:pPr lvl="0"/>
+            <a:r>
+              <a:rPr lang="en-US" altLang="ko-KR" sz="2800" dirty="0" smtClean="0">
+                <a:solidFill>
+                  <a:prstClr val="black">
+                    <a:lumMod val="65000"/>
+                    <a:lumOff val="35000"/>
+                  </a:prstClr>
+                </a:solidFill>
+                <a:latin typeface="다음_SemiBold" pitchFamily="2" charset="-127"/>
+                <a:ea typeface="다음_SemiBold" pitchFamily="2" charset="-127"/>
+              </a:rPr>
+              <a:t>Markdown(-.md)</a:t>
+            </a:r>
+            <a:endParaRPr lang="en-US" altLang="ko-KR" sz="2800" dirty="0" smtClean="0">
+              <a:solidFill>
+                <a:prstClr val="black">
+                  <a:lumMod val="65000"/>
+                  <a:lumOff val="35000"/>
+                </a:prstClr>
+              </a:solidFill>
+              <a:latin typeface="다음_SemiBold" pitchFamily="2" charset="-127"/>
+              <a:ea typeface="다음_SemiBold" pitchFamily="2" charset="-127"/>
+            </a:endParaRPr>
+          </a:p>
+        </p:txBody>
+      </p:sp>
+      <p:sp>
+        <p:nvSpPr>
+          <p:cNvPr id="8" name="TextBox 25"/>
+          <p:cNvSpPr txBox="1">
+            <a:spLocks noChangeArrowheads="1"/>
+          </p:cNvSpPr>
+          <p:nvPr/>
+        </p:nvSpPr>
+        <p:spPr bwMode="auto">
+          <a:xfrm>
+            <a:off x="323528" y="1195735"/>
+            <a:ext cx="5184576" cy="338554"/>
+          </a:xfrm>
+          <a:prstGeom prst="rect">
+            <a:avLst/>
+          </a:prstGeom>
+          <a:noFill/>
+          <a:ln w="9525">
+            <a:noFill/>
+            <a:miter lim="800000"/>
+            <a:headEnd/>
+            <a:tailEnd/>
+          </a:ln>
+        </p:spPr>
+        <p:txBody>
+          <a:bodyPr wrap="square">
+            <a:spAutoFit/>
+          </a:bodyPr>
+          <a:lstStyle/>
+          <a:p>
+            <a:pPr lvl="0"/>
+            <a:r>
+              <a:rPr lang="ko-KR" altLang="en-US" sz="1600" dirty="0" smtClean="0">
+                <a:solidFill>
+                  <a:prstClr val="black">
+                    <a:lumMod val="65000"/>
+                    <a:lumOff val="35000"/>
+                  </a:prstClr>
+                </a:solidFill>
+                <a:latin typeface="나눔바른고딕" pitchFamily="50" charset="-127"/>
+                <a:ea typeface="나눔바른고딕" pitchFamily="50" charset="-127"/>
+              </a:rPr>
+              <a:t> </a:t>
+            </a:r>
+            <a:endParaRPr lang="en-US" altLang="ko-KR" sz="1600" dirty="0" smtClean="0">
+              <a:solidFill>
+                <a:prstClr val="black">
+                  <a:lumMod val="65000"/>
+                  <a:lumOff val="35000"/>
+                </a:prstClr>
+              </a:solidFill>
+              <a:latin typeface="나눔바른고딕" pitchFamily="50" charset="-127"/>
+              <a:ea typeface="나눔바른고딕" pitchFamily="50" charset="-127"/>
+            </a:endParaRPr>
+          </a:p>
+        </p:txBody>
+      </p:sp>
+      <p:cxnSp>
+        <p:nvCxnSpPr>
+          <p:cNvPr id="9" name="직선 연결선 8"/>
+          <p:cNvCxnSpPr/>
+          <p:nvPr/>
+        </p:nvCxnSpPr>
+        <p:spPr>
+          <a:xfrm>
+            <a:off x="428355" y="475655"/>
+            <a:ext cx="327221" cy="0"/>
+          </a:xfrm>
+          <a:prstGeom prst="line">
+            <a:avLst/>
+          </a:prstGeom>
+          <a:ln w="76200">
+            <a:solidFill>
+              <a:schemeClr val="tx1">
+                <a:lumMod val="65000"/>
+                <a:lumOff val="35000"/>
+              </a:schemeClr>
+            </a:solidFill>
+          </a:ln>
+        </p:spPr>
+        <p:style>
+          <a:lnRef idx="1">
+            <a:schemeClr val="accent1"/>
+          </a:lnRef>
+          <a:fillRef idx="0">
+            <a:schemeClr val="accent1"/>
+          </a:fillRef>
+          <a:effectRef idx="0">
+            <a:schemeClr val="accent1"/>
+          </a:effectRef>
+          <a:fontRef idx="minor">
+            <a:schemeClr val="tx1"/>
+          </a:fontRef>
+        </p:style>
+      </p:cxnSp>
+      <p:sp>
+        <p:nvSpPr>
+          <p:cNvPr id="10" name="내용 개체 틀 2"/>
+          <p:cNvSpPr txBox="1">
+            <a:spLocks/>
+          </p:cNvSpPr>
+          <p:nvPr/>
+        </p:nvSpPr>
+        <p:spPr>
+          <a:xfrm>
+            <a:off x="334971" y="1600200"/>
+            <a:ext cx="4038600" cy="4525963"/>
+          </a:xfrm>
+          <a:prstGeom prst="rect">
+            <a:avLst/>
+          </a:prstGeom>
+        </p:spPr>
+        <p:txBody>
+          <a:bodyPr vert="horz" lIns="91440" tIns="45720" rIns="91440" bIns="45720" rtlCol="0">
+            <a:normAutofit/>
+          </a:bodyPr>
+          <a:lstStyle>
+            <a:lvl1pPr marL="342900" indent="-342900" algn="l" defTabSz="914400" rtl="0" eaLnBrk="1" latinLnBrk="1" hangingPunct="1">
+              <a:spcBef>
+                <a:spcPct val="20000"/>
+              </a:spcBef>
+              <a:buFont typeface="Arial" pitchFamily="34" charset="0"/>
+              <a:buChar char="•"/>
+              <a:defRPr sz="2800" kern="1200">
+                <a:solidFill>
+                  <a:schemeClr val="tx1"/>
+                </a:solidFill>
+                <a:latin typeface="+mn-lt"/>
+                <a:ea typeface="+mn-ea"/>
+                <a:cs typeface="+mn-cs"/>
+              </a:defRPr>
+            </a:lvl1pPr>
+            <a:lvl2pPr marL="742950" indent="-285750" algn="l" defTabSz="914400" rtl="0" eaLnBrk="1" latinLnBrk="1" hangingPunct="1">
+              <a:spcBef>
+                <a:spcPct val="20000"/>
+              </a:spcBef>
+              <a:buFont typeface="Arial" pitchFamily="34" charset="0"/>
+              <a:buChar char="–"/>
+              <a:defRPr sz="2400" kern="1200">
+                <a:solidFill>
+                  <a:schemeClr val="tx1"/>
+                </a:solidFill>
+                <a:latin typeface="+mn-lt"/>
+                <a:ea typeface="+mn-ea"/>
+                <a:cs typeface="+mn-cs"/>
+              </a:defRPr>
+            </a:lvl2pPr>
+            <a:lvl3pPr marL="1143000" indent="-228600" algn="l" defTabSz="914400" rtl="0" eaLnBrk="1" latinLnBrk="1" hangingPunct="1">
+              <a:spcBef>
+                <a:spcPct val="20000"/>
+              </a:spcBef>
+              <a:buFont typeface="Arial" pitchFamily="34" charset="0"/>
+              <a:buChar char="•"/>
+              <a:defRPr sz="2000" kern="1200">
+                <a:solidFill>
+                  <a:schemeClr val="tx1"/>
+                </a:solidFill>
+                <a:latin typeface="+mn-lt"/>
+                <a:ea typeface="+mn-ea"/>
+                <a:cs typeface="+mn-cs"/>
+              </a:defRPr>
+            </a:lvl3pPr>
+            <a:lvl4pPr marL="1600200" indent="-228600" algn="l" defTabSz="914400" rtl="0" eaLnBrk="1" latinLnBrk="1" hangingPunct="1">
+              <a:spcBef>
+                <a:spcPct val="20000"/>
+              </a:spcBef>
+              <a:buFont typeface="Arial" pitchFamily="34" charset="0"/>
+              <a:buChar char="–"/>
+              <a:defRPr sz="1800" kern="1200">
+                <a:solidFill>
+                  <a:schemeClr val="tx1"/>
+                </a:solidFill>
+                <a:latin typeface="+mn-lt"/>
+                <a:ea typeface="+mn-ea"/>
+                <a:cs typeface="+mn-cs"/>
+              </a:defRPr>
+            </a:lvl4pPr>
+            <a:lvl5pPr marL="2057400" indent="-228600" algn="l" defTabSz="914400" rtl="0" eaLnBrk="1" latinLnBrk="1" hangingPunct="1">
+              <a:spcBef>
+                <a:spcPct val="20000"/>
+              </a:spcBef>
+              <a:buFont typeface="Arial" pitchFamily="34" charset="0"/>
+              <a:buChar char="»"/>
+              <a:defRPr sz="1800" kern="1200">
+                <a:solidFill>
+                  <a:schemeClr val="tx1"/>
+                </a:solidFill>
+                <a:latin typeface="+mn-lt"/>
+                <a:ea typeface="+mn-ea"/>
+                <a:cs typeface="+mn-cs"/>
+              </a:defRPr>
+            </a:lvl5pPr>
+            <a:lvl6pPr marL="2514600" indent="-228600" algn="l" defTabSz="914400" rtl="0" eaLnBrk="1" latinLnBrk="1" hangingPunct="1">
+              <a:spcBef>
+                <a:spcPct val="20000"/>
+              </a:spcBef>
+              <a:buFont typeface="Arial" pitchFamily="34" charset="0"/>
+              <a:buChar char="•"/>
+              <a:defRPr sz="1800" kern="1200">
+                <a:solidFill>
+                  <a:schemeClr val="tx1"/>
+                </a:solidFill>
+                <a:latin typeface="+mn-lt"/>
+                <a:ea typeface="+mn-ea"/>
+                <a:cs typeface="+mn-cs"/>
+              </a:defRPr>
+            </a:lvl6pPr>
+            <a:lvl7pPr marL="2971800" indent="-228600" algn="l" defTabSz="914400" rtl="0" eaLnBrk="1" latinLnBrk="1" hangingPunct="1">
+              <a:spcBef>
+                <a:spcPct val="20000"/>
+              </a:spcBef>
+              <a:buFont typeface="Arial" pitchFamily="34" charset="0"/>
+              <a:buChar char="•"/>
+              <a:defRPr sz="1800" kern="1200">
+                <a:solidFill>
+                  <a:schemeClr val="tx1"/>
+                </a:solidFill>
+                <a:latin typeface="+mn-lt"/>
+                <a:ea typeface="+mn-ea"/>
+                <a:cs typeface="+mn-cs"/>
+              </a:defRPr>
+            </a:lvl7pPr>
+            <a:lvl8pPr marL="3429000" indent="-228600" algn="l" defTabSz="914400" rtl="0" eaLnBrk="1" latinLnBrk="1" hangingPunct="1">
+              <a:spcBef>
+                <a:spcPct val="20000"/>
+              </a:spcBef>
+              <a:buFont typeface="Arial" pitchFamily="34" charset="0"/>
+              <a:buChar char="•"/>
+              <a:defRPr sz="1800" kern="1200">
+                <a:solidFill>
+                  <a:schemeClr val="tx1"/>
+                </a:solidFill>
+                <a:latin typeface="+mn-lt"/>
+                <a:ea typeface="+mn-ea"/>
+                <a:cs typeface="+mn-cs"/>
+              </a:defRPr>
+            </a:lvl8pPr>
+            <a:lvl9pPr marL="3886200" indent="-228600" algn="l" defTabSz="914400" rtl="0" eaLnBrk="1" latinLnBrk="1" hangingPunct="1">
+              <a:spcBef>
+                <a:spcPct val="20000"/>
+              </a:spcBef>
+              <a:buFont typeface="Arial" pitchFamily="34" charset="0"/>
+              <a:buChar char="•"/>
+              <a:defRPr sz="1800" kern="1200">
+                <a:solidFill>
+                  <a:schemeClr val="tx1"/>
+                </a:solidFill>
+                <a:latin typeface="+mn-lt"/>
+                <a:ea typeface="+mn-ea"/>
+                <a:cs typeface="+mn-cs"/>
+              </a:defRPr>
+            </a:lvl9pPr>
+          </a:lstStyle>
+          <a:p>
+            <a:endParaRPr lang="ko-KR" altLang="en-US"/>
+          </a:p>
+        </p:txBody>
+      </p:sp>
+      <p:sp>
+        <p:nvSpPr>
+          <p:cNvPr id="11" name="왼쪽 화살표 10"/>
+          <p:cNvSpPr/>
+          <p:nvPr/>
+        </p:nvSpPr>
+        <p:spPr>
+          <a:xfrm>
+            <a:off x="6156176" y="1303311"/>
+            <a:ext cx="504056" cy="230978"/>
+          </a:xfrm>
+          <a:prstGeom prst="leftArrow">
+            <a:avLst/>
+          </a:prstGeom>
+        </p:spPr>
+        <p:style>
+          <a:lnRef idx="2">
+            <a:schemeClr val="accent1">
+              <a:shade val="50000"/>
+            </a:schemeClr>
+          </a:lnRef>
+          <a:fillRef idx="1">
+            <a:schemeClr val="accent1"/>
+          </a:fillRef>
+          <a:effectRef idx="0">
+            <a:schemeClr val="accent1"/>
+          </a:effectRef>
+          <a:fontRef idx="minor">
+            <a:schemeClr val="lt1"/>
+          </a:fontRef>
+        </p:style>
+        <p:txBody>
+          <a:bodyPr rtlCol="0" anchor="ctr"/>
+          <a:lstStyle/>
+          <a:p>
+            <a:pPr algn="ctr"/>
+            <a:endParaRPr lang="ko-KR" altLang="en-US"/>
+          </a:p>
+        </p:txBody>
+      </p:sp>
+      <p:sp>
+        <p:nvSpPr>
+          <p:cNvPr id="12" name="왼쪽 화살표 11"/>
+          <p:cNvSpPr/>
+          <p:nvPr/>
+        </p:nvSpPr>
+        <p:spPr>
+          <a:xfrm>
+            <a:off x="5496107" y="3501008"/>
+            <a:ext cx="426781" cy="209986"/>
+          </a:xfrm>
+          <a:prstGeom prst="leftArrow">
+            <a:avLst/>
+          </a:prstGeom>
+        </p:spPr>
+        <p:style>
+          <a:lnRef idx="2">
+            <a:schemeClr val="accent1">
+              <a:shade val="50000"/>
+            </a:schemeClr>
+          </a:lnRef>
+          <a:fillRef idx="1">
+            <a:schemeClr val="accent1"/>
+          </a:fillRef>
+          <a:effectRef idx="0">
+            <a:schemeClr val="accent1"/>
+          </a:effectRef>
+          <a:fontRef idx="minor">
+            <a:schemeClr val="lt1"/>
+          </a:fontRef>
+        </p:style>
+        <p:txBody>
+          <a:bodyPr rtlCol="0" anchor="ctr"/>
+          <a:lstStyle/>
+          <a:p>
+            <a:pPr algn="ctr"/>
+            <a:endParaRPr lang="ko-KR" altLang="en-US"/>
+          </a:p>
+        </p:txBody>
+      </p:sp>
+      <p:sp>
+        <p:nvSpPr>
+          <p:cNvPr id="13" name="왼쪽 화살표 12"/>
+          <p:cNvSpPr/>
+          <p:nvPr/>
+        </p:nvSpPr>
+        <p:spPr>
+          <a:xfrm>
+            <a:off x="4373736" y="3888599"/>
+            <a:ext cx="431511" cy="141884"/>
+          </a:xfrm>
+          <a:prstGeom prst="leftArrow">
+            <a:avLst/>
+          </a:prstGeom>
+        </p:spPr>
+        <p:style>
+          <a:lnRef idx="2">
+            <a:schemeClr val="accent1">
+              <a:shade val="50000"/>
+            </a:schemeClr>
+          </a:lnRef>
+          <a:fillRef idx="1">
+            <a:schemeClr val="accent1"/>
+          </a:fillRef>
+          <a:effectRef idx="0">
+            <a:schemeClr val="accent1"/>
+          </a:effectRef>
+          <a:fontRef idx="minor">
+            <a:schemeClr val="lt1"/>
+          </a:fontRef>
+        </p:style>
+        <p:txBody>
+          <a:bodyPr rtlCol="0" anchor="ctr"/>
+          <a:lstStyle/>
+          <a:p>
+            <a:pPr algn="ctr"/>
+            <a:endParaRPr lang="ko-KR" altLang="en-US"/>
+          </a:p>
+        </p:txBody>
+      </p:sp>
+      <p:sp>
+        <p:nvSpPr>
+          <p:cNvPr id="14" name="왼쪽 화살표 13"/>
+          <p:cNvSpPr/>
+          <p:nvPr/>
+        </p:nvSpPr>
+        <p:spPr>
+          <a:xfrm>
+            <a:off x="7956376" y="3212976"/>
+            <a:ext cx="648072" cy="216024"/>
+          </a:xfrm>
+          <a:prstGeom prst="leftArrow">
+            <a:avLst/>
+          </a:prstGeom>
+          <a:solidFill>
+            <a:schemeClr val="accent2"/>
+          </a:solidFill>
+          <a:ln>
+            <a:solidFill>
+              <a:schemeClr val="accent2"/>
+            </a:solidFill>
+          </a:ln>
+        </p:spPr>
+        <p:style>
+          <a:lnRef idx="2">
+            <a:schemeClr val="accent1">
+              <a:shade val="50000"/>
+            </a:schemeClr>
+          </a:lnRef>
+          <a:fillRef idx="1">
+            <a:schemeClr val="accent1"/>
+          </a:fillRef>
+          <a:effectRef idx="0">
+            <a:schemeClr val="accent1"/>
+          </a:effectRef>
+          <a:fontRef idx="minor">
+            <a:schemeClr val="lt1"/>
+          </a:fontRef>
+        </p:style>
+        <p:txBody>
+          <a:bodyPr rtlCol="0" anchor="ctr"/>
+          <a:lstStyle/>
+          <a:p>
+            <a:pPr algn="ctr"/>
+            <a:endParaRPr lang="ko-KR" altLang="en-US"/>
+          </a:p>
+        </p:txBody>
+      </p:sp>
+      <p:sp>
+        <p:nvSpPr>
+          <p:cNvPr id="15" name="왼쪽 화살표 14"/>
+          <p:cNvSpPr/>
+          <p:nvPr/>
+        </p:nvSpPr>
+        <p:spPr>
+          <a:xfrm>
+            <a:off x="7956376" y="5226269"/>
+            <a:ext cx="648072" cy="216024"/>
+          </a:xfrm>
+          <a:prstGeom prst="leftArrow">
+            <a:avLst/>
+          </a:prstGeom>
+          <a:solidFill>
+            <a:schemeClr val="accent2"/>
+          </a:solidFill>
+          <a:ln>
+            <a:solidFill>
+              <a:schemeClr val="accent2"/>
+            </a:solidFill>
+          </a:ln>
+        </p:spPr>
+        <p:style>
+          <a:lnRef idx="2">
+            <a:schemeClr val="accent1">
+              <a:shade val="50000"/>
+            </a:schemeClr>
+          </a:lnRef>
+          <a:fillRef idx="1">
+            <a:schemeClr val="accent1"/>
+          </a:fillRef>
+          <a:effectRef idx="0">
+            <a:schemeClr val="accent1"/>
+          </a:effectRef>
+          <a:fontRef idx="minor">
+            <a:schemeClr val="lt1"/>
+          </a:fontRef>
+        </p:style>
+        <p:txBody>
+          <a:bodyPr rtlCol="0" anchor="ctr"/>
+          <a:lstStyle/>
+          <a:p>
+            <a:pPr algn="ctr"/>
+            <a:endParaRPr lang="ko-KR" altLang="en-US"/>
+          </a:p>
+        </p:txBody>
+      </p:sp>
+    </p:spTree>
+    <p:extLst>
+      <p:ext uri="{BB962C8B-B14F-4D97-AF65-F5344CB8AC3E}">
+        <p14:creationId xmlns:p14="http://schemas.microsoft.com/office/powerpoint/2010/main" val="963380913"/>
+      </p:ext>
+    </p:extLst>
+  </p:cSld>
+  <p:clrMapOvr>
+    <a:masterClrMapping/>
+  </p:clrMapOvr>
+  <p:timing>
+    <p:tnLst>
+      <p:par>
+        <p:cTn id="1" dur="indefinite" restart="never" nodeType="tmRoot">
+          <p:childTnLst>
+            <p:seq concurrent="1" nextAc="seek">
+              <p:cTn id="2" dur="indefinite" nodeType="mainSeq">
+                <p:childTnLst>
+                  <p:par>
+                    <p:cTn id="3" fill="hold">
+                      <p:stCondLst>
+                        <p:cond delay="indefinite"/>
+                      </p:stCondLst>
+                      <p:childTnLst>
+                        <p:par>
+                          <p:cTn id="4" fill="hold">
+                            <p:stCondLst>
+                              <p:cond delay="0"/>
+                            </p:stCondLst>
+                            <p:childTnLst>
+                              <p:par>
+                                <p:cTn id="5" presetID="1" presetClass="entr" presetSubtype="0" fill="hold" grpId="0" nodeType="clickEffect">
+                                  <p:stCondLst>
+                                    <p:cond delay="0"/>
+                                  </p:stCondLst>
+                                  <p:childTnLst>
+                                    <p:set>
+                                      <p:cBhvr>
+                                        <p:cTn id="6" dur="1" fill="hold">
+                                          <p:stCondLst>
+                                            <p:cond delay="0"/>
+                                          </p:stCondLst>
+                                        </p:cTn>
+                                        <p:tgtEl>
+                                          <p:spTgt spid="11"/>
+                                        </p:tgtEl>
+                                        <p:attrNameLst>
+                                          <p:attrName>style.visibility</p:attrName>
+                                        </p:attrNameLst>
+                                      </p:cBhvr>
+                                      <p:to>
+                                        <p:strVal val="visible"/>
+                                      </p:to>
+                                    </p:set>
+                                  </p:childTnLst>
+                                </p:cTn>
+                              </p:par>
+                            </p:childTnLst>
+                          </p:cTn>
+                        </p:par>
+                      </p:childTnLst>
+                    </p:cTn>
+                  </p:par>
+                  <p:par>
+                    <p:cTn id="7" fill="hold">
+                      <p:stCondLst>
+                        <p:cond delay="indefinite"/>
+                      </p:stCondLst>
+                      <p:childTnLst>
+                        <p:par>
+                          <p:cTn id="8" fill="hold">
+                            <p:stCondLst>
+                              <p:cond delay="0"/>
+                            </p:stCondLst>
+                            <p:childTnLst>
+                              <p:par>
+                                <p:cTn id="9" presetID="1" presetClass="entr" presetSubtype="0" fill="hold" grpId="0" nodeType="clickEffect">
+                                  <p:stCondLst>
+                                    <p:cond delay="0"/>
+                                  </p:stCondLst>
+                                  <p:childTnLst>
+                                    <p:set>
+                                      <p:cBhvr>
+                                        <p:cTn id="10" dur="1" fill="hold">
+                                          <p:stCondLst>
+                                            <p:cond delay="0"/>
+                                          </p:stCondLst>
+                                        </p:cTn>
+                                        <p:tgtEl>
+                                          <p:spTgt spid="12"/>
+                                        </p:tgtEl>
+                                        <p:attrNameLst>
+                                          <p:attrName>style.visibility</p:attrName>
+                                        </p:attrNameLst>
+                                      </p:cBhvr>
+                                      <p:to>
+                                        <p:strVal val="visible"/>
+                                      </p:to>
+                                    </p:set>
+                                  </p:childTnLst>
+                                </p:cTn>
+                              </p:par>
+                            </p:childTnLst>
+                          </p:cTn>
+                        </p:par>
+                      </p:childTnLst>
+                    </p:cTn>
+                  </p:par>
+                  <p:par>
+                    <p:cTn id="11" fill="hold">
+                      <p:stCondLst>
+                        <p:cond delay="indefinite"/>
+                      </p:stCondLst>
+                      <p:childTnLst>
+                        <p:par>
+                          <p:cTn id="12" fill="hold">
+                            <p:stCondLst>
+                              <p:cond delay="0"/>
+                            </p:stCondLst>
+                            <p:childTnLst>
+                              <p:par>
+                                <p:cTn id="13" presetID="1" presetClass="entr" presetSubtype="0" fill="hold" grpId="0" nodeType="clickEffect">
+                                  <p:stCondLst>
+                                    <p:cond delay="0"/>
+                                  </p:stCondLst>
+                                  <p:childTnLst>
+                                    <p:set>
+                                      <p:cBhvr>
+                                        <p:cTn id="14" dur="1" fill="hold">
+                                          <p:stCondLst>
+                                            <p:cond delay="0"/>
+                                          </p:stCondLst>
+                                        </p:cTn>
+                                        <p:tgtEl>
+                                          <p:spTgt spid="13"/>
+                                        </p:tgtEl>
+                                        <p:attrNameLst>
+                                          <p:attrName>style.visibility</p:attrName>
+                                        </p:attrNameLst>
+                                      </p:cBhvr>
+                                      <p:to>
+                                        <p:strVal val="visible"/>
+                                      </p:to>
+                                    </p:set>
+                                  </p:childTnLst>
+                                </p:cTn>
+                              </p:par>
+                            </p:childTnLst>
+                          </p:cTn>
+                        </p:par>
+                      </p:childTnLst>
+                    </p:cTn>
+                  </p:par>
+                  <p:par>
+                    <p:cTn id="15" fill="hold">
+                      <p:stCondLst>
+                        <p:cond delay="indefinite"/>
+                      </p:stCondLst>
+                      <p:childTnLst>
+                        <p:par>
+                          <p:cTn id="16" fill="hold">
+                            <p:stCondLst>
+                              <p:cond delay="0"/>
+                            </p:stCondLst>
+                            <p:childTnLst>
+                              <p:par>
+                                <p:cTn id="17" presetID="1" presetClass="exit" presetSubtype="0" fill="hold" grpId="1" nodeType="clickEffect">
+                                  <p:stCondLst>
+                                    <p:cond delay="0"/>
+                                  </p:stCondLst>
+                                  <p:childTnLst>
+                                    <p:set>
+                                      <p:cBhvr>
+                                        <p:cTn id="18" dur="1" fill="hold">
+                                          <p:stCondLst>
+                                            <p:cond delay="0"/>
+                                          </p:stCondLst>
+                                        </p:cTn>
+                                        <p:tgtEl>
+                                          <p:spTgt spid="11"/>
+                                        </p:tgtEl>
+                                        <p:attrNameLst>
+                                          <p:attrName>style.visibility</p:attrName>
+                                        </p:attrNameLst>
+                                      </p:cBhvr>
+                                      <p:to>
+                                        <p:strVal val="hidden"/>
+                                      </p:to>
+                                    </p:set>
+                                  </p:childTnLst>
+                                </p:cTn>
+                              </p:par>
+                              <p:par>
+                                <p:cTn id="19" presetID="1" presetClass="exit" presetSubtype="0" fill="hold" grpId="1" nodeType="withEffect">
+                                  <p:stCondLst>
+                                    <p:cond delay="0"/>
+                                  </p:stCondLst>
+                                  <p:childTnLst>
+                                    <p:set>
+                                      <p:cBhvr>
+                                        <p:cTn id="20" dur="1" fill="hold">
+                                          <p:stCondLst>
+                                            <p:cond delay="0"/>
+                                          </p:stCondLst>
+                                        </p:cTn>
+                                        <p:tgtEl>
+                                          <p:spTgt spid="12"/>
+                                        </p:tgtEl>
+                                        <p:attrNameLst>
+                                          <p:attrName>style.visibility</p:attrName>
+                                        </p:attrNameLst>
+                                      </p:cBhvr>
+                                      <p:to>
+                                        <p:strVal val="hidden"/>
+                                      </p:to>
+                                    </p:set>
+                                  </p:childTnLst>
+                                </p:cTn>
+                              </p:par>
+                              <p:par>
+                                <p:cTn id="21" presetID="1" presetClass="exit" presetSubtype="0" fill="hold" grpId="1" nodeType="withEffect">
+                                  <p:stCondLst>
+                                    <p:cond delay="0"/>
+                                  </p:stCondLst>
+                                  <p:childTnLst>
+                                    <p:set>
+                                      <p:cBhvr>
+                                        <p:cTn id="22" dur="1" fill="hold">
+                                          <p:stCondLst>
+                                            <p:cond delay="0"/>
+                                          </p:stCondLst>
+                                        </p:cTn>
+                                        <p:tgtEl>
+                                          <p:spTgt spid="13"/>
+                                        </p:tgtEl>
+                                        <p:attrNameLst>
+                                          <p:attrName>style.visibility</p:attrName>
+                                        </p:attrNameLst>
+                                      </p:cBhvr>
+                                      <p:to>
+                                        <p:strVal val="hidden"/>
+                                      </p:to>
+                                    </p:set>
+                                  </p:childTnLst>
+                                </p:cTn>
+                              </p:par>
+                            </p:childTnLst>
+                          </p:cTn>
+                        </p:par>
+                      </p:childTnLst>
+                    </p:cTn>
+                  </p:par>
+                  <p:par>
+                    <p:cTn id="23" fill="hold">
+                      <p:stCondLst>
+                        <p:cond delay="indefinite"/>
+                      </p:stCondLst>
+                      <p:childTnLst>
+                        <p:par>
+                          <p:cTn id="24" fill="hold">
+                            <p:stCondLst>
+                              <p:cond delay="0"/>
+                            </p:stCondLst>
+                            <p:childTnLst>
+                              <p:par>
+                                <p:cTn id="25" presetID="1" presetClass="entr" presetSubtype="0" fill="hold" grpId="0" nodeType="clickEffect">
+                                  <p:stCondLst>
+                                    <p:cond delay="0"/>
+                                  </p:stCondLst>
+                                  <p:childTnLst>
+                                    <p:set>
+                                      <p:cBhvr>
+                                        <p:cTn id="26" dur="1" fill="hold">
+                                          <p:stCondLst>
+                                            <p:cond delay="0"/>
+                                          </p:stCondLst>
+                                        </p:cTn>
+                                        <p:tgtEl>
+                                          <p:spTgt spid="14"/>
+                                        </p:tgtEl>
+                                        <p:attrNameLst>
+                                          <p:attrName>style.visibility</p:attrName>
+                                        </p:attrNameLst>
+                                      </p:cBhvr>
+                                      <p:to>
+                                        <p:strVal val="visible"/>
+                                      </p:to>
+                                    </p:set>
+                                  </p:childTnLst>
+                                </p:cTn>
+                              </p:par>
+                              <p:par>
+                                <p:cTn id="27" presetID="1" presetClass="entr" presetSubtype="0" fill="hold" grpId="0" nodeType="withEffect">
+                                  <p:stCondLst>
+                                    <p:cond delay="0"/>
+                                  </p:stCondLst>
+                                  <p:childTnLst>
+                                    <p:set>
+                                      <p:cBhvr>
+                                        <p:cTn id="28" dur="1" fill="hold">
+                                          <p:stCondLst>
+                                            <p:cond delay="0"/>
+                                          </p:stCondLst>
+                                        </p:cTn>
+                                        <p:tgtEl>
+                                          <p:spTgt spid="15"/>
+                                        </p:tgtEl>
+                                        <p:attrNameLst>
+                                          <p:attrName>style.visibility</p:attrName>
+                                        </p:attrNameLst>
+                                      </p:cBhvr>
+                                      <p:to>
+                                        <p:strVal val="visible"/>
+                                      </p:to>
+                                    </p:set>
+                                  </p:childTnLst>
+                                </p:cTn>
+                              </p:par>
+                            </p:childTnLst>
+                          </p:cTn>
+                        </p:par>
+                      </p:childTnLst>
+                    </p:cTn>
+                  </p:par>
+                  <p:par>
+                    <p:cTn id="29" fill="hold">
+                      <p:stCondLst>
+                        <p:cond delay="indefinite"/>
+                      </p:stCondLst>
+                      <p:childTnLst>
+                        <p:par>
+                          <p:cTn id="30" fill="hold">
+                            <p:stCondLst>
+                              <p:cond delay="0"/>
+                            </p:stCondLst>
+                            <p:childTnLst>
+                              <p:par>
+                                <p:cTn id="31" presetID="1" presetClass="exit" presetSubtype="0" fill="hold" grpId="1" nodeType="clickEffect">
+                                  <p:stCondLst>
+                                    <p:cond delay="0"/>
+                                  </p:stCondLst>
+                                  <p:childTnLst>
+                                    <p:set>
+                                      <p:cBhvr>
+                                        <p:cTn id="32" dur="1" fill="hold">
+                                          <p:stCondLst>
+                                            <p:cond delay="0"/>
+                                          </p:stCondLst>
+                                        </p:cTn>
+                                        <p:tgtEl>
+                                          <p:spTgt spid="14"/>
+                                        </p:tgtEl>
+                                        <p:attrNameLst>
+                                          <p:attrName>style.visibility</p:attrName>
+                                        </p:attrNameLst>
+                                      </p:cBhvr>
+                                      <p:to>
+                                        <p:strVal val="hidden"/>
+                                      </p:to>
+                                    </p:set>
+                                  </p:childTnLst>
+                                </p:cTn>
+                              </p:par>
+                              <p:par>
+                                <p:cTn id="33" presetID="1" presetClass="exit" presetSubtype="0" fill="hold" grpId="1" nodeType="withEffect">
+                                  <p:stCondLst>
+                                    <p:cond delay="0"/>
+                                  </p:stCondLst>
+                                  <p:childTnLst>
+                                    <p:set>
+                                      <p:cBhvr>
+                                        <p:cTn id="34" dur="1" fill="hold">
+                                          <p:stCondLst>
+                                            <p:cond delay="0"/>
+                                          </p:stCondLst>
+                                        </p:cTn>
+                                        <p:tgtEl>
+                                          <p:spTgt spid="15"/>
+                                        </p:tgtEl>
+                                        <p:attrNameLst>
+                                          <p:attrName>style.visibility</p:attrName>
+                                        </p:attrNameLst>
+                                      </p:cBhvr>
+                                      <p:to>
+                                        <p:strVal val="hidden"/>
+                                      </p:to>
+                                    </p:set>
+                                  </p:childTnLst>
+                                </p:cTn>
+                              </p:par>
+                            </p:childTnLst>
+                          </p:cTn>
+                        </p:par>
+                      </p:childTnLst>
+                    </p:cTn>
+                  </p:par>
+                </p:childTnLst>
+              </p:cTn>
+              <p:prevCondLst>
+                <p:cond evt="onPrev" delay="0">
+                  <p:tgtEl>
+                    <p:sldTgt/>
+                  </p:tgtEl>
+                </p:cond>
+              </p:prevCondLst>
+              <p:nextCondLst>
+                <p:cond evt="onNext" delay="0">
+                  <p:tgtEl>
+                    <p:sldTgt/>
+                  </p:tgtEl>
+                </p:cond>
+              </p:nextCondLst>
+            </p:seq>
+          </p:childTnLst>
+        </p:cTn>
+      </p:par>
+    </p:tnLst>
+    <p:bldLst>
+      <p:bldP spid="11" grpId="0" animBg="1"/>
+      <p:bldP spid="11" grpId="1" animBg="1"/>
+      <p:bldP spid="12" grpId="0" animBg="1"/>
+      <p:bldP spid="12" grpId="1" animBg="1"/>
+      <p:bldP spid="13" grpId="0" animBg="1"/>
+      <p:bldP spid="13" grpId="1" animBg="1"/>
+      <p:bldP spid="14" grpId="0" animBg="1"/>
+      <p:bldP spid="14" grpId="1" animBg="1"/>
+      <p:bldP spid="15" grpId="0" animBg="1"/>
+      <p:bldP spid="15" grpId="1" animBg="1"/>
+    </p:bldLst>
+  </p:timing>
+</p:sld>
+</file>
+
+<file path=ppt/slides/slide12.xml><?xml version="1.0" encoding="utf-8"?>
+<p:sld xmlns:a="http://schemas.openxmlformats.org/drawingml/2006/main" xmlns:r="http://schemas.openxmlformats.org/officeDocument/2006/relationships" xmlns:p="http://schemas.openxmlformats.org/presentationml/2006/main">
+  <p:cSld>
+    <p:spTree>
+      <p:nvGrpSpPr>
+        <p:cNvPr id="1" name=""/>
+        <p:cNvGrpSpPr/>
+        <p:nvPr/>
+      </p:nvGrpSpPr>
+      <p:grpSpPr>
+        <a:xfrm>
+          <a:off x="0" y="0"/>
+          <a:ext cx="0" cy="0"/>
+          <a:chOff x="0" y="0"/>
+          <a:chExt cx="0" cy="0"/>
+        </a:xfrm>
+      </p:grpSpPr>
+      <p:sp>
+        <p:nvSpPr>
+          <p:cNvPr id="5" name="내용 개체 틀 4"/>
+          <p:cNvSpPr>
+            <a:spLocks noGrp="1"/>
+          </p:cNvSpPr>
+          <p:nvPr>
+            <p:ph sz="half" idx="1"/>
+          </p:nvPr>
+        </p:nvSpPr>
+        <p:spPr>
+          <a:xfrm>
+            <a:off x="428354" y="1351159"/>
+            <a:ext cx="4038600" cy="4525963"/>
+          </a:xfrm>
+        </p:spPr>
+        <p:txBody>
+          <a:bodyPr/>
+          <a:lstStyle/>
+          <a:p>
+            <a:endParaRPr lang="en-US" altLang="ko-KR" dirty="0" smtClean="0"/>
+          </a:p>
+          <a:p>
+            <a:endParaRPr lang="en-US" altLang="ko-KR" dirty="0"/>
+          </a:p>
+          <a:p>
+            <a:endParaRPr lang="ko-KR" altLang="en-US" dirty="0"/>
+          </a:p>
+        </p:txBody>
+      </p:sp>
+      <p:pic>
+        <p:nvPicPr>
+          <p:cNvPr id="4" name="내용 개체 틀 3"/>
+          <p:cNvPicPr>
+            <a:picLocks noGrp="1" noChangeAspect="1"/>
+          </p:cNvPicPr>
+          <p:nvPr>
+            <p:ph sz="half" idx="2"/>
+          </p:nvPr>
+        </p:nvPicPr>
+        <p:blipFill>
+          <a:blip r:embed="rId2" cstate="print">
+            <a:extLst>
+              <a:ext uri="{28A0092B-C50C-407E-A947-70E740481C1C}">
+                <a14:useLocalDpi xmlns:a14="http://schemas.microsoft.com/office/drawing/2010/main" val="0"/>
+              </a:ext>
+            </a:extLst>
+          </a:blip>
+          <a:stretch>
+            <a:fillRect/>
+          </a:stretch>
+        </p:blipFill>
+        <p:spPr>
+          <a:xfrm>
+            <a:off x="4142221" y="260648"/>
+            <a:ext cx="4386725" cy="3423348"/>
+          </a:xfrm>
+        </p:spPr>
+      </p:pic>
+      <p:sp>
+        <p:nvSpPr>
+          <p:cNvPr id="7" name="TextBox 25"/>
+          <p:cNvSpPr txBox="1">
+            <a:spLocks noChangeArrowheads="1"/>
+          </p:cNvSpPr>
+          <p:nvPr/>
+        </p:nvSpPr>
+        <p:spPr bwMode="auto">
+          <a:xfrm>
+            <a:off x="323528" y="603121"/>
+            <a:ext cx="5184576" cy="523220"/>
+          </a:xfrm>
+          <a:prstGeom prst="rect">
+            <a:avLst/>
+          </a:prstGeom>
+          <a:noFill/>
+          <a:ln w="9525">
+            <a:noFill/>
+            <a:miter lim="800000"/>
+            <a:headEnd/>
+            <a:tailEnd/>
+          </a:ln>
+        </p:spPr>
+        <p:txBody>
+          <a:bodyPr wrap="square">
+            <a:spAutoFit/>
+          </a:bodyPr>
+          <a:lstStyle/>
+          <a:p>
+            <a:pPr lvl="0"/>
+            <a:r>
+              <a:rPr lang="en-US" altLang="ko-KR" sz="2800" dirty="0" smtClean="0">
+                <a:solidFill>
+                  <a:prstClr val="black">
+                    <a:lumMod val="65000"/>
+                    <a:lumOff val="35000"/>
+                  </a:prstClr>
+                </a:solidFill>
+                <a:latin typeface="다음_SemiBold" pitchFamily="2" charset="-127"/>
+                <a:ea typeface="다음_SemiBold" pitchFamily="2" charset="-127"/>
+              </a:rPr>
+              <a:t>Markdown(-.md)</a:t>
+            </a:r>
+            <a:endParaRPr lang="en-US" altLang="ko-KR" sz="2800" dirty="0" smtClean="0">
+              <a:solidFill>
+                <a:prstClr val="black">
+                  <a:lumMod val="65000"/>
+                  <a:lumOff val="35000"/>
+                </a:prstClr>
+              </a:solidFill>
+              <a:latin typeface="다음_SemiBold" pitchFamily="2" charset="-127"/>
+              <a:ea typeface="다음_SemiBold" pitchFamily="2" charset="-127"/>
+            </a:endParaRPr>
+          </a:p>
+        </p:txBody>
+      </p:sp>
+      <p:sp>
+        <p:nvSpPr>
+          <p:cNvPr id="8" name="TextBox 25"/>
+          <p:cNvSpPr txBox="1">
+            <a:spLocks noChangeArrowheads="1"/>
+          </p:cNvSpPr>
+          <p:nvPr/>
+        </p:nvSpPr>
+        <p:spPr bwMode="auto">
+          <a:xfrm>
+            <a:off x="323528" y="1195735"/>
+            <a:ext cx="5184576" cy="338554"/>
+          </a:xfrm>
+          <a:prstGeom prst="rect">
+            <a:avLst/>
+          </a:prstGeom>
+          <a:noFill/>
+          <a:ln w="9525">
+            <a:noFill/>
+            <a:miter lim="800000"/>
+            <a:headEnd/>
+            <a:tailEnd/>
+          </a:ln>
+        </p:spPr>
+        <p:txBody>
+          <a:bodyPr wrap="square">
+            <a:spAutoFit/>
+          </a:bodyPr>
+          <a:lstStyle/>
+          <a:p>
+            <a:pPr lvl="0"/>
+            <a:r>
+              <a:rPr lang="ko-KR" altLang="en-US" sz="1600" dirty="0" smtClean="0">
+                <a:solidFill>
+                  <a:prstClr val="black">
+                    <a:lumMod val="65000"/>
+                    <a:lumOff val="35000"/>
+                  </a:prstClr>
+                </a:solidFill>
+                <a:latin typeface="나눔바른고딕" pitchFamily="50" charset="-127"/>
+                <a:ea typeface="나눔바른고딕" pitchFamily="50" charset="-127"/>
+              </a:rPr>
+              <a:t> </a:t>
+            </a:r>
+            <a:endParaRPr lang="en-US" altLang="ko-KR" sz="1600" dirty="0" smtClean="0">
+              <a:solidFill>
+                <a:prstClr val="black">
+                  <a:lumMod val="65000"/>
+                  <a:lumOff val="35000"/>
+                </a:prstClr>
+              </a:solidFill>
+              <a:latin typeface="나눔바른고딕" pitchFamily="50" charset="-127"/>
+              <a:ea typeface="나눔바른고딕" pitchFamily="50" charset="-127"/>
+            </a:endParaRPr>
+          </a:p>
+        </p:txBody>
+      </p:sp>
+      <p:cxnSp>
+        <p:nvCxnSpPr>
+          <p:cNvPr id="9" name="직선 연결선 8"/>
+          <p:cNvCxnSpPr/>
+          <p:nvPr/>
+        </p:nvCxnSpPr>
+        <p:spPr>
+          <a:xfrm>
+            <a:off x="428355" y="475655"/>
+            <a:ext cx="327221" cy="0"/>
+          </a:xfrm>
+          <a:prstGeom prst="line">
+            <a:avLst/>
+          </a:prstGeom>
+          <a:ln w="76200">
+            <a:solidFill>
+              <a:schemeClr val="tx1">
+                <a:lumMod val="65000"/>
+                <a:lumOff val="35000"/>
+              </a:schemeClr>
+            </a:solidFill>
+          </a:ln>
+        </p:spPr>
+        <p:style>
+          <a:lnRef idx="1">
+            <a:schemeClr val="accent1"/>
+          </a:lnRef>
+          <a:fillRef idx="0">
+            <a:schemeClr val="accent1"/>
+          </a:fillRef>
+          <a:effectRef idx="0">
+            <a:schemeClr val="accent1"/>
+          </a:effectRef>
+          <a:fontRef idx="minor">
+            <a:schemeClr val="tx1"/>
+          </a:fontRef>
+        </p:style>
+      </p:cxnSp>
+      <p:pic>
+        <p:nvPicPr>
+          <p:cNvPr id="10" name="그림 9"/>
+          <p:cNvPicPr>
+            <a:picLocks noChangeAspect="1"/>
+          </p:cNvPicPr>
+          <p:nvPr/>
+        </p:nvPicPr>
+        <p:blipFill>
+          <a:blip r:embed="rId3">
+            <a:extLst>
+              <a:ext uri="{28A0092B-C50C-407E-A947-70E740481C1C}">
+                <a14:useLocalDpi xmlns:a14="http://schemas.microsoft.com/office/drawing/2010/main" val="0"/>
+              </a:ext>
+            </a:extLst>
+          </a:blip>
+          <a:stretch>
+            <a:fillRect/>
+          </a:stretch>
+        </p:blipFill>
+        <p:spPr>
+          <a:xfrm>
+            <a:off x="4221543" y="3034637"/>
+            <a:ext cx="4533010" cy="3448425"/>
+          </a:xfrm>
+          <a:prstGeom prst="rect">
+            <a:avLst/>
+          </a:prstGeom>
+        </p:spPr>
+      </p:pic>
+      <p:sp>
+        <p:nvSpPr>
+          <p:cNvPr id="11" name="TextBox 10"/>
+          <p:cNvSpPr txBox="1"/>
+          <p:nvPr/>
+        </p:nvSpPr>
+        <p:spPr>
+          <a:xfrm>
+            <a:off x="428354" y="1365012"/>
+            <a:ext cx="3423565" cy="1231106"/>
+          </a:xfrm>
+          <a:prstGeom prst="rect">
+            <a:avLst/>
+          </a:prstGeom>
+          <a:noFill/>
+        </p:spPr>
+        <p:txBody>
+          <a:bodyPr wrap="square" rtlCol="0">
+            <a:spAutoFit/>
+          </a:bodyPr>
+          <a:lstStyle/>
+          <a:p>
+            <a:pPr marL="285750" indent="-285750">
+              <a:buFont typeface="Arial" panose="020B0604020202020204" pitchFamily="34" charset="0"/>
+              <a:buChar char="•"/>
+            </a:pPr>
+            <a:r>
+              <a:rPr lang="ko-KR" altLang="en-US" sz="2800" dirty="0" smtClean="0">
+                <a:solidFill>
+                  <a:schemeClr val="accent3">
+                    <a:lumMod val="50000"/>
+                  </a:schemeClr>
+                </a:solidFill>
+                <a:latin typeface="다음_Regular" panose="02000603060000000000" pitchFamily="2" charset="-127"/>
+                <a:ea typeface="다음_Regular" panose="02000603060000000000" pitchFamily="2" charset="-127"/>
+              </a:rPr>
+              <a:t>그림 삽입</a:t>
+            </a:r>
+            <a:endParaRPr lang="en-US" altLang="ko-KR" sz="2800" dirty="0" smtClean="0">
+              <a:solidFill>
+                <a:schemeClr val="accent3">
+                  <a:lumMod val="50000"/>
+                </a:schemeClr>
+              </a:solidFill>
+              <a:latin typeface="다음_Regular" panose="02000603060000000000" pitchFamily="2" charset="-127"/>
+              <a:ea typeface="다음_Regular" panose="02000603060000000000" pitchFamily="2" charset="-127"/>
+            </a:endParaRPr>
+          </a:p>
+          <a:p>
+            <a:pPr marL="285750" indent="-285750">
+              <a:buFont typeface="Arial" panose="020B0604020202020204" pitchFamily="34" charset="0"/>
+              <a:buChar char="•"/>
+            </a:pPr>
+            <a:endParaRPr lang="en-US" altLang="ko-KR" sz="2800" dirty="0"/>
+          </a:p>
+          <a:p>
+            <a:pPr marL="285750" indent="-285750">
+              <a:buFont typeface="Arial" panose="020B0604020202020204" pitchFamily="34" charset="0"/>
+              <a:buChar char="•"/>
+            </a:pPr>
+            <a:r>
+              <a:rPr lang="en-US" altLang="ko-KR" dirty="0"/>
+              <a:t>![Alt text](/path/to/img.jpg)</a:t>
+            </a:r>
+            <a:endParaRPr lang="ko-KR" altLang="en-US" dirty="0"/>
+          </a:p>
+        </p:txBody>
+      </p:sp>
+    </p:spTree>
+    <p:extLst>
+      <p:ext uri="{BB962C8B-B14F-4D97-AF65-F5344CB8AC3E}">
+        <p14:creationId xmlns:p14="http://schemas.microsoft.com/office/powerpoint/2010/main" val="1611744689"/>
+      </p:ext>
+    </p:extLst>
+  </p:cSld>
+  <p:clrMapOvr>
+    <a:masterClrMapping/>
+  </p:clrMapOvr>
+  <p:timing>
+    <p:tnLst>
+      <p:par>
+        <p:cTn id="1" dur="indefinite" restart="never" nodeType="tmRoot"/>
+      </p:par>
+    </p:tnLst>
+  </p:timing>
+</p:sld>
+</file>
+
+<file path=ppt/slides/slide13.xml><?xml version="1.0" encoding="utf-8"?>
+<p:sld xmlns:a="http://schemas.openxmlformats.org/drawingml/2006/main" xmlns:r="http://schemas.openxmlformats.org/officeDocument/2006/relationships" xmlns:p="http://schemas.openxmlformats.org/presentationml/2006/main">
+  <p:cSld>
+    <p:spTree>
+      <p:nvGrpSpPr>
+        <p:cNvPr id="1" name=""/>
+        <p:cNvGrpSpPr/>
+        <p:nvPr/>
+      </p:nvGrpSpPr>
+      <p:grpSpPr>
+        <a:xfrm>
+          <a:off x="0" y="0"/>
+          <a:ext cx="0" cy="0"/>
+          <a:chOff x="0" y="0"/>
+          <a:chExt cx="0" cy="0"/>
+        </a:xfrm>
+      </p:grpSpPr>
+      <p:sp>
+        <p:nvSpPr>
+          <p:cNvPr id="5" name="내용 개체 틀 4"/>
+          <p:cNvSpPr>
+            <a:spLocks noGrp="1"/>
+          </p:cNvSpPr>
+          <p:nvPr>
+            <p:ph sz="half" idx="1"/>
+          </p:nvPr>
+        </p:nvSpPr>
+        <p:spPr/>
+        <p:txBody>
+          <a:bodyPr/>
+          <a:lstStyle/>
+          <a:p>
+            <a:r>
+              <a:rPr lang="ko-KR" altLang="en-US" dirty="0" smtClean="0">
+                <a:solidFill>
+                  <a:schemeClr val="accent3">
+                    <a:lumMod val="50000"/>
+                  </a:schemeClr>
+                </a:solidFill>
+                <a:latin typeface="다음_Regular" panose="02000603060000000000" pitchFamily="2" charset="-127"/>
+                <a:ea typeface="다음_Regular" panose="02000603060000000000" pitchFamily="2" charset="-127"/>
+              </a:rPr>
+              <a:t>말머리 기호</a:t>
+            </a:r>
+            <a:r>
+              <a:rPr lang="en-US" altLang="ko-KR" dirty="0"/>
+              <a:t/>
+            </a:r>
+            <a:br>
+              <a:rPr lang="en-US" altLang="ko-KR" dirty="0"/>
+            </a:br>
+            <a:endParaRPr lang="en-US" altLang="ko-KR" dirty="0" smtClean="0"/>
+          </a:p>
+          <a:p>
+            <a:r>
+              <a:rPr lang="en-US" altLang="ko-KR" sz="1800" dirty="0" smtClean="0"/>
+              <a:t>*</a:t>
+            </a:r>
+            <a:br>
+              <a:rPr lang="en-US" altLang="ko-KR" sz="1800" dirty="0" smtClean="0"/>
+            </a:br>
+            <a:r>
+              <a:rPr lang="en-US" altLang="ko-KR" sz="1800" dirty="0" smtClean="0"/>
+              <a:t>   *</a:t>
+            </a:r>
+            <a:br>
+              <a:rPr lang="en-US" altLang="ko-KR" sz="1800" dirty="0" smtClean="0"/>
+            </a:br>
+            <a:r>
+              <a:rPr lang="en-US" altLang="ko-KR" sz="1800" dirty="0" smtClean="0"/>
+              <a:t>      *</a:t>
+            </a:r>
+          </a:p>
+          <a:p>
+            <a:r>
+              <a:rPr lang="en-US" altLang="ko-KR" sz="1800" dirty="0" smtClean="0"/>
+              <a:t>-</a:t>
+            </a:r>
+            <a:br>
+              <a:rPr lang="en-US" altLang="ko-KR" sz="1800" dirty="0" smtClean="0"/>
+            </a:br>
+            <a:r>
+              <a:rPr lang="en-US" altLang="ko-KR" sz="1800" dirty="0" smtClean="0"/>
+              <a:t>-</a:t>
+            </a:r>
+            <a:br>
+              <a:rPr lang="en-US" altLang="ko-KR" sz="1800" dirty="0" smtClean="0"/>
+            </a:br>
+            <a:r>
+              <a:rPr lang="en-US" altLang="ko-KR" sz="1800" dirty="0" smtClean="0"/>
+              <a:t>-</a:t>
+            </a:r>
+          </a:p>
+          <a:p>
+            <a:endParaRPr lang="en-US" altLang="ko-KR" sz="1800" dirty="0"/>
+          </a:p>
+          <a:p>
+            <a:endParaRPr lang="en-US" altLang="ko-KR" sz="1800" dirty="0"/>
+          </a:p>
+          <a:p>
+            <a:endParaRPr lang="ko-KR" altLang="en-US" dirty="0"/>
+          </a:p>
+        </p:txBody>
+      </p:sp>
+      <p:sp>
+        <p:nvSpPr>
+          <p:cNvPr id="6" name="내용 개체 틀 5"/>
+          <p:cNvSpPr>
+            <a:spLocks noGrp="1"/>
+          </p:cNvSpPr>
+          <p:nvPr>
+            <p:ph sz="half" idx="2"/>
+          </p:nvPr>
+        </p:nvSpPr>
+        <p:spPr/>
+        <p:txBody>
+          <a:bodyPr>
+            <a:normAutofit/>
+          </a:bodyPr>
+          <a:lstStyle/>
+          <a:p>
+            <a:pPr marL="0" indent="0">
+              <a:buNone/>
+            </a:pPr>
+            <a:endParaRPr lang="en-US" altLang="ko-KR" sz="2000" dirty="0" smtClean="0"/>
+          </a:p>
+          <a:p>
+            <a:endParaRPr lang="ko-KR" altLang="en-US" sz="2000" dirty="0"/>
+          </a:p>
+        </p:txBody>
+      </p:sp>
+      <p:sp>
+        <p:nvSpPr>
+          <p:cNvPr id="7" name="TextBox 25"/>
+          <p:cNvSpPr txBox="1">
+            <a:spLocks noChangeArrowheads="1"/>
+          </p:cNvSpPr>
+          <p:nvPr/>
+        </p:nvSpPr>
+        <p:spPr bwMode="auto">
+          <a:xfrm>
+            <a:off x="323528" y="603121"/>
+            <a:ext cx="5184576" cy="523220"/>
+          </a:xfrm>
+          <a:prstGeom prst="rect">
+            <a:avLst/>
+          </a:prstGeom>
+          <a:noFill/>
+          <a:ln w="9525">
+            <a:noFill/>
+            <a:miter lim="800000"/>
+            <a:headEnd/>
+            <a:tailEnd/>
+          </a:ln>
+        </p:spPr>
+        <p:txBody>
+          <a:bodyPr wrap="square">
+            <a:spAutoFit/>
+          </a:bodyPr>
+          <a:lstStyle/>
+          <a:p>
+            <a:pPr lvl="0"/>
+            <a:r>
+              <a:rPr lang="en-US" altLang="ko-KR" sz="2800" dirty="0" smtClean="0">
+                <a:solidFill>
+                  <a:prstClr val="black">
+                    <a:lumMod val="65000"/>
+                    <a:lumOff val="35000"/>
+                  </a:prstClr>
+                </a:solidFill>
+                <a:latin typeface="다음_SemiBold" pitchFamily="2" charset="-127"/>
+                <a:ea typeface="다음_SemiBold" pitchFamily="2" charset="-127"/>
+              </a:rPr>
+              <a:t>Markdown(-.md)</a:t>
+            </a:r>
+            <a:endParaRPr lang="en-US" altLang="ko-KR" sz="2800" dirty="0" smtClean="0">
+              <a:solidFill>
+                <a:prstClr val="black">
+                  <a:lumMod val="65000"/>
+                  <a:lumOff val="35000"/>
+                </a:prstClr>
+              </a:solidFill>
+              <a:latin typeface="다음_SemiBold" pitchFamily="2" charset="-127"/>
+              <a:ea typeface="다음_SemiBold" pitchFamily="2" charset="-127"/>
+            </a:endParaRPr>
+          </a:p>
+        </p:txBody>
+      </p:sp>
+      <p:sp>
+        <p:nvSpPr>
+          <p:cNvPr id="8" name="TextBox 25"/>
+          <p:cNvSpPr txBox="1">
+            <a:spLocks noChangeArrowheads="1"/>
+          </p:cNvSpPr>
+          <p:nvPr/>
+        </p:nvSpPr>
+        <p:spPr bwMode="auto">
+          <a:xfrm>
+            <a:off x="323528" y="1195735"/>
+            <a:ext cx="5184576" cy="338554"/>
+          </a:xfrm>
+          <a:prstGeom prst="rect">
+            <a:avLst/>
+          </a:prstGeom>
+          <a:noFill/>
+          <a:ln w="9525">
+            <a:noFill/>
+            <a:miter lim="800000"/>
+            <a:headEnd/>
+            <a:tailEnd/>
+          </a:ln>
+        </p:spPr>
+        <p:txBody>
+          <a:bodyPr wrap="square">
+            <a:spAutoFit/>
+          </a:bodyPr>
+          <a:lstStyle/>
+          <a:p>
+            <a:pPr lvl="0"/>
+            <a:r>
+              <a:rPr lang="ko-KR" altLang="en-US" sz="1600" dirty="0" smtClean="0">
+                <a:solidFill>
+                  <a:prstClr val="black">
+                    <a:lumMod val="65000"/>
+                    <a:lumOff val="35000"/>
+                  </a:prstClr>
+                </a:solidFill>
+                <a:latin typeface="나눔바른고딕" pitchFamily="50" charset="-127"/>
+                <a:ea typeface="나눔바른고딕" pitchFamily="50" charset="-127"/>
+              </a:rPr>
+              <a:t> </a:t>
+            </a:r>
+            <a:endParaRPr lang="en-US" altLang="ko-KR" sz="1600" dirty="0" smtClean="0">
+              <a:solidFill>
+                <a:prstClr val="black">
+                  <a:lumMod val="65000"/>
+                  <a:lumOff val="35000"/>
+                </a:prstClr>
+              </a:solidFill>
+              <a:latin typeface="나눔바른고딕" pitchFamily="50" charset="-127"/>
+              <a:ea typeface="나눔바른고딕" pitchFamily="50" charset="-127"/>
+            </a:endParaRPr>
+          </a:p>
+        </p:txBody>
+      </p:sp>
+      <p:cxnSp>
+        <p:nvCxnSpPr>
+          <p:cNvPr id="9" name="직선 연결선 8"/>
+          <p:cNvCxnSpPr/>
+          <p:nvPr/>
+        </p:nvCxnSpPr>
+        <p:spPr>
+          <a:xfrm>
+            <a:off x="428355" y="475655"/>
+            <a:ext cx="327221" cy="0"/>
+          </a:xfrm>
+          <a:prstGeom prst="line">
+            <a:avLst/>
+          </a:prstGeom>
+          <a:ln w="76200">
+            <a:solidFill>
+              <a:schemeClr val="tx1">
+                <a:lumMod val="65000"/>
+                <a:lumOff val="35000"/>
+              </a:schemeClr>
+            </a:solidFill>
+          </a:ln>
+        </p:spPr>
+        <p:style>
+          <a:lnRef idx="1">
+            <a:schemeClr val="accent1"/>
+          </a:lnRef>
+          <a:fillRef idx="0">
+            <a:schemeClr val="accent1"/>
+          </a:fillRef>
+          <a:effectRef idx="0">
+            <a:schemeClr val="accent1"/>
+          </a:effectRef>
+          <a:fontRef idx="minor">
+            <a:schemeClr val="tx1"/>
+          </a:fontRef>
+        </p:style>
+      </p:cxnSp>
+      <p:pic>
+        <p:nvPicPr>
+          <p:cNvPr id="12" name="그림 11"/>
+          <p:cNvPicPr>
+            <a:picLocks noChangeAspect="1"/>
+          </p:cNvPicPr>
+          <p:nvPr/>
+        </p:nvPicPr>
+        <p:blipFill>
+          <a:blip r:embed="rId2">
+            <a:extLst>
+              <a:ext uri="{28A0092B-C50C-407E-A947-70E740481C1C}">
+                <a14:useLocalDpi xmlns:a14="http://schemas.microsoft.com/office/drawing/2010/main" val="0"/>
+              </a:ext>
+            </a:extLst>
+          </a:blip>
+          <a:stretch>
+            <a:fillRect/>
+          </a:stretch>
+        </p:blipFill>
+        <p:spPr>
+          <a:xfrm>
+            <a:off x="3707904" y="1340649"/>
+            <a:ext cx="6080267" cy="5045063"/>
+          </a:xfrm>
+          <a:prstGeom prst="rect">
+            <a:avLst/>
+          </a:prstGeom>
+        </p:spPr>
+      </p:pic>
+    </p:spTree>
+    <p:extLst>
+      <p:ext uri="{BB962C8B-B14F-4D97-AF65-F5344CB8AC3E}">
+        <p14:creationId xmlns:p14="http://schemas.microsoft.com/office/powerpoint/2010/main" val="553997371"/>
+      </p:ext>
+    </p:extLst>
+  </p:cSld>
+  <p:clrMapOvr>
+    <a:masterClrMapping/>
+  </p:clrMapOvr>
+  <p:timing>
+    <p:tnLst>
+      <p:par>
+        <p:cTn id="1" dur="indefinite" restart="never" nodeType="tmRoot"/>
+      </p:par>
+    </p:tnLst>
+  </p:timing>
+</p:sld>
+</file>
+
+<file path=ppt/slides/slide14.xml><?xml version="1.0" encoding="utf-8"?>
+<p:sld xmlns:a="http://schemas.openxmlformats.org/drawingml/2006/main" xmlns:r="http://schemas.openxmlformats.org/officeDocument/2006/relationships" xmlns:p="http://schemas.openxmlformats.org/presentationml/2006/main">
+  <p:cSld>
+    <p:spTree>
+      <p:nvGrpSpPr>
+        <p:cNvPr id="1" name=""/>
+        <p:cNvGrpSpPr/>
+        <p:nvPr/>
+      </p:nvGrpSpPr>
+      <p:grpSpPr>
+        <a:xfrm>
+          <a:off x="0" y="0"/>
+          <a:ext cx="0" cy="0"/>
+          <a:chOff x="0" y="0"/>
+          <a:chExt cx="0" cy="0"/>
+        </a:xfrm>
+      </p:grpSpPr>
+      <p:sp>
+        <p:nvSpPr>
+          <p:cNvPr id="5" name="내용 개체 틀 4"/>
+          <p:cNvSpPr>
+            <a:spLocks noGrp="1"/>
+          </p:cNvSpPr>
+          <p:nvPr>
+            <p:ph sz="half" idx="1"/>
+          </p:nvPr>
+        </p:nvSpPr>
+        <p:spPr/>
+        <p:txBody>
+          <a:bodyPr/>
+          <a:lstStyle/>
+          <a:p>
+            <a:endParaRPr lang="en-US" altLang="ko-KR" dirty="0" smtClean="0"/>
+          </a:p>
+          <a:p>
+            <a:endParaRPr lang="en-US" altLang="ko-KR" dirty="0"/>
+          </a:p>
+          <a:p>
+            <a:endParaRPr lang="ko-KR" altLang="en-US" dirty="0"/>
+          </a:p>
+        </p:txBody>
+      </p:sp>
+      <p:sp>
+        <p:nvSpPr>
+          <p:cNvPr id="6" name="내용 개체 틀 5"/>
+          <p:cNvSpPr>
+            <a:spLocks noGrp="1"/>
+          </p:cNvSpPr>
+          <p:nvPr>
+            <p:ph sz="half" idx="2"/>
+          </p:nvPr>
+        </p:nvSpPr>
+        <p:spPr/>
+        <p:txBody>
+          <a:bodyPr>
+            <a:normAutofit/>
+          </a:bodyPr>
+          <a:lstStyle/>
+          <a:p>
+            <a:pPr marL="0" indent="0">
+              <a:buNone/>
+            </a:pPr>
+            <a:endParaRPr lang="en-US" altLang="ko-KR" sz="2000" dirty="0" smtClean="0"/>
+          </a:p>
+          <a:p>
+            <a:endParaRPr lang="ko-KR" altLang="en-US" sz="2000" dirty="0"/>
+          </a:p>
+        </p:txBody>
+      </p:sp>
+      <p:sp>
+        <p:nvSpPr>
+          <p:cNvPr id="7" name="TextBox 25"/>
+          <p:cNvSpPr txBox="1">
+            <a:spLocks noChangeArrowheads="1"/>
+          </p:cNvSpPr>
+          <p:nvPr/>
+        </p:nvSpPr>
+        <p:spPr bwMode="auto">
+          <a:xfrm>
+            <a:off x="323528" y="603121"/>
+            <a:ext cx="5184576" cy="523220"/>
+          </a:xfrm>
+          <a:prstGeom prst="rect">
+            <a:avLst/>
+          </a:prstGeom>
+          <a:noFill/>
+          <a:ln w="9525">
+            <a:noFill/>
+            <a:miter lim="800000"/>
+            <a:headEnd/>
+            <a:tailEnd/>
+          </a:ln>
+        </p:spPr>
+        <p:txBody>
+          <a:bodyPr wrap="square">
+            <a:spAutoFit/>
+          </a:bodyPr>
+          <a:lstStyle/>
+          <a:p>
+            <a:pPr lvl="0"/>
+            <a:r>
+              <a:rPr lang="en-US" altLang="ko-KR" sz="2800" dirty="0" smtClean="0">
+                <a:solidFill>
+                  <a:prstClr val="black">
+                    <a:lumMod val="65000"/>
+                    <a:lumOff val="35000"/>
+                  </a:prstClr>
+                </a:solidFill>
+                <a:latin typeface="다음_SemiBold" pitchFamily="2" charset="-127"/>
+                <a:ea typeface="다음_SemiBold" pitchFamily="2" charset="-127"/>
+              </a:rPr>
+              <a:t>Markdown(-.md)</a:t>
+            </a:r>
+            <a:endParaRPr lang="en-US" altLang="ko-KR" sz="2800" dirty="0" smtClean="0">
+              <a:solidFill>
+                <a:prstClr val="black">
+                  <a:lumMod val="65000"/>
+                  <a:lumOff val="35000"/>
+                </a:prstClr>
+              </a:solidFill>
+              <a:latin typeface="다음_SemiBold" pitchFamily="2" charset="-127"/>
+              <a:ea typeface="다음_SemiBold" pitchFamily="2" charset="-127"/>
+            </a:endParaRPr>
+          </a:p>
+        </p:txBody>
+      </p:sp>
+      <p:sp>
+        <p:nvSpPr>
+          <p:cNvPr id="8" name="TextBox 25"/>
+          <p:cNvSpPr txBox="1">
+            <a:spLocks noChangeArrowheads="1"/>
+          </p:cNvSpPr>
+          <p:nvPr/>
+        </p:nvSpPr>
+        <p:spPr bwMode="auto">
+          <a:xfrm>
+            <a:off x="323528" y="1195735"/>
+            <a:ext cx="5184576" cy="338554"/>
+          </a:xfrm>
+          <a:prstGeom prst="rect">
+            <a:avLst/>
+          </a:prstGeom>
+          <a:noFill/>
+          <a:ln w="9525">
+            <a:noFill/>
+            <a:miter lim="800000"/>
+            <a:headEnd/>
+            <a:tailEnd/>
+          </a:ln>
+        </p:spPr>
+        <p:txBody>
+          <a:bodyPr wrap="square">
+            <a:spAutoFit/>
+          </a:bodyPr>
+          <a:lstStyle/>
+          <a:p>
+            <a:pPr lvl="0"/>
+            <a:r>
+              <a:rPr lang="ko-KR" altLang="en-US" sz="1600" dirty="0" smtClean="0">
+                <a:solidFill>
+                  <a:prstClr val="black">
+                    <a:lumMod val="65000"/>
+                    <a:lumOff val="35000"/>
+                  </a:prstClr>
+                </a:solidFill>
+                <a:latin typeface="나눔바른고딕" pitchFamily="50" charset="-127"/>
+                <a:ea typeface="나눔바른고딕" pitchFamily="50" charset="-127"/>
+              </a:rPr>
+              <a:t> </a:t>
+            </a:r>
+            <a:endParaRPr lang="en-US" altLang="ko-KR" sz="1600" dirty="0" smtClean="0">
+              <a:solidFill>
+                <a:prstClr val="black">
+                  <a:lumMod val="65000"/>
+                  <a:lumOff val="35000"/>
+                </a:prstClr>
+              </a:solidFill>
+              <a:latin typeface="나눔바른고딕" pitchFamily="50" charset="-127"/>
+              <a:ea typeface="나눔바른고딕" pitchFamily="50" charset="-127"/>
+            </a:endParaRPr>
+          </a:p>
+        </p:txBody>
+      </p:sp>
+      <p:cxnSp>
+        <p:nvCxnSpPr>
+          <p:cNvPr id="9" name="직선 연결선 8"/>
+          <p:cNvCxnSpPr/>
+          <p:nvPr/>
+        </p:nvCxnSpPr>
+        <p:spPr>
+          <a:xfrm>
+            <a:off x="428355" y="475655"/>
+            <a:ext cx="327221" cy="0"/>
+          </a:xfrm>
+          <a:prstGeom prst="line">
+            <a:avLst/>
+          </a:prstGeom>
+          <a:ln w="76200">
+            <a:solidFill>
+              <a:schemeClr val="tx1">
+                <a:lumMod val="65000"/>
+                <a:lumOff val="35000"/>
+              </a:schemeClr>
+            </a:solidFill>
+          </a:ln>
+        </p:spPr>
+        <p:style>
+          <a:lnRef idx="1">
+            <a:schemeClr val="accent1"/>
+          </a:lnRef>
+          <a:fillRef idx="0">
+            <a:schemeClr val="accent1"/>
+          </a:fillRef>
+          <a:effectRef idx="0">
+            <a:schemeClr val="accent1"/>
+          </a:effectRef>
+          <a:fontRef idx="minor">
+            <a:schemeClr val="tx1"/>
+          </a:fontRef>
+        </p:style>
+      </p:cxnSp>
+    </p:spTree>
+    <p:extLst>
+      <p:ext uri="{BB962C8B-B14F-4D97-AF65-F5344CB8AC3E}">
+        <p14:creationId xmlns:p14="http://schemas.microsoft.com/office/powerpoint/2010/main" val="3993314221"/>
+      </p:ext>
+    </p:extLst>
+  </p:cSld>
+  <p:clrMapOvr>
+    <a:masterClrMapping/>
+  </p:clrMapOvr>
+  <p:timing>
+    <p:tnLst>
+      <p:par>
+        <p:cTn id="1" dur="indefinite" restart="never" nodeType="tmRoot"/>
+      </p:par>
+    </p:tnLst>
+  </p:timing>
+</p:sld>
+</file>
+
+<file path=ppt/slides/slide15.xml><?xml version="1.0" encoding="utf-8"?>
+<p:sld xmlns:a="http://schemas.openxmlformats.org/drawingml/2006/main" xmlns:r="http://schemas.openxmlformats.org/officeDocument/2006/relationships" xmlns:p="http://schemas.openxmlformats.org/presentationml/2006/main">
+  <p:cSld>
+    <p:spTree>
+      <p:nvGrpSpPr>
+        <p:cNvPr id="1" name=""/>
+        <p:cNvGrpSpPr/>
+        <p:nvPr/>
+      </p:nvGrpSpPr>
+      <p:grpSpPr>
+        <a:xfrm>
+          <a:off x="0" y="0"/>
+          <a:ext cx="0" cy="0"/>
+          <a:chOff x="0" y="0"/>
+          <a:chExt cx="0" cy="0"/>
+        </a:xfrm>
+      </p:grpSpPr>
+      <p:sp>
+        <p:nvSpPr>
+          <p:cNvPr id="5" name="내용 개체 틀 4"/>
+          <p:cNvSpPr>
+            <a:spLocks noGrp="1"/>
+          </p:cNvSpPr>
+          <p:nvPr>
+            <p:ph sz="half" idx="1"/>
+          </p:nvPr>
+        </p:nvSpPr>
+        <p:spPr/>
+        <p:txBody>
+          <a:bodyPr/>
+          <a:lstStyle/>
+          <a:p>
+            <a:endParaRPr lang="en-US" altLang="ko-KR" dirty="0" smtClean="0"/>
+          </a:p>
+          <a:p>
+            <a:endParaRPr lang="en-US" altLang="ko-KR" dirty="0"/>
+          </a:p>
+          <a:p>
+            <a:endParaRPr lang="ko-KR" altLang="en-US" dirty="0"/>
+          </a:p>
+        </p:txBody>
+      </p:sp>
+      <p:sp>
+        <p:nvSpPr>
+          <p:cNvPr id="6" name="내용 개체 틀 5"/>
+          <p:cNvSpPr>
+            <a:spLocks noGrp="1"/>
+          </p:cNvSpPr>
+          <p:nvPr>
+            <p:ph sz="half" idx="2"/>
+          </p:nvPr>
+        </p:nvSpPr>
+        <p:spPr/>
+        <p:txBody>
+          <a:bodyPr>
+            <a:normAutofit/>
+          </a:bodyPr>
+          <a:lstStyle/>
+          <a:p>
+            <a:pPr marL="0" indent="0">
+              <a:buNone/>
+            </a:pPr>
+            <a:endParaRPr lang="en-US" altLang="ko-KR" sz="2000" dirty="0" smtClean="0"/>
+          </a:p>
+          <a:p>
+            <a:endParaRPr lang="ko-KR" altLang="en-US" sz="2000" dirty="0"/>
+          </a:p>
+        </p:txBody>
+      </p:sp>
+      <p:sp>
+        <p:nvSpPr>
+          <p:cNvPr id="7" name="TextBox 25"/>
+          <p:cNvSpPr txBox="1">
+            <a:spLocks noChangeArrowheads="1"/>
+          </p:cNvSpPr>
+          <p:nvPr/>
+        </p:nvSpPr>
+        <p:spPr bwMode="auto">
+          <a:xfrm>
+            <a:off x="323528" y="603121"/>
+            <a:ext cx="5184576" cy="523220"/>
+          </a:xfrm>
+          <a:prstGeom prst="rect">
+            <a:avLst/>
+          </a:prstGeom>
+          <a:noFill/>
+          <a:ln w="9525">
+            <a:noFill/>
+            <a:miter lim="800000"/>
+            <a:headEnd/>
+            <a:tailEnd/>
+          </a:ln>
+        </p:spPr>
+        <p:txBody>
+          <a:bodyPr wrap="square">
+            <a:spAutoFit/>
+          </a:bodyPr>
+          <a:lstStyle/>
+          <a:p>
+            <a:pPr lvl="0"/>
+            <a:r>
+              <a:rPr lang="en-US" altLang="ko-KR" sz="2800" dirty="0" smtClean="0">
+                <a:solidFill>
+                  <a:prstClr val="black">
+                    <a:lumMod val="65000"/>
+                    <a:lumOff val="35000"/>
+                  </a:prstClr>
+                </a:solidFill>
+                <a:latin typeface="다음_SemiBold" pitchFamily="2" charset="-127"/>
+                <a:ea typeface="다음_SemiBold" pitchFamily="2" charset="-127"/>
+              </a:rPr>
+              <a:t>Markdown(-.md)</a:t>
+            </a:r>
+            <a:endParaRPr lang="en-US" altLang="ko-KR" sz="2800" dirty="0" smtClean="0">
+              <a:solidFill>
+                <a:prstClr val="black">
+                  <a:lumMod val="65000"/>
+                  <a:lumOff val="35000"/>
+                </a:prstClr>
+              </a:solidFill>
+              <a:latin typeface="다음_SemiBold" pitchFamily="2" charset="-127"/>
+              <a:ea typeface="다음_SemiBold" pitchFamily="2" charset="-127"/>
+            </a:endParaRPr>
+          </a:p>
+        </p:txBody>
+      </p:sp>
+      <p:sp>
+        <p:nvSpPr>
+          <p:cNvPr id="8" name="TextBox 25"/>
+          <p:cNvSpPr txBox="1">
+            <a:spLocks noChangeArrowheads="1"/>
+          </p:cNvSpPr>
+          <p:nvPr/>
+        </p:nvSpPr>
+        <p:spPr bwMode="auto">
+          <a:xfrm>
+            <a:off x="323528" y="1195735"/>
+            <a:ext cx="5184576" cy="338554"/>
+          </a:xfrm>
+          <a:prstGeom prst="rect">
+            <a:avLst/>
+          </a:prstGeom>
+          <a:noFill/>
+          <a:ln w="9525">
+            <a:noFill/>
+            <a:miter lim="800000"/>
+            <a:headEnd/>
+            <a:tailEnd/>
+          </a:ln>
+        </p:spPr>
+        <p:txBody>
+          <a:bodyPr wrap="square">
+            <a:spAutoFit/>
+          </a:bodyPr>
+          <a:lstStyle/>
+          <a:p>
+            <a:pPr lvl="0"/>
+            <a:r>
+              <a:rPr lang="ko-KR" altLang="en-US" sz="1600" dirty="0" smtClean="0">
+                <a:solidFill>
+                  <a:prstClr val="black">
+                    <a:lumMod val="65000"/>
+                    <a:lumOff val="35000"/>
+                  </a:prstClr>
+                </a:solidFill>
+                <a:latin typeface="나눔바른고딕" pitchFamily="50" charset="-127"/>
+                <a:ea typeface="나눔바른고딕" pitchFamily="50" charset="-127"/>
+              </a:rPr>
+              <a:t> </a:t>
+            </a:r>
+            <a:endParaRPr lang="en-US" altLang="ko-KR" sz="1600" dirty="0" smtClean="0">
+              <a:solidFill>
+                <a:prstClr val="black">
+                  <a:lumMod val="65000"/>
+                  <a:lumOff val="35000"/>
+                </a:prstClr>
+              </a:solidFill>
+              <a:latin typeface="나눔바른고딕" pitchFamily="50" charset="-127"/>
+              <a:ea typeface="나눔바른고딕" pitchFamily="50" charset="-127"/>
+            </a:endParaRPr>
+          </a:p>
+        </p:txBody>
+      </p:sp>
+      <p:cxnSp>
+        <p:nvCxnSpPr>
+          <p:cNvPr id="9" name="직선 연결선 8"/>
+          <p:cNvCxnSpPr/>
+          <p:nvPr/>
+        </p:nvCxnSpPr>
+        <p:spPr>
+          <a:xfrm>
+            <a:off x="428355" y="475655"/>
+            <a:ext cx="327221" cy="0"/>
+          </a:xfrm>
+          <a:prstGeom prst="line">
+            <a:avLst/>
+          </a:prstGeom>
+          <a:ln w="76200">
+            <a:solidFill>
+              <a:schemeClr val="tx1">
+                <a:lumMod val="65000"/>
+                <a:lumOff val="35000"/>
+              </a:schemeClr>
+            </a:solidFill>
+          </a:ln>
+        </p:spPr>
+        <p:style>
+          <a:lnRef idx="1">
+            <a:schemeClr val="accent1"/>
+          </a:lnRef>
+          <a:fillRef idx="0">
+            <a:schemeClr val="accent1"/>
+          </a:fillRef>
+          <a:effectRef idx="0">
+            <a:schemeClr val="accent1"/>
+          </a:effectRef>
+          <a:fontRef idx="minor">
+            <a:schemeClr val="tx1"/>
+          </a:fontRef>
+        </p:style>
+      </p:cxnSp>
+    </p:spTree>
+    <p:extLst>
+      <p:ext uri="{BB962C8B-B14F-4D97-AF65-F5344CB8AC3E}">
+        <p14:creationId xmlns:p14="http://schemas.microsoft.com/office/powerpoint/2010/main" val="892409312"/>
+      </p:ext>
+    </p:extLst>
+  </p:cSld>
+  <p:clrMapOvr>
+    <a:masterClrMapping/>
+  </p:clrMapOvr>
+  <p:timing>
+    <p:tnLst>
+      <p:par>
+        <p:cTn id="1" dur="indefinite" restart="never" nodeType="tmRoot"/>
+      </p:par>
+    </p:tnLst>
+  </p:timing>
+</p:sld>
+</file>
+
+<file path=ppt/slides/slide16.xml><?xml version="1.0" encoding="utf-8"?>
+<p:sld xmlns:a="http://schemas.openxmlformats.org/drawingml/2006/main" xmlns:r="http://schemas.openxmlformats.org/officeDocument/2006/relationships" xmlns:p="http://schemas.openxmlformats.org/presentationml/2006/main">
+  <p:cSld>
+    <p:spTree>
+      <p:nvGrpSpPr>
+        <p:cNvPr id="1" name=""/>
+        <p:cNvGrpSpPr/>
+        <p:nvPr/>
+      </p:nvGrpSpPr>
+      <p:grpSpPr>
+        <a:xfrm>
+          <a:off x="0" y="0"/>
+          <a:ext cx="0" cy="0"/>
+          <a:chOff x="0" y="0"/>
+          <a:chExt cx="0" cy="0"/>
+        </a:xfrm>
+      </p:grpSpPr>
+      <p:sp>
+        <p:nvSpPr>
+          <p:cNvPr id="5" name="내용 개체 틀 4"/>
+          <p:cNvSpPr>
+            <a:spLocks noGrp="1"/>
+          </p:cNvSpPr>
+          <p:nvPr>
+            <p:ph sz="half" idx="1"/>
+          </p:nvPr>
+        </p:nvSpPr>
+        <p:spPr/>
+        <p:txBody>
+          <a:bodyPr/>
+          <a:lstStyle/>
+          <a:p>
+            <a:endParaRPr lang="en-US" altLang="ko-KR" dirty="0" smtClean="0"/>
+          </a:p>
+          <a:p>
+            <a:endParaRPr lang="en-US" altLang="ko-KR" dirty="0"/>
+          </a:p>
+          <a:p>
+            <a:endParaRPr lang="ko-KR" altLang="en-US" dirty="0"/>
+          </a:p>
+        </p:txBody>
+      </p:sp>
+      <p:sp>
+        <p:nvSpPr>
+          <p:cNvPr id="6" name="내용 개체 틀 5"/>
+          <p:cNvSpPr>
+            <a:spLocks noGrp="1"/>
+          </p:cNvSpPr>
+          <p:nvPr>
+            <p:ph sz="half" idx="2"/>
+          </p:nvPr>
+        </p:nvSpPr>
+        <p:spPr/>
+        <p:txBody>
+          <a:bodyPr>
+            <a:normAutofit/>
+          </a:bodyPr>
+          <a:lstStyle/>
+          <a:p>
+            <a:pPr marL="0" indent="0">
+              <a:buNone/>
+            </a:pPr>
+            <a:endParaRPr lang="en-US" altLang="ko-KR" sz="2000" dirty="0" smtClean="0"/>
+          </a:p>
+          <a:p>
+            <a:endParaRPr lang="ko-KR" altLang="en-US" sz="2000" dirty="0"/>
+          </a:p>
+        </p:txBody>
+      </p:sp>
+      <p:sp>
+        <p:nvSpPr>
+          <p:cNvPr id="7" name="TextBox 25"/>
+          <p:cNvSpPr txBox="1">
+            <a:spLocks noChangeArrowheads="1"/>
+          </p:cNvSpPr>
+          <p:nvPr/>
+        </p:nvSpPr>
+        <p:spPr bwMode="auto">
+          <a:xfrm>
+            <a:off x="323528" y="603121"/>
+            <a:ext cx="5184576" cy="523220"/>
+          </a:xfrm>
+          <a:prstGeom prst="rect">
+            <a:avLst/>
+          </a:prstGeom>
+          <a:noFill/>
+          <a:ln w="9525">
+            <a:noFill/>
+            <a:miter lim="800000"/>
+            <a:headEnd/>
+            <a:tailEnd/>
+          </a:ln>
+        </p:spPr>
+        <p:txBody>
+          <a:bodyPr wrap="square">
+            <a:spAutoFit/>
+          </a:bodyPr>
+          <a:lstStyle/>
+          <a:p>
+            <a:pPr lvl="0"/>
+            <a:r>
+              <a:rPr lang="en-US" altLang="ko-KR" sz="2800" dirty="0" smtClean="0">
+                <a:solidFill>
+                  <a:prstClr val="black">
+                    <a:lumMod val="65000"/>
+                    <a:lumOff val="35000"/>
+                  </a:prstClr>
+                </a:solidFill>
+                <a:latin typeface="다음_SemiBold" pitchFamily="2" charset="-127"/>
+                <a:ea typeface="다음_SemiBold" pitchFamily="2" charset="-127"/>
+              </a:rPr>
+              <a:t>Markdown(-.md)</a:t>
+            </a:r>
+            <a:endParaRPr lang="en-US" altLang="ko-KR" sz="2800" dirty="0" smtClean="0">
+              <a:solidFill>
+                <a:prstClr val="black">
+                  <a:lumMod val="65000"/>
+                  <a:lumOff val="35000"/>
+                </a:prstClr>
+              </a:solidFill>
+              <a:latin typeface="다음_SemiBold" pitchFamily="2" charset="-127"/>
+              <a:ea typeface="다음_SemiBold" pitchFamily="2" charset="-127"/>
+            </a:endParaRPr>
+          </a:p>
+        </p:txBody>
+      </p:sp>
+      <p:sp>
+        <p:nvSpPr>
+          <p:cNvPr id="8" name="TextBox 25"/>
+          <p:cNvSpPr txBox="1">
+            <a:spLocks noChangeArrowheads="1"/>
+          </p:cNvSpPr>
+          <p:nvPr/>
+        </p:nvSpPr>
+        <p:spPr bwMode="auto">
+          <a:xfrm>
+            <a:off x="323528" y="1195735"/>
+            <a:ext cx="5184576" cy="338554"/>
+          </a:xfrm>
+          <a:prstGeom prst="rect">
+            <a:avLst/>
+          </a:prstGeom>
+          <a:noFill/>
+          <a:ln w="9525">
+            <a:noFill/>
+            <a:miter lim="800000"/>
+            <a:headEnd/>
+            <a:tailEnd/>
+          </a:ln>
+        </p:spPr>
+        <p:txBody>
+          <a:bodyPr wrap="square">
+            <a:spAutoFit/>
+          </a:bodyPr>
+          <a:lstStyle/>
+          <a:p>
+            <a:pPr lvl="0"/>
+            <a:r>
+              <a:rPr lang="ko-KR" altLang="en-US" sz="1600" dirty="0" smtClean="0">
+                <a:solidFill>
+                  <a:prstClr val="black">
+                    <a:lumMod val="65000"/>
+                    <a:lumOff val="35000"/>
+                  </a:prstClr>
+                </a:solidFill>
+                <a:latin typeface="나눔바른고딕" pitchFamily="50" charset="-127"/>
+                <a:ea typeface="나눔바른고딕" pitchFamily="50" charset="-127"/>
+              </a:rPr>
+              <a:t> </a:t>
+            </a:r>
+            <a:endParaRPr lang="en-US" altLang="ko-KR" sz="1600" dirty="0" smtClean="0">
+              <a:solidFill>
+                <a:prstClr val="black">
+                  <a:lumMod val="65000"/>
+                  <a:lumOff val="35000"/>
+                </a:prstClr>
+              </a:solidFill>
+              <a:latin typeface="나눔바른고딕" pitchFamily="50" charset="-127"/>
+              <a:ea typeface="나눔바른고딕" pitchFamily="50" charset="-127"/>
+            </a:endParaRPr>
+          </a:p>
+        </p:txBody>
+      </p:sp>
+      <p:cxnSp>
+        <p:nvCxnSpPr>
+          <p:cNvPr id="9" name="직선 연결선 8"/>
+          <p:cNvCxnSpPr/>
+          <p:nvPr/>
+        </p:nvCxnSpPr>
+        <p:spPr>
+          <a:xfrm>
+            <a:off x="428355" y="475655"/>
+            <a:ext cx="327221" cy="0"/>
+          </a:xfrm>
+          <a:prstGeom prst="line">
+            <a:avLst/>
+          </a:prstGeom>
+          <a:ln w="76200">
+            <a:solidFill>
+              <a:schemeClr val="tx1">
+                <a:lumMod val="65000"/>
+                <a:lumOff val="35000"/>
+              </a:schemeClr>
+            </a:solidFill>
+          </a:ln>
+        </p:spPr>
+        <p:style>
+          <a:lnRef idx="1">
+            <a:schemeClr val="accent1"/>
+          </a:lnRef>
+          <a:fillRef idx="0">
+            <a:schemeClr val="accent1"/>
+          </a:fillRef>
+          <a:effectRef idx="0">
+            <a:schemeClr val="accent1"/>
+          </a:effectRef>
+          <a:fontRef idx="minor">
+            <a:schemeClr val="tx1"/>
+          </a:fontRef>
+        </p:style>
+      </p:cxnSp>
+    </p:spTree>
+    <p:extLst>
+      <p:ext uri="{BB962C8B-B14F-4D97-AF65-F5344CB8AC3E}">
+        <p14:creationId xmlns:p14="http://schemas.microsoft.com/office/powerpoint/2010/main" val="2291515507"/>
+      </p:ext>
+    </p:extLst>
+  </p:cSld>
+  <p:clrMapOvr>
+    <a:masterClrMapping/>
+  </p:clrMapOvr>
+  <p:timing>
+    <p:tnLst>
+      <p:par>
+        <p:cTn id="1" dur="indefinite" restart="never" nodeType="tmRoot"/>
+      </p:par>
+    </p:tnLst>
+  </p:timing>
+</p:sld>
+</file>
+
+<file path=ppt/slides/slide17.xml><?xml version="1.0" encoding="utf-8"?>
+<p:sld xmlns:a="http://schemas.openxmlformats.org/drawingml/2006/main" xmlns:r="http://schemas.openxmlformats.org/officeDocument/2006/relationships" xmlns:p="http://schemas.openxmlformats.org/presentationml/2006/main">
+  <p:cSld>
+    <p:spTree>
+      <p:nvGrpSpPr>
+        <p:cNvPr id="1" name=""/>
+        <p:cNvGrpSpPr/>
+        <p:nvPr/>
+      </p:nvGrpSpPr>
+      <p:grpSpPr>
+        <a:xfrm>
+          <a:off x="0" y="0"/>
+          <a:ext cx="0" cy="0"/>
+          <a:chOff x="0" y="0"/>
+          <a:chExt cx="0" cy="0"/>
+        </a:xfrm>
+      </p:grpSpPr>
+      <p:sp>
+        <p:nvSpPr>
+          <p:cNvPr id="11" name="타원 10"/>
+          <p:cNvSpPr/>
+          <p:nvPr/>
+        </p:nvSpPr>
+        <p:spPr>
+          <a:xfrm>
+            <a:off x="606579" y="3137146"/>
+            <a:ext cx="681438" cy="681438"/>
+          </a:xfrm>
+          <a:prstGeom prst="ellipse">
+            <a:avLst/>
+          </a:prstGeom>
+          <a:solidFill>
+            <a:srgbClr val="4C93C7">
+              <a:alpha val="23000"/>
+            </a:srgbClr>
+          </a:solidFill>
+          <a:ln>
+            <a:noFill/>
+          </a:ln>
+        </p:spPr>
+        <p:style>
+          <a:lnRef idx="2">
+            <a:schemeClr val="accent1">
+              <a:shade val="50000"/>
+            </a:schemeClr>
+          </a:lnRef>
+          <a:fillRef idx="1">
+            <a:schemeClr val="accent1"/>
+          </a:fillRef>
+          <a:effectRef idx="0">
+            <a:schemeClr val="accent1"/>
+          </a:effectRef>
+          <a:fontRef idx="minor">
+            <a:schemeClr val="lt1"/>
+          </a:fontRef>
+        </p:style>
+        <p:txBody>
+          <a:bodyPr rtlCol="0" anchor="ctr"/>
+          <a:lstStyle/>
+          <a:p>
+            <a:pPr algn="ctr"/>
+            <a:endParaRPr lang="ko-KR" altLang="en-US"/>
+          </a:p>
+        </p:txBody>
+      </p:sp>
+      <p:sp>
+        <p:nvSpPr>
+          <p:cNvPr id="54" name="타원 53"/>
+          <p:cNvSpPr/>
+          <p:nvPr/>
+        </p:nvSpPr>
+        <p:spPr>
+          <a:xfrm>
+            <a:off x="3394819" y="3137146"/>
+            <a:ext cx="681438" cy="681438"/>
+          </a:xfrm>
+          <a:prstGeom prst="ellipse">
+            <a:avLst/>
+          </a:prstGeom>
+          <a:solidFill>
+            <a:srgbClr val="4C93C7">
+              <a:alpha val="23000"/>
+            </a:srgbClr>
+          </a:solidFill>
+          <a:ln>
+            <a:noFill/>
+          </a:ln>
+        </p:spPr>
+        <p:style>
+          <a:lnRef idx="2">
+            <a:schemeClr val="accent1">
+              <a:shade val="50000"/>
+            </a:schemeClr>
+          </a:lnRef>
+          <a:fillRef idx="1">
+            <a:schemeClr val="accent1"/>
+          </a:fillRef>
+          <a:effectRef idx="0">
+            <a:schemeClr val="accent1"/>
+          </a:effectRef>
+          <a:fontRef idx="minor">
+            <a:schemeClr val="lt1"/>
+          </a:fontRef>
+        </p:style>
+        <p:txBody>
+          <a:bodyPr rtlCol="0" anchor="ctr"/>
+          <a:lstStyle/>
+          <a:p>
+            <a:pPr algn="ctr"/>
+            <a:endParaRPr lang="ko-KR" altLang="en-US"/>
+          </a:p>
+        </p:txBody>
+      </p:sp>
+      <p:sp>
+        <p:nvSpPr>
+          <p:cNvPr id="55" name="타원 54"/>
+          <p:cNvSpPr/>
+          <p:nvPr/>
+        </p:nvSpPr>
+        <p:spPr>
+          <a:xfrm>
+            <a:off x="6011771" y="3137146"/>
+            <a:ext cx="681438" cy="681438"/>
+          </a:xfrm>
+          <a:prstGeom prst="ellipse">
+            <a:avLst/>
+          </a:prstGeom>
+          <a:solidFill>
+            <a:srgbClr val="4C93C7">
+              <a:alpha val="23000"/>
+            </a:srgbClr>
+          </a:solidFill>
+          <a:ln>
+            <a:noFill/>
+          </a:ln>
+        </p:spPr>
+        <p:style>
+          <a:lnRef idx="2">
+            <a:schemeClr val="accent1">
+              <a:shade val="50000"/>
+            </a:schemeClr>
+          </a:lnRef>
+          <a:fillRef idx="1">
+            <a:schemeClr val="accent1"/>
+          </a:fillRef>
+          <a:effectRef idx="0">
+            <a:schemeClr val="accent1"/>
+          </a:effectRef>
+          <a:fontRef idx="minor">
+            <a:schemeClr val="lt1"/>
+          </a:fontRef>
+        </p:style>
+        <p:txBody>
+          <a:bodyPr rtlCol="0" anchor="ctr"/>
+          <a:lstStyle/>
+          <a:p>
+            <a:pPr algn="ctr"/>
+            <a:endParaRPr lang="ko-KR" altLang="en-US"/>
+          </a:p>
+        </p:txBody>
+      </p:sp>
+      <p:sp>
+        <p:nvSpPr>
+          <p:cNvPr id="5" name="TextBox 25"/>
+          <p:cNvSpPr txBox="1">
+            <a:spLocks noChangeArrowheads="1"/>
+          </p:cNvSpPr>
+          <p:nvPr/>
+        </p:nvSpPr>
+        <p:spPr bwMode="auto">
+          <a:xfrm>
+            <a:off x="323528" y="603121"/>
+            <a:ext cx="5112568" cy="523220"/>
+          </a:xfrm>
+          <a:prstGeom prst="rect">
+            <a:avLst/>
+          </a:prstGeom>
+          <a:noFill/>
+          <a:ln w="9525">
+            <a:noFill/>
+            <a:miter lim="800000"/>
+            <a:headEnd/>
+            <a:tailEnd/>
+          </a:ln>
+        </p:spPr>
+        <p:txBody>
+          <a:bodyPr wrap="square">
+            <a:spAutoFit/>
+          </a:bodyPr>
+          <a:lstStyle/>
+          <a:p>
+            <a:pPr lvl="0"/>
+            <a:r>
+              <a:rPr lang="ko-KR" altLang="en-US" sz="2800" dirty="0" smtClean="0">
+                <a:solidFill>
+                  <a:prstClr val="black">
+                    <a:lumMod val="65000"/>
+                    <a:lumOff val="35000"/>
+                  </a:prstClr>
+                </a:solidFill>
+                <a:latin typeface="다음_SemiBold" pitchFamily="2" charset="-127"/>
+                <a:ea typeface="다음_SemiBold" pitchFamily="2" charset="-127"/>
+              </a:rPr>
+              <a:t>둘</a:t>
+            </a:r>
+            <a:r>
+              <a:rPr lang="en-US" altLang="ko-KR" sz="2800" dirty="0" smtClean="0">
+                <a:solidFill>
+                  <a:prstClr val="black">
+                    <a:lumMod val="65000"/>
+                    <a:lumOff val="35000"/>
+                  </a:prstClr>
+                </a:solidFill>
+                <a:latin typeface="다음_SemiBold" pitchFamily="2" charset="-127"/>
+                <a:ea typeface="다음_SemiBold" pitchFamily="2" charset="-127"/>
+              </a:rPr>
+              <a:t>, </a:t>
+            </a:r>
+            <a:r>
+              <a:rPr lang="ko-KR" altLang="en-US" sz="2800" dirty="0" smtClean="0">
+                <a:solidFill>
+                  <a:prstClr val="black">
+                    <a:lumMod val="65000"/>
+                    <a:lumOff val="35000"/>
+                  </a:prstClr>
+                </a:solidFill>
+                <a:latin typeface="다음_SemiBold" pitchFamily="2" charset="-127"/>
+                <a:ea typeface="다음_SemiBold" pitchFamily="2" charset="-127"/>
+              </a:rPr>
+              <a:t>텍스트 많은 페이지</a:t>
+            </a:r>
+            <a:r>
+              <a:rPr lang="en-US" altLang="ko-KR" sz="2800" dirty="0" smtClean="0">
+                <a:solidFill>
+                  <a:prstClr val="black">
+                    <a:lumMod val="65000"/>
+                    <a:lumOff val="35000"/>
+                  </a:prstClr>
+                </a:solidFill>
+                <a:latin typeface="다음_SemiBold" pitchFamily="2" charset="-127"/>
+                <a:ea typeface="다음_SemiBold" pitchFamily="2" charset="-127"/>
+              </a:rPr>
+              <a:t> </a:t>
+            </a:r>
+          </a:p>
+        </p:txBody>
+      </p:sp>
+      <p:sp>
+        <p:nvSpPr>
+          <p:cNvPr id="9" name="TextBox 25"/>
+          <p:cNvSpPr txBox="1">
+            <a:spLocks noChangeArrowheads="1"/>
+          </p:cNvSpPr>
+          <p:nvPr/>
+        </p:nvSpPr>
+        <p:spPr bwMode="auto">
+          <a:xfrm>
+            <a:off x="323528" y="1195735"/>
+            <a:ext cx="5112568" cy="523220"/>
+          </a:xfrm>
+          <a:prstGeom prst="rect">
+            <a:avLst/>
+          </a:prstGeom>
+          <a:noFill/>
+          <a:ln w="9525">
+            <a:noFill/>
+            <a:miter lim="800000"/>
+            <a:headEnd/>
+            <a:tailEnd/>
+          </a:ln>
+        </p:spPr>
+        <p:txBody>
+          <a:bodyPr wrap="square">
+            <a:spAutoFit/>
+          </a:bodyPr>
+          <a:lstStyle/>
+          <a:p>
+            <a:pPr lvl="0"/>
+            <a:r>
+              <a:rPr lang="ko-KR" altLang="en-US" sz="1400" dirty="0" smtClean="0">
+                <a:solidFill>
+                  <a:prstClr val="black">
+                    <a:lumMod val="65000"/>
+                    <a:lumOff val="35000"/>
+                  </a:prstClr>
+                </a:solidFill>
+                <a:latin typeface="나눔바른고딕" pitchFamily="50" charset="-127"/>
+                <a:ea typeface="나눔바른고딕" pitchFamily="50" charset="-127"/>
+              </a:rPr>
+              <a:t>채울 게 텍스트 밖에 없을 때는 여백을 살려줘도 좋아요</a:t>
+            </a:r>
+            <a:r>
+              <a:rPr lang="en-US" altLang="ko-KR" sz="1400" dirty="0" smtClean="0">
+                <a:solidFill>
+                  <a:prstClr val="black">
+                    <a:lumMod val="65000"/>
+                    <a:lumOff val="35000"/>
+                  </a:prstClr>
+                </a:solidFill>
+                <a:latin typeface="나눔바른고딕" pitchFamily="50" charset="-127"/>
+                <a:ea typeface="나눔바른고딕" pitchFamily="50" charset="-127"/>
+              </a:rPr>
+              <a:t>. </a:t>
+            </a:r>
+          </a:p>
+          <a:p>
+            <a:pPr lvl="0"/>
+            <a:r>
+              <a:rPr lang="ko-KR" altLang="en-US" sz="1400" dirty="0" smtClean="0">
+                <a:solidFill>
+                  <a:prstClr val="black">
+                    <a:lumMod val="65000"/>
+                    <a:lumOff val="35000"/>
+                  </a:prstClr>
+                </a:solidFill>
+                <a:latin typeface="나눔바른고딕" pitchFamily="50" charset="-127"/>
+                <a:ea typeface="나눔바른고딕" pitchFamily="50" charset="-127"/>
+              </a:rPr>
+              <a:t>여백이 충분해지면 텍스트가 좀 더 잘 보이는 효과가 있지요</a:t>
+            </a:r>
+            <a:r>
+              <a:rPr lang="en-US" altLang="ko-KR" sz="1400" dirty="0" smtClean="0">
+                <a:solidFill>
+                  <a:prstClr val="black">
+                    <a:lumMod val="65000"/>
+                    <a:lumOff val="35000"/>
+                  </a:prstClr>
+                </a:solidFill>
+                <a:latin typeface="나눔바른고딕" pitchFamily="50" charset="-127"/>
+                <a:ea typeface="나눔바른고딕" pitchFamily="50" charset="-127"/>
+              </a:rPr>
+              <a:t>.</a:t>
+            </a:r>
+          </a:p>
+        </p:txBody>
+      </p:sp>
+      <p:cxnSp>
+        <p:nvCxnSpPr>
+          <p:cNvPr id="10" name="직선 연결선 9"/>
+          <p:cNvCxnSpPr/>
+          <p:nvPr/>
+        </p:nvCxnSpPr>
+        <p:spPr>
+          <a:xfrm>
+            <a:off x="428355" y="475655"/>
+            <a:ext cx="327221" cy="0"/>
+          </a:xfrm>
+          <a:prstGeom prst="line">
+            <a:avLst/>
+          </a:prstGeom>
+          <a:ln w="76200">
+            <a:solidFill>
+              <a:schemeClr val="tx1">
+                <a:lumMod val="65000"/>
+                <a:lumOff val="35000"/>
+              </a:schemeClr>
+            </a:solidFill>
+          </a:ln>
+        </p:spPr>
+        <p:style>
+          <a:lnRef idx="1">
+            <a:schemeClr val="accent1"/>
+          </a:lnRef>
+          <a:fillRef idx="0">
+            <a:schemeClr val="accent1"/>
+          </a:fillRef>
+          <a:effectRef idx="0">
+            <a:schemeClr val="accent1"/>
+          </a:effectRef>
+          <a:fontRef idx="minor">
+            <a:schemeClr val="tx1"/>
+          </a:fontRef>
+        </p:style>
+      </p:cxnSp>
+      <p:sp>
+        <p:nvSpPr>
+          <p:cNvPr id="37" name="TextBox 25"/>
+          <p:cNvSpPr txBox="1">
+            <a:spLocks noChangeArrowheads="1"/>
+          </p:cNvSpPr>
+          <p:nvPr/>
+        </p:nvSpPr>
+        <p:spPr bwMode="auto">
+          <a:xfrm>
+            <a:off x="843618" y="3428407"/>
+            <a:ext cx="1080120" cy="400110"/>
+          </a:xfrm>
+          <a:prstGeom prst="rect">
+            <a:avLst/>
+          </a:prstGeom>
+          <a:noFill/>
+          <a:ln w="9525">
+            <a:noFill/>
+            <a:miter lim="800000"/>
+            <a:headEnd/>
+            <a:tailEnd/>
+          </a:ln>
+        </p:spPr>
+        <p:txBody>
+          <a:bodyPr wrap="square">
+            <a:spAutoFit/>
+          </a:bodyPr>
+          <a:lstStyle/>
+          <a:p>
+            <a:pPr lvl="0"/>
+            <a:r>
+              <a:rPr lang="en-US" altLang="ko-KR" sz="2000" b="1" dirty="0" smtClean="0">
+                <a:solidFill>
+                  <a:srgbClr val="4C93C7"/>
+                </a:solidFill>
+                <a:latin typeface="다음_Regular" panose="02000603060000000000" pitchFamily="2" charset="-127"/>
+                <a:ea typeface="다음_Regular" panose="02000603060000000000" pitchFamily="2" charset="-127"/>
+              </a:rPr>
+              <a:t>1. </a:t>
+            </a:r>
+            <a:r>
+              <a:rPr lang="ko-KR" altLang="en-US" sz="2000" b="1" dirty="0" smtClean="0">
+                <a:solidFill>
+                  <a:srgbClr val="4C93C7"/>
+                </a:solidFill>
+                <a:latin typeface="다음_Regular" panose="02000603060000000000" pitchFamily="2" charset="-127"/>
+                <a:ea typeface="다음_Regular" panose="02000603060000000000" pitchFamily="2" charset="-127"/>
+              </a:rPr>
+              <a:t>기간</a:t>
+            </a:r>
+            <a:endParaRPr lang="en-US" altLang="ko-KR" sz="2000" b="1" dirty="0" smtClean="0">
+              <a:solidFill>
+                <a:srgbClr val="4C93C7"/>
+              </a:solidFill>
+              <a:latin typeface="다음_Regular" panose="02000603060000000000" pitchFamily="2" charset="-127"/>
+              <a:ea typeface="다음_Regular" panose="02000603060000000000" pitchFamily="2" charset="-127"/>
+            </a:endParaRPr>
+          </a:p>
+        </p:txBody>
+      </p:sp>
+      <p:cxnSp>
+        <p:nvCxnSpPr>
+          <p:cNvPr id="38" name="직선 연결선 37"/>
+          <p:cNvCxnSpPr/>
+          <p:nvPr/>
+        </p:nvCxnSpPr>
+        <p:spPr>
+          <a:xfrm>
+            <a:off x="915626" y="3826842"/>
+            <a:ext cx="936000" cy="0"/>
+          </a:xfrm>
+          <a:prstGeom prst="line">
+            <a:avLst/>
+          </a:prstGeom>
+          <a:ln>
+            <a:solidFill>
+              <a:srgbClr val="4C93C7"/>
+            </a:solidFill>
+            <a:prstDash val="dash"/>
+          </a:ln>
+        </p:spPr>
+        <p:style>
+          <a:lnRef idx="1">
+            <a:schemeClr val="accent1"/>
+          </a:lnRef>
+          <a:fillRef idx="0">
+            <a:schemeClr val="accent1"/>
+          </a:fillRef>
+          <a:effectRef idx="0">
+            <a:schemeClr val="accent1"/>
+          </a:effectRef>
+          <a:fontRef idx="minor">
+            <a:schemeClr val="tx1"/>
+          </a:fontRef>
+        </p:style>
+      </p:cxnSp>
+      <p:sp>
+        <p:nvSpPr>
+          <p:cNvPr id="41" name="TextBox 25"/>
+          <p:cNvSpPr txBox="1">
+            <a:spLocks noChangeArrowheads="1"/>
+          </p:cNvSpPr>
+          <p:nvPr/>
+        </p:nvSpPr>
+        <p:spPr bwMode="auto">
+          <a:xfrm>
+            <a:off x="3651930" y="3428407"/>
+            <a:ext cx="1080120" cy="400110"/>
+          </a:xfrm>
+          <a:prstGeom prst="rect">
+            <a:avLst/>
+          </a:prstGeom>
+          <a:noFill/>
+          <a:ln w="9525">
+            <a:noFill/>
+            <a:miter lim="800000"/>
+            <a:headEnd/>
+            <a:tailEnd/>
+          </a:ln>
+        </p:spPr>
+        <p:txBody>
+          <a:bodyPr wrap="square">
+            <a:spAutoFit/>
+          </a:bodyPr>
+          <a:lstStyle/>
+          <a:p>
+            <a:pPr lvl="0"/>
+            <a:r>
+              <a:rPr lang="en-US" altLang="ko-KR" sz="2000" b="1" dirty="0" smtClean="0">
+                <a:solidFill>
+                  <a:srgbClr val="4C93C7"/>
+                </a:solidFill>
+                <a:latin typeface="다음_Regular" panose="02000603060000000000" pitchFamily="2" charset="-127"/>
+                <a:ea typeface="다음_Regular" panose="02000603060000000000" pitchFamily="2" charset="-127"/>
+              </a:rPr>
+              <a:t>2. </a:t>
+            </a:r>
+            <a:r>
+              <a:rPr lang="ko-KR" altLang="en-US" sz="2000" b="1" dirty="0" smtClean="0">
+                <a:solidFill>
+                  <a:srgbClr val="4C93C7"/>
+                </a:solidFill>
+                <a:latin typeface="다음_Regular" panose="02000603060000000000" pitchFamily="2" charset="-127"/>
+                <a:ea typeface="다음_Regular" panose="02000603060000000000" pitchFamily="2" charset="-127"/>
+              </a:rPr>
+              <a:t>목적</a:t>
+            </a:r>
+            <a:endParaRPr lang="en-US" altLang="ko-KR" sz="2000" b="1" dirty="0" smtClean="0">
+              <a:solidFill>
+                <a:srgbClr val="4C93C7"/>
+              </a:solidFill>
+              <a:latin typeface="다음_Regular" panose="02000603060000000000" pitchFamily="2" charset="-127"/>
+              <a:ea typeface="다음_Regular" panose="02000603060000000000" pitchFamily="2" charset="-127"/>
+            </a:endParaRPr>
+          </a:p>
+        </p:txBody>
+      </p:sp>
+      <p:cxnSp>
+        <p:nvCxnSpPr>
+          <p:cNvPr id="45" name="직선 연결선 44"/>
+          <p:cNvCxnSpPr/>
+          <p:nvPr/>
+        </p:nvCxnSpPr>
+        <p:spPr>
+          <a:xfrm>
+            <a:off x="3723938" y="3826842"/>
+            <a:ext cx="936000" cy="0"/>
+          </a:xfrm>
+          <a:prstGeom prst="line">
+            <a:avLst/>
+          </a:prstGeom>
+          <a:ln>
+            <a:solidFill>
+              <a:srgbClr val="4C93C7"/>
+            </a:solidFill>
+            <a:prstDash val="dash"/>
+          </a:ln>
+        </p:spPr>
+        <p:style>
+          <a:lnRef idx="1">
+            <a:schemeClr val="accent1"/>
+          </a:lnRef>
+          <a:fillRef idx="0">
+            <a:schemeClr val="accent1"/>
+          </a:fillRef>
+          <a:effectRef idx="0">
+            <a:schemeClr val="accent1"/>
+          </a:effectRef>
+          <a:fontRef idx="minor">
+            <a:schemeClr val="tx1"/>
+          </a:fontRef>
+        </p:style>
+      </p:cxnSp>
+      <p:sp>
+        <p:nvSpPr>
+          <p:cNvPr id="46" name="TextBox 25"/>
+          <p:cNvSpPr txBox="1">
+            <a:spLocks noChangeArrowheads="1"/>
+          </p:cNvSpPr>
+          <p:nvPr/>
+        </p:nvSpPr>
+        <p:spPr bwMode="auto">
+          <a:xfrm>
+            <a:off x="6280482" y="3428407"/>
+            <a:ext cx="1819910" cy="400110"/>
+          </a:xfrm>
+          <a:prstGeom prst="rect">
+            <a:avLst/>
+          </a:prstGeom>
+          <a:noFill/>
+          <a:ln w="9525">
+            <a:noFill/>
+            <a:miter lim="800000"/>
+            <a:headEnd/>
+            <a:tailEnd/>
+          </a:ln>
+        </p:spPr>
+        <p:txBody>
+          <a:bodyPr wrap="square">
+            <a:spAutoFit/>
+          </a:bodyPr>
+          <a:lstStyle/>
+          <a:p>
+            <a:pPr lvl="0"/>
+            <a:r>
+              <a:rPr lang="en-US" altLang="ko-KR" sz="2000" b="1" dirty="0" smtClean="0">
+                <a:solidFill>
+                  <a:srgbClr val="4C93C7"/>
+                </a:solidFill>
+                <a:latin typeface="다음_Regular" panose="02000603060000000000" pitchFamily="2" charset="-127"/>
+                <a:ea typeface="다음_Regular" panose="02000603060000000000" pitchFamily="2" charset="-127"/>
+              </a:rPr>
+              <a:t>3. </a:t>
+            </a:r>
+            <a:r>
+              <a:rPr lang="ko-KR" altLang="en-US" sz="2000" b="1" dirty="0" smtClean="0">
+                <a:solidFill>
+                  <a:srgbClr val="4C93C7"/>
+                </a:solidFill>
+                <a:latin typeface="다음_Regular" panose="02000603060000000000" pitchFamily="2" charset="-127"/>
+                <a:ea typeface="다음_Regular" panose="02000603060000000000" pitchFamily="2" charset="-127"/>
+              </a:rPr>
+              <a:t>기대효과</a:t>
+            </a:r>
+            <a:endParaRPr lang="en-US" altLang="ko-KR" sz="2000" b="1" dirty="0" smtClean="0">
+              <a:solidFill>
+                <a:srgbClr val="4C93C7"/>
+              </a:solidFill>
+              <a:latin typeface="다음_Regular" panose="02000603060000000000" pitchFamily="2" charset="-127"/>
+              <a:ea typeface="다음_Regular" panose="02000603060000000000" pitchFamily="2" charset="-127"/>
+            </a:endParaRPr>
+          </a:p>
+        </p:txBody>
+      </p:sp>
+      <p:cxnSp>
+        <p:nvCxnSpPr>
+          <p:cNvPr id="47" name="직선 연결선 46"/>
+          <p:cNvCxnSpPr/>
+          <p:nvPr/>
+        </p:nvCxnSpPr>
+        <p:spPr>
+          <a:xfrm>
+            <a:off x="6352490" y="3826842"/>
+            <a:ext cx="1476000" cy="0"/>
+          </a:xfrm>
+          <a:prstGeom prst="line">
+            <a:avLst/>
+          </a:prstGeom>
+          <a:ln>
+            <a:solidFill>
+              <a:srgbClr val="4C93C7"/>
+            </a:solidFill>
+            <a:prstDash val="dash"/>
+          </a:ln>
+        </p:spPr>
+        <p:style>
+          <a:lnRef idx="1">
+            <a:schemeClr val="accent1"/>
+          </a:lnRef>
+          <a:fillRef idx="0">
+            <a:schemeClr val="accent1"/>
+          </a:fillRef>
+          <a:effectRef idx="0">
+            <a:schemeClr val="accent1"/>
+          </a:effectRef>
+          <a:fontRef idx="minor">
+            <a:schemeClr val="tx1"/>
+          </a:fontRef>
+        </p:style>
+      </p:cxnSp>
+      <p:sp>
+        <p:nvSpPr>
+          <p:cNvPr id="48" name="TextBox 25"/>
+          <p:cNvSpPr txBox="1">
+            <a:spLocks noChangeArrowheads="1"/>
+          </p:cNvSpPr>
+          <p:nvPr/>
+        </p:nvSpPr>
+        <p:spPr bwMode="auto">
+          <a:xfrm>
+            <a:off x="827584" y="3947423"/>
+            <a:ext cx="2340000" cy="461665"/>
+          </a:xfrm>
+          <a:prstGeom prst="rect">
+            <a:avLst/>
+          </a:prstGeom>
+          <a:noFill/>
+          <a:ln w="9525">
+            <a:noFill/>
+            <a:miter lim="800000"/>
+            <a:headEnd/>
+            <a:tailEnd/>
+          </a:ln>
+        </p:spPr>
+        <p:txBody>
+          <a:bodyPr wrap="square">
+            <a:spAutoFit/>
+          </a:bodyPr>
+          <a:lstStyle/>
+          <a:p>
+            <a:pPr lvl="0"/>
+            <a:r>
+              <a:rPr lang="ko-KR" altLang="en-US" sz="1200" dirty="0" smtClean="0">
+                <a:solidFill>
+                  <a:prstClr val="black">
+                    <a:lumMod val="65000"/>
+                    <a:lumOff val="35000"/>
+                  </a:prstClr>
+                </a:solidFill>
+                <a:latin typeface="나눔바른고딕" pitchFamily="50" charset="-127"/>
+                <a:ea typeface="나눔바른고딕" pitchFamily="50" charset="-127"/>
+              </a:rPr>
+              <a:t>여기에는 한 두 줄 정도 넣어주세요</a:t>
+            </a:r>
+            <a:r>
+              <a:rPr lang="en-US" altLang="ko-KR" sz="1200" dirty="0" smtClean="0">
+                <a:solidFill>
+                  <a:prstClr val="black">
+                    <a:lumMod val="65000"/>
+                    <a:lumOff val="35000"/>
+                  </a:prstClr>
+                </a:solidFill>
+                <a:latin typeface="나눔바른고딕" pitchFamily="50" charset="-127"/>
+                <a:ea typeface="나눔바른고딕" pitchFamily="50" charset="-127"/>
+              </a:rPr>
+              <a:t>.</a:t>
+            </a:r>
+          </a:p>
+          <a:p>
+            <a:pPr lvl="0"/>
+            <a:r>
+              <a:rPr lang="ko-KR" altLang="en-US" sz="1200" dirty="0" err="1" smtClean="0">
+                <a:solidFill>
+                  <a:prstClr val="black">
+                    <a:lumMod val="65000"/>
+                    <a:lumOff val="35000"/>
+                  </a:prstClr>
+                </a:solidFill>
+                <a:latin typeface="나눔바른고딕" pitchFamily="50" charset="-127"/>
+                <a:ea typeface="나눔바른고딕" pitchFamily="50" charset="-127"/>
+              </a:rPr>
+              <a:t>랄랄라</a:t>
+            </a:r>
+            <a:r>
+              <a:rPr lang="ko-KR" altLang="en-US" sz="1200" dirty="0" smtClean="0">
+                <a:solidFill>
+                  <a:prstClr val="black">
+                    <a:lumMod val="65000"/>
+                    <a:lumOff val="35000"/>
+                  </a:prstClr>
+                </a:solidFill>
+                <a:latin typeface="나눔바른고딕" pitchFamily="50" charset="-127"/>
+                <a:ea typeface="나눔바른고딕" pitchFamily="50" charset="-127"/>
+              </a:rPr>
+              <a:t> </a:t>
+            </a:r>
+            <a:r>
+              <a:rPr lang="ko-KR" altLang="en-US" sz="1200" dirty="0" err="1" smtClean="0">
+                <a:solidFill>
+                  <a:prstClr val="black">
+                    <a:lumMod val="65000"/>
+                    <a:lumOff val="35000"/>
+                  </a:prstClr>
+                </a:solidFill>
+                <a:latin typeface="나눔바른고딕" pitchFamily="50" charset="-127"/>
+                <a:ea typeface="나눔바른고딕" pitchFamily="50" charset="-127"/>
+              </a:rPr>
+              <a:t>스랄랄라</a:t>
+            </a:r>
+            <a:endParaRPr lang="en-US" altLang="ko-KR" sz="1200" dirty="0">
+              <a:solidFill>
+                <a:prstClr val="black">
+                  <a:lumMod val="65000"/>
+                  <a:lumOff val="35000"/>
+                </a:prstClr>
+              </a:solidFill>
+              <a:latin typeface="나눔바른고딕" pitchFamily="50" charset="-127"/>
+              <a:ea typeface="나눔바른고딕" pitchFamily="50" charset="-127"/>
+            </a:endParaRPr>
+          </a:p>
+        </p:txBody>
+      </p:sp>
+      <p:sp>
+        <p:nvSpPr>
+          <p:cNvPr id="51" name="TextBox 25"/>
+          <p:cNvSpPr txBox="1">
+            <a:spLocks noChangeArrowheads="1"/>
+          </p:cNvSpPr>
+          <p:nvPr/>
+        </p:nvSpPr>
+        <p:spPr bwMode="auto">
+          <a:xfrm>
+            <a:off x="3635896" y="3975447"/>
+            <a:ext cx="2340000" cy="461665"/>
+          </a:xfrm>
+          <a:prstGeom prst="rect">
+            <a:avLst/>
+          </a:prstGeom>
+          <a:noFill/>
+          <a:ln w="9525">
+            <a:noFill/>
+            <a:miter lim="800000"/>
+            <a:headEnd/>
+            <a:tailEnd/>
+          </a:ln>
+        </p:spPr>
+        <p:txBody>
+          <a:bodyPr wrap="square">
+            <a:spAutoFit/>
+          </a:bodyPr>
+          <a:lstStyle/>
+          <a:p>
+            <a:pPr lvl="0"/>
+            <a:r>
+              <a:rPr lang="ko-KR" altLang="en-US" sz="1200" dirty="0">
+                <a:solidFill>
+                  <a:prstClr val="black">
+                    <a:lumMod val="65000"/>
+                    <a:lumOff val="35000"/>
+                  </a:prstClr>
+                </a:solidFill>
+                <a:latin typeface="나눔바른고딕" pitchFamily="50" charset="-127"/>
+                <a:ea typeface="나눔바른고딕" pitchFamily="50" charset="-127"/>
+              </a:rPr>
+              <a:t>여기에는 한 두 줄 정도 넣어주세요</a:t>
+            </a:r>
+            <a:r>
+              <a:rPr lang="en-US" altLang="ko-KR" sz="1200" dirty="0">
+                <a:solidFill>
+                  <a:prstClr val="black">
+                    <a:lumMod val="65000"/>
+                    <a:lumOff val="35000"/>
+                  </a:prstClr>
+                </a:solidFill>
+                <a:latin typeface="나눔바른고딕" pitchFamily="50" charset="-127"/>
+                <a:ea typeface="나눔바른고딕" pitchFamily="50" charset="-127"/>
+              </a:rPr>
+              <a:t>.</a:t>
+            </a:r>
+          </a:p>
+          <a:p>
+            <a:pPr lvl="0"/>
+            <a:r>
+              <a:rPr lang="ko-KR" altLang="en-US" sz="1200" dirty="0" err="1">
+                <a:solidFill>
+                  <a:prstClr val="black">
+                    <a:lumMod val="65000"/>
+                    <a:lumOff val="35000"/>
+                  </a:prstClr>
+                </a:solidFill>
+                <a:latin typeface="나눔바른고딕" pitchFamily="50" charset="-127"/>
+                <a:ea typeface="나눔바른고딕" pitchFamily="50" charset="-127"/>
+              </a:rPr>
+              <a:t>랄랄라</a:t>
+            </a:r>
+            <a:r>
+              <a:rPr lang="ko-KR" altLang="en-US" sz="1200" dirty="0">
+                <a:solidFill>
+                  <a:prstClr val="black">
+                    <a:lumMod val="65000"/>
+                    <a:lumOff val="35000"/>
+                  </a:prstClr>
+                </a:solidFill>
+                <a:latin typeface="나눔바른고딕" pitchFamily="50" charset="-127"/>
+                <a:ea typeface="나눔바른고딕" pitchFamily="50" charset="-127"/>
+              </a:rPr>
+              <a:t> </a:t>
+            </a:r>
+            <a:r>
+              <a:rPr lang="ko-KR" altLang="en-US" sz="1200" dirty="0" err="1">
+                <a:solidFill>
+                  <a:prstClr val="black">
+                    <a:lumMod val="65000"/>
+                    <a:lumOff val="35000"/>
+                  </a:prstClr>
+                </a:solidFill>
+                <a:latin typeface="나눔바른고딕" pitchFamily="50" charset="-127"/>
+                <a:ea typeface="나눔바른고딕" pitchFamily="50" charset="-127"/>
+              </a:rPr>
+              <a:t>스랄랄라</a:t>
+            </a:r>
+            <a:endParaRPr lang="en-US" altLang="ko-KR" sz="1200" dirty="0">
+              <a:solidFill>
+                <a:prstClr val="black">
+                  <a:lumMod val="65000"/>
+                  <a:lumOff val="35000"/>
+                </a:prstClr>
+              </a:solidFill>
+              <a:latin typeface="나눔바른고딕" pitchFamily="50" charset="-127"/>
+              <a:ea typeface="나눔바른고딕" pitchFamily="50" charset="-127"/>
+            </a:endParaRPr>
+          </a:p>
+        </p:txBody>
+      </p:sp>
+      <p:sp>
+        <p:nvSpPr>
+          <p:cNvPr id="53" name="TextBox 25"/>
+          <p:cNvSpPr txBox="1">
+            <a:spLocks noChangeArrowheads="1"/>
+          </p:cNvSpPr>
+          <p:nvPr/>
+        </p:nvSpPr>
+        <p:spPr bwMode="auto">
+          <a:xfrm>
+            <a:off x="6264448" y="3975447"/>
+            <a:ext cx="2340000" cy="461665"/>
+          </a:xfrm>
+          <a:prstGeom prst="rect">
+            <a:avLst/>
+          </a:prstGeom>
+          <a:noFill/>
+          <a:ln w="9525">
+            <a:noFill/>
+            <a:miter lim="800000"/>
+            <a:headEnd/>
+            <a:tailEnd/>
+          </a:ln>
+        </p:spPr>
+        <p:txBody>
+          <a:bodyPr wrap="square">
+            <a:spAutoFit/>
+          </a:bodyPr>
+          <a:lstStyle/>
+          <a:p>
+            <a:pPr lvl="0"/>
+            <a:r>
+              <a:rPr lang="ko-KR" altLang="en-US" sz="1200" dirty="0">
+                <a:solidFill>
+                  <a:prstClr val="black">
+                    <a:lumMod val="65000"/>
+                    <a:lumOff val="35000"/>
+                  </a:prstClr>
+                </a:solidFill>
+                <a:latin typeface="나눔바른고딕" pitchFamily="50" charset="-127"/>
+                <a:ea typeface="나눔바른고딕" pitchFamily="50" charset="-127"/>
+              </a:rPr>
+              <a:t>여기에는 한 두 줄 정도 넣어주세요</a:t>
+            </a:r>
+            <a:r>
+              <a:rPr lang="en-US" altLang="ko-KR" sz="1200" dirty="0">
+                <a:solidFill>
+                  <a:prstClr val="black">
+                    <a:lumMod val="65000"/>
+                    <a:lumOff val="35000"/>
+                  </a:prstClr>
+                </a:solidFill>
+                <a:latin typeface="나눔바른고딕" pitchFamily="50" charset="-127"/>
+                <a:ea typeface="나눔바른고딕" pitchFamily="50" charset="-127"/>
+              </a:rPr>
+              <a:t>.</a:t>
+            </a:r>
+          </a:p>
+          <a:p>
+            <a:pPr lvl="0"/>
+            <a:r>
+              <a:rPr lang="ko-KR" altLang="en-US" sz="1200" dirty="0" err="1">
+                <a:solidFill>
+                  <a:prstClr val="black">
+                    <a:lumMod val="65000"/>
+                    <a:lumOff val="35000"/>
+                  </a:prstClr>
+                </a:solidFill>
+                <a:latin typeface="나눔바른고딕" pitchFamily="50" charset="-127"/>
+                <a:ea typeface="나눔바른고딕" pitchFamily="50" charset="-127"/>
+              </a:rPr>
+              <a:t>랄랄라</a:t>
+            </a:r>
+            <a:r>
+              <a:rPr lang="ko-KR" altLang="en-US" sz="1200" dirty="0">
+                <a:solidFill>
+                  <a:prstClr val="black">
+                    <a:lumMod val="65000"/>
+                    <a:lumOff val="35000"/>
+                  </a:prstClr>
+                </a:solidFill>
+                <a:latin typeface="나눔바른고딕" pitchFamily="50" charset="-127"/>
+                <a:ea typeface="나눔바른고딕" pitchFamily="50" charset="-127"/>
+              </a:rPr>
+              <a:t> </a:t>
+            </a:r>
+            <a:r>
+              <a:rPr lang="ko-KR" altLang="en-US" sz="1200" dirty="0" err="1">
+                <a:solidFill>
+                  <a:prstClr val="black">
+                    <a:lumMod val="65000"/>
+                    <a:lumOff val="35000"/>
+                  </a:prstClr>
+                </a:solidFill>
+                <a:latin typeface="나눔바른고딕" pitchFamily="50" charset="-127"/>
+                <a:ea typeface="나눔바른고딕" pitchFamily="50" charset="-127"/>
+              </a:rPr>
+              <a:t>스랄랄라</a:t>
+            </a:r>
+            <a:endParaRPr lang="en-US" altLang="ko-KR" sz="1200" dirty="0">
+              <a:solidFill>
+                <a:prstClr val="black">
+                  <a:lumMod val="65000"/>
+                  <a:lumOff val="35000"/>
+                </a:prstClr>
+              </a:solidFill>
+              <a:latin typeface="나눔바른고딕" pitchFamily="50" charset="-127"/>
+              <a:ea typeface="나눔바른고딕" pitchFamily="50" charset="-127"/>
+            </a:endParaRPr>
+          </a:p>
+        </p:txBody>
+      </p:sp>
+    </p:spTree>
+    <p:extLst>
+      <p:ext uri="{BB962C8B-B14F-4D97-AF65-F5344CB8AC3E}">
+        <p14:creationId xmlns:p14="http://schemas.microsoft.com/office/powerpoint/2010/main" val="4132090309"/>
+      </p:ext>
+    </p:extLst>
+  </p:cSld>
+  <p:clrMapOvr>
+    <a:masterClrMapping/>
+  </p:clrMapOvr>
+  <p:timing>
+    <p:tnLst>
+      <p:par>
+        <p:cTn id="1" dur="indefinite" restart="never" nodeType="tmRoot"/>
+      </p:par>
+    </p:tnLst>
+  </p:timing>
+</p:sld>
+</file>
+
+<file path=ppt/slides/slide18.xml><?xml version="1.0" encoding="utf-8"?>
 <p:sld xmlns:a="http://schemas.openxmlformats.org/drawingml/2006/main" xmlns:r="http://schemas.openxmlformats.org/officeDocument/2006/relationships" xmlns:p="http://schemas.openxmlformats.org/presentationml/2006/main">
   <p:cSld>
     <p:spTree>
@@ -6979,183 +9962,312 @@
           <a:lstStyle/>
           <a:p>
             <a:r>
-              <a:rPr lang="en-US" altLang="ko-KR" dirty="0" err="1"/>
+              <a:rPr lang="en-US" altLang="ko-KR" dirty="0" err="1">
+                <a:latin typeface="다음_Regular" panose="02000603060000000000" pitchFamily="2" charset="-127"/>
+                <a:ea typeface="다음_Regular" panose="02000603060000000000" pitchFamily="2" charset="-127"/>
+              </a:rPr>
               <a:t>git</a:t>
             </a:r>
             <a:r>
-              <a:rPr lang="en-US" altLang="ko-KR" dirty="0"/>
+              <a:rPr lang="en-US" altLang="ko-KR" dirty="0">
+                <a:latin typeface="다음_Regular" panose="02000603060000000000" pitchFamily="2" charset="-127"/>
+                <a:ea typeface="다음_Regular" panose="02000603060000000000" pitchFamily="2" charset="-127"/>
+              </a:rPr>
               <a:t> remote add </a:t>
             </a:r>
             <a:r>
-              <a:rPr lang="en-US" altLang="ko-KR" dirty="0" smtClean="0"/>
+              <a:rPr lang="en-US" altLang="ko-KR" dirty="0" smtClean="0">
+                <a:latin typeface="다음_Regular" panose="02000603060000000000" pitchFamily="2" charset="-127"/>
+                <a:ea typeface="다음_Regular" panose="02000603060000000000" pitchFamily="2" charset="-127"/>
+              </a:rPr>
               <a:t>upstream URL</a:t>
             </a:r>
           </a:p>
           <a:p>
             <a:r>
-              <a:rPr lang="en-US" altLang="ko-KR" dirty="0" err="1" smtClean="0"/>
+              <a:rPr lang="en-US" altLang="ko-KR" dirty="0" err="1" smtClean="0">
+                <a:latin typeface="다음_Regular" panose="02000603060000000000" pitchFamily="2" charset="-127"/>
+                <a:ea typeface="다음_Regular" panose="02000603060000000000" pitchFamily="2" charset="-127"/>
+              </a:rPr>
               <a:t>Git</a:t>
             </a:r>
             <a:r>
-              <a:rPr lang="en-US" altLang="ko-KR" dirty="0" smtClean="0"/>
+              <a:rPr lang="en-US" altLang="ko-KR" dirty="0" smtClean="0">
+                <a:latin typeface="다음_Regular" panose="02000603060000000000" pitchFamily="2" charset="-127"/>
+                <a:ea typeface="다음_Regular" panose="02000603060000000000" pitchFamily="2" charset="-127"/>
+              </a:rPr>
               <a:t> </a:t>
             </a:r>
             <a:r>
-              <a:rPr lang="en-US" altLang="ko-KR" dirty="0"/>
+              <a:rPr lang="en-US" altLang="ko-KR" dirty="0">
+                <a:latin typeface="다음_Regular" panose="02000603060000000000" pitchFamily="2" charset="-127"/>
+                <a:ea typeface="다음_Regular" panose="02000603060000000000" pitchFamily="2" charset="-127"/>
+              </a:rPr>
               <a:t>fetch </a:t>
             </a:r>
             <a:r>
-              <a:rPr lang="en-US" altLang="ko-KR" dirty="0" smtClean="0"/>
+              <a:rPr lang="en-US" altLang="ko-KR" dirty="0" smtClean="0">
+                <a:latin typeface="다음_Regular" panose="02000603060000000000" pitchFamily="2" charset="-127"/>
+                <a:ea typeface="다음_Regular" panose="02000603060000000000" pitchFamily="2" charset="-127"/>
+              </a:rPr>
               <a:t>upstream</a:t>
             </a:r>
           </a:p>
           <a:p>
             <a:r>
-              <a:rPr lang="en-US" altLang="ko-KR" dirty="0" err="1" smtClean="0"/>
+              <a:rPr lang="en-US" altLang="ko-KR" dirty="0" err="1" smtClean="0">
+                <a:latin typeface="다음_Regular" panose="02000603060000000000" pitchFamily="2" charset="-127"/>
+                <a:ea typeface="다음_Regular" panose="02000603060000000000" pitchFamily="2" charset="-127"/>
+              </a:rPr>
               <a:t>Git</a:t>
             </a:r>
             <a:r>
-              <a:rPr lang="en-US" altLang="ko-KR" dirty="0" smtClean="0"/>
+              <a:rPr lang="en-US" altLang="ko-KR" dirty="0" smtClean="0">
+                <a:latin typeface="다음_Regular" panose="02000603060000000000" pitchFamily="2" charset="-127"/>
+                <a:ea typeface="다음_Regular" panose="02000603060000000000" pitchFamily="2" charset="-127"/>
+              </a:rPr>
               <a:t> </a:t>
             </a:r>
             <a:r>
-              <a:rPr lang="en-US" altLang="ko-KR" dirty="0"/>
+              <a:rPr lang="en-US" altLang="ko-KR" dirty="0">
+                <a:latin typeface="다음_Regular" panose="02000603060000000000" pitchFamily="2" charset="-127"/>
+                <a:ea typeface="다음_Regular" panose="02000603060000000000" pitchFamily="2" charset="-127"/>
+              </a:rPr>
               <a:t>checkout </a:t>
             </a:r>
             <a:r>
-              <a:rPr lang="en-US" altLang="ko-KR" dirty="0" smtClean="0"/>
+              <a:rPr lang="en-US" altLang="ko-KR" dirty="0" smtClean="0">
+                <a:latin typeface="다음_Regular" panose="02000603060000000000" pitchFamily="2" charset="-127"/>
+                <a:ea typeface="다음_Regular" panose="02000603060000000000" pitchFamily="2" charset="-127"/>
+              </a:rPr>
               <a:t>master</a:t>
             </a:r>
           </a:p>
           <a:p>
             <a:r>
-              <a:rPr lang="en-US" altLang="ko-KR" dirty="0" err="1" smtClean="0"/>
+              <a:rPr lang="en-US" altLang="ko-KR" dirty="0" err="1" smtClean="0">
+                <a:latin typeface="다음_Regular" panose="02000603060000000000" pitchFamily="2" charset="-127"/>
+                <a:ea typeface="다음_Regular" panose="02000603060000000000" pitchFamily="2" charset="-127"/>
+              </a:rPr>
               <a:t>Git</a:t>
             </a:r>
             <a:r>
-              <a:rPr lang="en-US" altLang="ko-KR" dirty="0" smtClean="0"/>
+              <a:rPr lang="en-US" altLang="ko-KR" dirty="0" smtClean="0">
+                <a:latin typeface="다음_Regular" panose="02000603060000000000" pitchFamily="2" charset="-127"/>
+                <a:ea typeface="다음_Regular" panose="02000603060000000000" pitchFamily="2" charset="-127"/>
+              </a:rPr>
               <a:t> </a:t>
             </a:r>
             <a:r>
-              <a:rPr lang="en-US" altLang="ko-KR" dirty="0"/>
+              <a:rPr lang="en-US" altLang="ko-KR" dirty="0">
+                <a:latin typeface="다음_Regular" panose="02000603060000000000" pitchFamily="2" charset="-127"/>
+                <a:ea typeface="다음_Regular" panose="02000603060000000000" pitchFamily="2" charset="-127"/>
+              </a:rPr>
               <a:t>merge upstream/master</a:t>
             </a:r>
           </a:p>
           <a:p>
             <a:r>
-              <a:rPr lang="en-US" altLang="ko-KR" dirty="0" err="1" smtClean="0"/>
+              <a:rPr lang="en-US" altLang="ko-KR" dirty="0" err="1" smtClean="0">
+                <a:latin typeface="다음_Regular" panose="02000603060000000000" pitchFamily="2" charset="-127"/>
+                <a:ea typeface="다음_Regular" panose="02000603060000000000" pitchFamily="2" charset="-127"/>
+              </a:rPr>
               <a:t>Git</a:t>
             </a:r>
             <a:r>
-              <a:rPr lang="en-US" altLang="ko-KR" dirty="0" smtClean="0"/>
+              <a:rPr lang="en-US" altLang="ko-KR" dirty="0" smtClean="0">
+                <a:latin typeface="다음_Regular" panose="02000603060000000000" pitchFamily="2" charset="-127"/>
+                <a:ea typeface="다음_Regular" panose="02000603060000000000" pitchFamily="2" charset="-127"/>
+              </a:rPr>
               <a:t> </a:t>
             </a:r>
             <a:r>
-              <a:rPr lang="en-US" altLang="ko-KR" dirty="0"/>
+              <a:rPr lang="en-US" altLang="ko-KR" dirty="0">
+                <a:latin typeface="다음_Regular" panose="02000603060000000000" pitchFamily="2" charset="-127"/>
+                <a:ea typeface="다음_Regular" panose="02000603060000000000" pitchFamily="2" charset="-127"/>
+              </a:rPr>
               <a:t>pull origin master </a:t>
             </a:r>
-            <a:endParaRPr lang="en-US" altLang="ko-KR" dirty="0" smtClean="0"/>
-          </a:p>
-          <a:p>
-            <a:r>
-              <a:rPr lang="en-US" altLang="ko-KR" dirty="0" err="1" smtClean="0"/>
+            <a:endParaRPr lang="en-US" altLang="ko-KR" dirty="0" smtClean="0">
+              <a:latin typeface="다음_Regular" panose="02000603060000000000" pitchFamily="2" charset="-127"/>
+              <a:ea typeface="다음_Regular" panose="02000603060000000000" pitchFamily="2" charset="-127"/>
+            </a:endParaRPr>
+          </a:p>
+          <a:p>
+            <a:r>
+              <a:rPr lang="en-US" altLang="ko-KR" dirty="0" err="1" smtClean="0">
+                <a:latin typeface="다음_Regular" panose="02000603060000000000" pitchFamily="2" charset="-127"/>
+                <a:ea typeface="다음_Regular" panose="02000603060000000000" pitchFamily="2" charset="-127"/>
+              </a:rPr>
               <a:t>Git</a:t>
             </a:r>
             <a:r>
-              <a:rPr lang="en-US" altLang="ko-KR" dirty="0" smtClean="0"/>
+              <a:rPr lang="en-US" altLang="ko-KR" dirty="0" smtClean="0">
+                <a:latin typeface="다음_Regular" panose="02000603060000000000" pitchFamily="2" charset="-127"/>
+                <a:ea typeface="다음_Regular" panose="02000603060000000000" pitchFamily="2" charset="-127"/>
+              </a:rPr>
               <a:t> </a:t>
             </a:r>
             <a:r>
-              <a:rPr lang="en-US" altLang="ko-KR" dirty="0" err="1" smtClean="0"/>
+              <a:rPr lang="en-US" altLang="ko-KR" dirty="0" err="1" smtClean="0">
+                <a:latin typeface="다음_Regular" panose="02000603060000000000" pitchFamily="2" charset="-127"/>
+                <a:ea typeface="다음_Regular" panose="02000603060000000000" pitchFamily="2" charset="-127"/>
+              </a:rPr>
               <a:t>init</a:t>
             </a:r>
-            <a:endParaRPr lang="en-US" altLang="ko-KR" dirty="0" smtClean="0"/>
-          </a:p>
-          <a:p>
-            <a:r>
-              <a:rPr lang="en-US" altLang="ko-KR" dirty="0" err="1" smtClean="0"/>
+            <a:endParaRPr lang="en-US" altLang="ko-KR" dirty="0" smtClean="0">
+              <a:latin typeface="다음_Regular" panose="02000603060000000000" pitchFamily="2" charset="-127"/>
+              <a:ea typeface="다음_Regular" panose="02000603060000000000" pitchFamily="2" charset="-127"/>
+            </a:endParaRPr>
+          </a:p>
+          <a:p>
+            <a:r>
+              <a:rPr lang="en-US" altLang="ko-KR" dirty="0" err="1" smtClean="0">
+                <a:latin typeface="다음_Regular" panose="02000603060000000000" pitchFamily="2" charset="-127"/>
+                <a:ea typeface="다음_Regular" panose="02000603060000000000" pitchFamily="2" charset="-127"/>
+              </a:rPr>
               <a:t>Git</a:t>
             </a:r>
             <a:r>
-              <a:rPr lang="en-US" altLang="ko-KR" dirty="0" smtClean="0"/>
+              <a:rPr lang="en-US" altLang="ko-KR" dirty="0" smtClean="0">
+                <a:latin typeface="다음_Regular" panose="02000603060000000000" pitchFamily="2" charset="-127"/>
+                <a:ea typeface="다음_Regular" panose="02000603060000000000" pitchFamily="2" charset="-127"/>
+              </a:rPr>
               <a:t> </a:t>
             </a:r>
             <a:r>
-              <a:rPr lang="en-US" altLang="ko-KR" dirty="0"/>
+              <a:rPr lang="en-US" altLang="ko-KR" dirty="0">
+                <a:latin typeface="다음_Regular" panose="02000603060000000000" pitchFamily="2" charset="-127"/>
+                <a:ea typeface="다음_Regular" panose="02000603060000000000" pitchFamily="2" charset="-127"/>
+              </a:rPr>
               <a:t>add </a:t>
             </a:r>
             <a:r>
-              <a:rPr lang="ko-KR" altLang="en-US" dirty="0"/>
+              <a:rPr lang="ko-KR" altLang="en-US" dirty="0">
+                <a:latin typeface="다음_Regular" panose="02000603060000000000" pitchFamily="2" charset="-127"/>
+                <a:ea typeface="다음_Regular" panose="02000603060000000000" pitchFamily="2" charset="-127"/>
+              </a:rPr>
               <a:t>파일명</a:t>
             </a:r>
             <a:r>
-              <a:rPr lang="en-US" altLang="ko-KR" dirty="0"/>
+              <a:rPr lang="en-US" altLang="ko-KR" dirty="0">
+                <a:latin typeface="다음_Regular" panose="02000603060000000000" pitchFamily="2" charset="-127"/>
+                <a:ea typeface="다음_Regular" panose="02000603060000000000" pitchFamily="2" charset="-127"/>
+              </a:rPr>
               <a:t>.</a:t>
             </a:r>
             <a:r>
-              <a:rPr lang="ko-KR" altLang="en-US" dirty="0" err="1" smtClean="0"/>
+              <a:rPr lang="ko-KR" altLang="en-US" dirty="0" err="1" smtClean="0">
+                <a:latin typeface="다음_Regular" panose="02000603060000000000" pitchFamily="2" charset="-127"/>
+                <a:ea typeface="다음_Regular" panose="02000603060000000000" pitchFamily="2" charset="-127"/>
+              </a:rPr>
               <a:t>확장자</a:t>
             </a:r>
             <a:r>
-              <a:rPr lang="ko-KR" altLang="en-US" dirty="0" smtClean="0"/>
+              <a:rPr lang="ko-KR" altLang="en-US" dirty="0" smtClean="0">
+                <a:latin typeface="다음_Regular" panose="02000603060000000000" pitchFamily="2" charset="-127"/>
+                <a:ea typeface="다음_Regular" panose="02000603060000000000" pitchFamily="2" charset="-127"/>
+              </a:rPr>
               <a:t> </a:t>
             </a:r>
-            <a:endParaRPr lang="en-US" altLang="ko-KR" dirty="0" smtClean="0"/>
-          </a:p>
-          <a:p>
-            <a:r>
-              <a:rPr lang="en-US" altLang="ko-KR" dirty="0" err="1" smtClean="0"/>
+            <a:endParaRPr lang="en-US" altLang="ko-KR" dirty="0" smtClean="0">
+              <a:latin typeface="다음_Regular" panose="02000603060000000000" pitchFamily="2" charset="-127"/>
+              <a:ea typeface="다음_Regular" panose="02000603060000000000" pitchFamily="2" charset="-127"/>
+            </a:endParaRPr>
+          </a:p>
+          <a:p>
+            <a:r>
+              <a:rPr lang="en-US" altLang="ko-KR" dirty="0" err="1" smtClean="0">
+                <a:latin typeface="다음_Regular" panose="02000603060000000000" pitchFamily="2" charset="-127"/>
+                <a:ea typeface="다음_Regular" panose="02000603060000000000" pitchFamily="2" charset="-127"/>
+              </a:rPr>
               <a:t>Git</a:t>
             </a:r>
             <a:r>
-              <a:rPr lang="en-US" altLang="ko-KR" dirty="0" smtClean="0"/>
+              <a:rPr lang="en-US" altLang="ko-KR" dirty="0" smtClean="0">
+                <a:latin typeface="다음_Regular" panose="02000603060000000000" pitchFamily="2" charset="-127"/>
+                <a:ea typeface="다음_Regular" panose="02000603060000000000" pitchFamily="2" charset="-127"/>
+              </a:rPr>
               <a:t> </a:t>
             </a:r>
             <a:r>
-              <a:rPr lang="en-US" altLang="ko-KR" dirty="0"/>
+              <a:rPr lang="en-US" altLang="ko-KR" dirty="0">
+                <a:latin typeface="다음_Regular" panose="02000603060000000000" pitchFamily="2" charset="-127"/>
+                <a:ea typeface="다음_Regular" panose="02000603060000000000" pitchFamily="2" charset="-127"/>
+              </a:rPr>
               <a:t>commit -m “my new </a:t>
             </a:r>
             <a:r>
-              <a:rPr lang="en-US" altLang="ko-KR" dirty="0" smtClean="0"/>
+              <a:rPr lang="en-US" altLang="ko-KR" dirty="0" smtClean="0">
+                <a:latin typeface="다음_Regular" panose="02000603060000000000" pitchFamily="2" charset="-127"/>
+                <a:ea typeface="다음_Regular" panose="02000603060000000000" pitchFamily="2" charset="-127"/>
+              </a:rPr>
               <a:t>repo”</a:t>
             </a:r>
           </a:p>
           <a:p>
             <a:r>
-              <a:rPr lang="en-US" altLang="ko-KR" dirty="0" err="1" smtClean="0"/>
+              <a:rPr lang="en-US" altLang="ko-KR" dirty="0" err="1" smtClean="0">
+                <a:latin typeface="다음_Regular" panose="02000603060000000000" pitchFamily="2" charset="-127"/>
+                <a:ea typeface="다음_Regular" panose="02000603060000000000" pitchFamily="2" charset="-127"/>
+              </a:rPr>
               <a:t>Git</a:t>
             </a:r>
             <a:r>
-              <a:rPr lang="en-US" altLang="ko-KR" dirty="0" smtClean="0"/>
+              <a:rPr lang="en-US" altLang="ko-KR" dirty="0" smtClean="0">
+                <a:latin typeface="다음_Regular" panose="02000603060000000000" pitchFamily="2" charset="-127"/>
+                <a:ea typeface="다음_Regular" panose="02000603060000000000" pitchFamily="2" charset="-127"/>
+              </a:rPr>
               <a:t> </a:t>
             </a:r>
             <a:r>
-              <a:rPr lang="en-US" altLang="ko-KR" dirty="0"/>
+              <a:rPr lang="en-US" altLang="ko-KR" dirty="0">
+                <a:latin typeface="다음_Regular" panose="02000603060000000000" pitchFamily="2" charset="-127"/>
+                <a:ea typeface="다음_Regular" panose="02000603060000000000" pitchFamily="2" charset="-127"/>
+              </a:rPr>
               <a:t>push origin </a:t>
             </a:r>
             <a:r>
-              <a:rPr lang="en-US" altLang="ko-KR" dirty="0" smtClean="0"/>
+              <a:rPr lang="en-US" altLang="ko-KR" dirty="0" smtClean="0">
+                <a:latin typeface="다음_Regular" panose="02000603060000000000" pitchFamily="2" charset="-127"/>
+                <a:ea typeface="다음_Regular" panose="02000603060000000000" pitchFamily="2" charset="-127"/>
+              </a:rPr>
               <a:t>master</a:t>
             </a:r>
           </a:p>
           <a:p>
             <a:r>
-              <a:rPr lang="en-US" altLang="ko-KR" dirty="0" err="1" smtClean="0"/>
+              <a:rPr lang="en-US" altLang="ko-KR" dirty="0" err="1" smtClean="0">
+                <a:latin typeface="다음_Regular" panose="02000603060000000000" pitchFamily="2" charset="-127"/>
+                <a:ea typeface="다음_Regular" panose="02000603060000000000" pitchFamily="2" charset="-127"/>
+              </a:rPr>
               <a:t>Git</a:t>
             </a:r>
             <a:r>
-              <a:rPr lang="en-US" altLang="ko-KR" dirty="0" smtClean="0"/>
+              <a:rPr lang="en-US" altLang="ko-KR" dirty="0" smtClean="0">
+                <a:latin typeface="다음_Regular" panose="02000603060000000000" pitchFamily="2" charset="-127"/>
+                <a:ea typeface="다음_Regular" panose="02000603060000000000" pitchFamily="2" charset="-127"/>
+              </a:rPr>
               <a:t> </a:t>
             </a:r>
             <a:r>
-              <a:rPr lang="en-US" altLang="ko-KR" dirty="0"/>
+              <a:rPr lang="en-US" altLang="ko-KR" dirty="0">
+                <a:latin typeface="다음_Regular" panose="02000603060000000000" pitchFamily="2" charset="-127"/>
+                <a:ea typeface="다음_Regular" panose="02000603060000000000" pitchFamily="2" charset="-127"/>
+              </a:rPr>
               <a:t>pull origin </a:t>
             </a:r>
             <a:r>
-              <a:rPr lang="en-US" altLang="ko-KR" dirty="0" smtClean="0"/>
+              <a:rPr lang="en-US" altLang="ko-KR" dirty="0" smtClean="0">
+                <a:latin typeface="다음_Regular" panose="02000603060000000000" pitchFamily="2" charset="-127"/>
+                <a:ea typeface="다음_Regular" panose="02000603060000000000" pitchFamily="2" charset="-127"/>
+              </a:rPr>
               <a:t>master</a:t>
             </a:r>
-            <a:endParaRPr lang="ko-KR" altLang="en-US" dirty="0"/>
+            <a:endParaRPr lang="ko-KR" altLang="en-US" dirty="0">
+              <a:latin typeface="다음_Regular" panose="02000603060000000000" pitchFamily="2" charset="-127"/>
+              <a:ea typeface="다음_Regular" panose="02000603060000000000" pitchFamily="2" charset="-127"/>
+            </a:endParaRPr>
           </a:p>
         </p:txBody>
       </p:sp>
@@ -7390,49 +10502,100 @@
           <a:lstStyle/>
           <a:p>
             <a:r>
-              <a:rPr lang="en-US" altLang="ko-KR" dirty="0" err="1" smtClean="0"/>
+              <a:rPr lang="en-US" altLang="ko-KR" dirty="0" err="1" smtClean="0">
+                <a:latin typeface="다음_SemiBold" panose="02000700060000000000" pitchFamily="2" charset="-127"/>
+                <a:ea typeface="다음_SemiBold" panose="02000700060000000000" pitchFamily="2" charset="-127"/>
+              </a:rPr>
               <a:t>Git</a:t>
             </a:r>
             <a:r>
-              <a:rPr lang="en-US" altLang="ko-KR" dirty="0" smtClean="0"/>
+              <a:rPr lang="en-US" altLang="ko-KR" dirty="0" smtClean="0">
+                <a:latin typeface="다음_SemiBold" panose="02000700060000000000" pitchFamily="2" charset="-127"/>
+                <a:ea typeface="다음_SemiBold" panose="02000700060000000000" pitchFamily="2" charset="-127"/>
+              </a:rPr>
               <a:t> pull origin master</a:t>
             </a:r>
           </a:p>
           <a:p>
-            <a:r>
-              <a:rPr lang="en-US" altLang="ko-KR" dirty="0" err="1" smtClean="0"/>
+            <a:endParaRPr lang="en-US" altLang="ko-KR" sz="1500" dirty="0" smtClean="0">
+              <a:latin typeface="다음_SemiBold" panose="02000700060000000000" pitchFamily="2" charset="-127"/>
+              <a:ea typeface="다음_SemiBold" panose="02000700060000000000" pitchFamily="2" charset="-127"/>
+            </a:endParaRPr>
+          </a:p>
+          <a:p>
+            <a:r>
+              <a:rPr lang="en-US" altLang="ko-KR" dirty="0" err="1" smtClean="0">
+                <a:latin typeface="다음_SemiBold" panose="02000700060000000000" pitchFamily="2" charset="-127"/>
+                <a:ea typeface="다음_SemiBold" panose="02000700060000000000" pitchFamily="2" charset="-127"/>
+              </a:rPr>
               <a:t>Git</a:t>
             </a:r>
             <a:r>
-              <a:rPr lang="en-US" altLang="ko-KR" dirty="0" smtClean="0"/>
+              <a:rPr lang="en-US" altLang="ko-KR" dirty="0" smtClean="0">
+                <a:latin typeface="다음_SemiBold" panose="02000700060000000000" pitchFamily="2" charset="-127"/>
+                <a:ea typeface="다음_SemiBold" panose="02000700060000000000" pitchFamily="2" charset="-127"/>
+              </a:rPr>
               <a:t> add </a:t>
             </a:r>
             <a:r>
-              <a:rPr lang="ko-KR" altLang="en-US" dirty="0" smtClean="0"/>
+              <a:rPr lang="ko-KR" altLang="en-US" dirty="0" smtClean="0">
+                <a:latin typeface="다음_SemiBold" panose="02000700060000000000" pitchFamily="2" charset="-127"/>
+                <a:ea typeface="다음_SemiBold" panose="02000700060000000000" pitchFamily="2" charset="-127"/>
+              </a:rPr>
               <a:t>파일명</a:t>
             </a:r>
-            <a:endParaRPr lang="en-US" altLang="ko-KR" dirty="0" smtClean="0"/>
-          </a:p>
-          <a:p>
-            <a:r>
-              <a:rPr lang="en-US" altLang="ko-KR" dirty="0" err="1" smtClean="0"/>
+            <a:endParaRPr lang="en-US" altLang="ko-KR" dirty="0" smtClean="0">
+              <a:latin typeface="다음_SemiBold" panose="02000700060000000000" pitchFamily="2" charset="-127"/>
+              <a:ea typeface="다음_SemiBold" panose="02000700060000000000" pitchFamily="2" charset="-127"/>
+            </a:endParaRPr>
+          </a:p>
+          <a:p>
+            <a:endParaRPr lang="en-US" altLang="ko-KR" sz="1500" dirty="0" smtClean="0">
+              <a:latin typeface="다음_SemiBold" panose="02000700060000000000" pitchFamily="2" charset="-127"/>
+              <a:ea typeface="다음_SemiBold" panose="02000700060000000000" pitchFamily="2" charset="-127"/>
+            </a:endParaRPr>
+          </a:p>
+          <a:p>
+            <a:r>
+              <a:rPr lang="en-US" altLang="ko-KR" dirty="0" err="1" smtClean="0">
+                <a:latin typeface="다음_SemiBold" panose="02000700060000000000" pitchFamily="2" charset="-127"/>
+                <a:ea typeface="다음_SemiBold" panose="02000700060000000000" pitchFamily="2" charset="-127"/>
+              </a:rPr>
               <a:t>Git</a:t>
             </a:r>
             <a:r>
-              <a:rPr lang="en-US" altLang="ko-KR" dirty="0" smtClean="0"/>
+              <a:rPr lang="en-US" altLang="ko-KR" dirty="0" smtClean="0">
+                <a:latin typeface="다음_SemiBold" panose="02000700060000000000" pitchFamily="2" charset="-127"/>
+                <a:ea typeface="다음_SemiBold" panose="02000700060000000000" pitchFamily="2" charset="-127"/>
+              </a:rPr>
               <a:t> commit</a:t>
             </a:r>
           </a:p>
           <a:p>
-            <a:r>
-              <a:rPr lang="en-US" altLang="ko-KR" dirty="0" err="1" smtClean="0"/>
+            <a:endParaRPr lang="en-US" altLang="ko-KR" sz="1500" dirty="0" smtClean="0">
+              <a:latin typeface="다음_SemiBold" panose="02000700060000000000" pitchFamily="2" charset="-127"/>
+              <a:ea typeface="다음_SemiBold" panose="02000700060000000000" pitchFamily="2" charset="-127"/>
+            </a:endParaRPr>
+          </a:p>
+          <a:p>
+            <a:r>
+              <a:rPr lang="en-US" altLang="ko-KR" dirty="0" err="1" smtClean="0">
+                <a:latin typeface="다음_SemiBold" panose="02000700060000000000" pitchFamily="2" charset="-127"/>
+                <a:ea typeface="다음_SemiBold" panose="02000700060000000000" pitchFamily="2" charset="-127"/>
+              </a:rPr>
               <a:t>Git</a:t>
             </a:r>
             <a:r>
-              <a:rPr lang="en-US" altLang="ko-KR" dirty="0" smtClean="0"/>
+              <a:rPr lang="en-US" altLang="ko-KR" dirty="0" smtClean="0">
+                <a:latin typeface="다음_SemiBold" panose="02000700060000000000" pitchFamily="2" charset="-127"/>
+                <a:ea typeface="다음_SemiBold" panose="02000700060000000000" pitchFamily="2" charset="-127"/>
+              </a:rPr>
               <a:t> push origin master</a:t>
             </a:r>
-            <a:endParaRPr lang="ko-KR" altLang="en-US" dirty="0"/>
+            <a:endParaRPr lang="ko-KR" altLang="en-US" dirty="0">
+              <a:latin typeface="다음_SemiBold" panose="02000700060000000000" pitchFamily="2" charset="-127"/>
+              <a:ea typeface="다음_SemiBold" panose="02000700060000000000" pitchFamily="2" charset="-127"/>
+            </a:endParaRPr>
           </a:p>
         </p:txBody>
       </p:sp>
@@ -7653,51 +10816,55 @@
       </p:grpSpPr>
       <p:sp>
         <p:nvSpPr>
-          <p:cNvPr id="5" name="내용 개체 틀 4"/>
-          <p:cNvSpPr>
-            <a:spLocks noGrp="1"/>
-          </p:cNvSpPr>
-          <p:nvPr>
-            <p:ph sz="half" idx="1"/>
-          </p:nvPr>
-        </p:nvSpPr>
-        <p:spPr/>
-        <p:txBody>
-          <a:bodyPr/>
-          <a:lstStyle/>
-          <a:p>
-            <a:endParaRPr lang="en-US" altLang="ko-KR" dirty="0" smtClean="0"/>
-          </a:p>
-          <a:p>
-            <a:endParaRPr lang="en-US" altLang="ko-KR" dirty="0"/>
-          </a:p>
-          <a:p>
-            <a:endParaRPr lang="ko-KR" altLang="en-US" dirty="0"/>
-          </a:p>
-        </p:txBody>
-      </p:sp>
-      <p:sp>
-        <p:nvSpPr>
-          <p:cNvPr id="6" name="내용 개체 틀 5"/>
-          <p:cNvSpPr>
-            <a:spLocks noGrp="1"/>
-          </p:cNvSpPr>
-          <p:nvPr>
-            <p:ph sz="half" idx="2"/>
-          </p:nvPr>
-        </p:nvSpPr>
-        <p:spPr/>
-        <p:txBody>
-          <a:bodyPr/>
-          <a:lstStyle/>
-          <a:p>
+          <p:cNvPr id="11" name="타원 10"/>
+          <p:cNvSpPr/>
+          <p:nvPr/>
+        </p:nvSpPr>
+        <p:spPr>
+          <a:xfrm>
+            <a:off x="1019063" y="2132856"/>
+            <a:ext cx="1293622" cy="1293622"/>
+          </a:xfrm>
+          <a:prstGeom prst="ellipse">
+            <a:avLst/>
+          </a:prstGeom>
+          <a:solidFill>
+            <a:srgbClr val="4C93C7">
+              <a:alpha val="23000"/>
+            </a:srgbClr>
+          </a:solidFill>
+          <a:ln>
+            <a:noFill/>
+          </a:ln>
+        </p:spPr>
+        <p:style>
+          <a:lnRef idx="2">
+            <a:schemeClr val="accent1">
+              <a:shade val="50000"/>
+            </a:schemeClr>
+          </a:lnRef>
+          <a:fillRef idx="1">
+            <a:schemeClr val="accent1"/>
+          </a:fillRef>
+          <a:effectRef idx="0">
+            <a:schemeClr val="accent1"/>
+          </a:effectRef>
+          <a:fontRef idx="minor">
+            <a:schemeClr val="lt1"/>
+          </a:fontRef>
+        </p:style>
+        <p:txBody>
+          <a:bodyPr rtlCol="0" anchor="ctr"/>
+          <a:lstStyle/>
+          <a:p>
+            <a:pPr algn="ctr"/>
             <a:endParaRPr lang="ko-KR" altLang="en-US"/>
           </a:p>
         </p:txBody>
       </p:sp>
       <p:sp>
         <p:nvSpPr>
-          <p:cNvPr id="7" name="TextBox 25"/>
+          <p:cNvPr id="5" name="TextBox 25"/>
           <p:cNvSpPr txBox="1">
             <a:spLocks noChangeArrowheads="1"/>
           </p:cNvSpPr>
@@ -7706,7 +10873,7 @@
         <p:spPr bwMode="auto">
           <a:xfrm>
             <a:off x="323528" y="603121"/>
-            <a:ext cx="5184576" cy="523220"/>
+            <a:ext cx="5112568" cy="523220"/>
           </a:xfrm>
           <a:prstGeom prst="rect">
             <a:avLst/>
@@ -7727,7 +10894,7 @@
           <a:p>
             <a:pPr lvl="0"/>
             <a:r>
-              <a:rPr lang="en-US" altLang="ko-KR" sz="2800" dirty="0" smtClean="0">
+              <a:rPr lang="ko-KR" altLang="en-US" sz="2800" dirty="0" smtClean="0">
                 <a:solidFill>
                   <a:prstClr val="black">
                     <a:lumMod val="65000"/>
@@ -7737,7 +10904,20 @@
                 <a:latin typeface="다음_SemiBold" pitchFamily="2" charset="-127"/>
                 <a:ea typeface="다음_SemiBold" pitchFamily="2" charset="-127"/>
               </a:rPr>
-              <a:t>Markdown(-.md)</a:t>
+              <a:t>소책자 소개</a:t>
+            </a:r>
+            <a:r>
+              <a:rPr lang="en-US" altLang="ko-KR" sz="2800" dirty="0" smtClean="0">
+                <a:solidFill>
+                  <a:prstClr val="black">
+                    <a:lumMod val="65000"/>
+                    <a:lumOff val="35000"/>
+                  </a:prstClr>
+                </a:solidFill>
+                <a:latin typeface="다음_SemiBold" pitchFamily="2" charset="-127"/>
+                <a:ea typeface="다음_SemiBold" pitchFamily="2" charset="-127"/>
+              </a:rPr>
+              <a:t> </a:t>
             </a:r>
             <a:endParaRPr lang="en-US" altLang="ko-KR" sz="2800" dirty="0" smtClean="0">
               <a:solidFill>
@@ -7754,7 +10934,7 @@
       </p:sp>
       <p:sp>
         <p:nvSpPr>
-          <p:cNvPr id="8" name="TextBox 25"/>
+          <p:cNvPr id="9" name="TextBox 25"/>
           <p:cNvSpPr txBox="1">
             <a:spLocks noChangeArrowheads="1"/>
           </p:cNvSpPr>
@@ -7762,8 +10942,8 @@
         </p:nvSpPr>
         <p:spPr bwMode="auto">
           <a:xfrm>
-            <a:off x="323528" y="1195735"/>
-            <a:ext cx="5184576" cy="338554"/>
+            <a:off x="362134" y="1118900"/>
+            <a:ext cx="5112568" cy="307777"/>
           </a:xfrm>
           <a:prstGeom prst="rect">
             <a:avLst/>
@@ -7784,7 +10964,7 @@
           <a:p>
             <a:pPr lvl="0"/>
             <a:r>
-              <a:rPr lang="ko-KR" altLang="en-US" sz="1600" dirty="0" smtClean="0">
+              <a:rPr lang="ko-KR" altLang="en-US" sz="1400" dirty="0" smtClean="0">
                 <a:solidFill>
                   <a:prstClr val="black">
                     <a:lumMod val="65000"/>
@@ -7794,9 +10974,9 @@
                 <a:latin typeface="나눔바른고딕" pitchFamily="50" charset="-127"/>
                 <a:ea typeface="나눔바른고딕" pitchFamily="50" charset="-127"/>
               </a:rPr>
-              <a:t> </a:t>
-            </a:r>
-            <a:endParaRPr lang="en-US" altLang="ko-KR" sz="1600" dirty="0" smtClean="0">
+              <a:t>목차</a:t>
+            </a:r>
+            <a:endParaRPr lang="en-US" altLang="ko-KR" sz="1400" dirty="0" smtClean="0">
               <a:solidFill>
                 <a:prstClr val="black">
                   <a:lumMod val="65000"/>
@@ -7811,7 +10991,7 @@
       </p:sp>
       <p:cxnSp>
         <p:nvCxnSpPr>
-          <p:cNvPr id="9" name="직선 연결선 8"/>
+          <p:cNvPr id="10" name="직선 연결선 9"/>
           <p:cNvCxnSpPr/>
           <p:nvPr/>
         </p:nvCxnSpPr>
@@ -7847,10 +11027,1247 @@
           </a:fontRef>
         </p:style>
       </p:cxnSp>
+      <p:sp>
+        <p:nvSpPr>
+          <p:cNvPr id="37" name="TextBox 25"/>
+          <p:cNvSpPr txBox="1">
+            <a:spLocks noChangeArrowheads="1"/>
+          </p:cNvSpPr>
+          <p:nvPr/>
+        </p:nvSpPr>
+        <p:spPr bwMode="auto">
+          <a:xfrm>
+            <a:off x="1250752" y="2671407"/>
+            <a:ext cx="3783131" cy="400110"/>
+          </a:xfrm>
+          <a:prstGeom prst="rect">
+            <a:avLst/>
+          </a:prstGeom>
+          <a:noFill/>
+          <a:ln w="9525">
+            <a:noFill/>
+            <a:miter lim="800000"/>
+            <a:headEnd/>
+            <a:tailEnd/>
+          </a:ln>
+        </p:spPr>
+        <p:txBody>
+          <a:bodyPr wrap="square">
+            <a:spAutoFit/>
+          </a:bodyPr>
+          <a:lstStyle/>
+          <a:p>
+            <a:pPr lvl="0"/>
+            <a:r>
+              <a:rPr lang="en-US" altLang="ko-KR" sz="2000" b="1" dirty="0" smtClean="0">
+                <a:solidFill>
+                  <a:srgbClr val="4C93C7"/>
+                </a:solidFill>
+                <a:latin typeface="다음_Regular" panose="02000603060000000000" pitchFamily="2" charset="-127"/>
+                <a:ea typeface="다음_Regular" panose="02000603060000000000" pitchFamily="2" charset="-127"/>
+              </a:rPr>
+              <a:t>1. </a:t>
+            </a:r>
+            <a:r>
+              <a:rPr lang="ko-KR" altLang="en-US" sz="2000" b="1" dirty="0" smtClean="0">
+                <a:solidFill>
+                  <a:srgbClr val="4C93C7"/>
+                </a:solidFill>
+                <a:latin typeface="다음_Regular" panose="02000603060000000000" pitchFamily="2" charset="-127"/>
+                <a:ea typeface="다음_Regular" panose="02000603060000000000" pitchFamily="2" charset="-127"/>
+              </a:rPr>
+              <a:t>정의</a:t>
+            </a:r>
+            <a:endParaRPr lang="en-US" altLang="ko-KR" sz="2000" b="1" dirty="0" smtClean="0">
+              <a:solidFill>
+                <a:srgbClr val="4C93C7"/>
+              </a:solidFill>
+              <a:latin typeface="다음_Regular" panose="02000603060000000000" pitchFamily="2" charset="-127"/>
+              <a:ea typeface="다음_Regular" panose="02000603060000000000" pitchFamily="2" charset="-127"/>
+            </a:endParaRPr>
+          </a:p>
+        </p:txBody>
+      </p:sp>
+      <p:cxnSp>
+        <p:nvCxnSpPr>
+          <p:cNvPr id="38" name="직선 연결선 37"/>
+          <p:cNvCxnSpPr/>
+          <p:nvPr/>
+        </p:nvCxnSpPr>
+        <p:spPr>
+          <a:xfrm>
+            <a:off x="1328110" y="3434736"/>
+            <a:ext cx="1397458" cy="1"/>
+          </a:xfrm>
+          <a:prstGeom prst="line">
+            <a:avLst/>
+          </a:prstGeom>
+          <a:ln>
+            <a:solidFill>
+              <a:srgbClr val="4C93C7"/>
+            </a:solidFill>
+            <a:prstDash val="dash"/>
+          </a:ln>
+        </p:spPr>
+        <p:style>
+          <a:lnRef idx="1">
+            <a:schemeClr val="accent1"/>
+          </a:lnRef>
+          <a:fillRef idx="0">
+            <a:schemeClr val="accent1"/>
+          </a:fillRef>
+          <a:effectRef idx="0">
+            <a:schemeClr val="accent1"/>
+          </a:effectRef>
+          <a:fontRef idx="minor">
+            <a:schemeClr val="tx1"/>
+          </a:fontRef>
+        </p:style>
+      </p:cxnSp>
+      <p:sp>
+        <p:nvSpPr>
+          <p:cNvPr id="48" name="TextBox 25"/>
+          <p:cNvSpPr txBox="1">
+            <a:spLocks noChangeArrowheads="1"/>
+          </p:cNvSpPr>
+          <p:nvPr/>
+        </p:nvSpPr>
+        <p:spPr bwMode="auto">
+          <a:xfrm>
+            <a:off x="1250752" y="3624899"/>
+            <a:ext cx="2722570" cy="461665"/>
+          </a:xfrm>
+          <a:prstGeom prst="rect">
+            <a:avLst/>
+          </a:prstGeom>
+          <a:noFill/>
+          <a:ln w="9525">
+            <a:noFill/>
+            <a:miter lim="800000"/>
+            <a:headEnd/>
+            <a:tailEnd/>
+          </a:ln>
+        </p:spPr>
+        <p:txBody>
+          <a:bodyPr wrap="square">
+            <a:spAutoFit/>
+          </a:bodyPr>
+          <a:lstStyle/>
+          <a:p>
+            <a:pPr lvl="0"/>
+            <a:r>
+              <a:rPr lang="ko-KR" altLang="en-US" sz="1200" dirty="0" smtClean="0">
+                <a:solidFill>
+                  <a:prstClr val="black">
+                    <a:lumMod val="65000"/>
+                    <a:lumOff val="35000"/>
+                  </a:prstClr>
+                </a:solidFill>
+                <a:latin typeface="나눔바른고딕" pitchFamily="50" charset="-127"/>
+                <a:ea typeface="나눔바른고딕" pitchFamily="50" charset="-127"/>
+              </a:rPr>
+              <a:t>여기에는 한 두 줄 정도 넣어주세요</a:t>
+            </a:r>
+            <a:r>
+              <a:rPr lang="en-US" altLang="ko-KR" sz="1200" dirty="0" smtClean="0">
+                <a:solidFill>
+                  <a:prstClr val="black">
+                    <a:lumMod val="65000"/>
+                    <a:lumOff val="35000"/>
+                  </a:prstClr>
+                </a:solidFill>
+                <a:latin typeface="나눔바른고딕" pitchFamily="50" charset="-127"/>
+                <a:ea typeface="나눔바른고딕" pitchFamily="50" charset="-127"/>
+              </a:rPr>
+              <a:t>.</a:t>
+            </a:r>
+          </a:p>
+          <a:p>
+            <a:pPr lvl="0"/>
+            <a:r>
+              <a:rPr lang="ko-KR" altLang="en-US" sz="1200" dirty="0" err="1" smtClean="0">
+                <a:solidFill>
+                  <a:prstClr val="black">
+                    <a:lumMod val="65000"/>
+                    <a:lumOff val="35000"/>
+                  </a:prstClr>
+                </a:solidFill>
+                <a:latin typeface="나눔바른고딕" pitchFamily="50" charset="-127"/>
+                <a:ea typeface="나눔바른고딕" pitchFamily="50" charset="-127"/>
+              </a:rPr>
+              <a:t>랄랄라</a:t>
+            </a:r>
+            <a:r>
+              <a:rPr lang="ko-KR" altLang="en-US" sz="1200" dirty="0" smtClean="0">
+                <a:solidFill>
+                  <a:prstClr val="black">
+                    <a:lumMod val="65000"/>
+                    <a:lumOff val="35000"/>
+                  </a:prstClr>
+                </a:solidFill>
+                <a:latin typeface="나눔바른고딕" pitchFamily="50" charset="-127"/>
+                <a:ea typeface="나눔바른고딕" pitchFamily="50" charset="-127"/>
+              </a:rPr>
+              <a:t> </a:t>
+            </a:r>
+            <a:r>
+              <a:rPr lang="ko-KR" altLang="en-US" sz="1200" dirty="0" err="1" smtClean="0">
+                <a:solidFill>
+                  <a:prstClr val="black">
+                    <a:lumMod val="65000"/>
+                    <a:lumOff val="35000"/>
+                  </a:prstClr>
+                </a:solidFill>
+                <a:latin typeface="나눔바른고딕" pitchFamily="50" charset="-127"/>
+                <a:ea typeface="나눔바른고딕" pitchFamily="50" charset="-127"/>
+              </a:rPr>
+              <a:t>스랄랄라</a:t>
+            </a:r>
+            <a:endParaRPr lang="en-US" altLang="ko-KR" sz="1200" dirty="0">
+              <a:solidFill>
+                <a:prstClr val="black">
+                  <a:lumMod val="65000"/>
+                  <a:lumOff val="35000"/>
+                </a:prstClr>
+              </a:solidFill>
+              <a:latin typeface="나눔바른고딕" pitchFamily="50" charset="-127"/>
+              <a:ea typeface="나눔바른고딕" pitchFamily="50" charset="-127"/>
+            </a:endParaRPr>
+          </a:p>
+        </p:txBody>
+      </p:sp>
+      <p:sp>
+        <p:nvSpPr>
+          <p:cNvPr id="30" name="타원 29"/>
+          <p:cNvSpPr/>
+          <p:nvPr/>
+        </p:nvSpPr>
+        <p:spPr>
+          <a:xfrm>
+            <a:off x="4944319" y="2132856"/>
+            <a:ext cx="1293622" cy="1293622"/>
+          </a:xfrm>
+          <a:prstGeom prst="ellipse">
+            <a:avLst/>
+          </a:prstGeom>
+          <a:solidFill>
+            <a:srgbClr val="4C93C7">
+              <a:alpha val="23000"/>
+            </a:srgbClr>
+          </a:solidFill>
+          <a:ln>
+            <a:noFill/>
+          </a:ln>
+        </p:spPr>
+        <p:style>
+          <a:lnRef idx="2">
+            <a:schemeClr val="accent1">
+              <a:shade val="50000"/>
+            </a:schemeClr>
+          </a:lnRef>
+          <a:fillRef idx="1">
+            <a:schemeClr val="accent1"/>
+          </a:fillRef>
+          <a:effectRef idx="0">
+            <a:schemeClr val="accent1"/>
+          </a:effectRef>
+          <a:fontRef idx="minor">
+            <a:schemeClr val="lt1"/>
+          </a:fontRef>
+        </p:style>
+        <p:txBody>
+          <a:bodyPr rtlCol="0" anchor="ctr"/>
+          <a:lstStyle/>
+          <a:p>
+            <a:pPr algn="ctr"/>
+            <a:endParaRPr lang="ko-KR" altLang="en-US"/>
+          </a:p>
+        </p:txBody>
+      </p:sp>
+      <p:sp>
+        <p:nvSpPr>
+          <p:cNvPr id="32" name="TextBox 25"/>
+          <p:cNvSpPr txBox="1">
+            <a:spLocks noChangeArrowheads="1"/>
+          </p:cNvSpPr>
+          <p:nvPr/>
+        </p:nvSpPr>
+        <p:spPr bwMode="auto">
+          <a:xfrm>
+            <a:off x="5181357" y="2676854"/>
+            <a:ext cx="3783131" cy="400110"/>
+          </a:xfrm>
+          <a:prstGeom prst="rect">
+            <a:avLst/>
+          </a:prstGeom>
+          <a:noFill/>
+          <a:ln w="9525">
+            <a:noFill/>
+            <a:miter lim="800000"/>
+            <a:headEnd/>
+            <a:tailEnd/>
+          </a:ln>
+        </p:spPr>
+        <p:txBody>
+          <a:bodyPr wrap="square">
+            <a:spAutoFit/>
+          </a:bodyPr>
+          <a:lstStyle/>
+          <a:p>
+            <a:pPr lvl="0"/>
+            <a:r>
+              <a:rPr lang="en-US" altLang="ko-KR" sz="2000" b="1" dirty="0" smtClean="0">
+                <a:solidFill>
+                  <a:srgbClr val="4C93C7"/>
+                </a:solidFill>
+                <a:latin typeface="다음_Regular" panose="02000603060000000000" pitchFamily="2" charset="-127"/>
+                <a:ea typeface="다음_Regular" panose="02000603060000000000" pitchFamily="2" charset="-127"/>
+              </a:rPr>
+              <a:t>2. </a:t>
+            </a:r>
+            <a:r>
+              <a:rPr lang="ko-KR" altLang="en-US" sz="2000" b="1" dirty="0" smtClean="0">
+                <a:solidFill>
+                  <a:srgbClr val="4C93C7"/>
+                </a:solidFill>
+                <a:latin typeface="다음_Regular" panose="02000603060000000000" pitchFamily="2" charset="-127"/>
+                <a:ea typeface="다음_Regular" panose="02000603060000000000" pitchFamily="2" charset="-127"/>
+              </a:rPr>
+              <a:t>역사</a:t>
+            </a:r>
+            <a:endParaRPr lang="en-US" altLang="ko-KR" sz="2000" b="1" dirty="0" smtClean="0">
+              <a:solidFill>
+                <a:srgbClr val="4C93C7"/>
+              </a:solidFill>
+              <a:latin typeface="다음_Regular" panose="02000603060000000000" pitchFamily="2" charset="-127"/>
+              <a:ea typeface="다음_Regular" panose="02000603060000000000" pitchFamily="2" charset="-127"/>
+            </a:endParaRPr>
+          </a:p>
+        </p:txBody>
+      </p:sp>
+      <p:cxnSp>
+        <p:nvCxnSpPr>
+          <p:cNvPr id="33" name="직선 연결선 32"/>
+          <p:cNvCxnSpPr/>
+          <p:nvPr/>
+        </p:nvCxnSpPr>
+        <p:spPr>
+          <a:xfrm>
+            <a:off x="5253366" y="3434736"/>
+            <a:ext cx="1397458" cy="1"/>
+          </a:xfrm>
+          <a:prstGeom prst="line">
+            <a:avLst/>
+          </a:prstGeom>
+          <a:ln>
+            <a:solidFill>
+              <a:srgbClr val="4C93C7"/>
+            </a:solidFill>
+            <a:prstDash val="dash"/>
+          </a:ln>
+        </p:spPr>
+        <p:style>
+          <a:lnRef idx="1">
+            <a:schemeClr val="accent1"/>
+          </a:lnRef>
+          <a:fillRef idx="0">
+            <a:schemeClr val="accent1"/>
+          </a:fillRef>
+          <a:effectRef idx="0">
+            <a:schemeClr val="accent1"/>
+          </a:effectRef>
+          <a:fontRef idx="minor">
+            <a:schemeClr val="tx1"/>
+          </a:fontRef>
+        </p:style>
+      </p:cxnSp>
+      <p:sp>
+        <p:nvSpPr>
+          <p:cNvPr id="36" name="TextBox 25"/>
+          <p:cNvSpPr txBox="1">
+            <a:spLocks noChangeArrowheads="1"/>
+          </p:cNvSpPr>
+          <p:nvPr/>
+        </p:nvSpPr>
+        <p:spPr bwMode="auto">
+          <a:xfrm>
+            <a:off x="5251066" y="3558684"/>
+            <a:ext cx="2989908" cy="461665"/>
+          </a:xfrm>
+          <a:prstGeom prst="rect">
+            <a:avLst/>
+          </a:prstGeom>
+          <a:noFill/>
+          <a:ln w="9525">
+            <a:noFill/>
+            <a:miter lim="800000"/>
+            <a:headEnd/>
+            <a:tailEnd/>
+          </a:ln>
+        </p:spPr>
+        <p:txBody>
+          <a:bodyPr wrap="square">
+            <a:spAutoFit/>
+          </a:bodyPr>
+          <a:lstStyle/>
+          <a:p>
+            <a:pPr lvl="0"/>
+            <a:r>
+              <a:rPr lang="ko-KR" altLang="en-US" sz="1200" dirty="0" smtClean="0">
+                <a:solidFill>
+                  <a:prstClr val="black">
+                    <a:lumMod val="65000"/>
+                    <a:lumOff val="35000"/>
+                  </a:prstClr>
+                </a:solidFill>
+                <a:latin typeface="나눔바른고딕" pitchFamily="50" charset="-127"/>
+                <a:ea typeface="나눔바른고딕" pitchFamily="50" charset="-127"/>
+              </a:rPr>
+              <a:t>여기에는 한 두 줄 정도 넣어주세요</a:t>
+            </a:r>
+            <a:r>
+              <a:rPr lang="en-US" altLang="ko-KR" sz="1200" dirty="0" smtClean="0">
+                <a:solidFill>
+                  <a:prstClr val="black">
+                    <a:lumMod val="65000"/>
+                    <a:lumOff val="35000"/>
+                  </a:prstClr>
+                </a:solidFill>
+                <a:latin typeface="나눔바른고딕" pitchFamily="50" charset="-127"/>
+                <a:ea typeface="나눔바른고딕" pitchFamily="50" charset="-127"/>
+              </a:rPr>
+              <a:t>.</a:t>
+            </a:r>
+          </a:p>
+          <a:p>
+            <a:pPr lvl="0"/>
+            <a:r>
+              <a:rPr lang="ko-KR" altLang="en-US" sz="1200" dirty="0" err="1" smtClean="0">
+                <a:solidFill>
+                  <a:prstClr val="black">
+                    <a:lumMod val="65000"/>
+                    <a:lumOff val="35000"/>
+                  </a:prstClr>
+                </a:solidFill>
+                <a:latin typeface="나눔바른고딕" pitchFamily="50" charset="-127"/>
+                <a:ea typeface="나눔바른고딕" pitchFamily="50" charset="-127"/>
+              </a:rPr>
+              <a:t>랄랄라</a:t>
+            </a:r>
+            <a:r>
+              <a:rPr lang="ko-KR" altLang="en-US" sz="1200" dirty="0" smtClean="0">
+                <a:solidFill>
+                  <a:prstClr val="black">
+                    <a:lumMod val="65000"/>
+                    <a:lumOff val="35000"/>
+                  </a:prstClr>
+                </a:solidFill>
+                <a:latin typeface="나눔바른고딕" pitchFamily="50" charset="-127"/>
+                <a:ea typeface="나눔바른고딕" pitchFamily="50" charset="-127"/>
+              </a:rPr>
+              <a:t> </a:t>
+            </a:r>
+            <a:r>
+              <a:rPr lang="ko-KR" altLang="en-US" sz="1200" dirty="0" err="1" smtClean="0">
+                <a:solidFill>
+                  <a:prstClr val="black">
+                    <a:lumMod val="65000"/>
+                    <a:lumOff val="35000"/>
+                  </a:prstClr>
+                </a:solidFill>
+                <a:latin typeface="나눔바른고딕" pitchFamily="50" charset="-127"/>
+                <a:ea typeface="나눔바른고딕" pitchFamily="50" charset="-127"/>
+              </a:rPr>
+              <a:t>스랄랄라</a:t>
+            </a:r>
+            <a:endParaRPr lang="en-US" altLang="ko-KR" sz="1200" dirty="0">
+              <a:solidFill>
+                <a:prstClr val="black">
+                  <a:lumMod val="65000"/>
+                  <a:lumOff val="35000"/>
+                </a:prstClr>
+              </a:solidFill>
+              <a:latin typeface="나눔바른고딕" pitchFamily="50" charset="-127"/>
+              <a:ea typeface="나눔바른고딕" pitchFamily="50" charset="-127"/>
+            </a:endParaRPr>
+          </a:p>
+        </p:txBody>
+      </p:sp>
+      <p:sp>
+        <p:nvSpPr>
+          <p:cNvPr id="40" name="타원 39"/>
+          <p:cNvSpPr/>
+          <p:nvPr/>
+        </p:nvSpPr>
+        <p:spPr>
+          <a:xfrm>
+            <a:off x="606579" y="4793330"/>
+            <a:ext cx="681438" cy="681438"/>
+          </a:xfrm>
+          <a:prstGeom prst="ellipse">
+            <a:avLst/>
+          </a:prstGeom>
+          <a:solidFill>
+            <a:srgbClr val="4C93C7">
+              <a:alpha val="23000"/>
+            </a:srgbClr>
+          </a:solidFill>
+          <a:ln>
+            <a:noFill/>
+          </a:ln>
+        </p:spPr>
+        <p:style>
+          <a:lnRef idx="2">
+            <a:schemeClr val="accent1">
+              <a:shade val="50000"/>
+            </a:schemeClr>
+          </a:lnRef>
+          <a:fillRef idx="1">
+            <a:schemeClr val="accent1"/>
+          </a:fillRef>
+          <a:effectRef idx="0">
+            <a:schemeClr val="accent1"/>
+          </a:effectRef>
+          <a:fontRef idx="minor">
+            <a:schemeClr val="lt1"/>
+          </a:fontRef>
+        </p:style>
+        <p:txBody>
+          <a:bodyPr rtlCol="0" anchor="ctr"/>
+          <a:lstStyle/>
+          <a:p>
+            <a:pPr algn="ctr"/>
+            <a:endParaRPr lang="ko-KR" altLang="en-US"/>
+          </a:p>
+        </p:txBody>
+      </p:sp>
+      <p:sp>
+        <p:nvSpPr>
+          <p:cNvPr id="42" name="타원 41"/>
+          <p:cNvSpPr/>
+          <p:nvPr/>
+        </p:nvSpPr>
+        <p:spPr>
+          <a:xfrm>
+            <a:off x="3394819" y="4793330"/>
+            <a:ext cx="681438" cy="681438"/>
+          </a:xfrm>
+          <a:prstGeom prst="ellipse">
+            <a:avLst/>
+          </a:prstGeom>
+          <a:solidFill>
+            <a:srgbClr val="4C93C7">
+              <a:alpha val="23000"/>
+            </a:srgbClr>
+          </a:solidFill>
+          <a:ln>
+            <a:noFill/>
+          </a:ln>
+        </p:spPr>
+        <p:style>
+          <a:lnRef idx="2">
+            <a:schemeClr val="accent1">
+              <a:shade val="50000"/>
+            </a:schemeClr>
+          </a:lnRef>
+          <a:fillRef idx="1">
+            <a:schemeClr val="accent1"/>
+          </a:fillRef>
+          <a:effectRef idx="0">
+            <a:schemeClr val="accent1"/>
+          </a:effectRef>
+          <a:fontRef idx="minor">
+            <a:schemeClr val="lt1"/>
+          </a:fontRef>
+        </p:style>
+        <p:txBody>
+          <a:bodyPr rtlCol="0" anchor="ctr"/>
+          <a:lstStyle/>
+          <a:p>
+            <a:pPr algn="ctr"/>
+            <a:endParaRPr lang="ko-KR" altLang="en-US"/>
+          </a:p>
+        </p:txBody>
+      </p:sp>
+      <p:sp>
+        <p:nvSpPr>
+          <p:cNvPr id="43" name="타원 42"/>
+          <p:cNvSpPr/>
+          <p:nvPr/>
+        </p:nvSpPr>
+        <p:spPr>
+          <a:xfrm>
+            <a:off x="6011771" y="4793330"/>
+            <a:ext cx="681438" cy="681438"/>
+          </a:xfrm>
+          <a:prstGeom prst="ellipse">
+            <a:avLst/>
+          </a:prstGeom>
+          <a:solidFill>
+            <a:srgbClr val="4C93C7">
+              <a:alpha val="23000"/>
+            </a:srgbClr>
+          </a:solidFill>
+          <a:ln>
+            <a:noFill/>
+          </a:ln>
+        </p:spPr>
+        <p:style>
+          <a:lnRef idx="2">
+            <a:schemeClr val="accent1">
+              <a:shade val="50000"/>
+            </a:schemeClr>
+          </a:lnRef>
+          <a:fillRef idx="1">
+            <a:schemeClr val="accent1"/>
+          </a:fillRef>
+          <a:effectRef idx="0">
+            <a:schemeClr val="accent1"/>
+          </a:effectRef>
+          <a:fontRef idx="minor">
+            <a:schemeClr val="lt1"/>
+          </a:fontRef>
+        </p:style>
+        <p:txBody>
+          <a:bodyPr rtlCol="0" anchor="ctr"/>
+          <a:lstStyle/>
+          <a:p>
+            <a:pPr algn="ctr"/>
+            <a:endParaRPr lang="ko-KR" altLang="en-US"/>
+          </a:p>
+        </p:txBody>
+      </p:sp>
+      <p:sp>
+        <p:nvSpPr>
+          <p:cNvPr id="44" name="TextBox 25"/>
+          <p:cNvSpPr txBox="1">
+            <a:spLocks noChangeArrowheads="1"/>
+          </p:cNvSpPr>
+          <p:nvPr/>
+        </p:nvSpPr>
+        <p:spPr bwMode="auto">
+          <a:xfrm>
+            <a:off x="843618" y="5084591"/>
+            <a:ext cx="1080120" cy="400110"/>
+          </a:xfrm>
+          <a:prstGeom prst="rect">
+            <a:avLst/>
+          </a:prstGeom>
+          <a:noFill/>
+          <a:ln w="9525">
+            <a:noFill/>
+            <a:miter lim="800000"/>
+            <a:headEnd/>
+            <a:tailEnd/>
+          </a:ln>
+        </p:spPr>
+        <p:txBody>
+          <a:bodyPr wrap="square">
+            <a:spAutoFit/>
+          </a:bodyPr>
+          <a:lstStyle/>
+          <a:p>
+            <a:pPr lvl="0"/>
+            <a:r>
+              <a:rPr lang="en-US" altLang="ko-KR" sz="2000" b="1" dirty="0" smtClean="0">
+                <a:solidFill>
+                  <a:srgbClr val="4C93C7"/>
+                </a:solidFill>
+                <a:latin typeface="다음_Regular" panose="02000603060000000000" pitchFamily="2" charset="-127"/>
+                <a:ea typeface="다음_Regular" panose="02000603060000000000" pitchFamily="2" charset="-127"/>
+              </a:rPr>
+              <a:t>3. </a:t>
+            </a:r>
+            <a:r>
+              <a:rPr lang="ko-KR" altLang="en-US" sz="2000" b="1" dirty="0" smtClean="0">
+                <a:solidFill>
+                  <a:srgbClr val="4C93C7"/>
+                </a:solidFill>
+                <a:latin typeface="다음_Regular" panose="02000603060000000000" pitchFamily="2" charset="-127"/>
+                <a:ea typeface="다음_Regular" panose="02000603060000000000" pitchFamily="2" charset="-127"/>
+              </a:rPr>
+              <a:t>특징</a:t>
+            </a:r>
+            <a:endParaRPr lang="en-US" altLang="ko-KR" sz="2000" b="1" dirty="0" smtClean="0">
+              <a:solidFill>
+                <a:srgbClr val="4C93C7"/>
+              </a:solidFill>
+              <a:latin typeface="다음_Regular" panose="02000603060000000000" pitchFamily="2" charset="-127"/>
+              <a:ea typeface="다음_Regular" panose="02000603060000000000" pitchFamily="2" charset="-127"/>
+            </a:endParaRPr>
+          </a:p>
+        </p:txBody>
+      </p:sp>
+      <p:cxnSp>
+        <p:nvCxnSpPr>
+          <p:cNvPr id="49" name="직선 연결선 48"/>
+          <p:cNvCxnSpPr/>
+          <p:nvPr/>
+        </p:nvCxnSpPr>
+        <p:spPr>
+          <a:xfrm>
+            <a:off x="915626" y="5483026"/>
+            <a:ext cx="936000" cy="0"/>
+          </a:xfrm>
+          <a:prstGeom prst="line">
+            <a:avLst/>
+          </a:prstGeom>
+          <a:ln>
+            <a:solidFill>
+              <a:srgbClr val="4C93C7"/>
+            </a:solidFill>
+            <a:prstDash val="dash"/>
+          </a:ln>
+        </p:spPr>
+        <p:style>
+          <a:lnRef idx="1">
+            <a:schemeClr val="accent1"/>
+          </a:lnRef>
+          <a:fillRef idx="0">
+            <a:schemeClr val="accent1"/>
+          </a:fillRef>
+          <a:effectRef idx="0">
+            <a:schemeClr val="accent1"/>
+          </a:effectRef>
+          <a:fontRef idx="minor">
+            <a:schemeClr val="tx1"/>
+          </a:fontRef>
+        </p:style>
+      </p:cxnSp>
+      <p:sp>
+        <p:nvSpPr>
+          <p:cNvPr id="50" name="TextBox 25"/>
+          <p:cNvSpPr txBox="1">
+            <a:spLocks noChangeArrowheads="1"/>
+          </p:cNvSpPr>
+          <p:nvPr/>
+        </p:nvSpPr>
+        <p:spPr bwMode="auto">
+          <a:xfrm>
+            <a:off x="3648389" y="5084591"/>
+            <a:ext cx="2091480" cy="400110"/>
+          </a:xfrm>
+          <a:prstGeom prst="rect">
+            <a:avLst/>
+          </a:prstGeom>
+          <a:noFill/>
+          <a:ln w="9525">
+            <a:noFill/>
+            <a:miter lim="800000"/>
+            <a:headEnd/>
+            <a:tailEnd/>
+          </a:ln>
+        </p:spPr>
+        <p:txBody>
+          <a:bodyPr wrap="square">
+            <a:spAutoFit/>
+          </a:bodyPr>
+          <a:lstStyle/>
+          <a:p>
+            <a:pPr lvl="0"/>
+            <a:r>
+              <a:rPr lang="en-US" altLang="ko-KR" sz="2000" b="1" dirty="0" smtClean="0">
+                <a:solidFill>
+                  <a:srgbClr val="4C93C7"/>
+                </a:solidFill>
+                <a:latin typeface="다음_Regular" panose="02000603060000000000" pitchFamily="2" charset="-127"/>
+                <a:ea typeface="다음_Regular" panose="02000603060000000000" pitchFamily="2" charset="-127"/>
+              </a:rPr>
+              <a:t>4. </a:t>
+            </a:r>
+            <a:r>
+              <a:rPr lang="ko-KR" altLang="en-US" sz="2000" b="1" dirty="0" smtClean="0">
+                <a:solidFill>
+                  <a:srgbClr val="4C93C7"/>
+                </a:solidFill>
+                <a:latin typeface="다음_Regular" panose="02000603060000000000" pitchFamily="2" charset="-127"/>
+                <a:ea typeface="다음_Regular" panose="02000603060000000000" pitchFamily="2" charset="-127"/>
+              </a:rPr>
+              <a:t>상황 및 전망</a:t>
+            </a:r>
+            <a:endParaRPr lang="en-US" altLang="ko-KR" sz="2000" b="1" dirty="0" smtClean="0">
+              <a:solidFill>
+                <a:srgbClr val="4C93C7"/>
+              </a:solidFill>
+              <a:latin typeface="다음_Regular" panose="02000603060000000000" pitchFamily="2" charset="-127"/>
+              <a:ea typeface="다음_Regular" panose="02000603060000000000" pitchFamily="2" charset="-127"/>
+            </a:endParaRPr>
+          </a:p>
+        </p:txBody>
+      </p:sp>
+      <p:cxnSp>
+        <p:nvCxnSpPr>
+          <p:cNvPr id="52" name="직선 연결선 51"/>
+          <p:cNvCxnSpPr/>
+          <p:nvPr/>
+        </p:nvCxnSpPr>
+        <p:spPr>
+          <a:xfrm>
+            <a:off x="3723938" y="5483026"/>
+            <a:ext cx="936000" cy="0"/>
+          </a:xfrm>
+          <a:prstGeom prst="line">
+            <a:avLst/>
+          </a:prstGeom>
+          <a:ln>
+            <a:solidFill>
+              <a:srgbClr val="4C93C7"/>
+            </a:solidFill>
+            <a:prstDash val="dash"/>
+          </a:ln>
+        </p:spPr>
+        <p:style>
+          <a:lnRef idx="1">
+            <a:schemeClr val="accent1"/>
+          </a:lnRef>
+          <a:fillRef idx="0">
+            <a:schemeClr val="accent1"/>
+          </a:fillRef>
+          <a:effectRef idx="0">
+            <a:schemeClr val="accent1"/>
+          </a:effectRef>
+          <a:fontRef idx="minor">
+            <a:schemeClr val="tx1"/>
+          </a:fontRef>
+        </p:style>
+      </p:cxnSp>
+      <p:sp>
+        <p:nvSpPr>
+          <p:cNvPr id="56" name="TextBox 25"/>
+          <p:cNvSpPr txBox="1">
+            <a:spLocks noChangeArrowheads="1"/>
+          </p:cNvSpPr>
+          <p:nvPr/>
+        </p:nvSpPr>
+        <p:spPr bwMode="auto">
+          <a:xfrm>
+            <a:off x="6280482" y="5084591"/>
+            <a:ext cx="1819910" cy="400110"/>
+          </a:xfrm>
+          <a:prstGeom prst="rect">
+            <a:avLst/>
+          </a:prstGeom>
+          <a:noFill/>
+          <a:ln w="9525">
+            <a:noFill/>
+            <a:miter lim="800000"/>
+            <a:headEnd/>
+            <a:tailEnd/>
+          </a:ln>
+        </p:spPr>
+        <p:txBody>
+          <a:bodyPr wrap="square">
+            <a:spAutoFit/>
+          </a:bodyPr>
+          <a:lstStyle/>
+          <a:p>
+            <a:pPr lvl="0"/>
+            <a:r>
+              <a:rPr lang="en-US" altLang="ko-KR" sz="2000" b="1" dirty="0" smtClean="0">
+                <a:solidFill>
+                  <a:srgbClr val="4C93C7"/>
+                </a:solidFill>
+                <a:latin typeface="다음_Regular" panose="02000603060000000000" pitchFamily="2" charset="-127"/>
+                <a:ea typeface="다음_Regular" panose="02000603060000000000" pitchFamily="2" charset="-127"/>
+              </a:rPr>
+              <a:t>5. </a:t>
+            </a:r>
+            <a:r>
+              <a:rPr lang="ko-KR" altLang="en-US" sz="2000" b="1" dirty="0" smtClean="0">
+                <a:solidFill>
+                  <a:srgbClr val="4C93C7"/>
+                </a:solidFill>
+                <a:latin typeface="다음_Regular" panose="02000603060000000000" pitchFamily="2" charset="-127"/>
+                <a:ea typeface="다음_Regular" panose="02000603060000000000" pitchFamily="2" charset="-127"/>
+              </a:rPr>
+              <a:t>라이선스</a:t>
+            </a:r>
+            <a:endParaRPr lang="en-US" altLang="ko-KR" sz="2000" b="1" dirty="0" smtClean="0">
+              <a:solidFill>
+                <a:srgbClr val="4C93C7"/>
+              </a:solidFill>
+              <a:latin typeface="다음_Regular" panose="02000603060000000000" pitchFamily="2" charset="-127"/>
+              <a:ea typeface="다음_Regular" panose="02000603060000000000" pitchFamily="2" charset="-127"/>
+            </a:endParaRPr>
+          </a:p>
+        </p:txBody>
+      </p:sp>
+      <p:cxnSp>
+        <p:nvCxnSpPr>
+          <p:cNvPr id="57" name="직선 연결선 56"/>
+          <p:cNvCxnSpPr/>
+          <p:nvPr/>
+        </p:nvCxnSpPr>
+        <p:spPr>
+          <a:xfrm>
+            <a:off x="6352490" y="5483026"/>
+            <a:ext cx="1476000" cy="0"/>
+          </a:xfrm>
+          <a:prstGeom prst="line">
+            <a:avLst/>
+          </a:prstGeom>
+          <a:ln>
+            <a:solidFill>
+              <a:srgbClr val="4C93C7"/>
+            </a:solidFill>
+            <a:prstDash val="dash"/>
+          </a:ln>
+        </p:spPr>
+        <p:style>
+          <a:lnRef idx="1">
+            <a:schemeClr val="accent1"/>
+          </a:lnRef>
+          <a:fillRef idx="0">
+            <a:schemeClr val="accent1"/>
+          </a:fillRef>
+          <a:effectRef idx="0">
+            <a:schemeClr val="accent1"/>
+          </a:effectRef>
+          <a:fontRef idx="minor">
+            <a:schemeClr val="tx1"/>
+          </a:fontRef>
+        </p:style>
+      </p:cxnSp>
+      <p:sp>
+        <p:nvSpPr>
+          <p:cNvPr id="58" name="TextBox 25"/>
+          <p:cNvSpPr txBox="1">
+            <a:spLocks noChangeArrowheads="1"/>
+          </p:cNvSpPr>
+          <p:nvPr/>
+        </p:nvSpPr>
+        <p:spPr bwMode="auto">
+          <a:xfrm>
+            <a:off x="823019" y="5631630"/>
+            <a:ext cx="2340000" cy="461665"/>
+          </a:xfrm>
+          <a:prstGeom prst="rect">
+            <a:avLst/>
+          </a:prstGeom>
+          <a:noFill/>
+          <a:ln w="9525">
+            <a:noFill/>
+            <a:miter lim="800000"/>
+            <a:headEnd/>
+            <a:tailEnd/>
+          </a:ln>
+        </p:spPr>
+        <p:txBody>
+          <a:bodyPr wrap="square">
+            <a:spAutoFit/>
+          </a:bodyPr>
+          <a:lstStyle/>
+          <a:p>
+            <a:pPr lvl="0"/>
+            <a:r>
+              <a:rPr lang="ko-KR" altLang="en-US" sz="1200" dirty="0" smtClean="0">
+                <a:solidFill>
+                  <a:prstClr val="black">
+                    <a:lumMod val="65000"/>
+                    <a:lumOff val="35000"/>
+                  </a:prstClr>
+                </a:solidFill>
+                <a:latin typeface="나눔바른고딕" pitchFamily="50" charset="-127"/>
+                <a:ea typeface="나눔바른고딕" pitchFamily="50" charset="-127"/>
+              </a:rPr>
+              <a:t>여기에는 한 두 줄 정도 넣어주세요</a:t>
+            </a:r>
+            <a:r>
+              <a:rPr lang="en-US" altLang="ko-KR" sz="1200" dirty="0" smtClean="0">
+                <a:solidFill>
+                  <a:prstClr val="black">
+                    <a:lumMod val="65000"/>
+                    <a:lumOff val="35000"/>
+                  </a:prstClr>
+                </a:solidFill>
+                <a:latin typeface="나눔바른고딕" pitchFamily="50" charset="-127"/>
+                <a:ea typeface="나눔바른고딕" pitchFamily="50" charset="-127"/>
+              </a:rPr>
+              <a:t>.</a:t>
+            </a:r>
+          </a:p>
+          <a:p>
+            <a:pPr lvl="0"/>
+            <a:r>
+              <a:rPr lang="ko-KR" altLang="en-US" sz="1200" dirty="0" err="1" smtClean="0">
+                <a:solidFill>
+                  <a:prstClr val="black">
+                    <a:lumMod val="65000"/>
+                    <a:lumOff val="35000"/>
+                  </a:prstClr>
+                </a:solidFill>
+                <a:latin typeface="나눔바른고딕" pitchFamily="50" charset="-127"/>
+                <a:ea typeface="나눔바른고딕" pitchFamily="50" charset="-127"/>
+              </a:rPr>
+              <a:t>랄랄라</a:t>
+            </a:r>
+            <a:r>
+              <a:rPr lang="ko-KR" altLang="en-US" sz="1200" dirty="0" smtClean="0">
+                <a:solidFill>
+                  <a:prstClr val="black">
+                    <a:lumMod val="65000"/>
+                    <a:lumOff val="35000"/>
+                  </a:prstClr>
+                </a:solidFill>
+                <a:latin typeface="나눔바른고딕" pitchFamily="50" charset="-127"/>
+                <a:ea typeface="나눔바른고딕" pitchFamily="50" charset="-127"/>
+              </a:rPr>
+              <a:t> </a:t>
+            </a:r>
+            <a:r>
+              <a:rPr lang="ko-KR" altLang="en-US" sz="1200" dirty="0" err="1" smtClean="0">
+                <a:solidFill>
+                  <a:prstClr val="black">
+                    <a:lumMod val="65000"/>
+                    <a:lumOff val="35000"/>
+                  </a:prstClr>
+                </a:solidFill>
+                <a:latin typeface="나눔바른고딕" pitchFamily="50" charset="-127"/>
+                <a:ea typeface="나눔바른고딕" pitchFamily="50" charset="-127"/>
+              </a:rPr>
+              <a:t>스랄랄라</a:t>
+            </a:r>
+            <a:endParaRPr lang="en-US" altLang="ko-KR" sz="1200" dirty="0">
+              <a:solidFill>
+                <a:prstClr val="black">
+                  <a:lumMod val="65000"/>
+                  <a:lumOff val="35000"/>
+                </a:prstClr>
+              </a:solidFill>
+              <a:latin typeface="나눔바른고딕" pitchFamily="50" charset="-127"/>
+              <a:ea typeface="나눔바른고딕" pitchFamily="50" charset="-127"/>
+            </a:endParaRPr>
+          </a:p>
+        </p:txBody>
+      </p:sp>
+      <p:sp>
+        <p:nvSpPr>
+          <p:cNvPr id="59" name="TextBox 25"/>
+          <p:cNvSpPr txBox="1">
+            <a:spLocks noChangeArrowheads="1"/>
+          </p:cNvSpPr>
+          <p:nvPr/>
+        </p:nvSpPr>
+        <p:spPr bwMode="auto">
+          <a:xfrm>
+            <a:off x="3635896" y="5631631"/>
+            <a:ext cx="2340000" cy="461665"/>
+          </a:xfrm>
+          <a:prstGeom prst="rect">
+            <a:avLst/>
+          </a:prstGeom>
+          <a:noFill/>
+          <a:ln w="9525">
+            <a:noFill/>
+            <a:miter lim="800000"/>
+            <a:headEnd/>
+            <a:tailEnd/>
+          </a:ln>
+        </p:spPr>
+        <p:txBody>
+          <a:bodyPr wrap="square">
+            <a:spAutoFit/>
+          </a:bodyPr>
+          <a:lstStyle/>
+          <a:p>
+            <a:pPr lvl="0"/>
+            <a:r>
+              <a:rPr lang="ko-KR" altLang="en-US" sz="1200" dirty="0">
+                <a:solidFill>
+                  <a:prstClr val="black">
+                    <a:lumMod val="65000"/>
+                    <a:lumOff val="35000"/>
+                  </a:prstClr>
+                </a:solidFill>
+                <a:latin typeface="나눔바른고딕" pitchFamily="50" charset="-127"/>
+                <a:ea typeface="나눔바른고딕" pitchFamily="50" charset="-127"/>
+              </a:rPr>
+              <a:t>여기에는 한 두 줄 정도 넣어주세요</a:t>
+            </a:r>
+            <a:r>
+              <a:rPr lang="en-US" altLang="ko-KR" sz="1200" dirty="0">
+                <a:solidFill>
+                  <a:prstClr val="black">
+                    <a:lumMod val="65000"/>
+                    <a:lumOff val="35000"/>
+                  </a:prstClr>
+                </a:solidFill>
+                <a:latin typeface="나눔바른고딕" pitchFamily="50" charset="-127"/>
+                <a:ea typeface="나눔바른고딕" pitchFamily="50" charset="-127"/>
+              </a:rPr>
+              <a:t>.</a:t>
+            </a:r>
+          </a:p>
+          <a:p>
+            <a:pPr lvl="0"/>
+            <a:r>
+              <a:rPr lang="ko-KR" altLang="en-US" sz="1200" dirty="0" err="1">
+                <a:solidFill>
+                  <a:prstClr val="black">
+                    <a:lumMod val="65000"/>
+                    <a:lumOff val="35000"/>
+                  </a:prstClr>
+                </a:solidFill>
+                <a:latin typeface="나눔바른고딕" pitchFamily="50" charset="-127"/>
+                <a:ea typeface="나눔바른고딕" pitchFamily="50" charset="-127"/>
+              </a:rPr>
+              <a:t>랄랄라</a:t>
+            </a:r>
+            <a:r>
+              <a:rPr lang="ko-KR" altLang="en-US" sz="1200" dirty="0">
+                <a:solidFill>
+                  <a:prstClr val="black">
+                    <a:lumMod val="65000"/>
+                    <a:lumOff val="35000"/>
+                  </a:prstClr>
+                </a:solidFill>
+                <a:latin typeface="나눔바른고딕" pitchFamily="50" charset="-127"/>
+                <a:ea typeface="나눔바른고딕" pitchFamily="50" charset="-127"/>
+              </a:rPr>
+              <a:t> </a:t>
+            </a:r>
+            <a:r>
+              <a:rPr lang="ko-KR" altLang="en-US" sz="1200" dirty="0" err="1">
+                <a:solidFill>
+                  <a:prstClr val="black">
+                    <a:lumMod val="65000"/>
+                    <a:lumOff val="35000"/>
+                  </a:prstClr>
+                </a:solidFill>
+                <a:latin typeface="나눔바른고딕" pitchFamily="50" charset="-127"/>
+                <a:ea typeface="나눔바른고딕" pitchFamily="50" charset="-127"/>
+              </a:rPr>
+              <a:t>스랄랄라</a:t>
+            </a:r>
+            <a:endParaRPr lang="en-US" altLang="ko-KR" sz="1200" dirty="0">
+              <a:solidFill>
+                <a:prstClr val="black">
+                  <a:lumMod val="65000"/>
+                  <a:lumOff val="35000"/>
+                </a:prstClr>
+              </a:solidFill>
+              <a:latin typeface="나눔바른고딕" pitchFamily="50" charset="-127"/>
+              <a:ea typeface="나눔바른고딕" pitchFamily="50" charset="-127"/>
+            </a:endParaRPr>
+          </a:p>
+        </p:txBody>
+      </p:sp>
+      <p:sp>
+        <p:nvSpPr>
+          <p:cNvPr id="60" name="TextBox 25"/>
+          <p:cNvSpPr txBox="1">
+            <a:spLocks noChangeArrowheads="1"/>
+          </p:cNvSpPr>
+          <p:nvPr/>
+        </p:nvSpPr>
+        <p:spPr bwMode="auto">
+          <a:xfrm>
+            <a:off x="6264448" y="5631631"/>
+            <a:ext cx="2340000" cy="461665"/>
+          </a:xfrm>
+          <a:prstGeom prst="rect">
+            <a:avLst/>
+          </a:prstGeom>
+          <a:noFill/>
+          <a:ln w="9525">
+            <a:noFill/>
+            <a:miter lim="800000"/>
+            <a:headEnd/>
+            <a:tailEnd/>
+          </a:ln>
+        </p:spPr>
+        <p:txBody>
+          <a:bodyPr wrap="square">
+            <a:spAutoFit/>
+          </a:bodyPr>
+          <a:lstStyle/>
+          <a:p>
+            <a:pPr lvl="0"/>
+            <a:r>
+              <a:rPr lang="ko-KR" altLang="en-US" sz="1200" dirty="0">
+                <a:solidFill>
+                  <a:prstClr val="black">
+                    <a:lumMod val="65000"/>
+                    <a:lumOff val="35000"/>
+                  </a:prstClr>
+                </a:solidFill>
+                <a:latin typeface="나눔바른고딕" pitchFamily="50" charset="-127"/>
+                <a:ea typeface="나눔바른고딕" pitchFamily="50" charset="-127"/>
+              </a:rPr>
+              <a:t>여기에는 한 두 줄 정도 넣어주세요</a:t>
+            </a:r>
+            <a:r>
+              <a:rPr lang="en-US" altLang="ko-KR" sz="1200" dirty="0">
+                <a:solidFill>
+                  <a:prstClr val="black">
+                    <a:lumMod val="65000"/>
+                    <a:lumOff val="35000"/>
+                  </a:prstClr>
+                </a:solidFill>
+                <a:latin typeface="나눔바른고딕" pitchFamily="50" charset="-127"/>
+                <a:ea typeface="나눔바른고딕" pitchFamily="50" charset="-127"/>
+              </a:rPr>
+              <a:t>.</a:t>
+            </a:r>
+          </a:p>
+          <a:p>
+            <a:pPr lvl="0"/>
+            <a:r>
+              <a:rPr lang="ko-KR" altLang="en-US" sz="1200" dirty="0" err="1">
+                <a:solidFill>
+                  <a:prstClr val="black">
+                    <a:lumMod val="65000"/>
+                    <a:lumOff val="35000"/>
+                  </a:prstClr>
+                </a:solidFill>
+                <a:latin typeface="나눔바른고딕" pitchFamily="50" charset="-127"/>
+                <a:ea typeface="나눔바른고딕" pitchFamily="50" charset="-127"/>
+              </a:rPr>
+              <a:t>랄랄라</a:t>
+            </a:r>
+            <a:r>
+              <a:rPr lang="ko-KR" altLang="en-US" sz="1200" dirty="0">
+                <a:solidFill>
+                  <a:prstClr val="black">
+                    <a:lumMod val="65000"/>
+                    <a:lumOff val="35000"/>
+                  </a:prstClr>
+                </a:solidFill>
+                <a:latin typeface="나눔바른고딕" pitchFamily="50" charset="-127"/>
+                <a:ea typeface="나눔바른고딕" pitchFamily="50" charset="-127"/>
+              </a:rPr>
+              <a:t> </a:t>
+            </a:r>
+            <a:r>
+              <a:rPr lang="ko-KR" altLang="en-US" sz="1200" dirty="0" err="1">
+                <a:solidFill>
+                  <a:prstClr val="black">
+                    <a:lumMod val="65000"/>
+                    <a:lumOff val="35000"/>
+                  </a:prstClr>
+                </a:solidFill>
+                <a:latin typeface="나눔바른고딕" pitchFamily="50" charset="-127"/>
+                <a:ea typeface="나눔바른고딕" pitchFamily="50" charset="-127"/>
+              </a:rPr>
+              <a:t>스랄랄라</a:t>
+            </a:r>
+            <a:endParaRPr lang="en-US" altLang="ko-KR" sz="1200" dirty="0">
+              <a:solidFill>
+                <a:prstClr val="black">
+                  <a:lumMod val="65000"/>
+                  <a:lumOff val="35000"/>
+                </a:prstClr>
+              </a:solidFill>
+              <a:latin typeface="나눔바른고딕" pitchFamily="50" charset="-127"/>
+              <a:ea typeface="나눔바른고딕" pitchFamily="50" charset="-127"/>
+            </a:endParaRPr>
+          </a:p>
+        </p:txBody>
+      </p:sp>
     </p:spTree>
     <p:extLst>
       <p:ext uri="{BB962C8B-B14F-4D97-AF65-F5344CB8AC3E}">
-        <p14:creationId xmlns:p14="http://schemas.microsoft.com/office/powerpoint/2010/main" val="3756803566"/>
+        <p14:creationId xmlns:p14="http://schemas.microsoft.com/office/powerpoint/2010/main" val="4027505701"/>
       </p:ext>
     </p:extLst>
   </p:cSld>

--- a/ppt.pptx
+++ b/ppt.pptx
@@ -5,7 +5,7 @@
     <p:sldMasterId id="2147483648" r:id="rId1"/>
   </p:sldMasterIdLst>
   <p:notesMasterIdLst>
-    <p:notesMasterId r:id="rId20"/>
+    <p:notesMasterId r:id="rId18"/>
   </p:notesMasterIdLst>
   <p:sldIdLst>
     <p:sldId id="256" r:id="rId2"/>
@@ -15,49 +15,47 @@
     <p:sldId id="262" r:id="rId6"/>
     <p:sldId id="263" r:id="rId7"/>
     <p:sldId id="269" r:id="rId8"/>
-    <p:sldId id="270" r:id="rId9"/>
-    <p:sldId id="259" r:id="rId10"/>
-    <p:sldId id="271" r:id="rId11"/>
-    <p:sldId id="273" r:id="rId12"/>
-    <p:sldId id="274" r:id="rId13"/>
-    <p:sldId id="275" r:id="rId14"/>
-    <p:sldId id="276" r:id="rId15"/>
-    <p:sldId id="277" r:id="rId16"/>
-    <p:sldId id="278" r:id="rId17"/>
-    <p:sldId id="272" r:id="rId18"/>
-    <p:sldId id="258" r:id="rId19"/>
+    <p:sldId id="280" r:id="rId9"/>
+    <p:sldId id="281" r:id="rId10"/>
+    <p:sldId id="270" r:id="rId11"/>
+    <p:sldId id="259" r:id="rId12"/>
+    <p:sldId id="271" r:id="rId13"/>
+    <p:sldId id="273" r:id="rId14"/>
+    <p:sldId id="274" r:id="rId15"/>
+    <p:sldId id="275" r:id="rId16"/>
+    <p:sldId id="258" r:id="rId17"/>
   </p:sldIdLst>
   <p:sldSz cx="9144000" cy="6858000" type="screen4x3"/>
   <p:notesSz cx="6858000" cy="9144000"/>
   <p:embeddedFontLst>
     <p:embeddedFont>
       <p:font typeface="나눔고딕 ExtraBold" panose="020D0904000000000000" charset="-127"/>
-      <p:bold r:id="rId21"/>
+      <p:bold r:id="rId19"/>
     </p:embeddedFont>
     <p:embeddedFont>
       <p:font typeface="Verdana" panose="020B0604030504040204" pitchFamily="34" charset="0"/>
-      <p:regular r:id="rId22"/>
-      <p:bold r:id="rId23"/>
-      <p:italic r:id="rId24"/>
-      <p:boldItalic r:id="rId25"/>
+      <p:regular r:id="rId20"/>
+      <p:bold r:id="rId21"/>
+      <p:italic r:id="rId22"/>
+      <p:boldItalic r:id="rId23"/>
     </p:embeddedFont>
     <p:embeddedFont>
       <p:font typeface="다음_SemiBold" panose="02000700060000000000" pitchFamily="2" charset="-127"/>
-      <p:regular r:id="rId26"/>
+      <p:regular r:id="rId24"/>
     </p:embeddedFont>
     <p:embeddedFont>
       <p:font typeface="나눔바른고딕" panose="020B0603020101020101" pitchFamily="50" charset="-127"/>
-      <p:regular r:id="rId27"/>
-      <p:bold r:id="rId28"/>
+      <p:regular r:id="rId25"/>
+      <p:bold r:id="rId26"/>
     </p:embeddedFont>
     <p:embeddedFont>
       <p:font typeface="다음_Regular" panose="02000603060000000000" pitchFamily="2" charset="-127"/>
-      <p:regular r:id="rId29"/>
+      <p:regular r:id="rId27"/>
     </p:embeddedFont>
     <p:embeddedFont>
       <p:font typeface="맑은 고딕" panose="020B0503020000020004" pitchFamily="50" charset="-127"/>
-      <p:regular r:id="rId30"/>
-      <p:bold r:id="rId31"/>
+      <p:regular r:id="rId28"/>
+      <p:bold r:id="rId29"/>
     </p:embeddedFont>
   </p:embeddedFontLst>
   <p:defaultTextStyle>
@@ -3974,6 +3972,2481 @@
       </p:grpSpPr>
       <p:sp>
         <p:nvSpPr>
+          <p:cNvPr id="3" name="내용 개체 틀 2"/>
+          <p:cNvSpPr>
+            <a:spLocks noGrp="1"/>
+          </p:cNvSpPr>
+          <p:nvPr>
+            <p:ph idx="1"/>
+          </p:nvPr>
+        </p:nvSpPr>
+        <p:spPr/>
+        <p:txBody>
+          <a:bodyPr/>
+          <a:lstStyle/>
+          <a:p>
+            <a:r>
+              <a:rPr lang="en-US" altLang="ko-KR" dirty="0" err="1" smtClean="0">
+                <a:latin typeface="다음_SemiBold" panose="02000700060000000000" pitchFamily="2" charset="-127"/>
+                <a:ea typeface="다음_SemiBold" panose="02000700060000000000" pitchFamily="2" charset="-127"/>
+              </a:rPr>
+              <a:t>Git</a:t>
+            </a:r>
+            <a:r>
+              <a:rPr lang="en-US" altLang="ko-KR" dirty="0" smtClean="0">
+                <a:latin typeface="다음_SemiBold" panose="02000700060000000000" pitchFamily="2" charset="-127"/>
+                <a:ea typeface="다음_SemiBold" panose="02000700060000000000" pitchFamily="2" charset="-127"/>
+              </a:rPr>
+              <a:t> pull origin master</a:t>
+            </a:r>
+          </a:p>
+          <a:p>
+            <a:endParaRPr lang="en-US" altLang="ko-KR" sz="1500" dirty="0" smtClean="0">
+              <a:latin typeface="다음_SemiBold" panose="02000700060000000000" pitchFamily="2" charset="-127"/>
+              <a:ea typeface="다음_SemiBold" panose="02000700060000000000" pitchFamily="2" charset="-127"/>
+            </a:endParaRPr>
+          </a:p>
+          <a:p>
+            <a:r>
+              <a:rPr lang="en-US" altLang="ko-KR" dirty="0" err="1" smtClean="0">
+                <a:latin typeface="다음_SemiBold" panose="02000700060000000000" pitchFamily="2" charset="-127"/>
+                <a:ea typeface="다음_SemiBold" panose="02000700060000000000" pitchFamily="2" charset="-127"/>
+              </a:rPr>
+              <a:t>Git</a:t>
+            </a:r>
+            <a:r>
+              <a:rPr lang="en-US" altLang="ko-KR" dirty="0" smtClean="0">
+                <a:latin typeface="다음_SemiBold" panose="02000700060000000000" pitchFamily="2" charset="-127"/>
+                <a:ea typeface="다음_SemiBold" panose="02000700060000000000" pitchFamily="2" charset="-127"/>
+              </a:rPr>
+              <a:t> add </a:t>
+            </a:r>
+            <a:r>
+              <a:rPr lang="ko-KR" altLang="en-US" dirty="0" smtClean="0">
+                <a:latin typeface="다음_SemiBold" panose="02000700060000000000" pitchFamily="2" charset="-127"/>
+                <a:ea typeface="다음_SemiBold" panose="02000700060000000000" pitchFamily="2" charset="-127"/>
+              </a:rPr>
+              <a:t>파일명</a:t>
+            </a:r>
+            <a:endParaRPr lang="en-US" altLang="ko-KR" dirty="0" smtClean="0">
+              <a:latin typeface="다음_SemiBold" panose="02000700060000000000" pitchFamily="2" charset="-127"/>
+              <a:ea typeface="다음_SemiBold" panose="02000700060000000000" pitchFamily="2" charset="-127"/>
+            </a:endParaRPr>
+          </a:p>
+          <a:p>
+            <a:endParaRPr lang="en-US" altLang="ko-KR" sz="1500" dirty="0" smtClean="0">
+              <a:latin typeface="다음_SemiBold" panose="02000700060000000000" pitchFamily="2" charset="-127"/>
+              <a:ea typeface="다음_SemiBold" panose="02000700060000000000" pitchFamily="2" charset="-127"/>
+            </a:endParaRPr>
+          </a:p>
+          <a:p>
+            <a:r>
+              <a:rPr lang="en-US" altLang="ko-KR" dirty="0" err="1" smtClean="0">
+                <a:latin typeface="다음_SemiBold" panose="02000700060000000000" pitchFamily="2" charset="-127"/>
+                <a:ea typeface="다음_SemiBold" panose="02000700060000000000" pitchFamily="2" charset="-127"/>
+              </a:rPr>
+              <a:t>Git</a:t>
+            </a:r>
+            <a:r>
+              <a:rPr lang="en-US" altLang="ko-KR" dirty="0" smtClean="0">
+                <a:latin typeface="다음_SemiBold" panose="02000700060000000000" pitchFamily="2" charset="-127"/>
+                <a:ea typeface="다음_SemiBold" panose="02000700060000000000" pitchFamily="2" charset="-127"/>
+              </a:rPr>
+              <a:t> commit</a:t>
+            </a:r>
+          </a:p>
+          <a:p>
+            <a:endParaRPr lang="en-US" altLang="ko-KR" sz="1500" dirty="0" smtClean="0">
+              <a:latin typeface="다음_SemiBold" panose="02000700060000000000" pitchFamily="2" charset="-127"/>
+              <a:ea typeface="다음_SemiBold" panose="02000700060000000000" pitchFamily="2" charset="-127"/>
+            </a:endParaRPr>
+          </a:p>
+          <a:p>
+            <a:r>
+              <a:rPr lang="en-US" altLang="ko-KR" dirty="0" err="1" smtClean="0">
+                <a:latin typeface="다음_SemiBold" panose="02000700060000000000" pitchFamily="2" charset="-127"/>
+                <a:ea typeface="다음_SemiBold" panose="02000700060000000000" pitchFamily="2" charset="-127"/>
+              </a:rPr>
+              <a:t>Git</a:t>
+            </a:r>
+            <a:r>
+              <a:rPr lang="en-US" altLang="ko-KR" dirty="0" smtClean="0">
+                <a:latin typeface="다음_SemiBold" panose="02000700060000000000" pitchFamily="2" charset="-127"/>
+                <a:ea typeface="다음_SemiBold" panose="02000700060000000000" pitchFamily="2" charset="-127"/>
+              </a:rPr>
+              <a:t> push origin master</a:t>
+            </a:r>
+            <a:endParaRPr lang="ko-KR" altLang="en-US" dirty="0">
+              <a:latin typeface="다음_SemiBold" panose="02000700060000000000" pitchFamily="2" charset="-127"/>
+              <a:ea typeface="다음_SemiBold" panose="02000700060000000000" pitchFamily="2" charset="-127"/>
+            </a:endParaRPr>
+          </a:p>
+        </p:txBody>
+      </p:sp>
+      <p:sp>
+        <p:nvSpPr>
+          <p:cNvPr id="4" name="TextBox 25"/>
+          <p:cNvSpPr txBox="1">
+            <a:spLocks noChangeArrowheads="1"/>
+          </p:cNvSpPr>
+          <p:nvPr/>
+        </p:nvSpPr>
+        <p:spPr bwMode="auto">
+          <a:xfrm>
+            <a:off x="323528" y="603121"/>
+            <a:ext cx="5184576" cy="523220"/>
+          </a:xfrm>
+          <a:prstGeom prst="rect">
+            <a:avLst/>
+          </a:prstGeom>
+          <a:noFill/>
+          <a:ln w="9525">
+            <a:noFill/>
+            <a:miter lim="800000"/>
+            <a:headEnd/>
+            <a:tailEnd/>
+          </a:ln>
+        </p:spPr>
+        <p:txBody>
+          <a:bodyPr wrap="square">
+            <a:spAutoFit/>
+          </a:bodyPr>
+          <a:lstStyle/>
+          <a:p>
+            <a:pPr lvl="0"/>
+            <a:r>
+              <a:rPr lang="en-US" altLang="ko-KR" sz="2800" dirty="0" err="1" smtClean="0">
+                <a:solidFill>
+                  <a:prstClr val="black">
+                    <a:lumMod val="65000"/>
+                    <a:lumOff val="35000"/>
+                  </a:prstClr>
+                </a:solidFill>
+                <a:latin typeface="다음_SemiBold" pitchFamily="2" charset="-127"/>
+                <a:ea typeface="다음_SemiBold" pitchFamily="2" charset="-127"/>
+              </a:rPr>
+              <a:t>Git</a:t>
+            </a:r>
+            <a:r>
+              <a:rPr lang="en-US" altLang="ko-KR" sz="2800" dirty="0" smtClean="0">
+                <a:solidFill>
+                  <a:prstClr val="black">
+                    <a:lumMod val="65000"/>
+                    <a:lumOff val="35000"/>
+                  </a:prstClr>
+                </a:solidFill>
+                <a:latin typeface="다음_SemiBold" pitchFamily="2" charset="-127"/>
+                <a:ea typeface="다음_SemiBold" pitchFamily="2" charset="-127"/>
+              </a:rPr>
+              <a:t> </a:t>
+            </a:r>
+            <a:r>
+              <a:rPr lang="ko-KR" altLang="en-US" sz="2800" dirty="0" smtClean="0">
+                <a:solidFill>
+                  <a:prstClr val="black">
+                    <a:lumMod val="65000"/>
+                    <a:lumOff val="35000"/>
+                  </a:prstClr>
+                </a:solidFill>
+                <a:latin typeface="다음_SemiBold" pitchFamily="2" charset="-127"/>
+                <a:ea typeface="다음_SemiBold" pitchFamily="2" charset="-127"/>
+              </a:rPr>
+              <a:t>사용</a:t>
+            </a:r>
+            <a:endParaRPr lang="en-US" altLang="ko-KR" sz="2800" dirty="0" smtClean="0">
+              <a:solidFill>
+                <a:prstClr val="black">
+                  <a:lumMod val="65000"/>
+                  <a:lumOff val="35000"/>
+                </a:prstClr>
+              </a:solidFill>
+              <a:latin typeface="다음_SemiBold" pitchFamily="2" charset="-127"/>
+              <a:ea typeface="다음_SemiBold" pitchFamily="2" charset="-127"/>
+            </a:endParaRPr>
+          </a:p>
+        </p:txBody>
+      </p:sp>
+      <p:sp>
+        <p:nvSpPr>
+          <p:cNvPr id="5" name="TextBox 25"/>
+          <p:cNvSpPr txBox="1">
+            <a:spLocks noChangeArrowheads="1"/>
+          </p:cNvSpPr>
+          <p:nvPr/>
+        </p:nvSpPr>
+        <p:spPr bwMode="auto">
+          <a:xfrm>
+            <a:off x="323528" y="1195735"/>
+            <a:ext cx="5184576" cy="338554"/>
+          </a:xfrm>
+          <a:prstGeom prst="rect">
+            <a:avLst/>
+          </a:prstGeom>
+          <a:noFill/>
+          <a:ln w="9525">
+            <a:noFill/>
+            <a:miter lim="800000"/>
+            <a:headEnd/>
+            <a:tailEnd/>
+          </a:ln>
+        </p:spPr>
+        <p:txBody>
+          <a:bodyPr wrap="square">
+            <a:spAutoFit/>
+          </a:bodyPr>
+          <a:lstStyle/>
+          <a:p>
+            <a:pPr lvl="0"/>
+            <a:r>
+              <a:rPr lang="ko-KR" altLang="en-US" sz="1600" dirty="0" smtClean="0">
+                <a:solidFill>
+                  <a:prstClr val="black">
+                    <a:lumMod val="65000"/>
+                    <a:lumOff val="35000"/>
+                  </a:prstClr>
+                </a:solidFill>
+                <a:latin typeface="나눔바른고딕" pitchFamily="50" charset="-127"/>
+                <a:ea typeface="나눔바른고딕" pitchFamily="50" charset="-127"/>
+              </a:rPr>
+              <a:t> </a:t>
+            </a:r>
+            <a:endParaRPr lang="en-US" altLang="ko-KR" sz="1600" dirty="0" smtClean="0">
+              <a:solidFill>
+                <a:prstClr val="black">
+                  <a:lumMod val="65000"/>
+                  <a:lumOff val="35000"/>
+                </a:prstClr>
+              </a:solidFill>
+              <a:latin typeface="나눔바른고딕" pitchFamily="50" charset="-127"/>
+              <a:ea typeface="나눔바른고딕" pitchFamily="50" charset="-127"/>
+            </a:endParaRPr>
+          </a:p>
+        </p:txBody>
+      </p:sp>
+      <p:cxnSp>
+        <p:nvCxnSpPr>
+          <p:cNvPr id="6" name="직선 연결선 5"/>
+          <p:cNvCxnSpPr/>
+          <p:nvPr/>
+        </p:nvCxnSpPr>
+        <p:spPr>
+          <a:xfrm>
+            <a:off x="428355" y="475655"/>
+            <a:ext cx="327221" cy="0"/>
+          </a:xfrm>
+          <a:prstGeom prst="line">
+            <a:avLst/>
+          </a:prstGeom>
+          <a:ln w="76200">
+            <a:solidFill>
+              <a:schemeClr val="tx1">
+                <a:lumMod val="65000"/>
+                <a:lumOff val="35000"/>
+              </a:schemeClr>
+            </a:solidFill>
+          </a:ln>
+        </p:spPr>
+        <p:style>
+          <a:lnRef idx="1">
+            <a:schemeClr val="accent1"/>
+          </a:lnRef>
+          <a:fillRef idx="0">
+            <a:schemeClr val="accent1"/>
+          </a:fillRef>
+          <a:effectRef idx="0">
+            <a:schemeClr val="accent1"/>
+          </a:effectRef>
+          <a:fontRef idx="minor">
+            <a:schemeClr val="tx1"/>
+          </a:fontRef>
+        </p:style>
+      </p:cxnSp>
+    </p:spTree>
+    <p:extLst>
+      <p:ext uri="{BB962C8B-B14F-4D97-AF65-F5344CB8AC3E}">
+        <p14:creationId xmlns:p14="http://schemas.microsoft.com/office/powerpoint/2010/main" val="3608048986"/>
+      </p:ext>
+    </p:extLst>
+  </p:cSld>
+  <p:clrMapOvr>
+    <a:masterClrMapping/>
+  </p:clrMapOvr>
+  <p:timing>
+    <p:tnLst>
+      <p:par>
+        <p:cTn id="1" dur="indefinite" restart="never" nodeType="tmRoot"/>
+      </p:par>
+    </p:tnLst>
+  </p:timing>
+</p:sld>
+</file>
+
+<file path=ppt/slides/slide11.xml><?xml version="1.0" encoding="utf-8"?>
+<p:sld xmlns:a="http://schemas.openxmlformats.org/drawingml/2006/main" xmlns:r="http://schemas.openxmlformats.org/officeDocument/2006/relationships" xmlns:p="http://schemas.openxmlformats.org/presentationml/2006/main">
+  <p:cSld>
+    <p:spTree>
+      <p:nvGrpSpPr>
+        <p:cNvPr id="1" name=""/>
+        <p:cNvGrpSpPr/>
+        <p:nvPr/>
+      </p:nvGrpSpPr>
+      <p:grpSpPr>
+        <a:xfrm>
+          <a:off x="0" y="0"/>
+          <a:ext cx="0" cy="0"/>
+          <a:chOff x="0" y="0"/>
+          <a:chExt cx="0" cy="0"/>
+        </a:xfrm>
+      </p:grpSpPr>
+      <p:sp>
+        <p:nvSpPr>
+          <p:cNvPr id="11" name="타원 10"/>
+          <p:cNvSpPr/>
+          <p:nvPr/>
+        </p:nvSpPr>
+        <p:spPr>
+          <a:xfrm>
+            <a:off x="1451111" y="2132856"/>
+            <a:ext cx="1293622" cy="1293622"/>
+          </a:xfrm>
+          <a:prstGeom prst="ellipse">
+            <a:avLst/>
+          </a:prstGeom>
+          <a:solidFill>
+            <a:srgbClr val="4C93C7">
+              <a:alpha val="23000"/>
+            </a:srgbClr>
+          </a:solidFill>
+          <a:ln>
+            <a:noFill/>
+          </a:ln>
+        </p:spPr>
+        <p:style>
+          <a:lnRef idx="2">
+            <a:schemeClr val="accent1">
+              <a:shade val="50000"/>
+            </a:schemeClr>
+          </a:lnRef>
+          <a:fillRef idx="1">
+            <a:schemeClr val="accent1"/>
+          </a:fillRef>
+          <a:effectRef idx="0">
+            <a:schemeClr val="accent1"/>
+          </a:effectRef>
+          <a:fontRef idx="minor">
+            <a:schemeClr val="lt1"/>
+          </a:fontRef>
+        </p:style>
+        <p:txBody>
+          <a:bodyPr rtlCol="0" anchor="ctr"/>
+          <a:lstStyle/>
+          <a:p>
+            <a:pPr algn="ctr"/>
+            <a:endParaRPr lang="ko-KR" altLang="en-US"/>
+          </a:p>
+        </p:txBody>
+      </p:sp>
+      <p:sp>
+        <p:nvSpPr>
+          <p:cNvPr id="5" name="TextBox 25"/>
+          <p:cNvSpPr txBox="1">
+            <a:spLocks noChangeArrowheads="1"/>
+          </p:cNvSpPr>
+          <p:nvPr/>
+        </p:nvSpPr>
+        <p:spPr bwMode="auto">
+          <a:xfrm>
+            <a:off x="323528" y="603121"/>
+            <a:ext cx="5112568" cy="523220"/>
+          </a:xfrm>
+          <a:prstGeom prst="rect">
+            <a:avLst/>
+          </a:prstGeom>
+          <a:noFill/>
+          <a:ln w="9525">
+            <a:noFill/>
+            <a:miter lim="800000"/>
+            <a:headEnd/>
+            <a:tailEnd/>
+          </a:ln>
+        </p:spPr>
+        <p:txBody>
+          <a:bodyPr wrap="square">
+            <a:spAutoFit/>
+          </a:bodyPr>
+          <a:lstStyle/>
+          <a:p>
+            <a:pPr lvl="0"/>
+            <a:r>
+              <a:rPr lang="ko-KR" altLang="en-US" sz="2800" dirty="0" smtClean="0">
+                <a:solidFill>
+                  <a:prstClr val="black">
+                    <a:lumMod val="65000"/>
+                    <a:lumOff val="35000"/>
+                  </a:prstClr>
+                </a:solidFill>
+                <a:latin typeface="다음_SemiBold" pitchFamily="2" charset="-127"/>
+                <a:ea typeface="다음_SemiBold" pitchFamily="2" charset="-127"/>
+              </a:rPr>
+              <a:t>소책자 소개</a:t>
+            </a:r>
+            <a:r>
+              <a:rPr lang="en-US" altLang="ko-KR" sz="2800" dirty="0" smtClean="0">
+                <a:solidFill>
+                  <a:prstClr val="black">
+                    <a:lumMod val="65000"/>
+                    <a:lumOff val="35000"/>
+                  </a:prstClr>
+                </a:solidFill>
+                <a:latin typeface="다음_SemiBold" pitchFamily="2" charset="-127"/>
+                <a:ea typeface="다음_SemiBold" pitchFamily="2" charset="-127"/>
+              </a:rPr>
+              <a:t> </a:t>
+            </a:r>
+            <a:endParaRPr lang="en-US" altLang="ko-KR" sz="2800" dirty="0" smtClean="0">
+              <a:solidFill>
+                <a:prstClr val="black">
+                  <a:lumMod val="65000"/>
+                  <a:lumOff val="35000"/>
+                </a:prstClr>
+              </a:solidFill>
+              <a:latin typeface="다음_SemiBold" pitchFamily="2" charset="-127"/>
+              <a:ea typeface="다음_SemiBold" pitchFamily="2" charset="-127"/>
+            </a:endParaRPr>
+          </a:p>
+        </p:txBody>
+      </p:sp>
+      <p:sp>
+        <p:nvSpPr>
+          <p:cNvPr id="9" name="TextBox 25"/>
+          <p:cNvSpPr txBox="1">
+            <a:spLocks noChangeArrowheads="1"/>
+          </p:cNvSpPr>
+          <p:nvPr/>
+        </p:nvSpPr>
+        <p:spPr bwMode="auto">
+          <a:xfrm>
+            <a:off x="362134" y="1118900"/>
+            <a:ext cx="5112568" cy="307777"/>
+          </a:xfrm>
+          <a:prstGeom prst="rect">
+            <a:avLst/>
+          </a:prstGeom>
+          <a:noFill/>
+          <a:ln w="9525">
+            <a:noFill/>
+            <a:miter lim="800000"/>
+            <a:headEnd/>
+            <a:tailEnd/>
+          </a:ln>
+        </p:spPr>
+        <p:txBody>
+          <a:bodyPr wrap="square">
+            <a:spAutoFit/>
+          </a:bodyPr>
+          <a:lstStyle/>
+          <a:p>
+            <a:pPr lvl="0"/>
+            <a:r>
+              <a:rPr lang="ko-KR" altLang="en-US" sz="1400" dirty="0" smtClean="0">
+                <a:solidFill>
+                  <a:prstClr val="black">
+                    <a:lumMod val="65000"/>
+                    <a:lumOff val="35000"/>
+                  </a:prstClr>
+                </a:solidFill>
+                <a:latin typeface="나눔바른고딕" pitchFamily="50" charset="-127"/>
+                <a:ea typeface="나눔바른고딕" pitchFamily="50" charset="-127"/>
+              </a:rPr>
+              <a:t>목차</a:t>
+            </a:r>
+            <a:endParaRPr lang="en-US" altLang="ko-KR" sz="1400" dirty="0" smtClean="0">
+              <a:solidFill>
+                <a:prstClr val="black">
+                  <a:lumMod val="65000"/>
+                  <a:lumOff val="35000"/>
+                </a:prstClr>
+              </a:solidFill>
+              <a:latin typeface="나눔바른고딕" pitchFamily="50" charset="-127"/>
+              <a:ea typeface="나눔바른고딕" pitchFamily="50" charset="-127"/>
+            </a:endParaRPr>
+          </a:p>
+        </p:txBody>
+      </p:sp>
+      <p:cxnSp>
+        <p:nvCxnSpPr>
+          <p:cNvPr id="10" name="직선 연결선 9"/>
+          <p:cNvCxnSpPr/>
+          <p:nvPr/>
+        </p:nvCxnSpPr>
+        <p:spPr>
+          <a:xfrm>
+            <a:off x="428355" y="475655"/>
+            <a:ext cx="327221" cy="0"/>
+          </a:xfrm>
+          <a:prstGeom prst="line">
+            <a:avLst/>
+          </a:prstGeom>
+          <a:ln w="76200">
+            <a:solidFill>
+              <a:schemeClr val="tx1">
+                <a:lumMod val="65000"/>
+                <a:lumOff val="35000"/>
+              </a:schemeClr>
+            </a:solidFill>
+          </a:ln>
+        </p:spPr>
+        <p:style>
+          <a:lnRef idx="1">
+            <a:schemeClr val="accent1"/>
+          </a:lnRef>
+          <a:fillRef idx="0">
+            <a:schemeClr val="accent1"/>
+          </a:fillRef>
+          <a:effectRef idx="0">
+            <a:schemeClr val="accent1"/>
+          </a:effectRef>
+          <a:fontRef idx="minor">
+            <a:schemeClr val="tx1"/>
+          </a:fontRef>
+        </p:style>
+      </p:cxnSp>
+      <p:sp>
+        <p:nvSpPr>
+          <p:cNvPr id="37" name="TextBox 25"/>
+          <p:cNvSpPr txBox="1">
+            <a:spLocks noChangeArrowheads="1"/>
+          </p:cNvSpPr>
+          <p:nvPr/>
+        </p:nvSpPr>
+        <p:spPr bwMode="auto">
+          <a:xfrm>
+            <a:off x="1682800" y="2671407"/>
+            <a:ext cx="3783131" cy="400110"/>
+          </a:xfrm>
+          <a:prstGeom prst="rect">
+            <a:avLst/>
+          </a:prstGeom>
+          <a:noFill/>
+          <a:ln w="9525">
+            <a:noFill/>
+            <a:miter lim="800000"/>
+            <a:headEnd/>
+            <a:tailEnd/>
+          </a:ln>
+        </p:spPr>
+        <p:txBody>
+          <a:bodyPr wrap="square">
+            <a:spAutoFit/>
+          </a:bodyPr>
+          <a:lstStyle/>
+          <a:p>
+            <a:pPr lvl="0"/>
+            <a:r>
+              <a:rPr lang="en-US" altLang="ko-KR" sz="2000" b="1" dirty="0" smtClean="0">
+                <a:solidFill>
+                  <a:srgbClr val="4C93C7"/>
+                </a:solidFill>
+                <a:latin typeface="다음_Regular" panose="02000603060000000000" pitchFamily="2" charset="-127"/>
+                <a:ea typeface="다음_Regular" panose="02000603060000000000" pitchFamily="2" charset="-127"/>
+              </a:rPr>
+              <a:t>1. </a:t>
+            </a:r>
+            <a:r>
+              <a:rPr lang="ko-KR" altLang="en-US" sz="2000" b="1" dirty="0" smtClean="0">
+                <a:solidFill>
+                  <a:srgbClr val="4C93C7"/>
+                </a:solidFill>
+                <a:latin typeface="다음_Regular" panose="02000603060000000000" pitchFamily="2" charset="-127"/>
+                <a:ea typeface="다음_Regular" panose="02000603060000000000" pitchFamily="2" charset="-127"/>
+              </a:rPr>
+              <a:t>정의</a:t>
+            </a:r>
+            <a:endParaRPr lang="en-US" altLang="ko-KR" sz="2000" b="1" dirty="0" smtClean="0">
+              <a:solidFill>
+                <a:srgbClr val="4C93C7"/>
+              </a:solidFill>
+              <a:latin typeface="다음_Regular" panose="02000603060000000000" pitchFamily="2" charset="-127"/>
+              <a:ea typeface="다음_Regular" panose="02000603060000000000" pitchFamily="2" charset="-127"/>
+            </a:endParaRPr>
+          </a:p>
+        </p:txBody>
+      </p:sp>
+      <p:cxnSp>
+        <p:nvCxnSpPr>
+          <p:cNvPr id="38" name="직선 연결선 37"/>
+          <p:cNvCxnSpPr/>
+          <p:nvPr/>
+        </p:nvCxnSpPr>
+        <p:spPr>
+          <a:xfrm>
+            <a:off x="1760158" y="3434736"/>
+            <a:ext cx="1397458" cy="1"/>
+          </a:xfrm>
+          <a:prstGeom prst="line">
+            <a:avLst/>
+          </a:prstGeom>
+          <a:ln>
+            <a:solidFill>
+              <a:srgbClr val="4C93C7"/>
+            </a:solidFill>
+            <a:prstDash val="dash"/>
+          </a:ln>
+        </p:spPr>
+        <p:style>
+          <a:lnRef idx="1">
+            <a:schemeClr val="accent1"/>
+          </a:lnRef>
+          <a:fillRef idx="0">
+            <a:schemeClr val="accent1"/>
+          </a:fillRef>
+          <a:effectRef idx="0">
+            <a:schemeClr val="accent1"/>
+          </a:effectRef>
+          <a:fontRef idx="minor">
+            <a:schemeClr val="tx1"/>
+          </a:fontRef>
+        </p:style>
+      </p:cxnSp>
+      <p:sp>
+        <p:nvSpPr>
+          <p:cNvPr id="30" name="타원 29"/>
+          <p:cNvSpPr/>
+          <p:nvPr/>
+        </p:nvSpPr>
+        <p:spPr>
+          <a:xfrm>
+            <a:off x="5376367" y="2132856"/>
+            <a:ext cx="1293622" cy="1293622"/>
+          </a:xfrm>
+          <a:prstGeom prst="ellipse">
+            <a:avLst/>
+          </a:prstGeom>
+          <a:solidFill>
+            <a:srgbClr val="4C93C7">
+              <a:alpha val="23000"/>
+            </a:srgbClr>
+          </a:solidFill>
+          <a:ln>
+            <a:noFill/>
+          </a:ln>
+        </p:spPr>
+        <p:style>
+          <a:lnRef idx="2">
+            <a:schemeClr val="accent1">
+              <a:shade val="50000"/>
+            </a:schemeClr>
+          </a:lnRef>
+          <a:fillRef idx="1">
+            <a:schemeClr val="accent1"/>
+          </a:fillRef>
+          <a:effectRef idx="0">
+            <a:schemeClr val="accent1"/>
+          </a:effectRef>
+          <a:fontRef idx="minor">
+            <a:schemeClr val="lt1"/>
+          </a:fontRef>
+        </p:style>
+        <p:txBody>
+          <a:bodyPr rtlCol="0" anchor="ctr"/>
+          <a:lstStyle/>
+          <a:p>
+            <a:pPr algn="ctr"/>
+            <a:endParaRPr lang="ko-KR" altLang="en-US"/>
+          </a:p>
+        </p:txBody>
+      </p:sp>
+      <p:sp>
+        <p:nvSpPr>
+          <p:cNvPr id="32" name="TextBox 25"/>
+          <p:cNvSpPr txBox="1">
+            <a:spLocks noChangeArrowheads="1"/>
+          </p:cNvSpPr>
+          <p:nvPr/>
+        </p:nvSpPr>
+        <p:spPr bwMode="auto">
+          <a:xfrm>
+            <a:off x="5613405" y="2676854"/>
+            <a:ext cx="3783131" cy="400110"/>
+          </a:xfrm>
+          <a:prstGeom prst="rect">
+            <a:avLst/>
+          </a:prstGeom>
+          <a:noFill/>
+          <a:ln w="9525">
+            <a:noFill/>
+            <a:miter lim="800000"/>
+            <a:headEnd/>
+            <a:tailEnd/>
+          </a:ln>
+        </p:spPr>
+        <p:txBody>
+          <a:bodyPr wrap="square">
+            <a:spAutoFit/>
+          </a:bodyPr>
+          <a:lstStyle/>
+          <a:p>
+            <a:pPr lvl="0"/>
+            <a:r>
+              <a:rPr lang="en-US" altLang="ko-KR" sz="2000" b="1" dirty="0" smtClean="0">
+                <a:solidFill>
+                  <a:srgbClr val="4C93C7"/>
+                </a:solidFill>
+                <a:latin typeface="다음_Regular" panose="02000603060000000000" pitchFamily="2" charset="-127"/>
+                <a:ea typeface="다음_Regular" panose="02000603060000000000" pitchFamily="2" charset="-127"/>
+              </a:rPr>
+              <a:t>2. </a:t>
+            </a:r>
+            <a:r>
+              <a:rPr lang="ko-KR" altLang="en-US" sz="2000" b="1" dirty="0" smtClean="0">
+                <a:solidFill>
+                  <a:srgbClr val="4C93C7"/>
+                </a:solidFill>
+                <a:latin typeface="다음_Regular" panose="02000603060000000000" pitchFamily="2" charset="-127"/>
+                <a:ea typeface="다음_Regular" panose="02000603060000000000" pitchFamily="2" charset="-127"/>
+              </a:rPr>
+              <a:t>역사</a:t>
+            </a:r>
+            <a:endParaRPr lang="en-US" altLang="ko-KR" sz="2000" b="1" dirty="0" smtClean="0">
+              <a:solidFill>
+                <a:srgbClr val="4C93C7"/>
+              </a:solidFill>
+              <a:latin typeface="다음_Regular" panose="02000603060000000000" pitchFamily="2" charset="-127"/>
+              <a:ea typeface="다음_Regular" panose="02000603060000000000" pitchFamily="2" charset="-127"/>
+            </a:endParaRPr>
+          </a:p>
+        </p:txBody>
+      </p:sp>
+      <p:cxnSp>
+        <p:nvCxnSpPr>
+          <p:cNvPr id="33" name="직선 연결선 32"/>
+          <p:cNvCxnSpPr/>
+          <p:nvPr/>
+        </p:nvCxnSpPr>
+        <p:spPr>
+          <a:xfrm>
+            <a:off x="5685414" y="3434736"/>
+            <a:ext cx="1397458" cy="1"/>
+          </a:xfrm>
+          <a:prstGeom prst="line">
+            <a:avLst/>
+          </a:prstGeom>
+          <a:ln>
+            <a:solidFill>
+              <a:srgbClr val="4C93C7"/>
+            </a:solidFill>
+            <a:prstDash val="dash"/>
+          </a:ln>
+        </p:spPr>
+        <p:style>
+          <a:lnRef idx="1">
+            <a:schemeClr val="accent1"/>
+          </a:lnRef>
+          <a:fillRef idx="0">
+            <a:schemeClr val="accent1"/>
+          </a:fillRef>
+          <a:effectRef idx="0">
+            <a:schemeClr val="accent1"/>
+          </a:effectRef>
+          <a:fontRef idx="minor">
+            <a:schemeClr val="tx1"/>
+          </a:fontRef>
+        </p:style>
+      </p:cxnSp>
+      <p:sp>
+        <p:nvSpPr>
+          <p:cNvPr id="40" name="타원 39"/>
+          <p:cNvSpPr/>
+          <p:nvPr/>
+        </p:nvSpPr>
+        <p:spPr>
+          <a:xfrm>
+            <a:off x="606579" y="4793330"/>
+            <a:ext cx="681438" cy="681438"/>
+          </a:xfrm>
+          <a:prstGeom prst="ellipse">
+            <a:avLst/>
+          </a:prstGeom>
+          <a:solidFill>
+            <a:srgbClr val="4C93C7">
+              <a:alpha val="23000"/>
+            </a:srgbClr>
+          </a:solidFill>
+          <a:ln>
+            <a:noFill/>
+          </a:ln>
+        </p:spPr>
+        <p:style>
+          <a:lnRef idx="2">
+            <a:schemeClr val="accent1">
+              <a:shade val="50000"/>
+            </a:schemeClr>
+          </a:lnRef>
+          <a:fillRef idx="1">
+            <a:schemeClr val="accent1"/>
+          </a:fillRef>
+          <a:effectRef idx="0">
+            <a:schemeClr val="accent1"/>
+          </a:effectRef>
+          <a:fontRef idx="minor">
+            <a:schemeClr val="lt1"/>
+          </a:fontRef>
+        </p:style>
+        <p:txBody>
+          <a:bodyPr rtlCol="0" anchor="ctr"/>
+          <a:lstStyle/>
+          <a:p>
+            <a:pPr algn="ctr"/>
+            <a:endParaRPr lang="ko-KR" altLang="en-US"/>
+          </a:p>
+        </p:txBody>
+      </p:sp>
+      <p:sp>
+        <p:nvSpPr>
+          <p:cNvPr id="42" name="타원 41"/>
+          <p:cNvSpPr/>
+          <p:nvPr/>
+        </p:nvSpPr>
+        <p:spPr>
+          <a:xfrm>
+            <a:off x="3394819" y="4793330"/>
+            <a:ext cx="681438" cy="681438"/>
+          </a:xfrm>
+          <a:prstGeom prst="ellipse">
+            <a:avLst/>
+          </a:prstGeom>
+          <a:solidFill>
+            <a:srgbClr val="4C93C7">
+              <a:alpha val="23000"/>
+            </a:srgbClr>
+          </a:solidFill>
+          <a:ln>
+            <a:noFill/>
+          </a:ln>
+        </p:spPr>
+        <p:style>
+          <a:lnRef idx="2">
+            <a:schemeClr val="accent1">
+              <a:shade val="50000"/>
+            </a:schemeClr>
+          </a:lnRef>
+          <a:fillRef idx="1">
+            <a:schemeClr val="accent1"/>
+          </a:fillRef>
+          <a:effectRef idx="0">
+            <a:schemeClr val="accent1"/>
+          </a:effectRef>
+          <a:fontRef idx="minor">
+            <a:schemeClr val="lt1"/>
+          </a:fontRef>
+        </p:style>
+        <p:txBody>
+          <a:bodyPr rtlCol="0" anchor="ctr"/>
+          <a:lstStyle/>
+          <a:p>
+            <a:pPr algn="ctr"/>
+            <a:endParaRPr lang="ko-KR" altLang="en-US"/>
+          </a:p>
+        </p:txBody>
+      </p:sp>
+      <p:sp>
+        <p:nvSpPr>
+          <p:cNvPr id="43" name="타원 42"/>
+          <p:cNvSpPr/>
+          <p:nvPr/>
+        </p:nvSpPr>
+        <p:spPr>
+          <a:xfrm>
+            <a:off x="6011771" y="4793330"/>
+            <a:ext cx="681438" cy="681438"/>
+          </a:xfrm>
+          <a:prstGeom prst="ellipse">
+            <a:avLst/>
+          </a:prstGeom>
+          <a:solidFill>
+            <a:srgbClr val="4C93C7">
+              <a:alpha val="23000"/>
+            </a:srgbClr>
+          </a:solidFill>
+          <a:ln>
+            <a:noFill/>
+          </a:ln>
+        </p:spPr>
+        <p:style>
+          <a:lnRef idx="2">
+            <a:schemeClr val="accent1">
+              <a:shade val="50000"/>
+            </a:schemeClr>
+          </a:lnRef>
+          <a:fillRef idx="1">
+            <a:schemeClr val="accent1"/>
+          </a:fillRef>
+          <a:effectRef idx="0">
+            <a:schemeClr val="accent1"/>
+          </a:effectRef>
+          <a:fontRef idx="minor">
+            <a:schemeClr val="lt1"/>
+          </a:fontRef>
+        </p:style>
+        <p:txBody>
+          <a:bodyPr rtlCol="0" anchor="ctr"/>
+          <a:lstStyle/>
+          <a:p>
+            <a:pPr algn="ctr"/>
+            <a:endParaRPr lang="ko-KR" altLang="en-US"/>
+          </a:p>
+        </p:txBody>
+      </p:sp>
+      <p:sp>
+        <p:nvSpPr>
+          <p:cNvPr id="44" name="TextBox 25"/>
+          <p:cNvSpPr txBox="1">
+            <a:spLocks noChangeArrowheads="1"/>
+          </p:cNvSpPr>
+          <p:nvPr/>
+        </p:nvSpPr>
+        <p:spPr bwMode="auto">
+          <a:xfrm>
+            <a:off x="843618" y="5084591"/>
+            <a:ext cx="1080120" cy="400110"/>
+          </a:xfrm>
+          <a:prstGeom prst="rect">
+            <a:avLst/>
+          </a:prstGeom>
+          <a:noFill/>
+          <a:ln w="9525">
+            <a:noFill/>
+            <a:miter lim="800000"/>
+            <a:headEnd/>
+            <a:tailEnd/>
+          </a:ln>
+        </p:spPr>
+        <p:txBody>
+          <a:bodyPr wrap="square">
+            <a:spAutoFit/>
+          </a:bodyPr>
+          <a:lstStyle/>
+          <a:p>
+            <a:pPr lvl="0"/>
+            <a:r>
+              <a:rPr lang="en-US" altLang="ko-KR" sz="2000" b="1" dirty="0" smtClean="0">
+                <a:solidFill>
+                  <a:srgbClr val="4C93C7"/>
+                </a:solidFill>
+                <a:latin typeface="다음_Regular" panose="02000603060000000000" pitchFamily="2" charset="-127"/>
+                <a:ea typeface="다음_Regular" panose="02000603060000000000" pitchFamily="2" charset="-127"/>
+              </a:rPr>
+              <a:t>3. </a:t>
+            </a:r>
+            <a:r>
+              <a:rPr lang="ko-KR" altLang="en-US" sz="2000" b="1" dirty="0" smtClean="0">
+                <a:solidFill>
+                  <a:srgbClr val="4C93C7"/>
+                </a:solidFill>
+                <a:latin typeface="다음_Regular" panose="02000603060000000000" pitchFamily="2" charset="-127"/>
+                <a:ea typeface="다음_Regular" panose="02000603060000000000" pitchFamily="2" charset="-127"/>
+              </a:rPr>
+              <a:t>특징</a:t>
+            </a:r>
+            <a:endParaRPr lang="en-US" altLang="ko-KR" sz="2000" b="1" dirty="0" smtClean="0">
+              <a:solidFill>
+                <a:srgbClr val="4C93C7"/>
+              </a:solidFill>
+              <a:latin typeface="다음_Regular" panose="02000603060000000000" pitchFamily="2" charset="-127"/>
+              <a:ea typeface="다음_Regular" panose="02000603060000000000" pitchFamily="2" charset="-127"/>
+            </a:endParaRPr>
+          </a:p>
+        </p:txBody>
+      </p:sp>
+      <p:cxnSp>
+        <p:nvCxnSpPr>
+          <p:cNvPr id="49" name="직선 연결선 48"/>
+          <p:cNvCxnSpPr/>
+          <p:nvPr/>
+        </p:nvCxnSpPr>
+        <p:spPr>
+          <a:xfrm>
+            <a:off x="915626" y="5483026"/>
+            <a:ext cx="936000" cy="0"/>
+          </a:xfrm>
+          <a:prstGeom prst="line">
+            <a:avLst/>
+          </a:prstGeom>
+          <a:ln>
+            <a:solidFill>
+              <a:srgbClr val="4C93C7"/>
+            </a:solidFill>
+            <a:prstDash val="dash"/>
+          </a:ln>
+        </p:spPr>
+        <p:style>
+          <a:lnRef idx="1">
+            <a:schemeClr val="accent1"/>
+          </a:lnRef>
+          <a:fillRef idx="0">
+            <a:schemeClr val="accent1"/>
+          </a:fillRef>
+          <a:effectRef idx="0">
+            <a:schemeClr val="accent1"/>
+          </a:effectRef>
+          <a:fontRef idx="minor">
+            <a:schemeClr val="tx1"/>
+          </a:fontRef>
+        </p:style>
+      </p:cxnSp>
+      <p:sp>
+        <p:nvSpPr>
+          <p:cNvPr id="50" name="TextBox 25"/>
+          <p:cNvSpPr txBox="1">
+            <a:spLocks noChangeArrowheads="1"/>
+          </p:cNvSpPr>
+          <p:nvPr/>
+        </p:nvSpPr>
+        <p:spPr bwMode="auto">
+          <a:xfrm>
+            <a:off x="3648389" y="5084591"/>
+            <a:ext cx="2091480" cy="400110"/>
+          </a:xfrm>
+          <a:prstGeom prst="rect">
+            <a:avLst/>
+          </a:prstGeom>
+          <a:noFill/>
+          <a:ln w="9525">
+            <a:noFill/>
+            <a:miter lim="800000"/>
+            <a:headEnd/>
+            <a:tailEnd/>
+          </a:ln>
+        </p:spPr>
+        <p:txBody>
+          <a:bodyPr wrap="square">
+            <a:spAutoFit/>
+          </a:bodyPr>
+          <a:lstStyle/>
+          <a:p>
+            <a:pPr lvl="0"/>
+            <a:r>
+              <a:rPr lang="en-US" altLang="ko-KR" sz="2000" b="1" dirty="0" smtClean="0">
+                <a:solidFill>
+                  <a:srgbClr val="4C93C7"/>
+                </a:solidFill>
+                <a:latin typeface="다음_Regular" panose="02000603060000000000" pitchFamily="2" charset="-127"/>
+                <a:ea typeface="다음_Regular" panose="02000603060000000000" pitchFamily="2" charset="-127"/>
+              </a:rPr>
+              <a:t>4. </a:t>
+            </a:r>
+            <a:r>
+              <a:rPr lang="ko-KR" altLang="en-US" sz="2000" b="1" dirty="0" smtClean="0">
+                <a:solidFill>
+                  <a:srgbClr val="4C93C7"/>
+                </a:solidFill>
+                <a:latin typeface="다음_Regular" panose="02000603060000000000" pitchFamily="2" charset="-127"/>
+                <a:ea typeface="다음_Regular" panose="02000603060000000000" pitchFamily="2" charset="-127"/>
+              </a:rPr>
+              <a:t>상황 및 전망</a:t>
+            </a:r>
+            <a:endParaRPr lang="en-US" altLang="ko-KR" sz="2000" b="1" dirty="0" smtClean="0">
+              <a:solidFill>
+                <a:srgbClr val="4C93C7"/>
+              </a:solidFill>
+              <a:latin typeface="다음_Regular" panose="02000603060000000000" pitchFamily="2" charset="-127"/>
+              <a:ea typeface="다음_Regular" panose="02000603060000000000" pitchFamily="2" charset="-127"/>
+            </a:endParaRPr>
+          </a:p>
+        </p:txBody>
+      </p:sp>
+      <p:cxnSp>
+        <p:nvCxnSpPr>
+          <p:cNvPr id="52" name="직선 연결선 51"/>
+          <p:cNvCxnSpPr/>
+          <p:nvPr/>
+        </p:nvCxnSpPr>
+        <p:spPr>
+          <a:xfrm>
+            <a:off x="3723938" y="5483026"/>
+            <a:ext cx="936000" cy="0"/>
+          </a:xfrm>
+          <a:prstGeom prst="line">
+            <a:avLst/>
+          </a:prstGeom>
+          <a:ln>
+            <a:solidFill>
+              <a:srgbClr val="4C93C7"/>
+            </a:solidFill>
+            <a:prstDash val="dash"/>
+          </a:ln>
+        </p:spPr>
+        <p:style>
+          <a:lnRef idx="1">
+            <a:schemeClr val="accent1"/>
+          </a:lnRef>
+          <a:fillRef idx="0">
+            <a:schemeClr val="accent1"/>
+          </a:fillRef>
+          <a:effectRef idx="0">
+            <a:schemeClr val="accent1"/>
+          </a:effectRef>
+          <a:fontRef idx="minor">
+            <a:schemeClr val="tx1"/>
+          </a:fontRef>
+        </p:style>
+      </p:cxnSp>
+      <p:sp>
+        <p:nvSpPr>
+          <p:cNvPr id="56" name="TextBox 25"/>
+          <p:cNvSpPr txBox="1">
+            <a:spLocks noChangeArrowheads="1"/>
+          </p:cNvSpPr>
+          <p:nvPr/>
+        </p:nvSpPr>
+        <p:spPr bwMode="auto">
+          <a:xfrm>
+            <a:off x="6280482" y="5084591"/>
+            <a:ext cx="1819910" cy="400110"/>
+          </a:xfrm>
+          <a:prstGeom prst="rect">
+            <a:avLst/>
+          </a:prstGeom>
+          <a:noFill/>
+          <a:ln w="9525">
+            <a:noFill/>
+            <a:miter lim="800000"/>
+            <a:headEnd/>
+            <a:tailEnd/>
+          </a:ln>
+        </p:spPr>
+        <p:txBody>
+          <a:bodyPr wrap="square">
+            <a:spAutoFit/>
+          </a:bodyPr>
+          <a:lstStyle/>
+          <a:p>
+            <a:pPr lvl="0"/>
+            <a:r>
+              <a:rPr lang="en-US" altLang="ko-KR" sz="2000" b="1" dirty="0" smtClean="0">
+                <a:solidFill>
+                  <a:srgbClr val="4C93C7"/>
+                </a:solidFill>
+                <a:latin typeface="다음_Regular" panose="02000603060000000000" pitchFamily="2" charset="-127"/>
+                <a:ea typeface="다음_Regular" panose="02000603060000000000" pitchFamily="2" charset="-127"/>
+              </a:rPr>
+              <a:t>5. </a:t>
+            </a:r>
+            <a:r>
+              <a:rPr lang="ko-KR" altLang="en-US" sz="2000" b="1" dirty="0" smtClean="0">
+                <a:solidFill>
+                  <a:srgbClr val="4C93C7"/>
+                </a:solidFill>
+                <a:latin typeface="다음_Regular" panose="02000603060000000000" pitchFamily="2" charset="-127"/>
+                <a:ea typeface="다음_Regular" panose="02000603060000000000" pitchFamily="2" charset="-127"/>
+              </a:rPr>
+              <a:t>라이선스</a:t>
+            </a:r>
+            <a:endParaRPr lang="en-US" altLang="ko-KR" sz="2000" b="1" dirty="0" smtClean="0">
+              <a:solidFill>
+                <a:srgbClr val="4C93C7"/>
+              </a:solidFill>
+              <a:latin typeface="다음_Regular" panose="02000603060000000000" pitchFamily="2" charset="-127"/>
+              <a:ea typeface="다음_Regular" panose="02000603060000000000" pitchFamily="2" charset="-127"/>
+            </a:endParaRPr>
+          </a:p>
+        </p:txBody>
+      </p:sp>
+      <p:cxnSp>
+        <p:nvCxnSpPr>
+          <p:cNvPr id="57" name="직선 연결선 56"/>
+          <p:cNvCxnSpPr/>
+          <p:nvPr/>
+        </p:nvCxnSpPr>
+        <p:spPr>
+          <a:xfrm>
+            <a:off x="6352490" y="5483026"/>
+            <a:ext cx="1476000" cy="0"/>
+          </a:xfrm>
+          <a:prstGeom prst="line">
+            <a:avLst/>
+          </a:prstGeom>
+          <a:ln>
+            <a:solidFill>
+              <a:srgbClr val="4C93C7"/>
+            </a:solidFill>
+            <a:prstDash val="dash"/>
+          </a:ln>
+        </p:spPr>
+        <p:style>
+          <a:lnRef idx="1">
+            <a:schemeClr val="accent1"/>
+          </a:lnRef>
+          <a:fillRef idx="0">
+            <a:schemeClr val="accent1"/>
+          </a:fillRef>
+          <a:effectRef idx="0">
+            <a:schemeClr val="accent1"/>
+          </a:effectRef>
+          <a:fontRef idx="minor">
+            <a:schemeClr val="tx1"/>
+          </a:fontRef>
+        </p:style>
+      </p:cxnSp>
+    </p:spTree>
+    <p:extLst>
+      <p:ext uri="{BB962C8B-B14F-4D97-AF65-F5344CB8AC3E}">
+        <p14:creationId xmlns:p14="http://schemas.microsoft.com/office/powerpoint/2010/main" val="4027505701"/>
+      </p:ext>
+    </p:extLst>
+  </p:cSld>
+  <p:clrMapOvr>
+    <a:masterClrMapping/>
+  </p:clrMapOvr>
+  <p:timing>
+    <p:tnLst>
+      <p:par>
+        <p:cTn id="1" dur="indefinite" restart="never" nodeType="tmRoot">
+          <p:childTnLst>
+            <p:seq concurrent="1" nextAc="seek">
+              <p:cTn id="2" dur="indefinite" nodeType="mainSeq">
+                <p:childTnLst>
+                  <p:par>
+                    <p:cTn id="3" fill="hold">
+                      <p:stCondLst>
+                        <p:cond delay="indefinite"/>
+                      </p:stCondLst>
+                      <p:childTnLst>
+                        <p:par>
+                          <p:cTn id="4" fill="hold">
+                            <p:stCondLst>
+                              <p:cond delay="0"/>
+                            </p:stCondLst>
+                            <p:childTnLst>
+                              <p:par>
+                                <p:cTn id="5" presetID="2" presetClass="entr" presetSubtype="4" fill="hold" grpId="0" nodeType="clickEffect">
+                                  <p:stCondLst>
+                                    <p:cond delay="0"/>
+                                  </p:stCondLst>
+                                  <p:childTnLst>
+                                    <p:set>
+                                      <p:cBhvr>
+                                        <p:cTn id="6" dur="1" fill="hold">
+                                          <p:stCondLst>
+                                            <p:cond delay="0"/>
+                                          </p:stCondLst>
+                                        </p:cTn>
+                                        <p:tgtEl>
+                                          <p:spTgt spid="11"/>
+                                        </p:tgtEl>
+                                        <p:attrNameLst>
+                                          <p:attrName>style.visibility</p:attrName>
+                                        </p:attrNameLst>
+                                      </p:cBhvr>
+                                      <p:to>
+                                        <p:strVal val="visible"/>
+                                      </p:to>
+                                    </p:set>
+                                    <p:anim calcmode="lin" valueType="num">
+                                      <p:cBhvr additive="base">
+                                        <p:cTn id="7" dur="500" fill="hold"/>
+                                        <p:tgtEl>
+                                          <p:spTgt spid="11"/>
+                                        </p:tgtEl>
+                                        <p:attrNameLst>
+                                          <p:attrName>ppt_x</p:attrName>
+                                        </p:attrNameLst>
+                                      </p:cBhvr>
+                                      <p:tavLst>
+                                        <p:tav tm="0">
+                                          <p:val>
+                                            <p:strVal val="#ppt_x"/>
+                                          </p:val>
+                                        </p:tav>
+                                        <p:tav tm="100000">
+                                          <p:val>
+                                            <p:strVal val="#ppt_x"/>
+                                          </p:val>
+                                        </p:tav>
+                                      </p:tavLst>
+                                    </p:anim>
+                                    <p:anim calcmode="lin" valueType="num">
+                                      <p:cBhvr additive="base">
+                                        <p:cTn id="8" dur="500" fill="hold"/>
+                                        <p:tgtEl>
+                                          <p:spTgt spid="11"/>
+                                        </p:tgtEl>
+                                        <p:attrNameLst>
+                                          <p:attrName>ppt_y</p:attrName>
+                                        </p:attrNameLst>
+                                      </p:cBhvr>
+                                      <p:tavLst>
+                                        <p:tav tm="0">
+                                          <p:val>
+                                            <p:strVal val="1+#ppt_h/2"/>
+                                          </p:val>
+                                        </p:tav>
+                                        <p:tav tm="100000">
+                                          <p:val>
+                                            <p:strVal val="#ppt_y"/>
+                                          </p:val>
+                                        </p:tav>
+                                      </p:tavLst>
+                                    </p:anim>
+                                  </p:childTnLst>
+                                </p:cTn>
+                              </p:par>
+                              <p:par>
+                                <p:cTn id="9" presetID="2" presetClass="entr" presetSubtype="4" fill="hold" grpId="0" nodeType="withEffect">
+                                  <p:stCondLst>
+                                    <p:cond delay="0"/>
+                                  </p:stCondLst>
+                                  <p:childTnLst>
+                                    <p:set>
+                                      <p:cBhvr>
+                                        <p:cTn id="10" dur="1" fill="hold">
+                                          <p:stCondLst>
+                                            <p:cond delay="0"/>
+                                          </p:stCondLst>
+                                        </p:cTn>
+                                        <p:tgtEl>
+                                          <p:spTgt spid="37"/>
+                                        </p:tgtEl>
+                                        <p:attrNameLst>
+                                          <p:attrName>style.visibility</p:attrName>
+                                        </p:attrNameLst>
+                                      </p:cBhvr>
+                                      <p:to>
+                                        <p:strVal val="visible"/>
+                                      </p:to>
+                                    </p:set>
+                                    <p:anim calcmode="lin" valueType="num">
+                                      <p:cBhvr additive="base">
+                                        <p:cTn id="11" dur="500" fill="hold"/>
+                                        <p:tgtEl>
+                                          <p:spTgt spid="37"/>
+                                        </p:tgtEl>
+                                        <p:attrNameLst>
+                                          <p:attrName>ppt_x</p:attrName>
+                                        </p:attrNameLst>
+                                      </p:cBhvr>
+                                      <p:tavLst>
+                                        <p:tav tm="0">
+                                          <p:val>
+                                            <p:strVal val="#ppt_x"/>
+                                          </p:val>
+                                        </p:tav>
+                                        <p:tav tm="100000">
+                                          <p:val>
+                                            <p:strVal val="#ppt_x"/>
+                                          </p:val>
+                                        </p:tav>
+                                      </p:tavLst>
+                                    </p:anim>
+                                    <p:anim calcmode="lin" valueType="num">
+                                      <p:cBhvr additive="base">
+                                        <p:cTn id="12" dur="500" fill="hold"/>
+                                        <p:tgtEl>
+                                          <p:spTgt spid="37"/>
+                                        </p:tgtEl>
+                                        <p:attrNameLst>
+                                          <p:attrName>ppt_y</p:attrName>
+                                        </p:attrNameLst>
+                                      </p:cBhvr>
+                                      <p:tavLst>
+                                        <p:tav tm="0">
+                                          <p:val>
+                                            <p:strVal val="1+#ppt_h/2"/>
+                                          </p:val>
+                                        </p:tav>
+                                        <p:tav tm="100000">
+                                          <p:val>
+                                            <p:strVal val="#ppt_y"/>
+                                          </p:val>
+                                        </p:tav>
+                                      </p:tavLst>
+                                    </p:anim>
+                                  </p:childTnLst>
+                                </p:cTn>
+                              </p:par>
+                              <p:par>
+                                <p:cTn id="13" presetID="2" presetClass="entr" presetSubtype="4" fill="hold" nodeType="withEffect">
+                                  <p:stCondLst>
+                                    <p:cond delay="0"/>
+                                  </p:stCondLst>
+                                  <p:childTnLst>
+                                    <p:set>
+                                      <p:cBhvr>
+                                        <p:cTn id="14" dur="1" fill="hold">
+                                          <p:stCondLst>
+                                            <p:cond delay="0"/>
+                                          </p:stCondLst>
+                                        </p:cTn>
+                                        <p:tgtEl>
+                                          <p:spTgt spid="38"/>
+                                        </p:tgtEl>
+                                        <p:attrNameLst>
+                                          <p:attrName>style.visibility</p:attrName>
+                                        </p:attrNameLst>
+                                      </p:cBhvr>
+                                      <p:to>
+                                        <p:strVal val="visible"/>
+                                      </p:to>
+                                    </p:set>
+                                    <p:anim calcmode="lin" valueType="num">
+                                      <p:cBhvr additive="base">
+                                        <p:cTn id="15" dur="500" fill="hold"/>
+                                        <p:tgtEl>
+                                          <p:spTgt spid="38"/>
+                                        </p:tgtEl>
+                                        <p:attrNameLst>
+                                          <p:attrName>ppt_x</p:attrName>
+                                        </p:attrNameLst>
+                                      </p:cBhvr>
+                                      <p:tavLst>
+                                        <p:tav tm="0">
+                                          <p:val>
+                                            <p:strVal val="#ppt_x"/>
+                                          </p:val>
+                                        </p:tav>
+                                        <p:tav tm="100000">
+                                          <p:val>
+                                            <p:strVal val="#ppt_x"/>
+                                          </p:val>
+                                        </p:tav>
+                                      </p:tavLst>
+                                    </p:anim>
+                                    <p:anim calcmode="lin" valueType="num">
+                                      <p:cBhvr additive="base">
+                                        <p:cTn id="16" dur="500" fill="hold"/>
+                                        <p:tgtEl>
+                                          <p:spTgt spid="38"/>
+                                        </p:tgtEl>
+                                        <p:attrNameLst>
+                                          <p:attrName>ppt_y</p:attrName>
+                                        </p:attrNameLst>
+                                      </p:cBhvr>
+                                      <p:tavLst>
+                                        <p:tav tm="0">
+                                          <p:val>
+                                            <p:strVal val="1+#ppt_h/2"/>
+                                          </p:val>
+                                        </p:tav>
+                                        <p:tav tm="100000">
+                                          <p:val>
+                                            <p:strVal val="#ppt_y"/>
+                                          </p:val>
+                                        </p:tav>
+                                      </p:tavLst>
+                                    </p:anim>
+                                  </p:childTnLst>
+                                </p:cTn>
+                              </p:par>
+                            </p:childTnLst>
+                          </p:cTn>
+                        </p:par>
+                      </p:childTnLst>
+                    </p:cTn>
+                  </p:par>
+                  <p:par>
+                    <p:cTn id="17" fill="hold">
+                      <p:stCondLst>
+                        <p:cond delay="indefinite"/>
+                      </p:stCondLst>
+                      <p:childTnLst>
+                        <p:par>
+                          <p:cTn id="18" fill="hold">
+                            <p:stCondLst>
+                              <p:cond delay="0"/>
+                            </p:stCondLst>
+                            <p:childTnLst>
+                              <p:par>
+                                <p:cTn id="19" presetID="2" presetClass="entr" presetSubtype="4" fill="hold" grpId="0" nodeType="clickEffect">
+                                  <p:stCondLst>
+                                    <p:cond delay="0"/>
+                                  </p:stCondLst>
+                                  <p:childTnLst>
+                                    <p:set>
+                                      <p:cBhvr>
+                                        <p:cTn id="20" dur="1" fill="hold">
+                                          <p:stCondLst>
+                                            <p:cond delay="0"/>
+                                          </p:stCondLst>
+                                        </p:cTn>
+                                        <p:tgtEl>
+                                          <p:spTgt spid="30"/>
+                                        </p:tgtEl>
+                                        <p:attrNameLst>
+                                          <p:attrName>style.visibility</p:attrName>
+                                        </p:attrNameLst>
+                                      </p:cBhvr>
+                                      <p:to>
+                                        <p:strVal val="visible"/>
+                                      </p:to>
+                                    </p:set>
+                                    <p:anim calcmode="lin" valueType="num">
+                                      <p:cBhvr additive="base">
+                                        <p:cTn id="21" dur="500" fill="hold"/>
+                                        <p:tgtEl>
+                                          <p:spTgt spid="30"/>
+                                        </p:tgtEl>
+                                        <p:attrNameLst>
+                                          <p:attrName>ppt_x</p:attrName>
+                                        </p:attrNameLst>
+                                      </p:cBhvr>
+                                      <p:tavLst>
+                                        <p:tav tm="0">
+                                          <p:val>
+                                            <p:strVal val="#ppt_x"/>
+                                          </p:val>
+                                        </p:tav>
+                                        <p:tav tm="100000">
+                                          <p:val>
+                                            <p:strVal val="#ppt_x"/>
+                                          </p:val>
+                                        </p:tav>
+                                      </p:tavLst>
+                                    </p:anim>
+                                    <p:anim calcmode="lin" valueType="num">
+                                      <p:cBhvr additive="base">
+                                        <p:cTn id="22" dur="500" fill="hold"/>
+                                        <p:tgtEl>
+                                          <p:spTgt spid="30"/>
+                                        </p:tgtEl>
+                                        <p:attrNameLst>
+                                          <p:attrName>ppt_y</p:attrName>
+                                        </p:attrNameLst>
+                                      </p:cBhvr>
+                                      <p:tavLst>
+                                        <p:tav tm="0">
+                                          <p:val>
+                                            <p:strVal val="1+#ppt_h/2"/>
+                                          </p:val>
+                                        </p:tav>
+                                        <p:tav tm="100000">
+                                          <p:val>
+                                            <p:strVal val="#ppt_y"/>
+                                          </p:val>
+                                        </p:tav>
+                                      </p:tavLst>
+                                    </p:anim>
+                                  </p:childTnLst>
+                                </p:cTn>
+                              </p:par>
+                              <p:par>
+                                <p:cTn id="23" presetID="2" presetClass="entr" presetSubtype="4" fill="hold" grpId="0" nodeType="withEffect">
+                                  <p:stCondLst>
+                                    <p:cond delay="0"/>
+                                  </p:stCondLst>
+                                  <p:childTnLst>
+                                    <p:set>
+                                      <p:cBhvr>
+                                        <p:cTn id="24" dur="1" fill="hold">
+                                          <p:stCondLst>
+                                            <p:cond delay="0"/>
+                                          </p:stCondLst>
+                                        </p:cTn>
+                                        <p:tgtEl>
+                                          <p:spTgt spid="32"/>
+                                        </p:tgtEl>
+                                        <p:attrNameLst>
+                                          <p:attrName>style.visibility</p:attrName>
+                                        </p:attrNameLst>
+                                      </p:cBhvr>
+                                      <p:to>
+                                        <p:strVal val="visible"/>
+                                      </p:to>
+                                    </p:set>
+                                    <p:anim calcmode="lin" valueType="num">
+                                      <p:cBhvr additive="base">
+                                        <p:cTn id="25" dur="500" fill="hold"/>
+                                        <p:tgtEl>
+                                          <p:spTgt spid="32"/>
+                                        </p:tgtEl>
+                                        <p:attrNameLst>
+                                          <p:attrName>ppt_x</p:attrName>
+                                        </p:attrNameLst>
+                                      </p:cBhvr>
+                                      <p:tavLst>
+                                        <p:tav tm="0">
+                                          <p:val>
+                                            <p:strVal val="#ppt_x"/>
+                                          </p:val>
+                                        </p:tav>
+                                        <p:tav tm="100000">
+                                          <p:val>
+                                            <p:strVal val="#ppt_x"/>
+                                          </p:val>
+                                        </p:tav>
+                                      </p:tavLst>
+                                    </p:anim>
+                                    <p:anim calcmode="lin" valueType="num">
+                                      <p:cBhvr additive="base">
+                                        <p:cTn id="26" dur="500" fill="hold"/>
+                                        <p:tgtEl>
+                                          <p:spTgt spid="32"/>
+                                        </p:tgtEl>
+                                        <p:attrNameLst>
+                                          <p:attrName>ppt_y</p:attrName>
+                                        </p:attrNameLst>
+                                      </p:cBhvr>
+                                      <p:tavLst>
+                                        <p:tav tm="0">
+                                          <p:val>
+                                            <p:strVal val="1+#ppt_h/2"/>
+                                          </p:val>
+                                        </p:tav>
+                                        <p:tav tm="100000">
+                                          <p:val>
+                                            <p:strVal val="#ppt_y"/>
+                                          </p:val>
+                                        </p:tav>
+                                      </p:tavLst>
+                                    </p:anim>
+                                  </p:childTnLst>
+                                </p:cTn>
+                              </p:par>
+                              <p:par>
+                                <p:cTn id="27" presetID="2" presetClass="entr" presetSubtype="4" fill="hold" nodeType="withEffect">
+                                  <p:stCondLst>
+                                    <p:cond delay="0"/>
+                                  </p:stCondLst>
+                                  <p:childTnLst>
+                                    <p:set>
+                                      <p:cBhvr>
+                                        <p:cTn id="28" dur="1" fill="hold">
+                                          <p:stCondLst>
+                                            <p:cond delay="0"/>
+                                          </p:stCondLst>
+                                        </p:cTn>
+                                        <p:tgtEl>
+                                          <p:spTgt spid="33"/>
+                                        </p:tgtEl>
+                                        <p:attrNameLst>
+                                          <p:attrName>style.visibility</p:attrName>
+                                        </p:attrNameLst>
+                                      </p:cBhvr>
+                                      <p:to>
+                                        <p:strVal val="visible"/>
+                                      </p:to>
+                                    </p:set>
+                                    <p:anim calcmode="lin" valueType="num">
+                                      <p:cBhvr additive="base">
+                                        <p:cTn id="29" dur="500" fill="hold"/>
+                                        <p:tgtEl>
+                                          <p:spTgt spid="33"/>
+                                        </p:tgtEl>
+                                        <p:attrNameLst>
+                                          <p:attrName>ppt_x</p:attrName>
+                                        </p:attrNameLst>
+                                      </p:cBhvr>
+                                      <p:tavLst>
+                                        <p:tav tm="0">
+                                          <p:val>
+                                            <p:strVal val="#ppt_x"/>
+                                          </p:val>
+                                        </p:tav>
+                                        <p:tav tm="100000">
+                                          <p:val>
+                                            <p:strVal val="#ppt_x"/>
+                                          </p:val>
+                                        </p:tav>
+                                      </p:tavLst>
+                                    </p:anim>
+                                    <p:anim calcmode="lin" valueType="num">
+                                      <p:cBhvr additive="base">
+                                        <p:cTn id="30" dur="500" fill="hold"/>
+                                        <p:tgtEl>
+                                          <p:spTgt spid="33"/>
+                                        </p:tgtEl>
+                                        <p:attrNameLst>
+                                          <p:attrName>ppt_y</p:attrName>
+                                        </p:attrNameLst>
+                                      </p:cBhvr>
+                                      <p:tavLst>
+                                        <p:tav tm="0">
+                                          <p:val>
+                                            <p:strVal val="1+#ppt_h/2"/>
+                                          </p:val>
+                                        </p:tav>
+                                        <p:tav tm="100000">
+                                          <p:val>
+                                            <p:strVal val="#ppt_y"/>
+                                          </p:val>
+                                        </p:tav>
+                                      </p:tavLst>
+                                    </p:anim>
+                                  </p:childTnLst>
+                                </p:cTn>
+                              </p:par>
+                            </p:childTnLst>
+                          </p:cTn>
+                        </p:par>
+                      </p:childTnLst>
+                    </p:cTn>
+                  </p:par>
+                  <p:par>
+                    <p:cTn id="31" fill="hold">
+                      <p:stCondLst>
+                        <p:cond delay="indefinite"/>
+                      </p:stCondLst>
+                      <p:childTnLst>
+                        <p:par>
+                          <p:cTn id="32" fill="hold">
+                            <p:stCondLst>
+                              <p:cond delay="0"/>
+                            </p:stCondLst>
+                            <p:childTnLst>
+                              <p:par>
+                                <p:cTn id="33" presetID="2" presetClass="entr" presetSubtype="4" fill="hold" grpId="0" nodeType="clickEffect">
+                                  <p:stCondLst>
+                                    <p:cond delay="0"/>
+                                  </p:stCondLst>
+                                  <p:childTnLst>
+                                    <p:set>
+                                      <p:cBhvr>
+                                        <p:cTn id="34" dur="1" fill="hold">
+                                          <p:stCondLst>
+                                            <p:cond delay="0"/>
+                                          </p:stCondLst>
+                                        </p:cTn>
+                                        <p:tgtEl>
+                                          <p:spTgt spid="40"/>
+                                        </p:tgtEl>
+                                        <p:attrNameLst>
+                                          <p:attrName>style.visibility</p:attrName>
+                                        </p:attrNameLst>
+                                      </p:cBhvr>
+                                      <p:to>
+                                        <p:strVal val="visible"/>
+                                      </p:to>
+                                    </p:set>
+                                    <p:anim calcmode="lin" valueType="num">
+                                      <p:cBhvr additive="base">
+                                        <p:cTn id="35" dur="500" fill="hold"/>
+                                        <p:tgtEl>
+                                          <p:spTgt spid="40"/>
+                                        </p:tgtEl>
+                                        <p:attrNameLst>
+                                          <p:attrName>ppt_x</p:attrName>
+                                        </p:attrNameLst>
+                                      </p:cBhvr>
+                                      <p:tavLst>
+                                        <p:tav tm="0">
+                                          <p:val>
+                                            <p:strVal val="#ppt_x"/>
+                                          </p:val>
+                                        </p:tav>
+                                        <p:tav tm="100000">
+                                          <p:val>
+                                            <p:strVal val="#ppt_x"/>
+                                          </p:val>
+                                        </p:tav>
+                                      </p:tavLst>
+                                    </p:anim>
+                                    <p:anim calcmode="lin" valueType="num">
+                                      <p:cBhvr additive="base">
+                                        <p:cTn id="36" dur="500" fill="hold"/>
+                                        <p:tgtEl>
+                                          <p:spTgt spid="40"/>
+                                        </p:tgtEl>
+                                        <p:attrNameLst>
+                                          <p:attrName>ppt_y</p:attrName>
+                                        </p:attrNameLst>
+                                      </p:cBhvr>
+                                      <p:tavLst>
+                                        <p:tav tm="0">
+                                          <p:val>
+                                            <p:strVal val="1+#ppt_h/2"/>
+                                          </p:val>
+                                        </p:tav>
+                                        <p:tav tm="100000">
+                                          <p:val>
+                                            <p:strVal val="#ppt_y"/>
+                                          </p:val>
+                                        </p:tav>
+                                      </p:tavLst>
+                                    </p:anim>
+                                  </p:childTnLst>
+                                </p:cTn>
+                              </p:par>
+                              <p:par>
+                                <p:cTn id="37" presetID="2" presetClass="entr" presetSubtype="4" fill="hold" grpId="0" nodeType="withEffect">
+                                  <p:stCondLst>
+                                    <p:cond delay="0"/>
+                                  </p:stCondLst>
+                                  <p:childTnLst>
+                                    <p:set>
+                                      <p:cBhvr>
+                                        <p:cTn id="38" dur="1" fill="hold">
+                                          <p:stCondLst>
+                                            <p:cond delay="0"/>
+                                          </p:stCondLst>
+                                        </p:cTn>
+                                        <p:tgtEl>
+                                          <p:spTgt spid="44"/>
+                                        </p:tgtEl>
+                                        <p:attrNameLst>
+                                          <p:attrName>style.visibility</p:attrName>
+                                        </p:attrNameLst>
+                                      </p:cBhvr>
+                                      <p:to>
+                                        <p:strVal val="visible"/>
+                                      </p:to>
+                                    </p:set>
+                                    <p:anim calcmode="lin" valueType="num">
+                                      <p:cBhvr additive="base">
+                                        <p:cTn id="39" dur="500" fill="hold"/>
+                                        <p:tgtEl>
+                                          <p:spTgt spid="44"/>
+                                        </p:tgtEl>
+                                        <p:attrNameLst>
+                                          <p:attrName>ppt_x</p:attrName>
+                                        </p:attrNameLst>
+                                      </p:cBhvr>
+                                      <p:tavLst>
+                                        <p:tav tm="0">
+                                          <p:val>
+                                            <p:strVal val="#ppt_x"/>
+                                          </p:val>
+                                        </p:tav>
+                                        <p:tav tm="100000">
+                                          <p:val>
+                                            <p:strVal val="#ppt_x"/>
+                                          </p:val>
+                                        </p:tav>
+                                      </p:tavLst>
+                                    </p:anim>
+                                    <p:anim calcmode="lin" valueType="num">
+                                      <p:cBhvr additive="base">
+                                        <p:cTn id="40" dur="500" fill="hold"/>
+                                        <p:tgtEl>
+                                          <p:spTgt spid="44"/>
+                                        </p:tgtEl>
+                                        <p:attrNameLst>
+                                          <p:attrName>ppt_y</p:attrName>
+                                        </p:attrNameLst>
+                                      </p:cBhvr>
+                                      <p:tavLst>
+                                        <p:tav tm="0">
+                                          <p:val>
+                                            <p:strVal val="1+#ppt_h/2"/>
+                                          </p:val>
+                                        </p:tav>
+                                        <p:tav tm="100000">
+                                          <p:val>
+                                            <p:strVal val="#ppt_y"/>
+                                          </p:val>
+                                        </p:tav>
+                                      </p:tavLst>
+                                    </p:anim>
+                                  </p:childTnLst>
+                                </p:cTn>
+                              </p:par>
+                              <p:par>
+                                <p:cTn id="41" presetID="2" presetClass="entr" presetSubtype="4" fill="hold" nodeType="withEffect">
+                                  <p:stCondLst>
+                                    <p:cond delay="0"/>
+                                  </p:stCondLst>
+                                  <p:childTnLst>
+                                    <p:set>
+                                      <p:cBhvr>
+                                        <p:cTn id="42" dur="1" fill="hold">
+                                          <p:stCondLst>
+                                            <p:cond delay="0"/>
+                                          </p:stCondLst>
+                                        </p:cTn>
+                                        <p:tgtEl>
+                                          <p:spTgt spid="49"/>
+                                        </p:tgtEl>
+                                        <p:attrNameLst>
+                                          <p:attrName>style.visibility</p:attrName>
+                                        </p:attrNameLst>
+                                      </p:cBhvr>
+                                      <p:to>
+                                        <p:strVal val="visible"/>
+                                      </p:to>
+                                    </p:set>
+                                    <p:anim calcmode="lin" valueType="num">
+                                      <p:cBhvr additive="base">
+                                        <p:cTn id="43" dur="500" fill="hold"/>
+                                        <p:tgtEl>
+                                          <p:spTgt spid="49"/>
+                                        </p:tgtEl>
+                                        <p:attrNameLst>
+                                          <p:attrName>ppt_x</p:attrName>
+                                        </p:attrNameLst>
+                                      </p:cBhvr>
+                                      <p:tavLst>
+                                        <p:tav tm="0">
+                                          <p:val>
+                                            <p:strVal val="#ppt_x"/>
+                                          </p:val>
+                                        </p:tav>
+                                        <p:tav tm="100000">
+                                          <p:val>
+                                            <p:strVal val="#ppt_x"/>
+                                          </p:val>
+                                        </p:tav>
+                                      </p:tavLst>
+                                    </p:anim>
+                                    <p:anim calcmode="lin" valueType="num">
+                                      <p:cBhvr additive="base">
+                                        <p:cTn id="44" dur="500" fill="hold"/>
+                                        <p:tgtEl>
+                                          <p:spTgt spid="49"/>
+                                        </p:tgtEl>
+                                        <p:attrNameLst>
+                                          <p:attrName>ppt_y</p:attrName>
+                                        </p:attrNameLst>
+                                      </p:cBhvr>
+                                      <p:tavLst>
+                                        <p:tav tm="0">
+                                          <p:val>
+                                            <p:strVal val="1+#ppt_h/2"/>
+                                          </p:val>
+                                        </p:tav>
+                                        <p:tav tm="100000">
+                                          <p:val>
+                                            <p:strVal val="#ppt_y"/>
+                                          </p:val>
+                                        </p:tav>
+                                      </p:tavLst>
+                                    </p:anim>
+                                  </p:childTnLst>
+                                </p:cTn>
+                              </p:par>
+                            </p:childTnLst>
+                          </p:cTn>
+                        </p:par>
+                      </p:childTnLst>
+                    </p:cTn>
+                  </p:par>
+                  <p:par>
+                    <p:cTn id="45" fill="hold">
+                      <p:stCondLst>
+                        <p:cond delay="indefinite"/>
+                      </p:stCondLst>
+                      <p:childTnLst>
+                        <p:par>
+                          <p:cTn id="46" fill="hold">
+                            <p:stCondLst>
+                              <p:cond delay="0"/>
+                            </p:stCondLst>
+                            <p:childTnLst>
+                              <p:par>
+                                <p:cTn id="47" presetID="2" presetClass="entr" presetSubtype="4" fill="hold" grpId="0" nodeType="clickEffect">
+                                  <p:stCondLst>
+                                    <p:cond delay="0"/>
+                                  </p:stCondLst>
+                                  <p:childTnLst>
+                                    <p:set>
+                                      <p:cBhvr>
+                                        <p:cTn id="48" dur="1" fill="hold">
+                                          <p:stCondLst>
+                                            <p:cond delay="0"/>
+                                          </p:stCondLst>
+                                        </p:cTn>
+                                        <p:tgtEl>
+                                          <p:spTgt spid="42"/>
+                                        </p:tgtEl>
+                                        <p:attrNameLst>
+                                          <p:attrName>style.visibility</p:attrName>
+                                        </p:attrNameLst>
+                                      </p:cBhvr>
+                                      <p:to>
+                                        <p:strVal val="visible"/>
+                                      </p:to>
+                                    </p:set>
+                                    <p:anim calcmode="lin" valueType="num">
+                                      <p:cBhvr additive="base">
+                                        <p:cTn id="49" dur="500" fill="hold"/>
+                                        <p:tgtEl>
+                                          <p:spTgt spid="42"/>
+                                        </p:tgtEl>
+                                        <p:attrNameLst>
+                                          <p:attrName>ppt_x</p:attrName>
+                                        </p:attrNameLst>
+                                      </p:cBhvr>
+                                      <p:tavLst>
+                                        <p:tav tm="0">
+                                          <p:val>
+                                            <p:strVal val="#ppt_x"/>
+                                          </p:val>
+                                        </p:tav>
+                                        <p:tav tm="100000">
+                                          <p:val>
+                                            <p:strVal val="#ppt_x"/>
+                                          </p:val>
+                                        </p:tav>
+                                      </p:tavLst>
+                                    </p:anim>
+                                    <p:anim calcmode="lin" valueType="num">
+                                      <p:cBhvr additive="base">
+                                        <p:cTn id="50" dur="500" fill="hold"/>
+                                        <p:tgtEl>
+                                          <p:spTgt spid="42"/>
+                                        </p:tgtEl>
+                                        <p:attrNameLst>
+                                          <p:attrName>ppt_y</p:attrName>
+                                        </p:attrNameLst>
+                                      </p:cBhvr>
+                                      <p:tavLst>
+                                        <p:tav tm="0">
+                                          <p:val>
+                                            <p:strVal val="1+#ppt_h/2"/>
+                                          </p:val>
+                                        </p:tav>
+                                        <p:tav tm="100000">
+                                          <p:val>
+                                            <p:strVal val="#ppt_y"/>
+                                          </p:val>
+                                        </p:tav>
+                                      </p:tavLst>
+                                    </p:anim>
+                                  </p:childTnLst>
+                                </p:cTn>
+                              </p:par>
+                              <p:par>
+                                <p:cTn id="51" presetID="2" presetClass="entr" presetSubtype="4" fill="hold" grpId="0" nodeType="withEffect">
+                                  <p:stCondLst>
+                                    <p:cond delay="0"/>
+                                  </p:stCondLst>
+                                  <p:childTnLst>
+                                    <p:set>
+                                      <p:cBhvr>
+                                        <p:cTn id="52" dur="1" fill="hold">
+                                          <p:stCondLst>
+                                            <p:cond delay="0"/>
+                                          </p:stCondLst>
+                                        </p:cTn>
+                                        <p:tgtEl>
+                                          <p:spTgt spid="50"/>
+                                        </p:tgtEl>
+                                        <p:attrNameLst>
+                                          <p:attrName>style.visibility</p:attrName>
+                                        </p:attrNameLst>
+                                      </p:cBhvr>
+                                      <p:to>
+                                        <p:strVal val="visible"/>
+                                      </p:to>
+                                    </p:set>
+                                    <p:anim calcmode="lin" valueType="num">
+                                      <p:cBhvr additive="base">
+                                        <p:cTn id="53" dur="500" fill="hold"/>
+                                        <p:tgtEl>
+                                          <p:spTgt spid="50"/>
+                                        </p:tgtEl>
+                                        <p:attrNameLst>
+                                          <p:attrName>ppt_x</p:attrName>
+                                        </p:attrNameLst>
+                                      </p:cBhvr>
+                                      <p:tavLst>
+                                        <p:tav tm="0">
+                                          <p:val>
+                                            <p:strVal val="#ppt_x"/>
+                                          </p:val>
+                                        </p:tav>
+                                        <p:tav tm="100000">
+                                          <p:val>
+                                            <p:strVal val="#ppt_x"/>
+                                          </p:val>
+                                        </p:tav>
+                                      </p:tavLst>
+                                    </p:anim>
+                                    <p:anim calcmode="lin" valueType="num">
+                                      <p:cBhvr additive="base">
+                                        <p:cTn id="54" dur="500" fill="hold"/>
+                                        <p:tgtEl>
+                                          <p:spTgt spid="50"/>
+                                        </p:tgtEl>
+                                        <p:attrNameLst>
+                                          <p:attrName>ppt_y</p:attrName>
+                                        </p:attrNameLst>
+                                      </p:cBhvr>
+                                      <p:tavLst>
+                                        <p:tav tm="0">
+                                          <p:val>
+                                            <p:strVal val="1+#ppt_h/2"/>
+                                          </p:val>
+                                        </p:tav>
+                                        <p:tav tm="100000">
+                                          <p:val>
+                                            <p:strVal val="#ppt_y"/>
+                                          </p:val>
+                                        </p:tav>
+                                      </p:tavLst>
+                                    </p:anim>
+                                  </p:childTnLst>
+                                </p:cTn>
+                              </p:par>
+                              <p:par>
+                                <p:cTn id="55" presetID="2" presetClass="entr" presetSubtype="4" fill="hold" nodeType="withEffect">
+                                  <p:stCondLst>
+                                    <p:cond delay="0"/>
+                                  </p:stCondLst>
+                                  <p:childTnLst>
+                                    <p:set>
+                                      <p:cBhvr>
+                                        <p:cTn id="56" dur="1" fill="hold">
+                                          <p:stCondLst>
+                                            <p:cond delay="0"/>
+                                          </p:stCondLst>
+                                        </p:cTn>
+                                        <p:tgtEl>
+                                          <p:spTgt spid="52"/>
+                                        </p:tgtEl>
+                                        <p:attrNameLst>
+                                          <p:attrName>style.visibility</p:attrName>
+                                        </p:attrNameLst>
+                                      </p:cBhvr>
+                                      <p:to>
+                                        <p:strVal val="visible"/>
+                                      </p:to>
+                                    </p:set>
+                                    <p:anim calcmode="lin" valueType="num">
+                                      <p:cBhvr additive="base">
+                                        <p:cTn id="57" dur="500" fill="hold"/>
+                                        <p:tgtEl>
+                                          <p:spTgt spid="52"/>
+                                        </p:tgtEl>
+                                        <p:attrNameLst>
+                                          <p:attrName>ppt_x</p:attrName>
+                                        </p:attrNameLst>
+                                      </p:cBhvr>
+                                      <p:tavLst>
+                                        <p:tav tm="0">
+                                          <p:val>
+                                            <p:strVal val="#ppt_x"/>
+                                          </p:val>
+                                        </p:tav>
+                                        <p:tav tm="100000">
+                                          <p:val>
+                                            <p:strVal val="#ppt_x"/>
+                                          </p:val>
+                                        </p:tav>
+                                      </p:tavLst>
+                                    </p:anim>
+                                    <p:anim calcmode="lin" valueType="num">
+                                      <p:cBhvr additive="base">
+                                        <p:cTn id="58" dur="500" fill="hold"/>
+                                        <p:tgtEl>
+                                          <p:spTgt spid="52"/>
+                                        </p:tgtEl>
+                                        <p:attrNameLst>
+                                          <p:attrName>ppt_y</p:attrName>
+                                        </p:attrNameLst>
+                                      </p:cBhvr>
+                                      <p:tavLst>
+                                        <p:tav tm="0">
+                                          <p:val>
+                                            <p:strVal val="1+#ppt_h/2"/>
+                                          </p:val>
+                                        </p:tav>
+                                        <p:tav tm="100000">
+                                          <p:val>
+                                            <p:strVal val="#ppt_y"/>
+                                          </p:val>
+                                        </p:tav>
+                                      </p:tavLst>
+                                    </p:anim>
+                                  </p:childTnLst>
+                                </p:cTn>
+                              </p:par>
+                            </p:childTnLst>
+                          </p:cTn>
+                        </p:par>
+                      </p:childTnLst>
+                    </p:cTn>
+                  </p:par>
+                  <p:par>
+                    <p:cTn id="59" fill="hold">
+                      <p:stCondLst>
+                        <p:cond delay="indefinite"/>
+                      </p:stCondLst>
+                      <p:childTnLst>
+                        <p:par>
+                          <p:cTn id="60" fill="hold">
+                            <p:stCondLst>
+                              <p:cond delay="0"/>
+                            </p:stCondLst>
+                            <p:childTnLst>
+                              <p:par>
+                                <p:cTn id="61" presetID="2" presetClass="entr" presetSubtype="4" fill="hold" grpId="0" nodeType="clickEffect">
+                                  <p:stCondLst>
+                                    <p:cond delay="0"/>
+                                  </p:stCondLst>
+                                  <p:childTnLst>
+                                    <p:set>
+                                      <p:cBhvr>
+                                        <p:cTn id="62" dur="1" fill="hold">
+                                          <p:stCondLst>
+                                            <p:cond delay="0"/>
+                                          </p:stCondLst>
+                                        </p:cTn>
+                                        <p:tgtEl>
+                                          <p:spTgt spid="43"/>
+                                        </p:tgtEl>
+                                        <p:attrNameLst>
+                                          <p:attrName>style.visibility</p:attrName>
+                                        </p:attrNameLst>
+                                      </p:cBhvr>
+                                      <p:to>
+                                        <p:strVal val="visible"/>
+                                      </p:to>
+                                    </p:set>
+                                    <p:anim calcmode="lin" valueType="num">
+                                      <p:cBhvr additive="base">
+                                        <p:cTn id="63" dur="500" fill="hold"/>
+                                        <p:tgtEl>
+                                          <p:spTgt spid="43"/>
+                                        </p:tgtEl>
+                                        <p:attrNameLst>
+                                          <p:attrName>ppt_x</p:attrName>
+                                        </p:attrNameLst>
+                                      </p:cBhvr>
+                                      <p:tavLst>
+                                        <p:tav tm="0">
+                                          <p:val>
+                                            <p:strVal val="#ppt_x"/>
+                                          </p:val>
+                                        </p:tav>
+                                        <p:tav tm="100000">
+                                          <p:val>
+                                            <p:strVal val="#ppt_x"/>
+                                          </p:val>
+                                        </p:tav>
+                                      </p:tavLst>
+                                    </p:anim>
+                                    <p:anim calcmode="lin" valueType="num">
+                                      <p:cBhvr additive="base">
+                                        <p:cTn id="64" dur="500" fill="hold"/>
+                                        <p:tgtEl>
+                                          <p:spTgt spid="43"/>
+                                        </p:tgtEl>
+                                        <p:attrNameLst>
+                                          <p:attrName>ppt_y</p:attrName>
+                                        </p:attrNameLst>
+                                      </p:cBhvr>
+                                      <p:tavLst>
+                                        <p:tav tm="0">
+                                          <p:val>
+                                            <p:strVal val="1+#ppt_h/2"/>
+                                          </p:val>
+                                        </p:tav>
+                                        <p:tav tm="100000">
+                                          <p:val>
+                                            <p:strVal val="#ppt_y"/>
+                                          </p:val>
+                                        </p:tav>
+                                      </p:tavLst>
+                                    </p:anim>
+                                  </p:childTnLst>
+                                </p:cTn>
+                              </p:par>
+                              <p:par>
+                                <p:cTn id="65" presetID="2" presetClass="entr" presetSubtype="4" fill="hold" grpId="0" nodeType="withEffect">
+                                  <p:stCondLst>
+                                    <p:cond delay="0"/>
+                                  </p:stCondLst>
+                                  <p:childTnLst>
+                                    <p:set>
+                                      <p:cBhvr>
+                                        <p:cTn id="66" dur="1" fill="hold">
+                                          <p:stCondLst>
+                                            <p:cond delay="0"/>
+                                          </p:stCondLst>
+                                        </p:cTn>
+                                        <p:tgtEl>
+                                          <p:spTgt spid="56"/>
+                                        </p:tgtEl>
+                                        <p:attrNameLst>
+                                          <p:attrName>style.visibility</p:attrName>
+                                        </p:attrNameLst>
+                                      </p:cBhvr>
+                                      <p:to>
+                                        <p:strVal val="visible"/>
+                                      </p:to>
+                                    </p:set>
+                                    <p:anim calcmode="lin" valueType="num">
+                                      <p:cBhvr additive="base">
+                                        <p:cTn id="67" dur="500" fill="hold"/>
+                                        <p:tgtEl>
+                                          <p:spTgt spid="56"/>
+                                        </p:tgtEl>
+                                        <p:attrNameLst>
+                                          <p:attrName>ppt_x</p:attrName>
+                                        </p:attrNameLst>
+                                      </p:cBhvr>
+                                      <p:tavLst>
+                                        <p:tav tm="0">
+                                          <p:val>
+                                            <p:strVal val="#ppt_x"/>
+                                          </p:val>
+                                        </p:tav>
+                                        <p:tav tm="100000">
+                                          <p:val>
+                                            <p:strVal val="#ppt_x"/>
+                                          </p:val>
+                                        </p:tav>
+                                      </p:tavLst>
+                                    </p:anim>
+                                    <p:anim calcmode="lin" valueType="num">
+                                      <p:cBhvr additive="base">
+                                        <p:cTn id="68" dur="500" fill="hold"/>
+                                        <p:tgtEl>
+                                          <p:spTgt spid="56"/>
+                                        </p:tgtEl>
+                                        <p:attrNameLst>
+                                          <p:attrName>ppt_y</p:attrName>
+                                        </p:attrNameLst>
+                                      </p:cBhvr>
+                                      <p:tavLst>
+                                        <p:tav tm="0">
+                                          <p:val>
+                                            <p:strVal val="1+#ppt_h/2"/>
+                                          </p:val>
+                                        </p:tav>
+                                        <p:tav tm="100000">
+                                          <p:val>
+                                            <p:strVal val="#ppt_y"/>
+                                          </p:val>
+                                        </p:tav>
+                                      </p:tavLst>
+                                    </p:anim>
+                                  </p:childTnLst>
+                                </p:cTn>
+                              </p:par>
+                              <p:par>
+                                <p:cTn id="69" presetID="2" presetClass="entr" presetSubtype="4" fill="hold" nodeType="withEffect">
+                                  <p:stCondLst>
+                                    <p:cond delay="0"/>
+                                  </p:stCondLst>
+                                  <p:childTnLst>
+                                    <p:set>
+                                      <p:cBhvr>
+                                        <p:cTn id="70" dur="1" fill="hold">
+                                          <p:stCondLst>
+                                            <p:cond delay="0"/>
+                                          </p:stCondLst>
+                                        </p:cTn>
+                                        <p:tgtEl>
+                                          <p:spTgt spid="57"/>
+                                        </p:tgtEl>
+                                        <p:attrNameLst>
+                                          <p:attrName>style.visibility</p:attrName>
+                                        </p:attrNameLst>
+                                      </p:cBhvr>
+                                      <p:to>
+                                        <p:strVal val="visible"/>
+                                      </p:to>
+                                    </p:set>
+                                    <p:anim calcmode="lin" valueType="num">
+                                      <p:cBhvr additive="base">
+                                        <p:cTn id="71" dur="500" fill="hold"/>
+                                        <p:tgtEl>
+                                          <p:spTgt spid="57"/>
+                                        </p:tgtEl>
+                                        <p:attrNameLst>
+                                          <p:attrName>ppt_x</p:attrName>
+                                        </p:attrNameLst>
+                                      </p:cBhvr>
+                                      <p:tavLst>
+                                        <p:tav tm="0">
+                                          <p:val>
+                                            <p:strVal val="#ppt_x"/>
+                                          </p:val>
+                                        </p:tav>
+                                        <p:tav tm="100000">
+                                          <p:val>
+                                            <p:strVal val="#ppt_x"/>
+                                          </p:val>
+                                        </p:tav>
+                                      </p:tavLst>
+                                    </p:anim>
+                                    <p:anim calcmode="lin" valueType="num">
+                                      <p:cBhvr additive="base">
+                                        <p:cTn id="72" dur="500" fill="hold"/>
+                                        <p:tgtEl>
+                                          <p:spTgt spid="57"/>
+                                        </p:tgtEl>
+                                        <p:attrNameLst>
+                                          <p:attrName>ppt_y</p:attrName>
+                                        </p:attrNameLst>
+                                      </p:cBhvr>
+                                      <p:tavLst>
+                                        <p:tav tm="0">
+                                          <p:val>
+                                            <p:strVal val="1+#ppt_h/2"/>
+                                          </p:val>
+                                        </p:tav>
+                                        <p:tav tm="100000">
+                                          <p:val>
+                                            <p:strVal val="#ppt_y"/>
+                                          </p:val>
+                                        </p:tav>
+                                      </p:tavLst>
+                                    </p:anim>
+                                  </p:childTnLst>
+                                </p:cTn>
+                              </p:par>
+                            </p:childTnLst>
+                          </p:cTn>
+                        </p:par>
+                      </p:childTnLst>
+                    </p:cTn>
+                  </p:par>
+                </p:childTnLst>
+              </p:cTn>
+              <p:prevCondLst>
+                <p:cond evt="onPrev" delay="0">
+                  <p:tgtEl>
+                    <p:sldTgt/>
+                  </p:tgtEl>
+                </p:cond>
+              </p:prevCondLst>
+              <p:nextCondLst>
+                <p:cond evt="onNext" delay="0">
+                  <p:tgtEl>
+                    <p:sldTgt/>
+                  </p:tgtEl>
+                </p:cond>
+              </p:nextCondLst>
+            </p:seq>
+          </p:childTnLst>
+        </p:cTn>
+      </p:par>
+    </p:tnLst>
+    <p:bldLst>
+      <p:bldP spid="11" grpId="0" animBg="1"/>
+      <p:bldP spid="37" grpId="0"/>
+      <p:bldP spid="30" grpId="0" animBg="1"/>
+      <p:bldP spid="32" grpId="0"/>
+      <p:bldP spid="40" grpId="0" animBg="1"/>
+      <p:bldP spid="42" grpId="0" animBg="1"/>
+      <p:bldP spid="43" grpId="0" animBg="1"/>
+      <p:bldP spid="44" grpId="0"/>
+      <p:bldP spid="50" grpId="0"/>
+      <p:bldP spid="56" grpId="0"/>
+    </p:bldLst>
+  </p:timing>
+</p:sld>
+</file>
+
+<file path=ppt/slides/slide12.xml><?xml version="1.0" encoding="utf-8"?>
+<p:sld xmlns:a="http://schemas.openxmlformats.org/drawingml/2006/main" xmlns:r="http://schemas.openxmlformats.org/officeDocument/2006/relationships" xmlns:p="http://schemas.openxmlformats.org/presentationml/2006/main">
+  <p:cSld>
+    <p:spTree>
+      <p:nvGrpSpPr>
+        <p:cNvPr id="1" name=""/>
+        <p:cNvGrpSpPr/>
+        <p:nvPr/>
+      </p:nvGrpSpPr>
+      <p:grpSpPr>
+        <a:xfrm>
+          <a:off x="0" y="0"/>
+          <a:ext cx="0" cy="0"/>
+          <a:chOff x="0" y="0"/>
+          <a:chExt cx="0" cy="0"/>
+        </a:xfrm>
+      </p:grpSpPr>
+      <p:sp>
+        <p:nvSpPr>
           <p:cNvPr id="5" name="내용 개체 틀 4"/>
           <p:cNvSpPr>
             <a:spLocks noGrp="1"/>
@@ -4316,7 +6789,7 @@
 </p:sld>
 </file>
 
-<file path=ppt/slides/slide11.xml><?xml version="1.0" encoding="utf-8"?>
+<file path=ppt/slides/slide13.xml><?xml version="1.0" encoding="utf-8"?>
 <p:sld xmlns:a="http://schemas.openxmlformats.org/drawingml/2006/main" xmlns:r="http://schemas.openxmlformats.org/officeDocument/2006/relationships" xmlns:p="http://schemas.openxmlformats.org/presentationml/2006/main">
   <p:cSld>
     <p:spTree>
@@ -4384,12 +6857,37 @@
               </a:rPr>
               <a:t>#</a:t>
             </a:r>
-            <a:r>
-              <a:rPr lang="en-US" altLang="ko-KR" dirty="0" smtClean="0"/>
-              <a:t/>
+          </a:p>
+          <a:p>
+            <a:r>
+              <a:rPr lang="en-US" altLang="ko-KR" sz="1800" dirty="0" smtClean="0"/>
+              <a:t> # &lt;</a:t>
+            </a:r>
+            <a:r>
+              <a:rPr lang="ko-KR" altLang="en-US" sz="1800" dirty="0" smtClean="0"/>
+              <a:t>제목</a:t>
+            </a:r>
+            <a:r>
+              <a:rPr lang="en-US" altLang="ko-KR" sz="1800" dirty="0" smtClean="0"/>
+              <a:t>&gt; #</a:t>
             </a:r>
             <a:br>
-              <a:rPr lang="en-US" altLang="ko-KR" dirty="0" smtClean="0"/>
+              <a:rPr lang="en-US" altLang="ko-KR" sz="1800" dirty="0" smtClean="0"/>
+            </a:br>
+            <a:r>
+              <a:rPr lang="en-US" altLang="ko-KR" sz="1800" dirty="0" smtClean="0"/>
+              <a:t>## &lt;</a:t>
+            </a:r>
+            <a:r>
+              <a:rPr lang="ko-KR" altLang="en-US" sz="1800" dirty="0" smtClean="0"/>
+              <a:t>제목</a:t>
+            </a:r>
+            <a:r>
+              <a:rPr lang="en-US" altLang="ko-KR" sz="1800" dirty="0" smtClean="0"/>
+              <a:t>&gt; ##</a:t>
+            </a:r>
+            <a:br>
+              <a:rPr lang="en-US" altLang="ko-KR" sz="1800" dirty="0" smtClean="0"/>
             </a:br>
             <a:r>
               <a:rPr lang="en-US" altLang="ko-KR" dirty="0" smtClean="0"/>
@@ -5481,7 +7979,7 @@
 </p:sld>
 </file>
 
-<file path=ppt/slides/slide12.xml><?xml version="1.0" encoding="utf-8"?>
+<file path=ppt/slides/slide14.xml><?xml version="1.0" encoding="utf-8"?>
 <p:sld xmlns:a="http://schemas.openxmlformats.org/drawingml/2006/main" xmlns:r="http://schemas.openxmlformats.org/officeDocument/2006/relationships" xmlns:p="http://schemas.openxmlformats.org/presentationml/2006/main">
   <p:cSld>
     <p:spTree>
@@ -5827,7 +8325,7 @@
 </p:sld>
 </file>
 
-<file path=ppt/slides/slide13.xml><?xml version="1.0" encoding="utf-8"?>
+<file path=ppt/slides/slide15.xml><?xml version="1.0" encoding="utf-8"?>
 <p:sld xmlns:a="http://schemas.openxmlformats.org/drawingml/2006/main" xmlns:r="http://schemas.openxmlformats.org/officeDocument/2006/relationships" xmlns:p="http://schemas.openxmlformats.org/presentationml/2006/main">
   <p:cSld>
     <p:spTree>
@@ -6160,488 +8658,6 @@
 </p:sld>
 </file>
 
-<file path=ppt/slides/slide14.xml><?xml version="1.0" encoding="utf-8"?>
-<p:sld xmlns:a="http://schemas.openxmlformats.org/drawingml/2006/main" xmlns:r="http://schemas.openxmlformats.org/officeDocument/2006/relationships" xmlns:p="http://schemas.openxmlformats.org/presentationml/2006/main">
-  <p:cSld>
-    <p:spTree>
-      <p:nvGrpSpPr>
-        <p:cNvPr id="1" name=""/>
-        <p:cNvGrpSpPr/>
-        <p:nvPr/>
-      </p:nvGrpSpPr>
-      <p:grpSpPr>
-        <a:xfrm>
-          <a:off x="0" y="0"/>
-          <a:ext cx="0" cy="0"/>
-          <a:chOff x="0" y="0"/>
-          <a:chExt cx="0" cy="0"/>
-        </a:xfrm>
-      </p:grpSpPr>
-      <p:sp>
-        <p:nvSpPr>
-          <p:cNvPr id="5" name="내용 개체 틀 4"/>
-          <p:cNvSpPr>
-            <a:spLocks noGrp="1"/>
-          </p:cNvSpPr>
-          <p:nvPr>
-            <p:ph sz="half" idx="1"/>
-          </p:nvPr>
-        </p:nvSpPr>
-        <p:spPr/>
-        <p:txBody>
-          <a:bodyPr/>
-          <a:lstStyle/>
-          <a:p>
-            <a:endParaRPr lang="en-US" altLang="ko-KR" dirty="0" smtClean="0"/>
-          </a:p>
-          <a:p>
-            <a:endParaRPr lang="en-US" altLang="ko-KR" dirty="0"/>
-          </a:p>
-          <a:p>
-            <a:endParaRPr lang="ko-KR" altLang="en-US" dirty="0"/>
-          </a:p>
-        </p:txBody>
-      </p:sp>
-      <p:sp>
-        <p:nvSpPr>
-          <p:cNvPr id="6" name="내용 개체 틀 5"/>
-          <p:cNvSpPr>
-            <a:spLocks noGrp="1"/>
-          </p:cNvSpPr>
-          <p:nvPr>
-            <p:ph sz="half" idx="2"/>
-          </p:nvPr>
-        </p:nvSpPr>
-        <p:spPr/>
-        <p:txBody>
-          <a:bodyPr>
-            <a:normAutofit/>
-          </a:bodyPr>
-          <a:lstStyle/>
-          <a:p>
-            <a:pPr marL="0" indent="0">
-              <a:buNone/>
-            </a:pPr>
-            <a:endParaRPr lang="en-US" altLang="ko-KR" sz="2000" dirty="0" smtClean="0"/>
-          </a:p>
-          <a:p>
-            <a:endParaRPr lang="ko-KR" altLang="en-US" sz="2000" dirty="0"/>
-          </a:p>
-        </p:txBody>
-      </p:sp>
-      <p:sp>
-        <p:nvSpPr>
-          <p:cNvPr id="7" name="TextBox 25"/>
-          <p:cNvSpPr txBox="1">
-            <a:spLocks noChangeArrowheads="1"/>
-          </p:cNvSpPr>
-          <p:nvPr/>
-        </p:nvSpPr>
-        <p:spPr bwMode="auto">
-          <a:xfrm>
-            <a:off x="323528" y="603121"/>
-            <a:ext cx="5184576" cy="523220"/>
-          </a:xfrm>
-          <a:prstGeom prst="rect">
-            <a:avLst/>
-          </a:prstGeom>
-          <a:noFill/>
-          <a:ln w="9525">
-            <a:noFill/>
-            <a:miter lim="800000"/>
-            <a:headEnd/>
-            <a:tailEnd/>
-          </a:ln>
-        </p:spPr>
-        <p:txBody>
-          <a:bodyPr wrap="square">
-            <a:spAutoFit/>
-          </a:bodyPr>
-          <a:lstStyle/>
-          <a:p>
-            <a:pPr lvl="0"/>
-            <a:r>
-              <a:rPr lang="en-US" altLang="ko-KR" sz="2800" dirty="0" smtClean="0">
-                <a:solidFill>
-                  <a:prstClr val="black">
-                    <a:lumMod val="65000"/>
-                    <a:lumOff val="35000"/>
-                  </a:prstClr>
-                </a:solidFill>
-                <a:latin typeface="다음_SemiBold" pitchFamily="2" charset="-127"/>
-                <a:ea typeface="다음_SemiBold" pitchFamily="2" charset="-127"/>
-              </a:rPr>
-              <a:t>Markdown(-.md)</a:t>
-            </a:r>
-            <a:endParaRPr lang="en-US" altLang="ko-KR" sz="2800" dirty="0" smtClean="0">
-              <a:solidFill>
-                <a:prstClr val="black">
-                  <a:lumMod val="65000"/>
-                  <a:lumOff val="35000"/>
-                </a:prstClr>
-              </a:solidFill>
-              <a:latin typeface="다음_SemiBold" pitchFamily="2" charset="-127"/>
-              <a:ea typeface="다음_SemiBold" pitchFamily="2" charset="-127"/>
-            </a:endParaRPr>
-          </a:p>
-        </p:txBody>
-      </p:sp>
-      <p:sp>
-        <p:nvSpPr>
-          <p:cNvPr id="8" name="TextBox 25"/>
-          <p:cNvSpPr txBox="1">
-            <a:spLocks noChangeArrowheads="1"/>
-          </p:cNvSpPr>
-          <p:nvPr/>
-        </p:nvSpPr>
-        <p:spPr bwMode="auto">
-          <a:xfrm>
-            <a:off x="323528" y="1195735"/>
-            <a:ext cx="5184576" cy="338554"/>
-          </a:xfrm>
-          <a:prstGeom prst="rect">
-            <a:avLst/>
-          </a:prstGeom>
-          <a:noFill/>
-          <a:ln w="9525">
-            <a:noFill/>
-            <a:miter lim="800000"/>
-            <a:headEnd/>
-            <a:tailEnd/>
-          </a:ln>
-        </p:spPr>
-        <p:txBody>
-          <a:bodyPr wrap="square">
-            <a:spAutoFit/>
-          </a:bodyPr>
-          <a:lstStyle/>
-          <a:p>
-            <a:pPr lvl="0"/>
-            <a:r>
-              <a:rPr lang="ko-KR" altLang="en-US" sz="1600" dirty="0" smtClean="0">
-                <a:solidFill>
-                  <a:prstClr val="black">
-                    <a:lumMod val="65000"/>
-                    <a:lumOff val="35000"/>
-                  </a:prstClr>
-                </a:solidFill>
-                <a:latin typeface="나눔바른고딕" pitchFamily="50" charset="-127"/>
-                <a:ea typeface="나눔바른고딕" pitchFamily="50" charset="-127"/>
-              </a:rPr>
-              <a:t> </a:t>
-            </a:r>
-            <a:endParaRPr lang="en-US" altLang="ko-KR" sz="1600" dirty="0" smtClean="0">
-              <a:solidFill>
-                <a:prstClr val="black">
-                  <a:lumMod val="65000"/>
-                  <a:lumOff val="35000"/>
-                </a:prstClr>
-              </a:solidFill>
-              <a:latin typeface="나눔바른고딕" pitchFamily="50" charset="-127"/>
-              <a:ea typeface="나눔바른고딕" pitchFamily="50" charset="-127"/>
-            </a:endParaRPr>
-          </a:p>
-        </p:txBody>
-      </p:sp>
-      <p:cxnSp>
-        <p:nvCxnSpPr>
-          <p:cNvPr id="9" name="직선 연결선 8"/>
-          <p:cNvCxnSpPr/>
-          <p:nvPr/>
-        </p:nvCxnSpPr>
-        <p:spPr>
-          <a:xfrm>
-            <a:off x="428355" y="475655"/>
-            <a:ext cx="327221" cy="0"/>
-          </a:xfrm>
-          <a:prstGeom prst="line">
-            <a:avLst/>
-          </a:prstGeom>
-          <a:ln w="76200">
-            <a:solidFill>
-              <a:schemeClr val="tx1">
-                <a:lumMod val="65000"/>
-                <a:lumOff val="35000"/>
-              </a:schemeClr>
-            </a:solidFill>
-          </a:ln>
-        </p:spPr>
-        <p:style>
-          <a:lnRef idx="1">
-            <a:schemeClr val="accent1"/>
-          </a:lnRef>
-          <a:fillRef idx="0">
-            <a:schemeClr val="accent1"/>
-          </a:fillRef>
-          <a:effectRef idx="0">
-            <a:schemeClr val="accent1"/>
-          </a:effectRef>
-          <a:fontRef idx="minor">
-            <a:schemeClr val="tx1"/>
-          </a:fontRef>
-        </p:style>
-      </p:cxnSp>
-    </p:spTree>
-    <p:extLst>
-      <p:ext uri="{BB962C8B-B14F-4D97-AF65-F5344CB8AC3E}">
-        <p14:creationId xmlns:p14="http://schemas.microsoft.com/office/powerpoint/2010/main" val="3993314221"/>
-      </p:ext>
-    </p:extLst>
-  </p:cSld>
-  <p:clrMapOvr>
-    <a:masterClrMapping/>
-  </p:clrMapOvr>
-  <p:timing>
-    <p:tnLst>
-      <p:par>
-        <p:cTn id="1" dur="indefinite" restart="never" nodeType="tmRoot"/>
-      </p:par>
-    </p:tnLst>
-  </p:timing>
-</p:sld>
-</file>
-
-<file path=ppt/slides/slide15.xml><?xml version="1.0" encoding="utf-8"?>
-<p:sld xmlns:a="http://schemas.openxmlformats.org/drawingml/2006/main" xmlns:r="http://schemas.openxmlformats.org/officeDocument/2006/relationships" xmlns:p="http://schemas.openxmlformats.org/presentationml/2006/main">
-  <p:cSld>
-    <p:spTree>
-      <p:nvGrpSpPr>
-        <p:cNvPr id="1" name=""/>
-        <p:cNvGrpSpPr/>
-        <p:nvPr/>
-      </p:nvGrpSpPr>
-      <p:grpSpPr>
-        <a:xfrm>
-          <a:off x="0" y="0"/>
-          <a:ext cx="0" cy="0"/>
-          <a:chOff x="0" y="0"/>
-          <a:chExt cx="0" cy="0"/>
-        </a:xfrm>
-      </p:grpSpPr>
-      <p:sp>
-        <p:nvSpPr>
-          <p:cNvPr id="5" name="내용 개체 틀 4"/>
-          <p:cNvSpPr>
-            <a:spLocks noGrp="1"/>
-          </p:cNvSpPr>
-          <p:nvPr>
-            <p:ph sz="half" idx="1"/>
-          </p:nvPr>
-        </p:nvSpPr>
-        <p:spPr/>
-        <p:txBody>
-          <a:bodyPr/>
-          <a:lstStyle/>
-          <a:p>
-            <a:endParaRPr lang="en-US" altLang="ko-KR" dirty="0" smtClean="0"/>
-          </a:p>
-          <a:p>
-            <a:endParaRPr lang="en-US" altLang="ko-KR" dirty="0"/>
-          </a:p>
-          <a:p>
-            <a:endParaRPr lang="ko-KR" altLang="en-US" dirty="0"/>
-          </a:p>
-        </p:txBody>
-      </p:sp>
-      <p:sp>
-        <p:nvSpPr>
-          <p:cNvPr id="6" name="내용 개체 틀 5"/>
-          <p:cNvSpPr>
-            <a:spLocks noGrp="1"/>
-          </p:cNvSpPr>
-          <p:nvPr>
-            <p:ph sz="half" idx="2"/>
-          </p:nvPr>
-        </p:nvSpPr>
-        <p:spPr/>
-        <p:txBody>
-          <a:bodyPr>
-            <a:normAutofit/>
-          </a:bodyPr>
-          <a:lstStyle/>
-          <a:p>
-            <a:pPr marL="0" indent="0">
-              <a:buNone/>
-            </a:pPr>
-            <a:endParaRPr lang="en-US" altLang="ko-KR" sz="2000" dirty="0" smtClean="0"/>
-          </a:p>
-          <a:p>
-            <a:endParaRPr lang="ko-KR" altLang="en-US" sz="2000" dirty="0"/>
-          </a:p>
-        </p:txBody>
-      </p:sp>
-      <p:sp>
-        <p:nvSpPr>
-          <p:cNvPr id="7" name="TextBox 25"/>
-          <p:cNvSpPr txBox="1">
-            <a:spLocks noChangeArrowheads="1"/>
-          </p:cNvSpPr>
-          <p:nvPr/>
-        </p:nvSpPr>
-        <p:spPr bwMode="auto">
-          <a:xfrm>
-            <a:off x="323528" y="603121"/>
-            <a:ext cx="5184576" cy="523220"/>
-          </a:xfrm>
-          <a:prstGeom prst="rect">
-            <a:avLst/>
-          </a:prstGeom>
-          <a:noFill/>
-          <a:ln w="9525">
-            <a:noFill/>
-            <a:miter lim="800000"/>
-            <a:headEnd/>
-            <a:tailEnd/>
-          </a:ln>
-        </p:spPr>
-        <p:txBody>
-          <a:bodyPr wrap="square">
-            <a:spAutoFit/>
-          </a:bodyPr>
-          <a:lstStyle/>
-          <a:p>
-            <a:pPr lvl="0"/>
-            <a:r>
-              <a:rPr lang="en-US" altLang="ko-KR" sz="2800" dirty="0" smtClean="0">
-                <a:solidFill>
-                  <a:prstClr val="black">
-                    <a:lumMod val="65000"/>
-                    <a:lumOff val="35000"/>
-                  </a:prstClr>
-                </a:solidFill>
-                <a:latin typeface="다음_SemiBold" pitchFamily="2" charset="-127"/>
-                <a:ea typeface="다음_SemiBold" pitchFamily="2" charset="-127"/>
-              </a:rPr>
-              <a:t>Markdown(-.md)</a:t>
-            </a:r>
-            <a:endParaRPr lang="en-US" altLang="ko-KR" sz="2800" dirty="0" smtClean="0">
-              <a:solidFill>
-                <a:prstClr val="black">
-                  <a:lumMod val="65000"/>
-                  <a:lumOff val="35000"/>
-                </a:prstClr>
-              </a:solidFill>
-              <a:latin typeface="다음_SemiBold" pitchFamily="2" charset="-127"/>
-              <a:ea typeface="다음_SemiBold" pitchFamily="2" charset="-127"/>
-            </a:endParaRPr>
-          </a:p>
-        </p:txBody>
-      </p:sp>
-      <p:sp>
-        <p:nvSpPr>
-          <p:cNvPr id="8" name="TextBox 25"/>
-          <p:cNvSpPr txBox="1">
-            <a:spLocks noChangeArrowheads="1"/>
-          </p:cNvSpPr>
-          <p:nvPr/>
-        </p:nvSpPr>
-        <p:spPr bwMode="auto">
-          <a:xfrm>
-            <a:off x="323528" y="1195735"/>
-            <a:ext cx="5184576" cy="338554"/>
-          </a:xfrm>
-          <a:prstGeom prst="rect">
-            <a:avLst/>
-          </a:prstGeom>
-          <a:noFill/>
-          <a:ln w="9525">
-            <a:noFill/>
-            <a:miter lim="800000"/>
-            <a:headEnd/>
-            <a:tailEnd/>
-          </a:ln>
-        </p:spPr>
-        <p:txBody>
-          <a:bodyPr wrap="square">
-            <a:spAutoFit/>
-          </a:bodyPr>
-          <a:lstStyle/>
-          <a:p>
-            <a:pPr lvl="0"/>
-            <a:r>
-              <a:rPr lang="ko-KR" altLang="en-US" sz="1600" dirty="0" smtClean="0">
-                <a:solidFill>
-                  <a:prstClr val="black">
-                    <a:lumMod val="65000"/>
-                    <a:lumOff val="35000"/>
-                  </a:prstClr>
-                </a:solidFill>
-                <a:latin typeface="나눔바른고딕" pitchFamily="50" charset="-127"/>
-                <a:ea typeface="나눔바른고딕" pitchFamily="50" charset="-127"/>
-              </a:rPr>
-              <a:t> </a:t>
-            </a:r>
-            <a:endParaRPr lang="en-US" altLang="ko-KR" sz="1600" dirty="0" smtClean="0">
-              <a:solidFill>
-                <a:prstClr val="black">
-                  <a:lumMod val="65000"/>
-                  <a:lumOff val="35000"/>
-                </a:prstClr>
-              </a:solidFill>
-              <a:latin typeface="나눔바른고딕" pitchFamily="50" charset="-127"/>
-              <a:ea typeface="나눔바른고딕" pitchFamily="50" charset="-127"/>
-            </a:endParaRPr>
-          </a:p>
-        </p:txBody>
-      </p:sp>
-      <p:cxnSp>
-        <p:nvCxnSpPr>
-          <p:cNvPr id="9" name="직선 연결선 8"/>
-          <p:cNvCxnSpPr/>
-          <p:nvPr/>
-        </p:nvCxnSpPr>
-        <p:spPr>
-          <a:xfrm>
-            <a:off x="428355" y="475655"/>
-            <a:ext cx="327221" cy="0"/>
-          </a:xfrm>
-          <a:prstGeom prst="line">
-            <a:avLst/>
-          </a:prstGeom>
-          <a:ln w="76200">
-            <a:solidFill>
-              <a:schemeClr val="tx1">
-                <a:lumMod val="65000"/>
-                <a:lumOff val="35000"/>
-              </a:schemeClr>
-            </a:solidFill>
-          </a:ln>
-        </p:spPr>
-        <p:style>
-          <a:lnRef idx="1">
-            <a:schemeClr val="accent1"/>
-          </a:lnRef>
-          <a:fillRef idx="0">
-            <a:schemeClr val="accent1"/>
-          </a:fillRef>
-          <a:effectRef idx="0">
-            <a:schemeClr val="accent1"/>
-          </a:effectRef>
-          <a:fontRef idx="minor">
-            <a:schemeClr val="tx1"/>
-          </a:fontRef>
-        </p:style>
-      </p:cxnSp>
-    </p:spTree>
-    <p:extLst>
-      <p:ext uri="{BB962C8B-B14F-4D97-AF65-F5344CB8AC3E}">
-        <p14:creationId xmlns:p14="http://schemas.microsoft.com/office/powerpoint/2010/main" val="892409312"/>
-      </p:ext>
-    </p:extLst>
-  </p:cSld>
-  <p:clrMapOvr>
-    <a:masterClrMapping/>
-  </p:clrMapOvr>
-  <p:timing>
-    <p:tnLst>
-      <p:par>
-        <p:cTn id="1" dur="indefinite" restart="never" nodeType="tmRoot"/>
-      </p:par>
-    </p:tnLst>
-  </p:timing>
-</p:sld>
-</file>
-
 <file path=ppt/slides/slide16.xml><?xml version="1.0" encoding="utf-8"?>
 <p:sld xmlns:a="http://schemas.openxmlformats.org/drawingml/2006/main" xmlns:r="http://schemas.openxmlformats.org/officeDocument/2006/relationships" xmlns:p="http://schemas.openxmlformats.org/presentationml/2006/main">
   <p:cSld>
@@ -6661,1268 +8677,6 @@
       </p:grpSpPr>
       <p:sp>
         <p:nvSpPr>
-          <p:cNvPr id="5" name="내용 개체 틀 4"/>
-          <p:cNvSpPr>
-            <a:spLocks noGrp="1"/>
-          </p:cNvSpPr>
-          <p:nvPr>
-            <p:ph sz="half" idx="1"/>
-          </p:nvPr>
-        </p:nvSpPr>
-        <p:spPr/>
-        <p:txBody>
-          <a:bodyPr/>
-          <a:lstStyle/>
-          <a:p>
-            <a:endParaRPr lang="en-US" altLang="ko-KR" dirty="0" smtClean="0"/>
-          </a:p>
-          <a:p>
-            <a:endParaRPr lang="en-US" altLang="ko-KR" dirty="0"/>
-          </a:p>
-          <a:p>
-            <a:endParaRPr lang="ko-KR" altLang="en-US" dirty="0"/>
-          </a:p>
-        </p:txBody>
-      </p:sp>
-      <p:sp>
-        <p:nvSpPr>
-          <p:cNvPr id="6" name="내용 개체 틀 5"/>
-          <p:cNvSpPr>
-            <a:spLocks noGrp="1"/>
-          </p:cNvSpPr>
-          <p:nvPr>
-            <p:ph sz="half" idx="2"/>
-          </p:nvPr>
-        </p:nvSpPr>
-        <p:spPr/>
-        <p:txBody>
-          <a:bodyPr>
-            <a:normAutofit/>
-          </a:bodyPr>
-          <a:lstStyle/>
-          <a:p>
-            <a:pPr marL="0" indent="0">
-              <a:buNone/>
-            </a:pPr>
-            <a:endParaRPr lang="en-US" altLang="ko-KR" sz="2000" dirty="0" smtClean="0"/>
-          </a:p>
-          <a:p>
-            <a:endParaRPr lang="ko-KR" altLang="en-US" sz="2000" dirty="0"/>
-          </a:p>
-        </p:txBody>
-      </p:sp>
-      <p:sp>
-        <p:nvSpPr>
-          <p:cNvPr id="7" name="TextBox 25"/>
-          <p:cNvSpPr txBox="1">
-            <a:spLocks noChangeArrowheads="1"/>
-          </p:cNvSpPr>
-          <p:nvPr/>
-        </p:nvSpPr>
-        <p:spPr bwMode="auto">
-          <a:xfrm>
-            <a:off x="323528" y="603121"/>
-            <a:ext cx="5184576" cy="523220"/>
-          </a:xfrm>
-          <a:prstGeom prst="rect">
-            <a:avLst/>
-          </a:prstGeom>
-          <a:noFill/>
-          <a:ln w="9525">
-            <a:noFill/>
-            <a:miter lim="800000"/>
-            <a:headEnd/>
-            <a:tailEnd/>
-          </a:ln>
-        </p:spPr>
-        <p:txBody>
-          <a:bodyPr wrap="square">
-            <a:spAutoFit/>
-          </a:bodyPr>
-          <a:lstStyle/>
-          <a:p>
-            <a:pPr lvl="0"/>
-            <a:r>
-              <a:rPr lang="en-US" altLang="ko-KR" sz="2800" dirty="0" smtClean="0">
-                <a:solidFill>
-                  <a:prstClr val="black">
-                    <a:lumMod val="65000"/>
-                    <a:lumOff val="35000"/>
-                  </a:prstClr>
-                </a:solidFill>
-                <a:latin typeface="다음_SemiBold" pitchFamily="2" charset="-127"/>
-                <a:ea typeface="다음_SemiBold" pitchFamily="2" charset="-127"/>
-              </a:rPr>
-              <a:t>Markdown(-.md)</a:t>
-            </a:r>
-            <a:endParaRPr lang="en-US" altLang="ko-KR" sz="2800" dirty="0" smtClean="0">
-              <a:solidFill>
-                <a:prstClr val="black">
-                  <a:lumMod val="65000"/>
-                  <a:lumOff val="35000"/>
-                </a:prstClr>
-              </a:solidFill>
-              <a:latin typeface="다음_SemiBold" pitchFamily="2" charset="-127"/>
-              <a:ea typeface="다음_SemiBold" pitchFamily="2" charset="-127"/>
-            </a:endParaRPr>
-          </a:p>
-        </p:txBody>
-      </p:sp>
-      <p:sp>
-        <p:nvSpPr>
-          <p:cNvPr id="8" name="TextBox 25"/>
-          <p:cNvSpPr txBox="1">
-            <a:spLocks noChangeArrowheads="1"/>
-          </p:cNvSpPr>
-          <p:nvPr/>
-        </p:nvSpPr>
-        <p:spPr bwMode="auto">
-          <a:xfrm>
-            <a:off x="323528" y="1195735"/>
-            <a:ext cx="5184576" cy="338554"/>
-          </a:xfrm>
-          <a:prstGeom prst="rect">
-            <a:avLst/>
-          </a:prstGeom>
-          <a:noFill/>
-          <a:ln w="9525">
-            <a:noFill/>
-            <a:miter lim="800000"/>
-            <a:headEnd/>
-            <a:tailEnd/>
-          </a:ln>
-        </p:spPr>
-        <p:txBody>
-          <a:bodyPr wrap="square">
-            <a:spAutoFit/>
-          </a:bodyPr>
-          <a:lstStyle/>
-          <a:p>
-            <a:pPr lvl="0"/>
-            <a:r>
-              <a:rPr lang="ko-KR" altLang="en-US" sz="1600" dirty="0" smtClean="0">
-                <a:solidFill>
-                  <a:prstClr val="black">
-                    <a:lumMod val="65000"/>
-                    <a:lumOff val="35000"/>
-                  </a:prstClr>
-                </a:solidFill>
-                <a:latin typeface="나눔바른고딕" pitchFamily="50" charset="-127"/>
-                <a:ea typeface="나눔바른고딕" pitchFamily="50" charset="-127"/>
-              </a:rPr>
-              <a:t> </a:t>
-            </a:r>
-            <a:endParaRPr lang="en-US" altLang="ko-KR" sz="1600" dirty="0" smtClean="0">
-              <a:solidFill>
-                <a:prstClr val="black">
-                  <a:lumMod val="65000"/>
-                  <a:lumOff val="35000"/>
-                </a:prstClr>
-              </a:solidFill>
-              <a:latin typeface="나눔바른고딕" pitchFamily="50" charset="-127"/>
-              <a:ea typeface="나눔바른고딕" pitchFamily="50" charset="-127"/>
-            </a:endParaRPr>
-          </a:p>
-        </p:txBody>
-      </p:sp>
-      <p:cxnSp>
-        <p:nvCxnSpPr>
-          <p:cNvPr id="9" name="직선 연결선 8"/>
-          <p:cNvCxnSpPr/>
-          <p:nvPr/>
-        </p:nvCxnSpPr>
-        <p:spPr>
-          <a:xfrm>
-            <a:off x="428355" y="475655"/>
-            <a:ext cx="327221" cy="0"/>
-          </a:xfrm>
-          <a:prstGeom prst="line">
-            <a:avLst/>
-          </a:prstGeom>
-          <a:ln w="76200">
-            <a:solidFill>
-              <a:schemeClr val="tx1">
-                <a:lumMod val="65000"/>
-                <a:lumOff val="35000"/>
-              </a:schemeClr>
-            </a:solidFill>
-          </a:ln>
-        </p:spPr>
-        <p:style>
-          <a:lnRef idx="1">
-            <a:schemeClr val="accent1"/>
-          </a:lnRef>
-          <a:fillRef idx="0">
-            <a:schemeClr val="accent1"/>
-          </a:fillRef>
-          <a:effectRef idx="0">
-            <a:schemeClr val="accent1"/>
-          </a:effectRef>
-          <a:fontRef idx="minor">
-            <a:schemeClr val="tx1"/>
-          </a:fontRef>
-        </p:style>
-      </p:cxnSp>
-    </p:spTree>
-    <p:extLst>
-      <p:ext uri="{BB962C8B-B14F-4D97-AF65-F5344CB8AC3E}">
-        <p14:creationId xmlns:p14="http://schemas.microsoft.com/office/powerpoint/2010/main" val="2291515507"/>
-      </p:ext>
-    </p:extLst>
-  </p:cSld>
-  <p:clrMapOvr>
-    <a:masterClrMapping/>
-  </p:clrMapOvr>
-  <p:timing>
-    <p:tnLst>
-      <p:par>
-        <p:cTn id="1" dur="indefinite" restart="never" nodeType="tmRoot"/>
-      </p:par>
-    </p:tnLst>
-  </p:timing>
-</p:sld>
-</file>
-
-<file path=ppt/slides/slide17.xml><?xml version="1.0" encoding="utf-8"?>
-<p:sld xmlns:a="http://schemas.openxmlformats.org/drawingml/2006/main" xmlns:r="http://schemas.openxmlformats.org/officeDocument/2006/relationships" xmlns:p="http://schemas.openxmlformats.org/presentationml/2006/main">
-  <p:cSld>
-    <p:spTree>
-      <p:nvGrpSpPr>
-        <p:cNvPr id="1" name=""/>
-        <p:cNvGrpSpPr/>
-        <p:nvPr/>
-      </p:nvGrpSpPr>
-      <p:grpSpPr>
-        <a:xfrm>
-          <a:off x="0" y="0"/>
-          <a:ext cx="0" cy="0"/>
-          <a:chOff x="0" y="0"/>
-          <a:chExt cx="0" cy="0"/>
-        </a:xfrm>
-      </p:grpSpPr>
-      <p:sp>
-        <p:nvSpPr>
-          <p:cNvPr id="11" name="타원 10"/>
-          <p:cNvSpPr/>
-          <p:nvPr/>
-        </p:nvSpPr>
-        <p:spPr>
-          <a:xfrm>
-            <a:off x="606579" y="3137146"/>
-            <a:ext cx="681438" cy="681438"/>
-          </a:xfrm>
-          <a:prstGeom prst="ellipse">
-            <a:avLst/>
-          </a:prstGeom>
-          <a:solidFill>
-            <a:srgbClr val="4C93C7">
-              <a:alpha val="23000"/>
-            </a:srgbClr>
-          </a:solidFill>
-          <a:ln>
-            <a:noFill/>
-          </a:ln>
-        </p:spPr>
-        <p:style>
-          <a:lnRef idx="2">
-            <a:schemeClr val="accent1">
-              <a:shade val="50000"/>
-            </a:schemeClr>
-          </a:lnRef>
-          <a:fillRef idx="1">
-            <a:schemeClr val="accent1"/>
-          </a:fillRef>
-          <a:effectRef idx="0">
-            <a:schemeClr val="accent1"/>
-          </a:effectRef>
-          <a:fontRef idx="minor">
-            <a:schemeClr val="lt1"/>
-          </a:fontRef>
-        </p:style>
-        <p:txBody>
-          <a:bodyPr rtlCol="0" anchor="ctr"/>
-          <a:lstStyle/>
-          <a:p>
-            <a:pPr algn="ctr"/>
-            <a:endParaRPr lang="ko-KR" altLang="en-US"/>
-          </a:p>
-        </p:txBody>
-      </p:sp>
-      <p:sp>
-        <p:nvSpPr>
-          <p:cNvPr id="54" name="타원 53"/>
-          <p:cNvSpPr/>
-          <p:nvPr/>
-        </p:nvSpPr>
-        <p:spPr>
-          <a:xfrm>
-            <a:off x="3394819" y="3137146"/>
-            <a:ext cx="681438" cy="681438"/>
-          </a:xfrm>
-          <a:prstGeom prst="ellipse">
-            <a:avLst/>
-          </a:prstGeom>
-          <a:solidFill>
-            <a:srgbClr val="4C93C7">
-              <a:alpha val="23000"/>
-            </a:srgbClr>
-          </a:solidFill>
-          <a:ln>
-            <a:noFill/>
-          </a:ln>
-        </p:spPr>
-        <p:style>
-          <a:lnRef idx="2">
-            <a:schemeClr val="accent1">
-              <a:shade val="50000"/>
-            </a:schemeClr>
-          </a:lnRef>
-          <a:fillRef idx="1">
-            <a:schemeClr val="accent1"/>
-          </a:fillRef>
-          <a:effectRef idx="0">
-            <a:schemeClr val="accent1"/>
-          </a:effectRef>
-          <a:fontRef idx="minor">
-            <a:schemeClr val="lt1"/>
-          </a:fontRef>
-        </p:style>
-        <p:txBody>
-          <a:bodyPr rtlCol="0" anchor="ctr"/>
-          <a:lstStyle/>
-          <a:p>
-            <a:pPr algn="ctr"/>
-            <a:endParaRPr lang="ko-KR" altLang="en-US"/>
-          </a:p>
-        </p:txBody>
-      </p:sp>
-      <p:sp>
-        <p:nvSpPr>
-          <p:cNvPr id="55" name="타원 54"/>
-          <p:cNvSpPr/>
-          <p:nvPr/>
-        </p:nvSpPr>
-        <p:spPr>
-          <a:xfrm>
-            <a:off x="6011771" y="3137146"/>
-            <a:ext cx="681438" cy="681438"/>
-          </a:xfrm>
-          <a:prstGeom prst="ellipse">
-            <a:avLst/>
-          </a:prstGeom>
-          <a:solidFill>
-            <a:srgbClr val="4C93C7">
-              <a:alpha val="23000"/>
-            </a:srgbClr>
-          </a:solidFill>
-          <a:ln>
-            <a:noFill/>
-          </a:ln>
-        </p:spPr>
-        <p:style>
-          <a:lnRef idx="2">
-            <a:schemeClr val="accent1">
-              <a:shade val="50000"/>
-            </a:schemeClr>
-          </a:lnRef>
-          <a:fillRef idx="1">
-            <a:schemeClr val="accent1"/>
-          </a:fillRef>
-          <a:effectRef idx="0">
-            <a:schemeClr val="accent1"/>
-          </a:effectRef>
-          <a:fontRef idx="minor">
-            <a:schemeClr val="lt1"/>
-          </a:fontRef>
-        </p:style>
-        <p:txBody>
-          <a:bodyPr rtlCol="0" anchor="ctr"/>
-          <a:lstStyle/>
-          <a:p>
-            <a:pPr algn="ctr"/>
-            <a:endParaRPr lang="ko-KR" altLang="en-US"/>
-          </a:p>
-        </p:txBody>
-      </p:sp>
-      <p:sp>
-        <p:nvSpPr>
-          <p:cNvPr id="5" name="TextBox 25"/>
-          <p:cNvSpPr txBox="1">
-            <a:spLocks noChangeArrowheads="1"/>
-          </p:cNvSpPr>
-          <p:nvPr/>
-        </p:nvSpPr>
-        <p:spPr bwMode="auto">
-          <a:xfrm>
-            <a:off x="323528" y="603121"/>
-            <a:ext cx="5112568" cy="523220"/>
-          </a:xfrm>
-          <a:prstGeom prst="rect">
-            <a:avLst/>
-          </a:prstGeom>
-          <a:noFill/>
-          <a:ln w="9525">
-            <a:noFill/>
-            <a:miter lim="800000"/>
-            <a:headEnd/>
-            <a:tailEnd/>
-          </a:ln>
-        </p:spPr>
-        <p:txBody>
-          <a:bodyPr wrap="square">
-            <a:spAutoFit/>
-          </a:bodyPr>
-          <a:lstStyle/>
-          <a:p>
-            <a:pPr lvl="0"/>
-            <a:r>
-              <a:rPr lang="ko-KR" altLang="en-US" sz="2800" dirty="0" smtClean="0">
-                <a:solidFill>
-                  <a:prstClr val="black">
-                    <a:lumMod val="65000"/>
-                    <a:lumOff val="35000"/>
-                  </a:prstClr>
-                </a:solidFill>
-                <a:latin typeface="다음_SemiBold" pitchFamily="2" charset="-127"/>
-                <a:ea typeface="다음_SemiBold" pitchFamily="2" charset="-127"/>
-              </a:rPr>
-              <a:t>둘</a:t>
-            </a:r>
-            <a:r>
-              <a:rPr lang="en-US" altLang="ko-KR" sz="2800" dirty="0" smtClean="0">
-                <a:solidFill>
-                  <a:prstClr val="black">
-                    <a:lumMod val="65000"/>
-                    <a:lumOff val="35000"/>
-                  </a:prstClr>
-                </a:solidFill>
-                <a:latin typeface="다음_SemiBold" pitchFamily="2" charset="-127"/>
-                <a:ea typeface="다음_SemiBold" pitchFamily="2" charset="-127"/>
-              </a:rPr>
-              <a:t>, </a:t>
-            </a:r>
-            <a:r>
-              <a:rPr lang="ko-KR" altLang="en-US" sz="2800" dirty="0" smtClean="0">
-                <a:solidFill>
-                  <a:prstClr val="black">
-                    <a:lumMod val="65000"/>
-                    <a:lumOff val="35000"/>
-                  </a:prstClr>
-                </a:solidFill>
-                <a:latin typeface="다음_SemiBold" pitchFamily="2" charset="-127"/>
-                <a:ea typeface="다음_SemiBold" pitchFamily="2" charset="-127"/>
-              </a:rPr>
-              <a:t>텍스트 많은 페이지</a:t>
-            </a:r>
-            <a:r>
-              <a:rPr lang="en-US" altLang="ko-KR" sz="2800" dirty="0" smtClean="0">
-                <a:solidFill>
-                  <a:prstClr val="black">
-                    <a:lumMod val="65000"/>
-                    <a:lumOff val="35000"/>
-                  </a:prstClr>
-                </a:solidFill>
-                <a:latin typeface="다음_SemiBold" pitchFamily="2" charset="-127"/>
-                <a:ea typeface="다음_SemiBold" pitchFamily="2" charset="-127"/>
-              </a:rPr>
-              <a:t> </a:t>
-            </a:r>
-          </a:p>
-        </p:txBody>
-      </p:sp>
-      <p:sp>
-        <p:nvSpPr>
-          <p:cNvPr id="9" name="TextBox 25"/>
-          <p:cNvSpPr txBox="1">
-            <a:spLocks noChangeArrowheads="1"/>
-          </p:cNvSpPr>
-          <p:nvPr/>
-        </p:nvSpPr>
-        <p:spPr bwMode="auto">
-          <a:xfrm>
-            <a:off x="323528" y="1195735"/>
-            <a:ext cx="5112568" cy="523220"/>
-          </a:xfrm>
-          <a:prstGeom prst="rect">
-            <a:avLst/>
-          </a:prstGeom>
-          <a:noFill/>
-          <a:ln w="9525">
-            <a:noFill/>
-            <a:miter lim="800000"/>
-            <a:headEnd/>
-            <a:tailEnd/>
-          </a:ln>
-        </p:spPr>
-        <p:txBody>
-          <a:bodyPr wrap="square">
-            <a:spAutoFit/>
-          </a:bodyPr>
-          <a:lstStyle/>
-          <a:p>
-            <a:pPr lvl="0"/>
-            <a:r>
-              <a:rPr lang="ko-KR" altLang="en-US" sz="1400" dirty="0" smtClean="0">
-                <a:solidFill>
-                  <a:prstClr val="black">
-                    <a:lumMod val="65000"/>
-                    <a:lumOff val="35000"/>
-                  </a:prstClr>
-                </a:solidFill>
-                <a:latin typeface="나눔바른고딕" pitchFamily="50" charset="-127"/>
-                <a:ea typeface="나눔바른고딕" pitchFamily="50" charset="-127"/>
-              </a:rPr>
-              <a:t>채울 게 텍스트 밖에 없을 때는 여백을 살려줘도 좋아요</a:t>
-            </a:r>
-            <a:r>
-              <a:rPr lang="en-US" altLang="ko-KR" sz="1400" dirty="0" smtClean="0">
-                <a:solidFill>
-                  <a:prstClr val="black">
-                    <a:lumMod val="65000"/>
-                    <a:lumOff val="35000"/>
-                  </a:prstClr>
-                </a:solidFill>
-                <a:latin typeface="나눔바른고딕" pitchFamily="50" charset="-127"/>
-                <a:ea typeface="나눔바른고딕" pitchFamily="50" charset="-127"/>
-              </a:rPr>
-              <a:t>. </a:t>
-            </a:r>
-          </a:p>
-          <a:p>
-            <a:pPr lvl="0"/>
-            <a:r>
-              <a:rPr lang="ko-KR" altLang="en-US" sz="1400" dirty="0" smtClean="0">
-                <a:solidFill>
-                  <a:prstClr val="black">
-                    <a:lumMod val="65000"/>
-                    <a:lumOff val="35000"/>
-                  </a:prstClr>
-                </a:solidFill>
-                <a:latin typeface="나눔바른고딕" pitchFamily="50" charset="-127"/>
-                <a:ea typeface="나눔바른고딕" pitchFamily="50" charset="-127"/>
-              </a:rPr>
-              <a:t>여백이 충분해지면 텍스트가 좀 더 잘 보이는 효과가 있지요</a:t>
-            </a:r>
-            <a:r>
-              <a:rPr lang="en-US" altLang="ko-KR" sz="1400" dirty="0" smtClean="0">
-                <a:solidFill>
-                  <a:prstClr val="black">
-                    <a:lumMod val="65000"/>
-                    <a:lumOff val="35000"/>
-                  </a:prstClr>
-                </a:solidFill>
-                <a:latin typeface="나눔바른고딕" pitchFamily="50" charset="-127"/>
-                <a:ea typeface="나눔바른고딕" pitchFamily="50" charset="-127"/>
-              </a:rPr>
-              <a:t>.</a:t>
-            </a:r>
-          </a:p>
-        </p:txBody>
-      </p:sp>
-      <p:cxnSp>
-        <p:nvCxnSpPr>
-          <p:cNvPr id="10" name="직선 연결선 9"/>
-          <p:cNvCxnSpPr/>
-          <p:nvPr/>
-        </p:nvCxnSpPr>
-        <p:spPr>
-          <a:xfrm>
-            <a:off x="428355" y="475655"/>
-            <a:ext cx="327221" cy="0"/>
-          </a:xfrm>
-          <a:prstGeom prst="line">
-            <a:avLst/>
-          </a:prstGeom>
-          <a:ln w="76200">
-            <a:solidFill>
-              <a:schemeClr val="tx1">
-                <a:lumMod val="65000"/>
-                <a:lumOff val="35000"/>
-              </a:schemeClr>
-            </a:solidFill>
-          </a:ln>
-        </p:spPr>
-        <p:style>
-          <a:lnRef idx="1">
-            <a:schemeClr val="accent1"/>
-          </a:lnRef>
-          <a:fillRef idx="0">
-            <a:schemeClr val="accent1"/>
-          </a:fillRef>
-          <a:effectRef idx="0">
-            <a:schemeClr val="accent1"/>
-          </a:effectRef>
-          <a:fontRef idx="minor">
-            <a:schemeClr val="tx1"/>
-          </a:fontRef>
-        </p:style>
-      </p:cxnSp>
-      <p:sp>
-        <p:nvSpPr>
-          <p:cNvPr id="37" name="TextBox 25"/>
-          <p:cNvSpPr txBox="1">
-            <a:spLocks noChangeArrowheads="1"/>
-          </p:cNvSpPr>
-          <p:nvPr/>
-        </p:nvSpPr>
-        <p:spPr bwMode="auto">
-          <a:xfrm>
-            <a:off x="843618" y="3428407"/>
-            <a:ext cx="1080120" cy="400110"/>
-          </a:xfrm>
-          <a:prstGeom prst="rect">
-            <a:avLst/>
-          </a:prstGeom>
-          <a:noFill/>
-          <a:ln w="9525">
-            <a:noFill/>
-            <a:miter lim="800000"/>
-            <a:headEnd/>
-            <a:tailEnd/>
-          </a:ln>
-        </p:spPr>
-        <p:txBody>
-          <a:bodyPr wrap="square">
-            <a:spAutoFit/>
-          </a:bodyPr>
-          <a:lstStyle/>
-          <a:p>
-            <a:pPr lvl="0"/>
-            <a:r>
-              <a:rPr lang="en-US" altLang="ko-KR" sz="2000" b="1" dirty="0" smtClean="0">
-                <a:solidFill>
-                  <a:srgbClr val="4C93C7"/>
-                </a:solidFill>
-                <a:latin typeface="다음_Regular" panose="02000603060000000000" pitchFamily="2" charset="-127"/>
-                <a:ea typeface="다음_Regular" panose="02000603060000000000" pitchFamily="2" charset="-127"/>
-              </a:rPr>
-              <a:t>1. </a:t>
-            </a:r>
-            <a:r>
-              <a:rPr lang="ko-KR" altLang="en-US" sz="2000" b="1" dirty="0" smtClean="0">
-                <a:solidFill>
-                  <a:srgbClr val="4C93C7"/>
-                </a:solidFill>
-                <a:latin typeface="다음_Regular" panose="02000603060000000000" pitchFamily="2" charset="-127"/>
-                <a:ea typeface="다음_Regular" panose="02000603060000000000" pitchFamily="2" charset="-127"/>
-              </a:rPr>
-              <a:t>기간</a:t>
-            </a:r>
-            <a:endParaRPr lang="en-US" altLang="ko-KR" sz="2000" b="1" dirty="0" smtClean="0">
-              <a:solidFill>
-                <a:srgbClr val="4C93C7"/>
-              </a:solidFill>
-              <a:latin typeface="다음_Regular" panose="02000603060000000000" pitchFamily="2" charset="-127"/>
-              <a:ea typeface="다음_Regular" panose="02000603060000000000" pitchFamily="2" charset="-127"/>
-            </a:endParaRPr>
-          </a:p>
-        </p:txBody>
-      </p:sp>
-      <p:cxnSp>
-        <p:nvCxnSpPr>
-          <p:cNvPr id="38" name="직선 연결선 37"/>
-          <p:cNvCxnSpPr/>
-          <p:nvPr/>
-        </p:nvCxnSpPr>
-        <p:spPr>
-          <a:xfrm>
-            <a:off x="915626" y="3826842"/>
-            <a:ext cx="936000" cy="0"/>
-          </a:xfrm>
-          <a:prstGeom prst="line">
-            <a:avLst/>
-          </a:prstGeom>
-          <a:ln>
-            <a:solidFill>
-              <a:srgbClr val="4C93C7"/>
-            </a:solidFill>
-            <a:prstDash val="dash"/>
-          </a:ln>
-        </p:spPr>
-        <p:style>
-          <a:lnRef idx="1">
-            <a:schemeClr val="accent1"/>
-          </a:lnRef>
-          <a:fillRef idx="0">
-            <a:schemeClr val="accent1"/>
-          </a:fillRef>
-          <a:effectRef idx="0">
-            <a:schemeClr val="accent1"/>
-          </a:effectRef>
-          <a:fontRef idx="minor">
-            <a:schemeClr val="tx1"/>
-          </a:fontRef>
-        </p:style>
-      </p:cxnSp>
-      <p:sp>
-        <p:nvSpPr>
-          <p:cNvPr id="41" name="TextBox 25"/>
-          <p:cNvSpPr txBox="1">
-            <a:spLocks noChangeArrowheads="1"/>
-          </p:cNvSpPr>
-          <p:nvPr/>
-        </p:nvSpPr>
-        <p:spPr bwMode="auto">
-          <a:xfrm>
-            <a:off x="3651930" y="3428407"/>
-            <a:ext cx="1080120" cy="400110"/>
-          </a:xfrm>
-          <a:prstGeom prst="rect">
-            <a:avLst/>
-          </a:prstGeom>
-          <a:noFill/>
-          <a:ln w="9525">
-            <a:noFill/>
-            <a:miter lim="800000"/>
-            <a:headEnd/>
-            <a:tailEnd/>
-          </a:ln>
-        </p:spPr>
-        <p:txBody>
-          <a:bodyPr wrap="square">
-            <a:spAutoFit/>
-          </a:bodyPr>
-          <a:lstStyle/>
-          <a:p>
-            <a:pPr lvl="0"/>
-            <a:r>
-              <a:rPr lang="en-US" altLang="ko-KR" sz="2000" b="1" dirty="0" smtClean="0">
-                <a:solidFill>
-                  <a:srgbClr val="4C93C7"/>
-                </a:solidFill>
-                <a:latin typeface="다음_Regular" panose="02000603060000000000" pitchFamily="2" charset="-127"/>
-                <a:ea typeface="다음_Regular" panose="02000603060000000000" pitchFamily="2" charset="-127"/>
-              </a:rPr>
-              <a:t>2. </a:t>
-            </a:r>
-            <a:r>
-              <a:rPr lang="ko-KR" altLang="en-US" sz="2000" b="1" dirty="0" smtClean="0">
-                <a:solidFill>
-                  <a:srgbClr val="4C93C7"/>
-                </a:solidFill>
-                <a:latin typeface="다음_Regular" panose="02000603060000000000" pitchFamily="2" charset="-127"/>
-                <a:ea typeface="다음_Regular" panose="02000603060000000000" pitchFamily="2" charset="-127"/>
-              </a:rPr>
-              <a:t>목적</a:t>
-            </a:r>
-            <a:endParaRPr lang="en-US" altLang="ko-KR" sz="2000" b="1" dirty="0" smtClean="0">
-              <a:solidFill>
-                <a:srgbClr val="4C93C7"/>
-              </a:solidFill>
-              <a:latin typeface="다음_Regular" panose="02000603060000000000" pitchFamily="2" charset="-127"/>
-              <a:ea typeface="다음_Regular" panose="02000603060000000000" pitchFamily="2" charset="-127"/>
-            </a:endParaRPr>
-          </a:p>
-        </p:txBody>
-      </p:sp>
-      <p:cxnSp>
-        <p:nvCxnSpPr>
-          <p:cNvPr id="45" name="직선 연결선 44"/>
-          <p:cNvCxnSpPr/>
-          <p:nvPr/>
-        </p:nvCxnSpPr>
-        <p:spPr>
-          <a:xfrm>
-            <a:off x="3723938" y="3826842"/>
-            <a:ext cx="936000" cy="0"/>
-          </a:xfrm>
-          <a:prstGeom prst="line">
-            <a:avLst/>
-          </a:prstGeom>
-          <a:ln>
-            <a:solidFill>
-              <a:srgbClr val="4C93C7"/>
-            </a:solidFill>
-            <a:prstDash val="dash"/>
-          </a:ln>
-        </p:spPr>
-        <p:style>
-          <a:lnRef idx="1">
-            <a:schemeClr val="accent1"/>
-          </a:lnRef>
-          <a:fillRef idx="0">
-            <a:schemeClr val="accent1"/>
-          </a:fillRef>
-          <a:effectRef idx="0">
-            <a:schemeClr val="accent1"/>
-          </a:effectRef>
-          <a:fontRef idx="minor">
-            <a:schemeClr val="tx1"/>
-          </a:fontRef>
-        </p:style>
-      </p:cxnSp>
-      <p:sp>
-        <p:nvSpPr>
-          <p:cNvPr id="46" name="TextBox 25"/>
-          <p:cNvSpPr txBox="1">
-            <a:spLocks noChangeArrowheads="1"/>
-          </p:cNvSpPr>
-          <p:nvPr/>
-        </p:nvSpPr>
-        <p:spPr bwMode="auto">
-          <a:xfrm>
-            <a:off x="6280482" y="3428407"/>
-            <a:ext cx="1819910" cy="400110"/>
-          </a:xfrm>
-          <a:prstGeom prst="rect">
-            <a:avLst/>
-          </a:prstGeom>
-          <a:noFill/>
-          <a:ln w="9525">
-            <a:noFill/>
-            <a:miter lim="800000"/>
-            <a:headEnd/>
-            <a:tailEnd/>
-          </a:ln>
-        </p:spPr>
-        <p:txBody>
-          <a:bodyPr wrap="square">
-            <a:spAutoFit/>
-          </a:bodyPr>
-          <a:lstStyle/>
-          <a:p>
-            <a:pPr lvl="0"/>
-            <a:r>
-              <a:rPr lang="en-US" altLang="ko-KR" sz="2000" b="1" dirty="0" smtClean="0">
-                <a:solidFill>
-                  <a:srgbClr val="4C93C7"/>
-                </a:solidFill>
-                <a:latin typeface="다음_Regular" panose="02000603060000000000" pitchFamily="2" charset="-127"/>
-                <a:ea typeface="다음_Regular" panose="02000603060000000000" pitchFamily="2" charset="-127"/>
-              </a:rPr>
-              <a:t>3. </a:t>
-            </a:r>
-            <a:r>
-              <a:rPr lang="ko-KR" altLang="en-US" sz="2000" b="1" dirty="0" smtClean="0">
-                <a:solidFill>
-                  <a:srgbClr val="4C93C7"/>
-                </a:solidFill>
-                <a:latin typeface="다음_Regular" panose="02000603060000000000" pitchFamily="2" charset="-127"/>
-                <a:ea typeface="다음_Regular" panose="02000603060000000000" pitchFamily="2" charset="-127"/>
-              </a:rPr>
-              <a:t>기대효과</a:t>
-            </a:r>
-            <a:endParaRPr lang="en-US" altLang="ko-KR" sz="2000" b="1" dirty="0" smtClean="0">
-              <a:solidFill>
-                <a:srgbClr val="4C93C7"/>
-              </a:solidFill>
-              <a:latin typeface="다음_Regular" panose="02000603060000000000" pitchFamily="2" charset="-127"/>
-              <a:ea typeface="다음_Regular" panose="02000603060000000000" pitchFamily="2" charset="-127"/>
-            </a:endParaRPr>
-          </a:p>
-        </p:txBody>
-      </p:sp>
-      <p:cxnSp>
-        <p:nvCxnSpPr>
-          <p:cNvPr id="47" name="직선 연결선 46"/>
-          <p:cNvCxnSpPr/>
-          <p:nvPr/>
-        </p:nvCxnSpPr>
-        <p:spPr>
-          <a:xfrm>
-            <a:off x="6352490" y="3826842"/>
-            <a:ext cx="1476000" cy="0"/>
-          </a:xfrm>
-          <a:prstGeom prst="line">
-            <a:avLst/>
-          </a:prstGeom>
-          <a:ln>
-            <a:solidFill>
-              <a:srgbClr val="4C93C7"/>
-            </a:solidFill>
-            <a:prstDash val="dash"/>
-          </a:ln>
-        </p:spPr>
-        <p:style>
-          <a:lnRef idx="1">
-            <a:schemeClr val="accent1"/>
-          </a:lnRef>
-          <a:fillRef idx="0">
-            <a:schemeClr val="accent1"/>
-          </a:fillRef>
-          <a:effectRef idx="0">
-            <a:schemeClr val="accent1"/>
-          </a:effectRef>
-          <a:fontRef idx="minor">
-            <a:schemeClr val="tx1"/>
-          </a:fontRef>
-        </p:style>
-      </p:cxnSp>
-      <p:sp>
-        <p:nvSpPr>
-          <p:cNvPr id="48" name="TextBox 25"/>
-          <p:cNvSpPr txBox="1">
-            <a:spLocks noChangeArrowheads="1"/>
-          </p:cNvSpPr>
-          <p:nvPr/>
-        </p:nvSpPr>
-        <p:spPr bwMode="auto">
-          <a:xfrm>
-            <a:off x="827584" y="3947423"/>
-            <a:ext cx="2340000" cy="461665"/>
-          </a:xfrm>
-          <a:prstGeom prst="rect">
-            <a:avLst/>
-          </a:prstGeom>
-          <a:noFill/>
-          <a:ln w="9525">
-            <a:noFill/>
-            <a:miter lim="800000"/>
-            <a:headEnd/>
-            <a:tailEnd/>
-          </a:ln>
-        </p:spPr>
-        <p:txBody>
-          <a:bodyPr wrap="square">
-            <a:spAutoFit/>
-          </a:bodyPr>
-          <a:lstStyle/>
-          <a:p>
-            <a:pPr lvl="0"/>
-            <a:r>
-              <a:rPr lang="ko-KR" altLang="en-US" sz="1200" dirty="0" smtClean="0">
-                <a:solidFill>
-                  <a:prstClr val="black">
-                    <a:lumMod val="65000"/>
-                    <a:lumOff val="35000"/>
-                  </a:prstClr>
-                </a:solidFill>
-                <a:latin typeface="나눔바른고딕" pitchFamily="50" charset="-127"/>
-                <a:ea typeface="나눔바른고딕" pitchFamily="50" charset="-127"/>
-              </a:rPr>
-              <a:t>여기에는 한 두 줄 정도 넣어주세요</a:t>
-            </a:r>
-            <a:r>
-              <a:rPr lang="en-US" altLang="ko-KR" sz="1200" dirty="0" smtClean="0">
-                <a:solidFill>
-                  <a:prstClr val="black">
-                    <a:lumMod val="65000"/>
-                    <a:lumOff val="35000"/>
-                  </a:prstClr>
-                </a:solidFill>
-                <a:latin typeface="나눔바른고딕" pitchFamily="50" charset="-127"/>
-                <a:ea typeface="나눔바른고딕" pitchFamily="50" charset="-127"/>
-              </a:rPr>
-              <a:t>.</a:t>
-            </a:r>
-          </a:p>
-          <a:p>
-            <a:pPr lvl="0"/>
-            <a:r>
-              <a:rPr lang="ko-KR" altLang="en-US" sz="1200" dirty="0" err="1" smtClean="0">
-                <a:solidFill>
-                  <a:prstClr val="black">
-                    <a:lumMod val="65000"/>
-                    <a:lumOff val="35000"/>
-                  </a:prstClr>
-                </a:solidFill>
-                <a:latin typeface="나눔바른고딕" pitchFamily="50" charset="-127"/>
-                <a:ea typeface="나눔바른고딕" pitchFamily="50" charset="-127"/>
-              </a:rPr>
-              <a:t>랄랄라</a:t>
-            </a:r>
-            <a:r>
-              <a:rPr lang="ko-KR" altLang="en-US" sz="1200" dirty="0" smtClean="0">
-                <a:solidFill>
-                  <a:prstClr val="black">
-                    <a:lumMod val="65000"/>
-                    <a:lumOff val="35000"/>
-                  </a:prstClr>
-                </a:solidFill>
-                <a:latin typeface="나눔바른고딕" pitchFamily="50" charset="-127"/>
-                <a:ea typeface="나눔바른고딕" pitchFamily="50" charset="-127"/>
-              </a:rPr>
-              <a:t> </a:t>
-            </a:r>
-            <a:r>
-              <a:rPr lang="ko-KR" altLang="en-US" sz="1200" dirty="0" err="1" smtClean="0">
-                <a:solidFill>
-                  <a:prstClr val="black">
-                    <a:lumMod val="65000"/>
-                    <a:lumOff val="35000"/>
-                  </a:prstClr>
-                </a:solidFill>
-                <a:latin typeface="나눔바른고딕" pitchFamily="50" charset="-127"/>
-                <a:ea typeface="나눔바른고딕" pitchFamily="50" charset="-127"/>
-              </a:rPr>
-              <a:t>스랄랄라</a:t>
-            </a:r>
-            <a:endParaRPr lang="en-US" altLang="ko-KR" sz="1200" dirty="0">
-              <a:solidFill>
-                <a:prstClr val="black">
-                  <a:lumMod val="65000"/>
-                  <a:lumOff val="35000"/>
-                </a:prstClr>
-              </a:solidFill>
-              <a:latin typeface="나눔바른고딕" pitchFamily="50" charset="-127"/>
-              <a:ea typeface="나눔바른고딕" pitchFamily="50" charset="-127"/>
-            </a:endParaRPr>
-          </a:p>
-        </p:txBody>
-      </p:sp>
-      <p:sp>
-        <p:nvSpPr>
-          <p:cNvPr id="51" name="TextBox 25"/>
-          <p:cNvSpPr txBox="1">
-            <a:spLocks noChangeArrowheads="1"/>
-          </p:cNvSpPr>
-          <p:nvPr/>
-        </p:nvSpPr>
-        <p:spPr bwMode="auto">
-          <a:xfrm>
-            <a:off x="3635896" y="3975447"/>
-            <a:ext cx="2340000" cy="461665"/>
-          </a:xfrm>
-          <a:prstGeom prst="rect">
-            <a:avLst/>
-          </a:prstGeom>
-          <a:noFill/>
-          <a:ln w="9525">
-            <a:noFill/>
-            <a:miter lim="800000"/>
-            <a:headEnd/>
-            <a:tailEnd/>
-          </a:ln>
-        </p:spPr>
-        <p:txBody>
-          <a:bodyPr wrap="square">
-            <a:spAutoFit/>
-          </a:bodyPr>
-          <a:lstStyle/>
-          <a:p>
-            <a:pPr lvl="0"/>
-            <a:r>
-              <a:rPr lang="ko-KR" altLang="en-US" sz="1200" dirty="0">
-                <a:solidFill>
-                  <a:prstClr val="black">
-                    <a:lumMod val="65000"/>
-                    <a:lumOff val="35000"/>
-                  </a:prstClr>
-                </a:solidFill>
-                <a:latin typeface="나눔바른고딕" pitchFamily="50" charset="-127"/>
-                <a:ea typeface="나눔바른고딕" pitchFamily="50" charset="-127"/>
-              </a:rPr>
-              <a:t>여기에는 한 두 줄 정도 넣어주세요</a:t>
-            </a:r>
-            <a:r>
-              <a:rPr lang="en-US" altLang="ko-KR" sz="1200" dirty="0">
-                <a:solidFill>
-                  <a:prstClr val="black">
-                    <a:lumMod val="65000"/>
-                    <a:lumOff val="35000"/>
-                  </a:prstClr>
-                </a:solidFill>
-                <a:latin typeface="나눔바른고딕" pitchFamily="50" charset="-127"/>
-                <a:ea typeface="나눔바른고딕" pitchFamily="50" charset="-127"/>
-              </a:rPr>
-              <a:t>.</a:t>
-            </a:r>
-          </a:p>
-          <a:p>
-            <a:pPr lvl="0"/>
-            <a:r>
-              <a:rPr lang="ko-KR" altLang="en-US" sz="1200" dirty="0" err="1">
-                <a:solidFill>
-                  <a:prstClr val="black">
-                    <a:lumMod val="65000"/>
-                    <a:lumOff val="35000"/>
-                  </a:prstClr>
-                </a:solidFill>
-                <a:latin typeface="나눔바른고딕" pitchFamily="50" charset="-127"/>
-                <a:ea typeface="나눔바른고딕" pitchFamily="50" charset="-127"/>
-              </a:rPr>
-              <a:t>랄랄라</a:t>
-            </a:r>
-            <a:r>
-              <a:rPr lang="ko-KR" altLang="en-US" sz="1200" dirty="0">
-                <a:solidFill>
-                  <a:prstClr val="black">
-                    <a:lumMod val="65000"/>
-                    <a:lumOff val="35000"/>
-                  </a:prstClr>
-                </a:solidFill>
-                <a:latin typeface="나눔바른고딕" pitchFamily="50" charset="-127"/>
-                <a:ea typeface="나눔바른고딕" pitchFamily="50" charset="-127"/>
-              </a:rPr>
-              <a:t> </a:t>
-            </a:r>
-            <a:r>
-              <a:rPr lang="ko-KR" altLang="en-US" sz="1200" dirty="0" err="1">
-                <a:solidFill>
-                  <a:prstClr val="black">
-                    <a:lumMod val="65000"/>
-                    <a:lumOff val="35000"/>
-                  </a:prstClr>
-                </a:solidFill>
-                <a:latin typeface="나눔바른고딕" pitchFamily="50" charset="-127"/>
-                <a:ea typeface="나눔바른고딕" pitchFamily="50" charset="-127"/>
-              </a:rPr>
-              <a:t>스랄랄라</a:t>
-            </a:r>
-            <a:endParaRPr lang="en-US" altLang="ko-KR" sz="1200" dirty="0">
-              <a:solidFill>
-                <a:prstClr val="black">
-                  <a:lumMod val="65000"/>
-                  <a:lumOff val="35000"/>
-                </a:prstClr>
-              </a:solidFill>
-              <a:latin typeface="나눔바른고딕" pitchFamily="50" charset="-127"/>
-              <a:ea typeface="나눔바른고딕" pitchFamily="50" charset="-127"/>
-            </a:endParaRPr>
-          </a:p>
-        </p:txBody>
-      </p:sp>
-      <p:sp>
-        <p:nvSpPr>
-          <p:cNvPr id="53" name="TextBox 25"/>
-          <p:cNvSpPr txBox="1">
-            <a:spLocks noChangeArrowheads="1"/>
-          </p:cNvSpPr>
-          <p:nvPr/>
-        </p:nvSpPr>
-        <p:spPr bwMode="auto">
-          <a:xfrm>
-            <a:off x="6264448" y="3975447"/>
-            <a:ext cx="2340000" cy="461665"/>
-          </a:xfrm>
-          <a:prstGeom prst="rect">
-            <a:avLst/>
-          </a:prstGeom>
-          <a:noFill/>
-          <a:ln w="9525">
-            <a:noFill/>
-            <a:miter lim="800000"/>
-            <a:headEnd/>
-            <a:tailEnd/>
-          </a:ln>
-        </p:spPr>
-        <p:txBody>
-          <a:bodyPr wrap="square">
-            <a:spAutoFit/>
-          </a:bodyPr>
-          <a:lstStyle/>
-          <a:p>
-            <a:pPr lvl="0"/>
-            <a:r>
-              <a:rPr lang="ko-KR" altLang="en-US" sz="1200" dirty="0">
-                <a:solidFill>
-                  <a:prstClr val="black">
-                    <a:lumMod val="65000"/>
-                    <a:lumOff val="35000"/>
-                  </a:prstClr>
-                </a:solidFill>
-                <a:latin typeface="나눔바른고딕" pitchFamily="50" charset="-127"/>
-                <a:ea typeface="나눔바른고딕" pitchFamily="50" charset="-127"/>
-              </a:rPr>
-              <a:t>여기에는 한 두 줄 정도 넣어주세요</a:t>
-            </a:r>
-            <a:r>
-              <a:rPr lang="en-US" altLang="ko-KR" sz="1200" dirty="0">
-                <a:solidFill>
-                  <a:prstClr val="black">
-                    <a:lumMod val="65000"/>
-                    <a:lumOff val="35000"/>
-                  </a:prstClr>
-                </a:solidFill>
-                <a:latin typeface="나눔바른고딕" pitchFamily="50" charset="-127"/>
-                <a:ea typeface="나눔바른고딕" pitchFamily="50" charset="-127"/>
-              </a:rPr>
-              <a:t>.</a:t>
-            </a:r>
-          </a:p>
-          <a:p>
-            <a:pPr lvl="0"/>
-            <a:r>
-              <a:rPr lang="ko-KR" altLang="en-US" sz="1200" dirty="0" err="1">
-                <a:solidFill>
-                  <a:prstClr val="black">
-                    <a:lumMod val="65000"/>
-                    <a:lumOff val="35000"/>
-                  </a:prstClr>
-                </a:solidFill>
-                <a:latin typeface="나눔바른고딕" pitchFamily="50" charset="-127"/>
-                <a:ea typeface="나눔바른고딕" pitchFamily="50" charset="-127"/>
-              </a:rPr>
-              <a:t>랄랄라</a:t>
-            </a:r>
-            <a:r>
-              <a:rPr lang="ko-KR" altLang="en-US" sz="1200" dirty="0">
-                <a:solidFill>
-                  <a:prstClr val="black">
-                    <a:lumMod val="65000"/>
-                    <a:lumOff val="35000"/>
-                  </a:prstClr>
-                </a:solidFill>
-                <a:latin typeface="나눔바른고딕" pitchFamily="50" charset="-127"/>
-                <a:ea typeface="나눔바른고딕" pitchFamily="50" charset="-127"/>
-              </a:rPr>
-              <a:t> </a:t>
-            </a:r>
-            <a:r>
-              <a:rPr lang="ko-KR" altLang="en-US" sz="1200" dirty="0" err="1">
-                <a:solidFill>
-                  <a:prstClr val="black">
-                    <a:lumMod val="65000"/>
-                    <a:lumOff val="35000"/>
-                  </a:prstClr>
-                </a:solidFill>
-                <a:latin typeface="나눔바른고딕" pitchFamily="50" charset="-127"/>
-                <a:ea typeface="나눔바른고딕" pitchFamily="50" charset="-127"/>
-              </a:rPr>
-              <a:t>스랄랄라</a:t>
-            </a:r>
-            <a:endParaRPr lang="en-US" altLang="ko-KR" sz="1200" dirty="0">
-              <a:solidFill>
-                <a:prstClr val="black">
-                  <a:lumMod val="65000"/>
-                  <a:lumOff val="35000"/>
-                </a:prstClr>
-              </a:solidFill>
-              <a:latin typeface="나눔바른고딕" pitchFamily="50" charset="-127"/>
-              <a:ea typeface="나눔바른고딕" pitchFamily="50" charset="-127"/>
-            </a:endParaRPr>
-          </a:p>
-        </p:txBody>
-      </p:sp>
-    </p:spTree>
-    <p:extLst>
-      <p:ext uri="{BB962C8B-B14F-4D97-AF65-F5344CB8AC3E}">
-        <p14:creationId xmlns:p14="http://schemas.microsoft.com/office/powerpoint/2010/main" val="4132090309"/>
-      </p:ext>
-    </p:extLst>
-  </p:cSld>
-  <p:clrMapOvr>
-    <a:masterClrMapping/>
-  </p:clrMapOvr>
-  <p:timing>
-    <p:tnLst>
-      <p:par>
-        <p:cTn id="1" dur="indefinite" restart="never" nodeType="tmRoot"/>
-      </p:par>
-    </p:tnLst>
-  </p:timing>
-</p:sld>
-</file>
-
-<file path=ppt/slides/slide18.xml><?xml version="1.0" encoding="utf-8"?>
-<p:sld xmlns:a="http://schemas.openxmlformats.org/drawingml/2006/main" xmlns:r="http://schemas.openxmlformats.org/officeDocument/2006/relationships" xmlns:p="http://schemas.openxmlformats.org/presentationml/2006/main">
-  <p:cSld>
-    <p:spTree>
-      <p:nvGrpSpPr>
-        <p:cNvPr id="1" name=""/>
-        <p:cNvGrpSpPr/>
-        <p:nvPr/>
-      </p:nvGrpSpPr>
-      <p:grpSpPr>
-        <a:xfrm>
-          <a:off x="0" y="0"/>
-          <a:ext cx="0" cy="0"/>
-          <a:chOff x="0" y="0"/>
-          <a:chExt cx="0" cy="0"/>
-        </a:xfrm>
-      </p:grpSpPr>
-      <p:sp>
-        <p:nvSpPr>
           <p:cNvPr id="4" name="직사각형 3"/>
           <p:cNvSpPr/>
           <p:nvPr/>
@@ -7959,76 +8713,6 @@
           </a:p>
         </p:txBody>
       </p:sp>
-      <p:sp>
-        <p:nvSpPr>
-          <p:cNvPr id="6" name="TextBox 5"/>
-          <p:cNvSpPr txBox="1"/>
-          <p:nvPr/>
-        </p:nvSpPr>
-        <p:spPr>
-          <a:xfrm>
-            <a:off x="1115616" y="1877571"/>
-            <a:ext cx="3600400" cy="292388"/>
-          </a:xfrm>
-          <a:prstGeom prst="rect">
-            <a:avLst/>
-          </a:prstGeom>
-          <a:noFill/>
-        </p:spPr>
-        <p:txBody>
-          <a:bodyPr wrap="square" rtlCol="0">
-            <a:spAutoFit/>
-          </a:bodyPr>
-          <a:lstStyle/>
-          <a:p>
-            <a:r>
-              <a:rPr lang="en-US" altLang="ko-KR" sz="1300" dirty="0">
-                <a:solidFill>
-                  <a:schemeClr val="bg1"/>
-                </a:solidFill>
-                <a:latin typeface="나눔바른고딕" panose="020B0603020101020101" pitchFamily="50" charset="-127"/>
-                <a:ea typeface="나눔바른고딕" panose="020B0603020101020101" pitchFamily="50" charset="-127"/>
-              </a:rPr>
-              <a:t>made by HONGYANG&amp;HONG3</a:t>
-            </a:r>
-            <a:endParaRPr lang="ko-KR" altLang="en-US" sz="1300" dirty="0">
-              <a:solidFill>
-                <a:schemeClr val="bg1"/>
-              </a:solidFill>
-              <a:latin typeface="나눔바른고딕" panose="020B0603020101020101" pitchFamily="50" charset="-127"/>
-              <a:ea typeface="나눔바른고딕" panose="020B0603020101020101" pitchFamily="50" charset="-127"/>
-            </a:endParaRPr>
-          </a:p>
-        </p:txBody>
-      </p:sp>
-      <p:pic>
-        <p:nvPicPr>
-          <p:cNvPr id="1026" name="Picture 2" descr="E:\Blog\sign01_5_140207.png"/>
-          <p:cNvPicPr>
-            <a:picLocks noChangeAspect="1" noChangeArrowheads="1"/>
-          </p:cNvPicPr>
-          <p:nvPr/>
-        </p:nvPicPr>
-        <p:blipFill>
-          <a:blip r:embed="rId2" cstate="print"/>
-          <a:stretch>
-            <a:fillRect/>
-          </a:stretch>
-        </p:blipFill>
-        <p:spPr bwMode="auto">
-          <a:xfrm>
-            <a:off x="1043608" y="6434848"/>
-            <a:ext cx="1136055" cy="145844"/>
-          </a:xfrm>
-          <a:prstGeom prst="rect">
-            <a:avLst/>
-          </a:prstGeom>
-          <a:noFill/>
-          <a:ln>
-            <a:noFill/>
-          </a:ln>
-        </p:spPr>
-      </p:pic>
       <p:grpSp>
         <p:nvGrpSpPr>
           <p:cNvPr id="17" name="그룹 16"/>
@@ -10488,120 +11172,7 @@
       </p:grpSpPr>
       <p:sp>
         <p:nvSpPr>
-          <p:cNvPr id="3" name="내용 개체 틀 2"/>
-          <p:cNvSpPr>
-            <a:spLocks noGrp="1"/>
-          </p:cNvSpPr>
-          <p:nvPr>
-            <p:ph idx="1"/>
-          </p:nvPr>
-        </p:nvSpPr>
-        <p:spPr/>
-        <p:txBody>
-          <a:bodyPr/>
-          <a:lstStyle/>
-          <a:p>
-            <a:r>
-              <a:rPr lang="en-US" altLang="ko-KR" dirty="0" err="1" smtClean="0">
-                <a:latin typeface="다음_SemiBold" panose="02000700060000000000" pitchFamily="2" charset="-127"/>
-                <a:ea typeface="다음_SemiBold" panose="02000700060000000000" pitchFamily="2" charset="-127"/>
-              </a:rPr>
-              <a:t>Git</a:t>
-            </a:r>
-            <a:r>
-              <a:rPr lang="en-US" altLang="ko-KR" dirty="0" smtClean="0">
-                <a:latin typeface="다음_SemiBold" panose="02000700060000000000" pitchFamily="2" charset="-127"/>
-                <a:ea typeface="다음_SemiBold" panose="02000700060000000000" pitchFamily="2" charset="-127"/>
-              </a:rPr>
-              <a:t> pull origin master</a:t>
-            </a:r>
-          </a:p>
-          <a:p>
-            <a:endParaRPr lang="en-US" altLang="ko-KR" sz="1500" dirty="0" smtClean="0">
-              <a:latin typeface="다음_SemiBold" panose="02000700060000000000" pitchFamily="2" charset="-127"/>
-              <a:ea typeface="다음_SemiBold" panose="02000700060000000000" pitchFamily="2" charset="-127"/>
-            </a:endParaRPr>
-          </a:p>
-          <a:p>
-            <a:r>
-              <a:rPr lang="en-US" altLang="ko-KR" dirty="0" err="1" smtClean="0">
-                <a:latin typeface="다음_SemiBold" panose="02000700060000000000" pitchFamily="2" charset="-127"/>
-                <a:ea typeface="다음_SemiBold" panose="02000700060000000000" pitchFamily="2" charset="-127"/>
-              </a:rPr>
-              <a:t>Git</a:t>
-            </a:r>
-            <a:r>
-              <a:rPr lang="en-US" altLang="ko-KR" dirty="0" smtClean="0">
-                <a:latin typeface="다음_SemiBold" panose="02000700060000000000" pitchFamily="2" charset="-127"/>
-                <a:ea typeface="다음_SemiBold" panose="02000700060000000000" pitchFamily="2" charset="-127"/>
-              </a:rPr>
-              <a:t> add </a:t>
-            </a:r>
-            <a:r>
-              <a:rPr lang="ko-KR" altLang="en-US" dirty="0" smtClean="0">
-                <a:latin typeface="다음_SemiBold" panose="02000700060000000000" pitchFamily="2" charset="-127"/>
-                <a:ea typeface="다음_SemiBold" panose="02000700060000000000" pitchFamily="2" charset="-127"/>
-              </a:rPr>
-              <a:t>파일명</a:t>
-            </a:r>
-            <a:endParaRPr lang="en-US" altLang="ko-KR" dirty="0" smtClean="0">
-              <a:latin typeface="다음_SemiBold" panose="02000700060000000000" pitchFamily="2" charset="-127"/>
-              <a:ea typeface="다음_SemiBold" panose="02000700060000000000" pitchFamily="2" charset="-127"/>
-            </a:endParaRPr>
-          </a:p>
-          <a:p>
-            <a:endParaRPr lang="en-US" altLang="ko-KR" sz="1500" dirty="0" smtClean="0">
-              <a:latin typeface="다음_SemiBold" panose="02000700060000000000" pitchFamily="2" charset="-127"/>
-              <a:ea typeface="다음_SemiBold" panose="02000700060000000000" pitchFamily="2" charset="-127"/>
-            </a:endParaRPr>
-          </a:p>
-          <a:p>
-            <a:r>
-              <a:rPr lang="en-US" altLang="ko-KR" dirty="0" err="1" smtClean="0">
-                <a:latin typeface="다음_SemiBold" panose="02000700060000000000" pitchFamily="2" charset="-127"/>
-                <a:ea typeface="다음_SemiBold" panose="02000700060000000000" pitchFamily="2" charset="-127"/>
-              </a:rPr>
-              <a:t>Git</a:t>
-            </a:r>
-            <a:r>
-              <a:rPr lang="en-US" altLang="ko-KR" dirty="0" smtClean="0">
-                <a:latin typeface="다음_SemiBold" panose="02000700060000000000" pitchFamily="2" charset="-127"/>
-                <a:ea typeface="다음_SemiBold" panose="02000700060000000000" pitchFamily="2" charset="-127"/>
-              </a:rPr>
-              <a:t> commit</a:t>
-            </a:r>
-          </a:p>
-          <a:p>
-            <a:endParaRPr lang="en-US" altLang="ko-KR" sz="1500" dirty="0" smtClean="0">
-              <a:latin typeface="다음_SemiBold" panose="02000700060000000000" pitchFamily="2" charset="-127"/>
-              <a:ea typeface="다음_SemiBold" panose="02000700060000000000" pitchFamily="2" charset="-127"/>
-            </a:endParaRPr>
-          </a:p>
-          <a:p>
-            <a:r>
-              <a:rPr lang="en-US" altLang="ko-KR" dirty="0" err="1" smtClean="0">
-                <a:latin typeface="다음_SemiBold" panose="02000700060000000000" pitchFamily="2" charset="-127"/>
-                <a:ea typeface="다음_SemiBold" panose="02000700060000000000" pitchFamily="2" charset="-127"/>
-              </a:rPr>
-              <a:t>Git</a:t>
-            </a:r>
-            <a:r>
-              <a:rPr lang="en-US" altLang="ko-KR" dirty="0" smtClean="0">
-                <a:latin typeface="다음_SemiBold" panose="02000700060000000000" pitchFamily="2" charset="-127"/>
-                <a:ea typeface="다음_SemiBold" panose="02000700060000000000" pitchFamily="2" charset="-127"/>
-              </a:rPr>
-              <a:t> push origin master</a:t>
-            </a:r>
-            <a:endParaRPr lang="ko-KR" altLang="en-US" dirty="0">
-              <a:latin typeface="다음_SemiBold" panose="02000700060000000000" pitchFamily="2" charset="-127"/>
-              <a:ea typeface="다음_SemiBold" panose="02000700060000000000" pitchFamily="2" charset="-127"/>
-            </a:endParaRPr>
-          </a:p>
-        </p:txBody>
-      </p:sp>
-      <p:sp>
-        <p:nvSpPr>
-          <p:cNvPr id="4" name="TextBox 25"/>
+          <p:cNvPr id="5" name="TextBox 25"/>
           <p:cNvSpPr txBox="1">
             <a:spLocks noChangeArrowheads="1"/>
           </p:cNvSpPr>
@@ -10684,7 +11255,7 @@
       </p:sp>
       <p:sp>
         <p:nvSpPr>
-          <p:cNvPr id="5" name="TextBox 25"/>
+          <p:cNvPr id="6" name="TextBox 25"/>
           <p:cNvSpPr txBox="1">
             <a:spLocks noChangeArrowheads="1"/>
           </p:cNvSpPr>
@@ -10724,7 +11295,7 @@
                 <a:latin typeface="나눔바른고딕" pitchFamily="50" charset="-127"/>
                 <a:ea typeface="나눔바른고딕" pitchFamily="50" charset="-127"/>
               </a:rPr>
-              <a:t> </a:t>
+              <a:t> 기존 방법의 장단점</a:t>
             </a:r>
             <a:endParaRPr lang="en-US" altLang="ko-KR" sz="1600" dirty="0" smtClean="0">
               <a:solidFill>
@@ -10741,7 +11312,7 @@
       </p:sp>
       <p:cxnSp>
         <p:nvCxnSpPr>
-          <p:cNvPr id="6" name="직선 연결선 5"/>
+          <p:cNvPr id="7" name="직선 연결선 6"/>
           <p:cNvCxnSpPr/>
           <p:nvPr/>
         </p:nvCxnSpPr>
@@ -10777,10 +11348,699 @@
           </a:fontRef>
         </p:style>
       </p:cxnSp>
+      <p:pic>
+        <p:nvPicPr>
+          <p:cNvPr id="4098" name="Picture 2" descr="내컴퓨터에 대한 이미지 검색결과"/>
+          <p:cNvPicPr>
+            <a:picLocks noChangeAspect="1" noChangeArrowheads="1"/>
+          </p:cNvPicPr>
+          <p:nvPr/>
+        </p:nvPicPr>
+        <p:blipFill>
+          <a:blip r:embed="rId2">
+            <a:extLst>
+              <a:ext uri="{28A0092B-C50C-407E-A947-70E740481C1C}">
+                <a14:useLocalDpi xmlns:a14="http://schemas.microsoft.com/office/drawing/2010/main" val="0"/>
+              </a:ext>
+            </a:extLst>
+          </a:blip>
+          <a:srcRect/>
+          <a:stretch>
+            <a:fillRect/>
+          </a:stretch>
+        </p:blipFill>
+        <p:spPr bwMode="auto">
+          <a:xfrm>
+            <a:off x="591966" y="2080223"/>
+            <a:ext cx="1296364" cy="1296364"/>
+          </a:xfrm>
+          <a:prstGeom prst="rect">
+            <a:avLst/>
+          </a:prstGeom>
+          <a:noFill/>
+          <a:extLst>
+            <a:ext uri="{909E8E84-426E-40DD-AFC4-6F175D3DCCD1}">
+              <a14:hiddenFill xmlns:a14="http://schemas.microsoft.com/office/drawing/2010/main">
+                <a:solidFill>
+                  <a:srgbClr val="FFFFFF"/>
+                </a:solidFill>
+              </a14:hiddenFill>
+            </a:ext>
+          </a:extLst>
+        </p:spPr>
+      </p:pic>
+      <p:pic>
+        <p:nvPicPr>
+          <p:cNvPr id="9" name="그림 8"/>
+          <p:cNvPicPr>
+            <a:picLocks noChangeAspect="1"/>
+          </p:cNvPicPr>
+          <p:nvPr/>
+        </p:nvPicPr>
+        <p:blipFill>
+          <a:blip r:embed="rId3"/>
+          <a:stretch>
+            <a:fillRect/>
+          </a:stretch>
+        </p:blipFill>
+        <p:spPr>
+          <a:xfrm>
+            <a:off x="2771801" y="2127637"/>
+            <a:ext cx="1241582" cy="1248950"/>
+          </a:xfrm>
+          <a:prstGeom prst="rect">
+            <a:avLst/>
+          </a:prstGeom>
+        </p:spPr>
+      </p:pic>
+      <p:pic>
+        <p:nvPicPr>
+          <p:cNvPr id="10" name="그림 9"/>
+          <p:cNvPicPr>
+            <a:picLocks noChangeAspect="1"/>
+          </p:cNvPicPr>
+          <p:nvPr/>
+        </p:nvPicPr>
+        <p:blipFill>
+          <a:blip r:embed="rId4"/>
+          <a:stretch>
+            <a:fillRect/>
+          </a:stretch>
+        </p:blipFill>
+        <p:spPr>
+          <a:xfrm>
+            <a:off x="5148064" y="2132855"/>
+            <a:ext cx="1191389" cy="1234193"/>
+          </a:xfrm>
+          <a:prstGeom prst="rect">
+            <a:avLst/>
+          </a:prstGeom>
+        </p:spPr>
+      </p:pic>
+      <p:sp>
+        <p:nvSpPr>
+          <p:cNvPr id="11" name="TextBox 10"/>
+          <p:cNvSpPr txBox="1"/>
+          <p:nvPr/>
+        </p:nvSpPr>
+        <p:spPr>
+          <a:xfrm>
+            <a:off x="411945" y="3460207"/>
+            <a:ext cx="1495510" cy="369332"/>
+          </a:xfrm>
+          <a:prstGeom prst="rect">
+            <a:avLst/>
+          </a:prstGeom>
+          <a:noFill/>
+        </p:spPr>
+        <p:txBody>
+          <a:bodyPr wrap="square" rtlCol="0">
+            <a:spAutoFit/>
+          </a:bodyPr>
+          <a:lstStyle/>
+          <a:p>
+            <a:pPr algn="ctr"/>
+            <a:r>
+              <a:rPr lang="ko-KR" altLang="en-US" dirty="0" smtClean="0">
+                <a:latin typeface="다음_Regular" panose="02000603060000000000" pitchFamily="2" charset="-127"/>
+                <a:ea typeface="다음_Regular" panose="02000603060000000000" pitchFamily="2" charset="-127"/>
+              </a:rPr>
+              <a:t>내 컴퓨터</a:t>
+            </a:r>
+            <a:endParaRPr lang="ko-KR" altLang="en-US" dirty="0">
+              <a:latin typeface="다음_Regular" panose="02000603060000000000" pitchFamily="2" charset="-127"/>
+              <a:ea typeface="다음_Regular" panose="02000603060000000000" pitchFamily="2" charset="-127"/>
+            </a:endParaRPr>
+          </a:p>
+        </p:txBody>
+      </p:sp>
+      <p:sp>
+        <p:nvSpPr>
+          <p:cNvPr id="12" name="TextBox 11"/>
+          <p:cNvSpPr txBox="1"/>
+          <p:nvPr/>
+        </p:nvSpPr>
+        <p:spPr>
+          <a:xfrm>
+            <a:off x="2771800" y="3460207"/>
+            <a:ext cx="1216631" cy="369332"/>
+          </a:xfrm>
+          <a:prstGeom prst="rect">
+            <a:avLst/>
+          </a:prstGeom>
+          <a:noFill/>
+        </p:spPr>
+        <p:txBody>
+          <a:bodyPr wrap="square" rtlCol="0">
+            <a:spAutoFit/>
+          </a:bodyPr>
+          <a:lstStyle/>
+          <a:p>
+            <a:pPr algn="ctr"/>
+            <a:r>
+              <a:rPr lang="ko-KR" altLang="en-US" dirty="0" smtClean="0">
+                <a:latin typeface="다음_Regular" panose="02000603060000000000" pitchFamily="2" charset="-127"/>
+                <a:ea typeface="다음_Regular" panose="02000603060000000000" pitchFamily="2" charset="-127"/>
+              </a:rPr>
+              <a:t>내 </a:t>
+            </a:r>
+            <a:r>
+              <a:rPr lang="en-US" altLang="ko-KR" dirty="0" smtClean="0">
+                <a:latin typeface="다음_Regular" panose="02000603060000000000" pitchFamily="2" charset="-127"/>
+                <a:ea typeface="다음_Regular" panose="02000603060000000000" pitchFamily="2" charset="-127"/>
+              </a:rPr>
+              <a:t>repo</a:t>
+            </a:r>
+            <a:endParaRPr lang="ko-KR" altLang="en-US" dirty="0">
+              <a:latin typeface="다음_Regular" panose="02000603060000000000" pitchFamily="2" charset="-127"/>
+              <a:ea typeface="다음_Regular" panose="02000603060000000000" pitchFamily="2" charset="-127"/>
+            </a:endParaRPr>
+          </a:p>
+        </p:txBody>
+      </p:sp>
+      <p:sp>
+        <p:nvSpPr>
+          <p:cNvPr id="13" name="TextBox 12"/>
+          <p:cNvSpPr txBox="1"/>
+          <p:nvPr/>
+        </p:nvSpPr>
+        <p:spPr>
+          <a:xfrm>
+            <a:off x="4932040" y="3463779"/>
+            <a:ext cx="1635091" cy="369332"/>
+          </a:xfrm>
+          <a:prstGeom prst="rect">
+            <a:avLst/>
+          </a:prstGeom>
+          <a:noFill/>
+        </p:spPr>
+        <p:txBody>
+          <a:bodyPr wrap="square" rtlCol="0">
+            <a:spAutoFit/>
+          </a:bodyPr>
+          <a:lstStyle/>
+          <a:p>
+            <a:pPr algn="ctr"/>
+            <a:r>
+              <a:rPr lang="en-US" altLang="ko-KR" dirty="0" smtClean="0">
+                <a:latin typeface="다음_Regular" panose="02000603060000000000" pitchFamily="2" charset="-127"/>
+                <a:ea typeface="다음_Regular" panose="02000603060000000000" pitchFamily="2" charset="-127"/>
+              </a:rPr>
+              <a:t>Master repo</a:t>
+            </a:r>
+            <a:endParaRPr lang="ko-KR" altLang="en-US" dirty="0">
+              <a:latin typeface="다음_Regular" panose="02000603060000000000" pitchFamily="2" charset="-127"/>
+              <a:ea typeface="다음_Regular" panose="02000603060000000000" pitchFamily="2" charset="-127"/>
+            </a:endParaRPr>
+          </a:p>
+        </p:txBody>
+      </p:sp>
+      <p:sp>
+        <p:nvSpPr>
+          <p:cNvPr id="15" name="내용 개체 틀 14"/>
+          <p:cNvSpPr>
+            <a:spLocks noGrp="1"/>
+          </p:cNvSpPr>
+          <p:nvPr>
+            <p:ph idx="1"/>
+          </p:nvPr>
+        </p:nvSpPr>
+        <p:spPr>
+          <a:xfrm>
+            <a:off x="428355" y="4263853"/>
+            <a:ext cx="8229600" cy="2193107"/>
+          </a:xfrm>
+        </p:spPr>
+        <p:txBody>
+          <a:bodyPr>
+            <a:normAutofit/>
+          </a:bodyPr>
+          <a:lstStyle/>
+          <a:p>
+            <a:r>
+              <a:rPr lang="ko-KR" altLang="en-US" sz="2000" dirty="0" smtClean="0">
+                <a:solidFill>
+                  <a:schemeClr val="accent3">
+                    <a:lumMod val="50000"/>
+                  </a:schemeClr>
+                </a:solidFill>
+                <a:latin typeface="다음_Regular" panose="02000603060000000000" pitchFamily="2" charset="-127"/>
+                <a:ea typeface="다음_Regular" panose="02000603060000000000" pitchFamily="2" charset="-127"/>
+              </a:rPr>
+              <a:t>장점 </a:t>
+            </a:r>
+            <a:r>
+              <a:rPr lang="en-US" altLang="ko-KR" sz="2000" dirty="0" smtClean="0">
+                <a:solidFill>
+                  <a:schemeClr val="accent3">
+                    <a:lumMod val="50000"/>
+                  </a:schemeClr>
+                </a:solidFill>
+                <a:latin typeface="다음_Regular" panose="02000603060000000000" pitchFamily="2" charset="-127"/>
+                <a:ea typeface="다음_Regular" panose="02000603060000000000" pitchFamily="2" charset="-127"/>
+              </a:rPr>
+              <a:t>: </a:t>
+            </a:r>
+            <a:r>
+              <a:rPr lang="ko-KR" altLang="en-US" sz="2000" dirty="0" smtClean="0">
+                <a:solidFill>
+                  <a:schemeClr val="accent3">
+                    <a:lumMod val="50000"/>
+                  </a:schemeClr>
+                </a:solidFill>
+                <a:latin typeface="다음_Regular" panose="02000603060000000000" pitchFamily="2" charset="-127"/>
+                <a:ea typeface="다음_Regular" panose="02000603060000000000" pitchFamily="2" charset="-127"/>
+              </a:rPr>
+              <a:t>내 </a:t>
+            </a:r>
+            <a:r>
+              <a:rPr lang="en-US" altLang="ko-KR" sz="2000" dirty="0" smtClean="0">
+                <a:solidFill>
+                  <a:schemeClr val="accent3">
+                    <a:lumMod val="50000"/>
+                  </a:schemeClr>
+                </a:solidFill>
+                <a:latin typeface="다음_Regular" panose="02000603060000000000" pitchFamily="2" charset="-127"/>
+                <a:ea typeface="다음_Regular" panose="02000603060000000000" pitchFamily="2" charset="-127"/>
+              </a:rPr>
+              <a:t>repo</a:t>
+            </a:r>
+            <a:r>
+              <a:rPr lang="ko-KR" altLang="en-US" sz="2000" dirty="0" smtClean="0">
+                <a:solidFill>
+                  <a:schemeClr val="accent3">
+                    <a:lumMod val="50000"/>
+                  </a:schemeClr>
+                </a:solidFill>
+                <a:latin typeface="다음_Regular" panose="02000603060000000000" pitchFamily="2" charset="-127"/>
+                <a:ea typeface="다음_Regular" panose="02000603060000000000" pitchFamily="2" charset="-127"/>
+              </a:rPr>
+              <a:t>에 활동들이 저장됨</a:t>
+            </a:r>
+            <a:r>
+              <a:rPr lang="en-US" altLang="ko-KR" sz="2000" dirty="0" smtClean="0">
+                <a:solidFill>
+                  <a:schemeClr val="accent3">
+                    <a:lumMod val="50000"/>
+                  </a:schemeClr>
+                </a:solidFill>
+                <a:latin typeface="다음_Regular" panose="02000603060000000000" pitchFamily="2" charset="-127"/>
+                <a:ea typeface="다음_Regular" panose="02000603060000000000" pitchFamily="2" charset="-127"/>
+              </a:rPr>
+              <a:t/>
+            </a:r>
+            <a:br>
+              <a:rPr lang="en-US" altLang="ko-KR" sz="2000" dirty="0" smtClean="0">
+                <a:solidFill>
+                  <a:schemeClr val="accent3">
+                    <a:lumMod val="50000"/>
+                  </a:schemeClr>
+                </a:solidFill>
+                <a:latin typeface="다음_Regular" panose="02000603060000000000" pitchFamily="2" charset="-127"/>
+                <a:ea typeface="다음_Regular" panose="02000603060000000000" pitchFamily="2" charset="-127"/>
+              </a:rPr>
+            </a:br>
+            <a:endParaRPr lang="en-US" altLang="ko-KR" sz="2000" dirty="0" smtClean="0">
+              <a:solidFill>
+                <a:schemeClr val="accent3">
+                  <a:lumMod val="50000"/>
+                </a:schemeClr>
+              </a:solidFill>
+              <a:latin typeface="다음_Regular" panose="02000603060000000000" pitchFamily="2" charset="-127"/>
+              <a:ea typeface="다음_Regular" panose="02000603060000000000" pitchFamily="2" charset="-127"/>
+            </a:endParaRPr>
+          </a:p>
+          <a:p>
+            <a:r>
+              <a:rPr lang="ko-KR" altLang="en-US" sz="2000" dirty="0" smtClean="0">
+                <a:solidFill>
+                  <a:schemeClr val="accent6">
+                    <a:lumMod val="50000"/>
+                  </a:schemeClr>
+                </a:solidFill>
+                <a:latin typeface="다음_Regular" panose="02000603060000000000" pitchFamily="2" charset="-127"/>
+                <a:ea typeface="다음_Regular" panose="02000603060000000000" pitchFamily="2" charset="-127"/>
+              </a:rPr>
+              <a:t>단점 </a:t>
+            </a:r>
+            <a:r>
+              <a:rPr lang="en-US" altLang="ko-KR" sz="2000" dirty="0" smtClean="0">
+                <a:solidFill>
+                  <a:schemeClr val="accent6">
+                    <a:lumMod val="50000"/>
+                  </a:schemeClr>
+                </a:solidFill>
+                <a:latin typeface="다음_Regular" panose="02000603060000000000" pitchFamily="2" charset="-127"/>
+                <a:ea typeface="다음_Regular" panose="02000603060000000000" pitchFamily="2" charset="-127"/>
+              </a:rPr>
+              <a:t>: Master repo</a:t>
+            </a:r>
+            <a:r>
+              <a:rPr lang="ko-KR" altLang="en-US" sz="2000" dirty="0" smtClean="0">
+                <a:solidFill>
+                  <a:schemeClr val="accent6">
+                    <a:lumMod val="50000"/>
+                  </a:schemeClr>
+                </a:solidFill>
+                <a:latin typeface="다음_Regular" panose="02000603060000000000" pitchFamily="2" charset="-127"/>
+                <a:ea typeface="다음_Regular" panose="02000603060000000000" pitchFamily="2" charset="-127"/>
+              </a:rPr>
+              <a:t>로 </a:t>
+            </a:r>
+            <a:r>
+              <a:rPr lang="en-US" altLang="ko-KR" sz="2000" dirty="0" smtClean="0">
+                <a:solidFill>
+                  <a:schemeClr val="accent6">
+                    <a:lumMod val="50000"/>
+                  </a:schemeClr>
+                </a:solidFill>
+                <a:latin typeface="다음_Regular" panose="02000603060000000000" pitchFamily="2" charset="-127"/>
+                <a:ea typeface="다음_Regular" panose="02000603060000000000" pitchFamily="2" charset="-127"/>
+              </a:rPr>
+              <a:t>merge , request </a:t>
+            </a:r>
+            <a:r>
+              <a:rPr lang="ko-KR" altLang="en-US" sz="2000" dirty="0" smtClean="0">
+                <a:solidFill>
+                  <a:schemeClr val="accent6">
+                    <a:lumMod val="50000"/>
+                  </a:schemeClr>
+                </a:solidFill>
+                <a:latin typeface="다음_Regular" panose="02000603060000000000" pitchFamily="2" charset="-127"/>
+                <a:ea typeface="다음_Regular" panose="02000603060000000000" pitchFamily="2" charset="-127"/>
+              </a:rPr>
+              <a:t>등 절차 복잡</a:t>
+            </a:r>
+            <a:r>
+              <a:rPr lang="en-US" altLang="ko-KR" sz="2000" dirty="0" smtClean="0">
+                <a:solidFill>
+                  <a:schemeClr val="accent6">
+                    <a:lumMod val="50000"/>
+                  </a:schemeClr>
+                </a:solidFill>
+                <a:latin typeface="다음_Regular" panose="02000603060000000000" pitchFamily="2" charset="-127"/>
+                <a:ea typeface="다음_Regular" panose="02000603060000000000" pitchFamily="2" charset="-127"/>
+              </a:rPr>
+              <a:t/>
+            </a:r>
+            <a:br>
+              <a:rPr lang="en-US" altLang="ko-KR" sz="2000" dirty="0" smtClean="0">
+                <a:solidFill>
+                  <a:schemeClr val="accent6">
+                    <a:lumMod val="50000"/>
+                  </a:schemeClr>
+                </a:solidFill>
+                <a:latin typeface="다음_Regular" panose="02000603060000000000" pitchFamily="2" charset="-127"/>
+                <a:ea typeface="다음_Regular" panose="02000603060000000000" pitchFamily="2" charset="-127"/>
+              </a:rPr>
+            </a:br>
+            <a:r>
+              <a:rPr lang="en-US" altLang="ko-KR" sz="2000" dirty="0" smtClean="0">
+                <a:solidFill>
+                  <a:schemeClr val="accent6">
+                    <a:lumMod val="50000"/>
+                  </a:schemeClr>
+                </a:solidFill>
+                <a:latin typeface="다음_Regular" panose="02000603060000000000" pitchFamily="2" charset="-127"/>
+                <a:ea typeface="다음_Regular" panose="02000603060000000000" pitchFamily="2" charset="-127"/>
+              </a:rPr>
+              <a:t>	  Master repo</a:t>
+            </a:r>
+            <a:r>
+              <a:rPr lang="ko-KR" altLang="en-US" sz="2000" dirty="0" smtClean="0">
+                <a:solidFill>
+                  <a:schemeClr val="accent6">
+                    <a:lumMod val="50000"/>
+                  </a:schemeClr>
+                </a:solidFill>
+                <a:latin typeface="다음_Regular" panose="02000603060000000000" pitchFamily="2" charset="-127"/>
+                <a:ea typeface="다음_Regular" panose="02000603060000000000" pitchFamily="2" charset="-127"/>
+              </a:rPr>
+              <a:t>에서 파일을 받아올 수 없어 수정 불가능</a:t>
+            </a:r>
+            <a:r>
+              <a:rPr lang="en-US" altLang="ko-KR" sz="2000" dirty="0" smtClean="0">
+                <a:solidFill>
+                  <a:schemeClr val="accent6">
+                    <a:lumMod val="50000"/>
+                  </a:schemeClr>
+                </a:solidFill>
+                <a:latin typeface="다음_Regular" panose="02000603060000000000" pitchFamily="2" charset="-127"/>
+                <a:ea typeface="다음_Regular" panose="02000603060000000000" pitchFamily="2" charset="-127"/>
+              </a:rPr>
+              <a:t/>
+            </a:r>
+            <a:br>
+              <a:rPr lang="en-US" altLang="ko-KR" sz="2000" dirty="0" smtClean="0">
+                <a:solidFill>
+                  <a:schemeClr val="accent6">
+                    <a:lumMod val="50000"/>
+                  </a:schemeClr>
+                </a:solidFill>
+                <a:latin typeface="다음_Regular" panose="02000603060000000000" pitchFamily="2" charset="-127"/>
+                <a:ea typeface="다음_Regular" panose="02000603060000000000" pitchFamily="2" charset="-127"/>
+              </a:rPr>
+            </a:br>
+            <a:r>
+              <a:rPr lang="en-US" altLang="ko-KR" sz="2000" dirty="0" smtClean="0">
+                <a:solidFill>
+                  <a:schemeClr val="accent6">
+                    <a:lumMod val="50000"/>
+                  </a:schemeClr>
+                </a:solidFill>
+                <a:latin typeface="다음_Regular" panose="02000603060000000000" pitchFamily="2" charset="-127"/>
+                <a:ea typeface="다음_Regular" panose="02000603060000000000" pitchFamily="2" charset="-127"/>
+              </a:rPr>
+              <a:t>	  </a:t>
+            </a:r>
+            <a:endParaRPr lang="ko-KR" altLang="en-US" sz="2000" dirty="0">
+              <a:solidFill>
+                <a:schemeClr val="accent6">
+                  <a:lumMod val="50000"/>
+                </a:schemeClr>
+              </a:solidFill>
+              <a:latin typeface="다음_Regular" panose="02000603060000000000" pitchFamily="2" charset="-127"/>
+              <a:ea typeface="다음_Regular" panose="02000603060000000000" pitchFamily="2" charset="-127"/>
+            </a:endParaRPr>
+          </a:p>
+        </p:txBody>
+      </p:sp>
+      <p:pic>
+        <p:nvPicPr>
+          <p:cNvPr id="2" name="그림 1"/>
+          <p:cNvPicPr>
+            <a:picLocks noChangeAspect="1"/>
+          </p:cNvPicPr>
+          <p:nvPr/>
+        </p:nvPicPr>
+        <p:blipFill>
+          <a:blip r:embed="rId5"/>
+          <a:stretch>
+            <a:fillRect/>
+          </a:stretch>
+        </p:blipFill>
+        <p:spPr>
+          <a:xfrm>
+            <a:off x="7361811" y="2123032"/>
+            <a:ext cx="1242637" cy="1253555"/>
+          </a:xfrm>
+          <a:prstGeom prst="rect">
+            <a:avLst/>
+          </a:prstGeom>
+        </p:spPr>
+      </p:pic>
+      <p:sp>
+        <p:nvSpPr>
+          <p:cNvPr id="3" name="TextBox 2"/>
+          <p:cNvSpPr txBox="1"/>
+          <p:nvPr/>
+        </p:nvSpPr>
+        <p:spPr>
+          <a:xfrm>
+            <a:off x="7253798" y="3460207"/>
+            <a:ext cx="1458661" cy="369332"/>
+          </a:xfrm>
+          <a:prstGeom prst="rect">
+            <a:avLst/>
+          </a:prstGeom>
+          <a:noFill/>
+        </p:spPr>
+        <p:txBody>
+          <a:bodyPr wrap="square" rtlCol="0">
+            <a:spAutoFit/>
+          </a:bodyPr>
+          <a:lstStyle/>
+          <a:p>
+            <a:pPr algn="ctr"/>
+            <a:r>
+              <a:rPr lang="ko-KR" altLang="en-US" smtClean="0">
+                <a:latin typeface="다음_Regular" panose="02000603060000000000" pitchFamily="2" charset="-127"/>
+                <a:ea typeface="다음_Regular" panose="02000603060000000000" pitchFamily="2" charset="-127"/>
+              </a:rPr>
+              <a:t>팀원 </a:t>
+            </a:r>
+            <a:r>
+              <a:rPr lang="en-US" altLang="ko-KR" dirty="0" smtClean="0">
+                <a:latin typeface="다음_Regular" panose="02000603060000000000" pitchFamily="2" charset="-127"/>
+                <a:ea typeface="다음_Regular" panose="02000603060000000000" pitchFamily="2" charset="-127"/>
+              </a:rPr>
+              <a:t>repo</a:t>
+            </a:r>
+            <a:endParaRPr lang="ko-KR" altLang="en-US" dirty="0">
+              <a:latin typeface="다음_Regular" panose="02000603060000000000" pitchFamily="2" charset="-127"/>
+              <a:ea typeface="다음_Regular" panose="02000603060000000000" pitchFamily="2" charset="-127"/>
+            </a:endParaRPr>
+          </a:p>
+        </p:txBody>
+      </p:sp>
+      <p:sp>
+        <p:nvSpPr>
+          <p:cNvPr id="4" name="오른쪽 화살표 3"/>
+          <p:cNvSpPr/>
+          <p:nvPr/>
+        </p:nvSpPr>
+        <p:spPr>
+          <a:xfrm>
+            <a:off x="1579603" y="2421555"/>
+            <a:ext cx="1368152" cy="672173"/>
+          </a:xfrm>
+          <a:prstGeom prst="rightArrow">
+            <a:avLst/>
+          </a:prstGeom>
+          <a:solidFill>
+            <a:schemeClr val="accent2"/>
+          </a:solidFill>
+          <a:ln>
+            <a:solidFill>
+              <a:schemeClr val="accent2"/>
+            </a:solidFill>
+          </a:ln>
+        </p:spPr>
+        <p:style>
+          <a:lnRef idx="2">
+            <a:schemeClr val="accent1">
+              <a:shade val="50000"/>
+            </a:schemeClr>
+          </a:lnRef>
+          <a:fillRef idx="1">
+            <a:schemeClr val="accent1"/>
+          </a:fillRef>
+          <a:effectRef idx="0">
+            <a:schemeClr val="accent1"/>
+          </a:effectRef>
+          <a:fontRef idx="minor">
+            <a:schemeClr val="lt1"/>
+          </a:fontRef>
+        </p:style>
+        <p:txBody>
+          <a:bodyPr rtlCol="0" anchor="ctr"/>
+          <a:lstStyle/>
+          <a:p>
+            <a:pPr algn="ctr"/>
+            <a:endParaRPr lang="ko-KR" altLang="en-US"/>
+          </a:p>
+        </p:txBody>
+      </p:sp>
+      <p:sp>
+        <p:nvSpPr>
+          <p:cNvPr id="18" name="오른쪽 화살표 17"/>
+          <p:cNvSpPr/>
+          <p:nvPr/>
+        </p:nvSpPr>
+        <p:spPr>
+          <a:xfrm>
+            <a:off x="3952809" y="2421555"/>
+            <a:ext cx="1368152" cy="672173"/>
+          </a:xfrm>
+          <a:prstGeom prst="rightArrow">
+            <a:avLst/>
+          </a:prstGeom>
+          <a:solidFill>
+            <a:schemeClr val="accent2"/>
+          </a:solidFill>
+          <a:ln>
+            <a:solidFill>
+              <a:schemeClr val="accent2"/>
+            </a:solidFill>
+          </a:ln>
+        </p:spPr>
+        <p:style>
+          <a:lnRef idx="2">
+            <a:schemeClr val="accent1">
+              <a:shade val="50000"/>
+            </a:schemeClr>
+          </a:lnRef>
+          <a:fillRef idx="1">
+            <a:schemeClr val="accent1"/>
+          </a:fillRef>
+          <a:effectRef idx="0">
+            <a:schemeClr val="accent1"/>
+          </a:effectRef>
+          <a:fontRef idx="minor">
+            <a:schemeClr val="lt1"/>
+          </a:fontRef>
+        </p:style>
+        <p:txBody>
+          <a:bodyPr rtlCol="0" anchor="ctr"/>
+          <a:lstStyle/>
+          <a:p>
+            <a:pPr algn="ctr"/>
+            <a:endParaRPr lang="ko-KR" altLang="en-US"/>
+          </a:p>
+        </p:txBody>
+      </p:sp>
+      <p:sp>
+        <p:nvSpPr>
+          <p:cNvPr id="19" name="오른쪽 화살표 18"/>
+          <p:cNvSpPr/>
+          <p:nvPr/>
+        </p:nvSpPr>
+        <p:spPr>
+          <a:xfrm>
+            <a:off x="6309944" y="2421555"/>
+            <a:ext cx="1368152" cy="672173"/>
+          </a:xfrm>
+          <a:prstGeom prst="rightArrow">
+            <a:avLst/>
+          </a:prstGeom>
+          <a:solidFill>
+            <a:schemeClr val="accent2"/>
+          </a:solidFill>
+          <a:ln>
+            <a:solidFill>
+              <a:schemeClr val="accent2"/>
+            </a:solidFill>
+          </a:ln>
+        </p:spPr>
+        <p:style>
+          <a:lnRef idx="2">
+            <a:schemeClr val="accent1">
+              <a:shade val="50000"/>
+            </a:schemeClr>
+          </a:lnRef>
+          <a:fillRef idx="1">
+            <a:schemeClr val="accent1"/>
+          </a:fillRef>
+          <a:effectRef idx="0">
+            <a:schemeClr val="accent1"/>
+          </a:effectRef>
+          <a:fontRef idx="minor">
+            <a:schemeClr val="lt1"/>
+          </a:fontRef>
+        </p:style>
+        <p:txBody>
+          <a:bodyPr rtlCol="0" anchor="ctr"/>
+          <a:lstStyle/>
+          <a:p>
+            <a:pPr algn="ctr"/>
+            <a:endParaRPr lang="ko-KR" altLang="en-US"/>
+          </a:p>
+        </p:txBody>
+      </p:sp>
     </p:spTree>
     <p:extLst>
       <p:ext uri="{BB962C8B-B14F-4D97-AF65-F5344CB8AC3E}">
-        <p14:creationId xmlns:p14="http://schemas.microsoft.com/office/powerpoint/2010/main" val="3608048986"/>
+        <p14:creationId xmlns:p14="http://schemas.microsoft.com/office/powerpoint/2010/main" val="1750454193"/>
       </p:ext>
     </p:extLst>
   </p:cSld>
@@ -10790,9 +12050,172 @@
   <p:timing>
     <p:tnLst>
       <p:par>
-        <p:cTn id="1" dur="indefinite" restart="never" nodeType="tmRoot"/>
+        <p:cTn id="1" dur="indefinite" restart="never" nodeType="tmRoot">
+          <p:childTnLst>
+            <p:seq concurrent="1" nextAc="seek">
+              <p:cTn id="2" dur="indefinite" nodeType="mainSeq">
+                <p:childTnLst>
+                  <p:par>
+                    <p:cTn id="3" fill="hold">
+                      <p:stCondLst>
+                        <p:cond delay="indefinite"/>
+                      </p:stCondLst>
+                      <p:childTnLst>
+                        <p:par>
+                          <p:cTn id="4" fill="hold">
+                            <p:stCondLst>
+                              <p:cond delay="0"/>
+                            </p:stCondLst>
+                            <p:childTnLst>
+                              <p:par>
+                                <p:cTn id="5" presetID="1" presetClass="entr" presetSubtype="0" fill="hold" grpId="0" nodeType="clickEffect">
+                                  <p:stCondLst>
+                                    <p:cond delay="0"/>
+                                  </p:stCondLst>
+                                  <p:childTnLst>
+                                    <p:set>
+                                      <p:cBhvr>
+                                        <p:cTn id="6" dur="1" fill="hold">
+                                          <p:stCondLst>
+                                            <p:cond delay="0"/>
+                                          </p:stCondLst>
+                                        </p:cTn>
+                                        <p:tgtEl>
+                                          <p:spTgt spid="4"/>
+                                        </p:tgtEl>
+                                        <p:attrNameLst>
+                                          <p:attrName>style.visibility</p:attrName>
+                                        </p:attrNameLst>
+                                      </p:cBhvr>
+                                      <p:to>
+                                        <p:strVal val="visible"/>
+                                      </p:to>
+                                    </p:set>
+                                  </p:childTnLst>
+                                </p:cTn>
+                              </p:par>
+                            </p:childTnLst>
+                          </p:cTn>
+                        </p:par>
+                      </p:childTnLst>
+                    </p:cTn>
+                  </p:par>
+                  <p:par>
+                    <p:cTn id="7" fill="hold">
+                      <p:stCondLst>
+                        <p:cond delay="indefinite"/>
+                      </p:stCondLst>
+                      <p:childTnLst>
+                        <p:par>
+                          <p:cTn id="8" fill="hold">
+                            <p:stCondLst>
+                              <p:cond delay="0"/>
+                            </p:stCondLst>
+                            <p:childTnLst>
+                              <p:par>
+                                <p:cTn id="9" presetID="1" presetClass="entr" presetSubtype="0" fill="hold" grpId="0" nodeType="clickEffect">
+                                  <p:stCondLst>
+                                    <p:cond delay="0"/>
+                                  </p:stCondLst>
+                                  <p:childTnLst>
+                                    <p:set>
+                                      <p:cBhvr>
+                                        <p:cTn id="10" dur="1" fill="hold">
+                                          <p:stCondLst>
+                                            <p:cond delay="0"/>
+                                          </p:stCondLst>
+                                        </p:cTn>
+                                        <p:tgtEl>
+                                          <p:spTgt spid="18"/>
+                                        </p:tgtEl>
+                                        <p:attrNameLst>
+                                          <p:attrName>style.visibility</p:attrName>
+                                        </p:attrNameLst>
+                                      </p:cBhvr>
+                                      <p:to>
+                                        <p:strVal val="visible"/>
+                                      </p:to>
+                                    </p:set>
+                                  </p:childTnLst>
+                                </p:cTn>
+                              </p:par>
+                            </p:childTnLst>
+                          </p:cTn>
+                        </p:par>
+                      </p:childTnLst>
+                    </p:cTn>
+                  </p:par>
+                  <p:par>
+                    <p:cTn id="11" fill="hold">
+                      <p:stCondLst>
+                        <p:cond delay="indefinite"/>
+                      </p:stCondLst>
+                      <p:childTnLst>
+                        <p:par>
+                          <p:cTn id="12" fill="hold">
+                            <p:stCondLst>
+                              <p:cond delay="0"/>
+                            </p:stCondLst>
+                            <p:childTnLst>
+                              <p:par>
+                                <p:cTn id="13" presetID="1" presetClass="entr" presetSubtype="0" fill="hold" grpId="0" nodeType="clickEffect">
+                                  <p:stCondLst>
+                                    <p:cond delay="0"/>
+                                  </p:stCondLst>
+                                  <p:childTnLst>
+                                    <p:set>
+                                      <p:cBhvr>
+                                        <p:cTn id="14" dur="1" fill="hold">
+                                          <p:stCondLst>
+                                            <p:cond delay="0"/>
+                                          </p:stCondLst>
+                                        </p:cTn>
+                                        <p:tgtEl>
+                                          <p:spTgt spid="19"/>
+                                        </p:tgtEl>
+                                        <p:attrNameLst>
+                                          <p:attrName>style.visibility</p:attrName>
+                                        </p:attrNameLst>
+                                      </p:cBhvr>
+                                      <p:to>
+                                        <p:strVal val="visible"/>
+                                      </p:to>
+                                    </p:set>
+                                  </p:childTnLst>
+                                </p:cTn>
+                              </p:par>
+                            </p:childTnLst>
+                          </p:cTn>
+                        </p:par>
+                      </p:childTnLst>
+                    </p:cTn>
+                  </p:par>
+                </p:childTnLst>
+              </p:cTn>
+              <p:prevCondLst>
+                <p:cond evt="onPrev" delay="0">
+                  <p:tgtEl>
+                    <p:sldTgt/>
+                  </p:tgtEl>
+                </p:cond>
+              </p:prevCondLst>
+              <p:nextCondLst>
+                <p:cond evt="onNext" delay="0">
+                  <p:tgtEl>
+                    <p:sldTgt/>
+                  </p:tgtEl>
+                </p:cond>
+              </p:nextCondLst>
+            </p:seq>
+          </p:childTnLst>
+        </p:cTn>
       </p:par>
     </p:tnLst>
+    <p:bldLst>
+      <p:bldP spid="4" grpId="0" animBg="1"/>
+      <p:bldP spid="18" grpId="0" animBg="1"/>
+      <p:bldP spid="19" grpId="0" animBg="1"/>
+    </p:bldLst>
   </p:timing>
 </p:sld>
 </file>
@@ -10816,25 +12239,636 @@
       </p:grpSpPr>
       <p:sp>
         <p:nvSpPr>
-          <p:cNvPr id="11" name="타원 10"/>
+          <p:cNvPr id="5" name="TextBox 25"/>
+          <p:cNvSpPr txBox="1">
+            <a:spLocks noChangeArrowheads="1"/>
+          </p:cNvSpPr>
+          <p:nvPr/>
+        </p:nvSpPr>
+        <p:spPr bwMode="auto">
+          <a:xfrm>
+            <a:off x="323528" y="603121"/>
+            <a:ext cx="5184576" cy="523220"/>
+          </a:xfrm>
+          <a:prstGeom prst="rect">
+            <a:avLst/>
+          </a:prstGeom>
+          <a:noFill/>
+          <a:ln w="9525">
+            <a:noFill/>
+            <a:miter lim="800000"/>
+            <a:headEnd/>
+            <a:tailEnd/>
+          </a:ln>
+        </p:spPr>
+        <p:txBody>
+          <a:bodyPr wrap="square">
+            <a:spAutoFit/>
+          </a:bodyPr>
+          <a:lstStyle/>
+          <a:p>
+            <a:pPr lvl="0"/>
+            <a:r>
+              <a:rPr lang="en-US" altLang="ko-KR" sz="2800" dirty="0" err="1" smtClean="0">
+                <a:solidFill>
+                  <a:prstClr val="black">
+                    <a:lumMod val="65000"/>
+                    <a:lumOff val="35000"/>
+                  </a:prstClr>
+                </a:solidFill>
+                <a:latin typeface="다음_SemiBold" pitchFamily="2" charset="-127"/>
+                <a:ea typeface="다음_SemiBold" pitchFamily="2" charset="-127"/>
+              </a:rPr>
+              <a:t>Git</a:t>
+            </a:r>
+            <a:r>
+              <a:rPr lang="en-US" altLang="ko-KR" sz="2800" dirty="0" smtClean="0">
+                <a:solidFill>
+                  <a:prstClr val="black">
+                    <a:lumMod val="65000"/>
+                    <a:lumOff val="35000"/>
+                  </a:prstClr>
+                </a:solidFill>
+                <a:latin typeface="다음_SemiBold" pitchFamily="2" charset="-127"/>
+                <a:ea typeface="다음_SemiBold" pitchFamily="2" charset="-127"/>
+              </a:rPr>
+              <a:t> </a:t>
+            </a:r>
+            <a:r>
+              <a:rPr lang="ko-KR" altLang="en-US" sz="2800" dirty="0" smtClean="0">
+                <a:solidFill>
+                  <a:prstClr val="black">
+                    <a:lumMod val="65000"/>
+                    <a:lumOff val="35000"/>
+                  </a:prstClr>
+                </a:solidFill>
+                <a:latin typeface="다음_SemiBold" pitchFamily="2" charset="-127"/>
+                <a:ea typeface="다음_SemiBold" pitchFamily="2" charset="-127"/>
+              </a:rPr>
+              <a:t>사용</a:t>
+            </a:r>
+            <a:endParaRPr lang="en-US" altLang="ko-KR" sz="2800" dirty="0" smtClean="0">
+              <a:solidFill>
+                <a:prstClr val="black">
+                  <a:lumMod val="65000"/>
+                  <a:lumOff val="35000"/>
+                </a:prstClr>
+              </a:solidFill>
+              <a:latin typeface="다음_SemiBold" pitchFamily="2" charset="-127"/>
+              <a:ea typeface="다음_SemiBold" pitchFamily="2" charset="-127"/>
+            </a:endParaRPr>
+          </a:p>
+        </p:txBody>
+      </p:sp>
+      <p:sp>
+        <p:nvSpPr>
+          <p:cNvPr id="6" name="TextBox 25"/>
+          <p:cNvSpPr txBox="1">
+            <a:spLocks noChangeArrowheads="1"/>
+          </p:cNvSpPr>
+          <p:nvPr/>
+        </p:nvSpPr>
+        <p:spPr bwMode="auto">
+          <a:xfrm>
+            <a:off x="323528" y="1195735"/>
+            <a:ext cx="5184576" cy="338554"/>
+          </a:xfrm>
+          <a:prstGeom prst="rect">
+            <a:avLst/>
+          </a:prstGeom>
+          <a:noFill/>
+          <a:ln w="9525">
+            <a:noFill/>
+            <a:miter lim="800000"/>
+            <a:headEnd/>
+            <a:tailEnd/>
+          </a:ln>
+        </p:spPr>
+        <p:txBody>
+          <a:bodyPr wrap="square">
+            <a:spAutoFit/>
+          </a:bodyPr>
+          <a:lstStyle/>
+          <a:p>
+            <a:pPr lvl="0"/>
+            <a:r>
+              <a:rPr lang="ko-KR" altLang="en-US" sz="1600" dirty="0" smtClean="0">
+                <a:solidFill>
+                  <a:prstClr val="black">
+                    <a:lumMod val="65000"/>
+                    <a:lumOff val="35000"/>
+                  </a:prstClr>
+                </a:solidFill>
+                <a:latin typeface="나눔바른고딕" pitchFamily="50" charset="-127"/>
+                <a:ea typeface="나눔바른고딕" pitchFamily="50" charset="-127"/>
+              </a:rPr>
+              <a:t> 변경된 방법의 장단점</a:t>
+            </a:r>
+            <a:endParaRPr lang="en-US" altLang="ko-KR" sz="1600" dirty="0" smtClean="0">
+              <a:solidFill>
+                <a:prstClr val="black">
+                  <a:lumMod val="65000"/>
+                  <a:lumOff val="35000"/>
+                </a:prstClr>
+              </a:solidFill>
+              <a:latin typeface="나눔바른고딕" pitchFamily="50" charset="-127"/>
+              <a:ea typeface="나눔바른고딕" pitchFamily="50" charset="-127"/>
+            </a:endParaRPr>
+          </a:p>
+        </p:txBody>
+      </p:sp>
+      <p:cxnSp>
+        <p:nvCxnSpPr>
+          <p:cNvPr id="7" name="직선 연결선 6"/>
+          <p:cNvCxnSpPr/>
+          <p:nvPr/>
+        </p:nvCxnSpPr>
+        <p:spPr>
+          <a:xfrm>
+            <a:off x="428355" y="475655"/>
+            <a:ext cx="327221" cy="0"/>
+          </a:xfrm>
+          <a:prstGeom prst="line">
+            <a:avLst/>
+          </a:prstGeom>
+          <a:ln w="76200">
+            <a:solidFill>
+              <a:schemeClr val="tx1">
+                <a:lumMod val="65000"/>
+                <a:lumOff val="35000"/>
+              </a:schemeClr>
+            </a:solidFill>
+          </a:ln>
+        </p:spPr>
+        <p:style>
+          <a:lnRef idx="1">
+            <a:schemeClr val="accent1"/>
+          </a:lnRef>
+          <a:fillRef idx="0">
+            <a:schemeClr val="accent1"/>
+          </a:fillRef>
+          <a:effectRef idx="0">
+            <a:schemeClr val="accent1"/>
+          </a:effectRef>
+          <a:fontRef idx="minor">
+            <a:schemeClr val="tx1"/>
+          </a:fontRef>
+        </p:style>
+      </p:cxnSp>
+      <p:sp>
+        <p:nvSpPr>
+          <p:cNvPr id="15" name="내용 개체 틀 14"/>
+          <p:cNvSpPr>
+            <a:spLocks noGrp="1"/>
+          </p:cNvSpPr>
+          <p:nvPr>
+            <p:ph idx="1"/>
+          </p:nvPr>
+        </p:nvSpPr>
+        <p:spPr>
+          <a:xfrm>
+            <a:off x="428355" y="4263853"/>
+            <a:ext cx="8229600" cy="2193107"/>
+          </a:xfrm>
+        </p:spPr>
+        <p:txBody>
+          <a:bodyPr>
+            <a:normAutofit/>
+          </a:bodyPr>
+          <a:lstStyle/>
+          <a:p>
+            <a:r>
+              <a:rPr lang="ko-KR" altLang="en-US" sz="2000" dirty="0" smtClean="0">
+                <a:solidFill>
+                  <a:schemeClr val="accent3">
+                    <a:lumMod val="50000"/>
+                  </a:schemeClr>
+                </a:solidFill>
+                <a:latin typeface="다음_Regular" panose="02000603060000000000" pitchFamily="2" charset="-127"/>
+                <a:ea typeface="다음_Regular" panose="02000603060000000000" pitchFamily="2" charset="-127"/>
+              </a:rPr>
+              <a:t>장점 </a:t>
+            </a:r>
+            <a:r>
+              <a:rPr lang="en-US" altLang="ko-KR" sz="2000" dirty="0" smtClean="0">
+                <a:solidFill>
+                  <a:schemeClr val="accent3">
+                    <a:lumMod val="50000"/>
+                  </a:schemeClr>
+                </a:solidFill>
+                <a:latin typeface="다음_Regular" panose="02000603060000000000" pitchFamily="2" charset="-127"/>
+                <a:ea typeface="다음_Regular" panose="02000603060000000000" pitchFamily="2" charset="-127"/>
+              </a:rPr>
+              <a:t>: Master repo</a:t>
+            </a:r>
+            <a:r>
+              <a:rPr lang="ko-KR" altLang="en-US" sz="2000" dirty="0" smtClean="0">
+                <a:solidFill>
+                  <a:schemeClr val="accent3">
+                    <a:lumMod val="50000"/>
+                  </a:schemeClr>
+                </a:solidFill>
+                <a:latin typeface="다음_Regular" panose="02000603060000000000" pitchFamily="2" charset="-127"/>
+                <a:ea typeface="다음_Regular" panose="02000603060000000000" pitchFamily="2" charset="-127"/>
+              </a:rPr>
+              <a:t>에서 바로 </a:t>
+            </a:r>
+            <a:r>
+              <a:rPr lang="en-US" altLang="ko-KR" sz="2000" dirty="0" smtClean="0">
+                <a:solidFill>
+                  <a:schemeClr val="accent3">
+                    <a:lumMod val="50000"/>
+                  </a:schemeClr>
+                </a:solidFill>
+                <a:latin typeface="다음_Regular" panose="02000603060000000000" pitchFamily="2" charset="-127"/>
+                <a:ea typeface="다음_Regular" panose="02000603060000000000" pitchFamily="2" charset="-127"/>
+              </a:rPr>
+              <a:t>pull, push</a:t>
+            </a:r>
+            <a:br>
+              <a:rPr lang="en-US" altLang="ko-KR" sz="2000" dirty="0" smtClean="0">
+                <a:solidFill>
+                  <a:schemeClr val="accent3">
+                    <a:lumMod val="50000"/>
+                  </a:schemeClr>
+                </a:solidFill>
+                <a:latin typeface="다음_Regular" panose="02000603060000000000" pitchFamily="2" charset="-127"/>
+                <a:ea typeface="다음_Regular" panose="02000603060000000000" pitchFamily="2" charset="-127"/>
+              </a:rPr>
+            </a:br>
+            <a:endParaRPr lang="en-US" altLang="ko-KR" sz="2000" dirty="0" smtClean="0">
+              <a:solidFill>
+                <a:schemeClr val="accent3">
+                  <a:lumMod val="50000"/>
+                </a:schemeClr>
+              </a:solidFill>
+              <a:latin typeface="다음_Regular" panose="02000603060000000000" pitchFamily="2" charset="-127"/>
+              <a:ea typeface="다음_Regular" panose="02000603060000000000" pitchFamily="2" charset="-127"/>
+            </a:endParaRPr>
+          </a:p>
+          <a:p>
+            <a:r>
+              <a:rPr lang="ko-KR" altLang="en-US" sz="2000" dirty="0" smtClean="0">
+                <a:solidFill>
+                  <a:schemeClr val="accent6">
+                    <a:lumMod val="50000"/>
+                  </a:schemeClr>
+                </a:solidFill>
+                <a:latin typeface="다음_Regular" panose="02000603060000000000" pitchFamily="2" charset="-127"/>
+                <a:ea typeface="다음_Regular" panose="02000603060000000000" pitchFamily="2" charset="-127"/>
+              </a:rPr>
+              <a:t>단점 </a:t>
+            </a:r>
+            <a:r>
+              <a:rPr lang="en-US" altLang="ko-KR" sz="2000" dirty="0" smtClean="0">
+                <a:solidFill>
+                  <a:schemeClr val="accent6">
+                    <a:lumMod val="50000"/>
+                  </a:schemeClr>
+                </a:solidFill>
+                <a:latin typeface="다음_Regular" panose="02000603060000000000" pitchFamily="2" charset="-127"/>
+                <a:ea typeface="다음_Regular" panose="02000603060000000000" pitchFamily="2" charset="-127"/>
+              </a:rPr>
+              <a:t>: Master repo</a:t>
+            </a:r>
+            <a:r>
+              <a:rPr lang="ko-KR" altLang="en-US" sz="2000" dirty="0" smtClean="0">
+                <a:solidFill>
+                  <a:schemeClr val="accent6">
+                    <a:lumMod val="50000"/>
+                  </a:schemeClr>
+                </a:solidFill>
+                <a:latin typeface="다음_Regular" panose="02000603060000000000" pitchFamily="2" charset="-127"/>
+                <a:ea typeface="다음_Regular" panose="02000603060000000000" pitchFamily="2" charset="-127"/>
+              </a:rPr>
+              <a:t>에만 활동들 저장</a:t>
+            </a:r>
+            <a:r>
+              <a:rPr lang="en-US" altLang="ko-KR" sz="2000" dirty="0" smtClean="0">
+                <a:solidFill>
+                  <a:schemeClr val="accent6">
+                    <a:lumMod val="50000"/>
+                  </a:schemeClr>
+                </a:solidFill>
+                <a:latin typeface="다음_Regular" panose="02000603060000000000" pitchFamily="2" charset="-127"/>
+                <a:ea typeface="다음_Regular" panose="02000603060000000000" pitchFamily="2" charset="-127"/>
+              </a:rPr>
+              <a:t/>
+            </a:r>
+            <a:br>
+              <a:rPr lang="en-US" altLang="ko-KR" sz="2000" dirty="0" smtClean="0">
+                <a:solidFill>
+                  <a:schemeClr val="accent6">
+                    <a:lumMod val="50000"/>
+                  </a:schemeClr>
+                </a:solidFill>
+                <a:latin typeface="다음_Regular" panose="02000603060000000000" pitchFamily="2" charset="-127"/>
+                <a:ea typeface="다음_Regular" panose="02000603060000000000" pitchFamily="2" charset="-127"/>
+              </a:rPr>
+            </a:br>
+            <a:r>
+              <a:rPr lang="en-US" altLang="ko-KR" sz="2000" dirty="0" smtClean="0">
+                <a:solidFill>
+                  <a:schemeClr val="accent6">
+                    <a:lumMod val="50000"/>
+                  </a:schemeClr>
+                </a:solidFill>
+                <a:latin typeface="다음_Regular" panose="02000603060000000000" pitchFamily="2" charset="-127"/>
+                <a:ea typeface="다음_Regular" panose="02000603060000000000" pitchFamily="2" charset="-127"/>
+              </a:rPr>
+              <a:t>	  </a:t>
+            </a:r>
+            <a:r>
+              <a:rPr lang="ko-KR" altLang="en-US" sz="2000" dirty="0" smtClean="0">
+                <a:solidFill>
+                  <a:schemeClr val="accent6">
+                    <a:lumMod val="50000"/>
+                  </a:schemeClr>
+                </a:solidFill>
+                <a:latin typeface="다음_Regular" panose="02000603060000000000" pitchFamily="2" charset="-127"/>
+                <a:ea typeface="다음_Regular" panose="02000603060000000000" pitchFamily="2" charset="-127"/>
+              </a:rPr>
+              <a:t>내 </a:t>
+            </a:r>
+            <a:r>
+              <a:rPr lang="en-US" altLang="ko-KR" sz="2000" dirty="0" smtClean="0">
+                <a:solidFill>
+                  <a:schemeClr val="accent6">
+                    <a:lumMod val="50000"/>
+                  </a:schemeClr>
+                </a:solidFill>
+                <a:latin typeface="다음_Regular" panose="02000603060000000000" pitchFamily="2" charset="-127"/>
+                <a:ea typeface="다음_Regular" panose="02000603060000000000" pitchFamily="2" charset="-127"/>
+              </a:rPr>
+              <a:t>repo </a:t>
+            </a:r>
+            <a:r>
+              <a:rPr lang="ko-KR" altLang="en-US" sz="2000" dirty="0" smtClean="0">
+                <a:solidFill>
+                  <a:schemeClr val="accent6">
+                    <a:lumMod val="50000"/>
+                  </a:schemeClr>
+                </a:solidFill>
+                <a:latin typeface="다음_Regular" panose="02000603060000000000" pitchFamily="2" charset="-127"/>
+                <a:ea typeface="다음_Regular" panose="02000603060000000000" pitchFamily="2" charset="-127"/>
+              </a:rPr>
+              <a:t>에는 활동들 저장되지 않음</a:t>
+            </a:r>
+            <a:r>
+              <a:rPr lang="en-US" altLang="ko-KR" sz="2000" dirty="0" smtClean="0">
+                <a:solidFill>
+                  <a:schemeClr val="accent6">
+                    <a:lumMod val="50000"/>
+                  </a:schemeClr>
+                </a:solidFill>
+                <a:latin typeface="다음_Regular" panose="02000603060000000000" pitchFamily="2" charset="-127"/>
+                <a:ea typeface="다음_Regular" panose="02000603060000000000" pitchFamily="2" charset="-127"/>
+              </a:rPr>
+              <a:t>	  </a:t>
+            </a:r>
+            <a:endParaRPr lang="ko-KR" altLang="en-US" sz="2000" dirty="0">
+              <a:solidFill>
+                <a:schemeClr val="accent6">
+                  <a:lumMod val="50000"/>
+                </a:schemeClr>
+              </a:solidFill>
+              <a:latin typeface="다음_Regular" panose="02000603060000000000" pitchFamily="2" charset="-127"/>
+              <a:ea typeface="다음_Regular" panose="02000603060000000000" pitchFamily="2" charset="-127"/>
+            </a:endParaRPr>
+          </a:p>
+        </p:txBody>
+      </p:sp>
+      <p:pic>
+        <p:nvPicPr>
+          <p:cNvPr id="17" name="Picture 2" descr="내컴퓨터에 대한 이미지 검색결과"/>
+          <p:cNvPicPr>
+            <a:picLocks noChangeAspect="1" noChangeArrowheads="1"/>
+          </p:cNvPicPr>
+          <p:nvPr/>
+        </p:nvPicPr>
+        <p:blipFill>
+          <a:blip r:embed="rId2">
+            <a:extLst>
+              <a:ext uri="{28A0092B-C50C-407E-A947-70E740481C1C}">
+                <a14:useLocalDpi xmlns:a14="http://schemas.microsoft.com/office/drawing/2010/main" val="0"/>
+              </a:ext>
+            </a:extLst>
+          </a:blip>
+          <a:srcRect/>
+          <a:stretch>
+            <a:fillRect/>
+          </a:stretch>
+        </p:blipFill>
+        <p:spPr bwMode="auto">
+          <a:xfrm>
+            <a:off x="591965" y="1700808"/>
+            <a:ext cx="1675779" cy="1675779"/>
+          </a:xfrm>
+          <a:prstGeom prst="rect">
+            <a:avLst/>
+          </a:prstGeom>
+          <a:noFill/>
+          <a:extLst>
+            <a:ext uri="{909E8E84-426E-40DD-AFC4-6F175D3DCCD1}">
+              <a14:hiddenFill xmlns:a14="http://schemas.microsoft.com/office/drawing/2010/main">
+                <a:solidFill>
+                  <a:srgbClr val="FFFFFF"/>
+                </a:solidFill>
+              </a14:hiddenFill>
+            </a:ext>
+          </a:extLst>
+        </p:spPr>
+      </p:pic>
+      <p:pic>
+        <p:nvPicPr>
+          <p:cNvPr id="21" name="그림 20"/>
+          <p:cNvPicPr>
+            <a:picLocks noChangeAspect="1"/>
+          </p:cNvPicPr>
+          <p:nvPr/>
+        </p:nvPicPr>
+        <p:blipFill>
+          <a:blip r:embed="rId3"/>
+          <a:stretch>
+            <a:fillRect/>
+          </a:stretch>
+        </p:blipFill>
+        <p:spPr>
+          <a:xfrm>
+            <a:off x="3884362" y="1771637"/>
+            <a:ext cx="1540080" cy="1595412"/>
+          </a:xfrm>
+          <a:prstGeom prst="rect">
+            <a:avLst/>
+          </a:prstGeom>
+        </p:spPr>
+      </p:pic>
+      <p:sp>
+        <p:nvSpPr>
+          <p:cNvPr id="22" name="TextBox 21"/>
+          <p:cNvSpPr txBox="1"/>
+          <p:nvPr/>
+        </p:nvSpPr>
+        <p:spPr>
+          <a:xfrm>
+            <a:off x="411944" y="3376587"/>
+            <a:ext cx="2035819" cy="369332"/>
+          </a:xfrm>
+          <a:prstGeom prst="rect">
+            <a:avLst/>
+          </a:prstGeom>
+          <a:noFill/>
+        </p:spPr>
+        <p:txBody>
+          <a:bodyPr wrap="square" rtlCol="0">
+            <a:spAutoFit/>
+          </a:bodyPr>
+          <a:lstStyle/>
+          <a:p>
+            <a:pPr algn="ctr"/>
+            <a:r>
+              <a:rPr lang="ko-KR" altLang="en-US" dirty="0" smtClean="0">
+                <a:latin typeface="다음_Regular" panose="02000603060000000000" pitchFamily="2" charset="-127"/>
+                <a:ea typeface="다음_Regular" panose="02000603060000000000" pitchFamily="2" charset="-127"/>
+              </a:rPr>
+              <a:t>내 컴퓨터</a:t>
+            </a:r>
+            <a:endParaRPr lang="ko-KR" altLang="en-US" dirty="0">
+              <a:latin typeface="다음_Regular" panose="02000603060000000000" pitchFamily="2" charset="-127"/>
+              <a:ea typeface="다음_Regular" panose="02000603060000000000" pitchFamily="2" charset="-127"/>
+            </a:endParaRPr>
+          </a:p>
+        </p:txBody>
+      </p:sp>
+      <p:sp>
+        <p:nvSpPr>
+          <p:cNvPr id="24" name="TextBox 23"/>
+          <p:cNvSpPr txBox="1"/>
+          <p:nvPr/>
+        </p:nvSpPr>
+        <p:spPr>
+          <a:xfrm>
+            <a:off x="3800699" y="3376587"/>
+            <a:ext cx="1707405" cy="369332"/>
+          </a:xfrm>
+          <a:prstGeom prst="rect">
+            <a:avLst/>
+          </a:prstGeom>
+          <a:noFill/>
+        </p:spPr>
+        <p:txBody>
+          <a:bodyPr wrap="square" rtlCol="0">
+            <a:spAutoFit/>
+          </a:bodyPr>
+          <a:lstStyle/>
+          <a:p>
+            <a:pPr algn="ctr"/>
+            <a:r>
+              <a:rPr lang="en-US" altLang="ko-KR" dirty="0" smtClean="0">
+                <a:latin typeface="다음_Regular" panose="02000603060000000000" pitchFamily="2" charset="-127"/>
+                <a:ea typeface="다음_Regular" panose="02000603060000000000" pitchFamily="2" charset="-127"/>
+              </a:rPr>
+              <a:t>Master repo</a:t>
+            </a:r>
+            <a:endParaRPr lang="ko-KR" altLang="en-US" dirty="0">
+              <a:latin typeface="다음_Regular" panose="02000603060000000000" pitchFamily="2" charset="-127"/>
+              <a:ea typeface="다음_Regular" panose="02000603060000000000" pitchFamily="2" charset="-127"/>
+            </a:endParaRPr>
+          </a:p>
+        </p:txBody>
+      </p:sp>
+      <p:pic>
+        <p:nvPicPr>
+          <p:cNvPr id="25" name="그림 24"/>
+          <p:cNvPicPr>
+            <a:picLocks noChangeAspect="1"/>
+          </p:cNvPicPr>
+          <p:nvPr/>
+        </p:nvPicPr>
+        <p:blipFill>
+          <a:blip r:embed="rId4"/>
+          <a:stretch>
+            <a:fillRect/>
+          </a:stretch>
+        </p:blipFill>
+        <p:spPr>
+          <a:xfrm>
+            <a:off x="7016711" y="1805173"/>
+            <a:ext cx="1479726" cy="1492727"/>
+          </a:xfrm>
+          <a:prstGeom prst="rect">
+            <a:avLst/>
+          </a:prstGeom>
+        </p:spPr>
+      </p:pic>
+      <p:sp>
+        <p:nvSpPr>
+          <p:cNvPr id="26" name="TextBox 25"/>
+          <p:cNvSpPr txBox="1"/>
+          <p:nvPr/>
+        </p:nvSpPr>
+        <p:spPr>
+          <a:xfrm>
+            <a:off x="6867482" y="3320768"/>
+            <a:ext cx="1736966" cy="369332"/>
+          </a:xfrm>
+          <a:prstGeom prst="rect">
+            <a:avLst/>
+          </a:prstGeom>
+          <a:noFill/>
+        </p:spPr>
+        <p:txBody>
+          <a:bodyPr wrap="square" rtlCol="0">
+            <a:spAutoFit/>
+          </a:bodyPr>
+          <a:lstStyle/>
+          <a:p>
+            <a:pPr algn="ctr"/>
+            <a:r>
+              <a:rPr lang="ko-KR" altLang="en-US" smtClean="0">
+                <a:latin typeface="다음_Regular" panose="02000603060000000000" pitchFamily="2" charset="-127"/>
+                <a:ea typeface="다음_Regular" panose="02000603060000000000" pitchFamily="2" charset="-127"/>
+              </a:rPr>
+              <a:t>팀원 </a:t>
+            </a:r>
+            <a:r>
+              <a:rPr lang="en-US" altLang="ko-KR" dirty="0" smtClean="0">
+                <a:latin typeface="다음_Regular" panose="02000603060000000000" pitchFamily="2" charset="-127"/>
+                <a:ea typeface="다음_Regular" panose="02000603060000000000" pitchFamily="2" charset="-127"/>
+              </a:rPr>
+              <a:t>repo</a:t>
+            </a:r>
+            <a:endParaRPr lang="ko-KR" altLang="en-US" dirty="0">
+              <a:latin typeface="다음_Regular" panose="02000603060000000000" pitchFamily="2" charset="-127"/>
+              <a:ea typeface="다음_Regular" panose="02000603060000000000" pitchFamily="2" charset="-127"/>
+            </a:endParaRPr>
+          </a:p>
+        </p:txBody>
+      </p:sp>
+      <p:sp>
+        <p:nvSpPr>
+          <p:cNvPr id="14" name="오른쪽 화살표 13"/>
           <p:cNvSpPr/>
           <p:nvPr/>
         </p:nvSpPr>
         <p:spPr>
           <a:xfrm>
-            <a:off x="1019063" y="2132856"/>
-            <a:ext cx="1293622" cy="1293622"/>
-          </a:xfrm>
-          <a:prstGeom prst="ellipse">
+            <a:off x="2051720" y="1988840"/>
+            <a:ext cx="2088232" cy="1080120"/>
+          </a:xfrm>
+          <a:prstGeom prst="rightArrow">
             <a:avLst/>
           </a:prstGeom>
           <a:solidFill>
-            <a:srgbClr val="4C93C7">
-              <a:alpha val="23000"/>
-            </a:srgbClr>
+            <a:schemeClr val="accent6"/>
           </a:solidFill>
           <a:ln>
-            <a:noFill/>
+            <a:solidFill>
+              <a:schemeClr val="accent6">
+                <a:lumMod val="40000"/>
+                <a:lumOff val="60000"/>
+              </a:schemeClr>
+            </a:solidFill>
           </a:ln>
         </p:spPr>
         <p:style>
@@ -10864,399 +12898,28 @@
       </p:sp>
       <p:sp>
         <p:nvSpPr>
-          <p:cNvPr id="5" name="TextBox 25"/>
-          <p:cNvSpPr txBox="1">
-            <a:spLocks noChangeArrowheads="1"/>
-          </p:cNvSpPr>
-          <p:nvPr/>
-        </p:nvSpPr>
-        <p:spPr bwMode="auto">
-          <a:xfrm>
-            <a:off x="323528" y="603121"/>
-            <a:ext cx="5112568" cy="523220"/>
-          </a:xfrm>
-          <a:prstGeom prst="rect">
-            <a:avLst/>
-          </a:prstGeom>
-          <a:noFill/>
-          <a:ln w="9525">
-            <a:noFill/>
-            <a:miter lim="800000"/>
-            <a:headEnd/>
-            <a:tailEnd/>
-          </a:ln>
-        </p:spPr>
-        <p:txBody>
-          <a:bodyPr wrap="square">
-            <a:spAutoFit/>
-          </a:bodyPr>
-          <a:lstStyle/>
-          <a:p>
-            <a:pPr lvl="0"/>
-            <a:r>
-              <a:rPr lang="ko-KR" altLang="en-US" sz="2800" dirty="0" smtClean="0">
-                <a:solidFill>
-                  <a:prstClr val="black">
-                    <a:lumMod val="65000"/>
-                    <a:lumOff val="35000"/>
-                  </a:prstClr>
-                </a:solidFill>
-                <a:latin typeface="다음_SemiBold" pitchFamily="2" charset="-127"/>
-                <a:ea typeface="다음_SemiBold" pitchFamily="2" charset="-127"/>
-              </a:rPr>
-              <a:t>소책자 소개</a:t>
-            </a:r>
-            <a:r>
-              <a:rPr lang="en-US" altLang="ko-KR" sz="2800" dirty="0" smtClean="0">
-                <a:solidFill>
-                  <a:prstClr val="black">
-                    <a:lumMod val="65000"/>
-                    <a:lumOff val="35000"/>
-                  </a:prstClr>
-                </a:solidFill>
-                <a:latin typeface="다음_SemiBold" pitchFamily="2" charset="-127"/>
-                <a:ea typeface="다음_SemiBold" pitchFamily="2" charset="-127"/>
-              </a:rPr>
-              <a:t> </a:t>
-            </a:r>
-            <a:endParaRPr lang="en-US" altLang="ko-KR" sz="2800" dirty="0" smtClean="0">
-              <a:solidFill>
-                <a:prstClr val="black">
-                  <a:lumMod val="65000"/>
-                  <a:lumOff val="35000"/>
-                </a:prstClr>
-              </a:solidFill>
-              <a:latin typeface="다음_SemiBold" pitchFamily="2" charset="-127"/>
-              <a:ea typeface="다음_SemiBold" pitchFamily="2" charset="-127"/>
-            </a:endParaRPr>
-          </a:p>
-        </p:txBody>
-      </p:sp>
-      <p:sp>
-        <p:nvSpPr>
-          <p:cNvPr id="9" name="TextBox 25"/>
-          <p:cNvSpPr txBox="1">
-            <a:spLocks noChangeArrowheads="1"/>
-          </p:cNvSpPr>
-          <p:nvPr/>
-        </p:nvSpPr>
-        <p:spPr bwMode="auto">
-          <a:xfrm>
-            <a:off x="362134" y="1118900"/>
-            <a:ext cx="5112568" cy="307777"/>
-          </a:xfrm>
-          <a:prstGeom prst="rect">
-            <a:avLst/>
-          </a:prstGeom>
-          <a:noFill/>
-          <a:ln w="9525">
-            <a:noFill/>
-            <a:miter lim="800000"/>
-            <a:headEnd/>
-            <a:tailEnd/>
-          </a:ln>
-        </p:spPr>
-        <p:txBody>
-          <a:bodyPr wrap="square">
-            <a:spAutoFit/>
-          </a:bodyPr>
-          <a:lstStyle/>
-          <a:p>
-            <a:pPr lvl="0"/>
-            <a:r>
-              <a:rPr lang="ko-KR" altLang="en-US" sz="1400" dirty="0" smtClean="0">
-                <a:solidFill>
-                  <a:prstClr val="black">
-                    <a:lumMod val="65000"/>
-                    <a:lumOff val="35000"/>
-                  </a:prstClr>
-                </a:solidFill>
-                <a:latin typeface="나눔바른고딕" pitchFamily="50" charset="-127"/>
-                <a:ea typeface="나눔바른고딕" pitchFamily="50" charset="-127"/>
-              </a:rPr>
-              <a:t>목차</a:t>
-            </a:r>
-            <a:endParaRPr lang="en-US" altLang="ko-KR" sz="1400" dirty="0" smtClean="0">
-              <a:solidFill>
-                <a:prstClr val="black">
-                  <a:lumMod val="65000"/>
-                  <a:lumOff val="35000"/>
-                </a:prstClr>
-              </a:solidFill>
-              <a:latin typeface="나눔바른고딕" pitchFamily="50" charset="-127"/>
-              <a:ea typeface="나눔바른고딕" pitchFamily="50" charset="-127"/>
-            </a:endParaRPr>
-          </a:p>
-        </p:txBody>
-      </p:sp>
-      <p:cxnSp>
-        <p:nvCxnSpPr>
-          <p:cNvPr id="10" name="직선 연결선 9"/>
-          <p:cNvCxnSpPr/>
-          <p:nvPr/>
-        </p:nvCxnSpPr>
-        <p:spPr>
-          <a:xfrm>
-            <a:off x="428355" y="475655"/>
-            <a:ext cx="327221" cy="0"/>
-          </a:xfrm>
-          <a:prstGeom prst="line">
-            <a:avLst/>
-          </a:prstGeom>
-          <a:ln w="76200">
-            <a:solidFill>
-              <a:schemeClr val="tx1">
-                <a:lumMod val="65000"/>
-                <a:lumOff val="35000"/>
-              </a:schemeClr>
-            </a:solidFill>
-          </a:ln>
-        </p:spPr>
-        <p:style>
-          <a:lnRef idx="1">
-            <a:schemeClr val="accent1"/>
-          </a:lnRef>
-          <a:fillRef idx="0">
-            <a:schemeClr val="accent1"/>
-          </a:fillRef>
-          <a:effectRef idx="0">
-            <a:schemeClr val="accent1"/>
-          </a:effectRef>
-          <a:fontRef idx="minor">
-            <a:schemeClr val="tx1"/>
-          </a:fontRef>
-        </p:style>
-      </p:cxnSp>
-      <p:sp>
-        <p:nvSpPr>
-          <p:cNvPr id="37" name="TextBox 25"/>
-          <p:cNvSpPr txBox="1">
-            <a:spLocks noChangeArrowheads="1"/>
-          </p:cNvSpPr>
-          <p:nvPr/>
-        </p:nvSpPr>
-        <p:spPr bwMode="auto">
-          <a:xfrm>
-            <a:off x="1250752" y="2671407"/>
-            <a:ext cx="3783131" cy="400110"/>
-          </a:xfrm>
-          <a:prstGeom prst="rect">
-            <a:avLst/>
-          </a:prstGeom>
-          <a:noFill/>
-          <a:ln w="9525">
-            <a:noFill/>
-            <a:miter lim="800000"/>
-            <a:headEnd/>
-            <a:tailEnd/>
-          </a:ln>
-        </p:spPr>
-        <p:txBody>
-          <a:bodyPr wrap="square">
-            <a:spAutoFit/>
-          </a:bodyPr>
-          <a:lstStyle/>
-          <a:p>
-            <a:pPr lvl="0"/>
-            <a:r>
-              <a:rPr lang="en-US" altLang="ko-KR" sz="2000" b="1" dirty="0" smtClean="0">
-                <a:solidFill>
-                  <a:srgbClr val="4C93C7"/>
-                </a:solidFill>
-                <a:latin typeface="다음_Regular" panose="02000603060000000000" pitchFamily="2" charset="-127"/>
-                <a:ea typeface="다음_Regular" panose="02000603060000000000" pitchFamily="2" charset="-127"/>
-              </a:rPr>
-              <a:t>1. </a:t>
-            </a:r>
-            <a:r>
-              <a:rPr lang="ko-KR" altLang="en-US" sz="2000" b="1" dirty="0" smtClean="0">
-                <a:solidFill>
-                  <a:srgbClr val="4C93C7"/>
-                </a:solidFill>
-                <a:latin typeface="다음_Regular" panose="02000603060000000000" pitchFamily="2" charset="-127"/>
-                <a:ea typeface="다음_Regular" panose="02000603060000000000" pitchFamily="2" charset="-127"/>
-              </a:rPr>
-              <a:t>정의</a:t>
-            </a:r>
-            <a:endParaRPr lang="en-US" altLang="ko-KR" sz="2000" b="1" dirty="0" smtClean="0">
-              <a:solidFill>
-                <a:srgbClr val="4C93C7"/>
-              </a:solidFill>
-              <a:latin typeface="다음_Regular" panose="02000603060000000000" pitchFamily="2" charset="-127"/>
-              <a:ea typeface="다음_Regular" panose="02000603060000000000" pitchFamily="2" charset="-127"/>
-            </a:endParaRPr>
-          </a:p>
-        </p:txBody>
-      </p:sp>
-      <p:cxnSp>
-        <p:nvCxnSpPr>
-          <p:cNvPr id="38" name="직선 연결선 37"/>
-          <p:cNvCxnSpPr/>
-          <p:nvPr/>
-        </p:nvCxnSpPr>
-        <p:spPr>
-          <a:xfrm>
-            <a:off x="1328110" y="3434736"/>
-            <a:ext cx="1397458" cy="1"/>
-          </a:xfrm>
-          <a:prstGeom prst="line">
-            <a:avLst/>
-          </a:prstGeom>
-          <a:ln>
-            <a:solidFill>
-              <a:srgbClr val="4C93C7"/>
-            </a:solidFill>
-            <a:prstDash val="dash"/>
-          </a:ln>
-        </p:spPr>
-        <p:style>
-          <a:lnRef idx="1">
-            <a:schemeClr val="accent1"/>
-          </a:lnRef>
-          <a:fillRef idx="0">
-            <a:schemeClr val="accent1"/>
-          </a:fillRef>
-          <a:effectRef idx="0">
-            <a:schemeClr val="accent1"/>
-          </a:effectRef>
-          <a:fontRef idx="minor">
-            <a:schemeClr val="tx1"/>
-          </a:fontRef>
-        </p:style>
-      </p:cxnSp>
-      <p:sp>
-        <p:nvSpPr>
-          <p:cNvPr id="48" name="TextBox 25"/>
-          <p:cNvSpPr txBox="1">
-            <a:spLocks noChangeArrowheads="1"/>
-          </p:cNvSpPr>
-          <p:nvPr/>
-        </p:nvSpPr>
-        <p:spPr bwMode="auto">
-          <a:xfrm>
-            <a:off x="1250752" y="3624899"/>
-            <a:ext cx="2722570" cy="461665"/>
-          </a:xfrm>
-          <a:prstGeom prst="rect">
-            <a:avLst/>
-          </a:prstGeom>
-          <a:noFill/>
-          <a:ln w="9525">
-            <a:noFill/>
-            <a:miter lim="800000"/>
-            <a:headEnd/>
-            <a:tailEnd/>
-          </a:ln>
-        </p:spPr>
-        <p:txBody>
-          <a:bodyPr wrap="square">
-            <a:spAutoFit/>
-          </a:bodyPr>
-          <a:lstStyle/>
-          <a:p>
-            <a:pPr lvl="0"/>
-            <a:r>
-              <a:rPr lang="ko-KR" altLang="en-US" sz="1200" dirty="0" smtClean="0">
-                <a:solidFill>
-                  <a:prstClr val="black">
-                    <a:lumMod val="65000"/>
-                    <a:lumOff val="35000"/>
-                  </a:prstClr>
-                </a:solidFill>
-                <a:latin typeface="나눔바른고딕" pitchFamily="50" charset="-127"/>
-                <a:ea typeface="나눔바른고딕" pitchFamily="50" charset="-127"/>
-              </a:rPr>
-              <a:t>여기에는 한 두 줄 정도 넣어주세요</a:t>
-            </a:r>
-            <a:r>
-              <a:rPr lang="en-US" altLang="ko-KR" sz="1200" dirty="0" smtClean="0">
-                <a:solidFill>
-                  <a:prstClr val="black">
-                    <a:lumMod val="65000"/>
-                    <a:lumOff val="35000"/>
-                  </a:prstClr>
-                </a:solidFill>
-                <a:latin typeface="나눔바른고딕" pitchFamily="50" charset="-127"/>
-                <a:ea typeface="나눔바른고딕" pitchFamily="50" charset="-127"/>
-              </a:rPr>
-              <a:t>.</a:t>
-            </a:r>
-          </a:p>
-          <a:p>
-            <a:pPr lvl="0"/>
-            <a:r>
-              <a:rPr lang="ko-KR" altLang="en-US" sz="1200" dirty="0" err="1" smtClean="0">
-                <a:solidFill>
-                  <a:prstClr val="black">
-                    <a:lumMod val="65000"/>
-                    <a:lumOff val="35000"/>
-                  </a:prstClr>
-                </a:solidFill>
-                <a:latin typeface="나눔바른고딕" pitchFamily="50" charset="-127"/>
-                <a:ea typeface="나눔바른고딕" pitchFamily="50" charset="-127"/>
-              </a:rPr>
-              <a:t>랄랄라</a:t>
-            </a:r>
-            <a:r>
-              <a:rPr lang="ko-KR" altLang="en-US" sz="1200" dirty="0" smtClean="0">
-                <a:solidFill>
-                  <a:prstClr val="black">
-                    <a:lumMod val="65000"/>
-                    <a:lumOff val="35000"/>
-                  </a:prstClr>
-                </a:solidFill>
-                <a:latin typeface="나눔바른고딕" pitchFamily="50" charset="-127"/>
-                <a:ea typeface="나눔바른고딕" pitchFamily="50" charset="-127"/>
-              </a:rPr>
-              <a:t> </a:t>
-            </a:r>
-            <a:r>
-              <a:rPr lang="ko-KR" altLang="en-US" sz="1200" dirty="0" err="1" smtClean="0">
-                <a:solidFill>
-                  <a:prstClr val="black">
-                    <a:lumMod val="65000"/>
-                    <a:lumOff val="35000"/>
-                  </a:prstClr>
-                </a:solidFill>
-                <a:latin typeface="나눔바른고딕" pitchFamily="50" charset="-127"/>
-                <a:ea typeface="나눔바른고딕" pitchFamily="50" charset="-127"/>
-              </a:rPr>
-              <a:t>스랄랄라</a:t>
-            </a:r>
-            <a:endParaRPr lang="en-US" altLang="ko-KR" sz="1200" dirty="0">
-              <a:solidFill>
-                <a:prstClr val="black">
-                  <a:lumMod val="65000"/>
-                  <a:lumOff val="35000"/>
-                </a:prstClr>
-              </a:solidFill>
-              <a:latin typeface="나눔바른고딕" pitchFamily="50" charset="-127"/>
-              <a:ea typeface="나눔바른고딕" pitchFamily="50" charset="-127"/>
-            </a:endParaRPr>
-          </a:p>
-        </p:txBody>
-      </p:sp>
-      <p:sp>
-        <p:nvSpPr>
-          <p:cNvPr id="30" name="타원 29"/>
+          <p:cNvPr id="27" name="오른쪽 화살표 26"/>
           <p:cNvSpPr/>
           <p:nvPr/>
         </p:nvSpPr>
         <p:spPr>
           <a:xfrm>
-            <a:off x="4944319" y="2132856"/>
-            <a:ext cx="1293622" cy="1293622"/>
-          </a:xfrm>
-          <a:prstGeom prst="ellipse">
+            <a:off x="5364088" y="1988840"/>
+            <a:ext cx="2088232" cy="1080120"/>
+          </a:xfrm>
+          <a:prstGeom prst="rightArrow">
             <a:avLst/>
           </a:prstGeom>
           <a:solidFill>
-            <a:srgbClr val="4C93C7">
-              <a:alpha val="23000"/>
-            </a:srgbClr>
+            <a:schemeClr val="accent6"/>
           </a:solidFill>
           <a:ln>
-            <a:noFill/>
+            <a:solidFill>
+              <a:schemeClr val="accent6">
+                <a:lumMod val="40000"/>
+                <a:lumOff val="60000"/>
+              </a:schemeClr>
+            </a:solidFill>
           </a:ln>
         </p:spPr>
         <p:style>
@@ -11284,990 +12947,10 @@
           </a:p>
         </p:txBody>
       </p:sp>
-      <p:sp>
-        <p:nvSpPr>
-          <p:cNvPr id="32" name="TextBox 25"/>
-          <p:cNvSpPr txBox="1">
-            <a:spLocks noChangeArrowheads="1"/>
-          </p:cNvSpPr>
-          <p:nvPr/>
-        </p:nvSpPr>
-        <p:spPr bwMode="auto">
-          <a:xfrm>
-            <a:off x="5181357" y="2676854"/>
-            <a:ext cx="3783131" cy="400110"/>
-          </a:xfrm>
-          <a:prstGeom prst="rect">
-            <a:avLst/>
-          </a:prstGeom>
-          <a:noFill/>
-          <a:ln w="9525">
-            <a:noFill/>
-            <a:miter lim="800000"/>
-            <a:headEnd/>
-            <a:tailEnd/>
-          </a:ln>
-        </p:spPr>
-        <p:txBody>
-          <a:bodyPr wrap="square">
-            <a:spAutoFit/>
-          </a:bodyPr>
-          <a:lstStyle/>
-          <a:p>
-            <a:pPr lvl="0"/>
-            <a:r>
-              <a:rPr lang="en-US" altLang="ko-KR" sz="2000" b="1" dirty="0" smtClean="0">
-                <a:solidFill>
-                  <a:srgbClr val="4C93C7"/>
-                </a:solidFill>
-                <a:latin typeface="다음_Regular" panose="02000603060000000000" pitchFamily="2" charset="-127"/>
-                <a:ea typeface="다음_Regular" panose="02000603060000000000" pitchFamily="2" charset="-127"/>
-              </a:rPr>
-              <a:t>2. </a:t>
-            </a:r>
-            <a:r>
-              <a:rPr lang="ko-KR" altLang="en-US" sz="2000" b="1" dirty="0" smtClean="0">
-                <a:solidFill>
-                  <a:srgbClr val="4C93C7"/>
-                </a:solidFill>
-                <a:latin typeface="다음_Regular" panose="02000603060000000000" pitchFamily="2" charset="-127"/>
-                <a:ea typeface="다음_Regular" panose="02000603060000000000" pitchFamily="2" charset="-127"/>
-              </a:rPr>
-              <a:t>역사</a:t>
-            </a:r>
-            <a:endParaRPr lang="en-US" altLang="ko-KR" sz="2000" b="1" dirty="0" smtClean="0">
-              <a:solidFill>
-                <a:srgbClr val="4C93C7"/>
-              </a:solidFill>
-              <a:latin typeface="다음_Regular" panose="02000603060000000000" pitchFamily="2" charset="-127"/>
-              <a:ea typeface="다음_Regular" panose="02000603060000000000" pitchFamily="2" charset="-127"/>
-            </a:endParaRPr>
-          </a:p>
-        </p:txBody>
-      </p:sp>
-      <p:cxnSp>
-        <p:nvCxnSpPr>
-          <p:cNvPr id="33" name="직선 연결선 32"/>
-          <p:cNvCxnSpPr/>
-          <p:nvPr/>
-        </p:nvCxnSpPr>
-        <p:spPr>
-          <a:xfrm>
-            <a:off x="5253366" y="3434736"/>
-            <a:ext cx="1397458" cy="1"/>
-          </a:xfrm>
-          <a:prstGeom prst="line">
-            <a:avLst/>
-          </a:prstGeom>
-          <a:ln>
-            <a:solidFill>
-              <a:srgbClr val="4C93C7"/>
-            </a:solidFill>
-            <a:prstDash val="dash"/>
-          </a:ln>
-        </p:spPr>
-        <p:style>
-          <a:lnRef idx="1">
-            <a:schemeClr val="accent1"/>
-          </a:lnRef>
-          <a:fillRef idx="0">
-            <a:schemeClr val="accent1"/>
-          </a:fillRef>
-          <a:effectRef idx="0">
-            <a:schemeClr val="accent1"/>
-          </a:effectRef>
-          <a:fontRef idx="minor">
-            <a:schemeClr val="tx1"/>
-          </a:fontRef>
-        </p:style>
-      </p:cxnSp>
-      <p:sp>
-        <p:nvSpPr>
-          <p:cNvPr id="36" name="TextBox 25"/>
-          <p:cNvSpPr txBox="1">
-            <a:spLocks noChangeArrowheads="1"/>
-          </p:cNvSpPr>
-          <p:nvPr/>
-        </p:nvSpPr>
-        <p:spPr bwMode="auto">
-          <a:xfrm>
-            <a:off x="5251066" y="3558684"/>
-            <a:ext cx="2989908" cy="461665"/>
-          </a:xfrm>
-          <a:prstGeom prst="rect">
-            <a:avLst/>
-          </a:prstGeom>
-          <a:noFill/>
-          <a:ln w="9525">
-            <a:noFill/>
-            <a:miter lim="800000"/>
-            <a:headEnd/>
-            <a:tailEnd/>
-          </a:ln>
-        </p:spPr>
-        <p:txBody>
-          <a:bodyPr wrap="square">
-            <a:spAutoFit/>
-          </a:bodyPr>
-          <a:lstStyle/>
-          <a:p>
-            <a:pPr lvl="0"/>
-            <a:r>
-              <a:rPr lang="ko-KR" altLang="en-US" sz="1200" dirty="0" smtClean="0">
-                <a:solidFill>
-                  <a:prstClr val="black">
-                    <a:lumMod val="65000"/>
-                    <a:lumOff val="35000"/>
-                  </a:prstClr>
-                </a:solidFill>
-                <a:latin typeface="나눔바른고딕" pitchFamily="50" charset="-127"/>
-                <a:ea typeface="나눔바른고딕" pitchFamily="50" charset="-127"/>
-              </a:rPr>
-              <a:t>여기에는 한 두 줄 정도 넣어주세요</a:t>
-            </a:r>
-            <a:r>
-              <a:rPr lang="en-US" altLang="ko-KR" sz="1200" dirty="0" smtClean="0">
-                <a:solidFill>
-                  <a:prstClr val="black">
-                    <a:lumMod val="65000"/>
-                    <a:lumOff val="35000"/>
-                  </a:prstClr>
-                </a:solidFill>
-                <a:latin typeface="나눔바른고딕" pitchFamily="50" charset="-127"/>
-                <a:ea typeface="나눔바른고딕" pitchFamily="50" charset="-127"/>
-              </a:rPr>
-              <a:t>.</a:t>
-            </a:r>
-          </a:p>
-          <a:p>
-            <a:pPr lvl="0"/>
-            <a:r>
-              <a:rPr lang="ko-KR" altLang="en-US" sz="1200" dirty="0" err="1" smtClean="0">
-                <a:solidFill>
-                  <a:prstClr val="black">
-                    <a:lumMod val="65000"/>
-                    <a:lumOff val="35000"/>
-                  </a:prstClr>
-                </a:solidFill>
-                <a:latin typeface="나눔바른고딕" pitchFamily="50" charset="-127"/>
-                <a:ea typeface="나눔바른고딕" pitchFamily="50" charset="-127"/>
-              </a:rPr>
-              <a:t>랄랄라</a:t>
-            </a:r>
-            <a:r>
-              <a:rPr lang="ko-KR" altLang="en-US" sz="1200" dirty="0" smtClean="0">
-                <a:solidFill>
-                  <a:prstClr val="black">
-                    <a:lumMod val="65000"/>
-                    <a:lumOff val="35000"/>
-                  </a:prstClr>
-                </a:solidFill>
-                <a:latin typeface="나눔바른고딕" pitchFamily="50" charset="-127"/>
-                <a:ea typeface="나눔바른고딕" pitchFamily="50" charset="-127"/>
-              </a:rPr>
-              <a:t> </a:t>
-            </a:r>
-            <a:r>
-              <a:rPr lang="ko-KR" altLang="en-US" sz="1200" dirty="0" err="1" smtClean="0">
-                <a:solidFill>
-                  <a:prstClr val="black">
-                    <a:lumMod val="65000"/>
-                    <a:lumOff val="35000"/>
-                  </a:prstClr>
-                </a:solidFill>
-                <a:latin typeface="나눔바른고딕" pitchFamily="50" charset="-127"/>
-                <a:ea typeface="나눔바른고딕" pitchFamily="50" charset="-127"/>
-              </a:rPr>
-              <a:t>스랄랄라</a:t>
-            </a:r>
-            <a:endParaRPr lang="en-US" altLang="ko-KR" sz="1200" dirty="0">
-              <a:solidFill>
-                <a:prstClr val="black">
-                  <a:lumMod val="65000"/>
-                  <a:lumOff val="35000"/>
-                </a:prstClr>
-              </a:solidFill>
-              <a:latin typeface="나눔바른고딕" pitchFamily="50" charset="-127"/>
-              <a:ea typeface="나눔바른고딕" pitchFamily="50" charset="-127"/>
-            </a:endParaRPr>
-          </a:p>
-        </p:txBody>
-      </p:sp>
-      <p:sp>
-        <p:nvSpPr>
-          <p:cNvPr id="40" name="타원 39"/>
-          <p:cNvSpPr/>
-          <p:nvPr/>
-        </p:nvSpPr>
-        <p:spPr>
-          <a:xfrm>
-            <a:off x="606579" y="4793330"/>
-            <a:ext cx="681438" cy="681438"/>
-          </a:xfrm>
-          <a:prstGeom prst="ellipse">
-            <a:avLst/>
-          </a:prstGeom>
-          <a:solidFill>
-            <a:srgbClr val="4C93C7">
-              <a:alpha val="23000"/>
-            </a:srgbClr>
-          </a:solidFill>
-          <a:ln>
-            <a:noFill/>
-          </a:ln>
-        </p:spPr>
-        <p:style>
-          <a:lnRef idx="2">
-            <a:schemeClr val="accent1">
-              <a:shade val="50000"/>
-            </a:schemeClr>
-          </a:lnRef>
-          <a:fillRef idx="1">
-            <a:schemeClr val="accent1"/>
-          </a:fillRef>
-          <a:effectRef idx="0">
-            <a:schemeClr val="accent1"/>
-          </a:effectRef>
-          <a:fontRef idx="minor">
-            <a:schemeClr val="lt1"/>
-          </a:fontRef>
-        </p:style>
-        <p:txBody>
-          <a:bodyPr rtlCol="0" anchor="ctr"/>
-          <a:lstStyle/>
-          <a:p>
-            <a:pPr algn="ctr"/>
-            <a:endParaRPr lang="ko-KR" altLang="en-US"/>
-          </a:p>
-        </p:txBody>
-      </p:sp>
-      <p:sp>
-        <p:nvSpPr>
-          <p:cNvPr id="42" name="타원 41"/>
-          <p:cNvSpPr/>
-          <p:nvPr/>
-        </p:nvSpPr>
-        <p:spPr>
-          <a:xfrm>
-            <a:off x="3394819" y="4793330"/>
-            <a:ext cx="681438" cy="681438"/>
-          </a:xfrm>
-          <a:prstGeom prst="ellipse">
-            <a:avLst/>
-          </a:prstGeom>
-          <a:solidFill>
-            <a:srgbClr val="4C93C7">
-              <a:alpha val="23000"/>
-            </a:srgbClr>
-          </a:solidFill>
-          <a:ln>
-            <a:noFill/>
-          </a:ln>
-        </p:spPr>
-        <p:style>
-          <a:lnRef idx="2">
-            <a:schemeClr val="accent1">
-              <a:shade val="50000"/>
-            </a:schemeClr>
-          </a:lnRef>
-          <a:fillRef idx="1">
-            <a:schemeClr val="accent1"/>
-          </a:fillRef>
-          <a:effectRef idx="0">
-            <a:schemeClr val="accent1"/>
-          </a:effectRef>
-          <a:fontRef idx="minor">
-            <a:schemeClr val="lt1"/>
-          </a:fontRef>
-        </p:style>
-        <p:txBody>
-          <a:bodyPr rtlCol="0" anchor="ctr"/>
-          <a:lstStyle/>
-          <a:p>
-            <a:pPr algn="ctr"/>
-            <a:endParaRPr lang="ko-KR" altLang="en-US"/>
-          </a:p>
-        </p:txBody>
-      </p:sp>
-      <p:sp>
-        <p:nvSpPr>
-          <p:cNvPr id="43" name="타원 42"/>
-          <p:cNvSpPr/>
-          <p:nvPr/>
-        </p:nvSpPr>
-        <p:spPr>
-          <a:xfrm>
-            <a:off x="6011771" y="4793330"/>
-            <a:ext cx="681438" cy="681438"/>
-          </a:xfrm>
-          <a:prstGeom prst="ellipse">
-            <a:avLst/>
-          </a:prstGeom>
-          <a:solidFill>
-            <a:srgbClr val="4C93C7">
-              <a:alpha val="23000"/>
-            </a:srgbClr>
-          </a:solidFill>
-          <a:ln>
-            <a:noFill/>
-          </a:ln>
-        </p:spPr>
-        <p:style>
-          <a:lnRef idx="2">
-            <a:schemeClr val="accent1">
-              <a:shade val="50000"/>
-            </a:schemeClr>
-          </a:lnRef>
-          <a:fillRef idx="1">
-            <a:schemeClr val="accent1"/>
-          </a:fillRef>
-          <a:effectRef idx="0">
-            <a:schemeClr val="accent1"/>
-          </a:effectRef>
-          <a:fontRef idx="minor">
-            <a:schemeClr val="lt1"/>
-          </a:fontRef>
-        </p:style>
-        <p:txBody>
-          <a:bodyPr rtlCol="0" anchor="ctr"/>
-          <a:lstStyle/>
-          <a:p>
-            <a:pPr algn="ctr"/>
-            <a:endParaRPr lang="ko-KR" altLang="en-US"/>
-          </a:p>
-        </p:txBody>
-      </p:sp>
-      <p:sp>
-        <p:nvSpPr>
-          <p:cNvPr id="44" name="TextBox 25"/>
-          <p:cNvSpPr txBox="1">
-            <a:spLocks noChangeArrowheads="1"/>
-          </p:cNvSpPr>
-          <p:nvPr/>
-        </p:nvSpPr>
-        <p:spPr bwMode="auto">
-          <a:xfrm>
-            <a:off x="843618" y="5084591"/>
-            <a:ext cx="1080120" cy="400110"/>
-          </a:xfrm>
-          <a:prstGeom prst="rect">
-            <a:avLst/>
-          </a:prstGeom>
-          <a:noFill/>
-          <a:ln w="9525">
-            <a:noFill/>
-            <a:miter lim="800000"/>
-            <a:headEnd/>
-            <a:tailEnd/>
-          </a:ln>
-        </p:spPr>
-        <p:txBody>
-          <a:bodyPr wrap="square">
-            <a:spAutoFit/>
-          </a:bodyPr>
-          <a:lstStyle/>
-          <a:p>
-            <a:pPr lvl="0"/>
-            <a:r>
-              <a:rPr lang="en-US" altLang="ko-KR" sz="2000" b="1" dirty="0" smtClean="0">
-                <a:solidFill>
-                  <a:srgbClr val="4C93C7"/>
-                </a:solidFill>
-                <a:latin typeface="다음_Regular" panose="02000603060000000000" pitchFamily="2" charset="-127"/>
-                <a:ea typeface="다음_Regular" panose="02000603060000000000" pitchFamily="2" charset="-127"/>
-              </a:rPr>
-              <a:t>3. </a:t>
-            </a:r>
-            <a:r>
-              <a:rPr lang="ko-KR" altLang="en-US" sz="2000" b="1" dirty="0" smtClean="0">
-                <a:solidFill>
-                  <a:srgbClr val="4C93C7"/>
-                </a:solidFill>
-                <a:latin typeface="다음_Regular" panose="02000603060000000000" pitchFamily="2" charset="-127"/>
-                <a:ea typeface="다음_Regular" panose="02000603060000000000" pitchFamily="2" charset="-127"/>
-              </a:rPr>
-              <a:t>특징</a:t>
-            </a:r>
-            <a:endParaRPr lang="en-US" altLang="ko-KR" sz="2000" b="1" dirty="0" smtClean="0">
-              <a:solidFill>
-                <a:srgbClr val="4C93C7"/>
-              </a:solidFill>
-              <a:latin typeface="다음_Regular" panose="02000603060000000000" pitchFamily="2" charset="-127"/>
-              <a:ea typeface="다음_Regular" panose="02000603060000000000" pitchFamily="2" charset="-127"/>
-            </a:endParaRPr>
-          </a:p>
-        </p:txBody>
-      </p:sp>
-      <p:cxnSp>
-        <p:nvCxnSpPr>
-          <p:cNvPr id="49" name="직선 연결선 48"/>
-          <p:cNvCxnSpPr/>
-          <p:nvPr/>
-        </p:nvCxnSpPr>
-        <p:spPr>
-          <a:xfrm>
-            <a:off x="915626" y="5483026"/>
-            <a:ext cx="936000" cy="0"/>
-          </a:xfrm>
-          <a:prstGeom prst="line">
-            <a:avLst/>
-          </a:prstGeom>
-          <a:ln>
-            <a:solidFill>
-              <a:srgbClr val="4C93C7"/>
-            </a:solidFill>
-            <a:prstDash val="dash"/>
-          </a:ln>
-        </p:spPr>
-        <p:style>
-          <a:lnRef idx="1">
-            <a:schemeClr val="accent1"/>
-          </a:lnRef>
-          <a:fillRef idx="0">
-            <a:schemeClr val="accent1"/>
-          </a:fillRef>
-          <a:effectRef idx="0">
-            <a:schemeClr val="accent1"/>
-          </a:effectRef>
-          <a:fontRef idx="minor">
-            <a:schemeClr val="tx1"/>
-          </a:fontRef>
-        </p:style>
-      </p:cxnSp>
-      <p:sp>
-        <p:nvSpPr>
-          <p:cNvPr id="50" name="TextBox 25"/>
-          <p:cNvSpPr txBox="1">
-            <a:spLocks noChangeArrowheads="1"/>
-          </p:cNvSpPr>
-          <p:nvPr/>
-        </p:nvSpPr>
-        <p:spPr bwMode="auto">
-          <a:xfrm>
-            <a:off x="3648389" y="5084591"/>
-            <a:ext cx="2091480" cy="400110"/>
-          </a:xfrm>
-          <a:prstGeom prst="rect">
-            <a:avLst/>
-          </a:prstGeom>
-          <a:noFill/>
-          <a:ln w="9525">
-            <a:noFill/>
-            <a:miter lim="800000"/>
-            <a:headEnd/>
-            <a:tailEnd/>
-          </a:ln>
-        </p:spPr>
-        <p:txBody>
-          <a:bodyPr wrap="square">
-            <a:spAutoFit/>
-          </a:bodyPr>
-          <a:lstStyle/>
-          <a:p>
-            <a:pPr lvl="0"/>
-            <a:r>
-              <a:rPr lang="en-US" altLang="ko-KR" sz="2000" b="1" dirty="0" smtClean="0">
-                <a:solidFill>
-                  <a:srgbClr val="4C93C7"/>
-                </a:solidFill>
-                <a:latin typeface="다음_Regular" panose="02000603060000000000" pitchFamily="2" charset="-127"/>
-                <a:ea typeface="다음_Regular" panose="02000603060000000000" pitchFamily="2" charset="-127"/>
-              </a:rPr>
-              <a:t>4. </a:t>
-            </a:r>
-            <a:r>
-              <a:rPr lang="ko-KR" altLang="en-US" sz="2000" b="1" dirty="0" smtClean="0">
-                <a:solidFill>
-                  <a:srgbClr val="4C93C7"/>
-                </a:solidFill>
-                <a:latin typeface="다음_Regular" panose="02000603060000000000" pitchFamily="2" charset="-127"/>
-                <a:ea typeface="다음_Regular" panose="02000603060000000000" pitchFamily="2" charset="-127"/>
-              </a:rPr>
-              <a:t>상황 및 전망</a:t>
-            </a:r>
-            <a:endParaRPr lang="en-US" altLang="ko-KR" sz="2000" b="1" dirty="0" smtClean="0">
-              <a:solidFill>
-                <a:srgbClr val="4C93C7"/>
-              </a:solidFill>
-              <a:latin typeface="다음_Regular" panose="02000603060000000000" pitchFamily="2" charset="-127"/>
-              <a:ea typeface="다음_Regular" panose="02000603060000000000" pitchFamily="2" charset="-127"/>
-            </a:endParaRPr>
-          </a:p>
-        </p:txBody>
-      </p:sp>
-      <p:cxnSp>
-        <p:nvCxnSpPr>
-          <p:cNvPr id="52" name="직선 연결선 51"/>
-          <p:cNvCxnSpPr/>
-          <p:nvPr/>
-        </p:nvCxnSpPr>
-        <p:spPr>
-          <a:xfrm>
-            <a:off x="3723938" y="5483026"/>
-            <a:ext cx="936000" cy="0"/>
-          </a:xfrm>
-          <a:prstGeom prst="line">
-            <a:avLst/>
-          </a:prstGeom>
-          <a:ln>
-            <a:solidFill>
-              <a:srgbClr val="4C93C7"/>
-            </a:solidFill>
-            <a:prstDash val="dash"/>
-          </a:ln>
-        </p:spPr>
-        <p:style>
-          <a:lnRef idx="1">
-            <a:schemeClr val="accent1"/>
-          </a:lnRef>
-          <a:fillRef idx="0">
-            <a:schemeClr val="accent1"/>
-          </a:fillRef>
-          <a:effectRef idx="0">
-            <a:schemeClr val="accent1"/>
-          </a:effectRef>
-          <a:fontRef idx="minor">
-            <a:schemeClr val="tx1"/>
-          </a:fontRef>
-        </p:style>
-      </p:cxnSp>
-      <p:sp>
-        <p:nvSpPr>
-          <p:cNvPr id="56" name="TextBox 25"/>
-          <p:cNvSpPr txBox="1">
-            <a:spLocks noChangeArrowheads="1"/>
-          </p:cNvSpPr>
-          <p:nvPr/>
-        </p:nvSpPr>
-        <p:spPr bwMode="auto">
-          <a:xfrm>
-            <a:off x="6280482" y="5084591"/>
-            <a:ext cx="1819910" cy="400110"/>
-          </a:xfrm>
-          <a:prstGeom prst="rect">
-            <a:avLst/>
-          </a:prstGeom>
-          <a:noFill/>
-          <a:ln w="9525">
-            <a:noFill/>
-            <a:miter lim="800000"/>
-            <a:headEnd/>
-            <a:tailEnd/>
-          </a:ln>
-        </p:spPr>
-        <p:txBody>
-          <a:bodyPr wrap="square">
-            <a:spAutoFit/>
-          </a:bodyPr>
-          <a:lstStyle/>
-          <a:p>
-            <a:pPr lvl="0"/>
-            <a:r>
-              <a:rPr lang="en-US" altLang="ko-KR" sz="2000" b="1" dirty="0" smtClean="0">
-                <a:solidFill>
-                  <a:srgbClr val="4C93C7"/>
-                </a:solidFill>
-                <a:latin typeface="다음_Regular" panose="02000603060000000000" pitchFamily="2" charset="-127"/>
-                <a:ea typeface="다음_Regular" panose="02000603060000000000" pitchFamily="2" charset="-127"/>
-              </a:rPr>
-              <a:t>5. </a:t>
-            </a:r>
-            <a:r>
-              <a:rPr lang="ko-KR" altLang="en-US" sz="2000" b="1" dirty="0" smtClean="0">
-                <a:solidFill>
-                  <a:srgbClr val="4C93C7"/>
-                </a:solidFill>
-                <a:latin typeface="다음_Regular" panose="02000603060000000000" pitchFamily="2" charset="-127"/>
-                <a:ea typeface="다음_Regular" panose="02000603060000000000" pitchFamily="2" charset="-127"/>
-              </a:rPr>
-              <a:t>라이선스</a:t>
-            </a:r>
-            <a:endParaRPr lang="en-US" altLang="ko-KR" sz="2000" b="1" dirty="0" smtClean="0">
-              <a:solidFill>
-                <a:srgbClr val="4C93C7"/>
-              </a:solidFill>
-              <a:latin typeface="다음_Regular" panose="02000603060000000000" pitchFamily="2" charset="-127"/>
-              <a:ea typeface="다음_Regular" panose="02000603060000000000" pitchFamily="2" charset="-127"/>
-            </a:endParaRPr>
-          </a:p>
-        </p:txBody>
-      </p:sp>
-      <p:cxnSp>
-        <p:nvCxnSpPr>
-          <p:cNvPr id="57" name="직선 연결선 56"/>
-          <p:cNvCxnSpPr/>
-          <p:nvPr/>
-        </p:nvCxnSpPr>
-        <p:spPr>
-          <a:xfrm>
-            <a:off x="6352490" y="5483026"/>
-            <a:ext cx="1476000" cy="0"/>
-          </a:xfrm>
-          <a:prstGeom prst="line">
-            <a:avLst/>
-          </a:prstGeom>
-          <a:ln>
-            <a:solidFill>
-              <a:srgbClr val="4C93C7"/>
-            </a:solidFill>
-            <a:prstDash val="dash"/>
-          </a:ln>
-        </p:spPr>
-        <p:style>
-          <a:lnRef idx="1">
-            <a:schemeClr val="accent1"/>
-          </a:lnRef>
-          <a:fillRef idx="0">
-            <a:schemeClr val="accent1"/>
-          </a:fillRef>
-          <a:effectRef idx="0">
-            <a:schemeClr val="accent1"/>
-          </a:effectRef>
-          <a:fontRef idx="minor">
-            <a:schemeClr val="tx1"/>
-          </a:fontRef>
-        </p:style>
-      </p:cxnSp>
-      <p:sp>
-        <p:nvSpPr>
-          <p:cNvPr id="58" name="TextBox 25"/>
-          <p:cNvSpPr txBox="1">
-            <a:spLocks noChangeArrowheads="1"/>
-          </p:cNvSpPr>
-          <p:nvPr/>
-        </p:nvSpPr>
-        <p:spPr bwMode="auto">
-          <a:xfrm>
-            <a:off x="823019" y="5631630"/>
-            <a:ext cx="2340000" cy="461665"/>
-          </a:xfrm>
-          <a:prstGeom prst="rect">
-            <a:avLst/>
-          </a:prstGeom>
-          <a:noFill/>
-          <a:ln w="9525">
-            <a:noFill/>
-            <a:miter lim="800000"/>
-            <a:headEnd/>
-            <a:tailEnd/>
-          </a:ln>
-        </p:spPr>
-        <p:txBody>
-          <a:bodyPr wrap="square">
-            <a:spAutoFit/>
-          </a:bodyPr>
-          <a:lstStyle/>
-          <a:p>
-            <a:pPr lvl="0"/>
-            <a:r>
-              <a:rPr lang="ko-KR" altLang="en-US" sz="1200" dirty="0" smtClean="0">
-                <a:solidFill>
-                  <a:prstClr val="black">
-                    <a:lumMod val="65000"/>
-                    <a:lumOff val="35000"/>
-                  </a:prstClr>
-                </a:solidFill>
-                <a:latin typeface="나눔바른고딕" pitchFamily="50" charset="-127"/>
-                <a:ea typeface="나눔바른고딕" pitchFamily="50" charset="-127"/>
-              </a:rPr>
-              <a:t>여기에는 한 두 줄 정도 넣어주세요</a:t>
-            </a:r>
-            <a:r>
-              <a:rPr lang="en-US" altLang="ko-KR" sz="1200" dirty="0" smtClean="0">
-                <a:solidFill>
-                  <a:prstClr val="black">
-                    <a:lumMod val="65000"/>
-                    <a:lumOff val="35000"/>
-                  </a:prstClr>
-                </a:solidFill>
-                <a:latin typeface="나눔바른고딕" pitchFamily="50" charset="-127"/>
-                <a:ea typeface="나눔바른고딕" pitchFamily="50" charset="-127"/>
-              </a:rPr>
-              <a:t>.</a:t>
-            </a:r>
-          </a:p>
-          <a:p>
-            <a:pPr lvl="0"/>
-            <a:r>
-              <a:rPr lang="ko-KR" altLang="en-US" sz="1200" dirty="0" err="1" smtClean="0">
-                <a:solidFill>
-                  <a:prstClr val="black">
-                    <a:lumMod val="65000"/>
-                    <a:lumOff val="35000"/>
-                  </a:prstClr>
-                </a:solidFill>
-                <a:latin typeface="나눔바른고딕" pitchFamily="50" charset="-127"/>
-                <a:ea typeface="나눔바른고딕" pitchFamily="50" charset="-127"/>
-              </a:rPr>
-              <a:t>랄랄라</a:t>
-            </a:r>
-            <a:r>
-              <a:rPr lang="ko-KR" altLang="en-US" sz="1200" dirty="0" smtClean="0">
-                <a:solidFill>
-                  <a:prstClr val="black">
-                    <a:lumMod val="65000"/>
-                    <a:lumOff val="35000"/>
-                  </a:prstClr>
-                </a:solidFill>
-                <a:latin typeface="나눔바른고딕" pitchFamily="50" charset="-127"/>
-                <a:ea typeface="나눔바른고딕" pitchFamily="50" charset="-127"/>
-              </a:rPr>
-              <a:t> </a:t>
-            </a:r>
-            <a:r>
-              <a:rPr lang="ko-KR" altLang="en-US" sz="1200" dirty="0" err="1" smtClean="0">
-                <a:solidFill>
-                  <a:prstClr val="black">
-                    <a:lumMod val="65000"/>
-                    <a:lumOff val="35000"/>
-                  </a:prstClr>
-                </a:solidFill>
-                <a:latin typeface="나눔바른고딕" pitchFamily="50" charset="-127"/>
-                <a:ea typeface="나눔바른고딕" pitchFamily="50" charset="-127"/>
-              </a:rPr>
-              <a:t>스랄랄라</a:t>
-            </a:r>
-            <a:endParaRPr lang="en-US" altLang="ko-KR" sz="1200" dirty="0">
-              <a:solidFill>
-                <a:prstClr val="black">
-                  <a:lumMod val="65000"/>
-                  <a:lumOff val="35000"/>
-                </a:prstClr>
-              </a:solidFill>
-              <a:latin typeface="나눔바른고딕" pitchFamily="50" charset="-127"/>
-              <a:ea typeface="나눔바른고딕" pitchFamily="50" charset="-127"/>
-            </a:endParaRPr>
-          </a:p>
-        </p:txBody>
-      </p:sp>
-      <p:sp>
-        <p:nvSpPr>
-          <p:cNvPr id="59" name="TextBox 25"/>
-          <p:cNvSpPr txBox="1">
-            <a:spLocks noChangeArrowheads="1"/>
-          </p:cNvSpPr>
-          <p:nvPr/>
-        </p:nvSpPr>
-        <p:spPr bwMode="auto">
-          <a:xfrm>
-            <a:off x="3635896" y="5631631"/>
-            <a:ext cx="2340000" cy="461665"/>
-          </a:xfrm>
-          <a:prstGeom prst="rect">
-            <a:avLst/>
-          </a:prstGeom>
-          <a:noFill/>
-          <a:ln w="9525">
-            <a:noFill/>
-            <a:miter lim="800000"/>
-            <a:headEnd/>
-            <a:tailEnd/>
-          </a:ln>
-        </p:spPr>
-        <p:txBody>
-          <a:bodyPr wrap="square">
-            <a:spAutoFit/>
-          </a:bodyPr>
-          <a:lstStyle/>
-          <a:p>
-            <a:pPr lvl="0"/>
-            <a:r>
-              <a:rPr lang="ko-KR" altLang="en-US" sz="1200" dirty="0">
-                <a:solidFill>
-                  <a:prstClr val="black">
-                    <a:lumMod val="65000"/>
-                    <a:lumOff val="35000"/>
-                  </a:prstClr>
-                </a:solidFill>
-                <a:latin typeface="나눔바른고딕" pitchFamily="50" charset="-127"/>
-                <a:ea typeface="나눔바른고딕" pitchFamily="50" charset="-127"/>
-              </a:rPr>
-              <a:t>여기에는 한 두 줄 정도 넣어주세요</a:t>
-            </a:r>
-            <a:r>
-              <a:rPr lang="en-US" altLang="ko-KR" sz="1200" dirty="0">
-                <a:solidFill>
-                  <a:prstClr val="black">
-                    <a:lumMod val="65000"/>
-                    <a:lumOff val="35000"/>
-                  </a:prstClr>
-                </a:solidFill>
-                <a:latin typeface="나눔바른고딕" pitchFamily="50" charset="-127"/>
-                <a:ea typeface="나눔바른고딕" pitchFamily="50" charset="-127"/>
-              </a:rPr>
-              <a:t>.</a:t>
-            </a:r>
-          </a:p>
-          <a:p>
-            <a:pPr lvl="0"/>
-            <a:r>
-              <a:rPr lang="ko-KR" altLang="en-US" sz="1200" dirty="0" err="1">
-                <a:solidFill>
-                  <a:prstClr val="black">
-                    <a:lumMod val="65000"/>
-                    <a:lumOff val="35000"/>
-                  </a:prstClr>
-                </a:solidFill>
-                <a:latin typeface="나눔바른고딕" pitchFamily="50" charset="-127"/>
-                <a:ea typeface="나눔바른고딕" pitchFamily="50" charset="-127"/>
-              </a:rPr>
-              <a:t>랄랄라</a:t>
-            </a:r>
-            <a:r>
-              <a:rPr lang="ko-KR" altLang="en-US" sz="1200" dirty="0">
-                <a:solidFill>
-                  <a:prstClr val="black">
-                    <a:lumMod val="65000"/>
-                    <a:lumOff val="35000"/>
-                  </a:prstClr>
-                </a:solidFill>
-                <a:latin typeface="나눔바른고딕" pitchFamily="50" charset="-127"/>
-                <a:ea typeface="나눔바른고딕" pitchFamily="50" charset="-127"/>
-              </a:rPr>
-              <a:t> </a:t>
-            </a:r>
-            <a:r>
-              <a:rPr lang="ko-KR" altLang="en-US" sz="1200" dirty="0" err="1">
-                <a:solidFill>
-                  <a:prstClr val="black">
-                    <a:lumMod val="65000"/>
-                    <a:lumOff val="35000"/>
-                  </a:prstClr>
-                </a:solidFill>
-                <a:latin typeface="나눔바른고딕" pitchFamily="50" charset="-127"/>
-                <a:ea typeface="나눔바른고딕" pitchFamily="50" charset="-127"/>
-              </a:rPr>
-              <a:t>스랄랄라</a:t>
-            </a:r>
-            <a:endParaRPr lang="en-US" altLang="ko-KR" sz="1200" dirty="0">
-              <a:solidFill>
-                <a:prstClr val="black">
-                  <a:lumMod val="65000"/>
-                  <a:lumOff val="35000"/>
-                </a:prstClr>
-              </a:solidFill>
-              <a:latin typeface="나눔바른고딕" pitchFamily="50" charset="-127"/>
-              <a:ea typeface="나눔바른고딕" pitchFamily="50" charset="-127"/>
-            </a:endParaRPr>
-          </a:p>
-        </p:txBody>
-      </p:sp>
-      <p:sp>
-        <p:nvSpPr>
-          <p:cNvPr id="60" name="TextBox 25"/>
-          <p:cNvSpPr txBox="1">
-            <a:spLocks noChangeArrowheads="1"/>
-          </p:cNvSpPr>
-          <p:nvPr/>
-        </p:nvSpPr>
-        <p:spPr bwMode="auto">
-          <a:xfrm>
-            <a:off x="6264448" y="5631631"/>
-            <a:ext cx="2340000" cy="461665"/>
-          </a:xfrm>
-          <a:prstGeom prst="rect">
-            <a:avLst/>
-          </a:prstGeom>
-          <a:noFill/>
-          <a:ln w="9525">
-            <a:noFill/>
-            <a:miter lim="800000"/>
-            <a:headEnd/>
-            <a:tailEnd/>
-          </a:ln>
-        </p:spPr>
-        <p:txBody>
-          <a:bodyPr wrap="square">
-            <a:spAutoFit/>
-          </a:bodyPr>
-          <a:lstStyle/>
-          <a:p>
-            <a:pPr lvl="0"/>
-            <a:r>
-              <a:rPr lang="ko-KR" altLang="en-US" sz="1200" dirty="0">
-                <a:solidFill>
-                  <a:prstClr val="black">
-                    <a:lumMod val="65000"/>
-                    <a:lumOff val="35000"/>
-                  </a:prstClr>
-                </a:solidFill>
-                <a:latin typeface="나눔바른고딕" pitchFamily="50" charset="-127"/>
-                <a:ea typeface="나눔바른고딕" pitchFamily="50" charset="-127"/>
-              </a:rPr>
-              <a:t>여기에는 한 두 줄 정도 넣어주세요</a:t>
-            </a:r>
-            <a:r>
-              <a:rPr lang="en-US" altLang="ko-KR" sz="1200" dirty="0">
-                <a:solidFill>
-                  <a:prstClr val="black">
-                    <a:lumMod val="65000"/>
-                    <a:lumOff val="35000"/>
-                  </a:prstClr>
-                </a:solidFill>
-                <a:latin typeface="나눔바른고딕" pitchFamily="50" charset="-127"/>
-                <a:ea typeface="나눔바른고딕" pitchFamily="50" charset="-127"/>
-              </a:rPr>
-              <a:t>.</a:t>
-            </a:r>
-          </a:p>
-          <a:p>
-            <a:pPr lvl="0"/>
-            <a:r>
-              <a:rPr lang="ko-KR" altLang="en-US" sz="1200" dirty="0" err="1">
-                <a:solidFill>
-                  <a:prstClr val="black">
-                    <a:lumMod val="65000"/>
-                    <a:lumOff val="35000"/>
-                  </a:prstClr>
-                </a:solidFill>
-                <a:latin typeface="나눔바른고딕" pitchFamily="50" charset="-127"/>
-                <a:ea typeface="나눔바른고딕" pitchFamily="50" charset="-127"/>
-              </a:rPr>
-              <a:t>랄랄라</a:t>
-            </a:r>
-            <a:r>
-              <a:rPr lang="ko-KR" altLang="en-US" sz="1200" dirty="0">
-                <a:solidFill>
-                  <a:prstClr val="black">
-                    <a:lumMod val="65000"/>
-                    <a:lumOff val="35000"/>
-                  </a:prstClr>
-                </a:solidFill>
-                <a:latin typeface="나눔바른고딕" pitchFamily="50" charset="-127"/>
-                <a:ea typeface="나눔바른고딕" pitchFamily="50" charset="-127"/>
-              </a:rPr>
-              <a:t> </a:t>
-            </a:r>
-            <a:r>
-              <a:rPr lang="ko-KR" altLang="en-US" sz="1200" dirty="0" err="1">
-                <a:solidFill>
-                  <a:prstClr val="black">
-                    <a:lumMod val="65000"/>
-                    <a:lumOff val="35000"/>
-                  </a:prstClr>
-                </a:solidFill>
-                <a:latin typeface="나눔바른고딕" pitchFamily="50" charset="-127"/>
-                <a:ea typeface="나눔바른고딕" pitchFamily="50" charset="-127"/>
-              </a:rPr>
-              <a:t>스랄랄라</a:t>
-            </a:r>
-            <a:endParaRPr lang="en-US" altLang="ko-KR" sz="1200" dirty="0">
-              <a:solidFill>
-                <a:prstClr val="black">
-                  <a:lumMod val="65000"/>
-                  <a:lumOff val="35000"/>
-                </a:prstClr>
-              </a:solidFill>
-              <a:latin typeface="나눔바른고딕" pitchFamily="50" charset="-127"/>
-              <a:ea typeface="나눔바른고딕" pitchFamily="50" charset="-127"/>
-            </a:endParaRPr>
-          </a:p>
-        </p:txBody>
-      </p:sp>
     </p:spTree>
     <p:extLst>
       <p:ext uri="{BB962C8B-B14F-4D97-AF65-F5344CB8AC3E}">
-        <p14:creationId xmlns:p14="http://schemas.microsoft.com/office/powerpoint/2010/main" val="4027505701"/>
+        <p14:creationId xmlns:p14="http://schemas.microsoft.com/office/powerpoint/2010/main" val="4128973298"/>
       </p:ext>
     </p:extLst>
   </p:cSld>
@@ -12277,9 +12960,126 @@
   <p:timing>
     <p:tnLst>
       <p:par>
-        <p:cTn id="1" dur="indefinite" restart="never" nodeType="tmRoot"/>
+        <p:cTn id="1" dur="indefinite" restart="never" nodeType="tmRoot">
+          <p:childTnLst>
+            <p:seq concurrent="1" nextAc="seek">
+              <p:cTn id="2" dur="indefinite" nodeType="mainSeq">
+                <p:childTnLst>
+                  <p:par>
+                    <p:cTn id="3" fill="hold">
+                      <p:stCondLst>
+                        <p:cond delay="indefinite"/>
+                      </p:stCondLst>
+                      <p:childTnLst>
+                        <p:par>
+                          <p:cTn id="4" fill="hold">
+                            <p:stCondLst>
+                              <p:cond delay="0"/>
+                            </p:stCondLst>
+                            <p:childTnLst>
+                              <p:par>
+                                <p:cTn id="5" presetID="1" presetClass="entr" presetSubtype="0" fill="hold" grpId="0" nodeType="clickEffect">
+                                  <p:stCondLst>
+                                    <p:cond delay="0"/>
+                                  </p:stCondLst>
+                                  <p:childTnLst>
+                                    <p:set>
+                                      <p:cBhvr>
+                                        <p:cTn id="6" dur="1" fill="hold">
+                                          <p:stCondLst>
+                                            <p:cond delay="0"/>
+                                          </p:stCondLst>
+                                        </p:cTn>
+                                        <p:tgtEl>
+                                          <p:spTgt spid="14"/>
+                                        </p:tgtEl>
+                                        <p:attrNameLst>
+                                          <p:attrName>style.visibility</p:attrName>
+                                        </p:attrNameLst>
+                                      </p:cBhvr>
+                                      <p:to>
+                                        <p:strVal val="visible"/>
+                                      </p:to>
+                                    </p:set>
+                                  </p:childTnLst>
+                                </p:cTn>
+                              </p:par>
+                            </p:childTnLst>
+                          </p:cTn>
+                        </p:par>
+                      </p:childTnLst>
+                    </p:cTn>
+                  </p:par>
+                  <p:par>
+                    <p:cTn id="7" fill="hold">
+                      <p:stCondLst>
+                        <p:cond delay="indefinite"/>
+                      </p:stCondLst>
+                      <p:childTnLst>
+                        <p:par>
+                          <p:cTn id="8" fill="hold">
+                            <p:stCondLst>
+                              <p:cond delay="0"/>
+                            </p:stCondLst>
+                            <p:childTnLst>
+                              <p:par>
+                                <p:cTn id="9" presetID="1" presetClass="entr" presetSubtype="0" fill="hold" grpId="0" nodeType="clickEffect">
+                                  <p:stCondLst>
+                                    <p:cond delay="0"/>
+                                  </p:stCondLst>
+                                  <p:childTnLst>
+                                    <p:set>
+                                      <p:cBhvr>
+                                        <p:cTn id="10" dur="1" fill="hold">
+                                          <p:stCondLst>
+                                            <p:cond delay="0"/>
+                                          </p:stCondLst>
+                                        </p:cTn>
+                                        <p:tgtEl>
+                                          <p:spTgt spid="27"/>
+                                        </p:tgtEl>
+                                        <p:attrNameLst>
+                                          <p:attrName>style.visibility</p:attrName>
+                                        </p:attrNameLst>
+                                      </p:cBhvr>
+                                      <p:to>
+                                        <p:strVal val="visible"/>
+                                      </p:to>
+                                    </p:set>
+                                  </p:childTnLst>
+                                </p:cTn>
+                              </p:par>
+                            </p:childTnLst>
+                          </p:cTn>
+                        </p:par>
+                      </p:childTnLst>
+                    </p:cTn>
+                  </p:par>
+                </p:childTnLst>
+              </p:cTn>
+              <p:prevCondLst>
+                <p:cond evt="onPrev" delay="0">
+                  <p:tgtEl>
+                    <p:sldTgt/>
+                  </p:tgtEl>
+                </p:cond>
+              </p:prevCondLst>
+              <p:nextCondLst>
+                <p:cond evt="onNext" delay="0">
+                  <p:tgtEl>
+                    <p:sldTgt/>
+                  </p:tgtEl>
+                </p:cond>
+              </p:nextCondLst>
+            </p:seq>
+          </p:childTnLst>
+        </p:cTn>
       </p:par>
     </p:tnLst>
+    <p:bldLst>
+      <p:bldP spid="14" grpId="0" animBg="1"/>
+      <p:bldP spid="27" grpId="0" animBg="1"/>
+    </p:bldLst>
   </p:timing>
 </p:sld>
 </file>

--- a/ppt.pptx
+++ b/ppt.pptx
@@ -3997,7 +3997,7 @@
                 <a:latin typeface="다음_SemiBold" panose="02000700060000000000" pitchFamily="2" charset="-127"/>
                 <a:ea typeface="다음_SemiBold" panose="02000700060000000000" pitchFamily="2" charset="-127"/>
               </a:rPr>
-              <a:t> pull origin master</a:t>
+              <a:t> pull upstream master</a:t>
             </a:r>
           </a:p>
           <a:p>
@@ -4074,9 +4074,50 @@
                 <a:latin typeface="다음_SemiBold" panose="02000700060000000000" pitchFamily="2" charset="-127"/>
                 <a:ea typeface="다음_SemiBold" panose="02000700060000000000" pitchFamily="2" charset="-127"/>
               </a:rPr>
+              <a:t> push upstream master</a:t>
+            </a:r>
+            <a:endParaRPr lang="en-US" altLang="ko-KR" dirty="0">
+              <a:latin typeface="다음_SemiBold" panose="02000700060000000000" pitchFamily="2" charset="-127"/>
+              <a:ea typeface="다음_SemiBold" panose="02000700060000000000" pitchFamily="2" charset="-127"/>
+            </a:endParaRPr>
+          </a:p>
+          <a:p>
+            <a:endParaRPr lang="en-US" altLang="ko-KR" dirty="0" smtClean="0">
+              <a:latin typeface="다음_SemiBold" panose="02000700060000000000" pitchFamily="2" charset="-127"/>
+              <a:ea typeface="다음_SemiBold" panose="02000700060000000000" pitchFamily="2" charset="-127"/>
+            </a:endParaRPr>
+          </a:p>
+          <a:p>
+            <a:r>
+              <a:rPr lang="en-US" altLang="ko-KR" sz="2800" dirty="0" err="1" smtClean="0">
+                <a:solidFill>
+                  <a:schemeClr val="accent3">
+                    <a:lumMod val="50000"/>
+                  </a:schemeClr>
+                </a:solidFill>
+                <a:latin typeface="다음_SemiBold" panose="02000700060000000000" pitchFamily="2" charset="-127"/>
+                <a:ea typeface="다음_SemiBold" panose="02000700060000000000" pitchFamily="2" charset="-127"/>
+              </a:rPr>
+              <a:t>Git</a:t>
+            </a:r>
+            <a:r>
+              <a:rPr lang="en-US" altLang="ko-KR" sz="2800" dirty="0" smtClean="0">
+                <a:solidFill>
+                  <a:schemeClr val="accent3">
+                    <a:lumMod val="50000"/>
+                  </a:schemeClr>
+                </a:solidFill>
+                <a:latin typeface="다음_SemiBold" panose="02000700060000000000" pitchFamily="2" charset="-127"/>
+                <a:ea typeface="다음_SemiBold" panose="02000700060000000000" pitchFamily="2" charset="-127"/>
+              </a:rPr>
               <a:t> push origin master</a:t>
             </a:r>
-            <a:endParaRPr lang="ko-KR" altLang="en-US" dirty="0">
+            <a:endParaRPr lang="ko-KR" altLang="en-US" sz="2800" dirty="0">
+              <a:solidFill>
+                <a:schemeClr val="accent3">
+                  <a:lumMod val="50000"/>
+                </a:schemeClr>
+              </a:solidFill>
               <a:latin typeface="다음_SemiBold" panose="02000700060000000000" pitchFamily="2" charset="-127"/>
               <a:ea typeface="다음_SemiBold" panose="02000700060000000000" pitchFamily="2" charset="-127"/>
             </a:endParaRPr>
@@ -4761,7 +4802,7 @@
         </p:nvSpPr>
         <p:spPr>
           <a:xfrm>
-            <a:off x="606579" y="4793330"/>
+            <a:off x="606579" y="4437112"/>
             <a:ext cx="681438" cy="681438"/>
           </a:xfrm>
           <a:prstGeom prst="ellipse">
@@ -4809,7 +4850,7 @@
         </p:nvSpPr>
         <p:spPr>
           <a:xfrm>
-            <a:off x="3394819" y="4793330"/>
+            <a:off x="3394819" y="4437112"/>
             <a:ext cx="681438" cy="681438"/>
           </a:xfrm>
           <a:prstGeom prst="ellipse">
@@ -4857,7 +4898,7 @@
         </p:nvSpPr>
         <p:spPr>
           <a:xfrm>
-            <a:off x="6011771" y="4793330"/>
+            <a:off x="6011771" y="4437112"/>
             <a:ext cx="681438" cy="681438"/>
           </a:xfrm>
           <a:prstGeom prst="ellipse">
@@ -4907,7 +4948,7 @@
         </p:nvSpPr>
         <p:spPr bwMode="auto">
           <a:xfrm>
-            <a:off x="843618" y="5084591"/>
+            <a:off x="843618" y="4728373"/>
             <a:ext cx="1080120" cy="400110"/>
           </a:xfrm>
           <a:prstGeom prst="rect">
@@ -4966,7 +5007,7 @@
         </p:nvCxnSpPr>
         <p:spPr>
           <a:xfrm>
-            <a:off x="915626" y="5483026"/>
+            <a:off x="915626" y="5126808"/>
             <a:ext cx="936000" cy="0"/>
           </a:xfrm>
           <a:prstGeom prst="line">
@@ -5004,7 +5045,7 @@
         </p:nvSpPr>
         <p:spPr bwMode="auto">
           <a:xfrm>
-            <a:off x="3648389" y="5084591"/>
+            <a:off x="3648389" y="4728373"/>
             <a:ext cx="2091480" cy="400110"/>
           </a:xfrm>
           <a:prstGeom prst="rect">
@@ -5063,7 +5104,7 @@
         </p:nvCxnSpPr>
         <p:spPr>
           <a:xfrm>
-            <a:off x="3723938" y="5483026"/>
+            <a:off x="3723938" y="5126808"/>
             <a:ext cx="936000" cy="0"/>
           </a:xfrm>
           <a:prstGeom prst="line">
@@ -5101,7 +5142,7 @@
         </p:nvSpPr>
         <p:spPr bwMode="auto">
           <a:xfrm>
-            <a:off x="6280482" y="5084591"/>
+            <a:off x="6280482" y="4728373"/>
             <a:ext cx="1819910" cy="400110"/>
           </a:xfrm>
           <a:prstGeom prst="rect">
@@ -5160,7 +5201,7 @@
         </p:nvCxnSpPr>
         <p:spPr>
           <a:xfrm>
-            <a:off x="6352490" y="5483026"/>
+            <a:off x="6352490" y="5126808"/>
             <a:ext cx="1476000" cy="0"/>
           </a:xfrm>
           <a:prstGeom prst="line">
@@ -5188,6 +5229,44 @@
           </a:fontRef>
         </p:style>
       </p:cxnSp>
+      <p:sp>
+        <p:nvSpPr>
+          <p:cNvPr id="15" name="TextBox 14"/>
+          <p:cNvSpPr txBox="1"/>
+          <p:nvPr/>
+        </p:nvSpPr>
+        <p:spPr>
+          <a:xfrm>
+            <a:off x="428355" y="5949280"/>
+            <a:ext cx="8005423" cy="646331"/>
+          </a:xfrm>
+          <a:prstGeom prst="rect">
+            <a:avLst/>
+          </a:prstGeom>
+          <a:noFill/>
+        </p:spPr>
+        <p:txBody>
+          <a:bodyPr wrap="square" rtlCol="0">
+            <a:spAutoFit/>
+          </a:bodyPr>
+          <a:lstStyle/>
+          <a:p>
+            <a:r>
+              <a:rPr lang="en-US" altLang="ko-KR" dirty="0" smtClean="0"/>
+              <a:t>Master repo </a:t>
+            </a:r>
+            <a:r>
+              <a:rPr lang="ko-KR" altLang="en-US" dirty="0" smtClean="0"/>
+              <a:t>주소 </a:t>
+            </a:r>
+            <a:r>
+              <a:rPr lang="en-US" altLang="ko-KR" dirty="0"/>
+              <a:t>: https://github.com/SeunghyunKing/OS_blue09/blob/master/draft.md</a:t>
+            </a:r>
+            <a:endParaRPr lang="ko-KR" altLang="en-US" dirty="0"/>
+          </a:p>
+        </p:txBody>
+      </p:sp>
     </p:spTree>
     <p:extLst>
       <p:ext uri="{BB962C8B-B14F-4D97-AF65-F5344CB8AC3E}">
@@ -9316,8 +9395,8 @@
         </p:nvSpPr>
         <p:spPr>
           <a:xfrm>
-            <a:off x="2093803" y="4797152"/>
-            <a:ext cx="2376264" cy="584775"/>
+            <a:off x="2093802" y="4797152"/>
+            <a:ext cx="3270285" cy="584775"/>
           </a:xfrm>
           <a:prstGeom prst="rect">
             <a:avLst/>
@@ -9331,14 +9410,24 @@
           <a:lstStyle/>
           <a:p>
             <a:r>
-              <a:rPr lang="ko-KR" altLang="en-US" sz="3200" dirty="0" smtClean="0">
+              <a:rPr lang="en-US" altLang="ko-KR" sz="3200" smtClean="0">
                 <a:solidFill>
                   <a:schemeClr val="bg1"/>
                 </a:solidFill>
                 <a:latin typeface="나눔바른고딕" pitchFamily="50" charset="-127"/>
                 <a:ea typeface="나눔바른고딕" pitchFamily="50" charset="-127"/>
               </a:rPr>
-              <a:t>소감</a:t>
+              <a:t>Markdown </a:t>
+            </a:r>
+            <a:r>
+              <a:rPr lang="ko-KR" altLang="en-US" sz="3200" dirty="0" smtClean="0">
+                <a:solidFill>
+                  <a:schemeClr val="bg1"/>
+                </a:solidFill>
+                <a:latin typeface="나눔바른고딕" pitchFamily="50" charset="-127"/>
+                <a:ea typeface="나눔바른고딕" pitchFamily="50" charset="-127"/>
+              </a:rPr>
+              <a:t>소개</a:t>
             </a:r>
             <a:endParaRPr lang="ko-KR" altLang="en-US" sz="3200" dirty="0" smtClean="0">
               <a:solidFill>
@@ -11295,7 +11384,7 @@
                 <a:latin typeface="나눔바른고딕" pitchFamily="50" charset="-127"/>
                 <a:ea typeface="나눔바른고딕" pitchFamily="50" charset="-127"/>
               </a:rPr>
-              <a:t> 기존 방법의 장단점</a:t>
+              <a:t> 기존 방법</a:t>
             </a:r>
             <a:endParaRPr lang="en-US" altLang="ko-KR" sz="1600" dirty="0" smtClean="0">
               <a:solidFill>
@@ -11371,8 +11460,8 @@
         </p:blipFill>
         <p:spPr bwMode="auto">
           <a:xfrm>
-            <a:off x="591966" y="2080223"/>
-            <a:ext cx="1296364" cy="1296364"/>
+            <a:off x="7834306" y="2034898"/>
+            <a:ext cx="1062803" cy="1062803"/>
           </a:xfrm>
           <a:prstGeom prst="rect">
             <a:avLst/>
@@ -11405,8 +11494,8 @@
         </p:blipFill>
         <p:spPr>
           <a:xfrm>
-            <a:off x="2771801" y="2127637"/>
-            <a:ext cx="1241582" cy="1248950"/>
+            <a:off x="2297721" y="2019915"/>
+            <a:ext cx="1017891" cy="1023932"/>
           </a:xfrm>
           <a:prstGeom prst="rect">
             <a:avLst/>
@@ -11429,8 +11518,8 @@
         </p:blipFill>
         <p:spPr>
           <a:xfrm>
-            <a:off x="5148064" y="2132855"/>
-            <a:ext cx="1191389" cy="1234193"/>
+            <a:off x="4212411" y="2039403"/>
+            <a:ext cx="976741" cy="1011833"/>
           </a:xfrm>
           <a:prstGeom prst="rect">
             <a:avLst/>
@@ -11445,8 +11534,8 @@
         </p:nvSpPr>
         <p:spPr>
           <a:xfrm>
-            <a:off x="411945" y="3460207"/>
-            <a:ext cx="1495510" cy="369332"/>
+            <a:off x="338344" y="3135883"/>
+            <a:ext cx="1242824" cy="369332"/>
           </a:xfrm>
           <a:prstGeom prst="rect">
             <a:avLst/>
@@ -11482,8 +11571,8 @@
         </p:nvSpPr>
         <p:spPr>
           <a:xfrm>
-            <a:off x="2771800" y="3460207"/>
-            <a:ext cx="1216631" cy="369332"/>
+            <a:off x="2297721" y="3135883"/>
+            <a:ext cx="1031376" cy="369332"/>
           </a:xfrm>
           <a:prstGeom prst="rect">
             <a:avLst/>
@@ -11526,8 +11615,8 @@
         </p:nvSpPr>
         <p:spPr>
           <a:xfrm>
-            <a:off x="4932040" y="3463779"/>
-            <a:ext cx="1635091" cy="369332"/>
+            <a:off x="3862768" y="3135883"/>
+            <a:ext cx="1676026" cy="369332"/>
           </a:xfrm>
           <a:prstGeom prst="rect">
             <a:avLst/>
@@ -11576,100 +11665,6 @@
             <a:normAutofit/>
           </a:bodyPr>
           <a:lstStyle/>
-          <a:p>
-            <a:r>
-              <a:rPr lang="ko-KR" altLang="en-US" sz="2000" dirty="0" smtClean="0">
-                <a:solidFill>
-                  <a:schemeClr val="accent3">
-                    <a:lumMod val="50000"/>
-                  </a:schemeClr>
-                </a:solidFill>
-                <a:latin typeface="다음_Regular" panose="02000603060000000000" pitchFamily="2" charset="-127"/>
-                <a:ea typeface="다음_Regular" panose="02000603060000000000" pitchFamily="2" charset="-127"/>
-              </a:rPr>
-              <a:t>장점 </a:t>
-            </a:r>
-            <a:r>
-              <a:rPr lang="en-US" altLang="ko-KR" sz="2000" dirty="0" smtClean="0">
-                <a:solidFill>
-                  <a:schemeClr val="accent3">
-                    <a:lumMod val="50000"/>
-                  </a:schemeClr>
-                </a:solidFill>
-                <a:latin typeface="다음_Regular" panose="02000603060000000000" pitchFamily="2" charset="-127"/>
-                <a:ea typeface="다음_Regular" panose="02000603060000000000" pitchFamily="2" charset="-127"/>
-              </a:rPr>
-              <a:t>: </a:t>
-            </a:r>
-            <a:r>
-              <a:rPr lang="ko-KR" altLang="en-US" sz="2000" dirty="0" smtClean="0">
-                <a:solidFill>
-                  <a:schemeClr val="accent3">
-                    <a:lumMod val="50000"/>
-                  </a:schemeClr>
-                </a:solidFill>
-                <a:latin typeface="다음_Regular" panose="02000603060000000000" pitchFamily="2" charset="-127"/>
-                <a:ea typeface="다음_Regular" panose="02000603060000000000" pitchFamily="2" charset="-127"/>
-              </a:rPr>
-              <a:t>내 </a:t>
-            </a:r>
-            <a:r>
-              <a:rPr lang="en-US" altLang="ko-KR" sz="2000" dirty="0" smtClean="0">
-                <a:solidFill>
-                  <a:schemeClr val="accent3">
-                    <a:lumMod val="50000"/>
-                  </a:schemeClr>
-                </a:solidFill>
-                <a:latin typeface="다음_Regular" panose="02000603060000000000" pitchFamily="2" charset="-127"/>
-                <a:ea typeface="다음_Regular" panose="02000603060000000000" pitchFamily="2" charset="-127"/>
-              </a:rPr>
-              <a:t>repo</a:t>
-            </a:r>
-            <a:r>
-              <a:rPr lang="ko-KR" altLang="en-US" sz="2000" dirty="0" smtClean="0">
-                <a:solidFill>
-                  <a:schemeClr val="accent3">
-                    <a:lumMod val="50000"/>
-                  </a:schemeClr>
-                </a:solidFill>
-                <a:latin typeface="다음_Regular" panose="02000603060000000000" pitchFamily="2" charset="-127"/>
-                <a:ea typeface="다음_Regular" panose="02000603060000000000" pitchFamily="2" charset="-127"/>
-              </a:rPr>
-              <a:t>에 활동들이 저장됨</a:t>
-            </a:r>
-            <a:r>
-              <a:rPr lang="en-US" altLang="ko-KR" sz="2000" dirty="0" smtClean="0">
-                <a:solidFill>
-                  <a:schemeClr val="accent3">
-                    <a:lumMod val="50000"/>
-                  </a:schemeClr>
-                </a:solidFill>
-                <a:latin typeface="다음_Regular" panose="02000603060000000000" pitchFamily="2" charset="-127"/>
-                <a:ea typeface="다음_Regular" panose="02000603060000000000" pitchFamily="2" charset="-127"/>
-              </a:rPr>
-              <a:t/>
-            </a:r>
-            <a:br>
-              <a:rPr lang="en-US" altLang="ko-KR" sz="2000" dirty="0" smtClean="0">
-                <a:solidFill>
-                  <a:schemeClr val="accent3">
-                    <a:lumMod val="50000"/>
-                  </a:schemeClr>
-                </a:solidFill>
-                <a:latin typeface="다음_Regular" panose="02000603060000000000" pitchFamily="2" charset="-127"/>
-                <a:ea typeface="다음_Regular" panose="02000603060000000000" pitchFamily="2" charset="-127"/>
-              </a:rPr>
-            </a:br>
-            <a:endParaRPr lang="en-US" altLang="ko-KR" sz="2000" dirty="0" smtClean="0">
-              <a:solidFill>
-                <a:schemeClr val="accent3">
-                  <a:lumMod val="50000"/>
-                </a:schemeClr>
-              </a:solidFill>
-              <a:latin typeface="다음_Regular" panose="02000603060000000000" pitchFamily="2" charset="-127"/>
-              <a:ea typeface="다음_Regular" panose="02000603060000000000" pitchFamily="2" charset="-127"/>
-            </a:endParaRPr>
-          </a:p>
           <a:p>
             <a:r>
               <a:rPr lang="ko-KR" altLang="en-US" sz="2000" dirty="0" smtClean="0">
@@ -11841,8 +11836,8 @@
         </p:blipFill>
         <p:spPr>
           <a:xfrm>
-            <a:off x="7361811" y="2123032"/>
-            <a:ext cx="1242637" cy="1253555"/>
+            <a:off x="5991507" y="2052447"/>
+            <a:ext cx="1018756" cy="1027707"/>
           </a:xfrm>
           <a:prstGeom prst="rect">
             <a:avLst/>
@@ -11857,8 +11852,8 @@
         </p:nvSpPr>
         <p:spPr>
           <a:xfrm>
-            <a:off x="7253798" y="3460207"/>
-            <a:ext cx="1458661" cy="369332"/>
+            <a:off x="5780805" y="3149011"/>
+            <a:ext cx="1440160" cy="369332"/>
           </a:xfrm>
           <a:prstGeom prst="rect">
             <a:avLst/>
@@ -11873,7 +11868,7 @@
           <a:p>
             <a:pPr algn="ctr"/>
             <a:r>
-              <a:rPr lang="ko-KR" altLang="en-US" smtClean="0">
+              <a:rPr lang="ko-KR" altLang="en-US" dirty="0" smtClean="0">
                 <a:latin typeface="다음_Regular" panose="02000603060000000000" pitchFamily="2" charset="-127"/>
                 <a:ea typeface="다음_Regular" panose="02000603060000000000" pitchFamily="2" charset="-127"/>
               </a:rPr>
@@ -11901,8 +11896,8 @@
         </p:nvSpPr>
         <p:spPr>
           <a:xfrm>
-            <a:off x="1579603" y="2421555"/>
-            <a:ext cx="1368152" cy="672173"/>
+            <a:off x="1381690" y="2292927"/>
+            <a:ext cx="971745" cy="546751"/>
           </a:xfrm>
           <a:prstGeom prst="rightArrow">
             <a:avLst/>
@@ -11949,8 +11944,8 @@
         </p:nvSpPr>
         <p:spPr>
           <a:xfrm>
-            <a:off x="3952809" y="2421555"/>
-            <a:ext cx="1368152" cy="672173"/>
+            <a:off x="3315612" y="2292927"/>
+            <a:ext cx="971745" cy="546751"/>
           </a:xfrm>
           <a:prstGeom prst="rightArrow">
             <a:avLst/>
@@ -11997,8 +11992,8 @@
         </p:nvSpPr>
         <p:spPr>
           <a:xfrm>
-            <a:off x="6309944" y="2421555"/>
-            <a:ext cx="1368152" cy="672173"/>
+            <a:off x="5136737" y="2292926"/>
+            <a:ext cx="971745" cy="546751"/>
           </a:xfrm>
           <a:prstGeom prst="rightArrow">
             <a:avLst/>
@@ -12034,6 +12029,132 @@
           <a:p>
             <a:pPr algn="ctr"/>
             <a:endParaRPr lang="ko-KR" altLang="en-US"/>
+          </a:p>
+        </p:txBody>
+      </p:sp>
+      <p:pic>
+        <p:nvPicPr>
+          <p:cNvPr id="20" name="Picture 2" descr="내컴퓨터에 대한 이미지 검색결과"/>
+          <p:cNvPicPr>
+            <a:picLocks noChangeAspect="1" noChangeArrowheads="1"/>
+          </p:cNvPicPr>
+          <p:nvPr/>
+        </p:nvPicPr>
+        <p:blipFill>
+          <a:blip r:embed="rId2">
+            <a:extLst>
+              <a:ext uri="{28A0092B-C50C-407E-A947-70E740481C1C}">
+                <a14:useLocalDpi xmlns:a14="http://schemas.microsoft.com/office/drawing/2010/main" val="0"/>
+              </a:ext>
+            </a:extLst>
+          </a:blip>
+          <a:srcRect/>
+          <a:stretch>
+            <a:fillRect/>
+          </a:stretch>
+        </p:blipFill>
+        <p:spPr bwMode="auto">
+          <a:xfrm>
+            <a:off x="415758" y="2034898"/>
+            <a:ext cx="1062803" cy="1062803"/>
+          </a:xfrm>
+          <a:prstGeom prst="rect">
+            <a:avLst/>
+          </a:prstGeom>
+          <a:noFill/>
+          <a:extLst>
+            <a:ext uri="{909E8E84-426E-40DD-AFC4-6F175D3DCCD1}">
+              <a14:hiddenFill xmlns:a14="http://schemas.microsoft.com/office/drawing/2010/main">
+                <a:solidFill>
+                  <a:srgbClr val="FFFFFF"/>
+                </a:solidFill>
+              </a14:hiddenFill>
+            </a:ext>
+          </a:extLst>
+        </p:spPr>
+      </p:pic>
+      <p:sp>
+        <p:nvSpPr>
+          <p:cNvPr id="21" name="오른쪽 화살표 20"/>
+          <p:cNvSpPr/>
+          <p:nvPr/>
+        </p:nvSpPr>
+        <p:spPr>
+          <a:xfrm>
+            <a:off x="6996551" y="2292926"/>
+            <a:ext cx="971745" cy="546751"/>
+          </a:xfrm>
+          <a:prstGeom prst="rightArrow">
+            <a:avLst/>
+          </a:prstGeom>
+          <a:solidFill>
+            <a:schemeClr val="accent2"/>
+          </a:solidFill>
+          <a:ln>
+            <a:solidFill>
+              <a:schemeClr val="accent2"/>
+            </a:solidFill>
+          </a:ln>
+        </p:spPr>
+        <p:style>
+          <a:lnRef idx="2">
+            <a:schemeClr val="accent1">
+              <a:shade val="50000"/>
+            </a:schemeClr>
+          </a:lnRef>
+          <a:fillRef idx="1">
+            <a:schemeClr val="accent1"/>
+          </a:fillRef>
+          <a:effectRef idx="0">
+            <a:schemeClr val="accent1"/>
+          </a:effectRef>
+          <a:fontRef idx="minor">
+            <a:schemeClr val="lt1"/>
+          </a:fontRef>
+        </p:style>
+        <p:txBody>
+          <a:bodyPr rtlCol="0" anchor="ctr"/>
+          <a:lstStyle/>
+          <a:p>
+            <a:pPr algn="ctr"/>
+            <a:endParaRPr lang="ko-KR" altLang="en-US"/>
+          </a:p>
+        </p:txBody>
+      </p:sp>
+      <p:sp>
+        <p:nvSpPr>
+          <p:cNvPr id="22" name="TextBox 21"/>
+          <p:cNvSpPr txBox="1"/>
+          <p:nvPr/>
+        </p:nvSpPr>
+        <p:spPr>
+          <a:xfrm>
+            <a:off x="7645627" y="3138462"/>
+            <a:ext cx="1440160" cy="369332"/>
+          </a:xfrm>
+          <a:prstGeom prst="rect">
+            <a:avLst/>
+          </a:prstGeom>
+          <a:noFill/>
+        </p:spPr>
+        <p:txBody>
+          <a:bodyPr wrap="square" rtlCol="0">
+            <a:spAutoFit/>
+          </a:bodyPr>
+          <a:lstStyle/>
+          <a:p>
+            <a:pPr algn="ctr"/>
+            <a:r>
+              <a:rPr lang="ko-KR" altLang="en-US" dirty="0" smtClean="0">
+                <a:latin typeface="다음_Regular" panose="02000603060000000000" pitchFamily="2" charset="-127"/>
+                <a:ea typeface="다음_Regular" panose="02000603060000000000" pitchFamily="2" charset="-127"/>
+              </a:rPr>
+              <a:t>팀원 컴퓨터</a:t>
+            </a:r>
+            <a:endParaRPr lang="ko-KR" altLang="en-US" dirty="0">
+              <a:latin typeface="다음_Regular" panose="02000603060000000000" pitchFamily="2" charset="-127"/>
+              <a:ea typeface="다음_Regular" panose="02000603060000000000" pitchFamily="2" charset="-127"/>
+            </a:endParaRPr>
           </a:p>
         </p:txBody>
       </p:sp>
@@ -12190,6 +12311,51 @@
                       </p:childTnLst>
                     </p:cTn>
                   </p:par>
+                  <p:par>
+                    <p:cTn id="15" fill="hold">
+                      <p:stCondLst>
+                        <p:cond delay="indefinite"/>
+                      </p:stCondLst>
+                      <p:childTnLst>
+                        <p:par>
+                          <p:cTn id="16" fill="hold">
+                            <p:stCondLst>
+                              <p:cond delay="0"/>
+                            </p:stCondLst>
+                            <p:childTnLst>
+                              <p:par>
+                                <p:cTn id="17" presetID="1" presetClass="entr" presetSubtype="0" fill="hold" grpId="0" nodeType="clickEffect">
+                                  <p:stCondLst>
+                                    <p:cond delay="0"/>
+                                  </p:stCondLst>
+                                  <p:childTnLst>
+                                    <p:set>
+                                      <p:cBhvr>
+                                        <p:cTn id="18" dur="1" fill="hold">
+                                          <p:stCondLst>
+                                            <p:cond delay="0"/>
+                                          </p:stCondLst>
+                                        </p:cTn>
+                                        <p:tgtEl>
+                                          <p:spTgt spid="21"/>
+                                        </p:tgtEl>
+                                        <p:attrNameLst>
+                                          <p:attrName>style.visibility</p:attrName>
+                                        </p:attrNameLst>
+                                      </p:cBhvr>
+                                      <p:to>
+                                        <p:strVal val="visible"/>
+                                      </p:to>
+                                    </p:set>
+                                  </p:childTnLst>
+                                </p:cTn>
+                              </p:par>
+                            </p:childTnLst>
+                          </p:cTn>
+                        </p:par>
+                      </p:childTnLst>
+                    </p:cTn>
+                  </p:par>
                 </p:childTnLst>
               </p:cTn>
               <p:prevCondLst>
@@ -12215,6 +12381,7 @@
       <p:bldP spid="4" grpId="0" animBg="1"/>
       <p:bldP spid="18" grpId="0" animBg="1"/>
       <p:bldP spid="19" grpId="0" animBg="1"/>
+      <p:bldP spid="21" grpId="0" animBg="1"/>
     </p:bldLst>
   </p:timing>
 </p:sld>
@@ -12362,7 +12529,7 @@
                 <a:latin typeface="나눔바른고딕" pitchFamily="50" charset="-127"/>
                 <a:ea typeface="나눔바른고딕" pitchFamily="50" charset="-127"/>
               </a:rPr>
-              <a:t> 변경된 방법의 장단점</a:t>
+              <a:t> 변경된 방법</a:t>
             </a:r>
             <a:endParaRPr lang="en-US" altLang="ko-KR" sz="1600" dirty="0" smtClean="0">
               <a:solidFill>
@@ -12485,156 +12652,6 @@
               </a:rPr>
               <a:t>pull, push</a:t>
             </a:r>
-            <a:br>
-              <a:rPr lang="en-US" altLang="ko-KR" sz="2000" dirty="0" smtClean="0">
-                <a:solidFill>
-                  <a:schemeClr val="accent3">
-                    <a:lumMod val="50000"/>
-                  </a:schemeClr>
-                </a:solidFill>
-                <a:latin typeface="다음_Regular" panose="02000603060000000000" pitchFamily="2" charset="-127"/>
-                <a:ea typeface="다음_Regular" panose="02000603060000000000" pitchFamily="2" charset="-127"/>
-              </a:rPr>
-            </a:br>
-            <a:endParaRPr lang="en-US" altLang="ko-KR" sz="2000" dirty="0" smtClean="0">
-              <a:solidFill>
-                <a:schemeClr val="accent3">
-                  <a:lumMod val="50000"/>
-                </a:schemeClr>
-              </a:solidFill>
-              <a:latin typeface="다음_Regular" panose="02000603060000000000" pitchFamily="2" charset="-127"/>
-              <a:ea typeface="다음_Regular" panose="02000603060000000000" pitchFamily="2" charset="-127"/>
-            </a:endParaRPr>
-          </a:p>
-          <a:p>
-            <a:r>
-              <a:rPr lang="ko-KR" altLang="en-US" sz="2000" dirty="0" smtClean="0">
-                <a:solidFill>
-                  <a:schemeClr val="accent6">
-                    <a:lumMod val="50000"/>
-                  </a:schemeClr>
-                </a:solidFill>
-                <a:latin typeface="다음_Regular" panose="02000603060000000000" pitchFamily="2" charset="-127"/>
-                <a:ea typeface="다음_Regular" panose="02000603060000000000" pitchFamily="2" charset="-127"/>
-              </a:rPr>
-              <a:t>단점 </a:t>
-            </a:r>
-            <a:r>
-              <a:rPr lang="en-US" altLang="ko-KR" sz="2000" dirty="0" smtClean="0">
-                <a:solidFill>
-                  <a:schemeClr val="accent6">
-                    <a:lumMod val="50000"/>
-                  </a:schemeClr>
-                </a:solidFill>
-                <a:latin typeface="다음_Regular" panose="02000603060000000000" pitchFamily="2" charset="-127"/>
-                <a:ea typeface="다음_Regular" panose="02000603060000000000" pitchFamily="2" charset="-127"/>
-              </a:rPr>
-              <a:t>: Master repo</a:t>
-            </a:r>
-            <a:r>
-              <a:rPr lang="ko-KR" altLang="en-US" sz="2000" dirty="0" smtClean="0">
-                <a:solidFill>
-                  <a:schemeClr val="accent6">
-                    <a:lumMod val="50000"/>
-                  </a:schemeClr>
-                </a:solidFill>
-                <a:latin typeface="다음_Regular" panose="02000603060000000000" pitchFamily="2" charset="-127"/>
-                <a:ea typeface="다음_Regular" panose="02000603060000000000" pitchFamily="2" charset="-127"/>
-              </a:rPr>
-              <a:t>에만 활동들 저장</a:t>
-            </a:r>
-            <a:r>
-              <a:rPr lang="en-US" altLang="ko-KR" sz="2000" dirty="0" smtClean="0">
-                <a:solidFill>
-                  <a:schemeClr val="accent6">
-                    <a:lumMod val="50000"/>
-                  </a:schemeClr>
-                </a:solidFill>
-                <a:latin typeface="다음_Regular" panose="02000603060000000000" pitchFamily="2" charset="-127"/>
-                <a:ea typeface="다음_Regular" panose="02000603060000000000" pitchFamily="2" charset="-127"/>
-              </a:rPr>
-              <a:t/>
-            </a:r>
-            <a:br>
-              <a:rPr lang="en-US" altLang="ko-KR" sz="2000" dirty="0" smtClean="0">
-                <a:solidFill>
-                  <a:schemeClr val="accent6">
-                    <a:lumMod val="50000"/>
-                  </a:schemeClr>
-                </a:solidFill>
-                <a:latin typeface="다음_Regular" panose="02000603060000000000" pitchFamily="2" charset="-127"/>
-                <a:ea typeface="다음_Regular" panose="02000603060000000000" pitchFamily="2" charset="-127"/>
-              </a:rPr>
-            </a:br>
-            <a:r>
-              <a:rPr lang="en-US" altLang="ko-KR" sz="2000" dirty="0" smtClean="0">
-                <a:solidFill>
-                  <a:schemeClr val="accent6">
-                    <a:lumMod val="50000"/>
-                  </a:schemeClr>
-                </a:solidFill>
-                <a:latin typeface="다음_Regular" panose="02000603060000000000" pitchFamily="2" charset="-127"/>
-                <a:ea typeface="다음_Regular" panose="02000603060000000000" pitchFamily="2" charset="-127"/>
-              </a:rPr>
-              <a:t>	  </a:t>
-            </a:r>
-            <a:r>
-              <a:rPr lang="ko-KR" altLang="en-US" sz="2000" dirty="0" smtClean="0">
-                <a:solidFill>
-                  <a:schemeClr val="accent6">
-                    <a:lumMod val="50000"/>
-                  </a:schemeClr>
-                </a:solidFill>
-                <a:latin typeface="다음_Regular" panose="02000603060000000000" pitchFamily="2" charset="-127"/>
-                <a:ea typeface="다음_Regular" panose="02000603060000000000" pitchFamily="2" charset="-127"/>
-              </a:rPr>
-              <a:t>내 </a:t>
-            </a:r>
-            <a:r>
-              <a:rPr lang="en-US" altLang="ko-KR" sz="2000" dirty="0" smtClean="0">
-                <a:solidFill>
-                  <a:schemeClr val="accent6">
-                    <a:lumMod val="50000"/>
-                  </a:schemeClr>
-                </a:solidFill>
-                <a:latin typeface="다음_Regular" panose="02000603060000000000" pitchFamily="2" charset="-127"/>
-                <a:ea typeface="다음_Regular" panose="02000603060000000000" pitchFamily="2" charset="-127"/>
-              </a:rPr>
-              <a:t>repo </a:t>
-            </a:r>
-            <a:r>
-              <a:rPr lang="ko-KR" altLang="en-US" sz="2000" dirty="0" smtClean="0">
-                <a:solidFill>
-                  <a:schemeClr val="accent6">
-                    <a:lumMod val="50000"/>
-                  </a:schemeClr>
-                </a:solidFill>
-                <a:latin typeface="다음_Regular" panose="02000603060000000000" pitchFamily="2" charset="-127"/>
-                <a:ea typeface="다음_Regular" panose="02000603060000000000" pitchFamily="2" charset="-127"/>
-              </a:rPr>
-              <a:t>에는 활동들 저장되지 않음</a:t>
-            </a:r>
-            <a:r>
-              <a:rPr lang="en-US" altLang="ko-KR" sz="2000" dirty="0" smtClean="0">
-                <a:solidFill>
-                  <a:schemeClr val="accent6">
-                    <a:lumMod val="50000"/>
-                  </a:schemeClr>
-                </a:solidFill>
-                <a:latin typeface="다음_Regular" panose="02000603060000000000" pitchFamily="2" charset="-127"/>
-                <a:ea typeface="다음_Regular" panose="02000603060000000000" pitchFamily="2" charset="-127"/>
-              </a:rPr>
-              <a:t>	  </a:t>
-            </a:r>
-            <a:endParaRPr lang="ko-KR" altLang="en-US" sz="2000" dirty="0">
-              <a:solidFill>
-                <a:schemeClr val="accent6">
-                  <a:lumMod val="50000"/>
-                </a:schemeClr>
-              </a:solidFill>
-              <a:latin typeface="다음_Regular" panose="02000603060000000000" pitchFamily="2" charset="-127"/>
-              <a:ea typeface="다음_Regular" panose="02000603060000000000" pitchFamily="2" charset="-127"/>
-            </a:endParaRPr>
           </a:p>
         </p:txBody>
       </p:sp>
@@ -12777,30 +12794,6 @@
           </a:p>
         </p:txBody>
       </p:sp>
-      <p:pic>
-        <p:nvPicPr>
-          <p:cNvPr id="25" name="그림 24"/>
-          <p:cNvPicPr>
-            <a:picLocks noChangeAspect="1"/>
-          </p:cNvPicPr>
-          <p:nvPr/>
-        </p:nvPicPr>
-        <p:blipFill>
-          <a:blip r:embed="rId4"/>
-          <a:stretch>
-            <a:fillRect/>
-          </a:stretch>
-        </p:blipFill>
-        <p:spPr>
-          <a:xfrm>
-            <a:off x="7016711" y="1805173"/>
-            <a:ext cx="1479726" cy="1492727"/>
-          </a:xfrm>
-          <a:prstGeom prst="rect">
-            <a:avLst/>
-          </a:prstGeom>
-        </p:spPr>
-      </p:pic>
       <p:sp>
         <p:nvSpPr>
           <p:cNvPr id="26" name="TextBox 25"/>
@@ -12809,7 +12802,7 @@
         </p:nvSpPr>
         <p:spPr>
           <a:xfrm>
-            <a:off x="6867482" y="3320768"/>
+            <a:off x="7094128" y="3331391"/>
             <a:ext cx="1736966" cy="369332"/>
           </a:xfrm>
           <a:prstGeom prst="rect">
@@ -12825,18 +12818,11 @@
           <a:p>
             <a:pPr algn="ctr"/>
             <a:r>
-              <a:rPr lang="ko-KR" altLang="en-US" smtClean="0">
+              <a:rPr lang="ko-KR" altLang="en-US" dirty="0" smtClean="0">
                 <a:latin typeface="다음_Regular" panose="02000603060000000000" pitchFamily="2" charset="-127"/>
                 <a:ea typeface="다음_Regular" panose="02000603060000000000" pitchFamily="2" charset="-127"/>
               </a:rPr>
-              <a:t>팀원 </a:t>
-            </a:r>
-            <a:r>
-              <a:rPr lang="en-US" altLang="ko-KR" dirty="0" smtClean="0">
-                <a:latin typeface="다음_Regular" panose="02000603060000000000" pitchFamily="2" charset="-127"/>
-                <a:ea typeface="다음_Regular" panose="02000603060000000000" pitchFamily="2" charset="-127"/>
-              </a:rPr>
-              <a:t>repo</a:t>
+              <a:t>팀원 컴퓨터</a:t>
             </a:r>
             <a:endParaRPr lang="ko-KR" altLang="en-US" dirty="0">
               <a:latin typeface="다음_Regular" panose="02000603060000000000" pitchFamily="2" charset="-127"/>
@@ -12896,6 +12882,47 @@
           </a:p>
         </p:txBody>
       </p:sp>
+      <p:pic>
+        <p:nvPicPr>
+          <p:cNvPr id="28" name="Picture 2" descr="내컴퓨터에 대한 이미지 검색결과"/>
+          <p:cNvPicPr>
+            <a:picLocks noChangeAspect="1" noChangeArrowheads="1"/>
+          </p:cNvPicPr>
+          <p:nvPr/>
+        </p:nvPicPr>
+        <p:blipFill>
+          <a:blip r:embed="rId2">
+            <a:extLst>
+              <a:ext uri="{28A0092B-C50C-407E-A947-70E740481C1C}">
+                <a14:useLocalDpi xmlns:a14="http://schemas.microsoft.com/office/drawing/2010/main" val="0"/>
+              </a:ext>
+            </a:extLst>
+          </a:blip>
+          <a:srcRect/>
+          <a:stretch>
+            <a:fillRect/>
+          </a:stretch>
+        </p:blipFill>
+        <p:spPr bwMode="auto">
+          <a:xfrm>
+            <a:off x="7124722" y="1700808"/>
+            <a:ext cx="1675779" cy="1675779"/>
+          </a:xfrm>
+          <a:prstGeom prst="rect">
+            <a:avLst/>
+          </a:prstGeom>
+          <a:noFill/>
+          <a:extLst>
+            <a:ext uri="{909E8E84-426E-40DD-AFC4-6F175D3DCCD1}">
+              <a14:hiddenFill xmlns:a14="http://schemas.microsoft.com/office/drawing/2010/main">
+                <a:solidFill>
+                  <a:srgbClr val="FFFFFF"/>
+                </a:solidFill>
+              </a14:hiddenFill>
+            </a:ext>
+          </a:extLst>
+        </p:spPr>
+      </p:pic>
       <p:sp>
         <p:nvSpPr>
           <p:cNvPr id="27" name="오른쪽 화살표 26"/>

--- a/ppt.pptx
+++ b/ppt.pptx
@@ -5,57 +5,59 @@
     <p:sldMasterId id="2147483648" r:id="rId1"/>
   </p:sldMasterIdLst>
   <p:notesMasterIdLst>
-    <p:notesMasterId r:id="rId18"/>
+    <p:notesMasterId r:id="rId20"/>
   </p:notesMasterIdLst>
   <p:sldIdLst>
     <p:sldId id="256" r:id="rId2"/>
     <p:sldId id="261" r:id="rId3"/>
-    <p:sldId id="268" r:id="rId4"/>
-    <p:sldId id="260" r:id="rId5"/>
-    <p:sldId id="262" r:id="rId6"/>
-    <p:sldId id="263" r:id="rId7"/>
-    <p:sldId id="269" r:id="rId8"/>
-    <p:sldId id="280" r:id="rId9"/>
-    <p:sldId id="281" r:id="rId10"/>
-    <p:sldId id="270" r:id="rId11"/>
-    <p:sldId id="259" r:id="rId12"/>
-    <p:sldId id="271" r:id="rId13"/>
-    <p:sldId id="273" r:id="rId14"/>
-    <p:sldId id="274" r:id="rId15"/>
-    <p:sldId id="275" r:id="rId16"/>
-    <p:sldId id="258" r:id="rId17"/>
+    <p:sldId id="259" r:id="rId4"/>
+    <p:sldId id="268" r:id="rId5"/>
+    <p:sldId id="260" r:id="rId6"/>
+    <p:sldId id="262" r:id="rId7"/>
+    <p:sldId id="263" r:id="rId8"/>
+    <p:sldId id="269" r:id="rId9"/>
+    <p:sldId id="280" r:id="rId10"/>
+    <p:sldId id="281" r:id="rId11"/>
+    <p:sldId id="270" r:id="rId12"/>
+    <p:sldId id="282" r:id="rId13"/>
+    <p:sldId id="271" r:id="rId14"/>
+    <p:sldId id="273" r:id="rId15"/>
+    <p:sldId id="274" r:id="rId16"/>
+    <p:sldId id="275" r:id="rId17"/>
+    <p:sldId id="258" r:id="rId18"/>
+    <p:sldId id="283" r:id="rId19"/>
   </p:sldIdLst>
   <p:sldSz cx="9144000" cy="6858000" type="screen4x3"/>
   <p:notesSz cx="6858000" cy="9144000"/>
   <p:embeddedFontLst>
     <p:embeddedFont>
       <p:font typeface="나눔고딕 ExtraBold" panose="020D0904000000000000" charset="-127"/>
-      <p:bold r:id="rId19"/>
+      <p:bold r:id="rId21"/>
     </p:embeddedFont>
     <p:embeddedFont>
       <p:font typeface="Verdana" panose="020B0604030504040204" pitchFamily="34" charset="0"/>
-      <p:regular r:id="rId20"/>
-      <p:bold r:id="rId21"/>
-      <p:italic r:id="rId22"/>
-      <p:boldItalic r:id="rId23"/>
+      <p:regular r:id="rId22"/>
+      <p:bold r:id="rId23"/>
+      <p:italic r:id="rId24"/>
+      <p:boldItalic r:id="rId25"/>
     </p:embeddedFont>
     <p:embeddedFont>
       <p:font typeface="다음_SemiBold" panose="02000700060000000000" pitchFamily="2" charset="-127"/>
-      <p:regular r:id="rId24"/>
+      <p:regular r:id="rId26"/>
     </p:embeddedFont>
     <p:embeddedFont>
       <p:font typeface="나눔바른고딕" panose="020B0603020101020101" pitchFamily="50" charset="-127"/>
-      <p:regular r:id="rId25"/>
-      <p:bold r:id="rId26"/>
+      <p:regular r:id="rId27"/>
+      <p:bold r:id="rId28"/>
     </p:embeddedFont>
     <p:embeddedFont>
       <p:font typeface="다음_Regular" panose="02000603060000000000" pitchFamily="2" charset="-127"/>
-      <p:regular r:id="rId27"/>
+      <p:regular r:id="rId29"/>
     </p:embeddedFont>
     <p:embeddedFont>
       <p:font typeface="맑은 고딕" panose="020B0503020000020004" pitchFamily="50" charset="-127"/>
-      <p:regular r:id="rId28"/>
-      <p:bold r:id="rId29"/>
+      <p:regular r:id="rId30"/>
+      <p:bold r:id="rId31"/>
     </p:embeddedFont>
   </p:embeddedFontLst>
   <p:defaultTextStyle>
@@ -3972,6 +3974,730 @@
       </p:grpSpPr>
       <p:sp>
         <p:nvSpPr>
+          <p:cNvPr id="5" name="TextBox 25"/>
+          <p:cNvSpPr txBox="1">
+            <a:spLocks noChangeArrowheads="1"/>
+          </p:cNvSpPr>
+          <p:nvPr/>
+        </p:nvSpPr>
+        <p:spPr bwMode="auto">
+          <a:xfrm>
+            <a:off x="323528" y="603121"/>
+            <a:ext cx="5184576" cy="523220"/>
+          </a:xfrm>
+          <a:prstGeom prst="rect">
+            <a:avLst/>
+          </a:prstGeom>
+          <a:noFill/>
+          <a:ln w="9525">
+            <a:noFill/>
+            <a:miter lim="800000"/>
+            <a:headEnd/>
+            <a:tailEnd/>
+          </a:ln>
+        </p:spPr>
+        <p:txBody>
+          <a:bodyPr wrap="square">
+            <a:spAutoFit/>
+          </a:bodyPr>
+          <a:lstStyle/>
+          <a:p>
+            <a:pPr lvl="0"/>
+            <a:r>
+              <a:rPr lang="en-US" altLang="ko-KR" sz="2800" dirty="0" err="1" smtClean="0">
+                <a:solidFill>
+                  <a:prstClr val="black">
+                    <a:lumMod val="65000"/>
+                    <a:lumOff val="35000"/>
+                  </a:prstClr>
+                </a:solidFill>
+                <a:latin typeface="다음_SemiBold" pitchFamily="2" charset="-127"/>
+                <a:ea typeface="다음_SemiBold" pitchFamily="2" charset="-127"/>
+              </a:rPr>
+              <a:t>Git</a:t>
+            </a:r>
+            <a:r>
+              <a:rPr lang="en-US" altLang="ko-KR" sz="2800" dirty="0" smtClean="0">
+                <a:solidFill>
+                  <a:prstClr val="black">
+                    <a:lumMod val="65000"/>
+                    <a:lumOff val="35000"/>
+                  </a:prstClr>
+                </a:solidFill>
+                <a:latin typeface="다음_SemiBold" pitchFamily="2" charset="-127"/>
+                <a:ea typeface="다음_SemiBold" pitchFamily="2" charset="-127"/>
+              </a:rPr>
+              <a:t> </a:t>
+            </a:r>
+            <a:r>
+              <a:rPr lang="ko-KR" altLang="en-US" sz="2800" dirty="0" smtClean="0">
+                <a:solidFill>
+                  <a:prstClr val="black">
+                    <a:lumMod val="65000"/>
+                    <a:lumOff val="35000"/>
+                  </a:prstClr>
+                </a:solidFill>
+                <a:latin typeface="다음_SemiBold" pitchFamily="2" charset="-127"/>
+                <a:ea typeface="다음_SemiBold" pitchFamily="2" charset="-127"/>
+              </a:rPr>
+              <a:t>사용</a:t>
+            </a:r>
+            <a:endParaRPr lang="en-US" altLang="ko-KR" sz="2800" dirty="0" smtClean="0">
+              <a:solidFill>
+                <a:prstClr val="black">
+                  <a:lumMod val="65000"/>
+                  <a:lumOff val="35000"/>
+                </a:prstClr>
+              </a:solidFill>
+              <a:latin typeface="다음_SemiBold" pitchFamily="2" charset="-127"/>
+              <a:ea typeface="다음_SemiBold" pitchFamily="2" charset="-127"/>
+            </a:endParaRPr>
+          </a:p>
+        </p:txBody>
+      </p:sp>
+      <p:sp>
+        <p:nvSpPr>
+          <p:cNvPr id="6" name="TextBox 25"/>
+          <p:cNvSpPr txBox="1">
+            <a:spLocks noChangeArrowheads="1"/>
+          </p:cNvSpPr>
+          <p:nvPr/>
+        </p:nvSpPr>
+        <p:spPr bwMode="auto">
+          <a:xfrm>
+            <a:off x="323528" y="1195735"/>
+            <a:ext cx="5184576" cy="338554"/>
+          </a:xfrm>
+          <a:prstGeom prst="rect">
+            <a:avLst/>
+          </a:prstGeom>
+          <a:noFill/>
+          <a:ln w="9525">
+            <a:noFill/>
+            <a:miter lim="800000"/>
+            <a:headEnd/>
+            <a:tailEnd/>
+          </a:ln>
+        </p:spPr>
+        <p:txBody>
+          <a:bodyPr wrap="square">
+            <a:spAutoFit/>
+          </a:bodyPr>
+          <a:lstStyle/>
+          <a:p>
+            <a:pPr lvl="0"/>
+            <a:r>
+              <a:rPr lang="ko-KR" altLang="en-US" sz="1600" dirty="0" smtClean="0">
+                <a:solidFill>
+                  <a:prstClr val="black">
+                    <a:lumMod val="65000"/>
+                    <a:lumOff val="35000"/>
+                  </a:prstClr>
+                </a:solidFill>
+                <a:latin typeface="나눔바른고딕" pitchFamily="50" charset="-127"/>
+                <a:ea typeface="나눔바른고딕" pitchFamily="50" charset="-127"/>
+              </a:rPr>
+              <a:t> 변경된 방법</a:t>
+            </a:r>
+            <a:endParaRPr lang="en-US" altLang="ko-KR" sz="1600" dirty="0" smtClean="0">
+              <a:solidFill>
+                <a:prstClr val="black">
+                  <a:lumMod val="65000"/>
+                  <a:lumOff val="35000"/>
+                </a:prstClr>
+              </a:solidFill>
+              <a:latin typeface="나눔바른고딕" pitchFamily="50" charset="-127"/>
+              <a:ea typeface="나눔바른고딕" pitchFamily="50" charset="-127"/>
+            </a:endParaRPr>
+          </a:p>
+        </p:txBody>
+      </p:sp>
+      <p:cxnSp>
+        <p:nvCxnSpPr>
+          <p:cNvPr id="7" name="직선 연결선 6"/>
+          <p:cNvCxnSpPr/>
+          <p:nvPr/>
+        </p:nvCxnSpPr>
+        <p:spPr>
+          <a:xfrm>
+            <a:off x="428355" y="475655"/>
+            <a:ext cx="327221" cy="0"/>
+          </a:xfrm>
+          <a:prstGeom prst="line">
+            <a:avLst/>
+          </a:prstGeom>
+          <a:ln w="76200">
+            <a:solidFill>
+              <a:schemeClr val="tx1">
+                <a:lumMod val="65000"/>
+                <a:lumOff val="35000"/>
+              </a:schemeClr>
+            </a:solidFill>
+          </a:ln>
+        </p:spPr>
+        <p:style>
+          <a:lnRef idx="1">
+            <a:schemeClr val="accent1"/>
+          </a:lnRef>
+          <a:fillRef idx="0">
+            <a:schemeClr val="accent1"/>
+          </a:fillRef>
+          <a:effectRef idx="0">
+            <a:schemeClr val="accent1"/>
+          </a:effectRef>
+          <a:fontRef idx="minor">
+            <a:schemeClr val="tx1"/>
+          </a:fontRef>
+        </p:style>
+      </p:cxnSp>
+      <p:sp>
+        <p:nvSpPr>
+          <p:cNvPr id="15" name="내용 개체 틀 14"/>
+          <p:cNvSpPr>
+            <a:spLocks noGrp="1"/>
+          </p:cNvSpPr>
+          <p:nvPr>
+            <p:ph idx="1"/>
+          </p:nvPr>
+        </p:nvSpPr>
+        <p:spPr>
+          <a:xfrm>
+            <a:off x="428355" y="4263853"/>
+            <a:ext cx="8229600" cy="2193107"/>
+          </a:xfrm>
+        </p:spPr>
+        <p:txBody>
+          <a:bodyPr>
+            <a:normAutofit/>
+          </a:bodyPr>
+          <a:lstStyle/>
+          <a:p>
+            <a:r>
+              <a:rPr lang="ko-KR" altLang="en-US" sz="2000" dirty="0" smtClean="0">
+                <a:solidFill>
+                  <a:schemeClr val="accent3">
+                    <a:lumMod val="50000"/>
+                  </a:schemeClr>
+                </a:solidFill>
+                <a:latin typeface="다음_Regular" panose="02000603060000000000" pitchFamily="2" charset="-127"/>
+                <a:ea typeface="다음_Regular" panose="02000603060000000000" pitchFamily="2" charset="-127"/>
+              </a:rPr>
+              <a:t>장점 </a:t>
+            </a:r>
+            <a:r>
+              <a:rPr lang="en-US" altLang="ko-KR" sz="2000" dirty="0" smtClean="0">
+                <a:solidFill>
+                  <a:schemeClr val="accent3">
+                    <a:lumMod val="50000"/>
+                  </a:schemeClr>
+                </a:solidFill>
+                <a:latin typeface="다음_Regular" panose="02000603060000000000" pitchFamily="2" charset="-127"/>
+                <a:ea typeface="다음_Regular" panose="02000603060000000000" pitchFamily="2" charset="-127"/>
+              </a:rPr>
+              <a:t>: Master repo</a:t>
+            </a:r>
+            <a:r>
+              <a:rPr lang="ko-KR" altLang="en-US" sz="2000" dirty="0" smtClean="0">
+                <a:solidFill>
+                  <a:schemeClr val="accent3">
+                    <a:lumMod val="50000"/>
+                  </a:schemeClr>
+                </a:solidFill>
+                <a:latin typeface="다음_Regular" panose="02000603060000000000" pitchFamily="2" charset="-127"/>
+                <a:ea typeface="다음_Regular" panose="02000603060000000000" pitchFamily="2" charset="-127"/>
+              </a:rPr>
+              <a:t>에서 바로 </a:t>
+            </a:r>
+            <a:r>
+              <a:rPr lang="en-US" altLang="ko-KR" sz="2000" dirty="0" smtClean="0">
+                <a:solidFill>
+                  <a:schemeClr val="accent3">
+                    <a:lumMod val="50000"/>
+                  </a:schemeClr>
+                </a:solidFill>
+                <a:latin typeface="다음_Regular" panose="02000603060000000000" pitchFamily="2" charset="-127"/>
+                <a:ea typeface="다음_Regular" panose="02000603060000000000" pitchFamily="2" charset="-127"/>
+              </a:rPr>
+              <a:t>pull, push</a:t>
+            </a:r>
+          </a:p>
+        </p:txBody>
+      </p:sp>
+      <p:pic>
+        <p:nvPicPr>
+          <p:cNvPr id="17" name="Picture 2" descr="내컴퓨터에 대한 이미지 검색결과"/>
+          <p:cNvPicPr>
+            <a:picLocks noChangeAspect="1" noChangeArrowheads="1"/>
+          </p:cNvPicPr>
+          <p:nvPr/>
+        </p:nvPicPr>
+        <p:blipFill>
+          <a:blip r:embed="rId2">
+            <a:extLst>
+              <a:ext uri="{28A0092B-C50C-407E-A947-70E740481C1C}">
+                <a14:useLocalDpi xmlns:a14="http://schemas.microsoft.com/office/drawing/2010/main" val="0"/>
+              </a:ext>
+            </a:extLst>
+          </a:blip>
+          <a:srcRect/>
+          <a:stretch>
+            <a:fillRect/>
+          </a:stretch>
+        </p:blipFill>
+        <p:spPr bwMode="auto">
+          <a:xfrm>
+            <a:off x="591965" y="1700808"/>
+            <a:ext cx="1675779" cy="1675779"/>
+          </a:xfrm>
+          <a:prstGeom prst="rect">
+            <a:avLst/>
+          </a:prstGeom>
+          <a:noFill/>
+          <a:extLst>
+            <a:ext uri="{909E8E84-426E-40DD-AFC4-6F175D3DCCD1}">
+              <a14:hiddenFill xmlns:a14="http://schemas.microsoft.com/office/drawing/2010/main">
+                <a:solidFill>
+                  <a:srgbClr val="FFFFFF"/>
+                </a:solidFill>
+              </a14:hiddenFill>
+            </a:ext>
+          </a:extLst>
+        </p:spPr>
+      </p:pic>
+      <p:pic>
+        <p:nvPicPr>
+          <p:cNvPr id="21" name="그림 20"/>
+          <p:cNvPicPr>
+            <a:picLocks noChangeAspect="1"/>
+          </p:cNvPicPr>
+          <p:nvPr/>
+        </p:nvPicPr>
+        <p:blipFill>
+          <a:blip r:embed="rId3"/>
+          <a:stretch>
+            <a:fillRect/>
+          </a:stretch>
+        </p:blipFill>
+        <p:spPr>
+          <a:xfrm>
+            <a:off x="3884362" y="1771637"/>
+            <a:ext cx="1540080" cy="1595412"/>
+          </a:xfrm>
+          <a:prstGeom prst="rect">
+            <a:avLst/>
+          </a:prstGeom>
+        </p:spPr>
+      </p:pic>
+      <p:sp>
+        <p:nvSpPr>
+          <p:cNvPr id="22" name="TextBox 21"/>
+          <p:cNvSpPr txBox="1"/>
+          <p:nvPr/>
+        </p:nvSpPr>
+        <p:spPr>
+          <a:xfrm>
+            <a:off x="411944" y="3376587"/>
+            <a:ext cx="2035819" cy="369332"/>
+          </a:xfrm>
+          <a:prstGeom prst="rect">
+            <a:avLst/>
+          </a:prstGeom>
+          <a:noFill/>
+        </p:spPr>
+        <p:txBody>
+          <a:bodyPr wrap="square" rtlCol="0">
+            <a:spAutoFit/>
+          </a:bodyPr>
+          <a:lstStyle/>
+          <a:p>
+            <a:pPr algn="ctr"/>
+            <a:r>
+              <a:rPr lang="ko-KR" altLang="en-US" dirty="0" smtClean="0">
+                <a:latin typeface="다음_Regular" panose="02000603060000000000" pitchFamily="2" charset="-127"/>
+                <a:ea typeface="다음_Regular" panose="02000603060000000000" pitchFamily="2" charset="-127"/>
+              </a:rPr>
+              <a:t>내 컴퓨터</a:t>
+            </a:r>
+            <a:endParaRPr lang="ko-KR" altLang="en-US" dirty="0">
+              <a:latin typeface="다음_Regular" panose="02000603060000000000" pitchFamily="2" charset="-127"/>
+              <a:ea typeface="다음_Regular" panose="02000603060000000000" pitchFamily="2" charset="-127"/>
+            </a:endParaRPr>
+          </a:p>
+        </p:txBody>
+      </p:sp>
+      <p:sp>
+        <p:nvSpPr>
+          <p:cNvPr id="24" name="TextBox 23"/>
+          <p:cNvSpPr txBox="1"/>
+          <p:nvPr/>
+        </p:nvSpPr>
+        <p:spPr>
+          <a:xfrm>
+            <a:off x="3800699" y="3376587"/>
+            <a:ext cx="1707405" cy="369332"/>
+          </a:xfrm>
+          <a:prstGeom prst="rect">
+            <a:avLst/>
+          </a:prstGeom>
+          <a:noFill/>
+        </p:spPr>
+        <p:txBody>
+          <a:bodyPr wrap="square" rtlCol="0">
+            <a:spAutoFit/>
+          </a:bodyPr>
+          <a:lstStyle/>
+          <a:p>
+            <a:pPr algn="ctr"/>
+            <a:r>
+              <a:rPr lang="en-US" altLang="ko-KR" dirty="0" smtClean="0">
+                <a:latin typeface="다음_Regular" panose="02000603060000000000" pitchFamily="2" charset="-127"/>
+                <a:ea typeface="다음_Regular" panose="02000603060000000000" pitchFamily="2" charset="-127"/>
+              </a:rPr>
+              <a:t>Master repo</a:t>
+            </a:r>
+            <a:endParaRPr lang="ko-KR" altLang="en-US" dirty="0">
+              <a:latin typeface="다음_Regular" panose="02000603060000000000" pitchFamily="2" charset="-127"/>
+              <a:ea typeface="다음_Regular" panose="02000603060000000000" pitchFamily="2" charset="-127"/>
+            </a:endParaRPr>
+          </a:p>
+        </p:txBody>
+      </p:sp>
+      <p:sp>
+        <p:nvSpPr>
+          <p:cNvPr id="26" name="TextBox 25"/>
+          <p:cNvSpPr txBox="1"/>
+          <p:nvPr/>
+        </p:nvSpPr>
+        <p:spPr>
+          <a:xfrm>
+            <a:off x="7094128" y="3331391"/>
+            <a:ext cx="1736966" cy="369332"/>
+          </a:xfrm>
+          <a:prstGeom prst="rect">
+            <a:avLst/>
+          </a:prstGeom>
+          <a:noFill/>
+        </p:spPr>
+        <p:txBody>
+          <a:bodyPr wrap="square" rtlCol="0">
+            <a:spAutoFit/>
+          </a:bodyPr>
+          <a:lstStyle/>
+          <a:p>
+            <a:pPr algn="ctr"/>
+            <a:r>
+              <a:rPr lang="ko-KR" altLang="en-US" dirty="0" smtClean="0">
+                <a:latin typeface="다음_Regular" panose="02000603060000000000" pitchFamily="2" charset="-127"/>
+                <a:ea typeface="다음_Regular" panose="02000603060000000000" pitchFamily="2" charset="-127"/>
+              </a:rPr>
+              <a:t>팀원 컴퓨터</a:t>
+            </a:r>
+            <a:endParaRPr lang="ko-KR" altLang="en-US" dirty="0">
+              <a:latin typeface="다음_Regular" panose="02000603060000000000" pitchFamily="2" charset="-127"/>
+              <a:ea typeface="다음_Regular" panose="02000603060000000000" pitchFamily="2" charset="-127"/>
+            </a:endParaRPr>
+          </a:p>
+        </p:txBody>
+      </p:sp>
+      <p:sp>
+        <p:nvSpPr>
+          <p:cNvPr id="14" name="오른쪽 화살표 13"/>
+          <p:cNvSpPr/>
+          <p:nvPr/>
+        </p:nvSpPr>
+        <p:spPr>
+          <a:xfrm>
+            <a:off x="2051720" y="1988840"/>
+            <a:ext cx="2088232" cy="1080120"/>
+          </a:xfrm>
+          <a:prstGeom prst="rightArrow">
+            <a:avLst/>
+          </a:prstGeom>
+          <a:solidFill>
+            <a:schemeClr val="accent6"/>
+          </a:solidFill>
+          <a:ln>
+            <a:solidFill>
+              <a:schemeClr val="accent6">
+                <a:lumMod val="40000"/>
+                <a:lumOff val="60000"/>
+              </a:schemeClr>
+            </a:solidFill>
+          </a:ln>
+        </p:spPr>
+        <p:style>
+          <a:lnRef idx="2">
+            <a:schemeClr val="accent1">
+              <a:shade val="50000"/>
+            </a:schemeClr>
+          </a:lnRef>
+          <a:fillRef idx="1">
+            <a:schemeClr val="accent1"/>
+          </a:fillRef>
+          <a:effectRef idx="0">
+            <a:schemeClr val="accent1"/>
+          </a:effectRef>
+          <a:fontRef idx="minor">
+            <a:schemeClr val="lt1"/>
+          </a:fontRef>
+        </p:style>
+        <p:txBody>
+          <a:bodyPr rtlCol="0" anchor="ctr"/>
+          <a:lstStyle/>
+          <a:p>
+            <a:pPr algn="ctr"/>
+            <a:endParaRPr lang="ko-KR" altLang="en-US"/>
+          </a:p>
+        </p:txBody>
+      </p:sp>
+      <p:pic>
+        <p:nvPicPr>
+          <p:cNvPr id="28" name="Picture 2" descr="내컴퓨터에 대한 이미지 검색결과"/>
+          <p:cNvPicPr>
+            <a:picLocks noChangeAspect="1" noChangeArrowheads="1"/>
+          </p:cNvPicPr>
+          <p:nvPr/>
+        </p:nvPicPr>
+        <p:blipFill>
+          <a:blip r:embed="rId2">
+            <a:extLst>
+              <a:ext uri="{28A0092B-C50C-407E-A947-70E740481C1C}">
+                <a14:useLocalDpi xmlns:a14="http://schemas.microsoft.com/office/drawing/2010/main" val="0"/>
+              </a:ext>
+            </a:extLst>
+          </a:blip>
+          <a:srcRect/>
+          <a:stretch>
+            <a:fillRect/>
+          </a:stretch>
+        </p:blipFill>
+        <p:spPr bwMode="auto">
+          <a:xfrm>
+            <a:off x="7124722" y="1700808"/>
+            <a:ext cx="1675779" cy="1675779"/>
+          </a:xfrm>
+          <a:prstGeom prst="rect">
+            <a:avLst/>
+          </a:prstGeom>
+          <a:noFill/>
+          <a:extLst>
+            <a:ext uri="{909E8E84-426E-40DD-AFC4-6F175D3DCCD1}">
+              <a14:hiddenFill xmlns:a14="http://schemas.microsoft.com/office/drawing/2010/main">
+                <a:solidFill>
+                  <a:srgbClr val="FFFFFF"/>
+                </a:solidFill>
+              </a14:hiddenFill>
+            </a:ext>
+          </a:extLst>
+        </p:spPr>
+      </p:pic>
+      <p:sp>
+        <p:nvSpPr>
+          <p:cNvPr id="27" name="오른쪽 화살표 26"/>
+          <p:cNvSpPr/>
+          <p:nvPr/>
+        </p:nvSpPr>
+        <p:spPr>
+          <a:xfrm>
+            <a:off x="5364088" y="1988840"/>
+            <a:ext cx="2088232" cy="1080120"/>
+          </a:xfrm>
+          <a:prstGeom prst="rightArrow">
+            <a:avLst/>
+          </a:prstGeom>
+          <a:solidFill>
+            <a:schemeClr val="accent6"/>
+          </a:solidFill>
+          <a:ln>
+            <a:solidFill>
+              <a:schemeClr val="accent6">
+                <a:lumMod val="40000"/>
+                <a:lumOff val="60000"/>
+              </a:schemeClr>
+            </a:solidFill>
+          </a:ln>
+        </p:spPr>
+        <p:style>
+          <a:lnRef idx="2">
+            <a:schemeClr val="accent1">
+              <a:shade val="50000"/>
+            </a:schemeClr>
+          </a:lnRef>
+          <a:fillRef idx="1">
+            <a:schemeClr val="accent1"/>
+          </a:fillRef>
+          <a:effectRef idx="0">
+            <a:schemeClr val="accent1"/>
+          </a:effectRef>
+          <a:fontRef idx="minor">
+            <a:schemeClr val="lt1"/>
+          </a:fontRef>
+        </p:style>
+        <p:txBody>
+          <a:bodyPr rtlCol="0" anchor="ctr"/>
+          <a:lstStyle/>
+          <a:p>
+            <a:pPr algn="ctr"/>
+            <a:endParaRPr lang="ko-KR" altLang="en-US"/>
+          </a:p>
+        </p:txBody>
+      </p:sp>
+    </p:spTree>
+    <p:extLst>
+      <p:ext uri="{BB962C8B-B14F-4D97-AF65-F5344CB8AC3E}">
+        <p14:creationId xmlns:p14="http://schemas.microsoft.com/office/powerpoint/2010/main" val="4128973298"/>
+      </p:ext>
+    </p:extLst>
+  </p:cSld>
+  <p:clrMapOvr>
+    <a:masterClrMapping/>
+  </p:clrMapOvr>
+  <p:timing>
+    <p:tnLst>
+      <p:par>
+        <p:cTn id="1" dur="indefinite" restart="never" nodeType="tmRoot">
+          <p:childTnLst>
+            <p:seq concurrent="1" nextAc="seek">
+              <p:cTn id="2" dur="indefinite" nodeType="mainSeq">
+                <p:childTnLst>
+                  <p:par>
+                    <p:cTn id="3" fill="hold">
+                      <p:stCondLst>
+                        <p:cond delay="indefinite"/>
+                      </p:stCondLst>
+                      <p:childTnLst>
+                        <p:par>
+                          <p:cTn id="4" fill="hold">
+                            <p:stCondLst>
+                              <p:cond delay="0"/>
+                            </p:stCondLst>
+                            <p:childTnLst>
+                              <p:par>
+                                <p:cTn id="5" presetID="1" presetClass="entr" presetSubtype="0" fill="hold" grpId="0" nodeType="clickEffect">
+                                  <p:stCondLst>
+                                    <p:cond delay="0"/>
+                                  </p:stCondLst>
+                                  <p:childTnLst>
+                                    <p:set>
+                                      <p:cBhvr>
+                                        <p:cTn id="6" dur="1" fill="hold">
+                                          <p:stCondLst>
+                                            <p:cond delay="0"/>
+                                          </p:stCondLst>
+                                        </p:cTn>
+                                        <p:tgtEl>
+                                          <p:spTgt spid="14"/>
+                                        </p:tgtEl>
+                                        <p:attrNameLst>
+                                          <p:attrName>style.visibility</p:attrName>
+                                        </p:attrNameLst>
+                                      </p:cBhvr>
+                                      <p:to>
+                                        <p:strVal val="visible"/>
+                                      </p:to>
+                                    </p:set>
+                                  </p:childTnLst>
+                                </p:cTn>
+                              </p:par>
+                            </p:childTnLst>
+                          </p:cTn>
+                        </p:par>
+                      </p:childTnLst>
+                    </p:cTn>
+                  </p:par>
+                  <p:par>
+                    <p:cTn id="7" fill="hold">
+                      <p:stCondLst>
+                        <p:cond delay="indefinite"/>
+                      </p:stCondLst>
+                      <p:childTnLst>
+                        <p:par>
+                          <p:cTn id="8" fill="hold">
+                            <p:stCondLst>
+                              <p:cond delay="0"/>
+                            </p:stCondLst>
+                            <p:childTnLst>
+                              <p:par>
+                                <p:cTn id="9" presetID="1" presetClass="entr" presetSubtype="0" fill="hold" grpId="0" nodeType="clickEffect">
+                                  <p:stCondLst>
+                                    <p:cond delay="0"/>
+                                  </p:stCondLst>
+                                  <p:childTnLst>
+                                    <p:set>
+                                      <p:cBhvr>
+                                        <p:cTn id="10" dur="1" fill="hold">
+                                          <p:stCondLst>
+                                            <p:cond delay="0"/>
+                                          </p:stCondLst>
+                                        </p:cTn>
+                                        <p:tgtEl>
+                                          <p:spTgt spid="27"/>
+                                        </p:tgtEl>
+                                        <p:attrNameLst>
+                                          <p:attrName>style.visibility</p:attrName>
+                                        </p:attrNameLst>
+                                      </p:cBhvr>
+                                      <p:to>
+                                        <p:strVal val="visible"/>
+                                      </p:to>
+                                    </p:set>
+                                  </p:childTnLst>
+                                </p:cTn>
+                              </p:par>
+                            </p:childTnLst>
+                          </p:cTn>
+                        </p:par>
+                      </p:childTnLst>
+                    </p:cTn>
+                  </p:par>
+                </p:childTnLst>
+              </p:cTn>
+              <p:prevCondLst>
+                <p:cond evt="onPrev" delay="0">
+                  <p:tgtEl>
+                    <p:sldTgt/>
+                  </p:tgtEl>
+                </p:cond>
+              </p:prevCondLst>
+              <p:nextCondLst>
+                <p:cond evt="onNext" delay="0">
+                  <p:tgtEl>
+                    <p:sldTgt/>
+                  </p:tgtEl>
+                </p:cond>
+              </p:nextCondLst>
+            </p:seq>
+          </p:childTnLst>
+        </p:cTn>
+      </p:par>
+    </p:tnLst>
+    <p:bldLst>
+      <p:bldP spid="14" grpId="0" animBg="1"/>
+      <p:bldP spid="27" grpId="0" animBg="1"/>
+    </p:bldLst>
+  </p:timing>
+</p:sld>
+</file>
+
+<file path=ppt/slides/slide11.xml><?xml version="1.0" encoding="utf-8"?>
+<p:sld xmlns:a="http://schemas.openxmlformats.org/drawingml/2006/main" xmlns:r="http://schemas.openxmlformats.org/officeDocument/2006/relationships" xmlns:p="http://schemas.openxmlformats.org/presentationml/2006/main">
+  <p:cSld>
+    <p:spTree>
+      <p:nvGrpSpPr>
+        <p:cNvPr id="1" name=""/>
+        <p:cNvGrpSpPr/>
+        <p:nvPr/>
+      </p:nvGrpSpPr>
+      <p:grpSpPr>
+        <a:xfrm>
+          <a:off x="0" y="0"/>
+          <a:ext cx="0" cy="0"/>
+          <a:chOff x="0" y="0"/>
+          <a:chExt cx="0" cy="0"/>
+        </a:xfrm>
+      </p:grpSpPr>
+      <p:sp>
+        <p:nvSpPr>
           <p:cNvPr id="3" name="내용 개체 틀 2"/>
           <p:cNvSpPr>
             <a:spLocks noGrp="1"/>
@@ -4322,7 +5048,3953 @@
 </p:sld>
 </file>
 
-<file path=ppt/slides/slide11.xml><?xml version="1.0" encoding="utf-8"?>
+<file path=ppt/slides/slide12.xml><?xml version="1.0" encoding="utf-8"?>
+<p:sld xmlns:a="http://schemas.openxmlformats.org/drawingml/2006/main" xmlns:r="http://schemas.openxmlformats.org/officeDocument/2006/relationships" xmlns:p="http://schemas.openxmlformats.org/presentationml/2006/main">
+  <p:cSld>
+    <p:spTree>
+      <p:nvGrpSpPr>
+        <p:cNvPr id="1" name=""/>
+        <p:cNvGrpSpPr/>
+        <p:nvPr/>
+      </p:nvGrpSpPr>
+      <p:grpSpPr>
+        <a:xfrm>
+          <a:off x="0" y="0"/>
+          <a:ext cx="0" cy="0"/>
+          <a:chOff x="0" y="0"/>
+          <a:chExt cx="0" cy="0"/>
+        </a:xfrm>
+      </p:grpSpPr>
+      <p:pic>
+        <p:nvPicPr>
+          <p:cNvPr id="10" name="내용 개체 틀 9"/>
+          <p:cNvPicPr>
+            <a:picLocks noGrp="1" noChangeAspect="1"/>
+          </p:cNvPicPr>
+          <p:nvPr>
+            <p:ph idx="1"/>
+          </p:nvPr>
+        </p:nvPicPr>
+        <p:blipFill>
+          <a:blip r:embed="rId2"/>
+          <a:stretch>
+            <a:fillRect/>
+          </a:stretch>
+        </p:blipFill>
+        <p:spPr>
+          <a:xfrm>
+            <a:off x="323528" y="1916832"/>
+            <a:ext cx="8712177" cy="3240360"/>
+          </a:xfrm>
+          <a:prstGeom prst="rect">
+            <a:avLst/>
+          </a:prstGeom>
+        </p:spPr>
+      </p:pic>
+      <p:sp>
+        <p:nvSpPr>
+          <p:cNvPr id="4" name="TextBox 25"/>
+          <p:cNvSpPr txBox="1">
+            <a:spLocks noChangeArrowheads="1"/>
+          </p:cNvSpPr>
+          <p:nvPr/>
+        </p:nvSpPr>
+        <p:spPr bwMode="auto">
+          <a:xfrm>
+            <a:off x="323528" y="603121"/>
+            <a:ext cx="5184576" cy="523220"/>
+          </a:xfrm>
+          <a:prstGeom prst="rect">
+            <a:avLst/>
+          </a:prstGeom>
+          <a:noFill/>
+          <a:ln w="9525">
+            <a:noFill/>
+            <a:miter lim="800000"/>
+            <a:headEnd/>
+            <a:tailEnd/>
+          </a:ln>
+        </p:spPr>
+        <p:txBody>
+          <a:bodyPr wrap="square">
+            <a:spAutoFit/>
+          </a:bodyPr>
+          <a:lstStyle/>
+          <a:p>
+            <a:pPr lvl="0"/>
+            <a:r>
+              <a:rPr lang="en-US" altLang="ko-KR" sz="2800" dirty="0" err="1" smtClean="0">
+                <a:solidFill>
+                  <a:prstClr val="black">
+                    <a:lumMod val="65000"/>
+                    <a:lumOff val="35000"/>
+                  </a:prstClr>
+                </a:solidFill>
+                <a:latin typeface="다음_SemiBold" pitchFamily="2" charset="-127"/>
+                <a:ea typeface="다음_SemiBold" pitchFamily="2" charset="-127"/>
+              </a:rPr>
+              <a:t>Git</a:t>
+            </a:r>
+            <a:r>
+              <a:rPr lang="en-US" altLang="ko-KR" sz="2800" dirty="0" smtClean="0">
+                <a:solidFill>
+                  <a:prstClr val="black">
+                    <a:lumMod val="65000"/>
+                    <a:lumOff val="35000"/>
+                  </a:prstClr>
+                </a:solidFill>
+                <a:latin typeface="다음_SemiBold" pitchFamily="2" charset="-127"/>
+                <a:ea typeface="다음_SemiBold" pitchFamily="2" charset="-127"/>
+              </a:rPr>
+              <a:t> </a:t>
+            </a:r>
+            <a:r>
+              <a:rPr lang="ko-KR" altLang="en-US" sz="2800" dirty="0" smtClean="0">
+                <a:solidFill>
+                  <a:prstClr val="black">
+                    <a:lumMod val="65000"/>
+                    <a:lumOff val="35000"/>
+                  </a:prstClr>
+                </a:solidFill>
+                <a:latin typeface="다음_SemiBold" pitchFamily="2" charset="-127"/>
+                <a:ea typeface="다음_SemiBold" pitchFamily="2" charset="-127"/>
+              </a:rPr>
+              <a:t>사용</a:t>
+            </a:r>
+            <a:endParaRPr lang="en-US" altLang="ko-KR" sz="2800" dirty="0" smtClean="0">
+              <a:solidFill>
+                <a:prstClr val="black">
+                  <a:lumMod val="65000"/>
+                  <a:lumOff val="35000"/>
+                </a:prstClr>
+              </a:solidFill>
+              <a:latin typeface="다음_SemiBold" pitchFamily="2" charset="-127"/>
+              <a:ea typeface="다음_SemiBold" pitchFamily="2" charset="-127"/>
+            </a:endParaRPr>
+          </a:p>
+        </p:txBody>
+      </p:sp>
+      <p:sp>
+        <p:nvSpPr>
+          <p:cNvPr id="5" name="TextBox 25"/>
+          <p:cNvSpPr txBox="1">
+            <a:spLocks noChangeArrowheads="1"/>
+          </p:cNvSpPr>
+          <p:nvPr/>
+        </p:nvSpPr>
+        <p:spPr bwMode="auto">
+          <a:xfrm>
+            <a:off x="323528" y="1195735"/>
+            <a:ext cx="5184576" cy="338554"/>
+          </a:xfrm>
+          <a:prstGeom prst="rect">
+            <a:avLst/>
+          </a:prstGeom>
+          <a:noFill/>
+          <a:ln w="9525">
+            <a:noFill/>
+            <a:miter lim="800000"/>
+            <a:headEnd/>
+            <a:tailEnd/>
+          </a:ln>
+        </p:spPr>
+        <p:txBody>
+          <a:bodyPr wrap="square">
+            <a:spAutoFit/>
+          </a:bodyPr>
+          <a:lstStyle/>
+          <a:p>
+            <a:pPr lvl="0"/>
+            <a:r>
+              <a:rPr lang="ko-KR" altLang="en-US" sz="1600" dirty="0" smtClean="0">
+                <a:solidFill>
+                  <a:prstClr val="black">
+                    <a:lumMod val="65000"/>
+                    <a:lumOff val="35000"/>
+                  </a:prstClr>
+                </a:solidFill>
+                <a:latin typeface="나눔바른고딕" pitchFamily="50" charset="-127"/>
+                <a:ea typeface="나눔바른고딕" pitchFamily="50" charset="-127"/>
+              </a:rPr>
+              <a:t> </a:t>
+            </a:r>
+            <a:endParaRPr lang="en-US" altLang="ko-KR" sz="1600" dirty="0" smtClean="0">
+              <a:solidFill>
+                <a:prstClr val="black">
+                  <a:lumMod val="65000"/>
+                  <a:lumOff val="35000"/>
+                </a:prstClr>
+              </a:solidFill>
+              <a:latin typeface="나눔바른고딕" pitchFamily="50" charset="-127"/>
+              <a:ea typeface="나눔바른고딕" pitchFamily="50" charset="-127"/>
+            </a:endParaRPr>
+          </a:p>
+        </p:txBody>
+      </p:sp>
+      <p:cxnSp>
+        <p:nvCxnSpPr>
+          <p:cNvPr id="6" name="직선 연결선 5"/>
+          <p:cNvCxnSpPr/>
+          <p:nvPr/>
+        </p:nvCxnSpPr>
+        <p:spPr>
+          <a:xfrm>
+            <a:off x="428355" y="475655"/>
+            <a:ext cx="327221" cy="0"/>
+          </a:xfrm>
+          <a:prstGeom prst="line">
+            <a:avLst/>
+          </a:prstGeom>
+          <a:ln w="76200">
+            <a:solidFill>
+              <a:schemeClr val="tx1">
+                <a:lumMod val="65000"/>
+                <a:lumOff val="35000"/>
+              </a:schemeClr>
+            </a:solidFill>
+          </a:ln>
+        </p:spPr>
+        <p:style>
+          <a:lnRef idx="1">
+            <a:schemeClr val="accent1"/>
+          </a:lnRef>
+          <a:fillRef idx="0">
+            <a:schemeClr val="accent1"/>
+          </a:fillRef>
+          <a:effectRef idx="0">
+            <a:schemeClr val="accent1"/>
+          </a:effectRef>
+          <a:fontRef idx="minor">
+            <a:schemeClr val="tx1"/>
+          </a:fontRef>
+        </p:style>
+      </p:cxnSp>
+      <p:sp>
+        <p:nvSpPr>
+          <p:cNvPr id="11" name="직사각형 10"/>
+          <p:cNvSpPr/>
+          <p:nvPr/>
+        </p:nvSpPr>
+        <p:spPr>
+          <a:xfrm>
+            <a:off x="323528" y="1916832"/>
+            <a:ext cx="1800200" cy="1512168"/>
+          </a:xfrm>
+          <a:prstGeom prst="rect">
+            <a:avLst/>
+          </a:prstGeom>
+          <a:noFill/>
+        </p:spPr>
+        <p:style>
+          <a:lnRef idx="2">
+            <a:schemeClr val="accent1">
+              <a:shade val="50000"/>
+            </a:schemeClr>
+          </a:lnRef>
+          <a:fillRef idx="1">
+            <a:schemeClr val="accent1"/>
+          </a:fillRef>
+          <a:effectRef idx="0">
+            <a:schemeClr val="accent1"/>
+          </a:effectRef>
+          <a:fontRef idx="minor">
+            <a:schemeClr val="lt1"/>
+          </a:fontRef>
+        </p:style>
+        <p:txBody>
+          <a:bodyPr rtlCol="0" anchor="ctr"/>
+          <a:lstStyle/>
+          <a:p>
+            <a:pPr algn="ctr"/>
+            <a:endParaRPr lang="ko-KR" altLang="en-US"/>
+          </a:p>
+        </p:txBody>
+      </p:sp>
+      <p:sp>
+        <p:nvSpPr>
+          <p:cNvPr id="12" name="직사각형 11"/>
+          <p:cNvSpPr/>
+          <p:nvPr/>
+        </p:nvSpPr>
+        <p:spPr>
+          <a:xfrm>
+            <a:off x="323528" y="3429000"/>
+            <a:ext cx="1800200" cy="1656184"/>
+          </a:xfrm>
+          <a:prstGeom prst="rect">
+            <a:avLst/>
+          </a:prstGeom>
+          <a:noFill/>
+          <a:ln>
+            <a:solidFill>
+              <a:schemeClr val="accent2"/>
+            </a:solidFill>
+          </a:ln>
+        </p:spPr>
+        <p:style>
+          <a:lnRef idx="2">
+            <a:schemeClr val="accent1">
+              <a:shade val="50000"/>
+            </a:schemeClr>
+          </a:lnRef>
+          <a:fillRef idx="1">
+            <a:schemeClr val="accent1"/>
+          </a:fillRef>
+          <a:effectRef idx="0">
+            <a:schemeClr val="accent1"/>
+          </a:effectRef>
+          <a:fontRef idx="minor">
+            <a:schemeClr val="lt1"/>
+          </a:fontRef>
+        </p:style>
+        <p:txBody>
+          <a:bodyPr rtlCol="0" anchor="ctr"/>
+          <a:lstStyle/>
+          <a:p>
+            <a:pPr algn="ctr"/>
+            <a:endParaRPr lang="ko-KR" altLang="en-US"/>
+          </a:p>
+        </p:txBody>
+      </p:sp>
+    </p:spTree>
+    <p:extLst>
+      <p:ext uri="{BB962C8B-B14F-4D97-AF65-F5344CB8AC3E}">
+        <p14:creationId xmlns:p14="http://schemas.microsoft.com/office/powerpoint/2010/main" val="1889436455"/>
+      </p:ext>
+    </p:extLst>
+  </p:cSld>
+  <p:clrMapOvr>
+    <a:masterClrMapping/>
+  </p:clrMapOvr>
+  <p:timing>
+    <p:tnLst>
+      <p:par>
+        <p:cTn id="1" dur="indefinite" restart="never" nodeType="tmRoot">
+          <p:childTnLst>
+            <p:seq concurrent="1" nextAc="seek">
+              <p:cTn id="2" dur="indefinite" nodeType="mainSeq">
+                <p:childTnLst>
+                  <p:par>
+                    <p:cTn id="3" fill="hold">
+                      <p:stCondLst>
+                        <p:cond delay="indefinite"/>
+                      </p:stCondLst>
+                      <p:childTnLst>
+                        <p:par>
+                          <p:cTn id="4" fill="hold">
+                            <p:stCondLst>
+                              <p:cond delay="0"/>
+                            </p:stCondLst>
+                            <p:childTnLst>
+                              <p:par>
+                                <p:cTn id="5" presetID="2" presetClass="entr" presetSubtype="4" fill="hold" grpId="0" nodeType="clickEffect">
+                                  <p:stCondLst>
+                                    <p:cond delay="0"/>
+                                  </p:stCondLst>
+                                  <p:childTnLst>
+                                    <p:set>
+                                      <p:cBhvr>
+                                        <p:cTn id="6" dur="1" fill="hold">
+                                          <p:stCondLst>
+                                            <p:cond delay="0"/>
+                                          </p:stCondLst>
+                                        </p:cTn>
+                                        <p:tgtEl>
+                                          <p:spTgt spid="11"/>
+                                        </p:tgtEl>
+                                        <p:attrNameLst>
+                                          <p:attrName>style.visibility</p:attrName>
+                                        </p:attrNameLst>
+                                      </p:cBhvr>
+                                      <p:to>
+                                        <p:strVal val="visible"/>
+                                      </p:to>
+                                    </p:set>
+                                    <p:anim calcmode="lin" valueType="num">
+                                      <p:cBhvr additive="base">
+                                        <p:cTn id="7" dur="500" fill="hold"/>
+                                        <p:tgtEl>
+                                          <p:spTgt spid="11"/>
+                                        </p:tgtEl>
+                                        <p:attrNameLst>
+                                          <p:attrName>ppt_x</p:attrName>
+                                        </p:attrNameLst>
+                                      </p:cBhvr>
+                                      <p:tavLst>
+                                        <p:tav tm="0">
+                                          <p:val>
+                                            <p:strVal val="#ppt_x"/>
+                                          </p:val>
+                                        </p:tav>
+                                        <p:tav tm="100000">
+                                          <p:val>
+                                            <p:strVal val="#ppt_x"/>
+                                          </p:val>
+                                        </p:tav>
+                                      </p:tavLst>
+                                    </p:anim>
+                                    <p:anim calcmode="lin" valueType="num">
+                                      <p:cBhvr additive="base">
+                                        <p:cTn id="8" dur="500" fill="hold"/>
+                                        <p:tgtEl>
+                                          <p:spTgt spid="11"/>
+                                        </p:tgtEl>
+                                        <p:attrNameLst>
+                                          <p:attrName>ppt_y</p:attrName>
+                                        </p:attrNameLst>
+                                      </p:cBhvr>
+                                      <p:tavLst>
+                                        <p:tav tm="0">
+                                          <p:val>
+                                            <p:strVal val="1+#ppt_h/2"/>
+                                          </p:val>
+                                        </p:tav>
+                                        <p:tav tm="100000">
+                                          <p:val>
+                                            <p:strVal val="#ppt_y"/>
+                                          </p:val>
+                                        </p:tav>
+                                      </p:tavLst>
+                                    </p:anim>
+                                  </p:childTnLst>
+                                </p:cTn>
+                              </p:par>
+                            </p:childTnLst>
+                          </p:cTn>
+                        </p:par>
+                      </p:childTnLst>
+                    </p:cTn>
+                  </p:par>
+                  <p:par>
+                    <p:cTn id="9" fill="hold">
+                      <p:stCondLst>
+                        <p:cond delay="indefinite"/>
+                      </p:stCondLst>
+                      <p:childTnLst>
+                        <p:par>
+                          <p:cTn id="10" fill="hold">
+                            <p:stCondLst>
+                              <p:cond delay="0"/>
+                            </p:stCondLst>
+                            <p:childTnLst>
+                              <p:par>
+                                <p:cTn id="11" presetID="2" presetClass="entr" presetSubtype="4" fill="hold" grpId="0" nodeType="clickEffect">
+                                  <p:stCondLst>
+                                    <p:cond delay="0"/>
+                                  </p:stCondLst>
+                                  <p:childTnLst>
+                                    <p:set>
+                                      <p:cBhvr>
+                                        <p:cTn id="12" dur="1" fill="hold">
+                                          <p:stCondLst>
+                                            <p:cond delay="0"/>
+                                          </p:stCondLst>
+                                        </p:cTn>
+                                        <p:tgtEl>
+                                          <p:spTgt spid="12"/>
+                                        </p:tgtEl>
+                                        <p:attrNameLst>
+                                          <p:attrName>style.visibility</p:attrName>
+                                        </p:attrNameLst>
+                                      </p:cBhvr>
+                                      <p:to>
+                                        <p:strVal val="visible"/>
+                                      </p:to>
+                                    </p:set>
+                                    <p:anim calcmode="lin" valueType="num">
+                                      <p:cBhvr additive="base">
+                                        <p:cTn id="13" dur="500" fill="hold"/>
+                                        <p:tgtEl>
+                                          <p:spTgt spid="12"/>
+                                        </p:tgtEl>
+                                        <p:attrNameLst>
+                                          <p:attrName>ppt_x</p:attrName>
+                                        </p:attrNameLst>
+                                      </p:cBhvr>
+                                      <p:tavLst>
+                                        <p:tav tm="0">
+                                          <p:val>
+                                            <p:strVal val="#ppt_x"/>
+                                          </p:val>
+                                        </p:tav>
+                                        <p:tav tm="100000">
+                                          <p:val>
+                                            <p:strVal val="#ppt_x"/>
+                                          </p:val>
+                                        </p:tav>
+                                      </p:tavLst>
+                                    </p:anim>
+                                    <p:anim calcmode="lin" valueType="num">
+                                      <p:cBhvr additive="base">
+                                        <p:cTn id="14" dur="500" fill="hold"/>
+                                        <p:tgtEl>
+                                          <p:spTgt spid="12"/>
+                                        </p:tgtEl>
+                                        <p:attrNameLst>
+                                          <p:attrName>ppt_y</p:attrName>
+                                        </p:attrNameLst>
+                                      </p:cBhvr>
+                                      <p:tavLst>
+                                        <p:tav tm="0">
+                                          <p:val>
+                                            <p:strVal val="1+#ppt_h/2"/>
+                                          </p:val>
+                                        </p:tav>
+                                        <p:tav tm="100000">
+                                          <p:val>
+                                            <p:strVal val="#ppt_y"/>
+                                          </p:val>
+                                        </p:tav>
+                                      </p:tavLst>
+                                    </p:anim>
+                                  </p:childTnLst>
+                                </p:cTn>
+                              </p:par>
+                            </p:childTnLst>
+                          </p:cTn>
+                        </p:par>
+                      </p:childTnLst>
+                    </p:cTn>
+                  </p:par>
+                </p:childTnLst>
+              </p:cTn>
+              <p:prevCondLst>
+                <p:cond evt="onPrev" delay="0">
+                  <p:tgtEl>
+                    <p:sldTgt/>
+                  </p:tgtEl>
+                </p:cond>
+              </p:prevCondLst>
+              <p:nextCondLst>
+                <p:cond evt="onNext" delay="0">
+                  <p:tgtEl>
+                    <p:sldTgt/>
+                  </p:tgtEl>
+                </p:cond>
+              </p:nextCondLst>
+            </p:seq>
+          </p:childTnLst>
+        </p:cTn>
+      </p:par>
+    </p:tnLst>
+    <p:bldLst>
+      <p:bldP spid="11" grpId="0" animBg="1"/>
+      <p:bldP spid="12" grpId="0" animBg="1"/>
+    </p:bldLst>
+  </p:timing>
+</p:sld>
+</file>
+
+<file path=ppt/slides/slide13.xml><?xml version="1.0" encoding="utf-8"?>
+<p:sld xmlns:a="http://schemas.openxmlformats.org/drawingml/2006/main" xmlns:r="http://schemas.openxmlformats.org/officeDocument/2006/relationships" xmlns:p="http://schemas.openxmlformats.org/presentationml/2006/main">
+  <p:cSld>
+    <p:spTree>
+      <p:nvGrpSpPr>
+        <p:cNvPr id="1" name=""/>
+        <p:cNvGrpSpPr/>
+        <p:nvPr/>
+      </p:nvGrpSpPr>
+      <p:grpSpPr>
+        <a:xfrm>
+          <a:off x="0" y="0"/>
+          <a:ext cx="0" cy="0"/>
+          <a:chOff x="0" y="0"/>
+          <a:chExt cx="0" cy="0"/>
+        </a:xfrm>
+      </p:grpSpPr>
+      <p:sp>
+        <p:nvSpPr>
+          <p:cNvPr id="5" name="내용 개체 틀 4"/>
+          <p:cNvSpPr>
+            <a:spLocks noGrp="1"/>
+          </p:cNvSpPr>
+          <p:nvPr>
+            <p:ph sz="half" idx="1"/>
+          </p:nvPr>
+        </p:nvSpPr>
+        <p:spPr/>
+        <p:txBody>
+          <a:bodyPr/>
+          <a:lstStyle/>
+          <a:p>
+            <a:endParaRPr lang="en-US" altLang="ko-KR" dirty="0" smtClean="0"/>
+          </a:p>
+          <a:p>
+            <a:endParaRPr lang="en-US" altLang="ko-KR" dirty="0"/>
+          </a:p>
+          <a:p>
+            <a:endParaRPr lang="ko-KR" altLang="en-US" dirty="0"/>
+          </a:p>
+        </p:txBody>
+      </p:sp>
+      <p:sp>
+        <p:nvSpPr>
+          <p:cNvPr id="6" name="내용 개체 틀 5"/>
+          <p:cNvSpPr>
+            <a:spLocks noGrp="1"/>
+          </p:cNvSpPr>
+          <p:nvPr>
+            <p:ph sz="half" idx="2"/>
+          </p:nvPr>
+        </p:nvSpPr>
+        <p:spPr>
+          <a:xfrm>
+            <a:off x="457200" y="1600200"/>
+            <a:ext cx="8229600" cy="4525963"/>
+          </a:xfrm>
+        </p:spPr>
+        <p:txBody>
+          <a:bodyPr>
+            <a:normAutofit/>
+          </a:bodyPr>
+          <a:lstStyle/>
+          <a:p>
+            <a:r>
+              <a:rPr lang="en-US" altLang="ko-KR" sz="2000" dirty="0">
+                <a:hlinkClick r:id="rId2"/>
+              </a:rPr>
+              <a:t>https://</a:t>
+            </a:r>
+            <a:r>
+              <a:rPr lang="en-US" altLang="ko-KR" sz="2000" dirty="0" smtClean="0">
+                <a:hlinkClick r:id="rId2"/>
+              </a:rPr>
+              <a:t>gist.github.com/ihoneymon/652be052a0727ad59601</a:t>
+            </a:r>
+            <a:endParaRPr lang="en-US" altLang="ko-KR" sz="2000" dirty="0" smtClean="0"/>
+          </a:p>
+          <a:p>
+            <a:r>
+              <a:rPr lang="en-US" altLang="ko-KR" sz="2000" dirty="0" smtClean="0"/>
+              <a:t>Markdown</a:t>
+            </a:r>
+            <a:r>
+              <a:rPr lang="ko-KR" altLang="en-US" sz="2000" dirty="0" smtClean="0"/>
+              <a:t>은 </a:t>
+            </a:r>
+            <a:r>
+              <a:rPr lang="ko-KR" altLang="en-US" sz="2000" dirty="0"/>
+              <a:t>텍스트 기반의 </a:t>
+            </a:r>
+            <a:r>
+              <a:rPr lang="ko-KR" altLang="en-US" sz="2000" dirty="0" err="1" smtClean="0"/>
+              <a:t>마크업언어</a:t>
+            </a:r>
+            <a:r>
+              <a:rPr lang="en-US" altLang="ko-KR" sz="2000" dirty="0" smtClean="0"/>
+              <a:t>(</a:t>
+            </a:r>
+            <a:r>
+              <a:rPr lang="ko-KR" altLang="en-US" sz="2000" dirty="0" err="1" smtClean="0"/>
+              <a:t>존그루버</a:t>
+            </a:r>
+            <a:r>
+              <a:rPr lang="en-US" altLang="ko-KR" sz="2000" dirty="0" smtClean="0"/>
+              <a:t>, 2004)</a:t>
+            </a:r>
+          </a:p>
+          <a:p>
+            <a:r>
+              <a:rPr lang="ko-KR" altLang="en-US" sz="2000" dirty="0" smtClean="0"/>
+              <a:t>쉽게 </a:t>
+            </a:r>
+            <a:r>
+              <a:rPr lang="ko-KR" altLang="en-US" sz="2000" dirty="0"/>
+              <a:t>쓰고 읽을 수 있으며 </a:t>
+            </a:r>
+            <a:r>
+              <a:rPr lang="en-US" altLang="ko-KR" sz="2000" dirty="0"/>
+              <a:t>HTML</a:t>
+            </a:r>
+            <a:r>
+              <a:rPr lang="ko-KR" altLang="en-US" sz="2000" dirty="0"/>
+              <a:t>로 변환이 </a:t>
+            </a:r>
+            <a:r>
+              <a:rPr lang="ko-KR" altLang="en-US" sz="2000" dirty="0" smtClean="0"/>
+              <a:t>가능</a:t>
+            </a:r>
+            <a:endParaRPr lang="en-US" altLang="ko-KR" sz="2000" dirty="0" smtClean="0"/>
+          </a:p>
+          <a:p>
+            <a:r>
+              <a:rPr lang="ko-KR" altLang="en-US" sz="2000" dirty="0" smtClean="0"/>
+              <a:t>특수기호와 </a:t>
+            </a:r>
+            <a:r>
+              <a:rPr lang="ko-KR" altLang="en-US" sz="2000" dirty="0"/>
+              <a:t>문자를 이용한 매우 간단한 구조의 문법을 </a:t>
+            </a:r>
+            <a:r>
+              <a:rPr lang="ko-KR" altLang="en-US" sz="2000" dirty="0" smtClean="0"/>
+              <a:t>사용</a:t>
+            </a:r>
+            <a:endParaRPr lang="ko-KR" altLang="en-US" sz="2000" dirty="0"/>
+          </a:p>
+        </p:txBody>
+      </p:sp>
+      <p:sp>
+        <p:nvSpPr>
+          <p:cNvPr id="7" name="TextBox 25"/>
+          <p:cNvSpPr txBox="1">
+            <a:spLocks noChangeArrowheads="1"/>
+          </p:cNvSpPr>
+          <p:nvPr/>
+        </p:nvSpPr>
+        <p:spPr bwMode="auto">
+          <a:xfrm>
+            <a:off x="323528" y="603121"/>
+            <a:ext cx="5184576" cy="523220"/>
+          </a:xfrm>
+          <a:prstGeom prst="rect">
+            <a:avLst/>
+          </a:prstGeom>
+          <a:noFill/>
+          <a:ln w="9525">
+            <a:noFill/>
+            <a:miter lim="800000"/>
+            <a:headEnd/>
+            <a:tailEnd/>
+          </a:ln>
+        </p:spPr>
+        <p:txBody>
+          <a:bodyPr wrap="square">
+            <a:spAutoFit/>
+          </a:bodyPr>
+          <a:lstStyle/>
+          <a:p>
+            <a:pPr lvl="0"/>
+            <a:r>
+              <a:rPr lang="en-US" altLang="ko-KR" sz="2800" dirty="0" smtClean="0">
+                <a:solidFill>
+                  <a:prstClr val="black">
+                    <a:lumMod val="65000"/>
+                    <a:lumOff val="35000"/>
+                  </a:prstClr>
+                </a:solidFill>
+                <a:latin typeface="다음_SemiBold" pitchFamily="2" charset="-127"/>
+                <a:ea typeface="다음_SemiBold" pitchFamily="2" charset="-127"/>
+              </a:rPr>
+              <a:t>Markdown(-.md)</a:t>
+            </a:r>
+            <a:endParaRPr lang="en-US" altLang="ko-KR" sz="2800" dirty="0" smtClean="0">
+              <a:solidFill>
+                <a:prstClr val="black">
+                  <a:lumMod val="65000"/>
+                  <a:lumOff val="35000"/>
+                </a:prstClr>
+              </a:solidFill>
+              <a:latin typeface="다음_SemiBold" pitchFamily="2" charset="-127"/>
+              <a:ea typeface="다음_SemiBold" pitchFamily="2" charset="-127"/>
+            </a:endParaRPr>
+          </a:p>
+        </p:txBody>
+      </p:sp>
+      <p:sp>
+        <p:nvSpPr>
+          <p:cNvPr id="8" name="TextBox 25"/>
+          <p:cNvSpPr txBox="1">
+            <a:spLocks noChangeArrowheads="1"/>
+          </p:cNvSpPr>
+          <p:nvPr/>
+        </p:nvSpPr>
+        <p:spPr bwMode="auto">
+          <a:xfrm>
+            <a:off x="323528" y="1195735"/>
+            <a:ext cx="5184576" cy="338554"/>
+          </a:xfrm>
+          <a:prstGeom prst="rect">
+            <a:avLst/>
+          </a:prstGeom>
+          <a:noFill/>
+          <a:ln w="9525">
+            <a:noFill/>
+            <a:miter lim="800000"/>
+            <a:headEnd/>
+            <a:tailEnd/>
+          </a:ln>
+        </p:spPr>
+        <p:txBody>
+          <a:bodyPr wrap="square">
+            <a:spAutoFit/>
+          </a:bodyPr>
+          <a:lstStyle/>
+          <a:p>
+            <a:pPr lvl="0"/>
+            <a:r>
+              <a:rPr lang="ko-KR" altLang="en-US" sz="1600" dirty="0" smtClean="0">
+                <a:solidFill>
+                  <a:prstClr val="black">
+                    <a:lumMod val="65000"/>
+                    <a:lumOff val="35000"/>
+                  </a:prstClr>
+                </a:solidFill>
+                <a:latin typeface="나눔바른고딕" pitchFamily="50" charset="-127"/>
+                <a:ea typeface="나눔바른고딕" pitchFamily="50" charset="-127"/>
+              </a:rPr>
+              <a:t> </a:t>
+            </a:r>
+            <a:endParaRPr lang="en-US" altLang="ko-KR" sz="1600" dirty="0" smtClean="0">
+              <a:solidFill>
+                <a:prstClr val="black">
+                  <a:lumMod val="65000"/>
+                  <a:lumOff val="35000"/>
+                </a:prstClr>
+              </a:solidFill>
+              <a:latin typeface="나눔바른고딕" pitchFamily="50" charset="-127"/>
+              <a:ea typeface="나눔바른고딕" pitchFamily="50" charset="-127"/>
+            </a:endParaRPr>
+          </a:p>
+        </p:txBody>
+      </p:sp>
+      <p:cxnSp>
+        <p:nvCxnSpPr>
+          <p:cNvPr id="9" name="직선 연결선 8"/>
+          <p:cNvCxnSpPr/>
+          <p:nvPr/>
+        </p:nvCxnSpPr>
+        <p:spPr>
+          <a:xfrm>
+            <a:off x="428355" y="475655"/>
+            <a:ext cx="327221" cy="0"/>
+          </a:xfrm>
+          <a:prstGeom prst="line">
+            <a:avLst/>
+          </a:prstGeom>
+          <a:ln w="76200">
+            <a:solidFill>
+              <a:schemeClr val="tx1">
+                <a:lumMod val="65000"/>
+                <a:lumOff val="35000"/>
+              </a:schemeClr>
+            </a:solidFill>
+          </a:ln>
+        </p:spPr>
+        <p:style>
+          <a:lnRef idx="1">
+            <a:schemeClr val="accent1"/>
+          </a:lnRef>
+          <a:fillRef idx="0">
+            <a:schemeClr val="accent1"/>
+          </a:fillRef>
+          <a:effectRef idx="0">
+            <a:schemeClr val="accent1"/>
+          </a:effectRef>
+          <a:fontRef idx="minor">
+            <a:schemeClr val="tx1"/>
+          </a:fontRef>
+        </p:style>
+      </p:cxnSp>
+      <p:pic>
+        <p:nvPicPr>
+          <p:cNvPr id="1026" name="Picture 2" descr="John Gruber.jpeg"/>
+          <p:cNvPicPr>
+            <a:picLocks noChangeAspect="1" noChangeArrowheads="1"/>
+          </p:cNvPicPr>
+          <p:nvPr/>
+        </p:nvPicPr>
+        <p:blipFill>
+          <a:blip r:embed="rId3">
+            <a:extLst>
+              <a:ext uri="{28A0092B-C50C-407E-A947-70E740481C1C}">
+                <a14:useLocalDpi xmlns:a14="http://schemas.microsoft.com/office/drawing/2010/main" val="0"/>
+              </a:ext>
+            </a:extLst>
+          </a:blip>
+          <a:srcRect/>
+          <a:stretch>
+            <a:fillRect/>
+          </a:stretch>
+        </p:blipFill>
+        <p:spPr bwMode="auto">
+          <a:xfrm>
+            <a:off x="755576" y="3553120"/>
+            <a:ext cx="3840361" cy="2573043"/>
+          </a:xfrm>
+          <a:prstGeom prst="rect">
+            <a:avLst/>
+          </a:prstGeom>
+          <a:noFill/>
+          <a:extLst>
+            <a:ext uri="{909E8E84-426E-40DD-AFC4-6F175D3DCCD1}">
+              <a14:hiddenFill xmlns:a14="http://schemas.microsoft.com/office/drawing/2010/main">
+                <a:solidFill>
+                  <a:srgbClr val="FFFFFF"/>
+                </a:solidFill>
+              </a14:hiddenFill>
+            </a:ext>
+          </a:extLst>
+        </p:spPr>
+      </p:pic>
+    </p:spTree>
+    <p:extLst>
+      <p:ext uri="{BB962C8B-B14F-4D97-AF65-F5344CB8AC3E}">
+        <p14:creationId xmlns:p14="http://schemas.microsoft.com/office/powerpoint/2010/main" val="3756803566"/>
+      </p:ext>
+    </p:extLst>
+  </p:cSld>
+  <p:clrMapOvr>
+    <a:masterClrMapping/>
+  </p:clrMapOvr>
+  <p:timing>
+    <p:tnLst>
+      <p:par>
+        <p:cTn id="1" dur="indefinite" restart="never" nodeType="tmRoot"/>
+      </p:par>
+    </p:tnLst>
+  </p:timing>
+</p:sld>
+</file>
+
+<file path=ppt/slides/slide14.xml><?xml version="1.0" encoding="utf-8"?>
+<p:sld xmlns:a="http://schemas.openxmlformats.org/drawingml/2006/main" xmlns:r="http://schemas.openxmlformats.org/officeDocument/2006/relationships" xmlns:p="http://schemas.openxmlformats.org/presentationml/2006/main">
+  <p:cSld>
+    <p:spTree>
+      <p:nvGrpSpPr>
+        <p:cNvPr id="1" name=""/>
+        <p:cNvGrpSpPr/>
+        <p:nvPr/>
+      </p:nvGrpSpPr>
+      <p:grpSpPr>
+        <a:xfrm>
+          <a:off x="0" y="0"/>
+          <a:ext cx="0" cy="0"/>
+          <a:chOff x="0" y="0"/>
+          <a:chExt cx="0" cy="0"/>
+        </a:xfrm>
+      </p:grpSpPr>
+      <p:sp>
+        <p:nvSpPr>
+          <p:cNvPr id="5" name="내용 개체 틀 4"/>
+          <p:cNvSpPr>
+            <a:spLocks noGrp="1"/>
+          </p:cNvSpPr>
+          <p:nvPr>
+            <p:ph sz="half" idx="1"/>
+          </p:nvPr>
+        </p:nvSpPr>
+        <p:spPr/>
+        <p:txBody>
+          <a:bodyPr/>
+          <a:lstStyle/>
+          <a:p>
+            <a:r>
+              <a:rPr lang="en-US" altLang="ko-KR" dirty="0" smtClean="0">
+                <a:solidFill>
+                  <a:schemeClr val="accent3">
+                    <a:lumMod val="50000"/>
+                  </a:schemeClr>
+                </a:solidFill>
+                <a:latin typeface="다음_Regular" panose="02000603060000000000" pitchFamily="2" charset="-127"/>
+                <a:ea typeface="다음_Regular" panose="02000603060000000000" pitchFamily="2" charset="-127"/>
+              </a:rPr>
+              <a:t>1. </a:t>
+            </a:r>
+            <a:r>
+              <a:rPr lang="ko-KR" altLang="en-US" dirty="0" smtClean="0">
+                <a:solidFill>
+                  <a:schemeClr val="accent3">
+                    <a:lumMod val="50000"/>
+                  </a:schemeClr>
+                </a:solidFill>
+                <a:latin typeface="다음_Regular" panose="02000603060000000000" pitchFamily="2" charset="-127"/>
+                <a:ea typeface="다음_Regular" panose="02000603060000000000" pitchFamily="2" charset="-127"/>
+              </a:rPr>
+              <a:t>제목 달기 </a:t>
+            </a:r>
+            <a:r>
+              <a:rPr lang="en-US" altLang="ko-KR" dirty="0" smtClean="0">
+                <a:solidFill>
+                  <a:schemeClr val="accent3">
+                    <a:lumMod val="50000"/>
+                  </a:schemeClr>
+                </a:solidFill>
+                <a:latin typeface="다음_Regular" panose="02000603060000000000" pitchFamily="2" charset="-127"/>
+                <a:ea typeface="다음_Regular" panose="02000603060000000000" pitchFamily="2" charset="-127"/>
+              </a:rPr>
+              <a:t>#</a:t>
+            </a:r>
+          </a:p>
+          <a:p>
+            <a:r>
+              <a:rPr lang="en-US" altLang="ko-KR" sz="1800" dirty="0" smtClean="0"/>
+              <a:t> # &lt;</a:t>
+            </a:r>
+            <a:r>
+              <a:rPr lang="ko-KR" altLang="en-US" sz="1800" dirty="0" smtClean="0"/>
+              <a:t>제목</a:t>
+            </a:r>
+            <a:r>
+              <a:rPr lang="en-US" altLang="ko-KR" sz="1800" dirty="0" smtClean="0"/>
+              <a:t>&gt; #</a:t>
+            </a:r>
+            <a:br>
+              <a:rPr lang="en-US" altLang="ko-KR" sz="1800" dirty="0" smtClean="0"/>
+            </a:br>
+            <a:r>
+              <a:rPr lang="en-US" altLang="ko-KR" sz="1800" dirty="0" smtClean="0"/>
+              <a:t>## &lt;</a:t>
+            </a:r>
+            <a:r>
+              <a:rPr lang="ko-KR" altLang="en-US" sz="1800" dirty="0" smtClean="0"/>
+              <a:t>제목</a:t>
+            </a:r>
+            <a:r>
+              <a:rPr lang="en-US" altLang="ko-KR" sz="1800" dirty="0" smtClean="0"/>
+              <a:t>&gt; ##</a:t>
+            </a:r>
+            <a:br>
+              <a:rPr lang="en-US" altLang="ko-KR" sz="1800" dirty="0" smtClean="0"/>
+            </a:br>
+            <a:r>
+              <a:rPr lang="en-US" altLang="ko-KR" dirty="0" smtClean="0"/>
+              <a:t/>
+            </a:r>
+            <a:br>
+              <a:rPr lang="en-US" altLang="ko-KR" dirty="0" smtClean="0"/>
+            </a:br>
+            <a:r>
+              <a:rPr lang="en-US" altLang="ko-KR" dirty="0" smtClean="0"/>
+              <a:t/>
+            </a:r>
+            <a:br>
+              <a:rPr lang="en-US" altLang="ko-KR" dirty="0" smtClean="0"/>
+            </a:br>
+            <a:endParaRPr lang="en-US" altLang="ko-KR" dirty="0" smtClean="0"/>
+          </a:p>
+          <a:p>
+            <a:r>
+              <a:rPr lang="en-US" altLang="ko-KR" dirty="0" smtClean="0">
+                <a:solidFill>
+                  <a:schemeClr val="accent3">
+                    <a:lumMod val="50000"/>
+                  </a:schemeClr>
+                </a:solidFill>
+                <a:latin typeface="다음_Regular" panose="02000603060000000000" pitchFamily="2" charset="-127"/>
+                <a:ea typeface="다음_Regular" panose="02000603060000000000" pitchFamily="2" charset="-127"/>
+              </a:rPr>
+              <a:t>2. </a:t>
+            </a:r>
+            <a:r>
+              <a:rPr lang="ko-KR" altLang="en-US" dirty="0" smtClean="0">
+                <a:solidFill>
+                  <a:schemeClr val="accent3">
+                    <a:lumMod val="50000"/>
+                  </a:schemeClr>
+                </a:solidFill>
+                <a:latin typeface="다음_Regular" panose="02000603060000000000" pitchFamily="2" charset="-127"/>
+                <a:ea typeface="다음_Regular" panose="02000603060000000000" pitchFamily="2" charset="-127"/>
+              </a:rPr>
+              <a:t>밑줄</a:t>
+            </a:r>
+            <a:endParaRPr lang="en-US" altLang="ko-KR" sz="1800" dirty="0" smtClean="0">
+              <a:solidFill>
+                <a:schemeClr val="accent3">
+                  <a:lumMod val="50000"/>
+                </a:schemeClr>
+              </a:solidFill>
+              <a:latin typeface="다음_Regular" panose="02000603060000000000" pitchFamily="2" charset="-127"/>
+              <a:ea typeface="다음_Regular" panose="02000603060000000000" pitchFamily="2" charset="-127"/>
+            </a:endParaRPr>
+          </a:p>
+          <a:p>
+            <a:r>
+              <a:rPr lang="en-US" altLang="ko-KR" sz="1800" dirty="0" smtClean="0"/>
+              <a:t>*  *  *</a:t>
+            </a:r>
+            <a:br>
+              <a:rPr lang="en-US" altLang="ko-KR" sz="1800" dirty="0" smtClean="0"/>
+            </a:br>
+            <a:r>
+              <a:rPr lang="en-US" altLang="ko-KR" sz="1800" dirty="0" smtClean="0"/>
+              <a:t>***</a:t>
+            </a:r>
+            <a:br>
+              <a:rPr lang="en-US" altLang="ko-KR" sz="1800" dirty="0" smtClean="0"/>
+            </a:br>
+            <a:r>
+              <a:rPr lang="en-US" altLang="ko-KR" sz="1800" dirty="0" smtClean="0"/>
+              <a:t>*****</a:t>
+            </a:r>
+            <a:br>
+              <a:rPr lang="en-US" altLang="ko-KR" sz="1800" dirty="0" smtClean="0"/>
+            </a:br>
+            <a:r>
+              <a:rPr lang="en-US" altLang="ko-KR" sz="1800" dirty="0" smtClean="0"/>
+              <a:t>- - -</a:t>
+            </a:r>
+            <a:br>
+              <a:rPr lang="en-US" altLang="ko-KR" sz="1800" dirty="0" smtClean="0"/>
+            </a:br>
+            <a:r>
+              <a:rPr lang="en-US" altLang="ko-KR" sz="1800" dirty="0" smtClean="0"/>
+              <a:t>--------------</a:t>
+            </a:r>
+            <a:endParaRPr lang="en-US" altLang="ko-KR" sz="1800" dirty="0"/>
+          </a:p>
+          <a:p>
+            <a:endParaRPr lang="en-US" altLang="ko-KR" sz="1800" dirty="0" smtClean="0"/>
+          </a:p>
+          <a:p>
+            <a:endParaRPr lang="en-US" altLang="ko-KR" sz="1800" dirty="0"/>
+          </a:p>
+          <a:p>
+            <a:endParaRPr lang="ko-KR" altLang="en-US" dirty="0"/>
+          </a:p>
+        </p:txBody>
+      </p:sp>
+      <p:pic>
+        <p:nvPicPr>
+          <p:cNvPr id="4" name="내용 개체 틀 3"/>
+          <p:cNvPicPr>
+            <a:picLocks noGrp="1" noChangeAspect="1"/>
+          </p:cNvPicPr>
+          <p:nvPr>
+            <p:ph sz="half" idx="2"/>
+          </p:nvPr>
+        </p:nvPicPr>
+        <p:blipFill>
+          <a:blip r:embed="rId2" cstate="print">
+            <a:extLst>
+              <a:ext uri="{28A0092B-C50C-407E-A947-70E740481C1C}">
+                <a14:useLocalDpi xmlns:a14="http://schemas.microsoft.com/office/drawing/2010/main" val="0"/>
+              </a:ext>
+            </a:extLst>
+          </a:blip>
+          <a:stretch>
+            <a:fillRect/>
+          </a:stretch>
+        </p:blipFill>
+        <p:spPr>
+          <a:xfrm>
+            <a:off x="3491880" y="1199683"/>
+            <a:ext cx="5522440" cy="5326995"/>
+          </a:xfrm>
+        </p:spPr>
+      </p:pic>
+      <p:sp>
+        <p:nvSpPr>
+          <p:cNvPr id="7" name="TextBox 25"/>
+          <p:cNvSpPr txBox="1">
+            <a:spLocks noChangeArrowheads="1"/>
+          </p:cNvSpPr>
+          <p:nvPr/>
+        </p:nvSpPr>
+        <p:spPr bwMode="auto">
+          <a:xfrm>
+            <a:off x="323528" y="603121"/>
+            <a:ext cx="5184576" cy="523220"/>
+          </a:xfrm>
+          <a:prstGeom prst="rect">
+            <a:avLst/>
+          </a:prstGeom>
+          <a:noFill/>
+          <a:ln w="9525">
+            <a:noFill/>
+            <a:miter lim="800000"/>
+            <a:headEnd/>
+            <a:tailEnd/>
+          </a:ln>
+        </p:spPr>
+        <p:txBody>
+          <a:bodyPr wrap="square">
+            <a:spAutoFit/>
+          </a:bodyPr>
+          <a:lstStyle/>
+          <a:p>
+            <a:pPr lvl="0"/>
+            <a:r>
+              <a:rPr lang="en-US" altLang="ko-KR" sz="2800" dirty="0" smtClean="0">
+                <a:solidFill>
+                  <a:prstClr val="black">
+                    <a:lumMod val="65000"/>
+                    <a:lumOff val="35000"/>
+                  </a:prstClr>
+                </a:solidFill>
+                <a:latin typeface="다음_SemiBold" pitchFamily="2" charset="-127"/>
+                <a:ea typeface="다음_SemiBold" pitchFamily="2" charset="-127"/>
+              </a:rPr>
+              <a:t>Markdown(-.md)</a:t>
+            </a:r>
+            <a:endParaRPr lang="en-US" altLang="ko-KR" sz="2800" dirty="0" smtClean="0">
+              <a:solidFill>
+                <a:prstClr val="black">
+                  <a:lumMod val="65000"/>
+                  <a:lumOff val="35000"/>
+                </a:prstClr>
+              </a:solidFill>
+              <a:latin typeface="다음_SemiBold" pitchFamily="2" charset="-127"/>
+              <a:ea typeface="다음_SemiBold" pitchFamily="2" charset="-127"/>
+            </a:endParaRPr>
+          </a:p>
+        </p:txBody>
+      </p:sp>
+      <p:sp>
+        <p:nvSpPr>
+          <p:cNvPr id="8" name="TextBox 25"/>
+          <p:cNvSpPr txBox="1">
+            <a:spLocks noChangeArrowheads="1"/>
+          </p:cNvSpPr>
+          <p:nvPr/>
+        </p:nvSpPr>
+        <p:spPr bwMode="auto">
+          <a:xfrm>
+            <a:off x="323528" y="1195735"/>
+            <a:ext cx="5184576" cy="338554"/>
+          </a:xfrm>
+          <a:prstGeom prst="rect">
+            <a:avLst/>
+          </a:prstGeom>
+          <a:noFill/>
+          <a:ln w="9525">
+            <a:noFill/>
+            <a:miter lim="800000"/>
+            <a:headEnd/>
+            <a:tailEnd/>
+          </a:ln>
+        </p:spPr>
+        <p:txBody>
+          <a:bodyPr wrap="square">
+            <a:spAutoFit/>
+          </a:bodyPr>
+          <a:lstStyle/>
+          <a:p>
+            <a:pPr lvl="0"/>
+            <a:r>
+              <a:rPr lang="ko-KR" altLang="en-US" sz="1600" dirty="0" smtClean="0">
+                <a:solidFill>
+                  <a:prstClr val="black">
+                    <a:lumMod val="65000"/>
+                    <a:lumOff val="35000"/>
+                  </a:prstClr>
+                </a:solidFill>
+                <a:latin typeface="나눔바른고딕" pitchFamily="50" charset="-127"/>
+                <a:ea typeface="나눔바른고딕" pitchFamily="50" charset="-127"/>
+              </a:rPr>
+              <a:t> </a:t>
+            </a:r>
+            <a:endParaRPr lang="en-US" altLang="ko-KR" sz="1600" dirty="0" smtClean="0">
+              <a:solidFill>
+                <a:prstClr val="black">
+                  <a:lumMod val="65000"/>
+                  <a:lumOff val="35000"/>
+                </a:prstClr>
+              </a:solidFill>
+              <a:latin typeface="나눔바른고딕" pitchFamily="50" charset="-127"/>
+              <a:ea typeface="나눔바른고딕" pitchFamily="50" charset="-127"/>
+            </a:endParaRPr>
+          </a:p>
+        </p:txBody>
+      </p:sp>
+      <p:cxnSp>
+        <p:nvCxnSpPr>
+          <p:cNvPr id="9" name="직선 연결선 8"/>
+          <p:cNvCxnSpPr/>
+          <p:nvPr/>
+        </p:nvCxnSpPr>
+        <p:spPr>
+          <a:xfrm>
+            <a:off x="428355" y="475655"/>
+            <a:ext cx="327221" cy="0"/>
+          </a:xfrm>
+          <a:prstGeom prst="line">
+            <a:avLst/>
+          </a:prstGeom>
+          <a:ln w="76200">
+            <a:solidFill>
+              <a:schemeClr val="tx1">
+                <a:lumMod val="65000"/>
+                <a:lumOff val="35000"/>
+              </a:schemeClr>
+            </a:solidFill>
+          </a:ln>
+        </p:spPr>
+        <p:style>
+          <a:lnRef idx="1">
+            <a:schemeClr val="accent1"/>
+          </a:lnRef>
+          <a:fillRef idx="0">
+            <a:schemeClr val="accent1"/>
+          </a:fillRef>
+          <a:effectRef idx="0">
+            <a:schemeClr val="accent1"/>
+          </a:effectRef>
+          <a:fontRef idx="minor">
+            <a:schemeClr val="tx1"/>
+          </a:fontRef>
+        </p:style>
+      </p:cxnSp>
+      <p:sp>
+        <p:nvSpPr>
+          <p:cNvPr id="10" name="내용 개체 틀 2"/>
+          <p:cNvSpPr txBox="1">
+            <a:spLocks/>
+          </p:cNvSpPr>
+          <p:nvPr/>
+        </p:nvSpPr>
+        <p:spPr>
+          <a:xfrm>
+            <a:off x="334971" y="1600200"/>
+            <a:ext cx="4038600" cy="4525963"/>
+          </a:xfrm>
+          <a:prstGeom prst="rect">
+            <a:avLst/>
+          </a:prstGeom>
+        </p:spPr>
+        <p:txBody>
+          <a:bodyPr vert="horz" lIns="91440" tIns="45720" rIns="91440" bIns="45720" rtlCol="0">
+            <a:normAutofit/>
+          </a:bodyPr>
+          <a:lstStyle>
+            <a:lvl1pPr marL="342900" indent="-342900" algn="l" defTabSz="914400" rtl="0" eaLnBrk="1" latinLnBrk="1" hangingPunct="1">
+              <a:spcBef>
+                <a:spcPct val="20000"/>
+              </a:spcBef>
+              <a:buFont typeface="Arial" pitchFamily="34" charset="0"/>
+              <a:buChar char="•"/>
+              <a:defRPr sz="2800" kern="1200">
+                <a:solidFill>
+                  <a:schemeClr val="tx1"/>
+                </a:solidFill>
+                <a:latin typeface="+mn-lt"/>
+                <a:ea typeface="+mn-ea"/>
+                <a:cs typeface="+mn-cs"/>
+              </a:defRPr>
+            </a:lvl1pPr>
+            <a:lvl2pPr marL="742950" indent="-285750" algn="l" defTabSz="914400" rtl="0" eaLnBrk="1" latinLnBrk="1" hangingPunct="1">
+              <a:spcBef>
+                <a:spcPct val="20000"/>
+              </a:spcBef>
+              <a:buFont typeface="Arial" pitchFamily="34" charset="0"/>
+              <a:buChar char="–"/>
+              <a:defRPr sz="2400" kern="1200">
+                <a:solidFill>
+                  <a:schemeClr val="tx1"/>
+                </a:solidFill>
+                <a:latin typeface="+mn-lt"/>
+                <a:ea typeface="+mn-ea"/>
+                <a:cs typeface="+mn-cs"/>
+              </a:defRPr>
+            </a:lvl2pPr>
+            <a:lvl3pPr marL="1143000" indent="-228600" algn="l" defTabSz="914400" rtl="0" eaLnBrk="1" latinLnBrk="1" hangingPunct="1">
+              <a:spcBef>
+                <a:spcPct val="20000"/>
+              </a:spcBef>
+              <a:buFont typeface="Arial" pitchFamily="34" charset="0"/>
+              <a:buChar char="•"/>
+              <a:defRPr sz="2000" kern="1200">
+                <a:solidFill>
+                  <a:schemeClr val="tx1"/>
+                </a:solidFill>
+                <a:latin typeface="+mn-lt"/>
+                <a:ea typeface="+mn-ea"/>
+                <a:cs typeface="+mn-cs"/>
+              </a:defRPr>
+            </a:lvl3pPr>
+            <a:lvl4pPr marL="1600200" indent="-228600" algn="l" defTabSz="914400" rtl="0" eaLnBrk="1" latinLnBrk="1" hangingPunct="1">
+              <a:spcBef>
+                <a:spcPct val="20000"/>
+              </a:spcBef>
+              <a:buFont typeface="Arial" pitchFamily="34" charset="0"/>
+              <a:buChar char="–"/>
+              <a:defRPr sz="1800" kern="1200">
+                <a:solidFill>
+                  <a:schemeClr val="tx1"/>
+                </a:solidFill>
+                <a:latin typeface="+mn-lt"/>
+                <a:ea typeface="+mn-ea"/>
+                <a:cs typeface="+mn-cs"/>
+              </a:defRPr>
+            </a:lvl4pPr>
+            <a:lvl5pPr marL="2057400" indent="-228600" algn="l" defTabSz="914400" rtl="0" eaLnBrk="1" latinLnBrk="1" hangingPunct="1">
+              <a:spcBef>
+                <a:spcPct val="20000"/>
+              </a:spcBef>
+              <a:buFont typeface="Arial" pitchFamily="34" charset="0"/>
+              <a:buChar char="»"/>
+              <a:defRPr sz="1800" kern="1200">
+                <a:solidFill>
+                  <a:schemeClr val="tx1"/>
+                </a:solidFill>
+                <a:latin typeface="+mn-lt"/>
+                <a:ea typeface="+mn-ea"/>
+                <a:cs typeface="+mn-cs"/>
+              </a:defRPr>
+            </a:lvl5pPr>
+            <a:lvl6pPr marL="2514600" indent="-228600" algn="l" defTabSz="914400" rtl="0" eaLnBrk="1" latinLnBrk="1" hangingPunct="1">
+              <a:spcBef>
+                <a:spcPct val="20000"/>
+              </a:spcBef>
+              <a:buFont typeface="Arial" pitchFamily="34" charset="0"/>
+              <a:buChar char="•"/>
+              <a:defRPr sz="1800" kern="1200">
+                <a:solidFill>
+                  <a:schemeClr val="tx1"/>
+                </a:solidFill>
+                <a:latin typeface="+mn-lt"/>
+                <a:ea typeface="+mn-ea"/>
+                <a:cs typeface="+mn-cs"/>
+              </a:defRPr>
+            </a:lvl6pPr>
+            <a:lvl7pPr marL="2971800" indent="-228600" algn="l" defTabSz="914400" rtl="0" eaLnBrk="1" latinLnBrk="1" hangingPunct="1">
+              <a:spcBef>
+                <a:spcPct val="20000"/>
+              </a:spcBef>
+              <a:buFont typeface="Arial" pitchFamily="34" charset="0"/>
+              <a:buChar char="•"/>
+              <a:defRPr sz="1800" kern="1200">
+                <a:solidFill>
+                  <a:schemeClr val="tx1"/>
+                </a:solidFill>
+                <a:latin typeface="+mn-lt"/>
+                <a:ea typeface="+mn-ea"/>
+                <a:cs typeface="+mn-cs"/>
+              </a:defRPr>
+            </a:lvl7pPr>
+            <a:lvl8pPr marL="3429000" indent="-228600" algn="l" defTabSz="914400" rtl="0" eaLnBrk="1" latinLnBrk="1" hangingPunct="1">
+              <a:spcBef>
+                <a:spcPct val="20000"/>
+              </a:spcBef>
+              <a:buFont typeface="Arial" pitchFamily="34" charset="0"/>
+              <a:buChar char="•"/>
+              <a:defRPr sz="1800" kern="1200">
+                <a:solidFill>
+                  <a:schemeClr val="tx1"/>
+                </a:solidFill>
+                <a:latin typeface="+mn-lt"/>
+                <a:ea typeface="+mn-ea"/>
+                <a:cs typeface="+mn-cs"/>
+              </a:defRPr>
+            </a:lvl8pPr>
+            <a:lvl9pPr marL="3886200" indent="-228600" algn="l" defTabSz="914400" rtl="0" eaLnBrk="1" latinLnBrk="1" hangingPunct="1">
+              <a:spcBef>
+                <a:spcPct val="20000"/>
+              </a:spcBef>
+              <a:buFont typeface="Arial" pitchFamily="34" charset="0"/>
+              <a:buChar char="•"/>
+              <a:defRPr sz="1800" kern="1200">
+                <a:solidFill>
+                  <a:schemeClr val="tx1"/>
+                </a:solidFill>
+                <a:latin typeface="+mn-lt"/>
+                <a:ea typeface="+mn-ea"/>
+                <a:cs typeface="+mn-cs"/>
+              </a:defRPr>
+            </a:lvl9pPr>
+          </a:lstStyle>
+          <a:p>
+            <a:endParaRPr lang="ko-KR" altLang="en-US"/>
+          </a:p>
+        </p:txBody>
+      </p:sp>
+      <p:sp>
+        <p:nvSpPr>
+          <p:cNvPr id="11" name="왼쪽 화살표 10"/>
+          <p:cNvSpPr/>
+          <p:nvPr/>
+        </p:nvSpPr>
+        <p:spPr>
+          <a:xfrm>
+            <a:off x="6156176" y="1303311"/>
+            <a:ext cx="504056" cy="230978"/>
+          </a:xfrm>
+          <a:prstGeom prst="leftArrow">
+            <a:avLst/>
+          </a:prstGeom>
+        </p:spPr>
+        <p:style>
+          <a:lnRef idx="2">
+            <a:schemeClr val="accent1">
+              <a:shade val="50000"/>
+            </a:schemeClr>
+          </a:lnRef>
+          <a:fillRef idx="1">
+            <a:schemeClr val="accent1"/>
+          </a:fillRef>
+          <a:effectRef idx="0">
+            <a:schemeClr val="accent1"/>
+          </a:effectRef>
+          <a:fontRef idx="minor">
+            <a:schemeClr val="lt1"/>
+          </a:fontRef>
+        </p:style>
+        <p:txBody>
+          <a:bodyPr rtlCol="0" anchor="ctr"/>
+          <a:lstStyle/>
+          <a:p>
+            <a:pPr algn="ctr"/>
+            <a:endParaRPr lang="ko-KR" altLang="en-US"/>
+          </a:p>
+        </p:txBody>
+      </p:sp>
+      <p:sp>
+        <p:nvSpPr>
+          <p:cNvPr id="12" name="왼쪽 화살표 11"/>
+          <p:cNvSpPr/>
+          <p:nvPr/>
+        </p:nvSpPr>
+        <p:spPr>
+          <a:xfrm>
+            <a:off x="5496107" y="3501008"/>
+            <a:ext cx="426781" cy="209986"/>
+          </a:xfrm>
+          <a:prstGeom prst="leftArrow">
+            <a:avLst/>
+          </a:prstGeom>
+        </p:spPr>
+        <p:style>
+          <a:lnRef idx="2">
+            <a:schemeClr val="accent1">
+              <a:shade val="50000"/>
+            </a:schemeClr>
+          </a:lnRef>
+          <a:fillRef idx="1">
+            <a:schemeClr val="accent1"/>
+          </a:fillRef>
+          <a:effectRef idx="0">
+            <a:schemeClr val="accent1"/>
+          </a:effectRef>
+          <a:fontRef idx="minor">
+            <a:schemeClr val="lt1"/>
+          </a:fontRef>
+        </p:style>
+        <p:txBody>
+          <a:bodyPr rtlCol="0" anchor="ctr"/>
+          <a:lstStyle/>
+          <a:p>
+            <a:pPr algn="ctr"/>
+            <a:endParaRPr lang="ko-KR" altLang="en-US"/>
+          </a:p>
+        </p:txBody>
+      </p:sp>
+      <p:sp>
+        <p:nvSpPr>
+          <p:cNvPr id="13" name="왼쪽 화살표 12"/>
+          <p:cNvSpPr/>
+          <p:nvPr/>
+        </p:nvSpPr>
+        <p:spPr>
+          <a:xfrm>
+            <a:off x="4373736" y="3888599"/>
+            <a:ext cx="431511" cy="141884"/>
+          </a:xfrm>
+          <a:prstGeom prst="leftArrow">
+            <a:avLst/>
+          </a:prstGeom>
+        </p:spPr>
+        <p:style>
+          <a:lnRef idx="2">
+            <a:schemeClr val="accent1">
+              <a:shade val="50000"/>
+            </a:schemeClr>
+          </a:lnRef>
+          <a:fillRef idx="1">
+            <a:schemeClr val="accent1"/>
+          </a:fillRef>
+          <a:effectRef idx="0">
+            <a:schemeClr val="accent1"/>
+          </a:effectRef>
+          <a:fontRef idx="minor">
+            <a:schemeClr val="lt1"/>
+          </a:fontRef>
+        </p:style>
+        <p:txBody>
+          <a:bodyPr rtlCol="0" anchor="ctr"/>
+          <a:lstStyle/>
+          <a:p>
+            <a:pPr algn="ctr"/>
+            <a:endParaRPr lang="ko-KR" altLang="en-US"/>
+          </a:p>
+        </p:txBody>
+      </p:sp>
+      <p:sp>
+        <p:nvSpPr>
+          <p:cNvPr id="14" name="왼쪽 화살표 13"/>
+          <p:cNvSpPr/>
+          <p:nvPr/>
+        </p:nvSpPr>
+        <p:spPr>
+          <a:xfrm>
+            <a:off x="7956376" y="3212976"/>
+            <a:ext cx="648072" cy="216024"/>
+          </a:xfrm>
+          <a:prstGeom prst="leftArrow">
+            <a:avLst/>
+          </a:prstGeom>
+          <a:solidFill>
+            <a:schemeClr val="accent2"/>
+          </a:solidFill>
+          <a:ln>
+            <a:solidFill>
+              <a:schemeClr val="accent2"/>
+            </a:solidFill>
+          </a:ln>
+        </p:spPr>
+        <p:style>
+          <a:lnRef idx="2">
+            <a:schemeClr val="accent1">
+              <a:shade val="50000"/>
+            </a:schemeClr>
+          </a:lnRef>
+          <a:fillRef idx="1">
+            <a:schemeClr val="accent1"/>
+          </a:fillRef>
+          <a:effectRef idx="0">
+            <a:schemeClr val="accent1"/>
+          </a:effectRef>
+          <a:fontRef idx="minor">
+            <a:schemeClr val="lt1"/>
+          </a:fontRef>
+        </p:style>
+        <p:txBody>
+          <a:bodyPr rtlCol="0" anchor="ctr"/>
+          <a:lstStyle/>
+          <a:p>
+            <a:pPr algn="ctr"/>
+            <a:endParaRPr lang="ko-KR" altLang="en-US"/>
+          </a:p>
+        </p:txBody>
+      </p:sp>
+      <p:sp>
+        <p:nvSpPr>
+          <p:cNvPr id="15" name="왼쪽 화살표 14"/>
+          <p:cNvSpPr/>
+          <p:nvPr/>
+        </p:nvSpPr>
+        <p:spPr>
+          <a:xfrm>
+            <a:off x="7956376" y="5226269"/>
+            <a:ext cx="648072" cy="216024"/>
+          </a:xfrm>
+          <a:prstGeom prst="leftArrow">
+            <a:avLst/>
+          </a:prstGeom>
+          <a:solidFill>
+            <a:schemeClr val="accent2"/>
+          </a:solidFill>
+          <a:ln>
+            <a:solidFill>
+              <a:schemeClr val="accent2"/>
+            </a:solidFill>
+          </a:ln>
+        </p:spPr>
+        <p:style>
+          <a:lnRef idx="2">
+            <a:schemeClr val="accent1">
+              <a:shade val="50000"/>
+            </a:schemeClr>
+          </a:lnRef>
+          <a:fillRef idx="1">
+            <a:schemeClr val="accent1"/>
+          </a:fillRef>
+          <a:effectRef idx="0">
+            <a:schemeClr val="accent1"/>
+          </a:effectRef>
+          <a:fontRef idx="minor">
+            <a:schemeClr val="lt1"/>
+          </a:fontRef>
+        </p:style>
+        <p:txBody>
+          <a:bodyPr rtlCol="0" anchor="ctr"/>
+          <a:lstStyle/>
+          <a:p>
+            <a:pPr algn="ctr"/>
+            <a:endParaRPr lang="ko-KR" altLang="en-US"/>
+          </a:p>
+        </p:txBody>
+      </p:sp>
+    </p:spTree>
+    <p:extLst>
+      <p:ext uri="{BB962C8B-B14F-4D97-AF65-F5344CB8AC3E}">
+        <p14:creationId xmlns:p14="http://schemas.microsoft.com/office/powerpoint/2010/main" val="963380913"/>
+      </p:ext>
+    </p:extLst>
+  </p:cSld>
+  <p:clrMapOvr>
+    <a:masterClrMapping/>
+  </p:clrMapOvr>
+  <p:timing>
+    <p:tnLst>
+      <p:par>
+        <p:cTn id="1" dur="indefinite" restart="never" nodeType="tmRoot">
+          <p:childTnLst>
+            <p:seq concurrent="1" nextAc="seek">
+              <p:cTn id="2" dur="indefinite" nodeType="mainSeq">
+                <p:childTnLst>
+                  <p:par>
+                    <p:cTn id="3" fill="hold">
+                      <p:stCondLst>
+                        <p:cond delay="indefinite"/>
+                      </p:stCondLst>
+                      <p:childTnLst>
+                        <p:par>
+                          <p:cTn id="4" fill="hold">
+                            <p:stCondLst>
+                              <p:cond delay="0"/>
+                            </p:stCondLst>
+                            <p:childTnLst>
+                              <p:par>
+                                <p:cTn id="5" presetID="1" presetClass="entr" presetSubtype="0" fill="hold" grpId="0" nodeType="clickEffect">
+                                  <p:stCondLst>
+                                    <p:cond delay="0"/>
+                                  </p:stCondLst>
+                                  <p:childTnLst>
+                                    <p:set>
+                                      <p:cBhvr>
+                                        <p:cTn id="6" dur="1" fill="hold">
+                                          <p:stCondLst>
+                                            <p:cond delay="0"/>
+                                          </p:stCondLst>
+                                        </p:cTn>
+                                        <p:tgtEl>
+                                          <p:spTgt spid="11"/>
+                                        </p:tgtEl>
+                                        <p:attrNameLst>
+                                          <p:attrName>style.visibility</p:attrName>
+                                        </p:attrNameLst>
+                                      </p:cBhvr>
+                                      <p:to>
+                                        <p:strVal val="visible"/>
+                                      </p:to>
+                                    </p:set>
+                                  </p:childTnLst>
+                                </p:cTn>
+                              </p:par>
+                            </p:childTnLst>
+                          </p:cTn>
+                        </p:par>
+                      </p:childTnLst>
+                    </p:cTn>
+                  </p:par>
+                  <p:par>
+                    <p:cTn id="7" fill="hold">
+                      <p:stCondLst>
+                        <p:cond delay="indefinite"/>
+                      </p:stCondLst>
+                      <p:childTnLst>
+                        <p:par>
+                          <p:cTn id="8" fill="hold">
+                            <p:stCondLst>
+                              <p:cond delay="0"/>
+                            </p:stCondLst>
+                            <p:childTnLst>
+                              <p:par>
+                                <p:cTn id="9" presetID="1" presetClass="entr" presetSubtype="0" fill="hold" grpId="0" nodeType="clickEffect">
+                                  <p:stCondLst>
+                                    <p:cond delay="0"/>
+                                  </p:stCondLst>
+                                  <p:childTnLst>
+                                    <p:set>
+                                      <p:cBhvr>
+                                        <p:cTn id="10" dur="1" fill="hold">
+                                          <p:stCondLst>
+                                            <p:cond delay="0"/>
+                                          </p:stCondLst>
+                                        </p:cTn>
+                                        <p:tgtEl>
+                                          <p:spTgt spid="12"/>
+                                        </p:tgtEl>
+                                        <p:attrNameLst>
+                                          <p:attrName>style.visibility</p:attrName>
+                                        </p:attrNameLst>
+                                      </p:cBhvr>
+                                      <p:to>
+                                        <p:strVal val="visible"/>
+                                      </p:to>
+                                    </p:set>
+                                  </p:childTnLst>
+                                </p:cTn>
+                              </p:par>
+                            </p:childTnLst>
+                          </p:cTn>
+                        </p:par>
+                      </p:childTnLst>
+                    </p:cTn>
+                  </p:par>
+                  <p:par>
+                    <p:cTn id="11" fill="hold">
+                      <p:stCondLst>
+                        <p:cond delay="indefinite"/>
+                      </p:stCondLst>
+                      <p:childTnLst>
+                        <p:par>
+                          <p:cTn id="12" fill="hold">
+                            <p:stCondLst>
+                              <p:cond delay="0"/>
+                            </p:stCondLst>
+                            <p:childTnLst>
+                              <p:par>
+                                <p:cTn id="13" presetID="1" presetClass="entr" presetSubtype="0" fill="hold" grpId="0" nodeType="clickEffect">
+                                  <p:stCondLst>
+                                    <p:cond delay="0"/>
+                                  </p:stCondLst>
+                                  <p:childTnLst>
+                                    <p:set>
+                                      <p:cBhvr>
+                                        <p:cTn id="14" dur="1" fill="hold">
+                                          <p:stCondLst>
+                                            <p:cond delay="0"/>
+                                          </p:stCondLst>
+                                        </p:cTn>
+                                        <p:tgtEl>
+                                          <p:spTgt spid="13"/>
+                                        </p:tgtEl>
+                                        <p:attrNameLst>
+                                          <p:attrName>style.visibility</p:attrName>
+                                        </p:attrNameLst>
+                                      </p:cBhvr>
+                                      <p:to>
+                                        <p:strVal val="visible"/>
+                                      </p:to>
+                                    </p:set>
+                                  </p:childTnLst>
+                                </p:cTn>
+                              </p:par>
+                            </p:childTnLst>
+                          </p:cTn>
+                        </p:par>
+                      </p:childTnLst>
+                    </p:cTn>
+                  </p:par>
+                  <p:par>
+                    <p:cTn id="15" fill="hold">
+                      <p:stCondLst>
+                        <p:cond delay="indefinite"/>
+                      </p:stCondLst>
+                      <p:childTnLst>
+                        <p:par>
+                          <p:cTn id="16" fill="hold">
+                            <p:stCondLst>
+                              <p:cond delay="0"/>
+                            </p:stCondLst>
+                            <p:childTnLst>
+                              <p:par>
+                                <p:cTn id="17" presetID="1" presetClass="exit" presetSubtype="0" fill="hold" grpId="1" nodeType="clickEffect">
+                                  <p:stCondLst>
+                                    <p:cond delay="0"/>
+                                  </p:stCondLst>
+                                  <p:childTnLst>
+                                    <p:set>
+                                      <p:cBhvr>
+                                        <p:cTn id="18" dur="1" fill="hold">
+                                          <p:stCondLst>
+                                            <p:cond delay="0"/>
+                                          </p:stCondLst>
+                                        </p:cTn>
+                                        <p:tgtEl>
+                                          <p:spTgt spid="11"/>
+                                        </p:tgtEl>
+                                        <p:attrNameLst>
+                                          <p:attrName>style.visibility</p:attrName>
+                                        </p:attrNameLst>
+                                      </p:cBhvr>
+                                      <p:to>
+                                        <p:strVal val="hidden"/>
+                                      </p:to>
+                                    </p:set>
+                                  </p:childTnLst>
+                                </p:cTn>
+                              </p:par>
+                              <p:par>
+                                <p:cTn id="19" presetID="1" presetClass="exit" presetSubtype="0" fill="hold" grpId="1" nodeType="withEffect">
+                                  <p:stCondLst>
+                                    <p:cond delay="0"/>
+                                  </p:stCondLst>
+                                  <p:childTnLst>
+                                    <p:set>
+                                      <p:cBhvr>
+                                        <p:cTn id="20" dur="1" fill="hold">
+                                          <p:stCondLst>
+                                            <p:cond delay="0"/>
+                                          </p:stCondLst>
+                                        </p:cTn>
+                                        <p:tgtEl>
+                                          <p:spTgt spid="12"/>
+                                        </p:tgtEl>
+                                        <p:attrNameLst>
+                                          <p:attrName>style.visibility</p:attrName>
+                                        </p:attrNameLst>
+                                      </p:cBhvr>
+                                      <p:to>
+                                        <p:strVal val="hidden"/>
+                                      </p:to>
+                                    </p:set>
+                                  </p:childTnLst>
+                                </p:cTn>
+                              </p:par>
+                              <p:par>
+                                <p:cTn id="21" presetID="1" presetClass="exit" presetSubtype="0" fill="hold" grpId="1" nodeType="withEffect">
+                                  <p:stCondLst>
+                                    <p:cond delay="0"/>
+                                  </p:stCondLst>
+                                  <p:childTnLst>
+                                    <p:set>
+                                      <p:cBhvr>
+                                        <p:cTn id="22" dur="1" fill="hold">
+                                          <p:stCondLst>
+                                            <p:cond delay="0"/>
+                                          </p:stCondLst>
+                                        </p:cTn>
+                                        <p:tgtEl>
+                                          <p:spTgt spid="13"/>
+                                        </p:tgtEl>
+                                        <p:attrNameLst>
+                                          <p:attrName>style.visibility</p:attrName>
+                                        </p:attrNameLst>
+                                      </p:cBhvr>
+                                      <p:to>
+                                        <p:strVal val="hidden"/>
+                                      </p:to>
+                                    </p:set>
+                                  </p:childTnLst>
+                                </p:cTn>
+                              </p:par>
+                            </p:childTnLst>
+                          </p:cTn>
+                        </p:par>
+                      </p:childTnLst>
+                    </p:cTn>
+                  </p:par>
+                  <p:par>
+                    <p:cTn id="23" fill="hold">
+                      <p:stCondLst>
+                        <p:cond delay="indefinite"/>
+                      </p:stCondLst>
+                      <p:childTnLst>
+                        <p:par>
+                          <p:cTn id="24" fill="hold">
+                            <p:stCondLst>
+                              <p:cond delay="0"/>
+                            </p:stCondLst>
+                            <p:childTnLst>
+                              <p:par>
+                                <p:cTn id="25" presetID="1" presetClass="entr" presetSubtype="0" fill="hold" grpId="0" nodeType="clickEffect">
+                                  <p:stCondLst>
+                                    <p:cond delay="0"/>
+                                  </p:stCondLst>
+                                  <p:childTnLst>
+                                    <p:set>
+                                      <p:cBhvr>
+                                        <p:cTn id="26" dur="1" fill="hold">
+                                          <p:stCondLst>
+                                            <p:cond delay="0"/>
+                                          </p:stCondLst>
+                                        </p:cTn>
+                                        <p:tgtEl>
+                                          <p:spTgt spid="14"/>
+                                        </p:tgtEl>
+                                        <p:attrNameLst>
+                                          <p:attrName>style.visibility</p:attrName>
+                                        </p:attrNameLst>
+                                      </p:cBhvr>
+                                      <p:to>
+                                        <p:strVal val="visible"/>
+                                      </p:to>
+                                    </p:set>
+                                  </p:childTnLst>
+                                </p:cTn>
+                              </p:par>
+                              <p:par>
+                                <p:cTn id="27" presetID="1" presetClass="entr" presetSubtype="0" fill="hold" grpId="0" nodeType="withEffect">
+                                  <p:stCondLst>
+                                    <p:cond delay="0"/>
+                                  </p:stCondLst>
+                                  <p:childTnLst>
+                                    <p:set>
+                                      <p:cBhvr>
+                                        <p:cTn id="28" dur="1" fill="hold">
+                                          <p:stCondLst>
+                                            <p:cond delay="0"/>
+                                          </p:stCondLst>
+                                        </p:cTn>
+                                        <p:tgtEl>
+                                          <p:spTgt spid="15"/>
+                                        </p:tgtEl>
+                                        <p:attrNameLst>
+                                          <p:attrName>style.visibility</p:attrName>
+                                        </p:attrNameLst>
+                                      </p:cBhvr>
+                                      <p:to>
+                                        <p:strVal val="visible"/>
+                                      </p:to>
+                                    </p:set>
+                                  </p:childTnLst>
+                                </p:cTn>
+                              </p:par>
+                            </p:childTnLst>
+                          </p:cTn>
+                        </p:par>
+                      </p:childTnLst>
+                    </p:cTn>
+                  </p:par>
+                  <p:par>
+                    <p:cTn id="29" fill="hold">
+                      <p:stCondLst>
+                        <p:cond delay="indefinite"/>
+                      </p:stCondLst>
+                      <p:childTnLst>
+                        <p:par>
+                          <p:cTn id="30" fill="hold">
+                            <p:stCondLst>
+                              <p:cond delay="0"/>
+                            </p:stCondLst>
+                            <p:childTnLst>
+                              <p:par>
+                                <p:cTn id="31" presetID="1" presetClass="exit" presetSubtype="0" fill="hold" grpId="1" nodeType="clickEffect">
+                                  <p:stCondLst>
+                                    <p:cond delay="0"/>
+                                  </p:stCondLst>
+                                  <p:childTnLst>
+                                    <p:set>
+                                      <p:cBhvr>
+                                        <p:cTn id="32" dur="1" fill="hold">
+                                          <p:stCondLst>
+                                            <p:cond delay="0"/>
+                                          </p:stCondLst>
+                                        </p:cTn>
+                                        <p:tgtEl>
+                                          <p:spTgt spid="14"/>
+                                        </p:tgtEl>
+                                        <p:attrNameLst>
+                                          <p:attrName>style.visibility</p:attrName>
+                                        </p:attrNameLst>
+                                      </p:cBhvr>
+                                      <p:to>
+                                        <p:strVal val="hidden"/>
+                                      </p:to>
+                                    </p:set>
+                                  </p:childTnLst>
+                                </p:cTn>
+                              </p:par>
+                              <p:par>
+                                <p:cTn id="33" presetID="1" presetClass="exit" presetSubtype="0" fill="hold" grpId="1" nodeType="withEffect">
+                                  <p:stCondLst>
+                                    <p:cond delay="0"/>
+                                  </p:stCondLst>
+                                  <p:childTnLst>
+                                    <p:set>
+                                      <p:cBhvr>
+                                        <p:cTn id="34" dur="1" fill="hold">
+                                          <p:stCondLst>
+                                            <p:cond delay="0"/>
+                                          </p:stCondLst>
+                                        </p:cTn>
+                                        <p:tgtEl>
+                                          <p:spTgt spid="15"/>
+                                        </p:tgtEl>
+                                        <p:attrNameLst>
+                                          <p:attrName>style.visibility</p:attrName>
+                                        </p:attrNameLst>
+                                      </p:cBhvr>
+                                      <p:to>
+                                        <p:strVal val="hidden"/>
+                                      </p:to>
+                                    </p:set>
+                                  </p:childTnLst>
+                                </p:cTn>
+                              </p:par>
+                            </p:childTnLst>
+                          </p:cTn>
+                        </p:par>
+                      </p:childTnLst>
+                    </p:cTn>
+                  </p:par>
+                </p:childTnLst>
+              </p:cTn>
+              <p:prevCondLst>
+                <p:cond evt="onPrev" delay="0">
+                  <p:tgtEl>
+                    <p:sldTgt/>
+                  </p:tgtEl>
+                </p:cond>
+              </p:prevCondLst>
+              <p:nextCondLst>
+                <p:cond evt="onNext" delay="0">
+                  <p:tgtEl>
+                    <p:sldTgt/>
+                  </p:tgtEl>
+                </p:cond>
+              </p:nextCondLst>
+            </p:seq>
+          </p:childTnLst>
+        </p:cTn>
+      </p:par>
+    </p:tnLst>
+    <p:bldLst>
+      <p:bldP spid="11" grpId="0" animBg="1"/>
+      <p:bldP spid="11" grpId="1" animBg="1"/>
+      <p:bldP spid="12" grpId="0" animBg="1"/>
+      <p:bldP spid="12" grpId="1" animBg="1"/>
+      <p:bldP spid="13" grpId="0" animBg="1"/>
+      <p:bldP spid="13" grpId="1" animBg="1"/>
+      <p:bldP spid="14" grpId="0" animBg="1"/>
+      <p:bldP spid="14" grpId="1" animBg="1"/>
+      <p:bldP spid="15" grpId="0" animBg="1"/>
+      <p:bldP spid="15" grpId="1" animBg="1"/>
+    </p:bldLst>
+  </p:timing>
+</p:sld>
+</file>
+
+<file path=ppt/slides/slide15.xml><?xml version="1.0" encoding="utf-8"?>
+<p:sld xmlns:a="http://schemas.openxmlformats.org/drawingml/2006/main" xmlns:r="http://schemas.openxmlformats.org/officeDocument/2006/relationships" xmlns:p="http://schemas.openxmlformats.org/presentationml/2006/main">
+  <p:cSld>
+    <p:spTree>
+      <p:nvGrpSpPr>
+        <p:cNvPr id="1" name=""/>
+        <p:cNvGrpSpPr/>
+        <p:nvPr/>
+      </p:nvGrpSpPr>
+      <p:grpSpPr>
+        <a:xfrm>
+          <a:off x="0" y="0"/>
+          <a:ext cx="0" cy="0"/>
+          <a:chOff x="0" y="0"/>
+          <a:chExt cx="0" cy="0"/>
+        </a:xfrm>
+      </p:grpSpPr>
+      <p:sp>
+        <p:nvSpPr>
+          <p:cNvPr id="5" name="내용 개체 틀 4"/>
+          <p:cNvSpPr>
+            <a:spLocks noGrp="1"/>
+          </p:cNvSpPr>
+          <p:nvPr>
+            <p:ph sz="half" idx="1"/>
+          </p:nvPr>
+        </p:nvSpPr>
+        <p:spPr>
+          <a:xfrm>
+            <a:off x="428354" y="1351159"/>
+            <a:ext cx="4038600" cy="4525963"/>
+          </a:xfrm>
+        </p:spPr>
+        <p:txBody>
+          <a:bodyPr/>
+          <a:lstStyle/>
+          <a:p>
+            <a:endParaRPr lang="en-US" altLang="ko-KR" dirty="0" smtClean="0"/>
+          </a:p>
+          <a:p>
+            <a:endParaRPr lang="en-US" altLang="ko-KR" dirty="0"/>
+          </a:p>
+          <a:p>
+            <a:endParaRPr lang="ko-KR" altLang="en-US" dirty="0"/>
+          </a:p>
+        </p:txBody>
+      </p:sp>
+      <p:pic>
+        <p:nvPicPr>
+          <p:cNvPr id="4" name="내용 개체 틀 3"/>
+          <p:cNvPicPr>
+            <a:picLocks noGrp="1" noChangeAspect="1"/>
+          </p:cNvPicPr>
+          <p:nvPr>
+            <p:ph sz="half" idx="2"/>
+          </p:nvPr>
+        </p:nvPicPr>
+        <p:blipFill>
+          <a:blip r:embed="rId2" cstate="print">
+            <a:extLst>
+              <a:ext uri="{28A0092B-C50C-407E-A947-70E740481C1C}">
+                <a14:useLocalDpi xmlns:a14="http://schemas.microsoft.com/office/drawing/2010/main" val="0"/>
+              </a:ext>
+            </a:extLst>
+          </a:blip>
+          <a:stretch>
+            <a:fillRect/>
+          </a:stretch>
+        </p:blipFill>
+        <p:spPr>
+          <a:xfrm>
+            <a:off x="4142221" y="260648"/>
+            <a:ext cx="4386725" cy="3423348"/>
+          </a:xfrm>
+        </p:spPr>
+      </p:pic>
+      <p:sp>
+        <p:nvSpPr>
+          <p:cNvPr id="7" name="TextBox 25"/>
+          <p:cNvSpPr txBox="1">
+            <a:spLocks noChangeArrowheads="1"/>
+          </p:cNvSpPr>
+          <p:nvPr/>
+        </p:nvSpPr>
+        <p:spPr bwMode="auto">
+          <a:xfrm>
+            <a:off x="323528" y="603121"/>
+            <a:ext cx="5184576" cy="523220"/>
+          </a:xfrm>
+          <a:prstGeom prst="rect">
+            <a:avLst/>
+          </a:prstGeom>
+          <a:noFill/>
+          <a:ln w="9525">
+            <a:noFill/>
+            <a:miter lim="800000"/>
+            <a:headEnd/>
+            <a:tailEnd/>
+          </a:ln>
+        </p:spPr>
+        <p:txBody>
+          <a:bodyPr wrap="square">
+            <a:spAutoFit/>
+          </a:bodyPr>
+          <a:lstStyle/>
+          <a:p>
+            <a:pPr lvl="0"/>
+            <a:r>
+              <a:rPr lang="en-US" altLang="ko-KR" sz="2800" dirty="0" smtClean="0">
+                <a:solidFill>
+                  <a:prstClr val="black">
+                    <a:lumMod val="65000"/>
+                    <a:lumOff val="35000"/>
+                  </a:prstClr>
+                </a:solidFill>
+                <a:latin typeface="다음_SemiBold" pitchFamily="2" charset="-127"/>
+                <a:ea typeface="다음_SemiBold" pitchFamily="2" charset="-127"/>
+              </a:rPr>
+              <a:t>Markdown(-.md)</a:t>
+            </a:r>
+            <a:endParaRPr lang="en-US" altLang="ko-KR" sz="2800" dirty="0" smtClean="0">
+              <a:solidFill>
+                <a:prstClr val="black">
+                  <a:lumMod val="65000"/>
+                  <a:lumOff val="35000"/>
+                </a:prstClr>
+              </a:solidFill>
+              <a:latin typeface="다음_SemiBold" pitchFamily="2" charset="-127"/>
+              <a:ea typeface="다음_SemiBold" pitchFamily="2" charset="-127"/>
+            </a:endParaRPr>
+          </a:p>
+        </p:txBody>
+      </p:sp>
+      <p:sp>
+        <p:nvSpPr>
+          <p:cNvPr id="8" name="TextBox 25"/>
+          <p:cNvSpPr txBox="1">
+            <a:spLocks noChangeArrowheads="1"/>
+          </p:cNvSpPr>
+          <p:nvPr/>
+        </p:nvSpPr>
+        <p:spPr bwMode="auto">
+          <a:xfrm>
+            <a:off x="323528" y="1195735"/>
+            <a:ext cx="5184576" cy="338554"/>
+          </a:xfrm>
+          <a:prstGeom prst="rect">
+            <a:avLst/>
+          </a:prstGeom>
+          <a:noFill/>
+          <a:ln w="9525">
+            <a:noFill/>
+            <a:miter lim="800000"/>
+            <a:headEnd/>
+            <a:tailEnd/>
+          </a:ln>
+        </p:spPr>
+        <p:txBody>
+          <a:bodyPr wrap="square">
+            <a:spAutoFit/>
+          </a:bodyPr>
+          <a:lstStyle/>
+          <a:p>
+            <a:pPr lvl="0"/>
+            <a:r>
+              <a:rPr lang="ko-KR" altLang="en-US" sz="1600" dirty="0" smtClean="0">
+                <a:solidFill>
+                  <a:prstClr val="black">
+                    <a:lumMod val="65000"/>
+                    <a:lumOff val="35000"/>
+                  </a:prstClr>
+                </a:solidFill>
+                <a:latin typeface="나눔바른고딕" pitchFamily="50" charset="-127"/>
+                <a:ea typeface="나눔바른고딕" pitchFamily="50" charset="-127"/>
+              </a:rPr>
+              <a:t> </a:t>
+            </a:r>
+            <a:endParaRPr lang="en-US" altLang="ko-KR" sz="1600" dirty="0" smtClean="0">
+              <a:solidFill>
+                <a:prstClr val="black">
+                  <a:lumMod val="65000"/>
+                  <a:lumOff val="35000"/>
+                </a:prstClr>
+              </a:solidFill>
+              <a:latin typeface="나눔바른고딕" pitchFamily="50" charset="-127"/>
+              <a:ea typeface="나눔바른고딕" pitchFamily="50" charset="-127"/>
+            </a:endParaRPr>
+          </a:p>
+        </p:txBody>
+      </p:sp>
+      <p:cxnSp>
+        <p:nvCxnSpPr>
+          <p:cNvPr id="9" name="직선 연결선 8"/>
+          <p:cNvCxnSpPr/>
+          <p:nvPr/>
+        </p:nvCxnSpPr>
+        <p:spPr>
+          <a:xfrm>
+            <a:off x="428355" y="475655"/>
+            <a:ext cx="327221" cy="0"/>
+          </a:xfrm>
+          <a:prstGeom prst="line">
+            <a:avLst/>
+          </a:prstGeom>
+          <a:ln w="76200">
+            <a:solidFill>
+              <a:schemeClr val="tx1">
+                <a:lumMod val="65000"/>
+                <a:lumOff val="35000"/>
+              </a:schemeClr>
+            </a:solidFill>
+          </a:ln>
+        </p:spPr>
+        <p:style>
+          <a:lnRef idx="1">
+            <a:schemeClr val="accent1"/>
+          </a:lnRef>
+          <a:fillRef idx="0">
+            <a:schemeClr val="accent1"/>
+          </a:fillRef>
+          <a:effectRef idx="0">
+            <a:schemeClr val="accent1"/>
+          </a:effectRef>
+          <a:fontRef idx="minor">
+            <a:schemeClr val="tx1"/>
+          </a:fontRef>
+        </p:style>
+      </p:cxnSp>
+      <p:pic>
+        <p:nvPicPr>
+          <p:cNvPr id="10" name="그림 9"/>
+          <p:cNvPicPr>
+            <a:picLocks noChangeAspect="1"/>
+          </p:cNvPicPr>
+          <p:nvPr/>
+        </p:nvPicPr>
+        <p:blipFill>
+          <a:blip r:embed="rId3">
+            <a:extLst>
+              <a:ext uri="{28A0092B-C50C-407E-A947-70E740481C1C}">
+                <a14:useLocalDpi xmlns:a14="http://schemas.microsoft.com/office/drawing/2010/main" val="0"/>
+              </a:ext>
+            </a:extLst>
+          </a:blip>
+          <a:stretch>
+            <a:fillRect/>
+          </a:stretch>
+        </p:blipFill>
+        <p:spPr>
+          <a:xfrm>
+            <a:off x="4221543" y="3034637"/>
+            <a:ext cx="4533010" cy="3448425"/>
+          </a:xfrm>
+          <a:prstGeom prst="rect">
+            <a:avLst/>
+          </a:prstGeom>
+        </p:spPr>
+      </p:pic>
+      <p:sp>
+        <p:nvSpPr>
+          <p:cNvPr id="11" name="TextBox 10"/>
+          <p:cNvSpPr txBox="1"/>
+          <p:nvPr/>
+        </p:nvSpPr>
+        <p:spPr>
+          <a:xfrm>
+            <a:off x="428354" y="1365012"/>
+            <a:ext cx="3423565" cy="1231106"/>
+          </a:xfrm>
+          <a:prstGeom prst="rect">
+            <a:avLst/>
+          </a:prstGeom>
+          <a:noFill/>
+        </p:spPr>
+        <p:txBody>
+          <a:bodyPr wrap="square" rtlCol="0">
+            <a:spAutoFit/>
+          </a:bodyPr>
+          <a:lstStyle/>
+          <a:p>
+            <a:pPr marL="285750" indent="-285750">
+              <a:buFont typeface="Arial" panose="020B0604020202020204" pitchFamily="34" charset="0"/>
+              <a:buChar char="•"/>
+            </a:pPr>
+            <a:r>
+              <a:rPr lang="ko-KR" altLang="en-US" sz="2800" dirty="0" smtClean="0">
+                <a:solidFill>
+                  <a:schemeClr val="accent3">
+                    <a:lumMod val="50000"/>
+                  </a:schemeClr>
+                </a:solidFill>
+                <a:latin typeface="다음_Regular" panose="02000603060000000000" pitchFamily="2" charset="-127"/>
+                <a:ea typeface="다음_Regular" panose="02000603060000000000" pitchFamily="2" charset="-127"/>
+              </a:rPr>
+              <a:t>그림 삽입</a:t>
+            </a:r>
+            <a:endParaRPr lang="en-US" altLang="ko-KR" sz="2800" dirty="0" smtClean="0">
+              <a:solidFill>
+                <a:schemeClr val="accent3">
+                  <a:lumMod val="50000"/>
+                </a:schemeClr>
+              </a:solidFill>
+              <a:latin typeface="다음_Regular" panose="02000603060000000000" pitchFamily="2" charset="-127"/>
+              <a:ea typeface="다음_Regular" panose="02000603060000000000" pitchFamily="2" charset="-127"/>
+            </a:endParaRPr>
+          </a:p>
+          <a:p>
+            <a:pPr marL="285750" indent="-285750">
+              <a:buFont typeface="Arial" panose="020B0604020202020204" pitchFamily="34" charset="0"/>
+              <a:buChar char="•"/>
+            </a:pPr>
+            <a:endParaRPr lang="en-US" altLang="ko-KR" sz="2800" dirty="0"/>
+          </a:p>
+          <a:p>
+            <a:pPr marL="285750" indent="-285750">
+              <a:buFont typeface="Arial" panose="020B0604020202020204" pitchFamily="34" charset="0"/>
+              <a:buChar char="•"/>
+            </a:pPr>
+            <a:r>
+              <a:rPr lang="en-US" altLang="ko-KR" dirty="0"/>
+              <a:t>![Alt text](/path/to/img.jpg)</a:t>
+            </a:r>
+            <a:endParaRPr lang="ko-KR" altLang="en-US" dirty="0"/>
+          </a:p>
+        </p:txBody>
+      </p:sp>
+    </p:spTree>
+    <p:extLst>
+      <p:ext uri="{BB962C8B-B14F-4D97-AF65-F5344CB8AC3E}">
+        <p14:creationId xmlns:p14="http://schemas.microsoft.com/office/powerpoint/2010/main" val="1611744689"/>
+      </p:ext>
+    </p:extLst>
+  </p:cSld>
+  <p:clrMapOvr>
+    <a:masterClrMapping/>
+  </p:clrMapOvr>
+  <p:timing>
+    <p:tnLst>
+      <p:par>
+        <p:cTn id="1" dur="indefinite" restart="never" nodeType="tmRoot"/>
+      </p:par>
+    </p:tnLst>
+  </p:timing>
+</p:sld>
+</file>
+
+<file path=ppt/slides/slide16.xml><?xml version="1.0" encoding="utf-8"?>
+<p:sld xmlns:a="http://schemas.openxmlformats.org/drawingml/2006/main" xmlns:r="http://schemas.openxmlformats.org/officeDocument/2006/relationships" xmlns:p="http://schemas.openxmlformats.org/presentationml/2006/main">
+  <p:cSld>
+    <p:spTree>
+      <p:nvGrpSpPr>
+        <p:cNvPr id="1" name=""/>
+        <p:cNvGrpSpPr/>
+        <p:nvPr/>
+      </p:nvGrpSpPr>
+      <p:grpSpPr>
+        <a:xfrm>
+          <a:off x="0" y="0"/>
+          <a:ext cx="0" cy="0"/>
+          <a:chOff x="0" y="0"/>
+          <a:chExt cx="0" cy="0"/>
+        </a:xfrm>
+      </p:grpSpPr>
+      <p:sp>
+        <p:nvSpPr>
+          <p:cNvPr id="5" name="내용 개체 틀 4"/>
+          <p:cNvSpPr>
+            <a:spLocks noGrp="1"/>
+          </p:cNvSpPr>
+          <p:nvPr>
+            <p:ph sz="half" idx="1"/>
+          </p:nvPr>
+        </p:nvSpPr>
+        <p:spPr/>
+        <p:txBody>
+          <a:bodyPr/>
+          <a:lstStyle/>
+          <a:p>
+            <a:r>
+              <a:rPr lang="ko-KR" altLang="en-US" dirty="0" smtClean="0">
+                <a:solidFill>
+                  <a:schemeClr val="accent3">
+                    <a:lumMod val="50000"/>
+                  </a:schemeClr>
+                </a:solidFill>
+                <a:latin typeface="다음_Regular" panose="02000603060000000000" pitchFamily="2" charset="-127"/>
+                <a:ea typeface="다음_Regular" panose="02000603060000000000" pitchFamily="2" charset="-127"/>
+              </a:rPr>
+              <a:t>말머리 기호</a:t>
+            </a:r>
+            <a:r>
+              <a:rPr lang="en-US" altLang="ko-KR" dirty="0"/>
+              <a:t/>
+            </a:r>
+            <a:br>
+              <a:rPr lang="en-US" altLang="ko-KR" dirty="0"/>
+            </a:br>
+            <a:endParaRPr lang="en-US" altLang="ko-KR" dirty="0" smtClean="0"/>
+          </a:p>
+          <a:p>
+            <a:r>
+              <a:rPr lang="en-US" altLang="ko-KR" sz="1800" dirty="0" smtClean="0"/>
+              <a:t>*</a:t>
+            </a:r>
+            <a:br>
+              <a:rPr lang="en-US" altLang="ko-KR" sz="1800" dirty="0" smtClean="0"/>
+            </a:br>
+            <a:r>
+              <a:rPr lang="en-US" altLang="ko-KR" sz="1800" dirty="0" smtClean="0"/>
+              <a:t>   *</a:t>
+            </a:r>
+            <a:br>
+              <a:rPr lang="en-US" altLang="ko-KR" sz="1800" dirty="0" smtClean="0"/>
+            </a:br>
+            <a:r>
+              <a:rPr lang="en-US" altLang="ko-KR" sz="1800" dirty="0" smtClean="0"/>
+              <a:t>      *</a:t>
+            </a:r>
+          </a:p>
+          <a:p>
+            <a:r>
+              <a:rPr lang="en-US" altLang="ko-KR" sz="1800" dirty="0" smtClean="0"/>
+              <a:t>-</a:t>
+            </a:r>
+            <a:br>
+              <a:rPr lang="en-US" altLang="ko-KR" sz="1800" dirty="0" smtClean="0"/>
+            </a:br>
+            <a:r>
+              <a:rPr lang="en-US" altLang="ko-KR" sz="1800" dirty="0" smtClean="0"/>
+              <a:t>-</a:t>
+            </a:r>
+            <a:br>
+              <a:rPr lang="en-US" altLang="ko-KR" sz="1800" dirty="0" smtClean="0"/>
+            </a:br>
+            <a:r>
+              <a:rPr lang="en-US" altLang="ko-KR" sz="1800" dirty="0" smtClean="0"/>
+              <a:t>-</a:t>
+            </a:r>
+          </a:p>
+          <a:p>
+            <a:endParaRPr lang="en-US" altLang="ko-KR" sz="1800" dirty="0"/>
+          </a:p>
+          <a:p>
+            <a:endParaRPr lang="en-US" altLang="ko-KR" sz="1800" dirty="0"/>
+          </a:p>
+          <a:p>
+            <a:endParaRPr lang="ko-KR" altLang="en-US" dirty="0"/>
+          </a:p>
+        </p:txBody>
+      </p:sp>
+      <p:sp>
+        <p:nvSpPr>
+          <p:cNvPr id="6" name="내용 개체 틀 5"/>
+          <p:cNvSpPr>
+            <a:spLocks noGrp="1"/>
+          </p:cNvSpPr>
+          <p:nvPr>
+            <p:ph sz="half" idx="2"/>
+          </p:nvPr>
+        </p:nvSpPr>
+        <p:spPr/>
+        <p:txBody>
+          <a:bodyPr>
+            <a:normAutofit/>
+          </a:bodyPr>
+          <a:lstStyle/>
+          <a:p>
+            <a:pPr marL="0" indent="0">
+              <a:buNone/>
+            </a:pPr>
+            <a:endParaRPr lang="en-US" altLang="ko-KR" sz="2000" dirty="0" smtClean="0"/>
+          </a:p>
+          <a:p>
+            <a:endParaRPr lang="ko-KR" altLang="en-US" sz="2000" dirty="0"/>
+          </a:p>
+        </p:txBody>
+      </p:sp>
+      <p:sp>
+        <p:nvSpPr>
+          <p:cNvPr id="7" name="TextBox 25"/>
+          <p:cNvSpPr txBox="1">
+            <a:spLocks noChangeArrowheads="1"/>
+          </p:cNvSpPr>
+          <p:nvPr/>
+        </p:nvSpPr>
+        <p:spPr bwMode="auto">
+          <a:xfrm>
+            <a:off x="323528" y="603121"/>
+            <a:ext cx="5184576" cy="523220"/>
+          </a:xfrm>
+          <a:prstGeom prst="rect">
+            <a:avLst/>
+          </a:prstGeom>
+          <a:noFill/>
+          <a:ln w="9525">
+            <a:noFill/>
+            <a:miter lim="800000"/>
+            <a:headEnd/>
+            <a:tailEnd/>
+          </a:ln>
+        </p:spPr>
+        <p:txBody>
+          <a:bodyPr wrap="square">
+            <a:spAutoFit/>
+          </a:bodyPr>
+          <a:lstStyle/>
+          <a:p>
+            <a:pPr lvl="0"/>
+            <a:r>
+              <a:rPr lang="en-US" altLang="ko-KR" sz="2800" dirty="0" smtClean="0">
+                <a:solidFill>
+                  <a:prstClr val="black">
+                    <a:lumMod val="65000"/>
+                    <a:lumOff val="35000"/>
+                  </a:prstClr>
+                </a:solidFill>
+                <a:latin typeface="다음_SemiBold" pitchFamily="2" charset="-127"/>
+                <a:ea typeface="다음_SemiBold" pitchFamily="2" charset="-127"/>
+              </a:rPr>
+              <a:t>Markdown(-.md)</a:t>
+            </a:r>
+            <a:endParaRPr lang="en-US" altLang="ko-KR" sz="2800" dirty="0" smtClean="0">
+              <a:solidFill>
+                <a:prstClr val="black">
+                  <a:lumMod val="65000"/>
+                  <a:lumOff val="35000"/>
+                </a:prstClr>
+              </a:solidFill>
+              <a:latin typeface="다음_SemiBold" pitchFamily="2" charset="-127"/>
+              <a:ea typeface="다음_SemiBold" pitchFamily="2" charset="-127"/>
+            </a:endParaRPr>
+          </a:p>
+        </p:txBody>
+      </p:sp>
+      <p:sp>
+        <p:nvSpPr>
+          <p:cNvPr id="8" name="TextBox 25"/>
+          <p:cNvSpPr txBox="1">
+            <a:spLocks noChangeArrowheads="1"/>
+          </p:cNvSpPr>
+          <p:nvPr/>
+        </p:nvSpPr>
+        <p:spPr bwMode="auto">
+          <a:xfrm>
+            <a:off x="323528" y="1195735"/>
+            <a:ext cx="5184576" cy="338554"/>
+          </a:xfrm>
+          <a:prstGeom prst="rect">
+            <a:avLst/>
+          </a:prstGeom>
+          <a:noFill/>
+          <a:ln w="9525">
+            <a:noFill/>
+            <a:miter lim="800000"/>
+            <a:headEnd/>
+            <a:tailEnd/>
+          </a:ln>
+        </p:spPr>
+        <p:txBody>
+          <a:bodyPr wrap="square">
+            <a:spAutoFit/>
+          </a:bodyPr>
+          <a:lstStyle/>
+          <a:p>
+            <a:pPr lvl="0"/>
+            <a:r>
+              <a:rPr lang="ko-KR" altLang="en-US" sz="1600" dirty="0" smtClean="0">
+                <a:solidFill>
+                  <a:prstClr val="black">
+                    <a:lumMod val="65000"/>
+                    <a:lumOff val="35000"/>
+                  </a:prstClr>
+                </a:solidFill>
+                <a:latin typeface="나눔바른고딕" pitchFamily="50" charset="-127"/>
+                <a:ea typeface="나눔바른고딕" pitchFamily="50" charset="-127"/>
+              </a:rPr>
+              <a:t> </a:t>
+            </a:r>
+            <a:endParaRPr lang="en-US" altLang="ko-KR" sz="1600" dirty="0" smtClean="0">
+              <a:solidFill>
+                <a:prstClr val="black">
+                  <a:lumMod val="65000"/>
+                  <a:lumOff val="35000"/>
+                </a:prstClr>
+              </a:solidFill>
+              <a:latin typeface="나눔바른고딕" pitchFamily="50" charset="-127"/>
+              <a:ea typeface="나눔바른고딕" pitchFamily="50" charset="-127"/>
+            </a:endParaRPr>
+          </a:p>
+        </p:txBody>
+      </p:sp>
+      <p:cxnSp>
+        <p:nvCxnSpPr>
+          <p:cNvPr id="9" name="직선 연결선 8"/>
+          <p:cNvCxnSpPr/>
+          <p:nvPr/>
+        </p:nvCxnSpPr>
+        <p:spPr>
+          <a:xfrm>
+            <a:off x="428355" y="475655"/>
+            <a:ext cx="327221" cy="0"/>
+          </a:xfrm>
+          <a:prstGeom prst="line">
+            <a:avLst/>
+          </a:prstGeom>
+          <a:ln w="76200">
+            <a:solidFill>
+              <a:schemeClr val="tx1">
+                <a:lumMod val="65000"/>
+                <a:lumOff val="35000"/>
+              </a:schemeClr>
+            </a:solidFill>
+          </a:ln>
+        </p:spPr>
+        <p:style>
+          <a:lnRef idx="1">
+            <a:schemeClr val="accent1"/>
+          </a:lnRef>
+          <a:fillRef idx="0">
+            <a:schemeClr val="accent1"/>
+          </a:fillRef>
+          <a:effectRef idx="0">
+            <a:schemeClr val="accent1"/>
+          </a:effectRef>
+          <a:fontRef idx="minor">
+            <a:schemeClr val="tx1"/>
+          </a:fontRef>
+        </p:style>
+      </p:cxnSp>
+      <p:pic>
+        <p:nvPicPr>
+          <p:cNvPr id="12" name="그림 11"/>
+          <p:cNvPicPr>
+            <a:picLocks noChangeAspect="1"/>
+          </p:cNvPicPr>
+          <p:nvPr/>
+        </p:nvPicPr>
+        <p:blipFill>
+          <a:blip r:embed="rId2">
+            <a:extLst>
+              <a:ext uri="{28A0092B-C50C-407E-A947-70E740481C1C}">
+                <a14:useLocalDpi xmlns:a14="http://schemas.microsoft.com/office/drawing/2010/main" val="0"/>
+              </a:ext>
+            </a:extLst>
+          </a:blip>
+          <a:stretch>
+            <a:fillRect/>
+          </a:stretch>
+        </p:blipFill>
+        <p:spPr>
+          <a:xfrm>
+            <a:off x="3707904" y="1340649"/>
+            <a:ext cx="6080267" cy="5045063"/>
+          </a:xfrm>
+          <a:prstGeom prst="rect">
+            <a:avLst/>
+          </a:prstGeom>
+        </p:spPr>
+      </p:pic>
+    </p:spTree>
+    <p:extLst>
+      <p:ext uri="{BB962C8B-B14F-4D97-AF65-F5344CB8AC3E}">
+        <p14:creationId xmlns:p14="http://schemas.microsoft.com/office/powerpoint/2010/main" val="553997371"/>
+      </p:ext>
+    </p:extLst>
+  </p:cSld>
+  <p:clrMapOvr>
+    <a:masterClrMapping/>
+  </p:clrMapOvr>
+  <p:timing>
+    <p:tnLst>
+      <p:par>
+        <p:cTn id="1" dur="indefinite" restart="never" nodeType="tmRoot"/>
+      </p:par>
+    </p:tnLst>
+  </p:timing>
+</p:sld>
+</file>
+
+<file path=ppt/slides/slide17.xml><?xml version="1.0" encoding="utf-8"?>
+<p:sld xmlns:a="http://schemas.openxmlformats.org/drawingml/2006/main" xmlns:r="http://schemas.openxmlformats.org/officeDocument/2006/relationships" xmlns:p="http://schemas.openxmlformats.org/presentationml/2006/main">
+  <p:cSld>
+    <p:spTree>
+      <p:nvGrpSpPr>
+        <p:cNvPr id="1" name=""/>
+        <p:cNvGrpSpPr/>
+        <p:nvPr/>
+      </p:nvGrpSpPr>
+      <p:grpSpPr>
+        <a:xfrm>
+          <a:off x="0" y="0"/>
+          <a:ext cx="0" cy="0"/>
+          <a:chOff x="0" y="0"/>
+          <a:chExt cx="0" cy="0"/>
+        </a:xfrm>
+      </p:grpSpPr>
+      <p:sp>
+        <p:nvSpPr>
+          <p:cNvPr id="4" name="직사각형 3"/>
+          <p:cNvSpPr/>
+          <p:nvPr/>
+        </p:nvSpPr>
+        <p:spPr>
+          <a:xfrm>
+            <a:off x="0" y="0"/>
+            <a:ext cx="9144000" cy="6858000"/>
+          </a:xfrm>
+          <a:prstGeom prst="rect">
+            <a:avLst/>
+          </a:prstGeom>
+          <a:solidFill>
+            <a:schemeClr val="tx1">
+              <a:lumMod val="75000"/>
+              <a:lumOff val="25000"/>
+            </a:schemeClr>
+          </a:solidFill>
+        </p:spPr>
+        <p:txBody>
+          <a:bodyPr wrap="square" rtlCol="0" anchor="ctr">
+            <a:spAutoFit/>
+          </a:bodyPr>
+          <a:lstStyle/>
+          <a:p>
+            <a:pPr marL="182563" indent="-182563" algn="ctr" latinLnBrk="0"/>
+            <a:endParaRPr lang="ko-KR" altLang="en-US" sz="900" b="1" dirty="0" smtClean="0">
+              <a:solidFill>
+                <a:srgbClr val="FF0000"/>
+              </a:solidFill>
+              <a:latin typeface="+mj-lt"/>
+              <a:ea typeface="나눔고딕 ExtraBold" pitchFamily="50" charset="-127"/>
+            </a:endParaRPr>
+          </a:p>
+        </p:txBody>
+      </p:sp>
+      <p:grpSp>
+        <p:nvGrpSpPr>
+          <p:cNvPr id="17" name="그룹 16"/>
+          <p:cNvGrpSpPr/>
+          <p:nvPr/>
+        </p:nvGrpSpPr>
+        <p:grpSpPr>
+          <a:xfrm>
+            <a:off x="1115616" y="1271372"/>
+            <a:ext cx="2664296" cy="504056"/>
+            <a:chOff x="1619672" y="2060848"/>
+            <a:chExt cx="2160240" cy="216024"/>
+          </a:xfrm>
+        </p:grpSpPr>
+        <p:sp>
+          <p:nvSpPr>
+            <p:cNvPr id="18" name="TextBox 25"/>
+            <p:cNvSpPr txBox="1">
+              <a:spLocks noChangeArrowheads="1"/>
+            </p:cNvSpPr>
+            <p:nvPr/>
+          </p:nvSpPr>
+          <p:spPr bwMode="auto">
+            <a:xfrm>
+              <a:off x="1619672" y="2060848"/>
+              <a:ext cx="2088232" cy="144016"/>
+            </a:xfrm>
+            <a:prstGeom prst="rect">
+              <a:avLst/>
+            </a:prstGeom>
+            <a:solidFill>
+              <a:srgbClr val="7FAEEF">
+                <a:alpha val="40000"/>
+              </a:srgbClr>
+            </a:solidFill>
+            <a:ln w="9525">
+              <a:noFill/>
+              <a:miter lim="800000"/>
+              <a:headEnd/>
+              <a:tailEnd/>
+            </a:ln>
+          </p:spPr>
+          <p:txBody>
+            <a:bodyPr wrap="square" anchor="b">
+              <a:noAutofit/>
+            </a:bodyPr>
+            <a:lstStyle/>
+            <a:p>
+              <a:pPr algn="ctr"/>
+              <a:endParaRPr lang="en-US" altLang="ko-KR" sz="1000" dirty="0" smtClean="0">
+                <a:solidFill>
+                  <a:schemeClr val="tx1">
+                    <a:lumMod val="75000"/>
+                    <a:lumOff val="25000"/>
+                  </a:schemeClr>
+                </a:solidFill>
+                <a:latin typeface="나눔바른고딕" pitchFamily="50" charset="-127"/>
+                <a:ea typeface="나눔바른고딕" pitchFamily="50" charset="-127"/>
+                <a:cs typeface="Verdana" pitchFamily="34" charset="0"/>
+              </a:endParaRPr>
+            </a:p>
+          </p:txBody>
+        </p:sp>
+        <p:sp>
+          <p:nvSpPr>
+            <p:cNvPr id="19" name="TextBox 25"/>
+            <p:cNvSpPr txBox="1">
+              <a:spLocks noChangeArrowheads="1"/>
+            </p:cNvSpPr>
+            <p:nvPr/>
+          </p:nvSpPr>
+          <p:spPr bwMode="auto">
+            <a:xfrm>
+              <a:off x="1691680" y="2132856"/>
+              <a:ext cx="2088232" cy="144016"/>
+            </a:xfrm>
+            <a:prstGeom prst="rect">
+              <a:avLst/>
+            </a:prstGeom>
+            <a:solidFill>
+              <a:srgbClr val="7FAEEF">
+                <a:alpha val="40000"/>
+              </a:srgbClr>
+            </a:solidFill>
+            <a:ln w="9525">
+              <a:noFill/>
+              <a:miter lim="800000"/>
+              <a:headEnd/>
+              <a:tailEnd/>
+            </a:ln>
+          </p:spPr>
+          <p:txBody>
+            <a:bodyPr wrap="square" anchor="b">
+              <a:noAutofit/>
+            </a:bodyPr>
+            <a:lstStyle/>
+            <a:p>
+              <a:pPr algn="ctr"/>
+              <a:endParaRPr lang="en-US" altLang="ko-KR" sz="1000" dirty="0" smtClean="0">
+                <a:solidFill>
+                  <a:schemeClr val="tx1">
+                    <a:lumMod val="75000"/>
+                    <a:lumOff val="25000"/>
+                  </a:schemeClr>
+                </a:solidFill>
+                <a:latin typeface="나눔바른고딕" pitchFamily="50" charset="-127"/>
+                <a:ea typeface="나눔바른고딕" pitchFamily="50" charset="-127"/>
+                <a:cs typeface="Verdana" pitchFamily="34" charset="0"/>
+              </a:endParaRPr>
+            </a:p>
+          </p:txBody>
+        </p:sp>
+      </p:grpSp>
+      <p:sp>
+        <p:nvSpPr>
+          <p:cNvPr id="5" name="TextBox 4"/>
+          <p:cNvSpPr txBox="1"/>
+          <p:nvPr/>
+        </p:nvSpPr>
+        <p:spPr>
+          <a:xfrm>
+            <a:off x="1043608" y="1169457"/>
+            <a:ext cx="5616624" cy="707886"/>
+          </a:xfrm>
+          <a:prstGeom prst="rect">
+            <a:avLst/>
+          </a:prstGeom>
+          <a:noFill/>
+        </p:spPr>
+        <p:txBody>
+          <a:bodyPr wrap="square" rtlCol="0">
+            <a:spAutoFit/>
+          </a:bodyPr>
+          <a:lstStyle/>
+          <a:p>
+            <a:r>
+              <a:rPr lang="en-US" altLang="ko-KR" sz="4000" dirty="0" smtClean="0">
+                <a:solidFill>
+                  <a:schemeClr val="bg1"/>
+                </a:solidFill>
+                <a:latin typeface="다음_SemiBold" pitchFamily="2" charset="-127"/>
+                <a:ea typeface="다음_SemiBold" pitchFamily="2" charset="-127"/>
+              </a:rPr>
+              <a:t>Q&amp;A</a:t>
+            </a:r>
+            <a:endParaRPr lang="ko-KR" altLang="en-US" sz="4000" dirty="0">
+              <a:solidFill>
+                <a:schemeClr val="bg1"/>
+              </a:solidFill>
+              <a:latin typeface="다음_SemiBold" pitchFamily="2" charset="-127"/>
+              <a:ea typeface="다음_SemiBold" pitchFamily="2" charset="-127"/>
+            </a:endParaRPr>
+          </a:p>
+        </p:txBody>
+      </p:sp>
+      <p:cxnSp>
+        <p:nvCxnSpPr>
+          <p:cNvPr id="26" name="직선 연결선 25"/>
+          <p:cNvCxnSpPr/>
+          <p:nvPr/>
+        </p:nvCxnSpPr>
+        <p:spPr>
+          <a:xfrm>
+            <a:off x="0" y="0"/>
+            <a:ext cx="1043608" cy="1052736"/>
+          </a:xfrm>
+          <a:prstGeom prst="line">
+            <a:avLst/>
+          </a:prstGeom>
+          <a:ln>
+            <a:solidFill>
+              <a:schemeClr val="bg1"/>
+            </a:solidFill>
+          </a:ln>
+        </p:spPr>
+        <p:style>
+          <a:lnRef idx="1">
+            <a:schemeClr val="accent1"/>
+          </a:lnRef>
+          <a:fillRef idx="0">
+            <a:schemeClr val="accent1"/>
+          </a:fillRef>
+          <a:effectRef idx="0">
+            <a:schemeClr val="accent1"/>
+          </a:effectRef>
+          <a:fontRef idx="minor">
+            <a:schemeClr val="tx1"/>
+          </a:fontRef>
+        </p:style>
+      </p:cxnSp>
+      <p:cxnSp>
+        <p:nvCxnSpPr>
+          <p:cNvPr id="12" name="직선 연결선 11"/>
+          <p:cNvCxnSpPr/>
+          <p:nvPr/>
+        </p:nvCxnSpPr>
+        <p:spPr>
+          <a:xfrm>
+            <a:off x="8100392" y="5805264"/>
+            <a:ext cx="1043608" cy="1052736"/>
+          </a:xfrm>
+          <a:prstGeom prst="line">
+            <a:avLst/>
+          </a:prstGeom>
+          <a:ln>
+            <a:solidFill>
+              <a:schemeClr val="bg1"/>
+            </a:solidFill>
+          </a:ln>
+        </p:spPr>
+        <p:style>
+          <a:lnRef idx="1">
+            <a:schemeClr val="accent1"/>
+          </a:lnRef>
+          <a:fillRef idx="0">
+            <a:schemeClr val="accent1"/>
+          </a:fillRef>
+          <a:effectRef idx="0">
+            <a:schemeClr val="accent1"/>
+          </a:effectRef>
+          <a:fontRef idx="minor">
+            <a:schemeClr val="tx1"/>
+          </a:fontRef>
+        </p:style>
+      </p:cxnSp>
+    </p:spTree>
+    <p:extLst>
+      <p:ext uri="{BB962C8B-B14F-4D97-AF65-F5344CB8AC3E}">
+        <p14:creationId xmlns:p14="http://schemas.microsoft.com/office/powerpoint/2010/main" val="4136614122"/>
+      </p:ext>
+    </p:extLst>
+  </p:cSld>
+  <p:clrMapOvr>
+    <a:masterClrMapping/>
+  </p:clrMapOvr>
+  <p:timing>
+    <p:tnLst>
+      <p:par>
+        <p:cTn id="1" dur="indefinite" restart="never" nodeType="tmRoot"/>
+      </p:par>
+    </p:tnLst>
+  </p:timing>
+</p:sld>
+</file>
+
+<file path=ppt/slides/slide18.xml><?xml version="1.0" encoding="utf-8"?>
+<p:sld xmlns:a="http://schemas.openxmlformats.org/drawingml/2006/main" xmlns:r="http://schemas.openxmlformats.org/officeDocument/2006/relationships" xmlns:p="http://schemas.openxmlformats.org/presentationml/2006/main">
+  <p:cSld>
+    <p:spTree>
+      <p:nvGrpSpPr>
+        <p:cNvPr id="1" name=""/>
+        <p:cNvGrpSpPr/>
+        <p:nvPr/>
+      </p:nvGrpSpPr>
+      <p:grpSpPr>
+        <a:xfrm>
+          <a:off x="0" y="0"/>
+          <a:ext cx="0" cy="0"/>
+          <a:chOff x="0" y="0"/>
+          <a:chExt cx="0" cy="0"/>
+        </a:xfrm>
+      </p:grpSpPr>
+      <p:sp>
+        <p:nvSpPr>
+          <p:cNvPr id="4" name="직사각형 3"/>
+          <p:cNvSpPr/>
+          <p:nvPr/>
+        </p:nvSpPr>
+        <p:spPr>
+          <a:xfrm>
+            <a:off x="0" y="27384"/>
+            <a:ext cx="9144000" cy="6858000"/>
+          </a:xfrm>
+          <a:prstGeom prst="rect">
+            <a:avLst/>
+          </a:prstGeom>
+          <a:solidFill>
+            <a:schemeClr val="tx1">
+              <a:lumMod val="75000"/>
+              <a:lumOff val="25000"/>
+            </a:schemeClr>
+          </a:solidFill>
+        </p:spPr>
+        <p:txBody>
+          <a:bodyPr wrap="square" rtlCol="0" anchor="ctr">
+            <a:spAutoFit/>
+          </a:bodyPr>
+          <a:lstStyle/>
+          <a:p>
+            <a:pPr marL="182563" indent="-182563" algn="ctr" latinLnBrk="0"/>
+            <a:endParaRPr lang="ko-KR" altLang="en-US" sz="900" b="1" dirty="0" smtClean="0">
+              <a:solidFill>
+                <a:srgbClr val="FF0000"/>
+              </a:solidFill>
+              <a:latin typeface="+mj-lt"/>
+              <a:ea typeface="나눔고딕 ExtraBold" pitchFamily="50" charset="-127"/>
+            </a:endParaRPr>
+          </a:p>
+        </p:txBody>
+      </p:sp>
+      <p:grpSp>
+        <p:nvGrpSpPr>
+          <p:cNvPr id="17" name="그룹 16"/>
+          <p:cNvGrpSpPr/>
+          <p:nvPr/>
+        </p:nvGrpSpPr>
+        <p:grpSpPr>
+          <a:xfrm>
+            <a:off x="1115616" y="1271372"/>
+            <a:ext cx="2664296" cy="504056"/>
+            <a:chOff x="1619672" y="2060848"/>
+            <a:chExt cx="2160240" cy="216024"/>
+          </a:xfrm>
+        </p:grpSpPr>
+        <p:sp>
+          <p:nvSpPr>
+            <p:cNvPr id="18" name="TextBox 25"/>
+            <p:cNvSpPr txBox="1">
+              <a:spLocks noChangeArrowheads="1"/>
+            </p:cNvSpPr>
+            <p:nvPr/>
+          </p:nvSpPr>
+          <p:spPr bwMode="auto">
+            <a:xfrm>
+              <a:off x="1619672" y="2060848"/>
+              <a:ext cx="2088232" cy="144016"/>
+            </a:xfrm>
+            <a:prstGeom prst="rect">
+              <a:avLst/>
+            </a:prstGeom>
+            <a:solidFill>
+              <a:srgbClr val="7FAEEF">
+                <a:alpha val="40000"/>
+              </a:srgbClr>
+            </a:solidFill>
+            <a:ln w="9525">
+              <a:noFill/>
+              <a:miter lim="800000"/>
+              <a:headEnd/>
+              <a:tailEnd/>
+            </a:ln>
+          </p:spPr>
+          <p:txBody>
+            <a:bodyPr wrap="square" anchor="b">
+              <a:noAutofit/>
+            </a:bodyPr>
+            <a:lstStyle/>
+            <a:p>
+              <a:pPr algn="ctr"/>
+              <a:endParaRPr lang="en-US" altLang="ko-KR" sz="1000" dirty="0" smtClean="0">
+                <a:solidFill>
+                  <a:schemeClr val="tx1">
+                    <a:lumMod val="75000"/>
+                    <a:lumOff val="25000"/>
+                  </a:schemeClr>
+                </a:solidFill>
+                <a:latin typeface="나눔바른고딕" pitchFamily="50" charset="-127"/>
+                <a:ea typeface="나눔바른고딕" pitchFamily="50" charset="-127"/>
+                <a:cs typeface="Verdana" pitchFamily="34" charset="0"/>
+              </a:endParaRPr>
+            </a:p>
+          </p:txBody>
+        </p:sp>
+        <p:sp>
+          <p:nvSpPr>
+            <p:cNvPr id="19" name="TextBox 25"/>
+            <p:cNvSpPr txBox="1">
+              <a:spLocks noChangeArrowheads="1"/>
+            </p:cNvSpPr>
+            <p:nvPr/>
+          </p:nvSpPr>
+          <p:spPr bwMode="auto">
+            <a:xfrm>
+              <a:off x="1691680" y="2132856"/>
+              <a:ext cx="2088232" cy="144016"/>
+            </a:xfrm>
+            <a:prstGeom prst="rect">
+              <a:avLst/>
+            </a:prstGeom>
+            <a:solidFill>
+              <a:srgbClr val="7FAEEF">
+                <a:alpha val="40000"/>
+              </a:srgbClr>
+            </a:solidFill>
+            <a:ln w="9525">
+              <a:noFill/>
+              <a:miter lim="800000"/>
+              <a:headEnd/>
+              <a:tailEnd/>
+            </a:ln>
+          </p:spPr>
+          <p:txBody>
+            <a:bodyPr wrap="square" anchor="b">
+              <a:noAutofit/>
+            </a:bodyPr>
+            <a:lstStyle/>
+            <a:p>
+              <a:pPr algn="ctr"/>
+              <a:endParaRPr lang="en-US" altLang="ko-KR" sz="1000" dirty="0" smtClean="0">
+                <a:solidFill>
+                  <a:schemeClr val="tx1">
+                    <a:lumMod val="75000"/>
+                    <a:lumOff val="25000"/>
+                  </a:schemeClr>
+                </a:solidFill>
+                <a:latin typeface="나눔바른고딕" pitchFamily="50" charset="-127"/>
+                <a:ea typeface="나눔바른고딕" pitchFamily="50" charset="-127"/>
+                <a:cs typeface="Verdana" pitchFamily="34" charset="0"/>
+              </a:endParaRPr>
+            </a:p>
+          </p:txBody>
+        </p:sp>
+      </p:grpSp>
+      <p:sp>
+        <p:nvSpPr>
+          <p:cNvPr id="5" name="TextBox 4"/>
+          <p:cNvSpPr txBox="1"/>
+          <p:nvPr/>
+        </p:nvSpPr>
+        <p:spPr>
+          <a:xfrm>
+            <a:off x="1043608" y="1169457"/>
+            <a:ext cx="5616624" cy="707886"/>
+          </a:xfrm>
+          <a:prstGeom prst="rect">
+            <a:avLst/>
+          </a:prstGeom>
+          <a:noFill/>
+        </p:spPr>
+        <p:txBody>
+          <a:bodyPr wrap="square" rtlCol="0">
+            <a:spAutoFit/>
+          </a:bodyPr>
+          <a:lstStyle/>
+          <a:p>
+            <a:r>
+              <a:rPr lang="ko-KR" altLang="en-US" sz="4000" dirty="0" smtClean="0">
+                <a:solidFill>
+                  <a:schemeClr val="bg1"/>
+                </a:solidFill>
+                <a:latin typeface="다음_SemiBold" pitchFamily="2" charset="-127"/>
+                <a:ea typeface="다음_SemiBold" pitchFamily="2" charset="-127"/>
+              </a:rPr>
+              <a:t>감사합니다</a:t>
+            </a:r>
+            <a:r>
+              <a:rPr lang="en-US" altLang="ko-KR" sz="4000" dirty="0" smtClean="0">
+                <a:solidFill>
+                  <a:schemeClr val="bg1"/>
+                </a:solidFill>
+                <a:latin typeface="다음_SemiBold" pitchFamily="2" charset="-127"/>
+                <a:ea typeface="다음_SemiBold" pitchFamily="2" charset="-127"/>
+              </a:rPr>
+              <a:t>.</a:t>
+            </a:r>
+            <a:endParaRPr lang="ko-KR" altLang="en-US" sz="4000" dirty="0">
+              <a:solidFill>
+                <a:schemeClr val="bg1"/>
+              </a:solidFill>
+              <a:latin typeface="다음_SemiBold" pitchFamily="2" charset="-127"/>
+              <a:ea typeface="다음_SemiBold" pitchFamily="2" charset="-127"/>
+            </a:endParaRPr>
+          </a:p>
+        </p:txBody>
+      </p:sp>
+      <p:cxnSp>
+        <p:nvCxnSpPr>
+          <p:cNvPr id="26" name="직선 연결선 25"/>
+          <p:cNvCxnSpPr/>
+          <p:nvPr/>
+        </p:nvCxnSpPr>
+        <p:spPr>
+          <a:xfrm>
+            <a:off x="0" y="0"/>
+            <a:ext cx="1043608" cy="1052736"/>
+          </a:xfrm>
+          <a:prstGeom prst="line">
+            <a:avLst/>
+          </a:prstGeom>
+          <a:ln>
+            <a:solidFill>
+              <a:schemeClr val="bg1"/>
+            </a:solidFill>
+          </a:ln>
+        </p:spPr>
+        <p:style>
+          <a:lnRef idx="1">
+            <a:schemeClr val="accent1"/>
+          </a:lnRef>
+          <a:fillRef idx="0">
+            <a:schemeClr val="accent1"/>
+          </a:fillRef>
+          <a:effectRef idx="0">
+            <a:schemeClr val="accent1"/>
+          </a:effectRef>
+          <a:fontRef idx="minor">
+            <a:schemeClr val="tx1"/>
+          </a:fontRef>
+        </p:style>
+      </p:cxnSp>
+      <p:cxnSp>
+        <p:nvCxnSpPr>
+          <p:cNvPr id="12" name="직선 연결선 11"/>
+          <p:cNvCxnSpPr/>
+          <p:nvPr/>
+        </p:nvCxnSpPr>
+        <p:spPr>
+          <a:xfrm>
+            <a:off x="8100392" y="5805264"/>
+            <a:ext cx="1043608" cy="1052736"/>
+          </a:xfrm>
+          <a:prstGeom prst="line">
+            <a:avLst/>
+          </a:prstGeom>
+          <a:ln>
+            <a:solidFill>
+              <a:schemeClr val="bg1"/>
+            </a:solidFill>
+          </a:ln>
+        </p:spPr>
+        <p:style>
+          <a:lnRef idx="1">
+            <a:schemeClr val="accent1"/>
+          </a:lnRef>
+          <a:fillRef idx="0">
+            <a:schemeClr val="accent1"/>
+          </a:fillRef>
+          <a:effectRef idx="0">
+            <a:schemeClr val="accent1"/>
+          </a:effectRef>
+          <a:fontRef idx="minor">
+            <a:schemeClr val="tx1"/>
+          </a:fontRef>
+        </p:style>
+      </p:cxnSp>
+    </p:spTree>
+    <p:extLst>
+      <p:ext uri="{BB962C8B-B14F-4D97-AF65-F5344CB8AC3E}">
+        <p14:creationId xmlns:p14="http://schemas.microsoft.com/office/powerpoint/2010/main" val="939677477"/>
+      </p:ext>
+    </p:extLst>
+  </p:cSld>
+  <p:clrMapOvr>
+    <a:masterClrMapping/>
+  </p:clrMapOvr>
+  <p:timing>
+    <p:tnLst>
+      <p:par>
+        <p:cTn id="1" dur="indefinite" restart="never" nodeType="tmRoot"/>
+      </p:par>
+    </p:tnLst>
+  </p:timing>
+</p:sld>
+</file>
+
+<file path=ppt/slides/slide2.xml><?xml version="1.0" encoding="utf-8"?>
+<p:sld xmlns:a="http://schemas.openxmlformats.org/drawingml/2006/main" xmlns:r="http://schemas.openxmlformats.org/officeDocument/2006/relationships" xmlns:p="http://schemas.openxmlformats.org/presentationml/2006/main">
+  <p:cSld>
+    <p:spTree>
+      <p:nvGrpSpPr>
+        <p:cNvPr id="1" name=""/>
+        <p:cNvGrpSpPr/>
+        <p:nvPr/>
+      </p:nvGrpSpPr>
+      <p:grpSpPr>
+        <a:xfrm>
+          <a:off x="0" y="0"/>
+          <a:ext cx="0" cy="0"/>
+          <a:chOff x="0" y="0"/>
+          <a:chExt cx="0" cy="0"/>
+        </a:xfrm>
+      </p:grpSpPr>
+      <p:sp>
+        <p:nvSpPr>
+          <p:cNvPr id="15" name="직사각형 14"/>
+          <p:cNvSpPr/>
+          <p:nvPr/>
+        </p:nvSpPr>
+        <p:spPr>
+          <a:xfrm>
+            <a:off x="1805771" y="0"/>
+            <a:ext cx="7812360" cy="6858000"/>
+          </a:xfrm>
+          <a:prstGeom prst="rect">
+            <a:avLst/>
+          </a:prstGeom>
+          <a:solidFill>
+            <a:schemeClr val="tx1">
+              <a:lumMod val="75000"/>
+              <a:lumOff val="25000"/>
+            </a:schemeClr>
+          </a:solidFill>
+        </p:spPr>
+        <p:txBody>
+          <a:bodyPr wrap="square" rtlCol="0" anchor="ctr">
+            <a:spAutoFit/>
+          </a:bodyPr>
+          <a:lstStyle/>
+          <a:p>
+            <a:pPr marL="182563" indent="-182563" algn="ctr" latinLnBrk="0"/>
+            <a:endParaRPr lang="ko-KR" altLang="en-US" sz="900" b="1" dirty="0" smtClean="0">
+              <a:solidFill>
+                <a:srgbClr val="FF0000"/>
+              </a:solidFill>
+              <a:latin typeface="+mj-lt"/>
+              <a:ea typeface="나눔고딕 ExtraBold" pitchFamily="50" charset="-127"/>
+            </a:endParaRPr>
+          </a:p>
+        </p:txBody>
+      </p:sp>
+      <p:sp>
+        <p:nvSpPr>
+          <p:cNvPr id="4" name="슬라이드 번호 개체 틀 3"/>
+          <p:cNvSpPr>
+            <a:spLocks noGrp="1"/>
+          </p:cNvSpPr>
+          <p:nvPr>
+            <p:ph type="sldNum" sz="quarter" idx="12"/>
+          </p:nvPr>
+        </p:nvSpPr>
+        <p:spPr>
+          <a:xfrm>
+            <a:off x="6876256" y="6381328"/>
+            <a:ext cx="2133600" cy="365125"/>
+          </a:xfrm>
+        </p:spPr>
+        <p:txBody>
+          <a:bodyPr/>
+          <a:lstStyle/>
+          <a:p>
+            <a:fld id="{7804239B-D302-47C8-870F-9A3CEECBE377}" type="slidenum">
+              <a:rPr lang="ko-KR" altLang="en-US" sz="900" b="1" smtClean="0">
+                <a:solidFill>
+                  <a:srgbClr val="A8815A"/>
+                </a:solidFill>
+                <a:latin typeface="나눔바른고딕" pitchFamily="50" charset="-127"/>
+                <a:ea typeface="나눔바른고딕" pitchFamily="50" charset="-127"/>
+              </a:rPr>
+              <a:t>2</a:t>
+            </a:fld>
+            <a:endParaRPr lang="ko-KR" altLang="en-US" sz="900" b="1" dirty="0">
+              <a:solidFill>
+                <a:srgbClr val="A8815A"/>
+              </a:solidFill>
+              <a:latin typeface="나눔바른고딕" pitchFamily="50" charset="-127"/>
+              <a:ea typeface="나눔바른고딕" pitchFamily="50" charset="-127"/>
+            </a:endParaRPr>
+          </a:p>
+        </p:txBody>
+      </p:sp>
+      <p:sp>
+        <p:nvSpPr>
+          <p:cNvPr id="14" name="TextBox 13"/>
+          <p:cNvSpPr txBox="1"/>
+          <p:nvPr/>
+        </p:nvSpPr>
+        <p:spPr>
+          <a:xfrm>
+            <a:off x="2093803" y="1196752"/>
+            <a:ext cx="1152128" cy="646331"/>
+          </a:xfrm>
+          <a:prstGeom prst="rect">
+            <a:avLst/>
+          </a:prstGeom>
+          <a:noFill/>
+        </p:spPr>
+        <p:txBody>
+          <a:bodyPr wrap="square" rtlCol="0">
+            <a:spAutoFit/>
+          </a:bodyPr>
+          <a:lstStyle/>
+          <a:p>
+            <a:r>
+              <a:rPr lang="en-US" altLang="ko-KR" sz="3600" b="1" i="1" dirty="0" smtClean="0">
+                <a:solidFill>
+                  <a:srgbClr val="A8815A"/>
+                </a:solidFill>
+                <a:latin typeface="나눔명조 ExtraBold" pitchFamily="18" charset="-127"/>
+                <a:ea typeface="나눔명조 ExtraBold" pitchFamily="18" charset="-127"/>
+              </a:rPr>
+              <a:t>01</a:t>
+            </a:r>
+          </a:p>
+        </p:txBody>
+      </p:sp>
+      <p:cxnSp>
+        <p:nvCxnSpPr>
+          <p:cNvPr id="21" name="직선 연결선 20"/>
+          <p:cNvCxnSpPr/>
+          <p:nvPr/>
+        </p:nvCxnSpPr>
+        <p:spPr>
+          <a:xfrm>
+            <a:off x="2165811" y="1844824"/>
+            <a:ext cx="1656184" cy="0"/>
+          </a:xfrm>
+          <a:prstGeom prst="line">
+            <a:avLst/>
+          </a:prstGeom>
+          <a:ln>
+            <a:solidFill>
+              <a:srgbClr val="A8815A"/>
+            </a:solidFill>
+            <a:prstDash val="dash"/>
+          </a:ln>
+        </p:spPr>
+        <p:style>
+          <a:lnRef idx="1">
+            <a:schemeClr val="accent1"/>
+          </a:lnRef>
+          <a:fillRef idx="0">
+            <a:schemeClr val="accent1"/>
+          </a:fillRef>
+          <a:effectRef idx="0">
+            <a:schemeClr val="accent1"/>
+          </a:effectRef>
+          <a:fontRef idx="minor">
+            <a:schemeClr val="tx1"/>
+          </a:fontRef>
+        </p:style>
+      </p:cxnSp>
+      <p:sp>
+        <p:nvSpPr>
+          <p:cNvPr id="24" name="TextBox 23"/>
+          <p:cNvSpPr txBox="1"/>
+          <p:nvPr/>
+        </p:nvSpPr>
+        <p:spPr>
+          <a:xfrm>
+            <a:off x="2123728" y="1916832"/>
+            <a:ext cx="2376264" cy="584775"/>
+          </a:xfrm>
+          <a:prstGeom prst="rect">
+            <a:avLst/>
+          </a:prstGeom>
+          <a:noFill/>
+        </p:spPr>
+        <p:txBody>
+          <a:bodyPr wrap="square" rtlCol="0">
+            <a:spAutoFit/>
+          </a:bodyPr>
+          <a:lstStyle/>
+          <a:p>
+            <a:r>
+              <a:rPr lang="ko-KR" altLang="en-US" sz="3200" dirty="0" smtClean="0">
+                <a:solidFill>
+                  <a:schemeClr val="bg1"/>
+                </a:solidFill>
+                <a:latin typeface="나눔바른고딕" pitchFamily="50" charset="-127"/>
+                <a:ea typeface="나눔바른고딕" pitchFamily="50" charset="-127"/>
+              </a:rPr>
+              <a:t>소책자 소개</a:t>
+            </a:r>
+            <a:endParaRPr lang="ko-KR" altLang="en-US" sz="3200" dirty="0">
+              <a:solidFill>
+                <a:schemeClr val="bg1"/>
+              </a:solidFill>
+              <a:latin typeface="나눔바른고딕" pitchFamily="50" charset="-127"/>
+              <a:ea typeface="나눔바른고딕" pitchFamily="50" charset="-127"/>
+            </a:endParaRPr>
+          </a:p>
+        </p:txBody>
+      </p:sp>
+      <p:sp>
+        <p:nvSpPr>
+          <p:cNvPr id="33" name="TextBox 32"/>
+          <p:cNvSpPr txBox="1"/>
+          <p:nvPr/>
+        </p:nvSpPr>
+        <p:spPr>
+          <a:xfrm>
+            <a:off x="2093803" y="2564904"/>
+            <a:ext cx="1152128" cy="646331"/>
+          </a:xfrm>
+          <a:prstGeom prst="rect">
+            <a:avLst/>
+          </a:prstGeom>
+          <a:noFill/>
+        </p:spPr>
+        <p:txBody>
+          <a:bodyPr wrap="square" rtlCol="0">
+            <a:spAutoFit/>
+          </a:bodyPr>
+          <a:lstStyle/>
+          <a:p>
+            <a:r>
+              <a:rPr lang="en-US" altLang="ko-KR" sz="3600" b="1" i="1" dirty="0" smtClean="0">
+                <a:solidFill>
+                  <a:srgbClr val="A8815A"/>
+                </a:solidFill>
+                <a:latin typeface="나눔명조 ExtraBold" pitchFamily="18" charset="-127"/>
+                <a:ea typeface="나눔명조 ExtraBold" pitchFamily="18" charset="-127"/>
+              </a:rPr>
+              <a:t>02</a:t>
+            </a:r>
+          </a:p>
+        </p:txBody>
+      </p:sp>
+      <p:sp>
+        <p:nvSpPr>
+          <p:cNvPr id="35" name="TextBox 34"/>
+          <p:cNvSpPr txBox="1"/>
+          <p:nvPr/>
+        </p:nvSpPr>
+        <p:spPr>
+          <a:xfrm>
+            <a:off x="2093803" y="3284984"/>
+            <a:ext cx="2376264" cy="584775"/>
+          </a:xfrm>
+          <a:prstGeom prst="rect">
+            <a:avLst/>
+          </a:prstGeom>
+          <a:noFill/>
+        </p:spPr>
+        <p:txBody>
+          <a:bodyPr wrap="square" rtlCol="0">
+            <a:spAutoFit/>
+          </a:bodyPr>
+          <a:lstStyle/>
+          <a:p>
+            <a:r>
+              <a:rPr lang="en-US" altLang="ko-KR" sz="3200" dirty="0" err="1" smtClean="0">
+                <a:solidFill>
+                  <a:schemeClr val="bg1"/>
+                </a:solidFill>
+                <a:latin typeface="나눔바른고딕" pitchFamily="50" charset="-127"/>
+                <a:ea typeface="나눔바른고딕" pitchFamily="50" charset="-127"/>
+              </a:rPr>
+              <a:t>Git</a:t>
+            </a:r>
+            <a:r>
+              <a:rPr lang="en-US" altLang="ko-KR" sz="3200" dirty="0" smtClean="0">
+                <a:solidFill>
+                  <a:schemeClr val="bg1"/>
+                </a:solidFill>
+                <a:latin typeface="나눔바른고딕" pitchFamily="50" charset="-127"/>
+                <a:ea typeface="나눔바른고딕" pitchFamily="50" charset="-127"/>
+              </a:rPr>
+              <a:t> </a:t>
+            </a:r>
+            <a:r>
+              <a:rPr lang="ko-KR" altLang="en-US" sz="3200" dirty="0" smtClean="0">
+                <a:solidFill>
+                  <a:schemeClr val="bg1"/>
+                </a:solidFill>
+                <a:latin typeface="나눔바른고딕" pitchFamily="50" charset="-127"/>
+                <a:ea typeface="나눔바른고딕" pitchFamily="50" charset="-127"/>
+              </a:rPr>
+              <a:t>사용</a:t>
+            </a:r>
+            <a:endParaRPr lang="ko-KR" altLang="en-US" sz="3200" dirty="0" smtClean="0">
+              <a:solidFill>
+                <a:schemeClr val="bg1"/>
+              </a:solidFill>
+              <a:latin typeface="나눔바른고딕" pitchFamily="50" charset="-127"/>
+              <a:ea typeface="나눔바른고딕" pitchFamily="50" charset="-127"/>
+            </a:endParaRPr>
+          </a:p>
+        </p:txBody>
+      </p:sp>
+      <p:sp>
+        <p:nvSpPr>
+          <p:cNvPr id="36" name="TextBox 35"/>
+          <p:cNvSpPr txBox="1"/>
+          <p:nvPr/>
+        </p:nvSpPr>
+        <p:spPr>
+          <a:xfrm>
+            <a:off x="2093803" y="4077072"/>
+            <a:ext cx="1152128" cy="646331"/>
+          </a:xfrm>
+          <a:prstGeom prst="rect">
+            <a:avLst/>
+          </a:prstGeom>
+          <a:noFill/>
+        </p:spPr>
+        <p:txBody>
+          <a:bodyPr wrap="square" rtlCol="0">
+            <a:spAutoFit/>
+          </a:bodyPr>
+          <a:lstStyle/>
+          <a:p>
+            <a:r>
+              <a:rPr lang="en-US" altLang="ko-KR" sz="3600" b="1" i="1" dirty="0" smtClean="0">
+                <a:solidFill>
+                  <a:srgbClr val="A8815A"/>
+                </a:solidFill>
+                <a:latin typeface="나눔명조 ExtraBold" pitchFamily="18" charset="-127"/>
+                <a:ea typeface="나눔명조 ExtraBold" pitchFamily="18" charset="-127"/>
+              </a:rPr>
+              <a:t>03</a:t>
+            </a:r>
+          </a:p>
+        </p:txBody>
+      </p:sp>
+      <p:sp>
+        <p:nvSpPr>
+          <p:cNvPr id="38" name="TextBox 37"/>
+          <p:cNvSpPr txBox="1"/>
+          <p:nvPr/>
+        </p:nvSpPr>
+        <p:spPr>
+          <a:xfrm>
+            <a:off x="2093802" y="4797152"/>
+            <a:ext cx="3270285" cy="584775"/>
+          </a:xfrm>
+          <a:prstGeom prst="rect">
+            <a:avLst/>
+          </a:prstGeom>
+          <a:noFill/>
+        </p:spPr>
+        <p:txBody>
+          <a:bodyPr wrap="square" rtlCol="0">
+            <a:spAutoFit/>
+          </a:bodyPr>
+          <a:lstStyle/>
+          <a:p>
+            <a:r>
+              <a:rPr lang="en-US" altLang="ko-KR" sz="3200" smtClean="0">
+                <a:solidFill>
+                  <a:schemeClr val="bg1"/>
+                </a:solidFill>
+                <a:latin typeface="나눔바른고딕" pitchFamily="50" charset="-127"/>
+                <a:ea typeface="나눔바른고딕" pitchFamily="50" charset="-127"/>
+              </a:rPr>
+              <a:t>Markdown </a:t>
+            </a:r>
+            <a:r>
+              <a:rPr lang="ko-KR" altLang="en-US" sz="3200" dirty="0" smtClean="0">
+                <a:solidFill>
+                  <a:schemeClr val="bg1"/>
+                </a:solidFill>
+                <a:latin typeface="나눔바른고딕" pitchFamily="50" charset="-127"/>
+                <a:ea typeface="나눔바른고딕" pitchFamily="50" charset="-127"/>
+              </a:rPr>
+              <a:t>소개</a:t>
+            </a:r>
+            <a:endParaRPr lang="ko-KR" altLang="en-US" sz="3200" dirty="0" smtClean="0">
+              <a:solidFill>
+                <a:schemeClr val="bg1"/>
+              </a:solidFill>
+              <a:latin typeface="나눔바른고딕" pitchFamily="50" charset="-127"/>
+              <a:ea typeface="나눔바른고딕" pitchFamily="50" charset="-127"/>
+            </a:endParaRPr>
+          </a:p>
+        </p:txBody>
+      </p:sp>
+      <p:cxnSp>
+        <p:nvCxnSpPr>
+          <p:cNvPr id="41" name="직선 연결선 40"/>
+          <p:cNvCxnSpPr/>
+          <p:nvPr/>
+        </p:nvCxnSpPr>
+        <p:spPr>
+          <a:xfrm>
+            <a:off x="2165811" y="3212976"/>
+            <a:ext cx="1656184" cy="0"/>
+          </a:xfrm>
+          <a:prstGeom prst="line">
+            <a:avLst/>
+          </a:prstGeom>
+          <a:ln>
+            <a:solidFill>
+              <a:srgbClr val="A8815A"/>
+            </a:solidFill>
+            <a:prstDash val="dash"/>
+          </a:ln>
+        </p:spPr>
+        <p:style>
+          <a:lnRef idx="1">
+            <a:schemeClr val="accent1"/>
+          </a:lnRef>
+          <a:fillRef idx="0">
+            <a:schemeClr val="accent1"/>
+          </a:fillRef>
+          <a:effectRef idx="0">
+            <a:schemeClr val="accent1"/>
+          </a:effectRef>
+          <a:fontRef idx="minor">
+            <a:schemeClr val="tx1"/>
+          </a:fontRef>
+        </p:style>
+      </p:cxnSp>
+      <p:cxnSp>
+        <p:nvCxnSpPr>
+          <p:cNvPr id="42" name="직선 연결선 41"/>
+          <p:cNvCxnSpPr/>
+          <p:nvPr/>
+        </p:nvCxnSpPr>
+        <p:spPr>
+          <a:xfrm>
+            <a:off x="2165811" y="4725144"/>
+            <a:ext cx="1656184" cy="0"/>
+          </a:xfrm>
+          <a:prstGeom prst="line">
+            <a:avLst/>
+          </a:prstGeom>
+          <a:ln>
+            <a:solidFill>
+              <a:srgbClr val="A8815A"/>
+            </a:solidFill>
+            <a:prstDash val="dash"/>
+          </a:ln>
+        </p:spPr>
+        <p:style>
+          <a:lnRef idx="1">
+            <a:schemeClr val="accent1"/>
+          </a:lnRef>
+          <a:fillRef idx="0">
+            <a:schemeClr val="accent1"/>
+          </a:fillRef>
+          <a:effectRef idx="0">
+            <a:schemeClr val="accent1"/>
+          </a:effectRef>
+          <a:fontRef idx="minor">
+            <a:schemeClr val="tx1"/>
+          </a:fontRef>
+        </p:style>
+      </p:cxnSp>
+      <p:cxnSp>
+        <p:nvCxnSpPr>
+          <p:cNvPr id="16" name="직선 연결선 15"/>
+          <p:cNvCxnSpPr/>
+          <p:nvPr/>
+        </p:nvCxnSpPr>
+        <p:spPr>
+          <a:xfrm>
+            <a:off x="428355" y="475655"/>
+            <a:ext cx="327221" cy="0"/>
+          </a:xfrm>
+          <a:prstGeom prst="line">
+            <a:avLst/>
+          </a:prstGeom>
+          <a:ln w="76200">
+            <a:solidFill>
+              <a:schemeClr val="tx1">
+                <a:lumMod val="65000"/>
+                <a:lumOff val="35000"/>
+              </a:schemeClr>
+            </a:solidFill>
+          </a:ln>
+        </p:spPr>
+        <p:style>
+          <a:lnRef idx="1">
+            <a:schemeClr val="accent1"/>
+          </a:lnRef>
+          <a:fillRef idx="0">
+            <a:schemeClr val="accent1"/>
+          </a:fillRef>
+          <a:effectRef idx="0">
+            <a:schemeClr val="accent1"/>
+          </a:effectRef>
+          <a:fontRef idx="minor">
+            <a:schemeClr val="tx1"/>
+          </a:fontRef>
+        </p:style>
+      </p:cxnSp>
+      <p:sp>
+        <p:nvSpPr>
+          <p:cNvPr id="18" name="TextBox 25"/>
+          <p:cNvSpPr txBox="1">
+            <a:spLocks noChangeArrowheads="1"/>
+          </p:cNvSpPr>
+          <p:nvPr/>
+        </p:nvSpPr>
+        <p:spPr bwMode="auto">
+          <a:xfrm>
+            <a:off x="323528" y="603121"/>
+            <a:ext cx="3528392" cy="523220"/>
+          </a:xfrm>
+          <a:prstGeom prst="rect">
+            <a:avLst/>
+          </a:prstGeom>
+          <a:noFill/>
+          <a:ln w="9525">
+            <a:noFill/>
+            <a:miter lim="800000"/>
+            <a:headEnd/>
+            <a:tailEnd/>
+          </a:ln>
+        </p:spPr>
+        <p:txBody>
+          <a:bodyPr wrap="square">
+            <a:spAutoFit/>
+          </a:bodyPr>
+          <a:lstStyle/>
+          <a:p>
+            <a:pPr lvl="0"/>
+            <a:r>
+              <a:rPr lang="en-US" altLang="ko-KR" sz="2800" dirty="0" smtClean="0">
+                <a:solidFill>
+                  <a:prstClr val="black">
+                    <a:lumMod val="65000"/>
+                    <a:lumOff val="35000"/>
+                  </a:prstClr>
+                </a:solidFill>
+                <a:latin typeface="다음_SemiBold" pitchFamily="2" charset="-127"/>
+                <a:ea typeface="다음_SemiBold" pitchFamily="2" charset="-127"/>
+              </a:rPr>
+              <a:t>Index</a:t>
+            </a:r>
+          </a:p>
+        </p:txBody>
+      </p:sp>
+    </p:spTree>
+    <p:extLst>
+      <p:ext uri="{BB962C8B-B14F-4D97-AF65-F5344CB8AC3E}">
+        <p14:creationId xmlns:p14="http://schemas.microsoft.com/office/powerpoint/2010/main" val="1318430678"/>
+      </p:ext>
+    </p:extLst>
+  </p:cSld>
+  <p:clrMapOvr>
+    <a:masterClrMapping/>
+  </p:clrMapOvr>
+  <p:timing>
+    <p:tnLst>
+      <p:par>
+        <p:cTn id="1" dur="indefinite" restart="never" nodeType="tmRoot"/>
+      </p:par>
+    </p:tnLst>
+  </p:timing>
+</p:sld>
+</file>
+
+<file path=ppt/slides/slide3.xml><?xml version="1.0" encoding="utf-8"?>
 <p:sld xmlns:a="http://schemas.openxmlformats.org/drawingml/2006/main" xmlns:r="http://schemas.openxmlformats.org/officeDocument/2006/relationships" xmlns:p="http://schemas.openxmlformats.org/presentationml/2006/main">
   <p:cSld>
     <p:spTree>
@@ -6507,3116 +11179,7 @@
 </p:sld>
 </file>
 
-<file path=ppt/slides/slide12.xml><?xml version="1.0" encoding="utf-8"?>
-<p:sld xmlns:a="http://schemas.openxmlformats.org/drawingml/2006/main" xmlns:r="http://schemas.openxmlformats.org/officeDocument/2006/relationships" xmlns:p="http://schemas.openxmlformats.org/presentationml/2006/main">
-  <p:cSld>
-    <p:spTree>
-      <p:nvGrpSpPr>
-        <p:cNvPr id="1" name=""/>
-        <p:cNvGrpSpPr/>
-        <p:nvPr/>
-      </p:nvGrpSpPr>
-      <p:grpSpPr>
-        <a:xfrm>
-          <a:off x="0" y="0"/>
-          <a:ext cx="0" cy="0"/>
-          <a:chOff x="0" y="0"/>
-          <a:chExt cx="0" cy="0"/>
-        </a:xfrm>
-      </p:grpSpPr>
-      <p:sp>
-        <p:nvSpPr>
-          <p:cNvPr id="5" name="내용 개체 틀 4"/>
-          <p:cNvSpPr>
-            <a:spLocks noGrp="1"/>
-          </p:cNvSpPr>
-          <p:nvPr>
-            <p:ph sz="half" idx="1"/>
-          </p:nvPr>
-        </p:nvSpPr>
-        <p:spPr/>
-        <p:txBody>
-          <a:bodyPr/>
-          <a:lstStyle/>
-          <a:p>
-            <a:endParaRPr lang="en-US" altLang="ko-KR" dirty="0" smtClean="0"/>
-          </a:p>
-          <a:p>
-            <a:endParaRPr lang="en-US" altLang="ko-KR" dirty="0"/>
-          </a:p>
-          <a:p>
-            <a:endParaRPr lang="ko-KR" altLang="en-US" dirty="0"/>
-          </a:p>
-        </p:txBody>
-      </p:sp>
-      <p:sp>
-        <p:nvSpPr>
-          <p:cNvPr id="6" name="내용 개체 틀 5"/>
-          <p:cNvSpPr>
-            <a:spLocks noGrp="1"/>
-          </p:cNvSpPr>
-          <p:nvPr>
-            <p:ph sz="half" idx="2"/>
-          </p:nvPr>
-        </p:nvSpPr>
-        <p:spPr>
-          <a:xfrm>
-            <a:off x="457200" y="1600200"/>
-            <a:ext cx="8229600" cy="4525963"/>
-          </a:xfrm>
-        </p:spPr>
-        <p:txBody>
-          <a:bodyPr>
-            <a:normAutofit/>
-          </a:bodyPr>
-          <a:lstStyle/>
-          <a:p>
-            <a:r>
-              <a:rPr lang="en-US" altLang="ko-KR" sz="2000" dirty="0">
-                <a:hlinkClick r:id="rId2"/>
-              </a:rPr>
-              <a:t>https://</a:t>
-            </a:r>
-            <a:r>
-              <a:rPr lang="en-US" altLang="ko-KR" sz="2000" dirty="0" smtClean="0">
-                <a:hlinkClick r:id="rId2"/>
-              </a:rPr>
-              <a:t>gist.github.com/ihoneymon/652be052a0727ad59601</a:t>
-            </a:r>
-            <a:endParaRPr lang="en-US" altLang="ko-KR" sz="2000" dirty="0" smtClean="0"/>
-          </a:p>
-          <a:p>
-            <a:r>
-              <a:rPr lang="en-US" altLang="ko-KR" sz="2000" dirty="0" smtClean="0"/>
-              <a:t>Markdown</a:t>
-            </a:r>
-            <a:r>
-              <a:rPr lang="ko-KR" altLang="en-US" sz="2000" dirty="0" smtClean="0"/>
-              <a:t>은 </a:t>
-            </a:r>
-            <a:r>
-              <a:rPr lang="ko-KR" altLang="en-US" sz="2000" dirty="0"/>
-              <a:t>텍스트 기반의 </a:t>
-            </a:r>
-            <a:r>
-              <a:rPr lang="ko-KR" altLang="en-US" sz="2000" dirty="0" err="1" smtClean="0"/>
-              <a:t>마크업언어</a:t>
-            </a:r>
-            <a:r>
-              <a:rPr lang="en-US" altLang="ko-KR" sz="2000" dirty="0" smtClean="0"/>
-              <a:t>(</a:t>
-            </a:r>
-            <a:r>
-              <a:rPr lang="ko-KR" altLang="en-US" sz="2000" dirty="0" err="1" smtClean="0"/>
-              <a:t>존그루버</a:t>
-            </a:r>
-            <a:r>
-              <a:rPr lang="en-US" altLang="ko-KR" sz="2000" dirty="0" smtClean="0"/>
-              <a:t>, 2004)</a:t>
-            </a:r>
-          </a:p>
-          <a:p>
-            <a:r>
-              <a:rPr lang="ko-KR" altLang="en-US" sz="2000" dirty="0" smtClean="0"/>
-              <a:t>쉽게 </a:t>
-            </a:r>
-            <a:r>
-              <a:rPr lang="ko-KR" altLang="en-US" sz="2000" dirty="0"/>
-              <a:t>쓰고 읽을 수 있으며 </a:t>
-            </a:r>
-            <a:r>
-              <a:rPr lang="en-US" altLang="ko-KR" sz="2000" dirty="0"/>
-              <a:t>HTML</a:t>
-            </a:r>
-            <a:r>
-              <a:rPr lang="ko-KR" altLang="en-US" sz="2000" dirty="0"/>
-              <a:t>로 변환이 </a:t>
-            </a:r>
-            <a:r>
-              <a:rPr lang="ko-KR" altLang="en-US" sz="2000" dirty="0" smtClean="0"/>
-              <a:t>가능</a:t>
-            </a:r>
-            <a:endParaRPr lang="en-US" altLang="ko-KR" sz="2000" dirty="0" smtClean="0"/>
-          </a:p>
-          <a:p>
-            <a:r>
-              <a:rPr lang="ko-KR" altLang="en-US" sz="2000" dirty="0" smtClean="0"/>
-              <a:t>특수기호와 </a:t>
-            </a:r>
-            <a:r>
-              <a:rPr lang="ko-KR" altLang="en-US" sz="2000" dirty="0"/>
-              <a:t>문자를 이용한 매우 간단한 구조의 문법을 </a:t>
-            </a:r>
-            <a:r>
-              <a:rPr lang="ko-KR" altLang="en-US" sz="2000" dirty="0" smtClean="0"/>
-              <a:t>사용</a:t>
-            </a:r>
-            <a:endParaRPr lang="ko-KR" altLang="en-US" sz="2000" dirty="0"/>
-          </a:p>
-        </p:txBody>
-      </p:sp>
-      <p:sp>
-        <p:nvSpPr>
-          <p:cNvPr id="7" name="TextBox 25"/>
-          <p:cNvSpPr txBox="1">
-            <a:spLocks noChangeArrowheads="1"/>
-          </p:cNvSpPr>
-          <p:nvPr/>
-        </p:nvSpPr>
-        <p:spPr bwMode="auto">
-          <a:xfrm>
-            <a:off x="323528" y="603121"/>
-            <a:ext cx="5184576" cy="523220"/>
-          </a:xfrm>
-          <a:prstGeom prst="rect">
-            <a:avLst/>
-          </a:prstGeom>
-          <a:noFill/>
-          <a:ln w="9525">
-            <a:noFill/>
-            <a:miter lim="800000"/>
-            <a:headEnd/>
-            <a:tailEnd/>
-          </a:ln>
-        </p:spPr>
-        <p:txBody>
-          <a:bodyPr wrap="square">
-            <a:spAutoFit/>
-          </a:bodyPr>
-          <a:lstStyle/>
-          <a:p>
-            <a:pPr lvl="0"/>
-            <a:r>
-              <a:rPr lang="en-US" altLang="ko-KR" sz="2800" dirty="0" smtClean="0">
-                <a:solidFill>
-                  <a:prstClr val="black">
-                    <a:lumMod val="65000"/>
-                    <a:lumOff val="35000"/>
-                  </a:prstClr>
-                </a:solidFill>
-                <a:latin typeface="다음_SemiBold" pitchFamily="2" charset="-127"/>
-                <a:ea typeface="다음_SemiBold" pitchFamily="2" charset="-127"/>
-              </a:rPr>
-              <a:t>Markdown(-.md)</a:t>
-            </a:r>
-            <a:endParaRPr lang="en-US" altLang="ko-KR" sz="2800" dirty="0" smtClean="0">
-              <a:solidFill>
-                <a:prstClr val="black">
-                  <a:lumMod val="65000"/>
-                  <a:lumOff val="35000"/>
-                </a:prstClr>
-              </a:solidFill>
-              <a:latin typeface="다음_SemiBold" pitchFamily="2" charset="-127"/>
-              <a:ea typeface="다음_SemiBold" pitchFamily="2" charset="-127"/>
-            </a:endParaRPr>
-          </a:p>
-        </p:txBody>
-      </p:sp>
-      <p:sp>
-        <p:nvSpPr>
-          <p:cNvPr id="8" name="TextBox 25"/>
-          <p:cNvSpPr txBox="1">
-            <a:spLocks noChangeArrowheads="1"/>
-          </p:cNvSpPr>
-          <p:nvPr/>
-        </p:nvSpPr>
-        <p:spPr bwMode="auto">
-          <a:xfrm>
-            <a:off x="323528" y="1195735"/>
-            <a:ext cx="5184576" cy="338554"/>
-          </a:xfrm>
-          <a:prstGeom prst="rect">
-            <a:avLst/>
-          </a:prstGeom>
-          <a:noFill/>
-          <a:ln w="9525">
-            <a:noFill/>
-            <a:miter lim="800000"/>
-            <a:headEnd/>
-            <a:tailEnd/>
-          </a:ln>
-        </p:spPr>
-        <p:txBody>
-          <a:bodyPr wrap="square">
-            <a:spAutoFit/>
-          </a:bodyPr>
-          <a:lstStyle/>
-          <a:p>
-            <a:pPr lvl="0"/>
-            <a:r>
-              <a:rPr lang="ko-KR" altLang="en-US" sz="1600" dirty="0" smtClean="0">
-                <a:solidFill>
-                  <a:prstClr val="black">
-                    <a:lumMod val="65000"/>
-                    <a:lumOff val="35000"/>
-                  </a:prstClr>
-                </a:solidFill>
-                <a:latin typeface="나눔바른고딕" pitchFamily="50" charset="-127"/>
-                <a:ea typeface="나눔바른고딕" pitchFamily="50" charset="-127"/>
-              </a:rPr>
-              <a:t> </a:t>
-            </a:r>
-            <a:endParaRPr lang="en-US" altLang="ko-KR" sz="1600" dirty="0" smtClean="0">
-              <a:solidFill>
-                <a:prstClr val="black">
-                  <a:lumMod val="65000"/>
-                  <a:lumOff val="35000"/>
-                </a:prstClr>
-              </a:solidFill>
-              <a:latin typeface="나눔바른고딕" pitchFamily="50" charset="-127"/>
-              <a:ea typeface="나눔바른고딕" pitchFamily="50" charset="-127"/>
-            </a:endParaRPr>
-          </a:p>
-        </p:txBody>
-      </p:sp>
-      <p:cxnSp>
-        <p:nvCxnSpPr>
-          <p:cNvPr id="9" name="직선 연결선 8"/>
-          <p:cNvCxnSpPr/>
-          <p:nvPr/>
-        </p:nvCxnSpPr>
-        <p:spPr>
-          <a:xfrm>
-            <a:off x="428355" y="475655"/>
-            <a:ext cx="327221" cy="0"/>
-          </a:xfrm>
-          <a:prstGeom prst="line">
-            <a:avLst/>
-          </a:prstGeom>
-          <a:ln w="76200">
-            <a:solidFill>
-              <a:schemeClr val="tx1">
-                <a:lumMod val="65000"/>
-                <a:lumOff val="35000"/>
-              </a:schemeClr>
-            </a:solidFill>
-          </a:ln>
-        </p:spPr>
-        <p:style>
-          <a:lnRef idx="1">
-            <a:schemeClr val="accent1"/>
-          </a:lnRef>
-          <a:fillRef idx="0">
-            <a:schemeClr val="accent1"/>
-          </a:fillRef>
-          <a:effectRef idx="0">
-            <a:schemeClr val="accent1"/>
-          </a:effectRef>
-          <a:fontRef idx="minor">
-            <a:schemeClr val="tx1"/>
-          </a:fontRef>
-        </p:style>
-      </p:cxnSp>
-      <p:pic>
-        <p:nvPicPr>
-          <p:cNvPr id="1026" name="Picture 2" descr="John Gruber.jpeg"/>
-          <p:cNvPicPr>
-            <a:picLocks noChangeAspect="1" noChangeArrowheads="1"/>
-          </p:cNvPicPr>
-          <p:nvPr/>
-        </p:nvPicPr>
-        <p:blipFill>
-          <a:blip r:embed="rId3">
-            <a:extLst>
-              <a:ext uri="{28A0092B-C50C-407E-A947-70E740481C1C}">
-                <a14:useLocalDpi xmlns:a14="http://schemas.microsoft.com/office/drawing/2010/main" val="0"/>
-              </a:ext>
-            </a:extLst>
-          </a:blip>
-          <a:srcRect/>
-          <a:stretch>
-            <a:fillRect/>
-          </a:stretch>
-        </p:blipFill>
-        <p:spPr bwMode="auto">
-          <a:xfrm>
-            <a:off x="755576" y="3553120"/>
-            <a:ext cx="3840361" cy="2573043"/>
-          </a:xfrm>
-          <a:prstGeom prst="rect">
-            <a:avLst/>
-          </a:prstGeom>
-          <a:noFill/>
-          <a:extLst>
-            <a:ext uri="{909E8E84-426E-40DD-AFC4-6F175D3DCCD1}">
-              <a14:hiddenFill xmlns:a14="http://schemas.microsoft.com/office/drawing/2010/main">
-                <a:solidFill>
-                  <a:srgbClr val="FFFFFF"/>
-                </a:solidFill>
-              </a14:hiddenFill>
-            </a:ext>
-          </a:extLst>
-        </p:spPr>
-      </p:pic>
-    </p:spTree>
-    <p:extLst>
-      <p:ext uri="{BB962C8B-B14F-4D97-AF65-F5344CB8AC3E}">
-        <p14:creationId xmlns:p14="http://schemas.microsoft.com/office/powerpoint/2010/main" val="3756803566"/>
-      </p:ext>
-    </p:extLst>
-  </p:cSld>
-  <p:clrMapOvr>
-    <a:masterClrMapping/>
-  </p:clrMapOvr>
-  <p:timing>
-    <p:tnLst>
-      <p:par>
-        <p:cTn id="1" dur="indefinite" restart="never" nodeType="tmRoot"/>
-      </p:par>
-    </p:tnLst>
-  </p:timing>
-</p:sld>
-</file>
-
-<file path=ppt/slides/slide13.xml><?xml version="1.0" encoding="utf-8"?>
-<p:sld xmlns:a="http://schemas.openxmlformats.org/drawingml/2006/main" xmlns:r="http://schemas.openxmlformats.org/officeDocument/2006/relationships" xmlns:p="http://schemas.openxmlformats.org/presentationml/2006/main">
-  <p:cSld>
-    <p:spTree>
-      <p:nvGrpSpPr>
-        <p:cNvPr id="1" name=""/>
-        <p:cNvGrpSpPr/>
-        <p:nvPr/>
-      </p:nvGrpSpPr>
-      <p:grpSpPr>
-        <a:xfrm>
-          <a:off x="0" y="0"/>
-          <a:ext cx="0" cy="0"/>
-          <a:chOff x="0" y="0"/>
-          <a:chExt cx="0" cy="0"/>
-        </a:xfrm>
-      </p:grpSpPr>
-      <p:sp>
-        <p:nvSpPr>
-          <p:cNvPr id="5" name="내용 개체 틀 4"/>
-          <p:cNvSpPr>
-            <a:spLocks noGrp="1"/>
-          </p:cNvSpPr>
-          <p:nvPr>
-            <p:ph sz="half" idx="1"/>
-          </p:nvPr>
-        </p:nvSpPr>
-        <p:spPr/>
-        <p:txBody>
-          <a:bodyPr/>
-          <a:lstStyle/>
-          <a:p>
-            <a:r>
-              <a:rPr lang="en-US" altLang="ko-KR" dirty="0" smtClean="0">
-                <a:solidFill>
-                  <a:schemeClr val="accent3">
-                    <a:lumMod val="50000"/>
-                  </a:schemeClr>
-                </a:solidFill>
-                <a:latin typeface="다음_Regular" panose="02000603060000000000" pitchFamily="2" charset="-127"/>
-                <a:ea typeface="다음_Regular" panose="02000603060000000000" pitchFamily="2" charset="-127"/>
-              </a:rPr>
-              <a:t>1. </a:t>
-            </a:r>
-            <a:r>
-              <a:rPr lang="ko-KR" altLang="en-US" dirty="0" smtClean="0">
-                <a:solidFill>
-                  <a:schemeClr val="accent3">
-                    <a:lumMod val="50000"/>
-                  </a:schemeClr>
-                </a:solidFill>
-                <a:latin typeface="다음_Regular" panose="02000603060000000000" pitchFamily="2" charset="-127"/>
-                <a:ea typeface="다음_Regular" panose="02000603060000000000" pitchFamily="2" charset="-127"/>
-              </a:rPr>
-              <a:t>제목 달기 </a:t>
-            </a:r>
-            <a:r>
-              <a:rPr lang="en-US" altLang="ko-KR" dirty="0" smtClean="0">
-                <a:solidFill>
-                  <a:schemeClr val="accent3">
-                    <a:lumMod val="50000"/>
-                  </a:schemeClr>
-                </a:solidFill>
-                <a:latin typeface="다음_Regular" panose="02000603060000000000" pitchFamily="2" charset="-127"/>
-                <a:ea typeface="다음_Regular" panose="02000603060000000000" pitchFamily="2" charset="-127"/>
-              </a:rPr>
-              <a:t>#</a:t>
-            </a:r>
-          </a:p>
-          <a:p>
-            <a:r>
-              <a:rPr lang="en-US" altLang="ko-KR" sz="1800" dirty="0" smtClean="0"/>
-              <a:t> # &lt;</a:t>
-            </a:r>
-            <a:r>
-              <a:rPr lang="ko-KR" altLang="en-US" sz="1800" dirty="0" smtClean="0"/>
-              <a:t>제목</a:t>
-            </a:r>
-            <a:r>
-              <a:rPr lang="en-US" altLang="ko-KR" sz="1800" dirty="0" smtClean="0"/>
-              <a:t>&gt; #</a:t>
-            </a:r>
-            <a:br>
-              <a:rPr lang="en-US" altLang="ko-KR" sz="1800" dirty="0" smtClean="0"/>
-            </a:br>
-            <a:r>
-              <a:rPr lang="en-US" altLang="ko-KR" sz="1800" dirty="0" smtClean="0"/>
-              <a:t>## &lt;</a:t>
-            </a:r>
-            <a:r>
-              <a:rPr lang="ko-KR" altLang="en-US" sz="1800" dirty="0" smtClean="0"/>
-              <a:t>제목</a:t>
-            </a:r>
-            <a:r>
-              <a:rPr lang="en-US" altLang="ko-KR" sz="1800" dirty="0" smtClean="0"/>
-              <a:t>&gt; ##</a:t>
-            </a:r>
-            <a:br>
-              <a:rPr lang="en-US" altLang="ko-KR" sz="1800" dirty="0" smtClean="0"/>
-            </a:br>
-            <a:r>
-              <a:rPr lang="en-US" altLang="ko-KR" dirty="0" smtClean="0"/>
-              <a:t/>
-            </a:r>
-            <a:br>
-              <a:rPr lang="en-US" altLang="ko-KR" dirty="0" smtClean="0"/>
-            </a:br>
-            <a:r>
-              <a:rPr lang="en-US" altLang="ko-KR" dirty="0" smtClean="0"/>
-              <a:t/>
-            </a:r>
-            <a:br>
-              <a:rPr lang="en-US" altLang="ko-KR" dirty="0" smtClean="0"/>
-            </a:br>
-            <a:endParaRPr lang="en-US" altLang="ko-KR" dirty="0" smtClean="0"/>
-          </a:p>
-          <a:p>
-            <a:r>
-              <a:rPr lang="en-US" altLang="ko-KR" dirty="0" smtClean="0">
-                <a:solidFill>
-                  <a:schemeClr val="accent3">
-                    <a:lumMod val="50000"/>
-                  </a:schemeClr>
-                </a:solidFill>
-                <a:latin typeface="다음_Regular" panose="02000603060000000000" pitchFamily="2" charset="-127"/>
-                <a:ea typeface="다음_Regular" panose="02000603060000000000" pitchFamily="2" charset="-127"/>
-              </a:rPr>
-              <a:t>2. </a:t>
-            </a:r>
-            <a:r>
-              <a:rPr lang="ko-KR" altLang="en-US" dirty="0" smtClean="0">
-                <a:solidFill>
-                  <a:schemeClr val="accent3">
-                    <a:lumMod val="50000"/>
-                  </a:schemeClr>
-                </a:solidFill>
-                <a:latin typeface="다음_Regular" panose="02000603060000000000" pitchFamily="2" charset="-127"/>
-                <a:ea typeface="다음_Regular" panose="02000603060000000000" pitchFamily="2" charset="-127"/>
-              </a:rPr>
-              <a:t>밑줄</a:t>
-            </a:r>
-            <a:endParaRPr lang="en-US" altLang="ko-KR" sz="1800" dirty="0" smtClean="0">
-              <a:solidFill>
-                <a:schemeClr val="accent3">
-                  <a:lumMod val="50000"/>
-                </a:schemeClr>
-              </a:solidFill>
-              <a:latin typeface="다음_Regular" panose="02000603060000000000" pitchFamily="2" charset="-127"/>
-              <a:ea typeface="다음_Regular" panose="02000603060000000000" pitchFamily="2" charset="-127"/>
-            </a:endParaRPr>
-          </a:p>
-          <a:p>
-            <a:r>
-              <a:rPr lang="en-US" altLang="ko-KR" sz="1800" dirty="0" smtClean="0"/>
-              <a:t>*  *  *</a:t>
-            </a:r>
-            <a:br>
-              <a:rPr lang="en-US" altLang="ko-KR" sz="1800" dirty="0" smtClean="0"/>
-            </a:br>
-            <a:r>
-              <a:rPr lang="en-US" altLang="ko-KR" sz="1800" dirty="0" smtClean="0"/>
-              <a:t>***</a:t>
-            </a:r>
-            <a:br>
-              <a:rPr lang="en-US" altLang="ko-KR" sz="1800" dirty="0" smtClean="0"/>
-            </a:br>
-            <a:r>
-              <a:rPr lang="en-US" altLang="ko-KR" sz="1800" dirty="0" smtClean="0"/>
-              <a:t>*****</a:t>
-            </a:r>
-            <a:br>
-              <a:rPr lang="en-US" altLang="ko-KR" sz="1800" dirty="0" smtClean="0"/>
-            </a:br>
-            <a:r>
-              <a:rPr lang="en-US" altLang="ko-KR" sz="1800" dirty="0" smtClean="0"/>
-              <a:t>- - -</a:t>
-            </a:r>
-            <a:br>
-              <a:rPr lang="en-US" altLang="ko-KR" sz="1800" dirty="0" smtClean="0"/>
-            </a:br>
-            <a:r>
-              <a:rPr lang="en-US" altLang="ko-KR" sz="1800" dirty="0" smtClean="0"/>
-              <a:t>--------------</a:t>
-            </a:r>
-            <a:endParaRPr lang="en-US" altLang="ko-KR" sz="1800" dirty="0"/>
-          </a:p>
-          <a:p>
-            <a:endParaRPr lang="en-US" altLang="ko-KR" sz="1800" dirty="0" smtClean="0"/>
-          </a:p>
-          <a:p>
-            <a:endParaRPr lang="en-US" altLang="ko-KR" sz="1800" dirty="0"/>
-          </a:p>
-          <a:p>
-            <a:endParaRPr lang="ko-KR" altLang="en-US" dirty="0"/>
-          </a:p>
-        </p:txBody>
-      </p:sp>
-      <p:pic>
-        <p:nvPicPr>
-          <p:cNvPr id="4" name="내용 개체 틀 3"/>
-          <p:cNvPicPr>
-            <a:picLocks noGrp="1" noChangeAspect="1"/>
-          </p:cNvPicPr>
-          <p:nvPr>
-            <p:ph sz="half" idx="2"/>
-          </p:nvPr>
-        </p:nvPicPr>
-        <p:blipFill>
-          <a:blip r:embed="rId2" cstate="print">
-            <a:extLst>
-              <a:ext uri="{28A0092B-C50C-407E-A947-70E740481C1C}">
-                <a14:useLocalDpi xmlns:a14="http://schemas.microsoft.com/office/drawing/2010/main" val="0"/>
-              </a:ext>
-            </a:extLst>
-          </a:blip>
-          <a:stretch>
-            <a:fillRect/>
-          </a:stretch>
-        </p:blipFill>
-        <p:spPr>
-          <a:xfrm>
-            <a:off x="3491880" y="1199683"/>
-            <a:ext cx="5522440" cy="5326995"/>
-          </a:xfrm>
-        </p:spPr>
-      </p:pic>
-      <p:sp>
-        <p:nvSpPr>
-          <p:cNvPr id="7" name="TextBox 25"/>
-          <p:cNvSpPr txBox="1">
-            <a:spLocks noChangeArrowheads="1"/>
-          </p:cNvSpPr>
-          <p:nvPr/>
-        </p:nvSpPr>
-        <p:spPr bwMode="auto">
-          <a:xfrm>
-            <a:off x="323528" y="603121"/>
-            <a:ext cx="5184576" cy="523220"/>
-          </a:xfrm>
-          <a:prstGeom prst="rect">
-            <a:avLst/>
-          </a:prstGeom>
-          <a:noFill/>
-          <a:ln w="9525">
-            <a:noFill/>
-            <a:miter lim="800000"/>
-            <a:headEnd/>
-            <a:tailEnd/>
-          </a:ln>
-        </p:spPr>
-        <p:txBody>
-          <a:bodyPr wrap="square">
-            <a:spAutoFit/>
-          </a:bodyPr>
-          <a:lstStyle/>
-          <a:p>
-            <a:pPr lvl="0"/>
-            <a:r>
-              <a:rPr lang="en-US" altLang="ko-KR" sz="2800" dirty="0" smtClean="0">
-                <a:solidFill>
-                  <a:prstClr val="black">
-                    <a:lumMod val="65000"/>
-                    <a:lumOff val="35000"/>
-                  </a:prstClr>
-                </a:solidFill>
-                <a:latin typeface="다음_SemiBold" pitchFamily="2" charset="-127"/>
-                <a:ea typeface="다음_SemiBold" pitchFamily="2" charset="-127"/>
-              </a:rPr>
-              <a:t>Markdown(-.md)</a:t>
-            </a:r>
-            <a:endParaRPr lang="en-US" altLang="ko-KR" sz="2800" dirty="0" smtClean="0">
-              <a:solidFill>
-                <a:prstClr val="black">
-                  <a:lumMod val="65000"/>
-                  <a:lumOff val="35000"/>
-                </a:prstClr>
-              </a:solidFill>
-              <a:latin typeface="다음_SemiBold" pitchFamily="2" charset="-127"/>
-              <a:ea typeface="다음_SemiBold" pitchFamily="2" charset="-127"/>
-            </a:endParaRPr>
-          </a:p>
-        </p:txBody>
-      </p:sp>
-      <p:sp>
-        <p:nvSpPr>
-          <p:cNvPr id="8" name="TextBox 25"/>
-          <p:cNvSpPr txBox="1">
-            <a:spLocks noChangeArrowheads="1"/>
-          </p:cNvSpPr>
-          <p:nvPr/>
-        </p:nvSpPr>
-        <p:spPr bwMode="auto">
-          <a:xfrm>
-            <a:off x="323528" y="1195735"/>
-            <a:ext cx="5184576" cy="338554"/>
-          </a:xfrm>
-          <a:prstGeom prst="rect">
-            <a:avLst/>
-          </a:prstGeom>
-          <a:noFill/>
-          <a:ln w="9525">
-            <a:noFill/>
-            <a:miter lim="800000"/>
-            <a:headEnd/>
-            <a:tailEnd/>
-          </a:ln>
-        </p:spPr>
-        <p:txBody>
-          <a:bodyPr wrap="square">
-            <a:spAutoFit/>
-          </a:bodyPr>
-          <a:lstStyle/>
-          <a:p>
-            <a:pPr lvl="0"/>
-            <a:r>
-              <a:rPr lang="ko-KR" altLang="en-US" sz="1600" dirty="0" smtClean="0">
-                <a:solidFill>
-                  <a:prstClr val="black">
-                    <a:lumMod val="65000"/>
-                    <a:lumOff val="35000"/>
-                  </a:prstClr>
-                </a:solidFill>
-                <a:latin typeface="나눔바른고딕" pitchFamily="50" charset="-127"/>
-                <a:ea typeface="나눔바른고딕" pitchFamily="50" charset="-127"/>
-              </a:rPr>
-              <a:t> </a:t>
-            </a:r>
-            <a:endParaRPr lang="en-US" altLang="ko-KR" sz="1600" dirty="0" smtClean="0">
-              <a:solidFill>
-                <a:prstClr val="black">
-                  <a:lumMod val="65000"/>
-                  <a:lumOff val="35000"/>
-                </a:prstClr>
-              </a:solidFill>
-              <a:latin typeface="나눔바른고딕" pitchFamily="50" charset="-127"/>
-              <a:ea typeface="나눔바른고딕" pitchFamily="50" charset="-127"/>
-            </a:endParaRPr>
-          </a:p>
-        </p:txBody>
-      </p:sp>
-      <p:cxnSp>
-        <p:nvCxnSpPr>
-          <p:cNvPr id="9" name="직선 연결선 8"/>
-          <p:cNvCxnSpPr/>
-          <p:nvPr/>
-        </p:nvCxnSpPr>
-        <p:spPr>
-          <a:xfrm>
-            <a:off x="428355" y="475655"/>
-            <a:ext cx="327221" cy="0"/>
-          </a:xfrm>
-          <a:prstGeom prst="line">
-            <a:avLst/>
-          </a:prstGeom>
-          <a:ln w="76200">
-            <a:solidFill>
-              <a:schemeClr val="tx1">
-                <a:lumMod val="65000"/>
-                <a:lumOff val="35000"/>
-              </a:schemeClr>
-            </a:solidFill>
-          </a:ln>
-        </p:spPr>
-        <p:style>
-          <a:lnRef idx="1">
-            <a:schemeClr val="accent1"/>
-          </a:lnRef>
-          <a:fillRef idx="0">
-            <a:schemeClr val="accent1"/>
-          </a:fillRef>
-          <a:effectRef idx="0">
-            <a:schemeClr val="accent1"/>
-          </a:effectRef>
-          <a:fontRef idx="minor">
-            <a:schemeClr val="tx1"/>
-          </a:fontRef>
-        </p:style>
-      </p:cxnSp>
-      <p:sp>
-        <p:nvSpPr>
-          <p:cNvPr id="10" name="내용 개체 틀 2"/>
-          <p:cNvSpPr txBox="1">
-            <a:spLocks/>
-          </p:cNvSpPr>
-          <p:nvPr/>
-        </p:nvSpPr>
-        <p:spPr>
-          <a:xfrm>
-            <a:off x="334971" y="1600200"/>
-            <a:ext cx="4038600" cy="4525963"/>
-          </a:xfrm>
-          <a:prstGeom prst="rect">
-            <a:avLst/>
-          </a:prstGeom>
-        </p:spPr>
-        <p:txBody>
-          <a:bodyPr vert="horz" lIns="91440" tIns="45720" rIns="91440" bIns="45720" rtlCol="0">
-            <a:normAutofit/>
-          </a:bodyPr>
-          <a:lstStyle>
-            <a:lvl1pPr marL="342900" indent="-342900" algn="l" defTabSz="914400" rtl="0" eaLnBrk="1" latinLnBrk="1" hangingPunct="1">
-              <a:spcBef>
-                <a:spcPct val="20000"/>
-              </a:spcBef>
-              <a:buFont typeface="Arial" pitchFamily="34" charset="0"/>
-              <a:buChar char="•"/>
-              <a:defRPr sz="2800" kern="1200">
-                <a:solidFill>
-                  <a:schemeClr val="tx1"/>
-                </a:solidFill>
-                <a:latin typeface="+mn-lt"/>
-                <a:ea typeface="+mn-ea"/>
-                <a:cs typeface="+mn-cs"/>
-              </a:defRPr>
-            </a:lvl1pPr>
-            <a:lvl2pPr marL="742950" indent="-285750" algn="l" defTabSz="914400" rtl="0" eaLnBrk="1" latinLnBrk="1" hangingPunct="1">
-              <a:spcBef>
-                <a:spcPct val="20000"/>
-              </a:spcBef>
-              <a:buFont typeface="Arial" pitchFamily="34" charset="0"/>
-              <a:buChar char="–"/>
-              <a:defRPr sz="2400" kern="1200">
-                <a:solidFill>
-                  <a:schemeClr val="tx1"/>
-                </a:solidFill>
-                <a:latin typeface="+mn-lt"/>
-                <a:ea typeface="+mn-ea"/>
-                <a:cs typeface="+mn-cs"/>
-              </a:defRPr>
-            </a:lvl2pPr>
-            <a:lvl3pPr marL="1143000" indent="-228600" algn="l" defTabSz="914400" rtl="0" eaLnBrk="1" latinLnBrk="1" hangingPunct="1">
-              <a:spcBef>
-                <a:spcPct val="20000"/>
-              </a:spcBef>
-              <a:buFont typeface="Arial" pitchFamily="34" charset="0"/>
-              <a:buChar char="•"/>
-              <a:defRPr sz="2000" kern="1200">
-                <a:solidFill>
-                  <a:schemeClr val="tx1"/>
-                </a:solidFill>
-                <a:latin typeface="+mn-lt"/>
-                <a:ea typeface="+mn-ea"/>
-                <a:cs typeface="+mn-cs"/>
-              </a:defRPr>
-            </a:lvl3pPr>
-            <a:lvl4pPr marL="1600200" indent="-228600" algn="l" defTabSz="914400" rtl="0" eaLnBrk="1" latinLnBrk="1" hangingPunct="1">
-              <a:spcBef>
-                <a:spcPct val="20000"/>
-              </a:spcBef>
-              <a:buFont typeface="Arial" pitchFamily="34" charset="0"/>
-              <a:buChar char="–"/>
-              <a:defRPr sz="1800" kern="1200">
-                <a:solidFill>
-                  <a:schemeClr val="tx1"/>
-                </a:solidFill>
-                <a:latin typeface="+mn-lt"/>
-                <a:ea typeface="+mn-ea"/>
-                <a:cs typeface="+mn-cs"/>
-              </a:defRPr>
-            </a:lvl4pPr>
-            <a:lvl5pPr marL="2057400" indent="-228600" algn="l" defTabSz="914400" rtl="0" eaLnBrk="1" latinLnBrk="1" hangingPunct="1">
-              <a:spcBef>
-                <a:spcPct val="20000"/>
-              </a:spcBef>
-              <a:buFont typeface="Arial" pitchFamily="34" charset="0"/>
-              <a:buChar char="»"/>
-              <a:defRPr sz="1800" kern="1200">
-                <a:solidFill>
-                  <a:schemeClr val="tx1"/>
-                </a:solidFill>
-                <a:latin typeface="+mn-lt"/>
-                <a:ea typeface="+mn-ea"/>
-                <a:cs typeface="+mn-cs"/>
-              </a:defRPr>
-            </a:lvl5pPr>
-            <a:lvl6pPr marL="2514600" indent="-228600" algn="l" defTabSz="914400" rtl="0" eaLnBrk="1" latinLnBrk="1" hangingPunct="1">
-              <a:spcBef>
-                <a:spcPct val="20000"/>
-              </a:spcBef>
-              <a:buFont typeface="Arial" pitchFamily="34" charset="0"/>
-              <a:buChar char="•"/>
-              <a:defRPr sz="1800" kern="1200">
-                <a:solidFill>
-                  <a:schemeClr val="tx1"/>
-                </a:solidFill>
-                <a:latin typeface="+mn-lt"/>
-                <a:ea typeface="+mn-ea"/>
-                <a:cs typeface="+mn-cs"/>
-              </a:defRPr>
-            </a:lvl6pPr>
-            <a:lvl7pPr marL="2971800" indent="-228600" algn="l" defTabSz="914400" rtl="0" eaLnBrk="1" latinLnBrk="1" hangingPunct="1">
-              <a:spcBef>
-                <a:spcPct val="20000"/>
-              </a:spcBef>
-              <a:buFont typeface="Arial" pitchFamily="34" charset="0"/>
-              <a:buChar char="•"/>
-              <a:defRPr sz="1800" kern="1200">
-                <a:solidFill>
-                  <a:schemeClr val="tx1"/>
-                </a:solidFill>
-                <a:latin typeface="+mn-lt"/>
-                <a:ea typeface="+mn-ea"/>
-                <a:cs typeface="+mn-cs"/>
-              </a:defRPr>
-            </a:lvl7pPr>
-            <a:lvl8pPr marL="3429000" indent="-228600" algn="l" defTabSz="914400" rtl="0" eaLnBrk="1" latinLnBrk="1" hangingPunct="1">
-              <a:spcBef>
-                <a:spcPct val="20000"/>
-              </a:spcBef>
-              <a:buFont typeface="Arial" pitchFamily="34" charset="0"/>
-              <a:buChar char="•"/>
-              <a:defRPr sz="1800" kern="1200">
-                <a:solidFill>
-                  <a:schemeClr val="tx1"/>
-                </a:solidFill>
-                <a:latin typeface="+mn-lt"/>
-                <a:ea typeface="+mn-ea"/>
-                <a:cs typeface="+mn-cs"/>
-              </a:defRPr>
-            </a:lvl8pPr>
-            <a:lvl9pPr marL="3886200" indent="-228600" algn="l" defTabSz="914400" rtl="0" eaLnBrk="1" latinLnBrk="1" hangingPunct="1">
-              <a:spcBef>
-                <a:spcPct val="20000"/>
-              </a:spcBef>
-              <a:buFont typeface="Arial" pitchFamily="34" charset="0"/>
-              <a:buChar char="•"/>
-              <a:defRPr sz="1800" kern="1200">
-                <a:solidFill>
-                  <a:schemeClr val="tx1"/>
-                </a:solidFill>
-                <a:latin typeface="+mn-lt"/>
-                <a:ea typeface="+mn-ea"/>
-                <a:cs typeface="+mn-cs"/>
-              </a:defRPr>
-            </a:lvl9pPr>
-          </a:lstStyle>
-          <a:p>
-            <a:endParaRPr lang="ko-KR" altLang="en-US"/>
-          </a:p>
-        </p:txBody>
-      </p:sp>
-      <p:sp>
-        <p:nvSpPr>
-          <p:cNvPr id="11" name="왼쪽 화살표 10"/>
-          <p:cNvSpPr/>
-          <p:nvPr/>
-        </p:nvSpPr>
-        <p:spPr>
-          <a:xfrm>
-            <a:off x="6156176" y="1303311"/>
-            <a:ext cx="504056" cy="230978"/>
-          </a:xfrm>
-          <a:prstGeom prst="leftArrow">
-            <a:avLst/>
-          </a:prstGeom>
-        </p:spPr>
-        <p:style>
-          <a:lnRef idx="2">
-            <a:schemeClr val="accent1">
-              <a:shade val="50000"/>
-            </a:schemeClr>
-          </a:lnRef>
-          <a:fillRef idx="1">
-            <a:schemeClr val="accent1"/>
-          </a:fillRef>
-          <a:effectRef idx="0">
-            <a:schemeClr val="accent1"/>
-          </a:effectRef>
-          <a:fontRef idx="minor">
-            <a:schemeClr val="lt1"/>
-          </a:fontRef>
-        </p:style>
-        <p:txBody>
-          <a:bodyPr rtlCol="0" anchor="ctr"/>
-          <a:lstStyle/>
-          <a:p>
-            <a:pPr algn="ctr"/>
-            <a:endParaRPr lang="ko-KR" altLang="en-US"/>
-          </a:p>
-        </p:txBody>
-      </p:sp>
-      <p:sp>
-        <p:nvSpPr>
-          <p:cNvPr id="12" name="왼쪽 화살표 11"/>
-          <p:cNvSpPr/>
-          <p:nvPr/>
-        </p:nvSpPr>
-        <p:spPr>
-          <a:xfrm>
-            <a:off x="5496107" y="3501008"/>
-            <a:ext cx="426781" cy="209986"/>
-          </a:xfrm>
-          <a:prstGeom prst="leftArrow">
-            <a:avLst/>
-          </a:prstGeom>
-        </p:spPr>
-        <p:style>
-          <a:lnRef idx="2">
-            <a:schemeClr val="accent1">
-              <a:shade val="50000"/>
-            </a:schemeClr>
-          </a:lnRef>
-          <a:fillRef idx="1">
-            <a:schemeClr val="accent1"/>
-          </a:fillRef>
-          <a:effectRef idx="0">
-            <a:schemeClr val="accent1"/>
-          </a:effectRef>
-          <a:fontRef idx="minor">
-            <a:schemeClr val="lt1"/>
-          </a:fontRef>
-        </p:style>
-        <p:txBody>
-          <a:bodyPr rtlCol="0" anchor="ctr"/>
-          <a:lstStyle/>
-          <a:p>
-            <a:pPr algn="ctr"/>
-            <a:endParaRPr lang="ko-KR" altLang="en-US"/>
-          </a:p>
-        </p:txBody>
-      </p:sp>
-      <p:sp>
-        <p:nvSpPr>
-          <p:cNvPr id="13" name="왼쪽 화살표 12"/>
-          <p:cNvSpPr/>
-          <p:nvPr/>
-        </p:nvSpPr>
-        <p:spPr>
-          <a:xfrm>
-            <a:off x="4373736" y="3888599"/>
-            <a:ext cx="431511" cy="141884"/>
-          </a:xfrm>
-          <a:prstGeom prst="leftArrow">
-            <a:avLst/>
-          </a:prstGeom>
-        </p:spPr>
-        <p:style>
-          <a:lnRef idx="2">
-            <a:schemeClr val="accent1">
-              <a:shade val="50000"/>
-            </a:schemeClr>
-          </a:lnRef>
-          <a:fillRef idx="1">
-            <a:schemeClr val="accent1"/>
-          </a:fillRef>
-          <a:effectRef idx="0">
-            <a:schemeClr val="accent1"/>
-          </a:effectRef>
-          <a:fontRef idx="minor">
-            <a:schemeClr val="lt1"/>
-          </a:fontRef>
-        </p:style>
-        <p:txBody>
-          <a:bodyPr rtlCol="0" anchor="ctr"/>
-          <a:lstStyle/>
-          <a:p>
-            <a:pPr algn="ctr"/>
-            <a:endParaRPr lang="ko-KR" altLang="en-US"/>
-          </a:p>
-        </p:txBody>
-      </p:sp>
-      <p:sp>
-        <p:nvSpPr>
-          <p:cNvPr id="14" name="왼쪽 화살표 13"/>
-          <p:cNvSpPr/>
-          <p:nvPr/>
-        </p:nvSpPr>
-        <p:spPr>
-          <a:xfrm>
-            <a:off x="7956376" y="3212976"/>
-            <a:ext cx="648072" cy="216024"/>
-          </a:xfrm>
-          <a:prstGeom prst="leftArrow">
-            <a:avLst/>
-          </a:prstGeom>
-          <a:solidFill>
-            <a:schemeClr val="accent2"/>
-          </a:solidFill>
-          <a:ln>
-            <a:solidFill>
-              <a:schemeClr val="accent2"/>
-            </a:solidFill>
-          </a:ln>
-        </p:spPr>
-        <p:style>
-          <a:lnRef idx="2">
-            <a:schemeClr val="accent1">
-              <a:shade val="50000"/>
-            </a:schemeClr>
-          </a:lnRef>
-          <a:fillRef idx="1">
-            <a:schemeClr val="accent1"/>
-          </a:fillRef>
-          <a:effectRef idx="0">
-            <a:schemeClr val="accent1"/>
-          </a:effectRef>
-          <a:fontRef idx="minor">
-            <a:schemeClr val="lt1"/>
-          </a:fontRef>
-        </p:style>
-        <p:txBody>
-          <a:bodyPr rtlCol="0" anchor="ctr"/>
-          <a:lstStyle/>
-          <a:p>
-            <a:pPr algn="ctr"/>
-            <a:endParaRPr lang="ko-KR" altLang="en-US"/>
-          </a:p>
-        </p:txBody>
-      </p:sp>
-      <p:sp>
-        <p:nvSpPr>
-          <p:cNvPr id="15" name="왼쪽 화살표 14"/>
-          <p:cNvSpPr/>
-          <p:nvPr/>
-        </p:nvSpPr>
-        <p:spPr>
-          <a:xfrm>
-            <a:off x="7956376" y="5226269"/>
-            <a:ext cx="648072" cy="216024"/>
-          </a:xfrm>
-          <a:prstGeom prst="leftArrow">
-            <a:avLst/>
-          </a:prstGeom>
-          <a:solidFill>
-            <a:schemeClr val="accent2"/>
-          </a:solidFill>
-          <a:ln>
-            <a:solidFill>
-              <a:schemeClr val="accent2"/>
-            </a:solidFill>
-          </a:ln>
-        </p:spPr>
-        <p:style>
-          <a:lnRef idx="2">
-            <a:schemeClr val="accent1">
-              <a:shade val="50000"/>
-            </a:schemeClr>
-          </a:lnRef>
-          <a:fillRef idx="1">
-            <a:schemeClr val="accent1"/>
-          </a:fillRef>
-          <a:effectRef idx="0">
-            <a:schemeClr val="accent1"/>
-          </a:effectRef>
-          <a:fontRef idx="minor">
-            <a:schemeClr val="lt1"/>
-          </a:fontRef>
-        </p:style>
-        <p:txBody>
-          <a:bodyPr rtlCol="0" anchor="ctr"/>
-          <a:lstStyle/>
-          <a:p>
-            <a:pPr algn="ctr"/>
-            <a:endParaRPr lang="ko-KR" altLang="en-US"/>
-          </a:p>
-        </p:txBody>
-      </p:sp>
-    </p:spTree>
-    <p:extLst>
-      <p:ext uri="{BB962C8B-B14F-4D97-AF65-F5344CB8AC3E}">
-        <p14:creationId xmlns:p14="http://schemas.microsoft.com/office/powerpoint/2010/main" val="963380913"/>
-      </p:ext>
-    </p:extLst>
-  </p:cSld>
-  <p:clrMapOvr>
-    <a:masterClrMapping/>
-  </p:clrMapOvr>
-  <p:timing>
-    <p:tnLst>
-      <p:par>
-        <p:cTn id="1" dur="indefinite" restart="never" nodeType="tmRoot">
-          <p:childTnLst>
-            <p:seq concurrent="1" nextAc="seek">
-              <p:cTn id="2" dur="indefinite" nodeType="mainSeq">
-                <p:childTnLst>
-                  <p:par>
-                    <p:cTn id="3" fill="hold">
-                      <p:stCondLst>
-                        <p:cond delay="indefinite"/>
-                      </p:stCondLst>
-                      <p:childTnLst>
-                        <p:par>
-                          <p:cTn id="4" fill="hold">
-                            <p:stCondLst>
-                              <p:cond delay="0"/>
-                            </p:stCondLst>
-                            <p:childTnLst>
-                              <p:par>
-                                <p:cTn id="5" presetID="1" presetClass="entr" presetSubtype="0" fill="hold" grpId="0" nodeType="clickEffect">
-                                  <p:stCondLst>
-                                    <p:cond delay="0"/>
-                                  </p:stCondLst>
-                                  <p:childTnLst>
-                                    <p:set>
-                                      <p:cBhvr>
-                                        <p:cTn id="6" dur="1" fill="hold">
-                                          <p:stCondLst>
-                                            <p:cond delay="0"/>
-                                          </p:stCondLst>
-                                        </p:cTn>
-                                        <p:tgtEl>
-                                          <p:spTgt spid="11"/>
-                                        </p:tgtEl>
-                                        <p:attrNameLst>
-                                          <p:attrName>style.visibility</p:attrName>
-                                        </p:attrNameLst>
-                                      </p:cBhvr>
-                                      <p:to>
-                                        <p:strVal val="visible"/>
-                                      </p:to>
-                                    </p:set>
-                                  </p:childTnLst>
-                                </p:cTn>
-                              </p:par>
-                            </p:childTnLst>
-                          </p:cTn>
-                        </p:par>
-                      </p:childTnLst>
-                    </p:cTn>
-                  </p:par>
-                  <p:par>
-                    <p:cTn id="7" fill="hold">
-                      <p:stCondLst>
-                        <p:cond delay="indefinite"/>
-                      </p:stCondLst>
-                      <p:childTnLst>
-                        <p:par>
-                          <p:cTn id="8" fill="hold">
-                            <p:stCondLst>
-                              <p:cond delay="0"/>
-                            </p:stCondLst>
-                            <p:childTnLst>
-                              <p:par>
-                                <p:cTn id="9" presetID="1" presetClass="entr" presetSubtype="0" fill="hold" grpId="0" nodeType="clickEffect">
-                                  <p:stCondLst>
-                                    <p:cond delay="0"/>
-                                  </p:stCondLst>
-                                  <p:childTnLst>
-                                    <p:set>
-                                      <p:cBhvr>
-                                        <p:cTn id="10" dur="1" fill="hold">
-                                          <p:stCondLst>
-                                            <p:cond delay="0"/>
-                                          </p:stCondLst>
-                                        </p:cTn>
-                                        <p:tgtEl>
-                                          <p:spTgt spid="12"/>
-                                        </p:tgtEl>
-                                        <p:attrNameLst>
-                                          <p:attrName>style.visibility</p:attrName>
-                                        </p:attrNameLst>
-                                      </p:cBhvr>
-                                      <p:to>
-                                        <p:strVal val="visible"/>
-                                      </p:to>
-                                    </p:set>
-                                  </p:childTnLst>
-                                </p:cTn>
-                              </p:par>
-                            </p:childTnLst>
-                          </p:cTn>
-                        </p:par>
-                      </p:childTnLst>
-                    </p:cTn>
-                  </p:par>
-                  <p:par>
-                    <p:cTn id="11" fill="hold">
-                      <p:stCondLst>
-                        <p:cond delay="indefinite"/>
-                      </p:stCondLst>
-                      <p:childTnLst>
-                        <p:par>
-                          <p:cTn id="12" fill="hold">
-                            <p:stCondLst>
-                              <p:cond delay="0"/>
-                            </p:stCondLst>
-                            <p:childTnLst>
-                              <p:par>
-                                <p:cTn id="13" presetID="1" presetClass="entr" presetSubtype="0" fill="hold" grpId="0" nodeType="clickEffect">
-                                  <p:stCondLst>
-                                    <p:cond delay="0"/>
-                                  </p:stCondLst>
-                                  <p:childTnLst>
-                                    <p:set>
-                                      <p:cBhvr>
-                                        <p:cTn id="14" dur="1" fill="hold">
-                                          <p:stCondLst>
-                                            <p:cond delay="0"/>
-                                          </p:stCondLst>
-                                        </p:cTn>
-                                        <p:tgtEl>
-                                          <p:spTgt spid="13"/>
-                                        </p:tgtEl>
-                                        <p:attrNameLst>
-                                          <p:attrName>style.visibility</p:attrName>
-                                        </p:attrNameLst>
-                                      </p:cBhvr>
-                                      <p:to>
-                                        <p:strVal val="visible"/>
-                                      </p:to>
-                                    </p:set>
-                                  </p:childTnLst>
-                                </p:cTn>
-                              </p:par>
-                            </p:childTnLst>
-                          </p:cTn>
-                        </p:par>
-                      </p:childTnLst>
-                    </p:cTn>
-                  </p:par>
-                  <p:par>
-                    <p:cTn id="15" fill="hold">
-                      <p:stCondLst>
-                        <p:cond delay="indefinite"/>
-                      </p:stCondLst>
-                      <p:childTnLst>
-                        <p:par>
-                          <p:cTn id="16" fill="hold">
-                            <p:stCondLst>
-                              <p:cond delay="0"/>
-                            </p:stCondLst>
-                            <p:childTnLst>
-                              <p:par>
-                                <p:cTn id="17" presetID="1" presetClass="exit" presetSubtype="0" fill="hold" grpId="1" nodeType="clickEffect">
-                                  <p:stCondLst>
-                                    <p:cond delay="0"/>
-                                  </p:stCondLst>
-                                  <p:childTnLst>
-                                    <p:set>
-                                      <p:cBhvr>
-                                        <p:cTn id="18" dur="1" fill="hold">
-                                          <p:stCondLst>
-                                            <p:cond delay="0"/>
-                                          </p:stCondLst>
-                                        </p:cTn>
-                                        <p:tgtEl>
-                                          <p:spTgt spid="11"/>
-                                        </p:tgtEl>
-                                        <p:attrNameLst>
-                                          <p:attrName>style.visibility</p:attrName>
-                                        </p:attrNameLst>
-                                      </p:cBhvr>
-                                      <p:to>
-                                        <p:strVal val="hidden"/>
-                                      </p:to>
-                                    </p:set>
-                                  </p:childTnLst>
-                                </p:cTn>
-                              </p:par>
-                              <p:par>
-                                <p:cTn id="19" presetID="1" presetClass="exit" presetSubtype="0" fill="hold" grpId="1" nodeType="withEffect">
-                                  <p:stCondLst>
-                                    <p:cond delay="0"/>
-                                  </p:stCondLst>
-                                  <p:childTnLst>
-                                    <p:set>
-                                      <p:cBhvr>
-                                        <p:cTn id="20" dur="1" fill="hold">
-                                          <p:stCondLst>
-                                            <p:cond delay="0"/>
-                                          </p:stCondLst>
-                                        </p:cTn>
-                                        <p:tgtEl>
-                                          <p:spTgt spid="12"/>
-                                        </p:tgtEl>
-                                        <p:attrNameLst>
-                                          <p:attrName>style.visibility</p:attrName>
-                                        </p:attrNameLst>
-                                      </p:cBhvr>
-                                      <p:to>
-                                        <p:strVal val="hidden"/>
-                                      </p:to>
-                                    </p:set>
-                                  </p:childTnLst>
-                                </p:cTn>
-                              </p:par>
-                              <p:par>
-                                <p:cTn id="21" presetID="1" presetClass="exit" presetSubtype="0" fill="hold" grpId="1" nodeType="withEffect">
-                                  <p:stCondLst>
-                                    <p:cond delay="0"/>
-                                  </p:stCondLst>
-                                  <p:childTnLst>
-                                    <p:set>
-                                      <p:cBhvr>
-                                        <p:cTn id="22" dur="1" fill="hold">
-                                          <p:stCondLst>
-                                            <p:cond delay="0"/>
-                                          </p:stCondLst>
-                                        </p:cTn>
-                                        <p:tgtEl>
-                                          <p:spTgt spid="13"/>
-                                        </p:tgtEl>
-                                        <p:attrNameLst>
-                                          <p:attrName>style.visibility</p:attrName>
-                                        </p:attrNameLst>
-                                      </p:cBhvr>
-                                      <p:to>
-                                        <p:strVal val="hidden"/>
-                                      </p:to>
-                                    </p:set>
-                                  </p:childTnLst>
-                                </p:cTn>
-                              </p:par>
-                            </p:childTnLst>
-                          </p:cTn>
-                        </p:par>
-                      </p:childTnLst>
-                    </p:cTn>
-                  </p:par>
-                  <p:par>
-                    <p:cTn id="23" fill="hold">
-                      <p:stCondLst>
-                        <p:cond delay="indefinite"/>
-                      </p:stCondLst>
-                      <p:childTnLst>
-                        <p:par>
-                          <p:cTn id="24" fill="hold">
-                            <p:stCondLst>
-                              <p:cond delay="0"/>
-                            </p:stCondLst>
-                            <p:childTnLst>
-                              <p:par>
-                                <p:cTn id="25" presetID="1" presetClass="entr" presetSubtype="0" fill="hold" grpId="0" nodeType="clickEffect">
-                                  <p:stCondLst>
-                                    <p:cond delay="0"/>
-                                  </p:stCondLst>
-                                  <p:childTnLst>
-                                    <p:set>
-                                      <p:cBhvr>
-                                        <p:cTn id="26" dur="1" fill="hold">
-                                          <p:stCondLst>
-                                            <p:cond delay="0"/>
-                                          </p:stCondLst>
-                                        </p:cTn>
-                                        <p:tgtEl>
-                                          <p:spTgt spid="14"/>
-                                        </p:tgtEl>
-                                        <p:attrNameLst>
-                                          <p:attrName>style.visibility</p:attrName>
-                                        </p:attrNameLst>
-                                      </p:cBhvr>
-                                      <p:to>
-                                        <p:strVal val="visible"/>
-                                      </p:to>
-                                    </p:set>
-                                  </p:childTnLst>
-                                </p:cTn>
-                              </p:par>
-                              <p:par>
-                                <p:cTn id="27" presetID="1" presetClass="entr" presetSubtype="0" fill="hold" grpId="0" nodeType="withEffect">
-                                  <p:stCondLst>
-                                    <p:cond delay="0"/>
-                                  </p:stCondLst>
-                                  <p:childTnLst>
-                                    <p:set>
-                                      <p:cBhvr>
-                                        <p:cTn id="28" dur="1" fill="hold">
-                                          <p:stCondLst>
-                                            <p:cond delay="0"/>
-                                          </p:stCondLst>
-                                        </p:cTn>
-                                        <p:tgtEl>
-                                          <p:spTgt spid="15"/>
-                                        </p:tgtEl>
-                                        <p:attrNameLst>
-                                          <p:attrName>style.visibility</p:attrName>
-                                        </p:attrNameLst>
-                                      </p:cBhvr>
-                                      <p:to>
-                                        <p:strVal val="visible"/>
-                                      </p:to>
-                                    </p:set>
-                                  </p:childTnLst>
-                                </p:cTn>
-                              </p:par>
-                            </p:childTnLst>
-                          </p:cTn>
-                        </p:par>
-                      </p:childTnLst>
-                    </p:cTn>
-                  </p:par>
-                  <p:par>
-                    <p:cTn id="29" fill="hold">
-                      <p:stCondLst>
-                        <p:cond delay="indefinite"/>
-                      </p:stCondLst>
-                      <p:childTnLst>
-                        <p:par>
-                          <p:cTn id="30" fill="hold">
-                            <p:stCondLst>
-                              <p:cond delay="0"/>
-                            </p:stCondLst>
-                            <p:childTnLst>
-                              <p:par>
-                                <p:cTn id="31" presetID="1" presetClass="exit" presetSubtype="0" fill="hold" grpId="1" nodeType="clickEffect">
-                                  <p:stCondLst>
-                                    <p:cond delay="0"/>
-                                  </p:stCondLst>
-                                  <p:childTnLst>
-                                    <p:set>
-                                      <p:cBhvr>
-                                        <p:cTn id="32" dur="1" fill="hold">
-                                          <p:stCondLst>
-                                            <p:cond delay="0"/>
-                                          </p:stCondLst>
-                                        </p:cTn>
-                                        <p:tgtEl>
-                                          <p:spTgt spid="14"/>
-                                        </p:tgtEl>
-                                        <p:attrNameLst>
-                                          <p:attrName>style.visibility</p:attrName>
-                                        </p:attrNameLst>
-                                      </p:cBhvr>
-                                      <p:to>
-                                        <p:strVal val="hidden"/>
-                                      </p:to>
-                                    </p:set>
-                                  </p:childTnLst>
-                                </p:cTn>
-                              </p:par>
-                              <p:par>
-                                <p:cTn id="33" presetID="1" presetClass="exit" presetSubtype="0" fill="hold" grpId="1" nodeType="withEffect">
-                                  <p:stCondLst>
-                                    <p:cond delay="0"/>
-                                  </p:stCondLst>
-                                  <p:childTnLst>
-                                    <p:set>
-                                      <p:cBhvr>
-                                        <p:cTn id="34" dur="1" fill="hold">
-                                          <p:stCondLst>
-                                            <p:cond delay="0"/>
-                                          </p:stCondLst>
-                                        </p:cTn>
-                                        <p:tgtEl>
-                                          <p:spTgt spid="15"/>
-                                        </p:tgtEl>
-                                        <p:attrNameLst>
-                                          <p:attrName>style.visibility</p:attrName>
-                                        </p:attrNameLst>
-                                      </p:cBhvr>
-                                      <p:to>
-                                        <p:strVal val="hidden"/>
-                                      </p:to>
-                                    </p:set>
-                                  </p:childTnLst>
-                                </p:cTn>
-                              </p:par>
-                            </p:childTnLst>
-                          </p:cTn>
-                        </p:par>
-                      </p:childTnLst>
-                    </p:cTn>
-                  </p:par>
-                </p:childTnLst>
-              </p:cTn>
-              <p:prevCondLst>
-                <p:cond evt="onPrev" delay="0">
-                  <p:tgtEl>
-                    <p:sldTgt/>
-                  </p:tgtEl>
-                </p:cond>
-              </p:prevCondLst>
-              <p:nextCondLst>
-                <p:cond evt="onNext" delay="0">
-                  <p:tgtEl>
-                    <p:sldTgt/>
-                  </p:tgtEl>
-                </p:cond>
-              </p:nextCondLst>
-            </p:seq>
-          </p:childTnLst>
-        </p:cTn>
-      </p:par>
-    </p:tnLst>
-    <p:bldLst>
-      <p:bldP spid="11" grpId="0" animBg="1"/>
-      <p:bldP spid="11" grpId="1" animBg="1"/>
-      <p:bldP spid="12" grpId="0" animBg="1"/>
-      <p:bldP spid="12" grpId="1" animBg="1"/>
-      <p:bldP spid="13" grpId="0" animBg="1"/>
-      <p:bldP spid="13" grpId="1" animBg="1"/>
-      <p:bldP spid="14" grpId="0" animBg="1"/>
-      <p:bldP spid="14" grpId="1" animBg="1"/>
-      <p:bldP spid="15" grpId="0" animBg="1"/>
-      <p:bldP spid="15" grpId="1" animBg="1"/>
-    </p:bldLst>
-  </p:timing>
-</p:sld>
-</file>
-
-<file path=ppt/slides/slide14.xml><?xml version="1.0" encoding="utf-8"?>
-<p:sld xmlns:a="http://schemas.openxmlformats.org/drawingml/2006/main" xmlns:r="http://schemas.openxmlformats.org/officeDocument/2006/relationships" xmlns:p="http://schemas.openxmlformats.org/presentationml/2006/main">
-  <p:cSld>
-    <p:spTree>
-      <p:nvGrpSpPr>
-        <p:cNvPr id="1" name=""/>
-        <p:cNvGrpSpPr/>
-        <p:nvPr/>
-      </p:nvGrpSpPr>
-      <p:grpSpPr>
-        <a:xfrm>
-          <a:off x="0" y="0"/>
-          <a:ext cx="0" cy="0"/>
-          <a:chOff x="0" y="0"/>
-          <a:chExt cx="0" cy="0"/>
-        </a:xfrm>
-      </p:grpSpPr>
-      <p:sp>
-        <p:nvSpPr>
-          <p:cNvPr id="5" name="내용 개체 틀 4"/>
-          <p:cNvSpPr>
-            <a:spLocks noGrp="1"/>
-          </p:cNvSpPr>
-          <p:nvPr>
-            <p:ph sz="half" idx="1"/>
-          </p:nvPr>
-        </p:nvSpPr>
-        <p:spPr>
-          <a:xfrm>
-            <a:off x="428354" y="1351159"/>
-            <a:ext cx="4038600" cy="4525963"/>
-          </a:xfrm>
-        </p:spPr>
-        <p:txBody>
-          <a:bodyPr/>
-          <a:lstStyle/>
-          <a:p>
-            <a:endParaRPr lang="en-US" altLang="ko-KR" dirty="0" smtClean="0"/>
-          </a:p>
-          <a:p>
-            <a:endParaRPr lang="en-US" altLang="ko-KR" dirty="0"/>
-          </a:p>
-          <a:p>
-            <a:endParaRPr lang="ko-KR" altLang="en-US" dirty="0"/>
-          </a:p>
-        </p:txBody>
-      </p:sp>
-      <p:pic>
-        <p:nvPicPr>
-          <p:cNvPr id="4" name="내용 개체 틀 3"/>
-          <p:cNvPicPr>
-            <a:picLocks noGrp="1" noChangeAspect="1"/>
-          </p:cNvPicPr>
-          <p:nvPr>
-            <p:ph sz="half" idx="2"/>
-          </p:nvPr>
-        </p:nvPicPr>
-        <p:blipFill>
-          <a:blip r:embed="rId2" cstate="print">
-            <a:extLst>
-              <a:ext uri="{28A0092B-C50C-407E-A947-70E740481C1C}">
-                <a14:useLocalDpi xmlns:a14="http://schemas.microsoft.com/office/drawing/2010/main" val="0"/>
-              </a:ext>
-            </a:extLst>
-          </a:blip>
-          <a:stretch>
-            <a:fillRect/>
-          </a:stretch>
-        </p:blipFill>
-        <p:spPr>
-          <a:xfrm>
-            <a:off x="4142221" y="260648"/>
-            <a:ext cx="4386725" cy="3423348"/>
-          </a:xfrm>
-        </p:spPr>
-      </p:pic>
-      <p:sp>
-        <p:nvSpPr>
-          <p:cNvPr id="7" name="TextBox 25"/>
-          <p:cNvSpPr txBox="1">
-            <a:spLocks noChangeArrowheads="1"/>
-          </p:cNvSpPr>
-          <p:nvPr/>
-        </p:nvSpPr>
-        <p:spPr bwMode="auto">
-          <a:xfrm>
-            <a:off x="323528" y="603121"/>
-            <a:ext cx="5184576" cy="523220"/>
-          </a:xfrm>
-          <a:prstGeom prst="rect">
-            <a:avLst/>
-          </a:prstGeom>
-          <a:noFill/>
-          <a:ln w="9525">
-            <a:noFill/>
-            <a:miter lim="800000"/>
-            <a:headEnd/>
-            <a:tailEnd/>
-          </a:ln>
-        </p:spPr>
-        <p:txBody>
-          <a:bodyPr wrap="square">
-            <a:spAutoFit/>
-          </a:bodyPr>
-          <a:lstStyle/>
-          <a:p>
-            <a:pPr lvl="0"/>
-            <a:r>
-              <a:rPr lang="en-US" altLang="ko-KR" sz="2800" dirty="0" smtClean="0">
-                <a:solidFill>
-                  <a:prstClr val="black">
-                    <a:lumMod val="65000"/>
-                    <a:lumOff val="35000"/>
-                  </a:prstClr>
-                </a:solidFill>
-                <a:latin typeface="다음_SemiBold" pitchFamily="2" charset="-127"/>
-                <a:ea typeface="다음_SemiBold" pitchFamily="2" charset="-127"/>
-              </a:rPr>
-              <a:t>Markdown(-.md)</a:t>
-            </a:r>
-            <a:endParaRPr lang="en-US" altLang="ko-KR" sz="2800" dirty="0" smtClean="0">
-              <a:solidFill>
-                <a:prstClr val="black">
-                  <a:lumMod val="65000"/>
-                  <a:lumOff val="35000"/>
-                </a:prstClr>
-              </a:solidFill>
-              <a:latin typeface="다음_SemiBold" pitchFamily="2" charset="-127"/>
-              <a:ea typeface="다음_SemiBold" pitchFamily="2" charset="-127"/>
-            </a:endParaRPr>
-          </a:p>
-        </p:txBody>
-      </p:sp>
-      <p:sp>
-        <p:nvSpPr>
-          <p:cNvPr id="8" name="TextBox 25"/>
-          <p:cNvSpPr txBox="1">
-            <a:spLocks noChangeArrowheads="1"/>
-          </p:cNvSpPr>
-          <p:nvPr/>
-        </p:nvSpPr>
-        <p:spPr bwMode="auto">
-          <a:xfrm>
-            <a:off x="323528" y="1195735"/>
-            <a:ext cx="5184576" cy="338554"/>
-          </a:xfrm>
-          <a:prstGeom prst="rect">
-            <a:avLst/>
-          </a:prstGeom>
-          <a:noFill/>
-          <a:ln w="9525">
-            <a:noFill/>
-            <a:miter lim="800000"/>
-            <a:headEnd/>
-            <a:tailEnd/>
-          </a:ln>
-        </p:spPr>
-        <p:txBody>
-          <a:bodyPr wrap="square">
-            <a:spAutoFit/>
-          </a:bodyPr>
-          <a:lstStyle/>
-          <a:p>
-            <a:pPr lvl="0"/>
-            <a:r>
-              <a:rPr lang="ko-KR" altLang="en-US" sz="1600" dirty="0" smtClean="0">
-                <a:solidFill>
-                  <a:prstClr val="black">
-                    <a:lumMod val="65000"/>
-                    <a:lumOff val="35000"/>
-                  </a:prstClr>
-                </a:solidFill>
-                <a:latin typeface="나눔바른고딕" pitchFamily="50" charset="-127"/>
-                <a:ea typeface="나눔바른고딕" pitchFamily="50" charset="-127"/>
-              </a:rPr>
-              <a:t> </a:t>
-            </a:r>
-            <a:endParaRPr lang="en-US" altLang="ko-KR" sz="1600" dirty="0" smtClean="0">
-              <a:solidFill>
-                <a:prstClr val="black">
-                  <a:lumMod val="65000"/>
-                  <a:lumOff val="35000"/>
-                </a:prstClr>
-              </a:solidFill>
-              <a:latin typeface="나눔바른고딕" pitchFamily="50" charset="-127"/>
-              <a:ea typeface="나눔바른고딕" pitchFamily="50" charset="-127"/>
-            </a:endParaRPr>
-          </a:p>
-        </p:txBody>
-      </p:sp>
-      <p:cxnSp>
-        <p:nvCxnSpPr>
-          <p:cNvPr id="9" name="직선 연결선 8"/>
-          <p:cNvCxnSpPr/>
-          <p:nvPr/>
-        </p:nvCxnSpPr>
-        <p:spPr>
-          <a:xfrm>
-            <a:off x="428355" y="475655"/>
-            <a:ext cx="327221" cy="0"/>
-          </a:xfrm>
-          <a:prstGeom prst="line">
-            <a:avLst/>
-          </a:prstGeom>
-          <a:ln w="76200">
-            <a:solidFill>
-              <a:schemeClr val="tx1">
-                <a:lumMod val="65000"/>
-                <a:lumOff val="35000"/>
-              </a:schemeClr>
-            </a:solidFill>
-          </a:ln>
-        </p:spPr>
-        <p:style>
-          <a:lnRef idx="1">
-            <a:schemeClr val="accent1"/>
-          </a:lnRef>
-          <a:fillRef idx="0">
-            <a:schemeClr val="accent1"/>
-          </a:fillRef>
-          <a:effectRef idx="0">
-            <a:schemeClr val="accent1"/>
-          </a:effectRef>
-          <a:fontRef idx="minor">
-            <a:schemeClr val="tx1"/>
-          </a:fontRef>
-        </p:style>
-      </p:cxnSp>
-      <p:pic>
-        <p:nvPicPr>
-          <p:cNvPr id="10" name="그림 9"/>
-          <p:cNvPicPr>
-            <a:picLocks noChangeAspect="1"/>
-          </p:cNvPicPr>
-          <p:nvPr/>
-        </p:nvPicPr>
-        <p:blipFill>
-          <a:blip r:embed="rId3">
-            <a:extLst>
-              <a:ext uri="{28A0092B-C50C-407E-A947-70E740481C1C}">
-                <a14:useLocalDpi xmlns:a14="http://schemas.microsoft.com/office/drawing/2010/main" val="0"/>
-              </a:ext>
-            </a:extLst>
-          </a:blip>
-          <a:stretch>
-            <a:fillRect/>
-          </a:stretch>
-        </p:blipFill>
-        <p:spPr>
-          <a:xfrm>
-            <a:off x="4221543" y="3034637"/>
-            <a:ext cx="4533010" cy="3448425"/>
-          </a:xfrm>
-          <a:prstGeom prst="rect">
-            <a:avLst/>
-          </a:prstGeom>
-        </p:spPr>
-      </p:pic>
-      <p:sp>
-        <p:nvSpPr>
-          <p:cNvPr id="11" name="TextBox 10"/>
-          <p:cNvSpPr txBox="1"/>
-          <p:nvPr/>
-        </p:nvSpPr>
-        <p:spPr>
-          <a:xfrm>
-            <a:off x="428354" y="1365012"/>
-            <a:ext cx="3423565" cy="1231106"/>
-          </a:xfrm>
-          <a:prstGeom prst="rect">
-            <a:avLst/>
-          </a:prstGeom>
-          <a:noFill/>
-        </p:spPr>
-        <p:txBody>
-          <a:bodyPr wrap="square" rtlCol="0">
-            <a:spAutoFit/>
-          </a:bodyPr>
-          <a:lstStyle/>
-          <a:p>
-            <a:pPr marL="285750" indent="-285750">
-              <a:buFont typeface="Arial" panose="020B0604020202020204" pitchFamily="34" charset="0"/>
-              <a:buChar char="•"/>
-            </a:pPr>
-            <a:r>
-              <a:rPr lang="ko-KR" altLang="en-US" sz="2800" dirty="0" smtClean="0">
-                <a:solidFill>
-                  <a:schemeClr val="accent3">
-                    <a:lumMod val="50000"/>
-                  </a:schemeClr>
-                </a:solidFill>
-                <a:latin typeface="다음_Regular" panose="02000603060000000000" pitchFamily="2" charset="-127"/>
-                <a:ea typeface="다음_Regular" panose="02000603060000000000" pitchFamily="2" charset="-127"/>
-              </a:rPr>
-              <a:t>그림 삽입</a:t>
-            </a:r>
-            <a:endParaRPr lang="en-US" altLang="ko-KR" sz="2800" dirty="0" smtClean="0">
-              <a:solidFill>
-                <a:schemeClr val="accent3">
-                  <a:lumMod val="50000"/>
-                </a:schemeClr>
-              </a:solidFill>
-              <a:latin typeface="다음_Regular" panose="02000603060000000000" pitchFamily="2" charset="-127"/>
-              <a:ea typeface="다음_Regular" panose="02000603060000000000" pitchFamily="2" charset="-127"/>
-            </a:endParaRPr>
-          </a:p>
-          <a:p>
-            <a:pPr marL="285750" indent="-285750">
-              <a:buFont typeface="Arial" panose="020B0604020202020204" pitchFamily="34" charset="0"/>
-              <a:buChar char="•"/>
-            </a:pPr>
-            <a:endParaRPr lang="en-US" altLang="ko-KR" sz="2800" dirty="0"/>
-          </a:p>
-          <a:p>
-            <a:pPr marL="285750" indent="-285750">
-              <a:buFont typeface="Arial" panose="020B0604020202020204" pitchFamily="34" charset="0"/>
-              <a:buChar char="•"/>
-            </a:pPr>
-            <a:r>
-              <a:rPr lang="en-US" altLang="ko-KR" dirty="0"/>
-              <a:t>![Alt text](/path/to/img.jpg)</a:t>
-            </a:r>
-            <a:endParaRPr lang="ko-KR" altLang="en-US" dirty="0"/>
-          </a:p>
-        </p:txBody>
-      </p:sp>
-    </p:spTree>
-    <p:extLst>
-      <p:ext uri="{BB962C8B-B14F-4D97-AF65-F5344CB8AC3E}">
-        <p14:creationId xmlns:p14="http://schemas.microsoft.com/office/powerpoint/2010/main" val="1611744689"/>
-      </p:ext>
-    </p:extLst>
-  </p:cSld>
-  <p:clrMapOvr>
-    <a:masterClrMapping/>
-  </p:clrMapOvr>
-  <p:timing>
-    <p:tnLst>
-      <p:par>
-        <p:cTn id="1" dur="indefinite" restart="never" nodeType="tmRoot"/>
-      </p:par>
-    </p:tnLst>
-  </p:timing>
-</p:sld>
-</file>
-
-<file path=ppt/slides/slide15.xml><?xml version="1.0" encoding="utf-8"?>
-<p:sld xmlns:a="http://schemas.openxmlformats.org/drawingml/2006/main" xmlns:r="http://schemas.openxmlformats.org/officeDocument/2006/relationships" xmlns:p="http://schemas.openxmlformats.org/presentationml/2006/main">
-  <p:cSld>
-    <p:spTree>
-      <p:nvGrpSpPr>
-        <p:cNvPr id="1" name=""/>
-        <p:cNvGrpSpPr/>
-        <p:nvPr/>
-      </p:nvGrpSpPr>
-      <p:grpSpPr>
-        <a:xfrm>
-          <a:off x="0" y="0"/>
-          <a:ext cx="0" cy="0"/>
-          <a:chOff x="0" y="0"/>
-          <a:chExt cx="0" cy="0"/>
-        </a:xfrm>
-      </p:grpSpPr>
-      <p:sp>
-        <p:nvSpPr>
-          <p:cNvPr id="5" name="내용 개체 틀 4"/>
-          <p:cNvSpPr>
-            <a:spLocks noGrp="1"/>
-          </p:cNvSpPr>
-          <p:nvPr>
-            <p:ph sz="half" idx="1"/>
-          </p:nvPr>
-        </p:nvSpPr>
-        <p:spPr/>
-        <p:txBody>
-          <a:bodyPr/>
-          <a:lstStyle/>
-          <a:p>
-            <a:r>
-              <a:rPr lang="ko-KR" altLang="en-US" dirty="0" smtClean="0">
-                <a:solidFill>
-                  <a:schemeClr val="accent3">
-                    <a:lumMod val="50000"/>
-                  </a:schemeClr>
-                </a:solidFill>
-                <a:latin typeface="다음_Regular" panose="02000603060000000000" pitchFamily="2" charset="-127"/>
-                <a:ea typeface="다음_Regular" panose="02000603060000000000" pitchFamily="2" charset="-127"/>
-              </a:rPr>
-              <a:t>말머리 기호</a:t>
-            </a:r>
-            <a:r>
-              <a:rPr lang="en-US" altLang="ko-KR" dirty="0"/>
-              <a:t/>
-            </a:r>
-            <a:br>
-              <a:rPr lang="en-US" altLang="ko-KR" dirty="0"/>
-            </a:br>
-            <a:endParaRPr lang="en-US" altLang="ko-KR" dirty="0" smtClean="0"/>
-          </a:p>
-          <a:p>
-            <a:r>
-              <a:rPr lang="en-US" altLang="ko-KR" sz="1800" dirty="0" smtClean="0"/>
-              <a:t>*</a:t>
-            </a:r>
-            <a:br>
-              <a:rPr lang="en-US" altLang="ko-KR" sz="1800" dirty="0" smtClean="0"/>
-            </a:br>
-            <a:r>
-              <a:rPr lang="en-US" altLang="ko-KR" sz="1800" dirty="0" smtClean="0"/>
-              <a:t>   *</a:t>
-            </a:r>
-            <a:br>
-              <a:rPr lang="en-US" altLang="ko-KR" sz="1800" dirty="0" smtClean="0"/>
-            </a:br>
-            <a:r>
-              <a:rPr lang="en-US" altLang="ko-KR" sz="1800" dirty="0" smtClean="0"/>
-              <a:t>      *</a:t>
-            </a:r>
-          </a:p>
-          <a:p>
-            <a:r>
-              <a:rPr lang="en-US" altLang="ko-KR" sz="1800" dirty="0" smtClean="0"/>
-              <a:t>-</a:t>
-            </a:r>
-            <a:br>
-              <a:rPr lang="en-US" altLang="ko-KR" sz="1800" dirty="0" smtClean="0"/>
-            </a:br>
-            <a:r>
-              <a:rPr lang="en-US" altLang="ko-KR" sz="1800" dirty="0" smtClean="0"/>
-              <a:t>-</a:t>
-            </a:r>
-            <a:br>
-              <a:rPr lang="en-US" altLang="ko-KR" sz="1800" dirty="0" smtClean="0"/>
-            </a:br>
-            <a:r>
-              <a:rPr lang="en-US" altLang="ko-KR" sz="1800" dirty="0" smtClean="0"/>
-              <a:t>-</a:t>
-            </a:r>
-          </a:p>
-          <a:p>
-            <a:endParaRPr lang="en-US" altLang="ko-KR" sz="1800" dirty="0"/>
-          </a:p>
-          <a:p>
-            <a:endParaRPr lang="en-US" altLang="ko-KR" sz="1800" dirty="0"/>
-          </a:p>
-          <a:p>
-            <a:endParaRPr lang="ko-KR" altLang="en-US" dirty="0"/>
-          </a:p>
-        </p:txBody>
-      </p:sp>
-      <p:sp>
-        <p:nvSpPr>
-          <p:cNvPr id="6" name="내용 개체 틀 5"/>
-          <p:cNvSpPr>
-            <a:spLocks noGrp="1"/>
-          </p:cNvSpPr>
-          <p:nvPr>
-            <p:ph sz="half" idx="2"/>
-          </p:nvPr>
-        </p:nvSpPr>
-        <p:spPr/>
-        <p:txBody>
-          <a:bodyPr>
-            <a:normAutofit/>
-          </a:bodyPr>
-          <a:lstStyle/>
-          <a:p>
-            <a:pPr marL="0" indent="0">
-              <a:buNone/>
-            </a:pPr>
-            <a:endParaRPr lang="en-US" altLang="ko-KR" sz="2000" dirty="0" smtClean="0"/>
-          </a:p>
-          <a:p>
-            <a:endParaRPr lang="ko-KR" altLang="en-US" sz="2000" dirty="0"/>
-          </a:p>
-        </p:txBody>
-      </p:sp>
-      <p:sp>
-        <p:nvSpPr>
-          <p:cNvPr id="7" name="TextBox 25"/>
-          <p:cNvSpPr txBox="1">
-            <a:spLocks noChangeArrowheads="1"/>
-          </p:cNvSpPr>
-          <p:nvPr/>
-        </p:nvSpPr>
-        <p:spPr bwMode="auto">
-          <a:xfrm>
-            <a:off x="323528" y="603121"/>
-            <a:ext cx="5184576" cy="523220"/>
-          </a:xfrm>
-          <a:prstGeom prst="rect">
-            <a:avLst/>
-          </a:prstGeom>
-          <a:noFill/>
-          <a:ln w="9525">
-            <a:noFill/>
-            <a:miter lim="800000"/>
-            <a:headEnd/>
-            <a:tailEnd/>
-          </a:ln>
-        </p:spPr>
-        <p:txBody>
-          <a:bodyPr wrap="square">
-            <a:spAutoFit/>
-          </a:bodyPr>
-          <a:lstStyle/>
-          <a:p>
-            <a:pPr lvl="0"/>
-            <a:r>
-              <a:rPr lang="en-US" altLang="ko-KR" sz="2800" dirty="0" smtClean="0">
-                <a:solidFill>
-                  <a:prstClr val="black">
-                    <a:lumMod val="65000"/>
-                    <a:lumOff val="35000"/>
-                  </a:prstClr>
-                </a:solidFill>
-                <a:latin typeface="다음_SemiBold" pitchFamily="2" charset="-127"/>
-                <a:ea typeface="다음_SemiBold" pitchFamily="2" charset="-127"/>
-              </a:rPr>
-              <a:t>Markdown(-.md)</a:t>
-            </a:r>
-            <a:endParaRPr lang="en-US" altLang="ko-KR" sz="2800" dirty="0" smtClean="0">
-              <a:solidFill>
-                <a:prstClr val="black">
-                  <a:lumMod val="65000"/>
-                  <a:lumOff val="35000"/>
-                </a:prstClr>
-              </a:solidFill>
-              <a:latin typeface="다음_SemiBold" pitchFamily="2" charset="-127"/>
-              <a:ea typeface="다음_SemiBold" pitchFamily="2" charset="-127"/>
-            </a:endParaRPr>
-          </a:p>
-        </p:txBody>
-      </p:sp>
-      <p:sp>
-        <p:nvSpPr>
-          <p:cNvPr id="8" name="TextBox 25"/>
-          <p:cNvSpPr txBox="1">
-            <a:spLocks noChangeArrowheads="1"/>
-          </p:cNvSpPr>
-          <p:nvPr/>
-        </p:nvSpPr>
-        <p:spPr bwMode="auto">
-          <a:xfrm>
-            <a:off x="323528" y="1195735"/>
-            <a:ext cx="5184576" cy="338554"/>
-          </a:xfrm>
-          <a:prstGeom prst="rect">
-            <a:avLst/>
-          </a:prstGeom>
-          <a:noFill/>
-          <a:ln w="9525">
-            <a:noFill/>
-            <a:miter lim="800000"/>
-            <a:headEnd/>
-            <a:tailEnd/>
-          </a:ln>
-        </p:spPr>
-        <p:txBody>
-          <a:bodyPr wrap="square">
-            <a:spAutoFit/>
-          </a:bodyPr>
-          <a:lstStyle/>
-          <a:p>
-            <a:pPr lvl="0"/>
-            <a:r>
-              <a:rPr lang="ko-KR" altLang="en-US" sz="1600" dirty="0" smtClean="0">
-                <a:solidFill>
-                  <a:prstClr val="black">
-                    <a:lumMod val="65000"/>
-                    <a:lumOff val="35000"/>
-                  </a:prstClr>
-                </a:solidFill>
-                <a:latin typeface="나눔바른고딕" pitchFamily="50" charset="-127"/>
-                <a:ea typeface="나눔바른고딕" pitchFamily="50" charset="-127"/>
-              </a:rPr>
-              <a:t> </a:t>
-            </a:r>
-            <a:endParaRPr lang="en-US" altLang="ko-KR" sz="1600" dirty="0" smtClean="0">
-              <a:solidFill>
-                <a:prstClr val="black">
-                  <a:lumMod val="65000"/>
-                  <a:lumOff val="35000"/>
-                </a:prstClr>
-              </a:solidFill>
-              <a:latin typeface="나눔바른고딕" pitchFamily="50" charset="-127"/>
-              <a:ea typeface="나눔바른고딕" pitchFamily="50" charset="-127"/>
-            </a:endParaRPr>
-          </a:p>
-        </p:txBody>
-      </p:sp>
-      <p:cxnSp>
-        <p:nvCxnSpPr>
-          <p:cNvPr id="9" name="직선 연결선 8"/>
-          <p:cNvCxnSpPr/>
-          <p:nvPr/>
-        </p:nvCxnSpPr>
-        <p:spPr>
-          <a:xfrm>
-            <a:off x="428355" y="475655"/>
-            <a:ext cx="327221" cy="0"/>
-          </a:xfrm>
-          <a:prstGeom prst="line">
-            <a:avLst/>
-          </a:prstGeom>
-          <a:ln w="76200">
-            <a:solidFill>
-              <a:schemeClr val="tx1">
-                <a:lumMod val="65000"/>
-                <a:lumOff val="35000"/>
-              </a:schemeClr>
-            </a:solidFill>
-          </a:ln>
-        </p:spPr>
-        <p:style>
-          <a:lnRef idx="1">
-            <a:schemeClr val="accent1"/>
-          </a:lnRef>
-          <a:fillRef idx="0">
-            <a:schemeClr val="accent1"/>
-          </a:fillRef>
-          <a:effectRef idx="0">
-            <a:schemeClr val="accent1"/>
-          </a:effectRef>
-          <a:fontRef idx="minor">
-            <a:schemeClr val="tx1"/>
-          </a:fontRef>
-        </p:style>
-      </p:cxnSp>
-      <p:pic>
-        <p:nvPicPr>
-          <p:cNvPr id="12" name="그림 11"/>
-          <p:cNvPicPr>
-            <a:picLocks noChangeAspect="1"/>
-          </p:cNvPicPr>
-          <p:nvPr/>
-        </p:nvPicPr>
-        <p:blipFill>
-          <a:blip r:embed="rId2">
-            <a:extLst>
-              <a:ext uri="{28A0092B-C50C-407E-A947-70E740481C1C}">
-                <a14:useLocalDpi xmlns:a14="http://schemas.microsoft.com/office/drawing/2010/main" val="0"/>
-              </a:ext>
-            </a:extLst>
-          </a:blip>
-          <a:stretch>
-            <a:fillRect/>
-          </a:stretch>
-        </p:blipFill>
-        <p:spPr>
-          <a:xfrm>
-            <a:off x="3707904" y="1340649"/>
-            <a:ext cx="6080267" cy="5045063"/>
-          </a:xfrm>
-          <a:prstGeom prst="rect">
-            <a:avLst/>
-          </a:prstGeom>
-        </p:spPr>
-      </p:pic>
-    </p:spTree>
-    <p:extLst>
-      <p:ext uri="{BB962C8B-B14F-4D97-AF65-F5344CB8AC3E}">
-        <p14:creationId xmlns:p14="http://schemas.microsoft.com/office/powerpoint/2010/main" val="553997371"/>
-      </p:ext>
-    </p:extLst>
-  </p:cSld>
-  <p:clrMapOvr>
-    <a:masterClrMapping/>
-  </p:clrMapOvr>
-  <p:timing>
-    <p:tnLst>
-      <p:par>
-        <p:cTn id="1" dur="indefinite" restart="never" nodeType="tmRoot"/>
-      </p:par>
-    </p:tnLst>
-  </p:timing>
-</p:sld>
-</file>
-
-<file path=ppt/slides/slide16.xml><?xml version="1.0" encoding="utf-8"?>
-<p:sld xmlns:a="http://schemas.openxmlformats.org/drawingml/2006/main" xmlns:r="http://schemas.openxmlformats.org/officeDocument/2006/relationships" xmlns:p="http://schemas.openxmlformats.org/presentationml/2006/main">
-  <p:cSld>
-    <p:spTree>
-      <p:nvGrpSpPr>
-        <p:cNvPr id="1" name=""/>
-        <p:cNvGrpSpPr/>
-        <p:nvPr/>
-      </p:nvGrpSpPr>
-      <p:grpSpPr>
-        <a:xfrm>
-          <a:off x="0" y="0"/>
-          <a:ext cx="0" cy="0"/>
-          <a:chOff x="0" y="0"/>
-          <a:chExt cx="0" cy="0"/>
-        </a:xfrm>
-      </p:grpSpPr>
-      <p:sp>
-        <p:nvSpPr>
-          <p:cNvPr id="4" name="직사각형 3"/>
-          <p:cNvSpPr/>
-          <p:nvPr/>
-        </p:nvSpPr>
-        <p:spPr>
-          <a:xfrm>
-            <a:off x="0" y="0"/>
-            <a:ext cx="9144000" cy="6858000"/>
-          </a:xfrm>
-          <a:prstGeom prst="rect">
-            <a:avLst/>
-          </a:prstGeom>
-          <a:solidFill>
-            <a:schemeClr val="tx1">
-              <a:lumMod val="75000"/>
-              <a:lumOff val="25000"/>
-            </a:schemeClr>
-          </a:solidFill>
-        </p:spPr>
-        <p:txBody>
-          <a:bodyPr wrap="square" rtlCol="0" anchor="ctr">
-            <a:spAutoFit/>
-          </a:bodyPr>
-          <a:lstStyle/>
-          <a:p>
-            <a:pPr marL="182563" indent="-182563" algn="ctr" latinLnBrk="0"/>
-            <a:endParaRPr lang="ko-KR" altLang="en-US" sz="900" b="1" dirty="0" smtClean="0">
-              <a:solidFill>
-                <a:srgbClr val="FF0000"/>
-              </a:solidFill>
-              <a:latin typeface="+mj-lt"/>
-              <a:ea typeface="나눔고딕 ExtraBold" pitchFamily="50" charset="-127"/>
-            </a:endParaRPr>
-          </a:p>
-        </p:txBody>
-      </p:sp>
-      <p:grpSp>
-        <p:nvGrpSpPr>
-          <p:cNvPr id="17" name="그룹 16"/>
-          <p:cNvGrpSpPr/>
-          <p:nvPr/>
-        </p:nvGrpSpPr>
-        <p:grpSpPr>
-          <a:xfrm>
-            <a:off x="1115616" y="1271372"/>
-            <a:ext cx="2664296" cy="504056"/>
-            <a:chOff x="1619672" y="2060848"/>
-            <a:chExt cx="2160240" cy="216024"/>
-          </a:xfrm>
-        </p:grpSpPr>
-        <p:sp>
-          <p:nvSpPr>
-            <p:cNvPr id="18" name="TextBox 25"/>
-            <p:cNvSpPr txBox="1">
-              <a:spLocks noChangeArrowheads="1"/>
-            </p:cNvSpPr>
-            <p:nvPr/>
-          </p:nvSpPr>
-          <p:spPr bwMode="auto">
-            <a:xfrm>
-              <a:off x="1619672" y="2060848"/>
-              <a:ext cx="2088232" cy="144016"/>
-            </a:xfrm>
-            <a:prstGeom prst="rect">
-              <a:avLst/>
-            </a:prstGeom>
-            <a:solidFill>
-              <a:srgbClr val="7FAEEF">
-                <a:alpha val="40000"/>
-              </a:srgbClr>
-            </a:solidFill>
-            <a:ln w="9525">
-              <a:noFill/>
-              <a:miter lim="800000"/>
-              <a:headEnd/>
-              <a:tailEnd/>
-            </a:ln>
-          </p:spPr>
-          <p:txBody>
-            <a:bodyPr wrap="square" anchor="b">
-              <a:noAutofit/>
-            </a:bodyPr>
-            <a:lstStyle/>
-            <a:p>
-              <a:pPr algn="ctr"/>
-              <a:endParaRPr lang="en-US" altLang="ko-KR" sz="1000" dirty="0" smtClean="0">
-                <a:solidFill>
-                  <a:schemeClr val="tx1">
-                    <a:lumMod val="75000"/>
-                    <a:lumOff val="25000"/>
-                  </a:schemeClr>
-                </a:solidFill>
-                <a:latin typeface="나눔바른고딕" pitchFamily="50" charset="-127"/>
-                <a:ea typeface="나눔바른고딕" pitchFamily="50" charset="-127"/>
-                <a:cs typeface="Verdana" pitchFamily="34" charset="0"/>
-              </a:endParaRPr>
-            </a:p>
-          </p:txBody>
-        </p:sp>
-        <p:sp>
-          <p:nvSpPr>
-            <p:cNvPr id="19" name="TextBox 25"/>
-            <p:cNvSpPr txBox="1">
-              <a:spLocks noChangeArrowheads="1"/>
-            </p:cNvSpPr>
-            <p:nvPr/>
-          </p:nvSpPr>
-          <p:spPr bwMode="auto">
-            <a:xfrm>
-              <a:off x="1691680" y="2132856"/>
-              <a:ext cx="2088232" cy="144016"/>
-            </a:xfrm>
-            <a:prstGeom prst="rect">
-              <a:avLst/>
-            </a:prstGeom>
-            <a:solidFill>
-              <a:srgbClr val="7FAEEF">
-                <a:alpha val="40000"/>
-              </a:srgbClr>
-            </a:solidFill>
-            <a:ln w="9525">
-              <a:noFill/>
-              <a:miter lim="800000"/>
-              <a:headEnd/>
-              <a:tailEnd/>
-            </a:ln>
-          </p:spPr>
-          <p:txBody>
-            <a:bodyPr wrap="square" anchor="b">
-              <a:noAutofit/>
-            </a:bodyPr>
-            <a:lstStyle/>
-            <a:p>
-              <a:pPr algn="ctr"/>
-              <a:endParaRPr lang="en-US" altLang="ko-KR" sz="1000" dirty="0" smtClean="0">
-                <a:solidFill>
-                  <a:schemeClr val="tx1">
-                    <a:lumMod val="75000"/>
-                    <a:lumOff val="25000"/>
-                  </a:schemeClr>
-                </a:solidFill>
-                <a:latin typeface="나눔바른고딕" pitchFamily="50" charset="-127"/>
-                <a:ea typeface="나눔바른고딕" pitchFamily="50" charset="-127"/>
-                <a:cs typeface="Verdana" pitchFamily="34" charset="0"/>
-              </a:endParaRPr>
-            </a:p>
-          </p:txBody>
-        </p:sp>
-      </p:grpSp>
-      <p:sp>
-        <p:nvSpPr>
-          <p:cNvPr id="5" name="TextBox 4"/>
-          <p:cNvSpPr txBox="1"/>
-          <p:nvPr/>
-        </p:nvSpPr>
-        <p:spPr>
-          <a:xfrm>
-            <a:off x="1043608" y="1169457"/>
-            <a:ext cx="5616624" cy="707886"/>
-          </a:xfrm>
-          <a:prstGeom prst="rect">
-            <a:avLst/>
-          </a:prstGeom>
-          <a:noFill/>
-        </p:spPr>
-        <p:txBody>
-          <a:bodyPr wrap="square" rtlCol="0">
-            <a:spAutoFit/>
-          </a:bodyPr>
-          <a:lstStyle/>
-          <a:p>
-            <a:r>
-              <a:rPr lang="ko-KR" altLang="en-US" sz="4000" dirty="0" smtClean="0">
-                <a:solidFill>
-                  <a:schemeClr val="bg1"/>
-                </a:solidFill>
-                <a:latin typeface="다음_SemiBold" pitchFamily="2" charset="-127"/>
-                <a:ea typeface="다음_SemiBold" pitchFamily="2" charset="-127"/>
-              </a:rPr>
-              <a:t>감사합니다</a:t>
-            </a:r>
-            <a:r>
-              <a:rPr lang="en-US" altLang="ko-KR" sz="4000" dirty="0" smtClean="0">
-                <a:solidFill>
-                  <a:schemeClr val="bg1"/>
-                </a:solidFill>
-                <a:latin typeface="다음_SemiBold" pitchFamily="2" charset="-127"/>
-                <a:ea typeface="다음_SemiBold" pitchFamily="2" charset="-127"/>
-              </a:rPr>
-              <a:t>.</a:t>
-            </a:r>
-            <a:endParaRPr lang="ko-KR" altLang="en-US" sz="4000" dirty="0">
-              <a:solidFill>
-                <a:schemeClr val="bg1"/>
-              </a:solidFill>
-              <a:latin typeface="다음_SemiBold" pitchFamily="2" charset="-127"/>
-              <a:ea typeface="다음_SemiBold" pitchFamily="2" charset="-127"/>
-            </a:endParaRPr>
-          </a:p>
-        </p:txBody>
-      </p:sp>
-      <p:cxnSp>
-        <p:nvCxnSpPr>
-          <p:cNvPr id="26" name="직선 연결선 25"/>
-          <p:cNvCxnSpPr/>
-          <p:nvPr/>
-        </p:nvCxnSpPr>
-        <p:spPr>
-          <a:xfrm>
-            <a:off x="0" y="0"/>
-            <a:ext cx="1043608" cy="1052736"/>
-          </a:xfrm>
-          <a:prstGeom prst="line">
-            <a:avLst/>
-          </a:prstGeom>
-          <a:ln>
-            <a:solidFill>
-              <a:schemeClr val="bg1"/>
-            </a:solidFill>
-          </a:ln>
-        </p:spPr>
-        <p:style>
-          <a:lnRef idx="1">
-            <a:schemeClr val="accent1"/>
-          </a:lnRef>
-          <a:fillRef idx="0">
-            <a:schemeClr val="accent1"/>
-          </a:fillRef>
-          <a:effectRef idx="0">
-            <a:schemeClr val="accent1"/>
-          </a:effectRef>
-          <a:fontRef idx="minor">
-            <a:schemeClr val="tx1"/>
-          </a:fontRef>
-        </p:style>
-      </p:cxnSp>
-      <p:cxnSp>
-        <p:nvCxnSpPr>
-          <p:cNvPr id="12" name="직선 연결선 11"/>
-          <p:cNvCxnSpPr/>
-          <p:nvPr/>
-        </p:nvCxnSpPr>
-        <p:spPr>
-          <a:xfrm>
-            <a:off x="8100392" y="5805264"/>
-            <a:ext cx="1043608" cy="1052736"/>
-          </a:xfrm>
-          <a:prstGeom prst="line">
-            <a:avLst/>
-          </a:prstGeom>
-          <a:ln>
-            <a:solidFill>
-              <a:schemeClr val="bg1"/>
-            </a:solidFill>
-          </a:ln>
-        </p:spPr>
-        <p:style>
-          <a:lnRef idx="1">
-            <a:schemeClr val="accent1"/>
-          </a:lnRef>
-          <a:fillRef idx="0">
-            <a:schemeClr val="accent1"/>
-          </a:fillRef>
-          <a:effectRef idx="0">
-            <a:schemeClr val="accent1"/>
-          </a:effectRef>
-          <a:fontRef idx="minor">
-            <a:schemeClr val="tx1"/>
-          </a:fontRef>
-        </p:style>
-      </p:cxnSp>
-    </p:spTree>
-    <p:extLst>
-      <p:ext uri="{BB962C8B-B14F-4D97-AF65-F5344CB8AC3E}">
-        <p14:creationId xmlns:p14="http://schemas.microsoft.com/office/powerpoint/2010/main" val="4136614122"/>
-      </p:ext>
-    </p:extLst>
-  </p:cSld>
-  <p:clrMapOvr>
-    <a:masterClrMapping/>
-  </p:clrMapOvr>
-  <p:timing>
-    <p:tnLst>
-      <p:par>
-        <p:cTn id="1" dur="indefinite" restart="never" nodeType="tmRoot"/>
-      </p:par>
-    </p:tnLst>
-  </p:timing>
-</p:sld>
-</file>
-
-<file path=ppt/slides/slide2.xml><?xml version="1.0" encoding="utf-8"?>
-<p:sld xmlns:a="http://schemas.openxmlformats.org/drawingml/2006/main" xmlns:r="http://schemas.openxmlformats.org/officeDocument/2006/relationships" xmlns:p="http://schemas.openxmlformats.org/presentationml/2006/main">
-  <p:cSld>
-    <p:spTree>
-      <p:nvGrpSpPr>
-        <p:cNvPr id="1" name=""/>
-        <p:cNvGrpSpPr/>
-        <p:nvPr/>
-      </p:nvGrpSpPr>
-      <p:grpSpPr>
-        <a:xfrm>
-          <a:off x="0" y="0"/>
-          <a:ext cx="0" cy="0"/>
-          <a:chOff x="0" y="0"/>
-          <a:chExt cx="0" cy="0"/>
-        </a:xfrm>
-      </p:grpSpPr>
-      <p:sp>
-        <p:nvSpPr>
-          <p:cNvPr id="15" name="직사각형 14"/>
-          <p:cNvSpPr/>
-          <p:nvPr/>
-        </p:nvSpPr>
-        <p:spPr>
-          <a:xfrm>
-            <a:off x="1805771" y="0"/>
-            <a:ext cx="7812360" cy="6858000"/>
-          </a:xfrm>
-          <a:prstGeom prst="rect">
-            <a:avLst/>
-          </a:prstGeom>
-          <a:solidFill>
-            <a:schemeClr val="tx1">
-              <a:lumMod val="75000"/>
-              <a:lumOff val="25000"/>
-            </a:schemeClr>
-          </a:solidFill>
-        </p:spPr>
-        <p:txBody>
-          <a:bodyPr wrap="square" rtlCol="0" anchor="ctr">
-            <a:spAutoFit/>
-          </a:bodyPr>
-          <a:lstStyle/>
-          <a:p>
-            <a:pPr marL="182563" indent="-182563" algn="ctr" latinLnBrk="0"/>
-            <a:endParaRPr lang="ko-KR" altLang="en-US" sz="900" b="1" dirty="0" smtClean="0">
-              <a:solidFill>
-                <a:srgbClr val="FF0000"/>
-              </a:solidFill>
-              <a:latin typeface="+mj-lt"/>
-              <a:ea typeface="나눔고딕 ExtraBold" pitchFamily="50" charset="-127"/>
-            </a:endParaRPr>
-          </a:p>
-        </p:txBody>
-      </p:sp>
-      <p:sp>
-        <p:nvSpPr>
-          <p:cNvPr id="4" name="슬라이드 번호 개체 틀 3"/>
-          <p:cNvSpPr>
-            <a:spLocks noGrp="1"/>
-          </p:cNvSpPr>
-          <p:nvPr>
-            <p:ph type="sldNum" sz="quarter" idx="12"/>
-          </p:nvPr>
-        </p:nvSpPr>
-        <p:spPr>
-          <a:xfrm>
-            <a:off x="6876256" y="6381328"/>
-            <a:ext cx="2133600" cy="365125"/>
-          </a:xfrm>
-        </p:spPr>
-        <p:txBody>
-          <a:bodyPr/>
-          <a:lstStyle/>
-          <a:p>
-            <a:fld id="{7804239B-D302-47C8-870F-9A3CEECBE377}" type="slidenum">
-              <a:rPr lang="ko-KR" altLang="en-US" sz="900" b="1" smtClean="0">
-                <a:solidFill>
-                  <a:srgbClr val="A8815A"/>
-                </a:solidFill>
-                <a:latin typeface="나눔바른고딕" pitchFamily="50" charset="-127"/>
-                <a:ea typeface="나눔바른고딕" pitchFamily="50" charset="-127"/>
-              </a:rPr>
-              <a:t>2</a:t>
-            </a:fld>
-            <a:endParaRPr lang="ko-KR" altLang="en-US" sz="900" b="1" dirty="0">
-              <a:solidFill>
-                <a:srgbClr val="A8815A"/>
-              </a:solidFill>
-              <a:latin typeface="나눔바른고딕" pitchFamily="50" charset="-127"/>
-              <a:ea typeface="나눔바른고딕" pitchFamily="50" charset="-127"/>
-            </a:endParaRPr>
-          </a:p>
-        </p:txBody>
-      </p:sp>
-      <p:sp>
-        <p:nvSpPr>
-          <p:cNvPr id="14" name="TextBox 13"/>
-          <p:cNvSpPr txBox="1"/>
-          <p:nvPr/>
-        </p:nvSpPr>
-        <p:spPr>
-          <a:xfrm>
-            <a:off x="2093803" y="1196752"/>
-            <a:ext cx="1152128" cy="646331"/>
-          </a:xfrm>
-          <a:prstGeom prst="rect">
-            <a:avLst/>
-          </a:prstGeom>
-          <a:noFill/>
-        </p:spPr>
-        <p:txBody>
-          <a:bodyPr wrap="square" rtlCol="0">
-            <a:spAutoFit/>
-          </a:bodyPr>
-          <a:lstStyle/>
-          <a:p>
-            <a:r>
-              <a:rPr lang="en-US" altLang="ko-KR" sz="3600" b="1" i="1" dirty="0" smtClean="0">
-                <a:solidFill>
-                  <a:srgbClr val="A8815A"/>
-                </a:solidFill>
-                <a:latin typeface="나눔명조 ExtraBold" pitchFamily="18" charset="-127"/>
-                <a:ea typeface="나눔명조 ExtraBold" pitchFamily="18" charset="-127"/>
-              </a:rPr>
-              <a:t>01</a:t>
-            </a:r>
-          </a:p>
-        </p:txBody>
-      </p:sp>
-      <p:cxnSp>
-        <p:nvCxnSpPr>
-          <p:cNvPr id="21" name="직선 연결선 20"/>
-          <p:cNvCxnSpPr/>
-          <p:nvPr/>
-        </p:nvCxnSpPr>
-        <p:spPr>
-          <a:xfrm>
-            <a:off x="2165811" y="1844824"/>
-            <a:ext cx="1656184" cy="0"/>
-          </a:xfrm>
-          <a:prstGeom prst="line">
-            <a:avLst/>
-          </a:prstGeom>
-          <a:ln>
-            <a:solidFill>
-              <a:srgbClr val="A8815A"/>
-            </a:solidFill>
-            <a:prstDash val="dash"/>
-          </a:ln>
-        </p:spPr>
-        <p:style>
-          <a:lnRef idx="1">
-            <a:schemeClr val="accent1"/>
-          </a:lnRef>
-          <a:fillRef idx="0">
-            <a:schemeClr val="accent1"/>
-          </a:fillRef>
-          <a:effectRef idx="0">
-            <a:schemeClr val="accent1"/>
-          </a:effectRef>
-          <a:fontRef idx="minor">
-            <a:schemeClr val="tx1"/>
-          </a:fontRef>
-        </p:style>
-      </p:cxnSp>
-      <p:sp>
-        <p:nvSpPr>
-          <p:cNvPr id="24" name="TextBox 23"/>
-          <p:cNvSpPr txBox="1"/>
-          <p:nvPr/>
-        </p:nvSpPr>
-        <p:spPr>
-          <a:xfrm>
-            <a:off x="2093803" y="1916832"/>
-            <a:ext cx="2376264" cy="584775"/>
-          </a:xfrm>
-          <a:prstGeom prst="rect">
-            <a:avLst/>
-          </a:prstGeom>
-          <a:noFill/>
-        </p:spPr>
-        <p:txBody>
-          <a:bodyPr wrap="square" rtlCol="0">
-            <a:spAutoFit/>
-          </a:bodyPr>
-          <a:lstStyle/>
-          <a:p>
-            <a:r>
-              <a:rPr lang="en-US" altLang="ko-KR" sz="3200" dirty="0" err="1" smtClean="0">
-                <a:solidFill>
-                  <a:schemeClr val="bg1"/>
-                </a:solidFill>
-                <a:latin typeface="나눔바른고딕" pitchFamily="50" charset="-127"/>
-                <a:ea typeface="나눔바른고딕" pitchFamily="50" charset="-127"/>
-              </a:rPr>
-              <a:t>Git</a:t>
-            </a:r>
-            <a:r>
-              <a:rPr lang="en-US" altLang="ko-KR" sz="3200" dirty="0" smtClean="0">
-                <a:solidFill>
-                  <a:schemeClr val="bg1"/>
-                </a:solidFill>
-                <a:latin typeface="나눔바른고딕" pitchFamily="50" charset="-127"/>
-                <a:ea typeface="나눔바른고딕" pitchFamily="50" charset="-127"/>
-              </a:rPr>
-              <a:t> </a:t>
-            </a:r>
-            <a:r>
-              <a:rPr lang="ko-KR" altLang="en-US" sz="3200" dirty="0" smtClean="0">
-                <a:solidFill>
-                  <a:schemeClr val="bg1"/>
-                </a:solidFill>
-                <a:latin typeface="나눔바른고딕" pitchFamily="50" charset="-127"/>
-                <a:ea typeface="나눔바른고딕" pitchFamily="50" charset="-127"/>
-              </a:rPr>
-              <a:t>사용</a:t>
-            </a:r>
-            <a:endParaRPr lang="ko-KR" altLang="en-US" sz="3200" dirty="0">
-              <a:solidFill>
-                <a:schemeClr val="bg1"/>
-              </a:solidFill>
-              <a:latin typeface="나눔바른고딕" pitchFamily="50" charset="-127"/>
-              <a:ea typeface="나눔바른고딕" pitchFamily="50" charset="-127"/>
-            </a:endParaRPr>
-          </a:p>
-        </p:txBody>
-      </p:sp>
-      <p:sp>
-        <p:nvSpPr>
-          <p:cNvPr id="33" name="TextBox 32"/>
-          <p:cNvSpPr txBox="1"/>
-          <p:nvPr/>
-        </p:nvSpPr>
-        <p:spPr>
-          <a:xfrm>
-            <a:off x="2093803" y="2564904"/>
-            <a:ext cx="1152128" cy="646331"/>
-          </a:xfrm>
-          <a:prstGeom prst="rect">
-            <a:avLst/>
-          </a:prstGeom>
-          <a:noFill/>
-        </p:spPr>
-        <p:txBody>
-          <a:bodyPr wrap="square" rtlCol="0">
-            <a:spAutoFit/>
-          </a:bodyPr>
-          <a:lstStyle/>
-          <a:p>
-            <a:r>
-              <a:rPr lang="en-US" altLang="ko-KR" sz="3600" b="1" i="1" dirty="0" smtClean="0">
-                <a:solidFill>
-                  <a:srgbClr val="A8815A"/>
-                </a:solidFill>
-                <a:latin typeface="나눔명조 ExtraBold" pitchFamily="18" charset="-127"/>
-                <a:ea typeface="나눔명조 ExtraBold" pitchFamily="18" charset="-127"/>
-              </a:rPr>
-              <a:t>02</a:t>
-            </a:r>
-          </a:p>
-        </p:txBody>
-      </p:sp>
-      <p:sp>
-        <p:nvSpPr>
-          <p:cNvPr id="35" name="TextBox 34"/>
-          <p:cNvSpPr txBox="1"/>
-          <p:nvPr/>
-        </p:nvSpPr>
-        <p:spPr>
-          <a:xfrm>
-            <a:off x="2093803" y="3284984"/>
-            <a:ext cx="2376264" cy="584775"/>
-          </a:xfrm>
-          <a:prstGeom prst="rect">
-            <a:avLst/>
-          </a:prstGeom>
-          <a:noFill/>
-        </p:spPr>
-        <p:txBody>
-          <a:bodyPr wrap="square" rtlCol="0">
-            <a:spAutoFit/>
-          </a:bodyPr>
-          <a:lstStyle/>
-          <a:p>
-            <a:r>
-              <a:rPr lang="ko-KR" altLang="en-US" sz="3200" dirty="0" smtClean="0">
-                <a:solidFill>
-                  <a:schemeClr val="bg1"/>
-                </a:solidFill>
-                <a:latin typeface="나눔바른고딕" pitchFamily="50" charset="-127"/>
-                <a:ea typeface="나눔바른고딕" pitchFamily="50" charset="-127"/>
-              </a:rPr>
-              <a:t>소책자 소개</a:t>
-            </a:r>
-            <a:endParaRPr lang="ko-KR" altLang="en-US" sz="3200" dirty="0" smtClean="0">
-              <a:solidFill>
-                <a:schemeClr val="bg1"/>
-              </a:solidFill>
-              <a:latin typeface="나눔바른고딕" pitchFamily="50" charset="-127"/>
-              <a:ea typeface="나눔바른고딕" pitchFamily="50" charset="-127"/>
-            </a:endParaRPr>
-          </a:p>
-        </p:txBody>
-      </p:sp>
-      <p:sp>
-        <p:nvSpPr>
-          <p:cNvPr id="36" name="TextBox 35"/>
-          <p:cNvSpPr txBox="1"/>
-          <p:nvPr/>
-        </p:nvSpPr>
-        <p:spPr>
-          <a:xfrm>
-            <a:off x="2093803" y="4077072"/>
-            <a:ext cx="1152128" cy="646331"/>
-          </a:xfrm>
-          <a:prstGeom prst="rect">
-            <a:avLst/>
-          </a:prstGeom>
-          <a:noFill/>
-        </p:spPr>
-        <p:txBody>
-          <a:bodyPr wrap="square" rtlCol="0">
-            <a:spAutoFit/>
-          </a:bodyPr>
-          <a:lstStyle/>
-          <a:p>
-            <a:r>
-              <a:rPr lang="en-US" altLang="ko-KR" sz="3600" b="1" i="1" dirty="0" smtClean="0">
-                <a:solidFill>
-                  <a:srgbClr val="A8815A"/>
-                </a:solidFill>
-                <a:latin typeface="나눔명조 ExtraBold" pitchFamily="18" charset="-127"/>
-                <a:ea typeface="나눔명조 ExtraBold" pitchFamily="18" charset="-127"/>
-              </a:rPr>
-              <a:t>03</a:t>
-            </a:r>
-          </a:p>
-        </p:txBody>
-      </p:sp>
-      <p:sp>
-        <p:nvSpPr>
-          <p:cNvPr id="38" name="TextBox 37"/>
-          <p:cNvSpPr txBox="1"/>
-          <p:nvPr/>
-        </p:nvSpPr>
-        <p:spPr>
-          <a:xfrm>
-            <a:off x="2093802" y="4797152"/>
-            <a:ext cx="3270285" cy="584775"/>
-          </a:xfrm>
-          <a:prstGeom prst="rect">
-            <a:avLst/>
-          </a:prstGeom>
-          <a:noFill/>
-        </p:spPr>
-        <p:txBody>
-          <a:bodyPr wrap="square" rtlCol="0">
-            <a:spAutoFit/>
-          </a:bodyPr>
-          <a:lstStyle/>
-          <a:p>
-            <a:r>
-              <a:rPr lang="en-US" altLang="ko-KR" sz="3200" smtClean="0">
-                <a:solidFill>
-                  <a:schemeClr val="bg1"/>
-                </a:solidFill>
-                <a:latin typeface="나눔바른고딕" pitchFamily="50" charset="-127"/>
-                <a:ea typeface="나눔바른고딕" pitchFamily="50" charset="-127"/>
-              </a:rPr>
-              <a:t>Markdown </a:t>
-            </a:r>
-            <a:r>
-              <a:rPr lang="ko-KR" altLang="en-US" sz="3200" dirty="0" smtClean="0">
-                <a:solidFill>
-                  <a:schemeClr val="bg1"/>
-                </a:solidFill>
-                <a:latin typeface="나눔바른고딕" pitchFamily="50" charset="-127"/>
-                <a:ea typeface="나눔바른고딕" pitchFamily="50" charset="-127"/>
-              </a:rPr>
-              <a:t>소개</a:t>
-            </a:r>
-            <a:endParaRPr lang="ko-KR" altLang="en-US" sz="3200" dirty="0" smtClean="0">
-              <a:solidFill>
-                <a:schemeClr val="bg1"/>
-              </a:solidFill>
-              <a:latin typeface="나눔바른고딕" pitchFamily="50" charset="-127"/>
-              <a:ea typeface="나눔바른고딕" pitchFamily="50" charset="-127"/>
-            </a:endParaRPr>
-          </a:p>
-        </p:txBody>
-      </p:sp>
-      <p:cxnSp>
-        <p:nvCxnSpPr>
-          <p:cNvPr id="41" name="직선 연결선 40"/>
-          <p:cNvCxnSpPr/>
-          <p:nvPr/>
-        </p:nvCxnSpPr>
-        <p:spPr>
-          <a:xfrm>
-            <a:off x="2165811" y="3212976"/>
-            <a:ext cx="1656184" cy="0"/>
-          </a:xfrm>
-          <a:prstGeom prst="line">
-            <a:avLst/>
-          </a:prstGeom>
-          <a:ln>
-            <a:solidFill>
-              <a:srgbClr val="A8815A"/>
-            </a:solidFill>
-            <a:prstDash val="dash"/>
-          </a:ln>
-        </p:spPr>
-        <p:style>
-          <a:lnRef idx="1">
-            <a:schemeClr val="accent1"/>
-          </a:lnRef>
-          <a:fillRef idx="0">
-            <a:schemeClr val="accent1"/>
-          </a:fillRef>
-          <a:effectRef idx="0">
-            <a:schemeClr val="accent1"/>
-          </a:effectRef>
-          <a:fontRef idx="minor">
-            <a:schemeClr val="tx1"/>
-          </a:fontRef>
-        </p:style>
-      </p:cxnSp>
-      <p:cxnSp>
-        <p:nvCxnSpPr>
-          <p:cNvPr id="42" name="직선 연결선 41"/>
-          <p:cNvCxnSpPr/>
-          <p:nvPr/>
-        </p:nvCxnSpPr>
-        <p:spPr>
-          <a:xfrm>
-            <a:off x="2165811" y="4725144"/>
-            <a:ext cx="1656184" cy="0"/>
-          </a:xfrm>
-          <a:prstGeom prst="line">
-            <a:avLst/>
-          </a:prstGeom>
-          <a:ln>
-            <a:solidFill>
-              <a:srgbClr val="A8815A"/>
-            </a:solidFill>
-            <a:prstDash val="dash"/>
-          </a:ln>
-        </p:spPr>
-        <p:style>
-          <a:lnRef idx="1">
-            <a:schemeClr val="accent1"/>
-          </a:lnRef>
-          <a:fillRef idx="0">
-            <a:schemeClr val="accent1"/>
-          </a:fillRef>
-          <a:effectRef idx="0">
-            <a:schemeClr val="accent1"/>
-          </a:effectRef>
-          <a:fontRef idx="minor">
-            <a:schemeClr val="tx1"/>
-          </a:fontRef>
-        </p:style>
-      </p:cxnSp>
-      <p:cxnSp>
-        <p:nvCxnSpPr>
-          <p:cNvPr id="16" name="직선 연결선 15"/>
-          <p:cNvCxnSpPr/>
-          <p:nvPr/>
-        </p:nvCxnSpPr>
-        <p:spPr>
-          <a:xfrm>
-            <a:off x="428355" y="475655"/>
-            <a:ext cx="327221" cy="0"/>
-          </a:xfrm>
-          <a:prstGeom prst="line">
-            <a:avLst/>
-          </a:prstGeom>
-          <a:ln w="76200">
-            <a:solidFill>
-              <a:schemeClr val="tx1">
-                <a:lumMod val="65000"/>
-                <a:lumOff val="35000"/>
-              </a:schemeClr>
-            </a:solidFill>
-          </a:ln>
-        </p:spPr>
-        <p:style>
-          <a:lnRef idx="1">
-            <a:schemeClr val="accent1"/>
-          </a:lnRef>
-          <a:fillRef idx="0">
-            <a:schemeClr val="accent1"/>
-          </a:fillRef>
-          <a:effectRef idx="0">
-            <a:schemeClr val="accent1"/>
-          </a:effectRef>
-          <a:fontRef idx="minor">
-            <a:schemeClr val="tx1"/>
-          </a:fontRef>
-        </p:style>
-      </p:cxnSp>
-      <p:sp>
-        <p:nvSpPr>
-          <p:cNvPr id="18" name="TextBox 25"/>
-          <p:cNvSpPr txBox="1">
-            <a:spLocks noChangeArrowheads="1"/>
-          </p:cNvSpPr>
-          <p:nvPr/>
-        </p:nvSpPr>
-        <p:spPr bwMode="auto">
-          <a:xfrm>
-            <a:off x="323528" y="603121"/>
-            <a:ext cx="3528392" cy="523220"/>
-          </a:xfrm>
-          <a:prstGeom prst="rect">
-            <a:avLst/>
-          </a:prstGeom>
-          <a:noFill/>
-          <a:ln w="9525">
-            <a:noFill/>
-            <a:miter lim="800000"/>
-            <a:headEnd/>
-            <a:tailEnd/>
-          </a:ln>
-        </p:spPr>
-        <p:txBody>
-          <a:bodyPr wrap="square">
-            <a:spAutoFit/>
-          </a:bodyPr>
-          <a:lstStyle/>
-          <a:p>
-            <a:pPr lvl="0"/>
-            <a:r>
-              <a:rPr lang="en-US" altLang="ko-KR" sz="2800" dirty="0" smtClean="0">
-                <a:solidFill>
-                  <a:prstClr val="black">
-                    <a:lumMod val="65000"/>
-                    <a:lumOff val="35000"/>
-                  </a:prstClr>
-                </a:solidFill>
-                <a:latin typeface="다음_SemiBold" pitchFamily="2" charset="-127"/>
-                <a:ea typeface="다음_SemiBold" pitchFamily="2" charset="-127"/>
-              </a:rPr>
-              <a:t>Index</a:t>
-            </a:r>
-          </a:p>
-        </p:txBody>
-      </p:sp>
-    </p:spTree>
-    <p:extLst>
-      <p:ext uri="{BB962C8B-B14F-4D97-AF65-F5344CB8AC3E}">
-        <p14:creationId xmlns:p14="http://schemas.microsoft.com/office/powerpoint/2010/main" val="1318430678"/>
-      </p:ext>
-    </p:extLst>
-  </p:cSld>
-  <p:clrMapOvr>
-    <a:masterClrMapping/>
-  </p:clrMapOvr>
-  <p:timing>
-    <p:tnLst>
-      <p:par>
-        <p:cTn id="1" dur="indefinite" restart="never" nodeType="tmRoot"/>
-      </p:par>
-    </p:tnLst>
-  </p:timing>
-</p:sld>
-</file>
-
-<file path=ppt/slides/slide3.xml><?xml version="1.0" encoding="utf-8"?>
+<file path=ppt/slides/slide4.xml><?xml version="1.0" encoding="utf-8"?>
 <p:sld xmlns:a="http://schemas.openxmlformats.org/drawingml/2006/main" xmlns:r="http://schemas.openxmlformats.org/officeDocument/2006/relationships" xmlns:p="http://schemas.openxmlformats.org/presentationml/2006/main">
   <p:cSld>
     <p:spTree>
@@ -9923,257 +11486,6 @@
     <p:extLst>
       <p:ext uri="{BB962C8B-B14F-4D97-AF65-F5344CB8AC3E}">
         <p14:creationId xmlns:p14="http://schemas.microsoft.com/office/powerpoint/2010/main" val="850425130"/>
-      </p:ext>
-    </p:extLst>
-  </p:cSld>
-  <p:clrMapOvr>
-    <a:masterClrMapping/>
-  </p:clrMapOvr>
-  <p:timing>
-    <p:tnLst>
-      <p:par>
-        <p:cTn id="1" dur="indefinite" restart="never" nodeType="tmRoot"/>
-      </p:par>
-    </p:tnLst>
-  </p:timing>
-</p:sld>
-</file>
-
-<file path=ppt/slides/slide4.xml><?xml version="1.0" encoding="utf-8"?>
-<p:sld xmlns:a="http://schemas.openxmlformats.org/drawingml/2006/main" xmlns:r="http://schemas.openxmlformats.org/officeDocument/2006/relationships" xmlns:p="http://schemas.openxmlformats.org/presentationml/2006/main">
-  <p:cSld>
-    <p:spTree>
-      <p:nvGrpSpPr>
-        <p:cNvPr id="1" name=""/>
-        <p:cNvGrpSpPr/>
-        <p:nvPr/>
-      </p:nvGrpSpPr>
-      <p:grpSpPr>
-        <a:xfrm>
-          <a:off x="0" y="0"/>
-          <a:ext cx="0" cy="0"/>
-          <a:chOff x="0" y="0"/>
-          <a:chExt cx="0" cy="0"/>
-        </a:xfrm>
-      </p:grpSpPr>
-      <p:sp>
-        <p:nvSpPr>
-          <p:cNvPr id="5" name="TextBox 25"/>
-          <p:cNvSpPr txBox="1">
-            <a:spLocks noChangeArrowheads="1"/>
-          </p:cNvSpPr>
-          <p:nvPr/>
-        </p:nvSpPr>
-        <p:spPr bwMode="auto">
-          <a:xfrm>
-            <a:off x="323528" y="603121"/>
-            <a:ext cx="5184576" cy="523220"/>
-          </a:xfrm>
-          <a:prstGeom prst="rect">
-            <a:avLst/>
-          </a:prstGeom>
-          <a:noFill/>
-          <a:ln w="9525">
-            <a:noFill/>
-            <a:miter lim="800000"/>
-            <a:headEnd/>
-            <a:tailEnd/>
-          </a:ln>
-        </p:spPr>
-        <p:txBody>
-          <a:bodyPr wrap="square">
-            <a:spAutoFit/>
-          </a:bodyPr>
-          <a:lstStyle/>
-          <a:p>
-            <a:pPr lvl="0"/>
-            <a:r>
-              <a:rPr lang="en-US" altLang="ko-KR" sz="2800" dirty="0" err="1" smtClean="0">
-                <a:solidFill>
-                  <a:prstClr val="black">
-                    <a:lumMod val="65000"/>
-                    <a:lumOff val="35000"/>
-                  </a:prstClr>
-                </a:solidFill>
-                <a:latin typeface="다음_SemiBold" pitchFamily="2" charset="-127"/>
-                <a:ea typeface="다음_SemiBold" pitchFamily="2" charset="-127"/>
-              </a:rPr>
-              <a:t>Git</a:t>
-            </a:r>
-            <a:r>
-              <a:rPr lang="en-US" altLang="ko-KR" sz="2800" dirty="0" smtClean="0">
-                <a:solidFill>
-                  <a:prstClr val="black">
-                    <a:lumMod val="65000"/>
-                    <a:lumOff val="35000"/>
-                  </a:prstClr>
-                </a:solidFill>
-                <a:latin typeface="다음_SemiBold" pitchFamily="2" charset="-127"/>
-                <a:ea typeface="다음_SemiBold" pitchFamily="2" charset="-127"/>
-              </a:rPr>
-              <a:t> </a:t>
-            </a:r>
-            <a:r>
-              <a:rPr lang="ko-KR" altLang="en-US" sz="2800" dirty="0" smtClean="0">
-                <a:solidFill>
-                  <a:prstClr val="black">
-                    <a:lumMod val="65000"/>
-                    <a:lumOff val="35000"/>
-                  </a:prstClr>
-                </a:solidFill>
-                <a:latin typeface="다음_SemiBold" pitchFamily="2" charset="-127"/>
-                <a:ea typeface="다음_SemiBold" pitchFamily="2" charset="-127"/>
-              </a:rPr>
-              <a:t>사용</a:t>
-            </a:r>
-            <a:endParaRPr lang="en-US" altLang="ko-KR" sz="2800" dirty="0" smtClean="0">
-              <a:solidFill>
-                <a:prstClr val="black">
-                  <a:lumMod val="65000"/>
-                  <a:lumOff val="35000"/>
-                </a:prstClr>
-              </a:solidFill>
-              <a:latin typeface="다음_SemiBold" pitchFamily="2" charset="-127"/>
-              <a:ea typeface="다음_SemiBold" pitchFamily="2" charset="-127"/>
-            </a:endParaRPr>
-          </a:p>
-        </p:txBody>
-      </p:sp>
-      <p:sp>
-        <p:nvSpPr>
-          <p:cNvPr id="9" name="TextBox 25"/>
-          <p:cNvSpPr txBox="1">
-            <a:spLocks noChangeArrowheads="1"/>
-          </p:cNvSpPr>
-          <p:nvPr/>
-        </p:nvSpPr>
-        <p:spPr bwMode="auto">
-          <a:xfrm>
-            <a:off x="323528" y="1195735"/>
-            <a:ext cx="5184576" cy="338554"/>
-          </a:xfrm>
-          <a:prstGeom prst="rect">
-            <a:avLst/>
-          </a:prstGeom>
-          <a:noFill/>
-          <a:ln w="9525">
-            <a:noFill/>
-            <a:miter lim="800000"/>
-            <a:headEnd/>
-            <a:tailEnd/>
-          </a:ln>
-        </p:spPr>
-        <p:txBody>
-          <a:bodyPr wrap="square">
-            <a:spAutoFit/>
-          </a:bodyPr>
-          <a:lstStyle/>
-          <a:p>
-            <a:pPr lvl="0"/>
-            <a:r>
-              <a:rPr lang="en-US" altLang="ko-KR" sz="1600" dirty="0" smtClean="0">
-                <a:solidFill>
-                  <a:prstClr val="black">
-                    <a:lumMod val="65000"/>
-                    <a:lumOff val="35000"/>
-                  </a:prstClr>
-                </a:solidFill>
-                <a:latin typeface="나눔바른고딕" pitchFamily="50" charset="-127"/>
-                <a:ea typeface="나눔바른고딕" pitchFamily="50" charset="-127"/>
-              </a:rPr>
-              <a:t>Pull request </a:t>
-            </a:r>
-            <a:r>
-              <a:rPr lang="ko-KR" altLang="en-US" sz="1600" dirty="0" smtClean="0">
-                <a:solidFill>
-                  <a:prstClr val="black">
-                    <a:lumMod val="65000"/>
-                    <a:lumOff val="35000"/>
-                  </a:prstClr>
-                </a:solidFill>
-                <a:latin typeface="나눔바른고딕" pitchFamily="50" charset="-127"/>
-                <a:ea typeface="나눔바른고딕" pitchFamily="50" charset="-127"/>
-              </a:rPr>
-              <a:t>보내기</a:t>
-            </a:r>
-            <a:endParaRPr lang="en-US" altLang="ko-KR" sz="1600" dirty="0" smtClean="0">
-              <a:solidFill>
-                <a:prstClr val="black">
-                  <a:lumMod val="65000"/>
-                  <a:lumOff val="35000"/>
-                </a:prstClr>
-              </a:solidFill>
-              <a:latin typeface="나눔바른고딕" pitchFamily="50" charset="-127"/>
-              <a:ea typeface="나눔바른고딕" pitchFamily="50" charset="-127"/>
-            </a:endParaRPr>
-          </a:p>
-        </p:txBody>
-      </p:sp>
-      <p:cxnSp>
-        <p:nvCxnSpPr>
-          <p:cNvPr id="10" name="직선 연결선 9"/>
-          <p:cNvCxnSpPr/>
-          <p:nvPr/>
-        </p:nvCxnSpPr>
-        <p:spPr>
-          <a:xfrm>
-            <a:off x="428355" y="475655"/>
-            <a:ext cx="327221" cy="0"/>
-          </a:xfrm>
-          <a:prstGeom prst="line">
-            <a:avLst/>
-          </a:prstGeom>
-          <a:ln w="76200">
-            <a:solidFill>
-              <a:schemeClr val="tx1">
-                <a:lumMod val="65000"/>
-                <a:lumOff val="35000"/>
-              </a:schemeClr>
-            </a:solidFill>
-          </a:ln>
-        </p:spPr>
-        <p:style>
-          <a:lnRef idx="1">
-            <a:schemeClr val="accent1"/>
-          </a:lnRef>
-          <a:fillRef idx="0">
-            <a:schemeClr val="accent1"/>
-          </a:fillRef>
-          <a:effectRef idx="0">
-            <a:schemeClr val="accent1"/>
-          </a:effectRef>
-          <a:fontRef idx="minor">
-            <a:schemeClr val="tx1"/>
-          </a:fontRef>
-        </p:style>
-      </p:cxnSp>
-      <p:pic>
-        <p:nvPicPr>
-          <p:cNvPr id="6" name="그림 5"/>
-          <p:cNvPicPr>
-            <a:picLocks noChangeAspect="1"/>
-          </p:cNvPicPr>
-          <p:nvPr/>
-        </p:nvPicPr>
-        <p:blipFill rotWithShape="1">
-          <a:blip r:embed="rId2"/>
-          <a:srcRect l="5172" r="6897"/>
-          <a:stretch/>
-        </p:blipFill>
-        <p:spPr>
-          <a:xfrm>
-            <a:off x="323528" y="1603683"/>
-            <a:ext cx="8496945" cy="4498382"/>
-          </a:xfrm>
-          <a:prstGeom prst="rect">
-            <a:avLst/>
-          </a:prstGeom>
-        </p:spPr>
-      </p:pic>
-    </p:spTree>
-    <p:extLst>
-      <p:ext uri="{BB962C8B-B14F-4D97-AF65-F5344CB8AC3E}">
-        <p14:creationId xmlns:p14="http://schemas.microsoft.com/office/powerpoint/2010/main" val="2900784396"/>
       </p:ext>
     </p:extLst>
   </p:cSld>
@@ -10322,7 +11634,7 @@
           <a:p>
             <a:pPr lvl="0"/>
             <a:r>
-              <a:rPr lang="ko-KR" altLang="en-US" sz="1600" dirty="0" smtClean="0">
+              <a:rPr lang="en-US" altLang="ko-KR" sz="1600" dirty="0" smtClean="0">
                 <a:solidFill>
                   <a:prstClr val="black">
                     <a:lumMod val="65000"/>
@@ -10332,7 +11644,20 @@
                 <a:latin typeface="나눔바른고딕" pitchFamily="50" charset="-127"/>
                 <a:ea typeface="나눔바른고딕" pitchFamily="50" charset="-127"/>
               </a:rPr>
-              <a:t>수정 내용 적기</a:t>
+              <a:t>Pull request </a:t>
+            </a:r>
+            <a:r>
+              <a:rPr lang="ko-KR" altLang="en-US" sz="1600" dirty="0" smtClean="0">
+                <a:solidFill>
+                  <a:prstClr val="black">
+                    <a:lumMod val="65000"/>
+                    <a:lumOff val="35000"/>
+                  </a:prstClr>
+                </a:solidFill>
+                <a:latin typeface="나눔바른고딕" pitchFamily="50" charset="-127"/>
+                <a:ea typeface="나눔바른고딕" pitchFamily="50" charset="-127"/>
+              </a:rPr>
+              <a:t>보내기</a:t>
             </a:r>
             <a:endParaRPr lang="en-US" altLang="ko-KR" sz="1600" dirty="0" smtClean="0">
               <a:solidFill>
@@ -10387,22 +11712,21 @@
       </p:cxnSp>
       <p:pic>
         <p:nvPicPr>
-          <p:cNvPr id="12" name="그림 11"/>
+          <p:cNvPr id="6" name="그림 5"/>
           <p:cNvPicPr>
             <a:picLocks noChangeAspect="1"/>
           </p:cNvPicPr>
           <p:nvPr/>
         </p:nvPicPr>
-        <p:blipFill>
+        <p:blipFill rotWithShape="1">
           <a:blip r:embed="rId2"/>
-          <a:stretch>
-            <a:fillRect/>
-          </a:stretch>
+          <a:srcRect l="5172" r="6897"/>
+          <a:stretch/>
         </p:blipFill>
         <p:spPr>
           <a:xfrm>
-            <a:off x="323528" y="1700808"/>
-            <a:ext cx="8277225" cy="4562475"/>
+            <a:off x="323528" y="1603683"/>
+            <a:ext cx="8496945" cy="4498382"/>
           </a:xfrm>
           <a:prstGeom prst="rect">
             <a:avLst/>
@@ -10412,7 +11736,7 @@
     </p:spTree>
     <p:extLst>
       <p:ext uri="{BB962C8B-B14F-4D97-AF65-F5344CB8AC3E}">
-        <p14:creationId xmlns:p14="http://schemas.microsoft.com/office/powerpoint/2010/main" val="3786433484"/>
+        <p14:creationId xmlns:p14="http://schemas.microsoft.com/office/powerpoint/2010/main" val="2900784396"/>
       </p:ext>
     </p:extLst>
   </p:cSld>
@@ -10561,7 +11885,7 @@
           <a:p>
             <a:pPr lvl="0"/>
             <a:r>
-              <a:rPr lang="en-US" altLang="ko-KR" sz="1600" dirty="0" smtClean="0">
+              <a:rPr lang="ko-KR" altLang="en-US" sz="1600" dirty="0" smtClean="0">
                 <a:solidFill>
                   <a:prstClr val="black">
                     <a:lumMod val="65000"/>
@@ -10571,20 +11895,7 @@
                 <a:latin typeface="나눔바른고딕" pitchFamily="50" charset="-127"/>
                 <a:ea typeface="나눔바른고딕" pitchFamily="50" charset="-127"/>
               </a:rPr>
-              <a:t>Merge </a:t>
-            </a:r>
-            <a:r>
-              <a:rPr lang="ko-KR" altLang="en-US" sz="1600" dirty="0" smtClean="0">
-                <a:solidFill>
-                  <a:prstClr val="black">
-                    <a:lumMod val="65000"/>
-                    <a:lumOff val="35000"/>
-                  </a:prstClr>
-                </a:solidFill>
-                <a:latin typeface="나눔바른고딕" pitchFamily="50" charset="-127"/>
-                <a:ea typeface="나눔바른고딕" pitchFamily="50" charset="-127"/>
-              </a:rPr>
-              <a:t>해오기 </a:t>
+              <a:t>수정 내용 적기</a:t>
             </a:r>
             <a:endParaRPr lang="en-US" altLang="ko-KR" sz="1600" dirty="0" smtClean="0">
               <a:solidFill>
@@ -10637,28 +11948,9 @@
           </a:fontRef>
         </p:style>
       </p:cxnSp>
-      <p:sp>
-        <p:nvSpPr>
-          <p:cNvPr id="6" name="내용 개체 틀 5"/>
-          <p:cNvSpPr>
-            <a:spLocks noGrp="1"/>
-          </p:cNvSpPr>
-          <p:nvPr>
-            <p:ph idx="1"/>
-          </p:nvPr>
-        </p:nvSpPr>
-        <p:spPr/>
-        <p:txBody>
-          <a:bodyPr/>
-          <a:lstStyle/>
-          <a:p>
-            <a:endParaRPr lang="ko-KR" altLang="en-US"/>
-          </a:p>
-        </p:txBody>
-      </p:sp>
       <p:pic>
         <p:nvPicPr>
-          <p:cNvPr id="11" name="그림 10"/>
+          <p:cNvPr id="12" name="그림 11"/>
           <p:cNvPicPr>
             <a:picLocks noChangeAspect="1"/>
           </p:cNvPicPr>
@@ -10672,8 +11964,8 @@
         </p:blipFill>
         <p:spPr>
           <a:xfrm>
-            <a:off x="428355" y="1648649"/>
-            <a:ext cx="8420100" cy="4543425"/>
+            <a:off x="323528" y="1700808"/>
+            <a:ext cx="8277225" cy="4562475"/>
           </a:xfrm>
           <a:prstGeom prst="rect">
             <a:avLst/>
@@ -10683,7 +11975,7 @@
     </p:spTree>
     <p:extLst>
       <p:ext uri="{BB962C8B-B14F-4D97-AF65-F5344CB8AC3E}">
-        <p14:creationId xmlns:p14="http://schemas.microsoft.com/office/powerpoint/2010/main" val="150084947"/>
+        <p14:creationId xmlns:p14="http://schemas.microsoft.com/office/powerpoint/2010/main" val="3786433484"/>
       </p:ext>
     </p:extLst>
   </p:cSld>
@@ -10719,6 +12011,277 @@
       </p:grpSpPr>
       <p:sp>
         <p:nvSpPr>
+          <p:cNvPr id="5" name="TextBox 25"/>
+          <p:cNvSpPr txBox="1">
+            <a:spLocks noChangeArrowheads="1"/>
+          </p:cNvSpPr>
+          <p:nvPr/>
+        </p:nvSpPr>
+        <p:spPr bwMode="auto">
+          <a:xfrm>
+            <a:off x="323528" y="603121"/>
+            <a:ext cx="5184576" cy="523220"/>
+          </a:xfrm>
+          <a:prstGeom prst="rect">
+            <a:avLst/>
+          </a:prstGeom>
+          <a:noFill/>
+          <a:ln w="9525">
+            <a:noFill/>
+            <a:miter lim="800000"/>
+            <a:headEnd/>
+            <a:tailEnd/>
+          </a:ln>
+        </p:spPr>
+        <p:txBody>
+          <a:bodyPr wrap="square">
+            <a:spAutoFit/>
+          </a:bodyPr>
+          <a:lstStyle/>
+          <a:p>
+            <a:pPr lvl="0"/>
+            <a:r>
+              <a:rPr lang="en-US" altLang="ko-KR" sz="2800" dirty="0" err="1" smtClean="0">
+                <a:solidFill>
+                  <a:prstClr val="black">
+                    <a:lumMod val="65000"/>
+                    <a:lumOff val="35000"/>
+                  </a:prstClr>
+                </a:solidFill>
+                <a:latin typeface="다음_SemiBold" pitchFamily="2" charset="-127"/>
+                <a:ea typeface="다음_SemiBold" pitchFamily="2" charset="-127"/>
+              </a:rPr>
+              <a:t>Git</a:t>
+            </a:r>
+            <a:r>
+              <a:rPr lang="en-US" altLang="ko-KR" sz="2800" dirty="0" smtClean="0">
+                <a:solidFill>
+                  <a:prstClr val="black">
+                    <a:lumMod val="65000"/>
+                    <a:lumOff val="35000"/>
+                  </a:prstClr>
+                </a:solidFill>
+                <a:latin typeface="다음_SemiBold" pitchFamily="2" charset="-127"/>
+                <a:ea typeface="다음_SemiBold" pitchFamily="2" charset="-127"/>
+              </a:rPr>
+              <a:t> </a:t>
+            </a:r>
+            <a:r>
+              <a:rPr lang="ko-KR" altLang="en-US" sz="2800" dirty="0" smtClean="0">
+                <a:solidFill>
+                  <a:prstClr val="black">
+                    <a:lumMod val="65000"/>
+                    <a:lumOff val="35000"/>
+                  </a:prstClr>
+                </a:solidFill>
+                <a:latin typeface="다음_SemiBold" pitchFamily="2" charset="-127"/>
+                <a:ea typeface="다음_SemiBold" pitchFamily="2" charset="-127"/>
+              </a:rPr>
+              <a:t>사용</a:t>
+            </a:r>
+            <a:endParaRPr lang="en-US" altLang="ko-KR" sz="2800" dirty="0" smtClean="0">
+              <a:solidFill>
+                <a:prstClr val="black">
+                  <a:lumMod val="65000"/>
+                  <a:lumOff val="35000"/>
+                </a:prstClr>
+              </a:solidFill>
+              <a:latin typeface="다음_SemiBold" pitchFamily="2" charset="-127"/>
+              <a:ea typeface="다음_SemiBold" pitchFamily="2" charset="-127"/>
+            </a:endParaRPr>
+          </a:p>
+        </p:txBody>
+      </p:sp>
+      <p:sp>
+        <p:nvSpPr>
+          <p:cNvPr id="9" name="TextBox 25"/>
+          <p:cNvSpPr txBox="1">
+            <a:spLocks noChangeArrowheads="1"/>
+          </p:cNvSpPr>
+          <p:nvPr/>
+        </p:nvSpPr>
+        <p:spPr bwMode="auto">
+          <a:xfrm>
+            <a:off x="323528" y="1195735"/>
+            <a:ext cx="5184576" cy="338554"/>
+          </a:xfrm>
+          <a:prstGeom prst="rect">
+            <a:avLst/>
+          </a:prstGeom>
+          <a:noFill/>
+          <a:ln w="9525">
+            <a:noFill/>
+            <a:miter lim="800000"/>
+            <a:headEnd/>
+            <a:tailEnd/>
+          </a:ln>
+        </p:spPr>
+        <p:txBody>
+          <a:bodyPr wrap="square">
+            <a:spAutoFit/>
+          </a:bodyPr>
+          <a:lstStyle/>
+          <a:p>
+            <a:pPr lvl="0"/>
+            <a:r>
+              <a:rPr lang="en-US" altLang="ko-KR" sz="1600" dirty="0" smtClean="0">
+                <a:solidFill>
+                  <a:prstClr val="black">
+                    <a:lumMod val="65000"/>
+                    <a:lumOff val="35000"/>
+                  </a:prstClr>
+                </a:solidFill>
+                <a:latin typeface="나눔바른고딕" pitchFamily="50" charset="-127"/>
+                <a:ea typeface="나눔바른고딕" pitchFamily="50" charset="-127"/>
+              </a:rPr>
+              <a:t>Merge </a:t>
+            </a:r>
+            <a:r>
+              <a:rPr lang="ko-KR" altLang="en-US" sz="1600" dirty="0" smtClean="0">
+                <a:solidFill>
+                  <a:prstClr val="black">
+                    <a:lumMod val="65000"/>
+                    <a:lumOff val="35000"/>
+                  </a:prstClr>
+                </a:solidFill>
+                <a:latin typeface="나눔바른고딕" pitchFamily="50" charset="-127"/>
+                <a:ea typeface="나눔바른고딕" pitchFamily="50" charset="-127"/>
+              </a:rPr>
+              <a:t>해오기 </a:t>
+            </a:r>
+            <a:endParaRPr lang="en-US" altLang="ko-KR" sz="1600" dirty="0" smtClean="0">
+              <a:solidFill>
+                <a:prstClr val="black">
+                  <a:lumMod val="65000"/>
+                  <a:lumOff val="35000"/>
+                </a:prstClr>
+              </a:solidFill>
+              <a:latin typeface="나눔바른고딕" pitchFamily="50" charset="-127"/>
+              <a:ea typeface="나눔바른고딕" pitchFamily="50" charset="-127"/>
+            </a:endParaRPr>
+          </a:p>
+        </p:txBody>
+      </p:sp>
+      <p:cxnSp>
+        <p:nvCxnSpPr>
+          <p:cNvPr id="10" name="직선 연결선 9"/>
+          <p:cNvCxnSpPr/>
+          <p:nvPr/>
+        </p:nvCxnSpPr>
+        <p:spPr>
+          <a:xfrm>
+            <a:off x="428355" y="475655"/>
+            <a:ext cx="327221" cy="0"/>
+          </a:xfrm>
+          <a:prstGeom prst="line">
+            <a:avLst/>
+          </a:prstGeom>
+          <a:ln w="76200">
+            <a:solidFill>
+              <a:schemeClr val="tx1">
+                <a:lumMod val="65000"/>
+                <a:lumOff val="35000"/>
+              </a:schemeClr>
+            </a:solidFill>
+          </a:ln>
+        </p:spPr>
+        <p:style>
+          <a:lnRef idx="1">
+            <a:schemeClr val="accent1"/>
+          </a:lnRef>
+          <a:fillRef idx="0">
+            <a:schemeClr val="accent1"/>
+          </a:fillRef>
+          <a:effectRef idx="0">
+            <a:schemeClr val="accent1"/>
+          </a:effectRef>
+          <a:fontRef idx="minor">
+            <a:schemeClr val="tx1"/>
+          </a:fontRef>
+        </p:style>
+      </p:cxnSp>
+      <p:sp>
+        <p:nvSpPr>
+          <p:cNvPr id="6" name="내용 개체 틀 5"/>
+          <p:cNvSpPr>
+            <a:spLocks noGrp="1"/>
+          </p:cNvSpPr>
+          <p:nvPr>
+            <p:ph idx="1"/>
+          </p:nvPr>
+        </p:nvSpPr>
+        <p:spPr/>
+        <p:txBody>
+          <a:bodyPr/>
+          <a:lstStyle/>
+          <a:p>
+            <a:endParaRPr lang="ko-KR" altLang="en-US"/>
+          </a:p>
+        </p:txBody>
+      </p:sp>
+      <p:pic>
+        <p:nvPicPr>
+          <p:cNvPr id="11" name="그림 10"/>
+          <p:cNvPicPr>
+            <a:picLocks noChangeAspect="1"/>
+          </p:cNvPicPr>
+          <p:nvPr/>
+        </p:nvPicPr>
+        <p:blipFill>
+          <a:blip r:embed="rId2"/>
+          <a:stretch>
+            <a:fillRect/>
+          </a:stretch>
+        </p:blipFill>
+        <p:spPr>
+          <a:xfrm>
+            <a:off x="428355" y="1648649"/>
+            <a:ext cx="8420100" cy="4543425"/>
+          </a:xfrm>
+          <a:prstGeom prst="rect">
+            <a:avLst/>
+          </a:prstGeom>
+        </p:spPr>
+      </p:pic>
+    </p:spTree>
+    <p:extLst>
+      <p:ext uri="{BB962C8B-B14F-4D97-AF65-F5344CB8AC3E}">
+        <p14:creationId xmlns:p14="http://schemas.microsoft.com/office/powerpoint/2010/main" val="150084947"/>
+      </p:ext>
+    </p:extLst>
+  </p:cSld>
+  <p:clrMapOvr>
+    <a:masterClrMapping/>
+  </p:clrMapOvr>
+  <p:timing>
+    <p:tnLst>
+      <p:par>
+        <p:cTn id="1" dur="indefinite" restart="never" nodeType="tmRoot"/>
+      </p:par>
+    </p:tnLst>
+  </p:timing>
+</p:sld>
+</file>
+
+<file path=ppt/slides/slide8.xml><?xml version="1.0" encoding="utf-8"?>
+<p:sld xmlns:a="http://schemas.openxmlformats.org/drawingml/2006/main" xmlns:r="http://schemas.openxmlformats.org/officeDocument/2006/relationships" xmlns:p="http://schemas.openxmlformats.org/presentationml/2006/main">
+  <p:cSld>
+    <p:spTree>
+      <p:nvGrpSpPr>
+        <p:cNvPr id="1" name=""/>
+        <p:cNvGrpSpPr/>
+        <p:nvPr/>
+      </p:nvGrpSpPr>
+      <p:grpSpPr>
+        <a:xfrm>
+          <a:off x="0" y="0"/>
+          <a:ext cx="0" cy="0"/>
+          <a:chOff x="0" y="0"/>
+          <a:chExt cx="0" cy="0"/>
+        </a:xfrm>
+      </p:grpSpPr>
+      <p:sp>
+        <p:nvSpPr>
           <p:cNvPr id="3" name="내용 개체 틀 2"/>
           <p:cNvSpPr>
             <a:spLocks noGrp="1"/>
@@ -10730,7 +12293,7 @@
         <p:spPr/>
         <p:txBody>
           <a:bodyPr>
-            <a:normAutofit fontScale="85000" lnSpcReduction="20000"/>
+            <a:normAutofit lnSpcReduction="10000"/>
           </a:bodyPr>
           <a:lstStyle/>
           <a:p>
@@ -10753,7 +12316,7 @@
                 <a:latin typeface="다음_Regular" panose="02000603060000000000" pitchFamily="2" charset="-127"/>
                 <a:ea typeface="다음_Regular" panose="02000603060000000000" pitchFamily="2" charset="-127"/>
               </a:rPr>
-              <a:t>upstream URL</a:t>
+              <a:t>‘name’ URL</a:t>
             </a:r>
           </a:p>
           <a:p>
@@ -10783,7 +12346,7 @@
                 <a:latin typeface="다음_Regular" panose="02000603060000000000" pitchFamily="2" charset="-127"/>
                 <a:ea typeface="다음_Regular" panose="02000603060000000000" pitchFamily="2" charset="-127"/>
               </a:rPr>
-              <a:t>upstream</a:t>
+              <a:t>‘name’</a:t>
             </a:r>
           </a:p>
           <a:p>
@@ -10838,60 +12401,6 @@
               </a:rPr>
               <a:t>merge upstream/master</a:t>
             </a:r>
-          </a:p>
-          <a:p>
-            <a:r>
-              <a:rPr lang="en-US" altLang="ko-KR" dirty="0" err="1" smtClean="0">
-                <a:latin typeface="다음_Regular" panose="02000603060000000000" pitchFamily="2" charset="-127"/>
-                <a:ea typeface="다음_Regular" panose="02000603060000000000" pitchFamily="2" charset="-127"/>
-              </a:rPr>
-              <a:t>Git</a:t>
-            </a:r>
-            <a:r>
-              <a:rPr lang="en-US" altLang="ko-KR" dirty="0" smtClean="0">
-                <a:latin typeface="다음_Regular" panose="02000603060000000000" pitchFamily="2" charset="-127"/>
-                <a:ea typeface="다음_Regular" panose="02000603060000000000" pitchFamily="2" charset="-127"/>
-              </a:rPr>
-              <a:t> </a:t>
-            </a:r>
-            <a:r>
-              <a:rPr lang="en-US" altLang="ko-KR" dirty="0">
-                <a:latin typeface="다음_Regular" panose="02000603060000000000" pitchFamily="2" charset="-127"/>
-                <a:ea typeface="다음_Regular" panose="02000603060000000000" pitchFamily="2" charset="-127"/>
-              </a:rPr>
-              <a:t>pull origin master </a:t>
-            </a:r>
-            <a:endParaRPr lang="en-US" altLang="ko-KR" dirty="0" smtClean="0">
-              <a:latin typeface="다음_Regular" panose="02000603060000000000" pitchFamily="2" charset="-127"/>
-              <a:ea typeface="다음_Regular" panose="02000603060000000000" pitchFamily="2" charset="-127"/>
-            </a:endParaRPr>
-          </a:p>
-          <a:p>
-            <a:r>
-              <a:rPr lang="en-US" altLang="ko-KR" dirty="0" err="1" smtClean="0">
-                <a:latin typeface="다음_Regular" panose="02000603060000000000" pitchFamily="2" charset="-127"/>
-                <a:ea typeface="다음_Regular" panose="02000603060000000000" pitchFamily="2" charset="-127"/>
-              </a:rPr>
-              <a:t>Git</a:t>
-            </a:r>
-            <a:r>
-              <a:rPr lang="en-US" altLang="ko-KR" dirty="0" smtClean="0">
-                <a:latin typeface="다음_Regular" panose="02000603060000000000" pitchFamily="2" charset="-127"/>
-                <a:ea typeface="다음_Regular" panose="02000603060000000000" pitchFamily="2" charset="-127"/>
-              </a:rPr>
-              <a:t> </a:t>
-            </a:r>
-            <a:r>
-              <a:rPr lang="en-US" altLang="ko-KR" dirty="0" err="1" smtClean="0">
-                <a:latin typeface="다음_Regular" panose="02000603060000000000" pitchFamily="2" charset="-127"/>
-                <a:ea typeface="다음_Regular" panose="02000603060000000000" pitchFamily="2" charset="-127"/>
-              </a:rPr>
-              <a:t>init</a:t>
-            </a:r>
-            <a:endParaRPr lang="en-US" altLang="ko-KR" dirty="0" smtClean="0">
-              <a:latin typeface="다음_Regular" panose="02000603060000000000" pitchFamily="2" charset="-127"/>
-              <a:ea typeface="다음_Regular" panose="02000603060000000000" pitchFamily="2" charset="-127"/>
-            </a:endParaRPr>
           </a:p>
           <a:p>
             <a:r>
@@ -11242,7 +12751,7 @@
 </p:sld>
 </file>
 
-<file path=ppt/slides/slide8.xml><?xml version="1.0" encoding="utf-8"?>
+<file path=ppt/slides/slide9.xml><?xml version="1.0" encoding="utf-8"?>
 <p:sld xmlns:a="http://schemas.openxmlformats.org/drawingml/2006/main" xmlns:r="http://schemas.openxmlformats.org/officeDocument/2006/relationships" xmlns:p="http://schemas.openxmlformats.org/presentationml/2006/main">
   <p:cSld>
     <p:spTree>
@@ -11759,7 +13268,7 @@
                 <a:latin typeface="다음_Regular" panose="02000603060000000000" pitchFamily="2" charset="-127"/>
                 <a:ea typeface="다음_Regular" panose="02000603060000000000" pitchFamily="2" charset="-127"/>
               </a:rPr>
-              <a:t>	  Master repo</a:t>
+              <a:t>	  Master repo </a:t>
             </a:r>
             <a:r>
               <a:rPr lang="ko-KR" altLang="en-US" sz="2000" dirty="0" smtClean="0">
@@ -11771,42 +13280,7 @@
                 <a:latin typeface="다음_Regular" panose="02000603060000000000" pitchFamily="2" charset="-127"/>
                 <a:ea typeface="다음_Regular" panose="02000603060000000000" pitchFamily="2" charset="-127"/>
               </a:rPr>
-              <a:t>에서 파일을 받아올 수 없어 수정 불가능</a:t>
-            </a:r>
-            <a:r>
-              <a:rPr lang="en-US" altLang="ko-KR" sz="2000" dirty="0" smtClean="0">
-                <a:solidFill>
-                  <a:schemeClr val="accent6">
-                    <a:lumMod val="50000"/>
-                  </a:schemeClr>
-                </a:solidFill>
-                <a:latin typeface="다음_Regular" panose="02000603060000000000" pitchFamily="2" charset="-127"/>
-                <a:ea typeface="다음_Regular" panose="02000603060000000000" pitchFamily="2" charset="-127"/>
-              </a:rPr>
-              <a:t/>
-            </a:r>
-            <a:br>
-              <a:rPr lang="en-US" altLang="ko-KR" sz="2000" dirty="0" smtClean="0">
-                <a:solidFill>
-                  <a:schemeClr val="accent6">
-                    <a:lumMod val="50000"/>
-                  </a:schemeClr>
-                </a:solidFill>
-                <a:latin typeface="다음_Regular" panose="02000603060000000000" pitchFamily="2" charset="-127"/>
-                <a:ea typeface="다음_Regular" panose="02000603060000000000" pitchFamily="2" charset="-127"/>
-              </a:rPr>
-            </a:br>
-            <a:r>
-              <a:rPr lang="en-US" altLang="ko-KR" sz="2000" dirty="0" smtClean="0">
-                <a:solidFill>
-                  <a:schemeClr val="accent6">
-                    <a:lumMod val="50000"/>
-                  </a:schemeClr>
-                </a:solidFill>
-                <a:latin typeface="다음_Regular" panose="02000603060000000000" pitchFamily="2" charset="-127"/>
-                <a:ea typeface="다음_Regular" panose="02000603060000000000" pitchFamily="2" charset="-127"/>
-              </a:rPr>
-              <a:t>	  </a:t>
+              <a:t>읽기 전용 권한이라 바로 접근이 어려움</a:t>
             </a:r>
             <a:endParaRPr lang="ko-KR" altLang="en-US" sz="2000" dirty="0">
               <a:solidFill>
@@ -12382,730 +13856,6 @@
       <p:bldP spid="18" grpId="0" animBg="1"/>
       <p:bldP spid="19" grpId="0" animBg="1"/>
       <p:bldP spid="21" grpId="0" animBg="1"/>
-    </p:bldLst>
-  </p:timing>
-</p:sld>
-</file>
-
-<file path=ppt/slides/slide9.xml><?xml version="1.0" encoding="utf-8"?>
-<p:sld xmlns:a="http://schemas.openxmlformats.org/drawingml/2006/main" xmlns:r="http://schemas.openxmlformats.org/officeDocument/2006/relationships" xmlns:p="http://schemas.openxmlformats.org/presentationml/2006/main">
-  <p:cSld>
-    <p:spTree>
-      <p:nvGrpSpPr>
-        <p:cNvPr id="1" name=""/>
-        <p:cNvGrpSpPr/>
-        <p:nvPr/>
-      </p:nvGrpSpPr>
-      <p:grpSpPr>
-        <a:xfrm>
-          <a:off x="0" y="0"/>
-          <a:ext cx="0" cy="0"/>
-          <a:chOff x="0" y="0"/>
-          <a:chExt cx="0" cy="0"/>
-        </a:xfrm>
-      </p:grpSpPr>
-      <p:sp>
-        <p:nvSpPr>
-          <p:cNvPr id="5" name="TextBox 25"/>
-          <p:cNvSpPr txBox="1">
-            <a:spLocks noChangeArrowheads="1"/>
-          </p:cNvSpPr>
-          <p:nvPr/>
-        </p:nvSpPr>
-        <p:spPr bwMode="auto">
-          <a:xfrm>
-            <a:off x="323528" y="603121"/>
-            <a:ext cx="5184576" cy="523220"/>
-          </a:xfrm>
-          <a:prstGeom prst="rect">
-            <a:avLst/>
-          </a:prstGeom>
-          <a:noFill/>
-          <a:ln w="9525">
-            <a:noFill/>
-            <a:miter lim="800000"/>
-            <a:headEnd/>
-            <a:tailEnd/>
-          </a:ln>
-        </p:spPr>
-        <p:txBody>
-          <a:bodyPr wrap="square">
-            <a:spAutoFit/>
-          </a:bodyPr>
-          <a:lstStyle/>
-          <a:p>
-            <a:pPr lvl="0"/>
-            <a:r>
-              <a:rPr lang="en-US" altLang="ko-KR" sz="2800" dirty="0" err="1" smtClean="0">
-                <a:solidFill>
-                  <a:prstClr val="black">
-                    <a:lumMod val="65000"/>
-                    <a:lumOff val="35000"/>
-                  </a:prstClr>
-                </a:solidFill>
-                <a:latin typeface="다음_SemiBold" pitchFamily="2" charset="-127"/>
-                <a:ea typeface="다음_SemiBold" pitchFamily="2" charset="-127"/>
-              </a:rPr>
-              <a:t>Git</a:t>
-            </a:r>
-            <a:r>
-              <a:rPr lang="en-US" altLang="ko-KR" sz="2800" dirty="0" smtClean="0">
-                <a:solidFill>
-                  <a:prstClr val="black">
-                    <a:lumMod val="65000"/>
-                    <a:lumOff val="35000"/>
-                  </a:prstClr>
-                </a:solidFill>
-                <a:latin typeface="다음_SemiBold" pitchFamily="2" charset="-127"/>
-                <a:ea typeface="다음_SemiBold" pitchFamily="2" charset="-127"/>
-              </a:rPr>
-              <a:t> </a:t>
-            </a:r>
-            <a:r>
-              <a:rPr lang="ko-KR" altLang="en-US" sz="2800" dirty="0" smtClean="0">
-                <a:solidFill>
-                  <a:prstClr val="black">
-                    <a:lumMod val="65000"/>
-                    <a:lumOff val="35000"/>
-                  </a:prstClr>
-                </a:solidFill>
-                <a:latin typeface="다음_SemiBold" pitchFamily="2" charset="-127"/>
-                <a:ea typeface="다음_SemiBold" pitchFamily="2" charset="-127"/>
-              </a:rPr>
-              <a:t>사용</a:t>
-            </a:r>
-            <a:endParaRPr lang="en-US" altLang="ko-KR" sz="2800" dirty="0" smtClean="0">
-              <a:solidFill>
-                <a:prstClr val="black">
-                  <a:lumMod val="65000"/>
-                  <a:lumOff val="35000"/>
-                </a:prstClr>
-              </a:solidFill>
-              <a:latin typeface="다음_SemiBold" pitchFamily="2" charset="-127"/>
-              <a:ea typeface="다음_SemiBold" pitchFamily="2" charset="-127"/>
-            </a:endParaRPr>
-          </a:p>
-        </p:txBody>
-      </p:sp>
-      <p:sp>
-        <p:nvSpPr>
-          <p:cNvPr id="6" name="TextBox 25"/>
-          <p:cNvSpPr txBox="1">
-            <a:spLocks noChangeArrowheads="1"/>
-          </p:cNvSpPr>
-          <p:nvPr/>
-        </p:nvSpPr>
-        <p:spPr bwMode="auto">
-          <a:xfrm>
-            <a:off x="323528" y="1195735"/>
-            <a:ext cx="5184576" cy="338554"/>
-          </a:xfrm>
-          <a:prstGeom prst="rect">
-            <a:avLst/>
-          </a:prstGeom>
-          <a:noFill/>
-          <a:ln w="9525">
-            <a:noFill/>
-            <a:miter lim="800000"/>
-            <a:headEnd/>
-            <a:tailEnd/>
-          </a:ln>
-        </p:spPr>
-        <p:txBody>
-          <a:bodyPr wrap="square">
-            <a:spAutoFit/>
-          </a:bodyPr>
-          <a:lstStyle/>
-          <a:p>
-            <a:pPr lvl="0"/>
-            <a:r>
-              <a:rPr lang="ko-KR" altLang="en-US" sz="1600" dirty="0" smtClean="0">
-                <a:solidFill>
-                  <a:prstClr val="black">
-                    <a:lumMod val="65000"/>
-                    <a:lumOff val="35000"/>
-                  </a:prstClr>
-                </a:solidFill>
-                <a:latin typeface="나눔바른고딕" pitchFamily="50" charset="-127"/>
-                <a:ea typeface="나눔바른고딕" pitchFamily="50" charset="-127"/>
-              </a:rPr>
-              <a:t> 변경된 방법</a:t>
-            </a:r>
-            <a:endParaRPr lang="en-US" altLang="ko-KR" sz="1600" dirty="0" smtClean="0">
-              <a:solidFill>
-                <a:prstClr val="black">
-                  <a:lumMod val="65000"/>
-                  <a:lumOff val="35000"/>
-                </a:prstClr>
-              </a:solidFill>
-              <a:latin typeface="나눔바른고딕" pitchFamily="50" charset="-127"/>
-              <a:ea typeface="나눔바른고딕" pitchFamily="50" charset="-127"/>
-            </a:endParaRPr>
-          </a:p>
-        </p:txBody>
-      </p:sp>
-      <p:cxnSp>
-        <p:nvCxnSpPr>
-          <p:cNvPr id="7" name="직선 연결선 6"/>
-          <p:cNvCxnSpPr/>
-          <p:nvPr/>
-        </p:nvCxnSpPr>
-        <p:spPr>
-          <a:xfrm>
-            <a:off x="428355" y="475655"/>
-            <a:ext cx="327221" cy="0"/>
-          </a:xfrm>
-          <a:prstGeom prst="line">
-            <a:avLst/>
-          </a:prstGeom>
-          <a:ln w="76200">
-            <a:solidFill>
-              <a:schemeClr val="tx1">
-                <a:lumMod val="65000"/>
-                <a:lumOff val="35000"/>
-              </a:schemeClr>
-            </a:solidFill>
-          </a:ln>
-        </p:spPr>
-        <p:style>
-          <a:lnRef idx="1">
-            <a:schemeClr val="accent1"/>
-          </a:lnRef>
-          <a:fillRef idx="0">
-            <a:schemeClr val="accent1"/>
-          </a:fillRef>
-          <a:effectRef idx="0">
-            <a:schemeClr val="accent1"/>
-          </a:effectRef>
-          <a:fontRef idx="minor">
-            <a:schemeClr val="tx1"/>
-          </a:fontRef>
-        </p:style>
-      </p:cxnSp>
-      <p:sp>
-        <p:nvSpPr>
-          <p:cNvPr id="15" name="내용 개체 틀 14"/>
-          <p:cNvSpPr>
-            <a:spLocks noGrp="1"/>
-          </p:cNvSpPr>
-          <p:nvPr>
-            <p:ph idx="1"/>
-          </p:nvPr>
-        </p:nvSpPr>
-        <p:spPr>
-          <a:xfrm>
-            <a:off x="428355" y="4263853"/>
-            <a:ext cx="8229600" cy="2193107"/>
-          </a:xfrm>
-        </p:spPr>
-        <p:txBody>
-          <a:bodyPr>
-            <a:normAutofit/>
-          </a:bodyPr>
-          <a:lstStyle/>
-          <a:p>
-            <a:r>
-              <a:rPr lang="ko-KR" altLang="en-US" sz="2000" dirty="0" smtClean="0">
-                <a:solidFill>
-                  <a:schemeClr val="accent3">
-                    <a:lumMod val="50000"/>
-                  </a:schemeClr>
-                </a:solidFill>
-                <a:latin typeface="다음_Regular" panose="02000603060000000000" pitchFamily="2" charset="-127"/>
-                <a:ea typeface="다음_Regular" panose="02000603060000000000" pitchFamily="2" charset="-127"/>
-              </a:rPr>
-              <a:t>장점 </a:t>
-            </a:r>
-            <a:r>
-              <a:rPr lang="en-US" altLang="ko-KR" sz="2000" dirty="0" smtClean="0">
-                <a:solidFill>
-                  <a:schemeClr val="accent3">
-                    <a:lumMod val="50000"/>
-                  </a:schemeClr>
-                </a:solidFill>
-                <a:latin typeface="다음_Regular" panose="02000603060000000000" pitchFamily="2" charset="-127"/>
-                <a:ea typeface="다음_Regular" panose="02000603060000000000" pitchFamily="2" charset="-127"/>
-              </a:rPr>
-              <a:t>: Master repo</a:t>
-            </a:r>
-            <a:r>
-              <a:rPr lang="ko-KR" altLang="en-US" sz="2000" dirty="0" smtClean="0">
-                <a:solidFill>
-                  <a:schemeClr val="accent3">
-                    <a:lumMod val="50000"/>
-                  </a:schemeClr>
-                </a:solidFill>
-                <a:latin typeface="다음_Regular" panose="02000603060000000000" pitchFamily="2" charset="-127"/>
-                <a:ea typeface="다음_Regular" panose="02000603060000000000" pitchFamily="2" charset="-127"/>
-              </a:rPr>
-              <a:t>에서 바로 </a:t>
-            </a:r>
-            <a:r>
-              <a:rPr lang="en-US" altLang="ko-KR" sz="2000" dirty="0" smtClean="0">
-                <a:solidFill>
-                  <a:schemeClr val="accent3">
-                    <a:lumMod val="50000"/>
-                  </a:schemeClr>
-                </a:solidFill>
-                <a:latin typeface="다음_Regular" panose="02000603060000000000" pitchFamily="2" charset="-127"/>
-                <a:ea typeface="다음_Regular" panose="02000603060000000000" pitchFamily="2" charset="-127"/>
-              </a:rPr>
-              <a:t>pull, push</a:t>
-            </a:r>
-          </a:p>
-        </p:txBody>
-      </p:sp>
-      <p:pic>
-        <p:nvPicPr>
-          <p:cNvPr id="17" name="Picture 2" descr="내컴퓨터에 대한 이미지 검색결과"/>
-          <p:cNvPicPr>
-            <a:picLocks noChangeAspect="1" noChangeArrowheads="1"/>
-          </p:cNvPicPr>
-          <p:nvPr/>
-        </p:nvPicPr>
-        <p:blipFill>
-          <a:blip r:embed="rId2">
-            <a:extLst>
-              <a:ext uri="{28A0092B-C50C-407E-A947-70E740481C1C}">
-                <a14:useLocalDpi xmlns:a14="http://schemas.microsoft.com/office/drawing/2010/main" val="0"/>
-              </a:ext>
-            </a:extLst>
-          </a:blip>
-          <a:srcRect/>
-          <a:stretch>
-            <a:fillRect/>
-          </a:stretch>
-        </p:blipFill>
-        <p:spPr bwMode="auto">
-          <a:xfrm>
-            <a:off x="591965" y="1700808"/>
-            <a:ext cx="1675779" cy="1675779"/>
-          </a:xfrm>
-          <a:prstGeom prst="rect">
-            <a:avLst/>
-          </a:prstGeom>
-          <a:noFill/>
-          <a:extLst>
-            <a:ext uri="{909E8E84-426E-40DD-AFC4-6F175D3DCCD1}">
-              <a14:hiddenFill xmlns:a14="http://schemas.microsoft.com/office/drawing/2010/main">
-                <a:solidFill>
-                  <a:srgbClr val="FFFFFF"/>
-                </a:solidFill>
-              </a14:hiddenFill>
-            </a:ext>
-          </a:extLst>
-        </p:spPr>
-      </p:pic>
-      <p:pic>
-        <p:nvPicPr>
-          <p:cNvPr id="21" name="그림 20"/>
-          <p:cNvPicPr>
-            <a:picLocks noChangeAspect="1"/>
-          </p:cNvPicPr>
-          <p:nvPr/>
-        </p:nvPicPr>
-        <p:blipFill>
-          <a:blip r:embed="rId3"/>
-          <a:stretch>
-            <a:fillRect/>
-          </a:stretch>
-        </p:blipFill>
-        <p:spPr>
-          <a:xfrm>
-            <a:off x="3884362" y="1771637"/>
-            <a:ext cx="1540080" cy="1595412"/>
-          </a:xfrm>
-          <a:prstGeom prst="rect">
-            <a:avLst/>
-          </a:prstGeom>
-        </p:spPr>
-      </p:pic>
-      <p:sp>
-        <p:nvSpPr>
-          <p:cNvPr id="22" name="TextBox 21"/>
-          <p:cNvSpPr txBox="1"/>
-          <p:nvPr/>
-        </p:nvSpPr>
-        <p:spPr>
-          <a:xfrm>
-            <a:off x="411944" y="3376587"/>
-            <a:ext cx="2035819" cy="369332"/>
-          </a:xfrm>
-          <a:prstGeom prst="rect">
-            <a:avLst/>
-          </a:prstGeom>
-          <a:noFill/>
-        </p:spPr>
-        <p:txBody>
-          <a:bodyPr wrap="square" rtlCol="0">
-            <a:spAutoFit/>
-          </a:bodyPr>
-          <a:lstStyle/>
-          <a:p>
-            <a:pPr algn="ctr"/>
-            <a:r>
-              <a:rPr lang="ko-KR" altLang="en-US" dirty="0" smtClean="0">
-                <a:latin typeface="다음_Regular" panose="02000603060000000000" pitchFamily="2" charset="-127"/>
-                <a:ea typeface="다음_Regular" panose="02000603060000000000" pitchFamily="2" charset="-127"/>
-              </a:rPr>
-              <a:t>내 컴퓨터</a:t>
-            </a:r>
-            <a:endParaRPr lang="ko-KR" altLang="en-US" dirty="0">
-              <a:latin typeface="다음_Regular" panose="02000603060000000000" pitchFamily="2" charset="-127"/>
-              <a:ea typeface="다음_Regular" panose="02000603060000000000" pitchFamily="2" charset="-127"/>
-            </a:endParaRPr>
-          </a:p>
-        </p:txBody>
-      </p:sp>
-      <p:sp>
-        <p:nvSpPr>
-          <p:cNvPr id="24" name="TextBox 23"/>
-          <p:cNvSpPr txBox="1"/>
-          <p:nvPr/>
-        </p:nvSpPr>
-        <p:spPr>
-          <a:xfrm>
-            <a:off x="3800699" y="3376587"/>
-            <a:ext cx="1707405" cy="369332"/>
-          </a:xfrm>
-          <a:prstGeom prst="rect">
-            <a:avLst/>
-          </a:prstGeom>
-          <a:noFill/>
-        </p:spPr>
-        <p:txBody>
-          <a:bodyPr wrap="square" rtlCol="0">
-            <a:spAutoFit/>
-          </a:bodyPr>
-          <a:lstStyle/>
-          <a:p>
-            <a:pPr algn="ctr"/>
-            <a:r>
-              <a:rPr lang="en-US" altLang="ko-KR" dirty="0" smtClean="0">
-                <a:latin typeface="다음_Regular" panose="02000603060000000000" pitchFamily="2" charset="-127"/>
-                <a:ea typeface="다음_Regular" panose="02000603060000000000" pitchFamily="2" charset="-127"/>
-              </a:rPr>
-              <a:t>Master repo</a:t>
-            </a:r>
-            <a:endParaRPr lang="ko-KR" altLang="en-US" dirty="0">
-              <a:latin typeface="다음_Regular" panose="02000603060000000000" pitchFamily="2" charset="-127"/>
-              <a:ea typeface="다음_Regular" panose="02000603060000000000" pitchFamily="2" charset="-127"/>
-            </a:endParaRPr>
-          </a:p>
-        </p:txBody>
-      </p:sp>
-      <p:sp>
-        <p:nvSpPr>
-          <p:cNvPr id="26" name="TextBox 25"/>
-          <p:cNvSpPr txBox="1"/>
-          <p:nvPr/>
-        </p:nvSpPr>
-        <p:spPr>
-          <a:xfrm>
-            <a:off x="7094128" y="3331391"/>
-            <a:ext cx="1736966" cy="369332"/>
-          </a:xfrm>
-          <a:prstGeom prst="rect">
-            <a:avLst/>
-          </a:prstGeom>
-          <a:noFill/>
-        </p:spPr>
-        <p:txBody>
-          <a:bodyPr wrap="square" rtlCol="0">
-            <a:spAutoFit/>
-          </a:bodyPr>
-          <a:lstStyle/>
-          <a:p>
-            <a:pPr algn="ctr"/>
-            <a:r>
-              <a:rPr lang="ko-KR" altLang="en-US" dirty="0" smtClean="0">
-                <a:latin typeface="다음_Regular" panose="02000603060000000000" pitchFamily="2" charset="-127"/>
-                <a:ea typeface="다음_Regular" panose="02000603060000000000" pitchFamily="2" charset="-127"/>
-              </a:rPr>
-              <a:t>팀원 컴퓨터</a:t>
-            </a:r>
-            <a:endParaRPr lang="ko-KR" altLang="en-US" dirty="0">
-              <a:latin typeface="다음_Regular" panose="02000603060000000000" pitchFamily="2" charset="-127"/>
-              <a:ea typeface="다음_Regular" panose="02000603060000000000" pitchFamily="2" charset="-127"/>
-            </a:endParaRPr>
-          </a:p>
-        </p:txBody>
-      </p:sp>
-      <p:sp>
-        <p:nvSpPr>
-          <p:cNvPr id="14" name="오른쪽 화살표 13"/>
-          <p:cNvSpPr/>
-          <p:nvPr/>
-        </p:nvSpPr>
-        <p:spPr>
-          <a:xfrm>
-            <a:off x="2051720" y="1988840"/>
-            <a:ext cx="2088232" cy="1080120"/>
-          </a:xfrm>
-          <a:prstGeom prst="rightArrow">
-            <a:avLst/>
-          </a:prstGeom>
-          <a:solidFill>
-            <a:schemeClr val="accent6"/>
-          </a:solidFill>
-          <a:ln>
-            <a:solidFill>
-              <a:schemeClr val="accent6">
-                <a:lumMod val="40000"/>
-                <a:lumOff val="60000"/>
-              </a:schemeClr>
-            </a:solidFill>
-          </a:ln>
-        </p:spPr>
-        <p:style>
-          <a:lnRef idx="2">
-            <a:schemeClr val="accent1">
-              <a:shade val="50000"/>
-            </a:schemeClr>
-          </a:lnRef>
-          <a:fillRef idx="1">
-            <a:schemeClr val="accent1"/>
-          </a:fillRef>
-          <a:effectRef idx="0">
-            <a:schemeClr val="accent1"/>
-          </a:effectRef>
-          <a:fontRef idx="minor">
-            <a:schemeClr val="lt1"/>
-          </a:fontRef>
-        </p:style>
-        <p:txBody>
-          <a:bodyPr rtlCol="0" anchor="ctr"/>
-          <a:lstStyle/>
-          <a:p>
-            <a:pPr algn="ctr"/>
-            <a:endParaRPr lang="ko-KR" altLang="en-US"/>
-          </a:p>
-        </p:txBody>
-      </p:sp>
-      <p:pic>
-        <p:nvPicPr>
-          <p:cNvPr id="28" name="Picture 2" descr="내컴퓨터에 대한 이미지 검색결과"/>
-          <p:cNvPicPr>
-            <a:picLocks noChangeAspect="1" noChangeArrowheads="1"/>
-          </p:cNvPicPr>
-          <p:nvPr/>
-        </p:nvPicPr>
-        <p:blipFill>
-          <a:blip r:embed="rId2">
-            <a:extLst>
-              <a:ext uri="{28A0092B-C50C-407E-A947-70E740481C1C}">
-                <a14:useLocalDpi xmlns:a14="http://schemas.microsoft.com/office/drawing/2010/main" val="0"/>
-              </a:ext>
-            </a:extLst>
-          </a:blip>
-          <a:srcRect/>
-          <a:stretch>
-            <a:fillRect/>
-          </a:stretch>
-        </p:blipFill>
-        <p:spPr bwMode="auto">
-          <a:xfrm>
-            <a:off x="7124722" y="1700808"/>
-            <a:ext cx="1675779" cy="1675779"/>
-          </a:xfrm>
-          <a:prstGeom prst="rect">
-            <a:avLst/>
-          </a:prstGeom>
-          <a:noFill/>
-          <a:extLst>
-            <a:ext uri="{909E8E84-426E-40DD-AFC4-6F175D3DCCD1}">
-              <a14:hiddenFill xmlns:a14="http://schemas.microsoft.com/office/drawing/2010/main">
-                <a:solidFill>
-                  <a:srgbClr val="FFFFFF"/>
-                </a:solidFill>
-              </a14:hiddenFill>
-            </a:ext>
-          </a:extLst>
-        </p:spPr>
-      </p:pic>
-      <p:sp>
-        <p:nvSpPr>
-          <p:cNvPr id="27" name="오른쪽 화살표 26"/>
-          <p:cNvSpPr/>
-          <p:nvPr/>
-        </p:nvSpPr>
-        <p:spPr>
-          <a:xfrm>
-            <a:off x="5364088" y="1988840"/>
-            <a:ext cx="2088232" cy="1080120"/>
-          </a:xfrm>
-          <a:prstGeom prst="rightArrow">
-            <a:avLst/>
-          </a:prstGeom>
-          <a:solidFill>
-            <a:schemeClr val="accent6"/>
-          </a:solidFill>
-          <a:ln>
-            <a:solidFill>
-              <a:schemeClr val="accent6">
-                <a:lumMod val="40000"/>
-                <a:lumOff val="60000"/>
-              </a:schemeClr>
-            </a:solidFill>
-          </a:ln>
-        </p:spPr>
-        <p:style>
-          <a:lnRef idx="2">
-            <a:schemeClr val="accent1">
-              <a:shade val="50000"/>
-            </a:schemeClr>
-          </a:lnRef>
-          <a:fillRef idx="1">
-            <a:schemeClr val="accent1"/>
-          </a:fillRef>
-          <a:effectRef idx="0">
-            <a:schemeClr val="accent1"/>
-          </a:effectRef>
-          <a:fontRef idx="minor">
-            <a:schemeClr val="lt1"/>
-          </a:fontRef>
-        </p:style>
-        <p:txBody>
-          <a:bodyPr rtlCol="0" anchor="ctr"/>
-          <a:lstStyle/>
-          <a:p>
-            <a:pPr algn="ctr"/>
-            <a:endParaRPr lang="ko-KR" altLang="en-US"/>
-          </a:p>
-        </p:txBody>
-      </p:sp>
-    </p:spTree>
-    <p:extLst>
-      <p:ext uri="{BB962C8B-B14F-4D97-AF65-F5344CB8AC3E}">
-        <p14:creationId xmlns:p14="http://schemas.microsoft.com/office/powerpoint/2010/main" val="4128973298"/>
-      </p:ext>
-    </p:extLst>
-  </p:cSld>
-  <p:clrMapOvr>
-    <a:masterClrMapping/>
-  </p:clrMapOvr>
-  <p:timing>
-    <p:tnLst>
-      <p:par>
-        <p:cTn id="1" dur="indefinite" restart="never" nodeType="tmRoot">
-          <p:childTnLst>
-            <p:seq concurrent="1" nextAc="seek">
-              <p:cTn id="2" dur="indefinite" nodeType="mainSeq">
-                <p:childTnLst>
-                  <p:par>
-                    <p:cTn id="3" fill="hold">
-                      <p:stCondLst>
-                        <p:cond delay="indefinite"/>
-                      </p:stCondLst>
-                      <p:childTnLst>
-                        <p:par>
-                          <p:cTn id="4" fill="hold">
-                            <p:stCondLst>
-                              <p:cond delay="0"/>
-                            </p:stCondLst>
-                            <p:childTnLst>
-                              <p:par>
-                                <p:cTn id="5" presetID="1" presetClass="entr" presetSubtype="0" fill="hold" grpId="0" nodeType="clickEffect">
-                                  <p:stCondLst>
-                                    <p:cond delay="0"/>
-                                  </p:stCondLst>
-                                  <p:childTnLst>
-                                    <p:set>
-                                      <p:cBhvr>
-                                        <p:cTn id="6" dur="1" fill="hold">
-                                          <p:stCondLst>
-                                            <p:cond delay="0"/>
-                                          </p:stCondLst>
-                                        </p:cTn>
-                                        <p:tgtEl>
-                                          <p:spTgt spid="14"/>
-                                        </p:tgtEl>
-                                        <p:attrNameLst>
-                                          <p:attrName>style.visibility</p:attrName>
-                                        </p:attrNameLst>
-                                      </p:cBhvr>
-                                      <p:to>
-                                        <p:strVal val="visible"/>
-                                      </p:to>
-                                    </p:set>
-                                  </p:childTnLst>
-                                </p:cTn>
-                              </p:par>
-                            </p:childTnLst>
-                          </p:cTn>
-                        </p:par>
-                      </p:childTnLst>
-                    </p:cTn>
-                  </p:par>
-                  <p:par>
-                    <p:cTn id="7" fill="hold">
-                      <p:stCondLst>
-                        <p:cond delay="indefinite"/>
-                      </p:stCondLst>
-                      <p:childTnLst>
-                        <p:par>
-                          <p:cTn id="8" fill="hold">
-                            <p:stCondLst>
-                              <p:cond delay="0"/>
-                            </p:stCondLst>
-                            <p:childTnLst>
-                              <p:par>
-                                <p:cTn id="9" presetID="1" presetClass="entr" presetSubtype="0" fill="hold" grpId="0" nodeType="clickEffect">
-                                  <p:stCondLst>
-                                    <p:cond delay="0"/>
-                                  </p:stCondLst>
-                                  <p:childTnLst>
-                                    <p:set>
-                                      <p:cBhvr>
-                                        <p:cTn id="10" dur="1" fill="hold">
-                                          <p:stCondLst>
-                                            <p:cond delay="0"/>
-                                          </p:stCondLst>
-                                        </p:cTn>
-                                        <p:tgtEl>
-                                          <p:spTgt spid="27"/>
-                                        </p:tgtEl>
-                                        <p:attrNameLst>
-                                          <p:attrName>style.visibility</p:attrName>
-                                        </p:attrNameLst>
-                                      </p:cBhvr>
-                                      <p:to>
-                                        <p:strVal val="visible"/>
-                                      </p:to>
-                                    </p:set>
-                                  </p:childTnLst>
-                                </p:cTn>
-                              </p:par>
-                            </p:childTnLst>
-                          </p:cTn>
-                        </p:par>
-                      </p:childTnLst>
-                    </p:cTn>
-                  </p:par>
-                </p:childTnLst>
-              </p:cTn>
-              <p:prevCondLst>
-                <p:cond evt="onPrev" delay="0">
-                  <p:tgtEl>
-                    <p:sldTgt/>
-                  </p:tgtEl>
-                </p:cond>
-              </p:prevCondLst>
-              <p:nextCondLst>
-                <p:cond evt="onNext" delay="0">
-                  <p:tgtEl>
-                    <p:sldTgt/>
-                  </p:tgtEl>
-                </p:cond>
-              </p:nextCondLst>
-            </p:seq>
-          </p:childTnLst>
-        </p:cTn>
-      </p:par>
-    </p:tnLst>
-    <p:bldLst>
-      <p:bldP spid="14" grpId="0" animBg="1"/>
-      <p:bldP spid="27" grpId="0" animBg="1"/>
     </p:bldLst>
   </p:timing>
 </p:sld>
